--- a/Project_Proposal.pptx
+++ b/Project_Proposal.pptx
@@ -3,15 +3,17 @@
 <p:presentation xmlns:a="http://schemas.openxmlformats.org/drawingml/2006/main" xmlns:p="http://schemas.openxmlformats.org/presentationml/2006/main" xmlns:r="http://schemas.openxmlformats.org/officeDocument/2006/relationships" xmlns:p14="http://schemas.microsoft.com/office/powerpoint/2010/main" xmlns:p15="http://schemas.microsoft.com/office/powerpoint/2012/main" xmlns:mc="http://schemas.openxmlformats.org/markup-compatibility/2006">
   <p:sldMasterIdLst>
     <p:sldMasterId id="2147483648" r:id="rId2"/>
+    <p:sldMasterId id="2147483661" r:id="rId3"/>
   </p:sldMasterIdLst>
   <p:sldIdLst>
-    <p:sldId id="256" r:id="rId3"/>
-    <p:sldId id="257" r:id="rId4"/>
-    <p:sldId id="258" r:id="rId5"/>
-    <p:sldId id="259" r:id="rId6"/>
-    <p:sldId id="260" r:id="rId7"/>
-    <p:sldId id="261" r:id="rId8"/>
-    <p:sldId id="262" r:id="rId9"/>
+    <p:sldId id="256" r:id="rId4"/>
+    <p:sldId id="257" r:id="rId5"/>
+    <p:sldId id="258" r:id="rId6"/>
+    <p:sldId id="259" r:id="rId7"/>
+    <p:sldId id="260" r:id="rId8"/>
+    <p:sldId id="261" r:id="rId9"/>
+    <p:sldId id="262" r:id="rId10"/>
+    <p:sldId id="263" r:id="rId11"/>
   </p:sldIdLst>
   <p:sldSz cx="10080625" cy="7559675"/>
   <p:notesSz cx="7772400" cy="10058400"/>
@@ -59,7 +61,7 @@
       </p:grpSpPr>
       <p:sp>
         <p:nvSpPr>
-          <p:cNvPr id="26" name="PlaceHolder 1"/>
+          <p:cNvPr id="25" name="PlaceHolder 1"/>
           <p:cNvSpPr>
             <a:spLocks noGrp="1"/>
           </p:cNvSpPr>
@@ -70,7 +72,7 @@
         <p:spPr>
           <a:xfrm>
             <a:off x="504000" y="301320"/>
-            <a:ext cx="9071640" cy="1262160"/>
+            <a:ext cx="9071280" cy="1261800"/>
           </a:xfrm>
           <a:prstGeom prst="rect">
             <a:avLst/>
@@ -79,24 +81,23 @@
         <p:txBody>
           <a:bodyPr lIns="0" rIns="0" tIns="0" bIns="0" anchor="ctr"/>
           <a:p>
-            <a:pPr algn="ctr"/>
-            <a:endParaRPr b="0" lang="en-US" sz="4400" spc="-1" strike="noStrike">
-              <a:solidFill>
-                <a:srgbClr val="000000"/>
-              </a:solidFill>
-              <a:uFill>
-                <a:solidFill>
-                  <a:srgbClr val="ffffff"/>
-                </a:solidFill>
-              </a:uFill>
-              <a:latin typeface="Arial"/>
-            </a:endParaRPr>
-          </a:p>
-        </p:txBody>
-      </p:sp>
-      <p:sp>
-        <p:nvSpPr>
-          <p:cNvPr id="27" name="PlaceHolder 2"/>
+            <a:endParaRPr b="0" lang="en-US" sz="1800" spc="-1" strike="noStrike">
+              <a:solidFill>
+                <a:srgbClr val="000000"/>
+              </a:solidFill>
+              <a:uFill>
+                <a:solidFill>
+                  <a:srgbClr val="ffffff"/>
+                </a:solidFill>
+              </a:uFill>
+              <a:latin typeface="Arial"/>
+            </a:endParaRPr>
+          </a:p>
+        </p:txBody>
+      </p:sp>
+      <p:sp>
+        <p:nvSpPr>
+          <p:cNvPr id="26" name="PlaceHolder 2"/>
           <p:cNvSpPr>
             <a:spLocks noGrp="1"/>
           </p:cNvSpPr>
@@ -107,7 +108,7 @@
         <p:spPr>
           <a:xfrm>
             <a:off x="504000" y="1769040"/>
-            <a:ext cx="9071640" cy="2091240"/>
+            <a:ext cx="9071280" cy="2090880"/>
           </a:xfrm>
           <a:prstGeom prst="rect">
             <a:avLst/>
@@ -116,23 +117,23 @@
         <p:txBody>
           <a:bodyPr lIns="0" rIns="0" tIns="0" bIns="0"/>
           <a:p>
-            <a:endParaRPr b="0" lang="en-US" sz="3200" spc="-1" strike="noStrike">
-              <a:solidFill>
-                <a:srgbClr val="000000"/>
-              </a:solidFill>
-              <a:uFill>
-                <a:solidFill>
-                  <a:srgbClr val="ffffff"/>
-                </a:solidFill>
-              </a:uFill>
-              <a:latin typeface="Arial"/>
-            </a:endParaRPr>
-          </a:p>
-        </p:txBody>
-      </p:sp>
-      <p:sp>
-        <p:nvSpPr>
-          <p:cNvPr id="28" name="PlaceHolder 3"/>
+            <a:endParaRPr b="0" lang="en-US" sz="2800" spc="-1" strike="noStrike">
+              <a:solidFill>
+                <a:srgbClr val="000000"/>
+              </a:solidFill>
+              <a:uFill>
+                <a:solidFill>
+                  <a:srgbClr val="ffffff"/>
+                </a:solidFill>
+              </a:uFill>
+              <a:latin typeface="Arial"/>
+            </a:endParaRPr>
+          </a:p>
+        </p:txBody>
+      </p:sp>
+      <p:sp>
+        <p:nvSpPr>
+          <p:cNvPr id="27" name="PlaceHolder 3"/>
           <p:cNvSpPr>
             <a:spLocks noGrp="1"/>
           </p:cNvSpPr>
@@ -142,8 +143,8 @@
         </p:nvSpPr>
         <p:spPr>
           <a:xfrm>
-            <a:off x="504000" y="4059360"/>
-            <a:ext cx="9071640" cy="2091240"/>
+            <a:off x="504000" y="4059000"/>
+            <a:ext cx="9071280" cy="2090880"/>
           </a:xfrm>
           <a:prstGeom prst="rect">
             <a:avLst/>
@@ -152,7 +153,7 @@
         <p:txBody>
           <a:bodyPr lIns="0" rIns="0" tIns="0" bIns="0"/>
           <a:p>
-            <a:endParaRPr b="0" lang="en-US" sz="3200" spc="-1" strike="noStrike">
+            <a:endParaRPr b="0" lang="en-US" sz="2800" spc="-1" strike="noStrike">
               <a:solidFill>
                 <a:srgbClr val="000000"/>
               </a:solidFill>
@@ -190,7 +191,7 @@
       </p:grpSpPr>
       <p:sp>
         <p:nvSpPr>
-          <p:cNvPr id="29" name="PlaceHolder 1"/>
+          <p:cNvPr id="28" name="PlaceHolder 1"/>
           <p:cNvSpPr>
             <a:spLocks noGrp="1"/>
           </p:cNvSpPr>
@@ -201,7 +202,7 @@
         <p:spPr>
           <a:xfrm>
             <a:off x="504000" y="301320"/>
-            <a:ext cx="9071640" cy="1262160"/>
+            <a:ext cx="9071280" cy="1261800"/>
           </a:xfrm>
           <a:prstGeom prst="rect">
             <a:avLst/>
@@ -210,24 +211,23 @@
         <p:txBody>
           <a:bodyPr lIns="0" rIns="0" tIns="0" bIns="0" anchor="ctr"/>
           <a:p>
-            <a:pPr algn="ctr"/>
-            <a:endParaRPr b="0" lang="en-US" sz="4400" spc="-1" strike="noStrike">
-              <a:solidFill>
-                <a:srgbClr val="000000"/>
-              </a:solidFill>
-              <a:uFill>
-                <a:solidFill>
-                  <a:srgbClr val="ffffff"/>
-                </a:solidFill>
-              </a:uFill>
-              <a:latin typeface="Arial"/>
-            </a:endParaRPr>
-          </a:p>
-        </p:txBody>
-      </p:sp>
-      <p:sp>
-        <p:nvSpPr>
-          <p:cNvPr id="30" name="PlaceHolder 2"/>
+            <a:endParaRPr b="0" lang="en-US" sz="1800" spc="-1" strike="noStrike">
+              <a:solidFill>
+                <a:srgbClr val="000000"/>
+              </a:solidFill>
+              <a:uFill>
+                <a:solidFill>
+                  <a:srgbClr val="ffffff"/>
+                </a:solidFill>
+              </a:uFill>
+              <a:latin typeface="Arial"/>
+            </a:endParaRPr>
+          </a:p>
+        </p:txBody>
+      </p:sp>
+      <p:sp>
+        <p:nvSpPr>
+          <p:cNvPr id="29" name="PlaceHolder 2"/>
           <p:cNvSpPr>
             <a:spLocks noGrp="1"/>
           </p:cNvSpPr>
@@ -238,7 +238,7 @@
         <p:spPr>
           <a:xfrm>
             <a:off x="504000" y="1769040"/>
-            <a:ext cx="4426920" cy="2091240"/>
+            <a:ext cx="4426560" cy="2090880"/>
           </a:xfrm>
           <a:prstGeom prst="rect">
             <a:avLst/>
@@ -247,23 +247,23 @@
         <p:txBody>
           <a:bodyPr lIns="0" rIns="0" tIns="0" bIns="0"/>
           <a:p>
-            <a:endParaRPr b="0" lang="en-US" sz="3200" spc="-1" strike="noStrike">
-              <a:solidFill>
-                <a:srgbClr val="000000"/>
-              </a:solidFill>
-              <a:uFill>
-                <a:solidFill>
-                  <a:srgbClr val="ffffff"/>
-                </a:solidFill>
-              </a:uFill>
-              <a:latin typeface="Arial"/>
-            </a:endParaRPr>
-          </a:p>
-        </p:txBody>
-      </p:sp>
-      <p:sp>
-        <p:nvSpPr>
-          <p:cNvPr id="31" name="PlaceHolder 3"/>
+            <a:endParaRPr b="0" lang="en-US" sz="2800" spc="-1" strike="noStrike">
+              <a:solidFill>
+                <a:srgbClr val="000000"/>
+              </a:solidFill>
+              <a:uFill>
+                <a:solidFill>
+                  <a:srgbClr val="ffffff"/>
+                </a:solidFill>
+              </a:uFill>
+              <a:latin typeface="Arial"/>
+            </a:endParaRPr>
+          </a:p>
+        </p:txBody>
+      </p:sp>
+      <p:sp>
+        <p:nvSpPr>
+          <p:cNvPr id="30" name="PlaceHolder 3"/>
           <p:cNvSpPr>
             <a:spLocks noGrp="1"/>
           </p:cNvSpPr>
@@ -273,8 +273,8 @@
         </p:nvSpPr>
         <p:spPr>
           <a:xfrm>
-            <a:off x="5152680" y="1769040"/>
-            <a:ext cx="4426920" cy="2091240"/>
+            <a:off x="5152320" y="1769040"/>
+            <a:ext cx="4426560" cy="2090880"/>
           </a:xfrm>
           <a:prstGeom prst="rect">
             <a:avLst/>
@@ -283,23 +283,23 @@
         <p:txBody>
           <a:bodyPr lIns="0" rIns="0" tIns="0" bIns="0"/>
           <a:p>
-            <a:endParaRPr b="0" lang="en-US" sz="3200" spc="-1" strike="noStrike">
-              <a:solidFill>
-                <a:srgbClr val="000000"/>
-              </a:solidFill>
-              <a:uFill>
-                <a:solidFill>
-                  <a:srgbClr val="ffffff"/>
-                </a:solidFill>
-              </a:uFill>
-              <a:latin typeface="Arial"/>
-            </a:endParaRPr>
-          </a:p>
-        </p:txBody>
-      </p:sp>
-      <p:sp>
-        <p:nvSpPr>
-          <p:cNvPr id="32" name="PlaceHolder 4"/>
+            <a:endParaRPr b="0" lang="en-US" sz="2800" spc="-1" strike="noStrike">
+              <a:solidFill>
+                <a:srgbClr val="000000"/>
+              </a:solidFill>
+              <a:uFill>
+                <a:solidFill>
+                  <a:srgbClr val="ffffff"/>
+                </a:solidFill>
+              </a:uFill>
+              <a:latin typeface="Arial"/>
+            </a:endParaRPr>
+          </a:p>
+        </p:txBody>
+      </p:sp>
+      <p:sp>
+        <p:nvSpPr>
+          <p:cNvPr id="31" name="PlaceHolder 4"/>
           <p:cNvSpPr>
             <a:spLocks noGrp="1"/>
           </p:cNvSpPr>
@@ -309,8 +309,8 @@
         </p:nvSpPr>
         <p:spPr>
           <a:xfrm>
-            <a:off x="5152680" y="4059360"/>
-            <a:ext cx="4426920" cy="2091240"/>
+            <a:off x="5152320" y="4059000"/>
+            <a:ext cx="4426560" cy="2090880"/>
           </a:xfrm>
           <a:prstGeom prst="rect">
             <a:avLst/>
@@ -319,23 +319,23 @@
         <p:txBody>
           <a:bodyPr lIns="0" rIns="0" tIns="0" bIns="0"/>
           <a:p>
-            <a:endParaRPr b="0" lang="en-US" sz="3200" spc="-1" strike="noStrike">
-              <a:solidFill>
-                <a:srgbClr val="000000"/>
-              </a:solidFill>
-              <a:uFill>
-                <a:solidFill>
-                  <a:srgbClr val="ffffff"/>
-                </a:solidFill>
-              </a:uFill>
-              <a:latin typeface="Arial"/>
-            </a:endParaRPr>
-          </a:p>
-        </p:txBody>
-      </p:sp>
-      <p:sp>
-        <p:nvSpPr>
-          <p:cNvPr id="33" name="PlaceHolder 5"/>
+            <a:endParaRPr b="0" lang="en-US" sz="2800" spc="-1" strike="noStrike">
+              <a:solidFill>
+                <a:srgbClr val="000000"/>
+              </a:solidFill>
+              <a:uFill>
+                <a:solidFill>
+                  <a:srgbClr val="ffffff"/>
+                </a:solidFill>
+              </a:uFill>
+              <a:latin typeface="Arial"/>
+            </a:endParaRPr>
+          </a:p>
+        </p:txBody>
+      </p:sp>
+      <p:sp>
+        <p:nvSpPr>
+          <p:cNvPr id="32" name="PlaceHolder 5"/>
           <p:cNvSpPr>
             <a:spLocks noGrp="1"/>
           </p:cNvSpPr>
@@ -345,8 +345,8 @@
         </p:nvSpPr>
         <p:spPr>
           <a:xfrm>
-            <a:off x="504000" y="4059360"/>
-            <a:ext cx="4426920" cy="2091240"/>
+            <a:off x="504000" y="4059000"/>
+            <a:ext cx="4426560" cy="2090880"/>
           </a:xfrm>
           <a:prstGeom prst="rect">
             <a:avLst/>
@@ -355,7 +355,7 @@
         <p:txBody>
           <a:bodyPr lIns="0" rIns="0" tIns="0" bIns="0"/>
           <a:p>
-            <a:endParaRPr b="0" lang="en-US" sz="3200" spc="-1" strike="noStrike">
+            <a:endParaRPr b="0" lang="en-US" sz="2800" spc="-1" strike="noStrike">
               <a:solidFill>
                 <a:srgbClr val="000000"/>
               </a:solidFill>
@@ -393,7 +393,7 @@
       </p:grpSpPr>
       <p:sp>
         <p:nvSpPr>
-          <p:cNvPr id="34" name="PlaceHolder 1"/>
+          <p:cNvPr id="33" name="PlaceHolder 1"/>
           <p:cNvSpPr>
             <a:spLocks noGrp="1"/>
           </p:cNvSpPr>
@@ -404,7 +404,7 @@
         <p:spPr>
           <a:xfrm>
             <a:off x="504000" y="301320"/>
-            <a:ext cx="9071640" cy="1262160"/>
+            <a:ext cx="9071280" cy="1261800"/>
           </a:xfrm>
           <a:prstGeom prst="rect">
             <a:avLst/>
@@ -413,24 +413,23 @@
         <p:txBody>
           <a:bodyPr lIns="0" rIns="0" tIns="0" bIns="0" anchor="ctr"/>
           <a:p>
-            <a:pPr algn="ctr"/>
-            <a:endParaRPr b="0" lang="en-US" sz="4400" spc="-1" strike="noStrike">
-              <a:solidFill>
-                <a:srgbClr val="000000"/>
-              </a:solidFill>
-              <a:uFill>
-                <a:solidFill>
-                  <a:srgbClr val="ffffff"/>
-                </a:solidFill>
-              </a:uFill>
-              <a:latin typeface="Arial"/>
-            </a:endParaRPr>
-          </a:p>
-        </p:txBody>
-      </p:sp>
-      <p:sp>
-        <p:nvSpPr>
-          <p:cNvPr id="35" name="PlaceHolder 2"/>
+            <a:endParaRPr b="0" lang="en-US" sz="1800" spc="-1" strike="noStrike">
+              <a:solidFill>
+                <a:srgbClr val="000000"/>
+              </a:solidFill>
+              <a:uFill>
+                <a:solidFill>
+                  <a:srgbClr val="ffffff"/>
+                </a:solidFill>
+              </a:uFill>
+              <a:latin typeface="Arial"/>
+            </a:endParaRPr>
+          </a:p>
+        </p:txBody>
+      </p:sp>
+      <p:sp>
+        <p:nvSpPr>
+          <p:cNvPr id="34" name="PlaceHolder 2"/>
           <p:cNvSpPr>
             <a:spLocks noGrp="1"/>
           </p:cNvSpPr>
@@ -441,7 +440,7 @@
         <p:spPr>
           <a:xfrm>
             <a:off x="504000" y="1769040"/>
-            <a:ext cx="9071640" cy="4384440"/>
+            <a:ext cx="9071280" cy="4384080"/>
           </a:xfrm>
           <a:prstGeom prst="rect">
             <a:avLst/>
@@ -450,23 +449,23 @@
         <p:txBody>
           <a:bodyPr lIns="0" rIns="0" tIns="0" bIns="0"/>
           <a:p>
-            <a:endParaRPr b="0" lang="en-US" sz="3200" spc="-1" strike="noStrike">
-              <a:solidFill>
-                <a:srgbClr val="000000"/>
-              </a:solidFill>
-              <a:uFill>
-                <a:solidFill>
-                  <a:srgbClr val="ffffff"/>
-                </a:solidFill>
-              </a:uFill>
-              <a:latin typeface="Arial"/>
-            </a:endParaRPr>
-          </a:p>
-        </p:txBody>
-      </p:sp>
-      <p:sp>
-        <p:nvSpPr>
-          <p:cNvPr id="36" name="PlaceHolder 3"/>
+            <a:endParaRPr b="0" lang="en-US" sz="2800" spc="-1" strike="noStrike">
+              <a:solidFill>
+                <a:srgbClr val="000000"/>
+              </a:solidFill>
+              <a:uFill>
+                <a:solidFill>
+                  <a:srgbClr val="ffffff"/>
+                </a:solidFill>
+              </a:uFill>
+              <a:latin typeface="Arial"/>
+            </a:endParaRPr>
+          </a:p>
+        </p:txBody>
+      </p:sp>
+      <p:sp>
+        <p:nvSpPr>
+          <p:cNvPr id="35" name="PlaceHolder 3"/>
           <p:cNvSpPr>
             <a:spLocks noGrp="1"/>
           </p:cNvSpPr>
@@ -477,7 +476,7 @@
         <p:spPr>
           <a:xfrm>
             <a:off x="504000" y="1769040"/>
-            <a:ext cx="9071640" cy="4384440"/>
+            <a:ext cx="9071280" cy="4384080"/>
           </a:xfrm>
           <a:prstGeom prst="rect">
             <a:avLst/>
@@ -486,20 +485,43 @@
         <p:txBody>
           <a:bodyPr lIns="0" rIns="0" tIns="0" bIns="0"/>
           <a:p>
-            <a:endParaRPr b="0" lang="en-US" sz="3200" spc="-1" strike="noStrike">
-              <a:solidFill>
-                <a:srgbClr val="000000"/>
-              </a:solidFill>
-              <a:uFill>
-                <a:solidFill>
-                  <a:srgbClr val="ffffff"/>
-                </a:solidFill>
-              </a:uFill>
-              <a:latin typeface="Arial"/>
-            </a:endParaRPr>
-          </a:p>
-        </p:txBody>
-      </p:sp>
+            <a:endParaRPr b="0" lang="en-US" sz="2800" spc="-1" strike="noStrike">
+              <a:solidFill>
+                <a:srgbClr val="000000"/>
+              </a:solidFill>
+              <a:uFill>
+                <a:solidFill>
+                  <a:srgbClr val="ffffff"/>
+                </a:solidFill>
+              </a:uFill>
+              <a:latin typeface="Arial"/>
+            </a:endParaRPr>
+          </a:p>
+        </p:txBody>
+      </p:sp>
+      <p:pic>
+        <p:nvPicPr>
+          <p:cNvPr id="36" name="" descr=""/>
+          <p:cNvPicPr/>
+          <p:nvPr/>
+        </p:nvPicPr>
+        <p:blipFill>
+          <a:blip r:embed="rId2"/>
+          <a:stretch/>
+        </p:blipFill>
+        <p:spPr>
+          <a:xfrm>
+            <a:off x="2292120" y="1769040"/>
+            <a:ext cx="5494680" cy="4384080"/>
+          </a:xfrm>
+          <a:prstGeom prst="rect">
+            <a:avLst/>
+          </a:prstGeom>
+          <a:ln>
+            <a:noFill/>
+          </a:ln>
+        </p:spPr>
+      </p:pic>
       <p:pic>
         <p:nvPicPr>
           <p:cNvPr id="37" name="" descr=""/>
@@ -507,13 +529,13 @@
           <p:nvPr/>
         </p:nvPicPr>
         <p:blipFill>
-          <a:blip r:embed="rId2"/>
+          <a:blip r:embed="rId3"/>
           <a:stretch/>
         </p:blipFill>
         <p:spPr>
           <a:xfrm>
-            <a:off x="2292120" y="1768680"/>
-            <a:ext cx="5495040" cy="4384440"/>
+            <a:off x="2292120" y="1769040"/>
+            <a:ext cx="5494680" cy="4384080"/>
           </a:xfrm>
           <a:prstGeom prst="rect">
             <a:avLst/>
@@ -523,29 +545,630 @@
           </a:ln>
         </p:spPr>
       </p:pic>
-      <p:pic>
-        <p:nvPicPr>
-          <p:cNvPr id="38" name="" descr=""/>
-          <p:cNvPicPr/>
-          <p:nvPr/>
-        </p:nvPicPr>
-        <p:blipFill>
-          <a:blip r:embed="rId3"/>
-          <a:stretch/>
-        </p:blipFill>
-        <p:spPr>
-          <a:xfrm>
-            <a:off x="2292120" y="1768680"/>
-            <a:ext cx="5495040" cy="4384440"/>
-          </a:xfrm>
-          <a:prstGeom prst="rect">
-            <a:avLst/>
-          </a:prstGeom>
-          <a:ln>
-            <a:noFill/>
-          </a:ln>
-        </p:spPr>
-      </p:pic>
+    </p:spTree>
+  </p:cSld>
+</p:sldLayout>
+</file>
+
+<file path=ppt/slideLayouts/slideLayout13.xml><?xml version="1.0" encoding="utf-8"?>
+<p:sldLayout xmlns:a="http://schemas.openxmlformats.org/drawingml/2006/main" xmlns:p="http://schemas.openxmlformats.org/presentationml/2006/main" xmlns:r="http://schemas.openxmlformats.org/officeDocument/2006/relationships" xmlns:p14="http://schemas.microsoft.com/office/powerpoint/2010/main" xmlns:p15="http://schemas.microsoft.com/office/powerpoint/2012/main" xmlns:mc="http://schemas.openxmlformats.org/markup-compatibility/2006" type="blank" preserve="1">
+  <p:cSld name="Blank Slide">
+    <p:spTree>
+      <p:nvGrpSpPr>
+        <p:cNvPr id="1" name=""/>
+        <p:cNvGrpSpPr/>
+        <p:nvPr/>
+      </p:nvGrpSpPr>
+      <p:grpSpPr>
+        <a:xfrm>
+          <a:off x="0" y="0"/>
+          <a:ext cx="0" cy="0"/>
+          <a:chOff x="0" y="0"/>
+          <a:chExt cx="0" cy="0"/>
+        </a:xfrm>
+      </p:grpSpPr>
+    </p:spTree>
+  </p:cSld>
+</p:sldLayout>
+</file>
+
+<file path=ppt/slideLayouts/slideLayout14.xml><?xml version="1.0" encoding="utf-8"?>
+<p:sldLayout xmlns:a="http://schemas.openxmlformats.org/drawingml/2006/main" xmlns:p="http://schemas.openxmlformats.org/presentationml/2006/main" xmlns:r="http://schemas.openxmlformats.org/officeDocument/2006/relationships" xmlns:p14="http://schemas.microsoft.com/office/powerpoint/2010/main" xmlns:p15="http://schemas.microsoft.com/office/powerpoint/2012/main" xmlns:mc="http://schemas.openxmlformats.org/markup-compatibility/2006" type="tx" preserve="1">
+  <p:cSld name="Title Slide">
+    <p:spTree>
+      <p:nvGrpSpPr>
+        <p:cNvPr id="1" name=""/>
+        <p:cNvGrpSpPr/>
+        <p:nvPr/>
+      </p:nvGrpSpPr>
+      <p:grpSpPr>
+        <a:xfrm>
+          <a:off x="0" y="0"/>
+          <a:ext cx="0" cy="0"/>
+          <a:chOff x="0" y="0"/>
+          <a:chExt cx="0" cy="0"/>
+        </a:xfrm>
+      </p:grpSpPr>
+      <p:sp>
+        <p:nvSpPr>
+          <p:cNvPr id="40" name="PlaceHolder 1"/>
+          <p:cNvSpPr>
+            <a:spLocks noGrp="1"/>
+          </p:cNvSpPr>
+          <p:nvPr>
+            <p:ph type="title"/>
+          </p:nvPr>
+        </p:nvSpPr>
+        <p:spPr>
+          <a:xfrm>
+            <a:off x="504000" y="301320"/>
+            <a:ext cx="9071280" cy="1261800"/>
+          </a:xfrm>
+          <a:prstGeom prst="rect">
+            <a:avLst/>
+          </a:prstGeom>
+        </p:spPr>
+        <p:txBody>
+          <a:bodyPr lIns="0" rIns="0" tIns="0" bIns="0" anchor="ctr"/>
+          <a:p>
+            <a:endParaRPr b="0" lang="en-US" sz="1800" spc="-1" strike="noStrike">
+              <a:solidFill>
+                <a:srgbClr val="000000"/>
+              </a:solidFill>
+              <a:uFill>
+                <a:solidFill>
+                  <a:srgbClr val="ffffff"/>
+                </a:solidFill>
+              </a:uFill>
+              <a:latin typeface="Arial"/>
+            </a:endParaRPr>
+          </a:p>
+        </p:txBody>
+      </p:sp>
+      <p:sp>
+        <p:nvSpPr>
+          <p:cNvPr id="41" name="PlaceHolder 2"/>
+          <p:cNvSpPr>
+            <a:spLocks noGrp="1"/>
+          </p:cNvSpPr>
+          <p:nvPr>
+            <p:ph type="subTitle"/>
+          </p:nvPr>
+        </p:nvSpPr>
+        <p:spPr>
+          <a:xfrm>
+            <a:off x="504000" y="1769040"/>
+            <a:ext cx="9071280" cy="4384080"/>
+          </a:xfrm>
+          <a:prstGeom prst="rect">
+            <a:avLst/>
+          </a:prstGeom>
+        </p:spPr>
+        <p:txBody>
+          <a:bodyPr lIns="0" rIns="0" tIns="0" bIns="0" anchor="ctr"/>
+          <a:p>
+            <a:pPr algn="ctr"/>
+            <a:endParaRPr b="0" lang="en-US" sz="3200" spc="-1" strike="noStrike">
+              <a:solidFill>
+                <a:srgbClr val="000000"/>
+              </a:solidFill>
+              <a:uFill>
+                <a:solidFill>
+                  <a:srgbClr val="ffffff"/>
+                </a:solidFill>
+              </a:uFill>
+              <a:latin typeface="Arial"/>
+            </a:endParaRPr>
+          </a:p>
+        </p:txBody>
+      </p:sp>
+    </p:spTree>
+  </p:cSld>
+</p:sldLayout>
+</file>
+
+<file path=ppt/slideLayouts/slideLayout15.xml><?xml version="1.0" encoding="utf-8"?>
+<p:sldLayout xmlns:a="http://schemas.openxmlformats.org/drawingml/2006/main" xmlns:p="http://schemas.openxmlformats.org/presentationml/2006/main" xmlns:r="http://schemas.openxmlformats.org/officeDocument/2006/relationships" xmlns:p14="http://schemas.microsoft.com/office/powerpoint/2010/main" xmlns:p15="http://schemas.microsoft.com/office/powerpoint/2012/main" xmlns:mc="http://schemas.openxmlformats.org/markup-compatibility/2006" type="obj" preserve="1">
+  <p:cSld name="Title, Content">
+    <p:spTree>
+      <p:nvGrpSpPr>
+        <p:cNvPr id="1" name=""/>
+        <p:cNvGrpSpPr/>
+        <p:nvPr/>
+      </p:nvGrpSpPr>
+      <p:grpSpPr>
+        <a:xfrm>
+          <a:off x="0" y="0"/>
+          <a:ext cx="0" cy="0"/>
+          <a:chOff x="0" y="0"/>
+          <a:chExt cx="0" cy="0"/>
+        </a:xfrm>
+      </p:grpSpPr>
+      <p:sp>
+        <p:nvSpPr>
+          <p:cNvPr id="42" name="PlaceHolder 1"/>
+          <p:cNvSpPr>
+            <a:spLocks noGrp="1"/>
+          </p:cNvSpPr>
+          <p:nvPr>
+            <p:ph type="title"/>
+          </p:nvPr>
+        </p:nvSpPr>
+        <p:spPr>
+          <a:xfrm>
+            <a:off x="504000" y="301320"/>
+            <a:ext cx="9071280" cy="1261800"/>
+          </a:xfrm>
+          <a:prstGeom prst="rect">
+            <a:avLst/>
+          </a:prstGeom>
+        </p:spPr>
+        <p:txBody>
+          <a:bodyPr lIns="0" rIns="0" tIns="0" bIns="0" anchor="ctr"/>
+          <a:p>
+            <a:endParaRPr b="0" lang="en-US" sz="1800" spc="-1" strike="noStrike">
+              <a:solidFill>
+                <a:srgbClr val="000000"/>
+              </a:solidFill>
+              <a:uFill>
+                <a:solidFill>
+                  <a:srgbClr val="ffffff"/>
+                </a:solidFill>
+              </a:uFill>
+              <a:latin typeface="Arial"/>
+            </a:endParaRPr>
+          </a:p>
+        </p:txBody>
+      </p:sp>
+      <p:sp>
+        <p:nvSpPr>
+          <p:cNvPr id="43" name="PlaceHolder 2"/>
+          <p:cNvSpPr>
+            <a:spLocks noGrp="1"/>
+          </p:cNvSpPr>
+          <p:nvPr>
+            <p:ph type="body"/>
+          </p:nvPr>
+        </p:nvSpPr>
+        <p:spPr>
+          <a:xfrm>
+            <a:off x="504000" y="1769040"/>
+            <a:ext cx="9071280" cy="4384080"/>
+          </a:xfrm>
+          <a:prstGeom prst="rect">
+            <a:avLst/>
+          </a:prstGeom>
+        </p:spPr>
+        <p:txBody>
+          <a:bodyPr lIns="0" rIns="0" tIns="0" bIns="0"/>
+          <a:p>
+            <a:endParaRPr b="0" lang="en-US" sz="2800" spc="-1" strike="noStrike">
+              <a:solidFill>
+                <a:srgbClr val="000000"/>
+              </a:solidFill>
+              <a:uFill>
+                <a:solidFill>
+                  <a:srgbClr val="ffffff"/>
+                </a:solidFill>
+              </a:uFill>
+              <a:latin typeface="Arial"/>
+            </a:endParaRPr>
+          </a:p>
+        </p:txBody>
+      </p:sp>
+    </p:spTree>
+  </p:cSld>
+</p:sldLayout>
+</file>
+
+<file path=ppt/slideLayouts/slideLayout16.xml><?xml version="1.0" encoding="utf-8"?>
+<p:sldLayout xmlns:a="http://schemas.openxmlformats.org/drawingml/2006/main" xmlns:p="http://schemas.openxmlformats.org/presentationml/2006/main" xmlns:r="http://schemas.openxmlformats.org/officeDocument/2006/relationships" xmlns:p14="http://schemas.microsoft.com/office/powerpoint/2010/main" xmlns:p15="http://schemas.microsoft.com/office/powerpoint/2012/main" xmlns:mc="http://schemas.openxmlformats.org/markup-compatibility/2006" type="twoObj" preserve="1">
+  <p:cSld name="Title, 2 Content">
+    <p:spTree>
+      <p:nvGrpSpPr>
+        <p:cNvPr id="1" name=""/>
+        <p:cNvGrpSpPr/>
+        <p:nvPr/>
+      </p:nvGrpSpPr>
+      <p:grpSpPr>
+        <a:xfrm>
+          <a:off x="0" y="0"/>
+          <a:ext cx="0" cy="0"/>
+          <a:chOff x="0" y="0"/>
+          <a:chExt cx="0" cy="0"/>
+        </a:xfrm>
+      </p:grpSpPr>
+      <p:sp>
+        <p:nvSpPr>
+          <p:cNvPr id="44" name="PlaceHolder 1"/>
+          <p:cNvSpPr>
+            <a:spLocks noGrp="1"/>
+          </p:cNvSpPr>
+          <p:nvPr>
+            <p:ph type="title"/>
+          </p:nvPr>
+        </p:nvSpPr>
+        <p:spPr>
+          <a:xfrm>
+            <a:off x="504000" y="301320"/>
+            <a:ext cx="9071280" cy="1261800"/>
+          </a:xfrm>
+          <a:prstGeom prst="rect">
+            <a:avLst/>
+          </a:prstGeom>
+        </p:spPr>
+        <p:txBody>
+          <a:bodyPr lIns="0" rIns="0" tIns="0" bIns="0" anchor="ctr"/>
+          <a:p>
+            <a:endParaRPr b="0" lang="en-US" sz="1800" spc="-1" strike="noStrike">
+              <a:solidFill>
+                <a:srgbClr val="000000"/>
+              </a:solidFill>
+              <a:uFill>
+                <a:solidFill>
+                  <a:srgbClr val="ffffff"/>
+                </a:solidFill>
+              </a:uFill>
+              <a:latin typeface="Arial"/>
+            </a:endParaRPr>
+          </a:p>
+        </p:txBody>
+      </p:sp>
+      <p:sp>
+        <p:nvSpPr>
+          <p:cNvPr id="45" name="PlaceHolder 2"/>
+          <p:cNvSpPr>
+            <a:spLocks noGrp="1"/>
+          </p:cNvSpPr>
+          <p:nvPr>
+            <p:ph type="body"/>
+          </p:nvPr>
+        </p:nvSpPr>
+        <p:spPr>
+          <a:xfrm>
+            <a:off x="504000" y="1769040"/>
+            <a:ext cx="4426560" cy="4384080"/>
+          </a:xfrm>
+          <a:prstGeom prst="rect">
+            <a:avLst/>
+          </a:prstGeom>
+        </p:spPr>
+        <p:txBody>
+          <a:bodyPr lIns="0" rIns="0" tIns="0" bIns="0"/>
+          <a:p>
+            <a:endParaRPr b="0" lang="en-US" sz="2800" spc="-1" strike="noStrike">
+              <a:solidFill>
+                <a:srgbClr val="000000"/>
+              </a:solidFill>
+              <a:uFill>
+                <a:solidFill>
+                  <a:srgbClr val="ffffff"/>
+                </a:solidFill>
+              </a:uFill>
+              <a:latin typeface="Arial"/>
+            </a:endParaRPr>
+          </a:p>
+        </p:txBody>
+      </p:sp>
+      <p:sp>
+        <p:nvSpPr>
+          <p:cNvPr id="46" name="PlaceHolder 3"/>
+          <p:cNvSpPr>
+            <a:spLocks noGrp="1"/>
+          </p:cNvSpPr>
+          <p:nvPr>
+            <p:ph type="body"/>
+          </p:nvPr>
+        </p:nvSpPr>
+        <p:spPr>
+          <a:xfrm>
+            <a:off x="5152320" y="1769040"/>
+            <a:ext cx="4426560" cy="4384080"/>
+          </a:xfrm>
+          <a:prstGeom prst="rect">
+            <a:avLst/>
+          </a:prstGeom>
+        </p:spPr>
+        <p:txBody>
+          <a:bodyPr lIns="0" rIns="0" tIns="0" bIns="0"/>
+          <a:p>
+            <a:endParaRPr b="0" lang="en-US" sz="2800" spc="-1" strike="noStrike">
+              <a:solidFill>
+                <a:srgbClr val="000000"/>
+              </a:solidFill>
+              <a:uFill>
+                <a:solidFill>
+                  <a:srgbClr val="ffffff"/>
+                </a:solidFill>
+              </a:uFill>
+              <a:latin typeface="Arial"/>
+            </a:endParaRPr>
+          </a:p>
+        </p:txBody>
+      </p:sp>
+    </p:spTree>
+  </p:cSld>
+</p:sldLayout>
+</file>
+
+<file path=ppt/slideLayouts/slideLayout17.xml><?xml version="1.0" encoding="utf-8"?>
+<p:sldLayout xmlns:a="http://schemas.openxmlformats.org/drawingml/2006/main" xmlns:p="http://schemas.openxmlformats.org/presentationml/2006/main" xmlns:r="http://schemas.openxmlformats.org/officeDocument/2006/relationships" xmlns:p14="http://schemas.microsoft.com/office/powerpoint/2010/main" xmlns:p15="http://schemas.microsoft.com/office/powerpoint/2012/main" xmlns:mc="http://schemas.openxmlformats.org/markup-compatibility/2006" type="titleOnly" preserve="1">
+  <p:cSld name="Title Only">
+    <p:spTree>
+      <p:nvGrpSpPr>
+        <p:cNvPr id="1" name=""/>
+        <p:cNvGrpSpPr/>
+        <p:nvPr/>
+      </p:nvGrpSpPr>
+      <p:grpSpPr>
+        <a:xfrm>
+          <a:off x="0" y="0"/>
+          <a:ext cx="0" cy="0"/>
+          <a:chOff x="0" y="0"/>
+          <a:chExt cx="0" cy="0"/>
+        </a:xfrm>
+      </p:grpSpPr>
+      <p:sp>
+        <p:nvSpPr>
+          <p:cNvPr id="47" name="PlaceHolder 1"/>
+          <p:cNvSpPr>
+            <a:spLocks noGrp="1"/>
+          </p:cNvSpPr>
+          <p:nvPr>
+            <p:ph type="title"/>
+          </p:nvPr>
+        </p:nvSpPr>
+        <p:spPr>
+          <a:xfrm>
+            <a:off x="504000" y="301320"/>
+            <a:ext cx="9071280" cy="1261800"/>
+          </a:xfrm>
+          <a:prstGeom prst="rect">
+            <a:avLst/>
+          </a:prstGeom>
+        </p:spPr>
+        <p:txBody>
+          <a:bodyPr lIns="0" rIns="0" tIns="0" bIns="0" anchor="ctr"/>
+          <a:p>
+            <a:endParaRPr b="0" lang="en-US" sz="1800" spc="-1" strike="noStrike">
+              <a:solidFill>
+                <a:srgbClr val="000000"/>
+              </a:solidFill>
+              <a:uFill>
+                <a:solidFill>
+                  <a:srgbClr val="ffffff"/>
+                </a:solidFill>
+              </a:uFill>
+              <a:latin typeface="Arial"/>
+            </a:endParaRPr>
+          </a:p>
+        </p:txBody>
+      </p:sp>
+    </p:spTree>
+  </p:cSld>
+</p:sldLayout>
+</file>
+
+<file path=ppt/slideLayouts/slideLayout18.xml><?xml version="1.0" encoding="utf-8"?>
+<p:sldLayout xmlns:a="http://schemas.openxmlformats.org/drawingml/2006/main" xmlns:p="http://schemas.openxmlformats.org/presentationml/2006/main" xmlns:r="http://schemas.openxmlformats.org/officeDocument/2006/relationships" xmlns:p14="http://schemas.microsoft.com/office/powerpoint/2010/main" xmlns:p15="http://schemas.microsoft.com/office/powerpoint/2012/main" xmlns:mc="http://schemas.openxmlformats.org/markup-compatibility/2006" type="objOnly" preserve="1">
+  <p:cSld name="Centered Text">
+    <p:spTree>
+      <p:nvGrpSpPr>
+        <p:cNvPr id="1" name=""/>
+        <p:cNvGrpSpPr/>
+        <p:nvPr/>
+      </p:nvGrpSpPr>
+      <p:grpSpPr>
+        <a:xfrm>
+          <a:off x="0" y="0"/>
+          <a:ext cx="0" cy="0"/>
+          <a:chOff x="0" y="0"/>
+          <a:chExt cx="0" cy="0"/>
+        </a:xfrm>
+      </p:grpSpPr>
+      <p:sp>
+        <p:nvSpPr>
+          <p:cNvPr id="48" name="PlaceHolder 1"/>
+          <p:cNvSpPr>
+            <a:spLocks noGrp="1"/>
+          </p:cNvSpPr>
+          <p:nvPr>
+            <p:ph type="subTitle"/>
+          </p:nvPr>
+        </p:nvSpPr>
+        <p:spPr>
+          <a:xfrm>
+            <a:off x="504000" y="301320"/>
+            <a:ext cx="9071280" cy="5850360"/>
+          </a:xfrm>
+          <a:prstGeom prst="rect">
+            <a:avLst/>
+          </a:prstGeom>
+        </p:spPr>
+        <p:txBody>
+          <a:bodyPr lIns="0" rIns="0" tIns="0" bIns="0" anchor="ctr"/>
+          <a:p>
+            <a:pPr algn="ctr"/>
+            <a:endParaRPr b="0" lang="en-US" sz="3200" spc="-1" strike="noStrike">
+              <a:solidFill>
+                <a:srgbClr val="000000"/>
+              </a:solidFill>
+              <a:uFill>
+                <a:solidFill>
+                  <a:srgbClr val="ffffff"/>
+                </a:solidFill>
+              </a:uFill>
+              <a:latin typeface="Arial"/>
+            </a:endParaRPr>
+          </a:p>
+        </p:txBody>
+      </p:sp>
+    </p:spTree>
+  </p:cSld>
+</p:sldLayout>
+</file>
+
+<file path=ppt/slideLayouts/slideLayout19.xml><?xml version="1.0" encoding="utf-8"?>
+<p:sldLayout xmlns:a="http://schemas.openxmlformats.org/drawingml/2006/main" xmlns:p="http://schemas.openxmlformats.org/presentationml/2006/main" xmlns:r="http://schemas.openxmlformats.org/officeDocument/2006/relationships" xmlns:p14="http://schemas.microsoft.com/office/powerpoint/2010/main" xmlns:p15="http://schemas.microsoft.com/office/powerpoint/2012/main" xmlns:mc="http://schemas.openxmlformats.org/markup-compatibility/2006" type="twoObjAndObj" preserve="1">
+  <p:cSld name="Title, 2 Content and Content">
+    <p:spTree>
+      <p:nvGrpSpPr>
+        <p:cNvPr id="1" name=""/>
+        <p:cNvGrpSpPr/>
+        <p:nvPr/>
+      </p:nvGrpSpPr>
+      <p:grpSpPr>
+        <a:xfrm>
+          <a:off x="0" y="0"/>
+          <a:ext cx="0" cy="0"/>
+          <a:chOff x="0" y="0"/>
+          <a:chExt cx="0" cy="0"/>
+        </a:xfrm>
+      </p:grpSpPr>
+      <p:sp>
+        <p:nvSpPr>
+          <p:cNvPr id="49" name="PlaceHolder 1"/>
+          <p:cNvSpPr>
+            <a:spLocks noGrp="1"/>
+          </p:cNvSpPr>
+          <p:nvPr>
+            <p:ph type="title"/>
+          </p:nvPr>
+        </p:nvSpPr>
+        <p:spPr>
+          <a:xfrm>
+            <a:off x="504000" y="301320"/>
+            <a:ext cx="9071280" cy="1261800"/>
+          </a:xfrm>
+          <a:prstGeom prst="rect">
+            <a:avLst/>
+          </a:prstGeom>
+        </p:spPr>
+        <p:txBody>
+          <a:bodyPr lIns="0" rIns="0" tIns="0" bIns="0" anchor="ctr"/>
+          <a:p>
+            <a:endParaRPr b="0" lang="en-US" sz="1800" spc="-1" strike="noStrike">
+              <a:solidFill>
+                <a:srgbClr val="000000"/>
+              </a:solidFill>
+              <a:uFill>
+                <a:solidFill>
+                  <a:srgbClr val="ffffff"/>
+                </a:solidFill>
+              </a:uFill>
+              <a:latin typeface="Arial"/>
+            </a:endParaRPr>
+          </a:p>
+        </p:txBody>
+      </p:sp>
+      <p:sp>
+        <p:nvSpPr>
+          <p:cNvPr id="50" name="PlaceHolder 2"/>
+          <p:cNvSpPr>
+            <a:spLocks noGrp="1"/>
+          </p:cNvSpPr>
+          <p:nvPr>
+            <p:ph type="body"/>
+          </p:nvPr>
+        </p:nvSpPr>
+        <p:spPr>
+          <a:xfrm>
+            <a:off x="504000" y="1769040"/>
+            <a:ext cx="4426560" cy="2090880"/>
+          </a:xfrm>
+          <a:prstGeom prst="rect">
+            <a:avLst/>
+          </a:prstGeom>
+        </p:spPr>
+        <p:txBody>
+          <a:bodyPr lIns="0" rIns="0" tIns="0" bIns="0"/>
+          <a:p>
+            <a:endParaRPr b="0" lang="en-US" sz="2800" spc="-1" strike="noStrike">
+              <a:solidFill>
+                <a:srgbClr val="000000"/>
+              </a:solidFill>
+              <a:uFill>
+                <a:solidFill>
+                  <a:srgbClr val="ffffff"/>
+                </a:solidFill>
+              </a:uFill>
+              <a:latin typeface="Arial"/>
+            </a:endParaRPr>
+          </a:p>
+        </p:txBody>
+      </p:sp>
+      <p:sp>
+        <p:nvSpPr>
+          <p:cNvPr id="51" name="PlaceHolder 3"/>
+          <p:cNvSpPr>
+            <a:spLocks noGrp="1"/>
+          </p:cNvSpPr>
+          <p:nvPr>
+            <p:ph type="body"/>
+          </p:nvPr>
+        </p:nvSpPr>
+        <p:spPr>
+          <a:xfrm>
+            <a:off x="504000" y="4059000"/>
+            <a:ext cx="4426560" cy="2090880"/>
+          </a:xfrm>
+          <a:prstGeom prst="rect">
+            <a:avLst/>
+          </a:prstGeom>
+        </p:spPr>
+        <p:txBody>
+          <a:bodyPr lIns="0" rIns="0" tIns="0" bIns="0"/>
+          <a:p>
+            <a:endParaRPr b="0" lang="en-US" sz="2800" spc="-1" strike="noStrike">
+              <a:solidFill>
+                <a:srgbClr val="000000"/>
+              </a:solidFill>
+              <a:uFill>
+                <a:solidFill>
+                  <a:srgbClr val="ffffff"/>
+                </a:solidFill>
+              </a:uFill>
+              <a:latin typeface="Arial"/>
+            </a:endParaRPr>
+          </a:p>
+        </p:txBody>
+      </p:sp>
+      <p:sp>
+        <p:nvSpPr>
+          <p:cNvPr id="52" name="PlaceHolder 4"/>
+          <p:cNvSpPr>
+            <a:spLocks noGrp="1"/>
+          </p:cNvSpPr>
+          <p:nvPr>
+            <p:ph type="body"/>
+          </p:nvPr>
+        </p:nvSpPr>
+        <p:spPr>
+          <a:xfrm>
+            <a:off x="5152320" y="1769040"/>
+            <a:ext cx="4426560" cy="4384080"/>
+          </a:xfrm>
+          <a:prstGeom prst="rect">
+            <a:avLst/>
+          </a:prstGeom>
+        </p:spPr>
+        <p:txBody>
+          <a:bodyPr lIns="0" rIns="0" tIns="0" bIns="0"/>
+          <a:p>
+            <a:endParaRPr b="0" lang="en-US" sz="2800" spc="-1" strike="noStrike">
+              <a:solidFill>
+                <a:srgbClr val="000000"/>
+              </a:solidFill>
+              <a:uFill>
+                <a:solidFill>
+                  <a:srgbClr val="ffffff"/>
+                </a:solidFill>
+              </a:uFill>
+              <a:latin typeface="Arial"/>
+            </a:endParaRPr>
+          </a:p>
+        </p:txBody>
+      </p:sp>
     </p:spTree>
   </p:cSld>
 </p:sldLayout>
@@ -570,7 +1193,7 @@
       </p:grpSpPr>
       <p:sp>
         <p:nvSpPr>
-          <p:cNvPr id="5" name="PlaceHolder 1"/>
+          <p:cNvPr id="4" name="PlaceHolder 1"/>
           <p:cNvSpPr>
             <a:spLocks noGrp="1"/>
           </p:cNvSpPr>
@@ -581,7 +1204,7 @@
         <p:spPr>
           <a:xfrm>
             <a:off x="504000" y="301320"/>
-            <a:ext cx="9071640" cy="1262160"/>
+            <a:ext cx="9071280" cy="1261800"/>
           </a:xfrm>
           <a:prstGeom prst="rect">
             <a:avLst/>
@@ -590,24 +1213,23 @@
         <p:txBody>
           <a:bodyPr lIns="0" rIns="0" tIns="0" bIns="0" anchor="ctr"/>
           <a:p>
-            <a:pPr algn="ctr"/>
-            <a:endParaRPr b="0" lang="en-US" sz="4400" spc="-1" strike="noStrike">
-              <a:solidFill>
-                <a:srgbClr val="000000"/>
-              </a:solidFill>
-              <a:uFill>
-                <a:solidFill>
-                  <a:srgbClr val="ffffff"/>
-                </a:solidFill>
-              </a:uFill>
-              <a:latin typeface="Arial"/>
-            </a:endParaRPr>
-          </a:p>
-        </p:txBody>
-      </p:sp>
-      <p:sp>
-        <p:nvSpPr>
-          <p:cNvPr id="6" name="PlaceHolder 2"/>
+            <a:endParaRPr b="0" lang="en-US" sz="1800" spc="-1" strike="noStrike">
+              <a:solidFill>
+                <a:srgbClr val="000000"/>
+              </a:solidFill>
+              <a:uFill>
+                <a:solidFill>
+                  <a:srgbClr val="ffffff"/>
+                </a:solidFill>
+              </a:uFill>
+              <a:latin typeface="Arial"/>
+            </a:endParaRPr>
+          </a:p>
+        </p:txBody>
+      </p:sp>
+      <p:sp>
+        <p:nvSpPr>
+          <p:cNvPr id="5" name="PlaceHolder 2"/>
           <p:cNvSpPr>
             <a:spLocks noGrp="1"/>
           </p:cNvSpPr>
@@ -618,7 +1240,7 @@
         <p:spPr>
           <a:xfrm>
             <a:off x="504000" y="1769040"/>
-            <a:ext cx="9071640" cy="4384440"/>
+            <a:ext cx="9071280" cy="4384080"/>
           </a:xfrm>
           <a:prstGeom prst="rect">
             <a:avLst/>
@@ -642,6 +1264,846 @@
           </a:p>
         </p:txBody>
       </p:sp>
+    </p:spTree>
+  </p:cSld>
+</p:sldLayout>
+</file>
+
+<file path=ppt/slideLayouts/slideLayout20.xml><?xml version="1.0" encoding="utf-8"?>
+<p:sldLayout xmlns:a="http://schemas.openxmlformats.org/drawingml/2006/main" xmlns:p="http://schemas.openxmlformats.org/presentationml/2006/main" xmlns:r="http://schemas.openxmlformats.org/officeDocument/2006/relationships" xmlns:p14="http://schemas.microsoft.com/office/powerpoint/2010/main" xmlns:p15="http://schemas.microsoft.com/office/powerpoint/2012/main" xmlns:mc="http://schemas.openxmlformats.org/markup-compatibility/2006" type="objAndTwoObj" preserve="1">
+  <p:cSld name="Title Content and 2 Content">
+    <p:spTree>
+      <p:nvGrpSpPr>
+        <p:cNvPr id="1" name=""/>
+        <p:cNvGrpSpPr/>
+        <p:nvPr/>
+      </p:nvGrpSpPr>
+      <p:grpSpPr>
+        <a:xfrm>
+          <a:off x="0" y="0"/>
+          <a:ext cx="0" cy="0"/>
+          <a:chOff x="0" y="0"/>
+          <a:chExt cx="0" cy="0"/>
+        </a:xfrm>
+      </p:grpSpPr>
+      <p:sp>
+        <p:nvSpPr>
+          <p:cNvPr id="53" name="PlaceHolder 1"/>
+          <p:cNvSpPr>
+            <a:spLocks noGrp="1"/>
+          </p:cNvSpPr>
+          <p:nvPr>
+            <p:ph type="title"/>
+          </p:nvPr>
+        </p:nvSpPr>
+        <p:spPr>
+          <a:xfrm>
+            <a:off x="504000" y="301320"/>
+            <a:ext cx="9071280" cy="1261800"/>
+          </a:xfrm>
+          <a:prstGeom prst="rect">
+            <a:avLst/>
+          </a:prstGeom>
+        </p:spPr>
+        <p:txBody>
+          <a:bodyPr lIns="0" rIns="0" tIns="0" bIns="0" anchor="ctr"/>
+          <a:p>
+            <a:endParaRPr b="0" lang="en-US" sz="1800" spc="-1" strike="noStrike">
+              <a:solidFill>
+                <a:srgbClr val="000000"/>
+              </a:solidFill>
+              <a:uFill>
+                <a:solidFill>
+                  <a:srgbClr val="ffffff"/>
+                </a:solidFill>
+              </a:uFill>
+              <a:latin typeface="Arial"/>
+            </a:endParaRPr>
+          </a:p>
+        </p:txBody>
+      </p:sp>
+      <p:sp>
+        <p:nvSpPr>
+          <p:cNvPr id="54" name="PlaceHolder 2"/>
+          <p:cNvSpPr>
+            <a:spLocks noGrp="1"/>
+          </p:cNvSpPr>
+          <p:nvPr>
+            <p:ph type="body"/>
+          </p:nvPr>
+        </p:nvSpPr>
+        <p:spPr>
+          <a:xfrm>
+            <a:off x="504000" y="1769040"/>
+            <a:ext cx="4426560" cy="4384080"/>
+          </a:xfrm>
+          <a:prstGeom prst="rect">
+            <a:avLst/>
+          </a:prstGeom>
+        </p:spPr>
+        <p:txBody>
+          <a:bodyPr lIns="0" rIns="0" tIns="0" bIns="0"/>
+          <a:p>
+            <a:endParaRPr b="0" lang="en-US" sz="2800" spc="-1" strike="noStrike">
+              <a:solidFill>
+                <a:srgbClr val="000000"/>
+              </a:solidFill>
+              <a:uFill>
+                <a:solidFill>
+                  <a:srgbClr val="ffffff"/>
+                </a:solidFill>
+              </a:uFill>
+              <a:latin typeface="Arial"/>
+            </a:endParaRPr>
+          </a:p>
+        </p:txBody>
+      </p:sp>
+      <p:sp>
+        <p:nvSpPr>
+          <p:cNvPr id="55" name="PlaceHolder 3"/>
+          <p:cNvSpPr>
+            <a:spLocks noGrp="1"/>
+          </p:cNvSpPr>
+          <p:nvPr>
+            <p:ph type="body"/>
+          </p:nvPr>
+        </p:nvSpPr>
+        <p:spPr>
+          <a:xfrm>
+            <a:off x="5152320" y="1769040"/>
+            <a:ext cx="4426560" cy="2090880"/>
+          </a:xfrm>
+          <a:prstGeom prst="rect">
+            <a:avLst/>
+          </a:prstGeom>
+        </p:spPr>
+        <p:txBody>
+          <a:bodyPr lIns="0" rIns="0" tIns="0" bIns="0"/>
+          <a:p>
+            <a:endParaRPr b="0" lang="en-US" sz="2800" spc="-1" strike="noStrike">
+              <a:solidFill>
+                <a:srgbClr val="000000"/>
+              </a:solidFill>
+              <a:uFill>
+                <a:solidFill>
+                  <a:srgbClr val="ffffff"/>
+                </a:solidFill>
+              </a:uFill>
+              <a:latin typeface="Arial"/>
+            </a:endParaRPr>
+          </a:p>
+        </p:txBody>
+      </p:sp>
+      <p:sp>
+        <p:nvSpPr>
+          <p:cNvPr id="56" name="PlaceHolder 4"/>
+          <p:cNvSpPr>
+            <a:spLocks noGrp="1"/>
+          </p:cNvSpPr>
+          <p:nvPr>
+            <p:ph type="body"/>
+          </p:nvPr>
+        </p:nvSpPr>
+        <p:spPr>
+          <a:xfrm>
+            <a:off x="5152320" y="4059000"/>
+            <a:ext cx="4426560" cy="2090880"/>
+          </a:xfrm>
+          <a:prstGeom prst="rect">
+            <a:avLst/>
+          </a:prstGeom>
+        </p:spPr>
+        <p:txBody>
+          <a:bodyPr lIns="0" rIns="0" tIns="0" bIns="0"/>
+          <a:p>
+            <a:endParaRPr b="0" lang="en-US" sz="2800" spc="-1" strike="noStrike">
+              <a:solidFill>
+                <a:srgbClr val="000000"/>
+              </a:solidFill>
+              <a:uFill>
+                <a:solidFill>
+                  <a:srgbClr val="ffffff"/>
+                </a:solidFill>
+              </a:uFill>
+              <a:latin typeface="Arial"/>
+            </a:endParaRPr>
+          </a:p>
+        </p:txBody>
+      </p:sp>
+    </p:spTree>
+  </p:cSld>
+</p:sldLayout>
+</file>
+
+<file path=ppt/slideLayouts/slideLayout21.xml><?xml version="1.0" encoding="utf-8"?>
+<p:sldLayout xmlns:a="http://schemas.openxmlformats.org/drawingml/2006/main" xmlns:p="http://schemas.openxmlformats.org/presentationml/2006/main" xmlns:r="http://schemas.openxmlformats.org/officeDocument/2006/relationships" xmlns:p14="http://schemas.microsoft.com/office/powerpoint/2010/main" xmlns:p15="http://schemas.microsoft.com/office/powerpoint/2012/main" xmlns:mc="http://schemas.openxmlformats.org/markup-compatibility/2006" type="twoObjOverTx" preserve="1">
+  <p:cSld name="Title, 2 Content over Content">
+    <p:spTree>
+      <p:nvGrpSpPr>
+        <p:cNvPr id="1" name=""/>
+        <p:cNvGrpSpPr/>
+        <p:nvPr/>
+      </p:nvGrpSpPr>
+      <p:grpSpPr>
+        <a:xfrm>
+          <a:off x="0" y="0"/>
+          <a:ext cx="0" cy="0"/>
+          <a:chOff x="0" y="0"/>
+          <a:chExt cx="0" cy="0"/>
+        </a:xfrm>
+      </p:grpSpPr>
+      <p:sp>
+        <p:nvSpPr>
+          <p:cNvPr id="57" name="PlaceHolder 1"/>
+          <p:cNvSpPr>
+            <a:spLocks noGrp="1"/>
+          </p:cNvSpPr>
+          <p:nvPr>
+            <p:ph type="title"/>
+          </p:nvPr>
+        </p:nvSpPr>
+        <p:spPr>
+          <a:xfrm>
+            <a:off x="504000" y="301320"/>
+            <a:ext cx="9071280" cy="1261800"/>
+          </a:xfrm>
+          <a:prstGeom prst="rect">
+            <a:avLst/>
+          </a:prstGeom>
+        </p:spPr>
+        <p:txBody>
+          <a:bodyPr lIns="0" rIns="0" tIns="0" bIns="0" anchor="ctr"/>
+          <a:p>
+            <a:endParaRPr b="0" lang="en-US" sz="1800" spc="-1" strike="noStrike">
+              <a:solidFill>
+                <a:srgbClr val="000000"/>
+              </a:solidFill>
+              <a:uFill>
+                <a:solidFill>
+                  <a:srgbClr val="ffffff"/>
+                </a:solidFill>
+              </a:uFill>
+              <a:latin typeface="Arial"/>
+            </a:endParaRPr>
+          </a:p>
+        </p:txBody>
+      </p:sp>
+      <p:sp>
+        <p:nvSpPr>
+          <p:cNvPr id="58" name="PlaceHolder 2"/>
+          <p:cNvSpPr>
+            <a:spLocks noGrp="1"/>
+          </p:cNvSpPr>
+          <p:nvPr>
+            <p:ph type="body"/>
+          </p:nvPr>
+        </p:nvSpPr>
+        <p:spPr>
+          <a:xfrm>
+            <a:off x="504000" y="1769040"/>
+            <a:ext cx="4426560" cy="2090880"/>
+          </a:xfrm>
+          <a:prstGeom prst="rect">
+            <a:avLst/>
+          </a:prstGeom>
+        </p:spPr>
+        <p:txBody>
+          <a:bodyPr lIns="0" rIns="0" tIns="0" bIns="0"/>
+          <a:p>
+            <a:endParaRPr b="0" lang="en-US" sz="2800" spc="-1" strike="noStrike">
+              <a:solidFill>
+                <a:srgbClr val="000000"/>
+              </a:solidFill>
+              <a:uFill>
+                <a:solidFill>
+                  <a:srgbClr val="ffffff"/>
+                </a:solidFill>
+              </a:uFill>
+              <a:latin typeface="Arial"/>
+            </a:endParaRPr>
+          </a:p>
+        </p:txBody>
+      </p:sp>
+      <p:sp>
+        <p:nvSpPr>
+          <p:cNvPr id="59" name="PlaceHolder 3"/>
+          <p:cNvSpPr>
+            <a:spLocks noGrp="1"/>
+          </p:cNvSpPr>
+          <p:nvPr>
+            <p:ph type="body"/>
+          </p:nvPr>
+        </p:nvSpPr>
+        <p:spPr>
+          <a:xfrm>
+            <a:off x="5152320" y="1769040"/>
+            <a:ext cx="4426560" cy="2090880"/>
+          </a:xfrm>
+          <a:prstGeom prst="rect">
+            <a:avLst/>
+          </a:prstGeom>
+        </p:spPr>
+        <p:txBody>
+          <a:bodyPr lIns="0" rIns="0" tIns="0" bIns="0"/>
+          <a:p>
+            <a:endParaRPr b="0" lang="en-US" sz="2800" spc="-1" strike="noStrike">
+              <a:solidFill>
+                <a:srgbClr val="000000"/>
+              </a:solidFill>
+              <a:uFill>
+                <a:solidFill>
+                  <a:srgbClr val="ffffff"/>
+                </a:solidFill>
+              </a:uFill>
+              <a:latin typeface="Arial"/>
+            </a:endParaRPr>
+          </a:p>
+        </p:txBody>
+      </p:sp>
+      <p:sp>
+        <p:nvSpPr>
+          <p:cNvPr id="60" name="PlaceHolder 4"/>
+          <p:cNvSpPr>
+            <a:spLocks noGrp="1"/>
+          </p:cNvSpPr>
+          <p:nvPr>
+            <p:ph type="body"/>
+          </p:nvPr>
+        </p:nvSpPr>
+        <p:spPr>
+          <a:xfrm>
+            <a:off x="504000" y="4059000"/>
+            <a:ext cx="9071280" cy="2090880"/>
+          </a:xfrm>
+          <a:prstGeom prst="rect">
+            <a:avLst/>
+          </a:prstGeom>
+        </p:spPr>
+        <p:txBody>
+          <a:bodyPr lIns="0" rIns="0" tIns="0" bIns="0"/>
+          <a:p>
+            <a:endParaRPr b="0" lang="en-US" sz="2800" spc="-1" strike="noStrike">
+              <a:solidFill>
+                <a:srgbClr val="000000"/>
+              </a:solidFill>
+              <a:uFill>
+                <a:solidFill>
+                  <a:srgbClr val="ffffff"/>
+                </a:solidFill>
+              </a:uFill>
+              <a:latin typeface="Arial"/>
+            </a:endParaRPr>
+          </a:p>
+        </p:txBody>
+      </p:sp>
+    </p:spTree>
+  </p:cSld>
+</p:sldLayout>
+</file>
+
+<file path=ppt/slideLayouts/slideLayout22.xml><?xml version="1.0" encoding="utf-8"?>
+<p:sldLayout xmlns:a="http://schemas.openxmlformats.org/drawingml/2006/main" xmlns:p="http://schemas.openxmlformats.org/presentationml/2006/main" xmlns:r="http://schemas.openxmlformats.org/officeDocument/2006/relationships" xmlns:p14="http://schemas.microsoft.com/office/powerpoint/2010/main" xmlns:p15="http://schemas.microsoft.com/office/powerpoint/2012/main" xmlns:mc="http://schemas.openxmlformats.org/markup-compatibility/2006" type="objOverTx" preserve="1">
+  <p:cSld name="Title, Content over Content">
+    <p:spTree>
+      <p:nvGrpSpPr>
+        <p:cNvPr id="1" name=""/>
+        <p:cNvGrpSpPr/>
+        <p:nvPr/>
+      </p:nvGrpSpPr>
+      <p:grpSpPr>
+        <a:xfrm>
+          <a:off x="0" y="0"/>
+          <a:ext cx="0" cy="0"/>
+          <a:chOff x="0" y="0"/>
+          <a:chExt cx="0" cy="0"/>
+        </a:xfrm>
+      </p:grpSpPr>
+      <p:sp>
+        <p:nvSpPr>
+          <p:cNvPr id="61" name="PlaceHolder 1"/>
+          <p:cNvSpPr>
+            <a:spLocks noGrp="1"/>
+          </p:cNvSpPr>
+          <p:nvPr>
+            <p:ph type="title"/>
+          </p:nvPr>
+        </p:nvSpPr>
+        <p:spPr>
+          <a:xfrm>
+            <a:off x="504000" y="301320"/>
+            <a:ext cx="9071280" cy="1261800"/>
+          </a:xfrm>
+          <a:prstGeom prst="rect">
+            <a:avLst/>
+          </a:prstGeom>
+        </p:spPr>
+        <p:txBody>
+          <a:bodyPr lIns="0" rIns="0" tIns="0" bIns="0" anchor="ctr"/>
+          <a:p>
+            <a:endParaRPr b="0" lang="en-US" sz="1800" spc="-1" strike="noStrike">
+              <a:solidFill>
+                <a:srgbClr val="000000"/>
+              </a:solidFill>
+              <a:uFill>
+                <a:solidFill>
+                  <a:srgbClr val="ffffff"/>
+                </a:solidFill>
+              </a:uFill>
+              <a:latin typeface="Arial"/>
+            </a:endParaRPr>
+          </a:p>
+        </p:txBody>
+      </p:sp>
+      <p:sp>
+        <p:nvSpPr>
+          <p:cNvPr id="62" name="PlaceHolder 2"/>
+          <p:cNvSpPr>
+            <a:spLocks noGrp="1"/>
+          </p:cNvSpPr>
+          <p:nvPr>
+            <p:ph type="body"/>
+          </p:nvPr>
+        </p:nvSpPr>
+        <p:spPr>
+          <a:xfrm>
+            <a:off x="504000" y="1769040"/>
+            <a:ext cx="9071280" cy="2090880"/>
+          </a:xfrm>
+          <a:prstGeom prst="rect">
+            <a:avLst/>
+          </a:prstGeom>
+        </p:spPr>
+        <p:txBody>
+          <a:bodyPr lIns="0" rIns="0" tIns="0" bIns="0"/>
+          <a:p>
+            <a:endParaRPr b="0" lang="en-US" sz="2800" spc="-1" strike="noStrike">
+              <a:solidFill>
+                <a:srgbClr val="000000"/>
+              </a:solidFill>
+              <a:uFill>
+                <a:solidFill>
+                  <a:srgbClr val="ffffff"/>
+                </a:solidFill>
+              </a:uFill>
+              <a:latin typeface="Arial"/>
+            </a:endParaRPr>
+          </a:p>
+        </p:txBody>
+      </p:sp>
+      <p:sp>
+        <p:nvSpPr>
+          <p:cNvPr id="63" name="PlaceHolder 3"/>
+          <p:cNvSpPr>
+            <a:spLocks noGrp="1"/>
+          </p:cNvSpPr>
+          <p:nvPr>
+            <p:ph type="body"/>
+          </p:nvPr>
+        </p:nvSpPr>
+        <p:spPr>
+          <a:xfrm>
+            <a:off x="504000" y="4059000"/>
+            <a:ext cx="9071280" cy="2090880"/>
+          </a:xfrm>
+          <a:prstGeom prst="rect">
+            <a:avLst/>
+          </a:prstGeom>
+        </p:spPr>
+        <p:txBody>
+          <a:bodyPr lIns="0" rIns="0" tIns="0" bIns="0"/>
+          <a:p>
+            <a:endParaRPr b="0" lang="en-US" sz="2800" spc="-1" strike="noStrike">
+              <a:solidFill>
+                <a:srgbClr val="000000"/>
+              </a:solidFill>
+              <a:uFill>
+                <a:solidFill>
+                  <a:srgbClr val="ffffff"/>
+                </a:solidFill>
+              </a:uFill>
+              <a:latin typeface="Arial"/>
+            </a:endParaRPr>
+          </a:p>
+        </p:txBody>
+      </p:sp>
+    </p:spTree>
+  </p:cSld>
+</p:sldLayout>
+</file>
+
+<file path=ppt/slideLayouts/slideLayout23.xml><?xml version="1.0" encoding="utf-8"?>
+<p:sldLayout xmlns:a="http://schemas.openxmlformats.org/drawingml/2006/main" xmlns:p="http://schemas.openxmlformats.org/presentationml/2006/main" xmlns:r="http://schemas.openxmlformats.org/officeDocument/2006/relationships" xmlns:p14="http://schemas.microsoft.com/office/powerpoint/2010/main" xmlns:p15="http://schemas.microsoft.com/office/powerpoint/2012/main" xmlns:mc="http://schemas.openxmlformats.org/markup-compatibility/2006" type="fourObj" preserve="1">
+  <p:cSld name="Title, 4 Content">
+    <p:spTree>
+      <p:nvGrpSpPr>
+        <p:cNvPr id="1" name=""/>
+        <p:cNvGrpSpPr/>
+        <p:nvPr/>
+      </p:nvGrpSpPr>
+      <p:grpSpPr>
+        <a:xfrm>
+          <a:off x="0" y="0"/>
+          <a:ext cx="0" cy="0"/>
+          <a:chOff x="0" y="0"/>
+          <a:chExt cx="0" cy="0"/>
+        </a:xfrm>
+      </p:grpSpPr>
+      <p:sp>
+        <p:nvSpPr>
+          <p:cNvPr id="64" name="PlaceHolder 1"/>
+          <p:cNvSpPr>
+            <a:spLocks noGrp="1"/>
+          </p:cNvSpPr>
+          <p:nvPr>
+            <p:ph type="title"/>
+          </p:nvPr>
+        </p:nvSpPr>
+        <p:spPr>
+          <a:xfrm>
+            <a:off x="504000" y="301320"/>
+            <a:ext cx="9071280" cy="1261800"/>
+          </a:xfrm>
+          <a:prstGeom prst="rect">
+            <a:avLst/>
+          </a:prstGeom>
+        </p:spPr>
+        <p:txBody>
+          <a:bodyPr lIns="0" rIns="0" tIns="0" bIns="0" anchor="ctr"/>
+          <a:p>
+            <a:endParaRPr b="0" lang="en-US" sz="1800" spc="-1" strike="noStrike">
+              <a:solidFill>
+                <a:srgbClr val="000000"/>
+              </a:solidFill>
+              <a:uFill>
+                <a:solidFill>
+                  <a:srgbClr val="ffffff"/>
+                </a:solidFill>
+              </a:uFill>
+              <a:latin typeface="Arial"/>
+            </a:endParaRPr>
+          </a:p>
+        </p:txBody>
+      </p:sp>
+      <p:sp>
+        <p:nvSpPr>
+          <p:cNvPr id="65" name="PlaceHolder 2"/>
+          <p:cNvSpPr>
+            <a:spLocks noGrp="1"/>
+          </p:cNvSpPr>
+          <p:nvPr>
+            <p:ph type="body"/>
+          </p:nvPr>
+        </p:nvSpPr>
+        <p:spPr>
+          <a:xfrm>
+            <a:off x="504000" y="1769040"/>
+            <a:ext cx="4426560" cy="2090880"/>
+          </a:xfrm>
+          <a:prstGeom prst="rect">
+            <a:avLst/>
+          </a:prstGeom>
+        </p:spPr>
+        <p:txBody>
+          <a:bodyPr lIns="0" rIns="0" tIns="0" bIns="0"/>
+          <a:p>
+            <a:endParaRPr b="0" lang="en-US" sz="2800" spc="-1" strike="noStrike">
+              <a:solidFill>
+                <a:srgbClr val="000000"/>
+              </a:solidFill>
+              <a:uFill>
+                <a:solidFill>
+                  <a:srgbClr val="ffffff"/>
+                </a:solidFill>
+              </a:uFill>
+              <a:latin typeface="Arial"/>
+            </a:endParaRPr>
+          </a:p>
+        </p:txBody>
+      </p:sp>
+      <p:sp>
+        <p:nvSpPr>
+          <p:cNvPr id="66" name="PlaceHolder 3"/>
+          <p:cNvSpPr>
+            <a:spLocks noGrp="1"/>
+          </p:cNvSpPr>
+          <p:nvPr>
+            <p:ph type="body"/>
+          </p:nvPr>
+        </p:nvSpPr>
+        <p:spPr>
+          <a:xfrm>
+            <a:off x="5152320" y="1769040"/>
+            <a:ext cx="4426560" cy="2090880"/>
+          </a:xfrm>
+          <a:prstGeom prst="rect">
+            <a:avLst/>
+          </a:prstGeom>
+        </p:spPr>
+        <p:txBody>
+          <a:bodyPr lIns="0" rIns="0" tIns="0" bIns="0"/>
+          <a:p>
+            <a:endParaRPr b="0" lang="en-US" sz="2800" spc="-1" strike="noStrike">
+              <a:solidFill>
+                <a:srgbClr val="000000"/>
+              </a:solidFill>
+              <a:uFill>
+                <a:solidFill>
+                  <a:srgbClr val="ffffff"/>
+                </a:solidFill>
+              </a:uFill>
+              <a:latin typeface="Arial"/>
+            </a:endParaRPr>
+          </a:p>
+        </p:txBody>
+      </p:sp>
+      <p:sp>
+        <p:nvSpPr>
+          <p:cNvPr id="67" name="PlaceHolder 4"/>
+          <p:cNvSpPr>
+            <a:spLocks noGrp="1"/>
+          </p:cNvSpPr>
+          <p:nvPr>
+            <p:ph type="body"/>
+          </p:nvPr>
+        </p:nvSpPr>
+        <p:spPr>
+          <a:xfrm>
+            <a:off x="5152320" y="4059000"/>
+            <a:ext cx="4426560" cy="2090880"/>
+          </a:xfrm>
+          <a:prstGeom prst="rect">
+            <a:avLst/>
+          </a:prstGeom>
+        </p:spPr>
+        <p:txBody>
+          <a:bodyPr lIns="0" rIns="0" tIns="0" bIns="0"/>
+          <a:p>
+            <a:endParaRPr b="0" lang="en-US" sz="2800" spc="-1" strike="noStrike">
+              <a:solidFill>
+                <a:srgbClr val="000000"/>
+              </a:solidFill>
+              <a:uFill>
+                <a:solidFill>
+                  <a:srgbClr val="ffffff"/>
+                </a:solidFill>
+              </a:uFill>
+              <a:latin typeface="Arial"/>
+            </a:endParaRPr>
+          </a:p>
+        </p:txBody>
+      </p:sp>
+      <p:sp>
+        <p:nvSpPr>
+          <p:cNvPr id="68" name="PlaceHolder 5"/>
+          <p:cNvSpPr>
+            <a:spLocks noGrp="1"/>
+          </p:cNvSpPr>
+          <p:nvPr>
+            <p:ph type="body"/>
+          </p:nvPr>
+        </p:nvSpPr>
+        <p:spPr>
+          <a:xfrm>
+            <a:off x="504000" y="4059000"/>
+            <a:ext cx="4426560" cy="2090880"/>
+          </a:xfrm>
+          <a:prstGeom prst="rect">
+            <a:avLst/>
+          </a:prstGeom>
+        </p:spPr>
+        <p:txBody>
+          <a:bodyPr lIns="0" rIns="0" tIns="0" bIns="0"/>
+          <a:p>
+            <a:endParaRPr b="0" lang="en-US" sz="2800" spc="-1" strike="noStrike">
+              <a:solidFill>
+                <a:srgbClr val="000000"/>
+              </a:solidFill>
+              <a:uFill>
+                <a:solidFill>
+                  <a:srgbClr val="ffffff"/>
+                </a:solidFill>
+              </a:uFill>
+              <a:latin typeface="Arial"/>
+            </a:endParaRPr>
+          </a:p>
+        </p:txBody>
+      </p:sp>
+    </p:spTree>
+  </p:cSld>
+</p:sldLayout>
+</file>
+
+<file path=ppt/slideLayouts/slideLayout24.xml><?xml version="1.0" encoding="utf-8"?>
+<p:sldLayout xmlns:a="http://schemas.openxmlformats.org/drawingml/2006/main" xmlns:p="http://schemas.openxmlformats.org/presentationml/2006/main" xmlns:r="http://schemas.openxmlformats.org/officeDocument/2006/relationships" xmlns:p14="http://schemas.microsoft.com/office/powerpoint/2010/main" xmlns:p15="http://schemas.microsoft.com/office/powerpoint/2012/main" xmlns:mc="http://schemas.openxmlformats.org/markup-compatibility/2006" type="blank" preserve="1">
+  <p:cSld name="Title, 6 Content">
+    <p:spTree>
+      <p:nvGrpSpPr>
+        <p:cNvPr id="1" name=""/>
+        <p:cNvGrpSpPr/>
+        <p:nvPr/>
+      </p:nvGrpSpPr>
+      <p:grpSpPr>
+        <a:xfrm>
+          <a:off x="0" y="0"/>
+          <a:ext cx="0" cy="0"/>
+          <a:chOff x="0" y="0"/>
+          <a:chExt cx="0" cy="0"/>
+        </a:xfrm>
+      </p:grpSpPr>
+      <p:sp>
+        <p:nvSpPr>
+          <p:cNvPr id="69" name="PlaceHolder 1"/>
+          <p:cNvSpPr>
+            <a:spLocks noGrp="1"/>
+          </p:cNvSpPr>
+          <p:nvPr>
+            <p:ph type="title"/>
+          </p:nvPr>
+        </p:nvSpPr>
+        <p:spPr>
+          <a:xfrm>
+            <a:off x="504000" y="301320"/>
+            <a:ext cx="9071280" cy="1261800"/>
+          </a:xfrm>
+          <a:prstGeom prst="rect">
+            <a:avLst/>
+          </a:prstGeom>
+        </p:spPr>
+        <p:txBody>
+          <a:bodyPr lIns="0" rIns="0" tIns="0" bIns="0" anchor="ctr"/>
+          <a:p>
+            <a:endParaRPr b="0" lang="en-US" sz="1800" spc="-1" strike="noStrike">
+              <a:solidFill>
+                <a:srgbClr val="000000"/>
+              </a:solidFill>
+              <a:uFill>
+                <a:solidFill>
+                  <a:srgbClr val="ffffff"/>
+                </a:solidFill>
+              </a:uFill>
+              <a:latin typeface="Arial"/>
+            </a:endParaRPr>
+          </a:p>
+        </p:txBody>
+      </p:sp>
+      <p:sp>
+        <p:nvSpPr>
+          <p:cNvPr id="70" name="PlaceHolder 2"/>
+          <p:cNvSpPr>
+            <a:spLocks noGrp="1"/>
+          </p:cNvSpPr>
+          <p:nvPr>
+            <p:ph type="body"/>
+          </p:nvPr>
+        </p:nvSpPr>
+        <p:spPr>
+          <a:xfrm>
+            <a:off x="504000" y="1769040"/>
+            <a:ext cx="9071280" cy="4384080"/>
+          </a:xfrm>
+          <a:prstGeom prst="rect">
+            <a:avLst/>
+          </a:prstGeom>
+        </p:spPr>
+        <p:txBody>
+          <a:bodyPr lIns="0" rIns="0" tIns="0" bIns="0"/>
+          <a:p>
+            <a:endParaRPr b="0" lang="en-US" sz="2800" spc="-1" strike="noStrike">
+              <a:solidFill>
+                <a:srgbClr val="000000"/>
+              </a:solidFill>
+              <a:uFill>
+                <a:solidFill>
+                  <a:srgbClr val="ffffff"/>
+                </a:solidFill>
+              </a:uFill>
+              <a:latin typeface="Arial"/>
+            </a:endParaRPr>
+          </a:p>
+        </p:txBody>
+      </p:sp>
+      <p:sp>
+        <p:nvSpPr>
+          <p:cNvPr id="71" name="PlaceHolder 3"/>
+          <p:cNvSpPr>
+            <a:spLocks noGrp="1"/>
+          </p:cNvSpPr>
+          <p:nvPr>
+            <p:ph type="body"/>
+          </p:nvPr>
+        </p:nvSpPr>
+        <p:spPr>
+          <a:xfrm>
+            <a:off x="504000" y="1769040"/>
+            <a:ext cx="9071280" cy="4384080"/>
+          </a:xfrm>
+          <a:prstGeom prst="rect">
+            <a:avLst/>
+          </a:prstGeom>
+        </p:spPr>
+        <p:txBody>
+          <a:bodyPr lIns="0" rIns="0" tIns="0" bIns="0"/>
+          <a:p>
+            <a:endParaRPr b="0" lang="en-US" sz="2800" spc="-1" strike="noStrike">
+              <a:solidFill>
+                <a:srgbClr val="000000"/>
+              </a:solidFill>
+              <a:uFill>
+                <a:solidFill>
+                  <a:srgbClr val="ffffff"/>
+                </a:solidFill>
+              </a:uFill>
+              <a:latin typeface="Arial"/>
+            </a:endParaRPr>
+          </a:p>
+        </p:txBody>
+      </p:sp>
+      <p:pic>
+        <p:nvPicPr>
+          <p:cNvPr id="72" name="" descr=""/>
+          <p:cNvPicPr/>
+          <p:nvPr/>
+        </p:nvPicPr>
+        <p:blipFill>
+          <a:blip r:embed="rId2"/>
+          <a:stretch/>
+        </p:blipFill>
+        <p:spPr>
+          <a:xfrm>
+            <a:off x="2292120" y="1769040"/>
+            <a:ext cx="5494680" cy="4384080"/>
+          </a:xfrm>
+          <a:prstGeom prst="rect">
+            <a:avLst/>
+          </a:prstGeom>
+          <a:ln>
+            <a:noFill/>
+          </a:ln>
+        </p:spPr>
+      </p:pic>
+      <p:pic>
+        <p:nvPicPr>
+          <p:cNvPr id="73" name="" descr=""/>
+          <p:cNvPicPr/>
+          <p:nvPr/>
+        </p:nvPicPr>
+        <p:blipFill>
+          <a:blip r:embed="rId3"/>
+          <a:stretch/>
+        </p:blipFill>
+        <p:spPr>
+          <a:xfrm>
+            <a:off x="2292120" y="1769040"/>
+            <a:ext cx="5494680" cy="4384080"/>
+          </a:xfrm>
+          <a:prstGeom prst="rect">
+            <a:avLst/>
+          </a:prstGeom>
+          <a:ln>
+            <a:noFill/>
+          </a:ln>
+        </p:spPr>
+      </p:pic>
     </p:spTree>
   </p:cSld>
 </p:sldLayout>
@@ -666,7 +2128,7 @@
       </p:grpSpPr>
       <p:sp>
         <p:nvSpPr>
-          <p:cNvPr id="7" name="PlaceHolder 1"/>
+          <p:cNvPr id="6" name="PlaceHolder 1"/>
           <p:cNvSpPr>
             <a:spLocks noGrp="1"/>
           </p:cNvSpPr>
@@ -677,7 +2139,7 @@
         <p:spPr>
           <a:xfrm>
             <a:off x="504000" y="301320"/>
-            <a:ext cx="9071640" cy="1262160"/>
+            <a:ext cx="9071280" cy="1261800"/>
           </a:xfrm>
           <a:prstGeom prst="rect">
             <a:avLst/>
@@ -686,24 +2148,23 @@
         <p:txBody>
           <a:bodyPr lIns="0" rIns="0" tIns="0" bIns="0" anchor="ctr"/>
           <a:p>
-            <a:pPr algn="ctr"/>
-            <a:endParaRPr b="0" lang="en-US" sz="4400" spc="-1" strike="noStrike">
-              <a:solidFill>
-                <a:srgbClr val="000000"/>
-              </a:solidFill>
-              <a:uFill>
-                <a:solidFill>
-                  <a:srgbClr val="ffffff"/>
-                </a:solidFill>
-              </a:uFill>
-              <a:latin typeface="Arial"/>
-            </a:endParaRPr>
-          </a:p>
-        </p:txBody>
-      </p:sp>
-      <p:sp>
-        <p:nvSpPr>
-          <p:cNvPr id="8" name="PlaceHolder 2"/>
+            <a:endParaRPr b="0" lang="en-US" sz="1800" spc="-1" strike="noStrike">
+              <a:solidFill>
+                <a:srgbClr val="000000"/>
+              </a:solidFill>
+              <a:uFill>
+                <a:solidFill>
+                  <a:srgbClr val="ffffff"/>
+                </a:solidFill>
+              </a:uFill>
+              <a:latin typeface="Arial"/>
+            </a:endParaRPr>
+          </a:p>
+        </p:txBody>
+      </p:sp>
+      <p:sp>
+        <p:nvSpPr>
+          <p:cNvPr id="7" name="PlaceHolder 2"/>
           <p:cNvSpPr>
             <a:spLocks noGrp="1"/>
           </p:cNvSpPr>
@@ -714,7 +2175,7 @@
         <p:spPr>
           <a:xfrm>
             <a:off x="504000" y="1769040"/>
-            <a:ext cx="9071640" cy="4384440"/>
+            <a:ext cx="9071280" cy="4384080"/>
           </a:xfrm>
           <a:prstGeom prst="rect">
             <a:avLst/>
@@ -723,7 +2184,7 @@
         <p:txBody>
           <a:bodyPr lIns="0" rIns="0" tIns="0" bIns="0"/>
           <a:p>
-            <a:endParaRPr b="0" lang="en-US" sz="3200" spc="-1" strike="noStrike">
+            <a:endParaRPr b="0" lang="en-US" sz="2800" spc="-1" strike="noStrike">
               <a:solidFill>
                 <a:srgbClr val="000000"/>
               </a:solidFill>
@@ -761,7 +2222,7 @@
       </p:grpSpPr>
       <p:sp>
         <p:nvSpPr>
-          <p:cNvPr id="9" name="PlaceHolder 1"/>
+          <p:cNvPr id="8" name="PlaceHolder 1"/>
           <p:cNvSpPr>
             <a:spLocks noGrp="1"/>
           </p:cNvSpPr>
@@ -772,7 +2233,7 @@
         <p:spPr>
           <a:xfrm>
             <a:off x="504000" y="301320"/>
-            <a:ext cx="9071640" cy="1262160"/>
+            <a:ext cx="9071280" cy="1261800"/>
           </a:xfrm>
           <a:prstGeom prst="rect">
             <a:avLst/>
@@ -781,24 +2242,23 @@
         <p:txBody>
           <a:bodyPr lIns="0" rIns="0" tIns="0" bIns="0" anchor="ctr"/>
           <a:p>
-            <a:pPr algn="ctr"/>
-            <a:endParaRPr b="0" lang="en-US" sz="4400" spc="-1" strike="noStrike">
-              <a:solidFill>
-                <a:srgbClr val="000000"/>
-              </a:solidFill>
-              <a:uFill>
-                <a:solidFill>
-                  <a:srgbClr val="ffffff"/>
-                </a:solidFill>
-              </a:uFill>
-              <a:latin typeface="Arial"/>
-            </a:endParaRPr>
-          </a:p>
-        </p:txBody>
-      </p:sp>
-      <p:sp>
-        <p:nvSpPr>
-          <p:cNvPr id="10" name="PlaceHolder 2"/>
+            <a:endParaRPr b="0" lang="en-US" sz="1800" spc="-1" strike="noStrike">
+              <a:solidFill>
+                <a:srgbClr val="000000"/>
+              </a:solidFill>
+              <a:uFill>
+                <a:solidFill>
+                  <a:srgbClr val="ffffff"/>
+                </a:solidFill>
+              </a:uFill>
+              <a:latin typeface="Arial"/>
+            </a:endParaRPr>
+          </a:p>
+        </p:txBody>
+      </p:sp>
+      <p:sp>
+        <p:nvSpPr>
+          <p:cNvPr id="9" name="PlaceHolder 2"/>
           <p:cNvSpPr>
             <a:spLocks noGrp="1"/>
           </p:cNvSpPr>
@@ -809,7 +2269,7 @@
         <p:spPr>
           <a:xfrm>
             <a:off x="504000" y="1769040"/>
-            <a:ext cx="4426920" cy="4384440"/>
+            <a:ext cx="4426560" cy="4384080"/>
           </a:xfrm>
           <a:prstGeom prst="rect">
             <a:avLst/>
@@ -818,23 +2278,23 @@
         <p:txBody>
           <a:bodyPr lIns="0" rIns="0" tIns="0" bIns="0"/>
           <a:p>
-            <a:endParaRPr b="0" lang="en-US" sz="3200" spc="-1" strike="noStrike">
-              <a:solidFill>
-                <a:srgbClr val="000000"/>
-              </a:solidFill>
-              <a:uFill>
-                <a:solidFill>
-                  <a:srgbClr val="ffffff"/>
-                </a:solidFill>
-              </a:uFill>
-              <a:latin typeface="Arial"/>
-            </a:endParaRPr>
-          </a:p>
-        </p:txBody>
-      </p:sp>
-      <p:sp>
-        <p:nvSpPr>
-          <p:cNvPr id="11" name="PlaceHolder 3"/>
+            <a:endParaRPr b="0" lang="en-US" sz="2800" spc="-1" strike="noStrike">
+              <a:solidFill>
+                <a:srgbClr val="000000"/>
+              </a:solidFill>
+              <a:uFill>
+                <a:solidFill>
+                  <a:srgbClr val="ffffff"/>
+                </a:solidFill>
+              </a:uFill>
+              <a:latin typeface="Arial"/>
+            </a:endParaRPr>
+          </a:p>
+        </p:txBody>
+      </p:sp>
+      <p:sp>
+        <p:nvSpPr>
+          <p:cNvPr id="10" name="PlaceHolder 3"/>
           <p:cNvSpPr>
             <a:spLocks noGrp="1"/>
           </p:cNvSpPr>
@@ -844,8 +2304,8 @@
         </p:nvSpPr>
         <p:spPr>
           <a:xfrm>
-            <a:off x="5152680" y="1769040"/>
-            <a:ext cx="4426920" cy="4384440"/>
+            <a:off x="5152320" y="1769040"/>
+            <a:ext cx="4426560" cy="4384080"/>
           </a:xfrm>
           <a:prstGeom prst="rect">
             <a:avLst/>
@@ -854,7 +2314,7 @@
         <p:txBody>
           <a:bodyPr lIns="0" rIns="0" tIns="0" bIns="0"/>
           <a:p>
-            <a:endParaRPr b="0" lang="en-US" sz="3200" spc="-1" strike="noStrike">
+            <a:endParaRPr b="0" lang="en-US" sz="2800" spc="-1" strike="noStrike">
               <a:solidFill>
                 <a:srgbClr val="000000"/>
               </a:solidFill>
@@ -892,7 +2352,7 @@
       </p:grpSpPr>
       <p:sp>
         <p:nvSpPr>
-          <p:cNvPr id="12" name="PlaceHolder 1"/>
+          <p:cNvPr id="11" name="PlaceHolder 1"/>
           <p:cNvSpPr>
             <a:spLocks noGrp="1"/>
           </p:cNvSpPr>
@@ -903,7 +2363,7 @@
         <p:spPr>
           <a:xfrm>
             <a:off x="504000" y="301320"/>
-            <a:ext cx="9071640" cy="1262160"/>
+            <a:ext cx="9071280" cy="1261800"/>
           </a:xfrm>
           <a:prstGeom prst="rect">
             <a:avLst/>
@@ -912,8 +2372,7 @@
         <p:txBody>
           <a:bodyPr lIns="0" rIns="0" tIns="0" bIns="0" anchor="ctr"/>
           <a:p>
-            <a:pPr algn="ctr"/>
-            <a:endParaRPr b="0" lang="en-US" sz="4400" spc="-1" strike="noStrike">
+            <a:endParaRPr b="0" lang="en-US" sz="1800" spc="-1" strike="noStrike">
               <a:solidFill>
                 <a:srgbClr val="000000"/>
               </a:solidFill>
@@ -951,7 +2410,7 @@
       </p:grpSpPr>
       <p:sp>
         <p:nvSpPr>
-          <p:cNvPr id="13" name="PlaceHolder 1"/>
+          <p:cNvPr id="12" name="PlaceHolder 1"/>
           <p:cNvSpPr>
             <a:spLocks noGrp="1"/>
           </p:cNvSpPr>
@@ -962,7 +2421,7 @@
         <p:spPr>
           <a:xfrm>
             <a:off x="504000" y="301320"/>
-            <a:ext cx="9071640" cy="5851800"/>
+            <a:ext cx="9071280" cy="5850360"/>
           </a:xfrm>
           <a:prstGeom prst="rect">
             <a:avLst/>
@@ -1010,7 +2469,7 @@
       </p:grpSpPr>
       <p:sp>
         <p:nvSpPr>
-          <p:cNvPr id="14" name="PlaceHolder 1"/>
+          <p:cNvPr id="13" name="PlaceHolder 1"/>
           <p:cNvSpPr>
             <a:spLocks noGrp="1"/>
           </p:cNvSpPr>
@@ -1021,7 +2480,7 @@
         <p:spPr>
           <a:xfrm>
             <a:off x="504000" y="301320"/>
-            <a:ext cx="9071640" cy="1262160"/>
+            <a:ext cx="9071280" cy="1261800"/>
           </a:xfrm>
           <a:prstGeom prst="rect">
             <a:avLst/>
@@ -1030,24 +2489,23 @@
         <p:txBody>
           <a:bodyPr lIns="0" rIns="0" tIns="0" bIns="0" anchor="ctr"/>
           <a:p>
-            <a:pPr algn="ctr"/>
-            <a:endParaRPr b="0" lang="en-US" sz="4400" spc="-1" strike="noStrike">
-              <a:solidFill>
-                <a:srgbClr val="000000"/>
-              </a:solidFill>
-              <a:uFill>
-                <a:solidFill>
-                  <a:srgbClr val="ffffff"/>
-                </a:solidFill>
-              </a:uFill>
-              <a:latin typeface="Arial"/>
-            </a:endParaRPr>
-          </a:p>
-        </p:txBody>
-      </p:sp>
-      <p:sp>
-        <p:nvSpPr>
-          <p:cNvPr id="15" name="PlaceHolder 2"/>
+            <a:endParaRPr b="0" lang="en-US" sz="1800" spc="-1" strike="noStrike">
+              <a:solidFill>
+                <a:srgbClr val="000000"/>
+              </a:solidFill>
+              <a:uFill>
+                <a:solidFill>
+                  <a:srgbClr val="ffffff"/>
+                </a:solidFill>
+              </a:uFill>
+              <a:latin typeface="Arial"/>
+            </a:endParaRPr>
+          </a:p>
+        </p:txBody>
+      </p:sp>
+      <p:sp>
+        <p:nvSpPr>
+          <p:cNvPr id="14" name="PlaceHolder 2"/>
           <p:cNvSpPr>
             <a:spLocks noGrp="1"/>
           </p:cNvSpPr>
@@ -1058,7 +2516,7 @@
         <p:spPr>
           <a:xfrm>
             <a:off x="504000" y="1769040"/>
-            <a:ext cx="4426920" cy="2091240"/>
+            <a:ext cx="4426560" cy="2090880"/>
           </a:xfrm>
           <a:prstGeom prst="rect">
             <a:avLst/>
@@ -1067,23 +2525,23 @@
         <p:txBody>
           <a:bodyPr lIns="0" rIns="0" tIns="0" bIns="0"/>
           <a:p>
-            <a:endParaRPr b="0" lang="en-US" sz="3200" spc="-1" strike="noStrike">
-              <a:solidFill>
-                <a:srgbClr val="000000"/>
-              </a:solidFill>
-              <a:uFill>
-                <a:solidFill>
-                  <a:srgbClr val="ffffff"/>
-                </a:solidFill>
-              </a:uFill>
-              <a:latin typeface="Arial"/>
-            </a:endParaRPr>
-          </a:p>
-        </p:txBody>
-      </p:sp>
-      <p:sp>
-        <p:nvSpPr>
-          <p:cNvPr id="16" name="PlaceHolder 3"/>
+            <a:endParaRPr b="0" lang="en-US" sz="2800" spc="-1" strike="noStrike">
+              <a:solidFill>
+                <a:srgbClr val="000000"/>
+              </a:solidFill>
+              <a:uFill>
+                <a:solidFill>
+                  <a:srgbClr val="ffffff"/>
+                </a:solidFill>
+              </a:uFill>
+              <a:latin typeface="Arial"/>
+            </a:endParaRPr>
+          </a:p>
+        </p:txBody>
+      </p:sp>
+      <p:sp>
+        <p:nvSpPr>
+          <p:cNvPr id="15" name="PlaceHolder 3"/>
           <p:cNvSpPr>
             <a:spLocks noGrp="1"/>
           </p:cNvSpPr>
@@ -1093,8 +2551,8 @@
         </p:nvSpPr>
         <p:spPr>
           <a:xfrm>
-            <a:off x="504000" y="4059360"/>
-            <a:ext cx="4426920" cy="2091240"/>
+            <a:off x="504000" y="4059000"/>
+            <a:ext cx="4426560" cy="2090880"/>
           </a:xfrm>
           <a:prstGeom prst="rect">
             <a:avLst/>
@@ -1103,23 +2561,23 @@
         <p:txBody>
           <a:bodyPr lIns="0" rIns="0" tIns="0" bIns="0"/>
           <a:p>
-            <a:endParaRPr b="0" lang="en-US" sz="3200" spc="-1" strike="noStrike">
-              <a:solidFill>
-                <a:srgbClr val="000000"/>
-              </a:solidFill>
-              <a:uFill>
-                <a:solidFill>
-                  <a:srgbClr val="ffffff"/>
-                </a:solidFill>
-              </a:uFill>
-              <a:latin typeface="Arial"/>
-            </a:endParaRPr>
-          </a:p>
-        </p:txBody>
-      </p:sp>
-      <p:sp>
-        <p:nvSpPr>
-          <p:cNvPr id="17" name="PlaceHolder 4"/>
+            <a:endParaRPr b="0" lang="en-US" sz="2800" spc="-1" strike="noStrike">
+              <a:solidFill>
+                <a:srgbClr val="000000"/>
+              </a:solidFill>
+              <a:uFill>
+                <a:solidFill>
+                  <a:srgbClr val="ffffff"/>
+                </a:solidFill>
+              </a:uFill>
+              <a:latin typeface="Arial"/>
+            </a:endParaRPr>
+          </a:p>
+        </p:txBody>
+      </p:sp>
+      <p:sp>
+        <p:nvSpPr>
+          <p:cNvPr id="16" name="PlaceHolder 4"/>
           <p:cNvSpPr>
             <a:spLocks noGrp="1"/>
           </p:cNvSpPr>
@@ -1129,8 +2587,8 @@
         </p:nvSpPr>
         <p:spPr>
           <a:xfrm>
-            <a:off x="5152680" y="1769040"/>
-            <a:ext cx="4426920" cy="4384440"/>
+            <a:off x="5152320" y="1769040"/>
+            <a:ext cx="4426560" cy="4384080"/>
           </a:xfrm>
           <a:prstGeom prst="rect">
             <a:avLst/>
@@ -1139,7 +2597,7 @@
         <p:txBody>
           <a:bodyPr lIns="0" rIns="0" tIns="0" bIns="0"/>
           <a:p>
-            <a:endParaRPr b="0" lang="en-US" sz="3200" spc="-1" strike="noStrike">
+            <a:endParaRPr b="0" lang="en-US" sz="2800" spc="-1" strike="noStrike">
               <a:solidFill>
                 <a:srgbClr val="000000"/>
               </a:solidFill>
@@ -1177,7 +2635,7 @@
       </p:grpSpPr>
       <p:sp>
         <p:nvSpPr>
-          <p:cNvPr id="18" name="PlaceHolder 1"/>
+          <p:cNvPr id="17" name="PlaceHolder 1"/>
           <p:cNvSpPr>
             <a:spLocks noGrp="1"/>
           </p:cNvSpPr>
@@ -1188,7 +2646,7 @@
         <p:spPr>
           <a:xfrm>
             <a:off x="504000" y="301320"/>
-            <a:ext cx="9071640" cy="1262160"/>
+            <a:ext cx="9071280" cy="1261800"/>
           </a:xfrm>
           <a:prstGeom prst="rect">
             <a:avLst/>
@@ -1197,24 +2655,23 @@
         <p:txBody>
           <a:bodyPr lIns="0" rIns="0" tIns="0" bIns="0" anchor="ctr"/>
           <a:p>
-            <a:pPr algn="ctr"/>
-            <a:endParaRPr b="0" lang="en-US" sz="4400" spc="-1" strike="noStrike">
-              <a:solidFill>
-                <a:srgbClr val="000000"/>
-              </a:solidFill>
-              <a:uFill>
-                <a:solidFill>
-                  <a:srgbClr val="ffffff"/>
-                </a:solidFill>
-              </a:uFill>
-              <a:latin typeface="Arial"/>
-            </a:endParaRPr>
-          </a:p>
-        </p:txBody>
-      </p:sp>
-      <p:sp>
-        <p:nvSpPr>
-          <p:cNvPr id="19" name="PlaceHolder 2"/>
+            <a:endParaRPr b="0" lang="en-US" sz="1800" spc="-1" strike="noStrike">
+              <a:solidFill>
+                <a:srgbClr val="000000"/>
+              </a:solidFill>
+              <a:uFill>
+                <a:solidFill>
+                  <a:srgbClr val="ffffff"/>
+                </a:solidFill>
+              </a:uFill>
+              <a:latin typeface="Arial"/>
+            </a:endParaRPr>
+          </a:p>
+        </p:txBody>
+      </p:sp>
+      <p:sp>
+        <p:nvSpPr>
+          <p:cNvPr id="18" name="PlaceHolder 2"/>
           <p:cNvSpPr>
             <a:spLocks noGrp="1"/>
           </p:cNvSpPr>
@@ -1225,7 +2682,7 @@
         <p:spPr>
           <a:xfrm>
             <a:off x="504000" y="1769040"/>
-            <a:ext cx="4426920" cy="4384440"/>
+            <a:ext cx="4426560" cy="4384080"/>
           </a:xfrm>
           <a:prstGeom prst="rect">
             <a:avLst/>
@@ -1234,23 +2691,23 @@
         <p:txBody>
           <a:bodyPr lIns="0" rIns="0" tIns="0" bIns="0"/>
           <a:p>
-            <a:endParaRPr b="0" lang="en-US" sz="3200" spc="-1" strike="noStrike">
-              <a:solidFill>
-                <a:srgbClr val="000000"/>
-              </a:solidFill>
-              <a:uFill>
-                <a:solidFill>
-                  <a:srgbClr val="ffffff"/>
-                </a:solidFill>
-              </a:uFill>
-              <a:latin typeface="Arial"/>
-            </a:endParaRPr>
-          </a:p>
-        </p:txBody>
-      </p:sp>
-      <p:sp>
-        <p:nvSpPr>
-          <p:cNvPr id="20" name="PlaceHolder 3"/>
+            <a:endParaRPr b="0" lang="en-US" sz="2800" spc="-1" strike="noStrike">
+              <a:solidFill>
+                <a:srgbClr val="000000"/>
+              </a:solidFill>
+              <a:uFill>
+                <a:solidFill>
+                  <a:srgbClr val="ffffff"/>
+                </a:solidFill>
+              </a:uFill>
+              <a:latin typeface="Arial"/>
+            </a:endParaRPr>
+          </a:p>
+        </p:txBody>
+      </p:sp>
+      <p:sp>
+        <p:nvSpPr>
+          <p:cNvPr id="19" name="PlaceHolder 3"/>
           <p:cNvSpPr>
             <a:spLocks noGrp="1"/>
           </p:cNvSpPr>
@@ -1260,8 +2717,8 @@
         </p:nvSpPr>
         <p:spPr>
           <a:xfrm>
-            <a:off x="5152680" y="1769040"/>
-            <a:ext cx="4426920" cy="2091240"/>
+            <a:off x="5152320" y="1769040"/>
+            <a:ext cx="4426560" cy="2090880"/>
           </a:xfrm>
           <a:prstGeom prst="rect">
             <a:avLst/>
@@ -1270,23 +2727,23 @@
         <p:txBody>
           <a:bodyPr lIns="0" rIns="0" tIns="0" bIns="0"/>
           <a:p>
-            <a:endParaRPr b="0" lang="en-US" sz="3200" spc="-1" strike="noStrike">
-              <a:solidFill>
-                <a:srgbClr val="000000"/>
-              </a:solidFill>
-              <a:uFill>
-                <a:solidFill>
-                  <a:srgbClr val="ffffff"/>
-                </a:solidFill>
-              </a:uFill>
-              <a:latin typeface="Arial"/>
-            </a:endParaRPr>
-          </a:p>
-        </p:txBody>
-      </p:sp>
-      <p:sp>
-        <p:nvSpPr>
-          <p:cNvPr id="21" name="PlaceHolder 4"/>
+            <a:endParaRPr b="0" lang="en-US" sz="2800" spc="-1" strike="noStrike">
+              <a:solidFill>
+                <a:srgbClr val="000000"/>
+              </a:solidFill>
+              <a:uFill>
+                <a:solidFill>
+                  <a:srgbClr val="ffffff"/>
+                </a:solidFill>
+              </a:uFill>
+              <a:latin typeface="Arial"/>
+            </a:endParaRPr>
+          </a:p>
+        </p:txBody>
+      </p:sp>
+      <p:sp>
+        <p:nvSpPr>
+          <p:cNvPr id="20" name="PlaceHolder 4"/>
           <p:cNvSpPr>
             <a:spLocks noGrp="1"/>
           </p:cNvSpPr>
@@ -1296,8 +2753,8 @@
         </p:nvSpPr>
         <p:spPr>
           <a:xfrm>
-            <a:off x="5152680" y="4059360"/>
-            <a:ext cx="4426920" cy="2091240"/>
+            <a:off x="5152320" y="4059000"/>
+            <a:ext cx="4426560" cy="2090880"/>
           </a:xfrm>
           <a:prstGeom prst="rect">
             <a:avLst/>
@@ -1306,7 +2763,7 @@
         <p:txBody>
           <a:bodyPr lIns="0" rIns="0" tIns="0" bIns="0"/>
           <a:p>
-            <a:endParaRPr b="0" lang="en-US" sz="3200" spc="-1" strike="noStrike">
+            <a:endParaRPr b="0" lang="en-US" sz="2800" spc="-1" strike="noStrike">
               <a:solidFill>
                 <a:srgbClr val="000000"/>
               </a:solidFill>
@@ -1344,7 +2801,7 @@
       </p:grpSpPr>
       <p:sp>
         <p:nvSpPr>
-          <p:cNvPr id="22" name="PlaceHolder 1"/>
+          <p:cNvPr id="21" name="PlaceHolder 1"/>
           <p:cNvSpPr>
             <a:spLocks noGrp="1"/>
           </p:cNvSpPr>
@@ -1355,7 +2812,7 @@
         <p:spPr>
           <a:xfrm>
             <a:off x="504000" y="301320"/>
-            <a:ext cx="9071640" cy="1262160"/>
+            <a:ext cx="9071280" cy="1261800"/>
           </a:xfrm>
           <a:prstGeom prst="rect">
             <a:avLst/>
@@ -1364,24 +2821,23 @@
         <p:txBody>
           <a:bodyPr lIns="0" rIns="0" tIns="0" bIns="0" anchor="ctr"/>
           <a:p>
-            <a:pPr algn="ctr"/>
-            <a:endParaRPr b="0" lang="en-US" sz="4400" spc="-1" strike="noStrike">
-              <a:solidFill>
-                <a:srgbClr val="000000"/>
-              </a:solidFill>
-              <a:uFill>
-                <a:solidFill>
-                  <a:srgbClr val="ffffff"/>
-                </a:solidFill>
-              </a:uFill>
-              <a:latin typeface="Arial"/>
-            </a:endParaRPr>
-          </a:p>
-        </p:txBody>
-      </p:sp>
-      <p:sp>
-        <p:nvSpPr>
-          <p:cNvPr id="23" name="PlaceHolder 2"/>
+            <a:endParaRPr b="0" lang="en-US" sz="1800" spc="-1" strike="noStrike">
+              <a:solidFill>
+                <a:srgbClr val="000000"/>
+              </a:solidFill>
+              <a:uFill>
+                <a:solidFill>
+                  <a:srgbClr val="ffffff"/>
+                </a:solidFill>
+              </a:uFill>
+              <a:latin typeface="Arial"/>
+            </a:endParaRPr>
+          </a:p>
+        </p:txBody>
+      </p:sp>
+      <p:sp>
+        <p:nvSpPr>
+          <p:cNvPr id="22" name="PlaceHolder 2"/>
           <p:cNvSpPr>
             <a:spLocks noGrp="1"/>
           </p:cNvSpPr>
@@ -1392,7 +2848,7 @@
         <p:spPr>
           <a:xfrm>
             <a:off x="504000" y="1769040"/>
-            <a:ext cx="4426920" cy="2091240"/>
+            <a:ext cx="4426560" cy="2090880"/>
           </a:xfrm>
           <a:prstGeom prst="rect">
             <a:avLst/>
@@ -1401,23 +2857,23 @@
         <p:txBody>
           <a:bodyPr lIns="0" rIns="0" tIns="0" bIns="0"/>
           <a:p>
-            <a:endParaRPr b="0" lang="en-US" sz="3200" spc="-1" strike="noStrike">
-              <a:solidFill>
-                <a:srgbClr val="000000"/>
-              </a:solidFill>
-              <a:uFill>
-                <a:solidFill>
-                  <a:srgbClr val="ffffff"/>
-                </a:solidFill>
-              </a:uFill>
-              <a:latin typeface="Arial"/>
-            </a:endParaRPr>
-          </a:p>
-        </p:txBody>
-      </p:sp>
-      <p:sp>
-        <p:nvSpPr>
-          <p:cNvPr id="24" name="PlaceHolder 3"/>
+            <a:endParaRPr b="0" lang="en-US" sz="2800" spc="-1" strike="noStrike">
+              <a:solidFill>
+                <a:srgbClr val="000000"/>
+              </a:solidFill>
+              <a:uFill>
+                <a:solidFill>
+                  <a:srgbClr val="ffffff"/>
+                </a:solidFill>
+              </a:uFill>
+              <a:latin typeface="Arial"/>
+            </a:endParaRPr>
+          </a:p>
+        </p:txBody>
+      </p:sp>
+      <p:sp>
+        <p:nvSpPr>
+          <p:cNvPr id="23" name="PlaceHolder 3"/>
           <p:cNvSpPr>
             <a:spLocks noGrp="1"/>
           </p:cNvSpPr>
@@ -1427,8 +2883,8 @@
         </p:nvSpPr>
         <p:spPr>
           <a:xfrm>
-            <a:off x="5152680" y="1769040"/>
-            <a:ext cx="4426920" cy="2091240"/>
+            <a:off x="5152320" y="1769040"/>
+            <a:ext cx="4426560" cy="2090880"/>
           </a:xfrm>
           <a:prstGeom prst="rect">
             <a:avLst/>
@@ -1437,23 +2893,23 @@
         <p:txBody>
           <a:bodyPr lIns="0" rIns="0" tIns="0" bIns="0"/>
           <a:p>
-            <a:endParaRPr b="0" lang="en-US" sz="3200" spc="-1" strike="noStrike">
-              <a:solidFill>
-                <a:srgbClr val="000000"/>
-              </a:solidFill>
-              <a:uFill>
-                <a:solidFill>
-                  <a:srgbClr val="ffffff"/>
-                </a:solidFill>
-              </a:uFill>
-              <a:latin typeface="Arial"/>
-            </a:endParaRPr>
-          </a:p>
-        </p:txBody>
-      </p:sp>
-      <p:sp>
-        <p:nvSpPr>
-          <p:cNvPr id="25" name="PlaceHolder 4"/>
+            <a:endParaRPr b="0" lang="en-US" sz="2800" spc="-1" strike="noStrike">
+              <a:solidFill>
+                <a:srgbClr val="000000"/>
+              </a:solidFill>
+              <a:uFill>
+                <a:solidFill>
+                  <a:srgbClr val="ffffff"/>
+                </a:solidFill>
+              </a:uFill>
+              <a:latin typeface="Arial"/>
+            </a:endParaRPr>
+          </a:p>
+        </p:txBody>
+      </p:sp>
+      <p:sp>
+        <p:nvSpPr>
+          <p:cNvPr id="24" name="PlaceHolder 4"/>
           <p:cNvSpPr>
             <a:spLocks noGrp="1"/>
           </p:cNvSpPr>
@@ -1463,8 +2919,8 @@
         </p:nvSpPr>
         <p:spPr>
           <a:xfrm>
-            <a:off x="504000" y="4059360"/>
-            <a:ext cx="9071640" cy="2091240"/>
+            <a:off x="504000" y="4059000"/>
+            <a:ext cx="9071280" cy="2090880"/>
           </a:xfrm>
           <a:prstGeom prst="rect">
             <a:avLst/>
@@ -1473,7 +2929,7 @@
         <p:txBody>
           <a:bodyPr lIns="0" rIns="0" tIns="0" bIns="0"/>
           <a:p>
-            <a:endParaRPr b="0" lang="en-US" sz="3200" spc="-1" strike="noStrike">
+            <a:endParaRPr b="0" lang="en-US" sz="2800" spc="-1" strike="noStrike">
               <a:solidFill>
                 <a:srgbClr val="000000"/>
               </a:solidFill>
@@ -1495,6 +2951,13 @@
 <file path=ppt/slideMasters/slideMaster1.xml><?xml version="1.0" encoding="utf-8"?>
 <p:sldMaster xmlns:a="http://schemas.openxmlformats.org/drawingml/2006/main" xmlns:p="http://schemas.openxmlformats.org/presentationml/2006/main" xmlns:r="http://schemas.openxmlformats.org/officeDocument/2006/relationships" xmlns:p14="http://schemas.microsoft.com/office/powerpoint/2010/main" xmlns:p15="http://schemas.microsoft.com/office/powerpoint/2012/main" xmlns:mc="http://schemas.openxmlformats.org/markup-compatibility/2006">
   <p:cSld>
+    <p:bg>
+      <p:bgPr>
+        <a:solidFill>
+          <a:srgbClr val="ffffff"/>
+        </a:solidFill>
+      </p:bgPr>
+    </p:bg>
     <p:spTree>
       <p:nvGrpSpPr>
         <p:cNvPr id="1" name=""/>
@@ -1522,7 +2985,7 @@
         <p:spPr>
           <a:xfrm>
             <a:off x="504000" y="301320"/>
-            <a:ext cx="9071640" cy="1262160"/>
+            <a:ext cx="9071280" cy="1261800"/>
           </a:xfrm>
           <a:prstGeom prst="rect">
             <a:avLst/>
@@ -1531,22 +2994,7 @@
         <p:txBody>
           <a:bodyPr lIns="0" rIns="0" tIns="0" bIns="0" anchor="ctr"/>
           <a:p>
-            <a:pPr algn="ctr"/>
-            <a:r>
-              <a:rPr b="0" lang="en-US" sz="4400" spc="-1" strike="noStrike">
-                <a:solidFill>
-                  <a:srgbClr val="000000"/>
-                </a:solidFill>
-                <a:uFill>
-                  <a:solidFill>
-                    <a:srgbClr val="ffffff"/>
-                  </a:solidFill>
-                </a:uFill>
-                <a:latin typeface="Arial"/>
-              </a:rPr>
-              <a:t>Click to edit the title text format</a:t>
-            </a:r>
-            <a:endParaRPr b="0" lang="en-US" sz="4400" spc="-1" strike="noStrike">
+            <a:endParaRPr b="0" lang="en-US" sz="1800" spc="-1" strike="noStrike">
               <a:solidFill>
                 <a:srgbClr val="000000"/>
               </a:solidFill>
@@ -1573,7 +3021,7 @@
         <p:spPr>
           <a:xfrm>
             <a:off x="504000" y="1769040"/>
-            <a:ext cx="9071640" cy="4384440"/>
+            <a:ext cx="4426560" cy="2090880"/>
           </a:xfrm>
           <a:prstGeom prst="rect">
             <a:avLst/>
@@ -1591,7 +3039,7 @@
               <a:buChar char=""/>
             </a:pPr>
             <a:r>
-              <a:rPr b="0" lang="en-US" sz="3200" spc="-1" strike="noStrike">
+              <a:rPr b="0" lang="en-US" sz="2800" spc="-1" strike="noStrike">
                 <a:solidFill>
                   <a:srgbClr val="000000"/>
                 </a:solidFill>
@@ -1604,7 +3052,7 @@
               </a:rPr>
               <a:t>Click to edit the outline text format</a:t>
             </a:r>
-            <a:endParaRPr b="0" lang="en-US" sz="3200" spc="-1" strike="noStrike">
+            <a:endParaRPr b="0" lang="en-US" sz="2800" spc="-1" strike="noStrike">
               <a:solidFill>
                 <a:srgbClr val="000000"/>
               </a:solidFill>
@@ -1661,7 +3109,7 @@
               <a:buChar char=""/>
             </a:pPr>
             <a:r>
-              <a:rPr b="0" lang="en-US" sz="2400" spc="-1" strike="noStrike">
+              <a:rPr b="0" lang="en-US" sz="2800" spc="-1" strike="noStrike">
                 <a:solidFill>
                   <a:srgbClr val="000000"/>
                 </a:solidFill>
@@ -1674,7 +3122,7 @@
               </a:rPr>
               <a:t>Third Outline Level</a:t>
             </a:r>
-            <a:endParaRPr b="0" lang="en-US" sz="2400" spc="-1" strike="noStrike">
+            <a:endParaRPr b="0" lang="en-US" sz="2800" spc="-1" strike="noStrike">
               <a:solidFill>
                 <a:srgbClr val="000000"/>
               </a:solidFill>
@@ -1696,7 +3144,7 @@
               <a:buChar char=""/>
             </a:pPr>
             <a:r>
-              <a:rPr b="0" lang="en-US" sz="2000" spc="-1" strike="noStrike">
+              <a:rPr b="0" lang="en-US" sz="2800" spc="-1" strike="noStrike">
                 <a:solidFill>
                   <a:srgbClr val="000000"/>
                 </a:solidFill>
@@ -1709,7 +3157,7 @@
               </a:rPr>
               <a:t>Fourth Outline Level</a:t>
             </a:r>
-            <a:endParaRPr b="0" lang="en-US" sz="2000" spc="-1" strike="noStrike">
+            <a:endParaRPr b="0" lang="en-US" sz="2800" spc="-1" strike="noStrike">
               <a:solidFill>
                 <a:srgbClr val="000000"/>
               </a:solidFill>
@@ -1731,7 +3179,7 @@
               <a:buChar char=""/>
             </a:pPr>
             <a:r>
-              <a:rPr b="0" lang="en-US" sz="2000" spc="-1" strike="noStrike">
+              <a:rPr b="0" lang="en-US" sz="2800" spc="-1" strike="noStrike">
                 <a:solidFill>
                   <a:srgbClr val="000000"/>
                 </a:solidFill>
@@ -1744,7 +3192,7 @@
               </a:rPr>
               <a:t>Fifth Outline Level</a:t>
             </a:r>
-            <a:endParaRPr b="0" lang="en-US" sz="2000" spc="-1" strike="noStrike">
+            <a:endParaRPr b="0" lang="en-US" sz="2800" spc="-1" strike="noStrike">
               <a:solidFill>
                 <a:srgbClr val="000000"/>
               </a:solidFill>
@@ -1766,7 +3214,7 @@
               <a:buChar char=""/>
             </a:pPr>
             <a:r>
-              <a:rPr b="0" lang="en-US" sz="2000" spc="-1" strike="noStrike">
+              <a:rPr b="0" lang="en-US" sz="2800" spc="-1" strike="noStrike">
                 <a:solidFill>
                   <a:srgbClr val="000000"/>
                 </a:solidFill>
@@ -1779,7 +3227,7 @@
               </a:rPr>
               <a:t>Sixth Outline Level</a:t>
             </a:r>
-            <a:endParaRPr b="0" lang="en-US" sz="2000" spc="-1" strike="noStrike">
+            <a:endParaRPr b="0" lang="en-US" sz="2800" spc="-1" strike="noStrike">
               <a:solidFill>
                 <a:srgbClr val="000000"/>
               </a:solidFill>
@@ -1801,7 +3249,7 @@
               <a:buChar char=""/>
             </a:pPr>
             <a:r>
-              <a:rPr b="0" lang="en-US" sz="2000" spc="-1" strike="noStrike">
+              <a:rPr b="0" lang="en-US" sz="2800" spc="-1" strike="noStrike">
                 <a:solidFill>
                   <a:srgbClr val="000000"/>
                 </a:solidFill>
@@ -1814,7 +3262,7 @@
               </a:rPr>
               <a:t>Seventh Outline Level</a:t>
             </a:r>
-            <a:endParaRPr b="0" lang="en-US" sz="2000" spc="-1" strike="noStrike">
+            <a:endParaRPr b="0" lang="en-US" sz="2800" spc="-1" strike="noStrike">
               <a:solidFill>
                 <a:srgbClr val="000000"/>
               </a:solidFill>
@@ -1835,13 +3283,13 @@
             <a:spLocks noGrp="1"/>
           </p:cNvSpPr>
           <p:nvPr>
-            <p:ph type="dt"/>
+            <p:ph type="body"/>
           </p:nvPr>
         </p:nvSpPr>
         <p:spPr>
           <a:xfrm>
-            <a:off x="504000" y="6887160"/>
-            <a:ext cx="2348280" cy="521280"/>
+            <a:off x="5152680" y="1769040"/>
+            <a:ext cx="4426560" cy="2090880"/>
           </a:xfrm>
           <a:prstGeom prst="rect">
             <a:avLst/>
@@ -1850,8 +3298,16 @@
         <p:txBody>
           <a:bodyPr lIns="0" rIns="0" tIns="0" bIns="0"/>
           <a:p>
-            <a:r>
-              <a:rPr b="0" lang="en-US" sz="1400" spc="-1" strike="noStrike">
+            <a:pPr marL="432000" indent="-324000">
+              <a:buClr>
+                <a:srgbClr val="000000"/>
+              </a:buClr>
+              <a:buSzPct val="45000"/>
+              <a:buFont typeface="Wingdings" charset="2"/>
+              <a:buChar char=""/>
+            </a:pPr>
+            <a:r>
+              <a:rPr b="0" lang="en-US" sz="2800" spc="-1" strike="noStrike">
                 <a:solidFill>
                   <a:srgbClr val="000000"/>
                 </a:solidFill>
@@ -1860,20 +3316,230 @@
                     <a:srgbClr val="ffffff"/>
                   </a:solidFill>
                 </a:uFill>
-                <a:latin typeface="Times New Roman"/>
-              </a:rPr>
-              <a:t>&lt;date/time&gt;</a:t>
-            </a:r>
-            <a:endParaRPr b="0" lang="en-US" sz="1400" spc="-1" strike="noStrike">
-              <a:solidFill>
-                <a:srgbClr val="000000"/>
-              </a:solidFill>
-              <a:uFill>
-                <a:solidFill>
-                  <a:srgbClr val="ffffff"/>
-                </a:solidFill>
-              </a:uFill>
-              <a:latin typeface="Times New Roman"/>
+                <a:latin typeface="Arial"/>
+              </a:rPr>
+              <a:t>Click to edit the outline text format</a:t>
+            </a:r>
+            <a:endParaRPr b="0" lang="en-US" sz="2800" spc="-1" strike="noStrike">
+              <a:solidFill>
+                <a:srgbClr val="000000"/>
+              </a:solidFill>
+              <a:uFill>
+                <a:solidFill>
+                  <a:srgbClr val="ffffff"/>
+                </a:solidFill>
+              </a:uFill>
+              <a:latin typeface="Arial"/>
+            </a:endParaRPr>
+          </a:p>
+          <a:p>
+            <a:pPr lvl="1" marL="864000" indent="-324000">
+              <a:buClr>
+                <a:srgbClr val="000000"/>
+              </a:buClr>
+              <a:buSzPct val="75000"/>
+              <a:buFont typeface="Symbol" charset="2"/>
+              <a:buChar char=""/>
+            </a:pPr>
+            <a:r>
+              <a:rPr b="0" lang="en-US" sz="2800" spc="-1" strike="noStrike">
+                <a:solidFill>
+                  <a:srgbClr val="000000"/>
+                </a:solidFill>
+                <a:uFill>
+                  <a:solidFill>
+                    <a:srgbClr val="ffffff"/>
+                  </a:solidFill>
+                </a:uFill>
+                <a:latin typeface="Arial"/>
+              </a:rPr>
+              <a:t>Second Outline Level</a:t>
+            </a:r>
+            <a:endParaRPr b="0" lang="en-US" sz="2800" spc="-1" strike="noStrike">
+              <a:solidFill>
+                <a:srgbClr val="000000"/>
+              </a:solidFill>
+              <a:uFill>
+                <a:solidFill>
+                  <a:srgbClr val="ffffff"/>
+                </a:solidFill>
+              </a:uFill>
+              <a:latin typeface="Arial"/>
+            </a:endParaRPr>
+          </a:p>
+          <a:p>
+            <a:pPr lvl="2" marL="1296000" indent="-288000">
+              <a:buClr>
+                <a:srgbClr val="000000"/>
+              </a:buClr>
+              <a:buSzPct val="45000"/>
+              <a:buFont typeface="Wingdings" charset="2"/>
+              <a:buChar char=""/>
+            </a:pPr>
+            <a:r>
+              <a:rPr b="0" lang="en-US" sz="2800" spc="-1" strike="noStrike">
+                <a:solidFill>
+                  <a:srgbClr val="000000"/>
+                </a:solidFill>
+                <a:uFill>
+                  <a:solidFill>
+                    <a:srgbClr val="ffffff"/>
+                  </a:solidFill>
+                </a:uFill>
+                <a:latin typeface="Arial"/>
+              </a:rPr>
+              <a:t>Third Outline Level</a:t>
+            </a:r>
+            <a:endParaRPr b="0" lang="en-US" sz="2800" spc="-1" strike="noStrike">
+              <a:solidFill>
+                <a:srgbClr val="000000"/>
+              </a:solidFill>
+              <a:uFill>
+                <a:solidFill>
+                  <a:srgbClr val="ffffff"/>
+                </a:solidFill>
+              </a:uFill>
+              <a:latin typeface="Arial"/>
+            </a:endParaRPr>
+          </a:p>
+          <a:p>
+            <a:pPr lvl="3" marL="1728000" indent="-216000">
+              <a:buClr>
+                <a:srgbClr val="000000"/>
+              </a:buClr>
+              <a:buSzPct val="75000"/>
+              <a:buFont typeface="Symbol" charset="2"/>
+              <a:buChar char=""/>
+            </a:pPr>
+            <a:r>
+              <a:rPr b="0" lang="en-US" sz="2800" spc="-1" strike="noStrike">
+                <a:solidFill>
+                  <a:srgbClr val="000000"/>
+                </a:solidFill>
+                <a:uFill>
+                  <a:solidFill>
+                    <a:srgbClr val="ffffff"/>
+                  </a:solidFill>
+                </a:uFill>
+                <a:latin typeface="Arial"/>
+              </a:rPr>
+              <a:t>Fourth Outline Level</a:t>
+            </a:r>
+            <a:endParaRPr b="0" lang="en-US" sz="2800" spc="-1" strike="noStrike">
+              <a:solidFill>
+                <a:srgbClr val="000000"/>
+              </a:solidFill>
+              <a:uFill>
+                <a:solidFill>
+                  <a:srgbClr val="ffffff"/>
+                </a:solidFill>
+              </a:uFill>
+              <a:latin typeface="Arial"/>
+            </a:endParaRPr>
+          </a:p>
+          <a:p>
+            <a:pPr lvl="4" marL="2160000" indent="-216000">
+              <a:buClr>
+                <a:srgbClr val="000000"/>
+              </a:buClr>
+              <a:buSzPct val="45000"/>
+              <a:buFont typeface="Wingdings" charset="2"/>
+              <a:buChar char=""/>
+            </a:pPr>
+            <a:r>
+              <a:rPr b="0" lang="en-US" sz="2800" spc="-1" strike="noStrike">
+                <a:solidFill>
+                  <a:srgbClr val="000000"/>
+                </a:solidFill>
+                <a:uFill>
+                  <a:solidFill>
+                    <a:srgbClr val="ffffff"/>
+                  </a:solidFill>
+                </a:uFill>
+                <a:latin typeface="Arial"/>
+              </a:rPr>
+              <a:t>Fifth Outline Level</a:t>
+            </a:r>
+            <a:endParaRPr b="0" lang="en-US" sz="2800" spc="-1" strike="noStrike">
+              <a:solidFill>
+                <a:srgbClr val="000000"/>
+              </a:solidFill>
+              <a:uFill>
+                <a:solidFill>
+                  <a:srgbClr val="ffffff"/>
+                </a:solidFill>
+              </a:uFill>
+              <a:latin typeface="Arial"/>
+            </a:endParaRPr>
+          </a:p>
+          <a:p>
+            <a:pPr lvl="5" marL="2592000" indent="-216000">
+              <a:buClr>
+                <a:srgbClr val="000000"/>
+              </a:buClr>
+              <a:buSzPct val="45000"/>
+              <a:buFont typeface="Wingdings" charset="2"/>
+              <a:buChar char=""/>
+            </a:pPr>
+            <a:r>
+              <a:rPr b="0" lang="en-US" sz="2800" spc="-1" strike="noStrike">
+                <a:solidFill>
+                  <a:srgbClr val="000000"/>
+                </a:solidFill>
+                <a:uFill>
+                  <a:solidFill>
+                    <a:srgbClr val="ffffff"/>
+                  </a:solidFill>
+                </a:uFill>
+                <a:latin typeface="Arial"/>
+              </a:rPr>
+              <a:t>Sixth Outline Level</a:t>
+            </a:r>
+            <a:endParaRPr b="0" lang="en-US" sz="2800" spc="-1" strike="noStrike">
+              <a:solidFill>
+                <a:srgbClr val="000000"/>
+              </a:solidFill>
+              <a:uFill>
+                <a:solidFill>
+                  <a:srgbClr val="ffffff"/>
+                </a:solidFill>
+              </a:uFill>
+              <a:latin typeface="Arial"/>
+            </a:endParaRPr>
+          </a:p>
+          <a:p>
+            <a:pPr lvl="6" marL="3024000" indent="-216000">
+              <a:buClr>
+                <a:srgbClr val="000000"/>
+              </a:buClr>
+              <a:buSzPct val="45000"/>
+              <a:buFont typeface="Wingdings" charset="2"/>
+              <a:buChar char=""/>
+            </a:pPr>
+            <a:r>
+              <a:rPr b="0" lang="en-US" sz="2800" spc="-1" strike="noStrike">
+                <a:solidFill>
+                  <a:srgbClr val="000000"/>
+                </a:solidFill>
+                <a:uFill>
+                  <a:solidFill>
+                    <a:srgbClr val="ffffff"/>
+                  </a:solidFill>
+                </a:uFill>
+                <a:latin typeface="Arial"/>
+              </a:rPr>
+              <a:t>Seventh Outline Level</a:t>
+            </a:r>
+            <a:endParaRPr b="0" lang="en-US" sz="2800" spc="-1" strike="noStrike">
+              <a:solidFill>
+                <a:srgbClr val="000000"/>
+              </a:solidFill>
+              <a:uFill>
+                <a:solidFill>
+                  <a:srgbClr val="ffffff"/>
+                </a:solidFill>
+              </a:uFill>
+              <a:latin typeface="Arial"/>
             </a:endParaRPr>
           </a:p>
         </p:txBody>
@@ -1885,13 +3551,13 @@
             <a:spLocks noGrp="1"/>
           </p:cNvSpPr>
           <p:nvPr>
-            <p:ph type="ftr"/>
+            <p:ph type="body"/>
           </p:nvPr>
         </p:nvSpPr>
         <p:spPr>
           <a:xfrm>
-            <a:off x="3447360" y="6887160"/>
-            <a:ext cx="3195000" cy="521280"/>
+            <a:off x="504000" y="4059360"/>
+            <a:ext cx="9071280" cy="2090880"/>
           </a:xfrm>
           <a:prstGeom prst="rect">
             <a:avLst/>
@@ -1900,9 +3566,16 @@
         <p:txBody>
           <a:bodyPr lIns="0" rIns="0" tIns="0" bIns="0"/>
           <a:p>
-            <a:pPr algn="ctr"/>
-            <a:r>
-              <a:rPr b="0" lang="en-US" sz="1400" spc="-1" strike="noStrike">
+            <a:pPr marL="432000" indent="-324000">
+              <a:buClr>
+                <a:srgbClr val="000000"/>
+              </a:buClr>
+              <a:buSzPct val="45000"/>
+              <a:buFont typeface="Wingdings" charset="2"/>
+              <a:buChar char=""/>
+            </a:pPr>
+            <a:r>
+              <a:rPr b="0" lang="en-US" sz="2800" spc="-1" strike="noStrike">
                 <a:solidFill>
                   <a:srgbClr val="000000"/>
                 </a:solidFill>
@@ -1911,49 +3584,33 @@
                     <a:srgbClr val="ffffff"/>
                   </a:solidFill>
                 </a:uFill>
-                <a:latin typeface="Times New Roman"/>
-              </a:rPr>
-              <a:t>&lt;footer&gt;</a:t>
-            </a:r>
-            <a:endParaRPr b="0" lang="en-US" sz="1400" spc="-1" strike="noStrike">
-              <a:solidFill>
-                <a:srgbClr val="000000"/>
-              </a:solidFill>
-              <a:uFill>
-                <a:solidFill>
-                  <a:srgbClr val="ffffff"/>
-                </a:solidFill>
-              </a:uFill>
-              <a:latin typeface="Times New Roman"/>
-            </a:endParaRPr>
-          </a:p>
-        </p:txBody>
-      </p:sp>
-      <p:sp>
-        <p:nvSpPr>
-          <p:cNvPr id="4" name="PlaceHolder 5"/>
-          <p:cNvSpPr>
-            <a:spLocks noGrp="1"/>
-          </p:cNvSpPr>
-          <p:nvPr>
-            <p:ph type="sldNum"/>
-          </p:nvPr>
-        </p:nvSpPr>
-        <p:spPr>
-          <a:xfrm>
-            <a:off x="7227360" y="6887160"/>
-            <a:ext cx="2348280" cy="521280"/>
-          </a:xfrm>
-          <a:prstGeom prst="rect">
-            <a:avLst/>
-          </a:prstGeom>
-        </p:spPr>
-        <p:txBody>
-          <a:bodyPr lIns="0" rIns="0" tIns="0" bIns="0"/>
-          <a:p>
-            <a:pPr algn="r"/>
-            <a:fld id="{D6644E3F-4459-4FDA-9490-6579F517AFA7}" type="slidenum">
-              <a:rPr b="0" lang="en-US" sz="1400" spc="-1" strike="noStrike">
+                <a:latin typeface="Arial"/>
+              </a:rPr>
+              <a:t>Click to edit the outline text format</a:t>
+            </a:r>
+            <a:endParaRPr b="0" lang="en-US" sz="2800" spc="-1" strike="noStrike">
+              <a:solidFill>
+                <a:srgbClr val="000000"/>
+              </a:solidFill>
+              <a:uFill>
+                <a:solidFill>
+                  <a:srgbClr val="ffffff"/>
+                </a:solidFill>
+              </a:uFill>
+              <a:latin typeface="Arial"/>
+            </a:endParaRPr>
+          </a:p>
+          <a:p>
+            <a:pPr lvl="1" marL="864000" indent="-324000">
+              <a:buClr>
+                <a:srgbClr val="000000"/>
+              </a:buClr>
+              <a:buSzPct val="75000"/>
+              <a:buFont typeface="Symbol" charset="2"/>
+              <a:buChar char=""/>
+            </a:pPr>
+            <a:r>
+              <a:rPr b="0" lang="en-US" sz="2800" spc="-1" strike="noStrike">
                 <a:solidFill>
                   <a:srgbClr val="000000"/>
                 </a:solidFill>
@@ -1962,20 +3619,195 @@
                     <a:srgbClr val="ffffff"/>
                   </a:solidFill>
                 </a:uFill>
-                <a:latin typeface="Times New Roman"/>
-              </a:rPr>
-              <a:t>&lt;number&gt;</a:t>
-            </a:fld>
-            <a:endParaRPr b="0" lang="en-US" sz="1400" spc="-1" strike="noStrike">
-              <a:solidFill>
-                <a:srgbClr val="000000"/>
-              </a:solidFill>
-              <a:uFill>
-                <a:solidFill>
-                  <a:srgbClr val="ffffff"/>
-                </a:solidFill>
-              </a:uFill>
-              <a:latin typeface="Times New Roman"/>
+                <a:latin typeface="Arial"/>
+              </a:rPr>
+              <a:t>Second Outline Level</a:t>
+            </a:r>
+            <a:endParaRPr b="0" lang="en-US" sz="2800" spc="-1" strike="noStrike">
+              <a:solidFill>
+                <a:srgbClr val="000000"/>
+              </a:solidFill>
+              <a:uFill>
+                <a:solidFill>
+                  <a:srgbClr val="ffffff"/>
+                </a:solidFill>
+              </a:uFill>
+              <a:latin typeface="Arial"/>
+            </a:endParaRPr>
+          </a:p>
+          <a:p>
+            <a:pPr lvl="2" marL="1296000" indent="-288000">
+              <a:buClr>
+                <a:srgbClr val="000000"/>
+              </a:buClr>
+              <a:buSzPct val="45000"/>
+              <a:buFont typeface="Wingdings" charset="2"/>
+              <a:buChar char=""/>
+            </a:pPr>
+            <a:r>
+              <a:rPr b="0" lang="en-US" sz="2800" spc="-1" strike="noStrike">
+                <a:solidFill>
+                  <a:srgbClr val="000000"/>
+                </a:solidFill>
+                <a:uFill>
+                  <a:solidFill>
+                    <a:srgbClr val="ffffff"/>
+                  </a:solidFill>
+                </a:uFill>
+                <a:latin typeface="Arial"/>
+              </a:rPr>
+              <a:t>Third Outline Level</a:t>
+            </a:r>
+            <a:endParaRPr b="0" lang="en-US" sz="2800" spc="-1" strike="noStrike">
+              <a:solidFill>
+                <a:srgbClr val="000000"/>
+              </a:solidFill>
+              <a:uFill>
+                <a:solidFill>
+                  <a:srgbClr val="ffffff"/>
+                </a:solidFill>
+              </a:uFill>
+              <a:latin typeface="Arial"/>
+            </a:endParaRPr>
+          </a:p>
+          <a:p>
+            <a:pPr lvl="3" marL="1728000" indent="-216000">
+              <a:buClr>
+                <a:srgbClr val="000000"/>
+              </a:buClr>
+              <a:buSzPct val="75000"/>
+              <a:buFont typeface="Symbol" charset="2"/>
+              <a:buChar char=""/>
+            </a:pPr>
+            <a:r>
+              <a:rPr b="0" lang="en-US" sz="2800" spc="-1" strike="noStrike">
+                <a:solidFill>
+                  <a:srgbClr val="000000"/>
+                </a:solidFill>
+                <a:uFill>
+                  <a:solidFill>
+                    <a:srgbClr val="ffffff"/>
+                  </a:solidFill>
+                </a:uFill>
+                <a:latin typeface="Arial"/>
+              </a:rPr>
+              <a:t>Fourth Outline Level</a:t>
+            </a:r>
+            <a:endParaRPr b="0" lang="en-US" sz="2800" spc="-1" strike="noStrike">
+              <a:solidFill>
+                <a:srgbClr val="000000"/>
+              </a:solidFill>
+              <a:uFill>
+                <a:solidFill>
+                  <a:srgbClr val="ffffff"/>
+                </a:solidFill>
+              </a:uFill>
+              <a:latin typeface="Arial"/>
+            </a:endParaRPr>
+          </a:p>
+          <a:p>
+            <a:pPr lvl="4" marL="2160000" indent="-216000">
+              <a:buClr>
+                <a:srgbClr val="000000"/>
+              </a:buClr>
+              <a:buSzPct val="45000"/>
+              <a:buFont typeface="Wingdings" charset="2"/>
+              <a:buChar char=""/>
+            </a:pPr>
+            <a:r>
+              <a:rPr b="0" lang="en-US" sz="2800" spc="-1" strike="noStrike">
+                <a:solidFill>
+                  <a:srgbClr val="000000"/>
+                </a:solidFill>
+                <a:uFill>
+                  <a:solidFill>
+                    <a:srgbClr val="ffffff"/>
+                  </a:solidFill>
+                </a:uFill>
+                <a:latin typeface="Arial"/>
+              </a:rPr>
+              <a:t>Fifth Outline Level</a:t>
+            </a:r>
+            <a:endParaRPr b="0" lang="en-US" sz="2800" spc="-1" strike="noStrike">
+              <a:solidFill>
+                <a:srgbClr val="000000"/>
+              </a:solidFill>
+              <a:uFill>
+                <a:solidFill>
+                  <a:srgbClr val="ffffff"/>
+                </a:solidFill>
+              </a:uFill>
+              <a:latin typeface="Arial"/>
+            </a:endParaRPr>
+          </a:p>
+          <a:p>
+            <a:pPr lvl="5" marL="2592000" indent="-216000">
+              <a:buClr>
+                <a:srgbClr val="000000"/>
+              </a:buClr>
+              <a:buSzPct val="45000"/>
+              <a:buFont typeface="Wingdings" charset="2"/>
+              <a:buChar char=""/>
+            </a:pPr>
+            <a:r>
+              <a:rPr b="0" lang="en-US" sz="2800" spc="-1" strike="noStrike">
+                <a:solidFill>
+                  <a:srgbClr val="000000"/>
+                </a:solidFill>
+                <a:uFill>
+                  <a:solidFill>
+                    <a:srgbClr val="ffffff"/>
+                  </a:solidFill>
+                </a:uFill>
+                <a:latin typeface="Arial"/>
+              </a:rPr>
+              <a:t>Sixth Outline Level</a:t>
+            </a:r>
+            <a:endParaRPr b="0" lang="en-US" sz="2800" spc="-1" strike="noStrike">
+              <a:solidFill>
+                <a:srgbClr val="000000"/>
+              </a:solidFill>
+              <a:uFill>
+                <a:solidFill>
+                  <a:srgbClr val="ffffff"/>
+                </a:solidFill>
+              </a:uFill>
+              <a:latin typeface="Arial"/>
+            </a:endParaRPr>
+          </a:p>
+          <a:p>
+            <a:pPr lvl="6" marL="3024000" indent="-216000">
+              <a:buClr>
+                <a:srgbClr val="000000"/>
+              </a:buClr>
+              <a:buSzPct val="45000"/>
+              <a:buFont typeface="Wingdings" charset="2"/>
+              <a:buChar char=""/>
+            </a:pPr>
+            <a:r>
+              <a:rPr b="0" lang="en-US" sz="2800" spc="-1" strike="noStrike">
+                <a:solidFill>
+                  <a:srgbClr val="000000"/>
+                </a:solidFill>
+                <a:uFill>
+                  <a:solidFill>
+                    <a:srgbClr val="ffffff"/>
+                  </a:solidFill>
+                </a:uFill>
+                <a:latin typeface="Arial"/>
+              </a:rPr>
+              <a:t>Seventh Outline Level</a:t>
+            </a:r>
+            <a:endParaRPr b="0" lang="en-US" sz="2800" spc="-1" strike="noStrike">
+              <a:solidFill>
+                <a:srgbClr val="000000"/>
+              </a:solidFill>
+              <a:uFill>
+                <a:solidFill>
+                  <a:srgbClr val="ffffff"/>
+                </a:solidFill>
+              </a:uFill>
+              <a:latin typeface="Arial"/>
             </a:endParaRPr>
           </a:p>
         </p:txBody>
@@ -1996,6 +3828,354 @@
     <p:sldLayoutId id="2147483658" r:id="rId11"/>
     <p:sldLayoutId id="2147483659" r:id="rId12"/>
     <p:sldLayoutId id="2147483660" r:id="rId13"/>
+  </p:sldLayoutIdLst>
+</p:sldMaster>
+</file>
+
+<file path=ppt/slideMasters/slideMaster2.xml><?xml version="1.0" encoding="utf-8"?>
+<p:sldMaster xmlns:a="http://schemas.openxmlformats.org/drawingml/2006/main" xmlns:p="http://schemas.openxmlformats.org/presentationml/2006/main" xmlns:r="http://schemas.openxmlformats.org/officeDocument/2006/relationships" xmlns:p14="http://schemas.microsoft.com/office/powerpoint/2010/main" xmlns:p15="http://schemas.microsoft.com/office/powerpoint/2012/main" xmlns:mc="http://schemas.openxmlformats.org/markup-compatibility/2006">
+  <p:cSld>
+    <p:bg>
+      <p:bgPr>
+        <a:solidFill>
+          <a:srgbClr val="ffffff"/>
+        </a:solidFill>
+      </p:bgPr>
+    </p:bg>
+    <p:spTree>
+      <p:nvGrpSpPr>
+        <p:cNvPr id="1" name=""/>
+        <p:cNvGrpSpPr/>
+        <p:nvPr/>
+      </p:nvGrpSpPr>
+      <p:grpSpPr>
+        <a:xfrm>
+          <a:off x="0" y="0"/>
+          <a:ext cx="0" cy="0"/>
+          <a:chOff x="0" y="0"/>
+          <a:chExt cx="0" cy="0"/>
+        </a:xfrm>
+      </p:grpSpPr>
+      <p:sp>
+        <p:nvSpPr>
+          <p:cNvPr id="38" name="PlaceHolder 1"/>
+          <p:cNvSpPr>
+            <a:spLocks noGrp="1"/>
+          </p:cNvSpPr>
+          <p:nvPr>
+            <p:ph type="title"/>
+          </p:nvPr>
+        </p:nvSpPr>
+        <p:spPr>
+          <a:xfrm>
+            <a:off x="504000" y="301320"/>
+            <a:ext cx="9071280" cy="1261800"/>
+          </a:xfrm>
+          <a:prstGeom prst="rect">
+            <a:avLst/>
+          </a:prstGeom>
+        </p:spPr>
+        <p:txBody>
+          <a:bodyPr lIns="0" rIns="0" tIns="0" bIns="0" anchor="ctr"/>
+          <a:p>
+            <a:endParaRPr b="0" lang="en-US" sz="1800" spc="-1" strike="noStrike">
+              <a:solidFill>
+                <a:srgbClr val="000000"/>
+              </a:solidFill>
+              <a:uFill>
+                <a:solidFill>
+                  <a:srgbClr val="ffffff"/>
+                </a:solidFill>
+              </a:uFill>
+              <a:latin typeface="Arial"/>
+            </a:endParaRPr>
+          </a:p>
+        </p:txBody>
+      </p:sp>
+      <p:sp>
+        <p:nvSpPr>
+          <p:cNvPr id="39" name="PlaceHolder 2"/>
+          <p:cNvSpPr>
+            <a:spLocks noGrp="1"/>
+          </p:cNvSpPr>
+          <p:nvPr>
+            <p:ph type="body"/>
+          </p:nvPr>
+        </p:nvSpPr>
+        <p:spPr>
+          <a:xfrm>
+            <a:off x="504000" y="1769040"/>
+            <a:ext cx="9071280" cy="4384080"/>
+          </a:xfrm>
+          <a:prstGeom prst="rect">
+            <a:avLst/>
+          </a:prstGeom>
+        </p:spPr>
+        <p:txBody>
+          <a:bodyPr lIns="0" rIns="0" tIns="0" bIns="0"/>
+          <a:p>
+            <a:pPr marL="432000" indent="-324000">
+              <a:buClr>
+                <a:srgbClr val="000000"/>
+              </a:buClr>
+              <a:buSzPct val="45000"/>
+              <a:buFont typeface="Wingdings" charset="2"/>
+              <a:buChar char=""/>
+            </a:pPr>
+            <a:r>
+              <a:rPr b="0" lang="en-US" sz="2800" spc="-1" strike="noStrike">
+                <a:solidFill>
+                  <a:srgbClr val="000000"/>
+                </a:solidFill>
+                <a:uFill>
+                  <a:solidFill>
+                    <a:srgbClr val="ffffff"/>
+                  </a:solidFill>
+                </a:uFill>
+                <a:latin typeface="Arial"/>
+              </a:rPr>
+              <a:t>Click to edit the outline text format</a:t>
+            </a:r>
+            <a:endParaRPr b="0" lang="en-US" sz="2800" spc="-1" strike="noStrike">
+              <a:solidFill>
+                <a:srgbClr val="000000"/>
+              </a:solidFill>
+              <a:uFill>
+                <a:solidFill>
+                  <a:srgbClr val="ffffff"/>
+                </a:solidFill>
+              </a:uFill>
+              <a:latin typeface="Arial"/>
+            </a:endParaRPr>
+          </a:p>
+          <a:p>
+            <a:pPr lvl="1" marL="864000" indent="-324000">
+              <a:buClr>
+                <a:srgbClr val="000000"/>
+              </a:buClr>
+              <a:buSzPct val="75000"/>
+              <a:buFont typeface="Symbol" charset="2"/>
+              <a:buChar char=""/>
+            </a:pPr>
+            <a:r>
+              <a:rPr b="0" lang="en-US" sz="2800" spc="-1" strike="noStrike">
+                <a:solidFill>
+                  <a:srgbClr val="000000"/>
+                </a:solidFill>
+                <a:uFill>
+                  <a:solidFill>
+                    <a:srgbClr val="ffffff"/>
+                  </a:solidFill>
+                </a:uFill>
+                <a:latin typeface="Arial"/>
+              </a:rPr>
+              <a:t>Second Outline Level</a:t>
+            </a:r>
+            <a:endParaRPr b="0" lang="en-US" sz="2800" spc="-1" strike="noStrike">
+              <a:solidFill>
+                <a:srgbClr val="000000"/>
+              </a:solidFill>
+              <a:uFill>
+                <a:solidFill>
+                  <a:srgbClr val="ffffff"/>
+                </a:solidFill>
+              </a:uFill>
+              <a:latin typeface="Arial"/>
+            </a:endParaRPr>
+          </a:p>
+          <a:p>
+            <a:pPr lvl="2" marL="1296000" indent="-288000">
+              <a:buClr>
+                <a:srgbClr val="000000"/>
+              </a:buClr>
+              <a:buSzPct val="45000"/>
+              <a:buFont typeface="Wingdings" charset="2"/>
+              <a:buChar char=""/>
+            </a:pPr>
+            <a:r>
+              <a:rPr b="0" lang="en-US" sz="2800" spc="-1" strike="noStrike">
+                <a:solidFill>
+                  <a:srgbClr val="000000"/>
+                </a:solidFill>
+                <a:uFill>
+                  <a:solidFill>
+                    <a:srgbClr val="ffffff"/>
+                  </a:solidFill>
+                </a:uFill>
+                <a:latin typeface="Arial"/>
+              </a:rPr>
+              <a:t>Third Outline Level</a:t>
+            </a:r>
+            <a:endParaRPr b="0" lang="en-US" sz="2800" spc="-1" strike="noStrike">
+              <a:solidFill>
+                <a:srgbClr val="000000"/>
+              </a:solidFill>
+              <a:uFill>
+                <a:solidFill>
+                  <a:srgbClr val="ffffff"/>
+                </a:solidFill>
+              </a:uFill>
+              <a:latin typeface="Arial"/>
+            </a:endParaRPr>
+          </a:p>
+          <a:p>
+            <a:pPr lvl="3" marL="1728000" indent="-216000">
+              <a:buClr>
+                <a:srgbClr val="000000"/>
+              </a:buClr>
+              <a:buSzPct val="75000"/>
+              <a:buFont typeface="Symbol" charset="2"/>
+              <a:buChar char=""/>
+            </a:pPr>
+            <a:r>
+              <a:rPr b="0" lang="en-US" sz="2800" spc="-1" strike="noStrike">
+                <a:solidFill>
+                  <a:srgbClr val="000000"/>
+                </a:solidFill>
+                <a:uFill>
+                  <a:solidFill>
+                    <a:srgbClr val="ffffff"/>
+                  </a:solidFill>
+                </a:uFill>
+                <a:latin typeface="Arial"/>
+              </a:rPr>
+              <a:t>Fourth Outline Level</a:t>
+            </a:r>
+            <a:endParaRPr b="0" lang="en-US" sz="2800" spc="-1" strike="noStrike">
+              <a:solidFill>
+                <a:srgbClr val="000000"/>
+              </a:solidFill>
+              <a:uFill>
+                <a:solidFill>
+                  <a:srgbClr val="ffffff"/>
+                </a:solidFill>
+              </a:uFill>
+              <a:latin typeface="Arial"/>
+            </a:endParaRPr>
+          </a:p>
+          <a:p>
+            <a:pPr lvl="4" marL="2160000" indent="-216000">
+              <a:buClr>
+                <a:srgbClr val="000000"/>
+              </a:buClr>
+              <a:buSzPct val="45000"/>
+              <a:buFont typeface="Wingdings" charset="2"/>
+              <a:buChar char=""/>
+            </a:pPr>
+            <a:r>
+              <a:rPr b="0" lang="en-US" sz="2800" spc="-1" strike="noStrike">
+                <a:solidFill>
+                  <a:srgbClr val="000000"/>
+                </a:solidFill>
+                <a:uFill>
+                  <a:solidFill>
+                    <a:srgbClr val="ffffff"/>
+                  </a:solidFill>
+                </a:uFill>
+                <a:latin typeface="Arial"/>
+              </a:rPr>
+              <a:t>Fifth Outline Level</a:t>
+            </a:r>
+            <a:endParaRPr b="0" lang="en-US" sz="2800" spc="-1" strike="noStrike">
+              <a:solidFill>
+                <a:srgbClr val="000000"/>
+              </a:solidFill>
+              <a:uFill>
+                <a:solidFill>
+                  <a:srgbClr val="ffffff"/>
+                </a:solidFill>
+              </a:uFill>
+              <a:latin typeface="Arial"/>
+            </a:endParaRPr>
+          </a:p>
+          <a:p>
+            <a:pPr lvl="5" marL="2592000" indent="-216000">
+              <a:buClr>
+                <a:srgbClr val="000000"/>
+              </a:buClr>
+              <a:buSzPct val="45000"/>
+              <a:buFont typeface="Wingdings" charset="2"/>
+              <a:buChar char=""/>
+            </a:pPr>
+            <a:r>
+              <a:rPr b="0" lang="en-US" sz="2800" spc="-1" strike="noStrike">
+                <a:solidFill>
+                  <a:srgbClr val="000000"/>
+                </a:solidFill>
+                <a:uFill>
+                  <a:solidFill>
+                    <a:srgbClr val="ffffff"/>
+                  </a:solidFill>
+                </a:uFill>
+                <a:latin typeface="Arial"/>
+              </a:rPr>
+              <a:t>Sixth Outline Level</a:t>
+            </a:r>
+            <a:endParaRPr b="0" lang="en-US" sz="2800" spc="-1" strike="noStrike">
+              <a:solidFill>
+                <a:srgbClr val="000000"/>
+              </a:solidFill>
+              <a:uFill>
+                <a:solidFill>
+                  <a:srgbClr val="ffffff"/>
+                </a:solidFill>
+              </a:uFill>
+              <a:latin typeface="Arial"/>
+            </a:endParaRPr>
+          </a:p>
+          <a:p>
+            <a:pPr lvl="6" marL="3024000" indent="-216000">
+              <a:buClr>
+                <a:srgbClr val="000000"/>
+              </a:buClr>
+              <a:buSzPct val="45000"/>
+              <a:buFont typeface="Wingdings" charset="2"/>
+              <a:buChar char=""/>
+            </a:pPr>
+            <a:r>
+              <a:rPr b="0" lang="en-US" sz="2800" spc="-1" strike="noStrike">
+                <a:solidFill>
+                  <a:srgbClr val="000000"/>
+                </a:solidFill>
+                <a:uFill>
+                  <a:solidFill>
+                    <a:srgbClr val="ffffff"/>
+                  </a:solidFill>
+                </a:uFill>
+                <a:latin typeface="Arial"/>
+              </a:rPr>
+              <a:t>Seventh Outline Level</a:t>
+            </a:r>
+            <a:endParaRPr b="0" lang="en-US" sz="2800" spc="-1" strike="noStrike">
+              <a:solidFill>
+                <a:srgbClr val="000000"/>
+              </a:solidFill>
+              <a:uFill>
+                <a:solidFill>
+                  <a:srgbClr val="ffffff"/>
+                </a:solidFill>
+              </a:uFill>
+              <a:latin typeface="Arial"/>
+            </a:endParaRPr>
+          </a:p>
+        </p:txBody>
+      </p:sp>
+    </p:spTree>
+  </p:cSld>
+  <p:clrMap bg1="lt1" bg2="lt2" tx1="dk1" tx2="dk2" accent1="accent1" accent2="accent2" accent3="accent3" accent4="accent4" accent5="accent5" accent6="accent6" hlink="hlink" folHlink="folHlink"/>
+  <p:sldLayoutIdLst>
+    <p:sldLayoutId id="2147483662" r:id="rId2"/>
+    <p:sldLayoutId id="2147483663" r:id="rId3"/>
+    <p:sldLayoutId id="2147483664" r:id="rId4"/>
+    <p:sldLayoutId id="2147483665" r:id="rId5"/>
+    <p:sldLayoutId id="2147483666" r:id="rId6"/>
+    <p:sldLayoutId id="2147483667" r:id="rId7"/>
+    <p:sldLayoutId id="2147483668" r:id="rId8"/>
+    <p:sldLayoutId id="2147483669" r:id="rId9"/>
+    <p:sldLayoutId id="2147483670" r:id="rId10"/>
+    <p:sldLayoutId id="2147483671" r:id="rId11"/>
+    <p:sldLayoutId id="2147483672" r:id="rId12"/>
+    <p:sldLayoutId id="2147483673" r:id="rId13"/>
   </p:sldLayoutIdLst>
 </p:sldMaster>
 </file>
@@ -2019,14 +4199,14 @@
       </p:grpSpPr>
       <p:sp>
         <p:nvSpPr>
-          <p:cNvPr id="39" name="TextShape 1"/>
-          <p:cNvSpPr txBox="1"/>
+          <p:cNvPr id="74" name="CustomShape 1"/>
+          <p:cNvSpPr/>
           <p:nvPr/>
         </p:nvSpPr>
         <p:spPr>
           <a:xfrm>
             <a:off x="621000" y="18000"/>
-            <a:ext cx="9071640" cy="1262160"/>
+            <a:ext cx="9071280" cy="1261800"/>
           </a:xfrm>
           <a:prstGeom prst="rect">
             <a:avLst/>
@@ -2036,10 +4216,20 @@
             <a:noFill/>
           </a:ln>
         </p:spPr>
+        <p:style>
+          <a:lnRef idx="0"/>
+          <a:fillRef idx="0"/>
+          <a:effectRef idx="0"/>
+          <a:fontRef idx="minor"/>
+        </p:style>
         <p:txBody>
           <a:bodyPr lIns="0" rIns="0" tIns="0" bIns="0" anchor="ctr"/>
           <a:p>
-            <a:pPr algn="ctr"/>
+            <a:pPr algn="ctr">
+              <a:lnSpc>
+                <a:spcPct val="100000"/>
+              </a:lnSpc>
+            </a:pPr>
             <a:r>
               <a:rPr b="0" lang="en-US" sz="4400" spc="-1" strike="noStrike">
                 <a:solidFill>
@@ -2051,33 +4241,34 @@
                   </a:solidFill>
                 </a:uFill>
                 <a:latin typeface="Arial"/>
+                <a:ea typeface="DejaVu Sans"/>
               </a:rPr>
               <a:t>Order Processing Application</a:t>
             </a:r>
-            <a:endParaRPr b="0" lang="en-US" sz="4400" spc="-1" strike="noStrike">
-              <a:solidFill>
-                <a:srgbClr val="000000"/>
-              </a:solidFill>
-              <a:uFill>
-                <a:solidFill>
-                  <a:srgbClr val="ffffff"/>
-                </a:solidFill>
-              </a:uFill>
-              <a:latin typeface="Arial"/>
-            </a:endParaRPr>
-          </a:p>
-        </p:txBody>
-      </p:sp>
-      <p:sp>
-        <p:nvSpPr>
-          <p:cNvPr id="40" name="TextShape 2"/>
-          <p:cNvSpPr txBox="1"/>
+            <a:endParaRPr b="0" lang="en-US" sz="1600" spc="-1" strike="noStrike">
+              <a:solidFill>
+                <a:srgbClr val="000000"/>
+              </a:solidFill>
+              <a:uFill>
+                <a:solidFill>
+                  <a:srgbClr val="ffffff"/>
+                </a:solidFill>
+              </a:uFill>
+              <a:latin typeface="Arial"/>
+            </a:endParaRPr>
+          </a:p>
+        </p:txBody>
+      </p:sp>
+      <p:sp>
+        <p:nvSpPr>
+          <p:cNvPr id="75" name="CustomShape 2"/>
+          <p:cNvSpPr/>
           <p:nvPr/>
         </p:nvSpPr>
         <p:spPr>
           <a:xfrm>
             <a:off x="504000" y="3200400"/>
-            <a:ext cx="9071640" cy="1737360"/>
+            <a:ext cx="9071280" cy="1737000"/>
           </a:xfrm>
           <a:prstGeom prst="rect">
             <a:avLst/>
@@ -2087,10 +4278,19 @@
             <a:noFill/>
           </a:ln>
         </p:spPr>
+        <p:style>
+          <a:lnRef idx="0"/>
+          <a:fillRef idx="0"/>
+          <a:effectRef idx="0"/>
+          <a:fontRef idx="minor"/>
+        </p:style>
         <p:txBody>
           <a:bodyPr lIns="0" rIns="0" tIns="0" bIns="0"/>
           <a:p>
-            <a:pPr marL="432000" indent="-324000">
+            <a:pPr marL="432000" indent="-323640">
+              <a:lnSpc>
+                <a:spcPct val="100000"/>
+              </a:lnSpc>
               <a:buClr>
                 <a:srgbClr val="000000"/>
               </a:buClr>
@@ -2109,6 +4309,7 @@
                   </a:solidFill>
                 </a:uFill>
                 <a:latin typeface="Arial"/>
+                <a:ea typeface="DejaVu Sans"/>
               </a:rPr>
               <a:t>Michael Bertucci (</a:t>
             </a:r>
@@ -2123,6 +4324,7 @@
                   </a:solidFill>
                 </a:uFill>
                 <a:latin typeface="Arial"/>
+                <a:ea typeface="DejaVu Sans"/>
               </a:rPr>
               <a:t>@mbertucci1</a:t>
             </a:r>
@@ -2137,23 +4339,27 @@
                   </a:solidFill>
                 </a:uFill>
                 <a:latin typeface="Arial"/>
+                <a:ea typeface="DejaVu Sans"/>
               </a:rPr>
               <a:t>)</a:t>
             </a:r>
-            <a:endParaRPr b="0" lang="en-US" sz="3200" spc="-1" strike="noStrike">
-              <a:solidFill>
-                <a:srgbClr val="000000"/>
-              </a:solidFill>
-              <a:uFill>
-                <a:solidFill>
-                  <a:srgbClr val="ffffff"/>
-                </a:solidFill>
-              </a:uFill>
-              <a:latin typeface="Arial"/>
-            </a:endParaRPr>
-          </a:p>
-          <a:p>
-            <a:pPr marL="432000" indent="-324000">
+            <a:endParaRPr b="0" lang="en-US" sz="1600" spc="-1" strike="noStrike">
+              <a:solidFill>
+                <a:srgbClr val="000000"/>
+              </a:solidFill>
+              <a:uFill>
+                <a:solidFill>
+                  <a:srgbClr val="ffffff"/>
+                </a:solidFill>
+              </a:uFill>
+              <a:latin typeface="Arial"/>
+            </a:endParaRPr>
+          </a:p>
+          <a:p>
+            <a:pPr marL="432000" indent="-323640">
+              <a:lnSpc>
+                <a:spcPct val="100000"/>
+              </a:lnSpc>
               <a:buClr>
                 <a:srgbClr val="000000"/>
               </a:buClr>
@@ -2172,33 +4378,34 @@
                   </a:solidFill>
                 </a:uFill>
                 <a:latin typeface="Arial"/>
+                <a:ea typeface="DejaVu Sans"/>
               </a:rPr>
               <a:t>Michael_Bertucci@student.uml.edu</a:t>
             </a:r>
-            <a:endParaRPr b="0" lang="en-US" sz="3200" spc="-1" strike="noStrike">
-              <a:solidFill>
-                <a:srgbClr val="000000"/>
-              </a:solidFill>
-              <a:uFill>
-                <a:solidFill>
-                  <a:srgbClr val="ffffff"/>
-                </a:solidFill>
-              </a:uFill>
-              <a:latin typeface="Arial"/>
-            </a:endParaRPr>
-          </a:p>
-        </p:txBody>
-      </p:sp>
-      <p:sp>
-        <p:nvSpPr>
-          <p:cNvPr id="41" name="TextShape 3"/>
-          <p:cNvSpPr txBox="1"/>
+            <a:endParaRPr b="0" lang="en-US" sz="1600" spc="-1" strike="noStrike">
+              <a:solidFill>
+                <a:srgbClr val="000000"/>
+              </a:solidFill>
+              <a:uFill>
+                <a:solidFill>
+                  <a:srgbClr val="ffffff"/>
+                </a:solidFill>
+              </a:uFill>
+              <a:latin typeface="Arial"/>
+            </a:endParaRPr>
+          </a:p>
+        </p:txBody>
+      </p:sp>
+      <p:sp>
+        <p:nvSpPr>
+          <p:cNvPr id="76" name="CustomShape 3"/>
+          <p:cNvSpPr/>
           <p:nvPr/>
         </p:nvSpPr>
         <p:spPr>
           <a:xfrm>
             <a:off x="529560" y="1371600"/>
-            <a:ext cx="9071640" cy="1463040"/>
+            <a:ext cx="9071280" cy="1462680"/>
           </a:xfrm>
           <a:prstGeom prst="rect">
             <a:avLst/>
@@ -2208,10 +4415,19 @@
             <a:noFill/>
           </a:ln>
         </p:spPr>
+        <p:style>
+          <a:lnRef idx="0"/>
+          <a:fillRef idx="0"/>
+          <a:effectRef idx="0"/>
+          <a:fontRef idx="minor"/>
+        </p:style>
         <p:txBody>
           <a:bodyPr lIns="0" rIns="0" tIns="0" bIns="0"/>
           <a:p>
-            <a:pPr marL="432000" indent="-324000">
+            <a:pPr marL="432000" indent="-323640">
+              <a:lnSpc>
+                <a:spcPct val="100000"/>
+              </a:lnSpc>
               <a:buClr>
                 <a:srgbClr val="000000"/>
               </a:buClr>
@@ -2230,6 +4446,7 @@
                   </a:solidFill>
                 </a:uFill>
                 <a:latin typeface="Arial"/>
+                <a:ea typeface="DejaVu Sans"/>
               </a:rPr>
               <a:t>Muhammed Khalid (</a:t>
             </a:r>
@@ -2244,6 +4461,7 @@
                   </a:solidFill>
                 </a:uFill>
                 <a:latin typeface="Arial"/>
+                <a:ea typeface="DejaVu Sans"/>
               </a:rPr>
               <a:t>@mkhalid578</a:t>
             </a:r>
@@ -2258,23 +4476,27 @@
                   </a:solidFill>
                 </a:uFill>
                 <a:latin typeface="Arial"/>
+                <a:ea typeface="DejaVu Sans"/>
               </a:rPr>
               <a:t>)</a:t>
             </a:r>
-            <a:endParaRPr b="0" lang="en-US" sz="3200" spc="-1" strike="noStrike">
-              <a:solidFill>
-                <a:srgbClr val="000000"/>
-              </a:solidFill>
-              <a:uFill>
-                <a:solidFill>
-                  <a:srgbClr val="ffffff"/>
-                </a:solidFill>
-              </a:uFill>
-              <a:latin typeface="Arial"/>
-            </a:endParaRPr>
-          </a:p>
-          <a:p>
-            <a:pPr marL="432000" indent="-324000">
+            <a:endParaRPr b="0" lang="en-US" sz="1600" spc="-1" strike="noStrike">
+              <a:solidFill>
+                <a:srgbClr val="000000"/>
+              </a:solidFill>
+              <a:uFill>
+                <a:solidFill>
+                  <a:srgbClr val="ffffff"/>
+                </a:solidFill>
+              </a:uFill>
+              <a:latin typeface="Arial"/>
+            </a:endParaRPr>
+          </a:p>
+          <a:p>
+            <a:pPr marL="432000" indent="-323640">
+              <a:lnSpc>
+                <a:spcPct val="100000"/>
+              </a:lnSpc>
               <a:buClr>
                 <a:srgbClr val="000000"/>
               </a:buClr>
@@ -2293,33 +4515,34 @@
                   </a:solidFill>
                 </a:uFill>
                 <a:latin typeface="Arial"/>
+                <a:ea typeface="DejaVu Sans"/>
               </a:rPr>
               <a:t>Muhammed_Khalid@student.uml.edu</a:t>
             </a:r>
-            <a:endParaRPr b="0" lang="en-US" sz="3200" spc="-1" strike="noStrike">
-              <a:solidFill>
-                <a:srgbClr val="000000"/>
-              </a:solidFill>
-              <a:uFill>
-                <a:solidFill>
-                  <a:srgbClr val="ffffff"/>
-                </a:solidFill>
-              </a:uFill>
-              <a:latin typeface="Arial"/>
-            </a:endParaRPr>
-          </a:p>
-        </p:txBody>
-      </p:sp>
-      <p:sp>
-        <p:nvSpPr>
-          <p:cNvPr id="42" name="TextShape 4"/>
-          <p:cNvSpPr txBox="1"/>
+            <a:endParaRPr b="0" lang="en-US" sz="1600" spc="-1" strike="noStrike">
+              <a:solidFill>
+                <a:srgbClr val="000000"/>
+              </a:solidFill>
+              <a:uFill>
+                <a:solidFill>
+                  <a:srgbClr val="ffffff"/>
+                </a:solidFill>
+              </a:uFill>
+              <a:latin typeface="Arial"/>
+            </a:endParaRPr>
+          </a:p>
+        </p:txBody>
+      </p:sp>
+      <p:sp>
+        <p:nvSpPr>
+          <p:cNvPr id="77" name="CustomShape 4"/>
+          <p:cNvSpPr/>
           <p:nvPr/>
         </p:nvSpPr>
         <p:spPr>
           <a:xfrm>
             <a:off x="529560" y="5303520"/>
-            <a:ext cx="9071640" cy="1816920"/>
+            <a:ext cx="9071280" cy="1816560"/>
           </a:xfrm>
           <a:prstGeom prst="rect">
             <a:avLst/>
@@ -2329,10 +4552,19 @@
             <a:noFill/>
           </a:ln>
         </p:spPr>
+        <p:style>
+          <a:lnRef idx="0"/>
+          <a:fillRef idx="0"/>
+          <a:effectRef idx="0"/>
+          <a:fontRef idx="minor"/>
+        </p:style>
         <p:txBody>
           <a:bodyPr lIns="0" rIns="0" tIns="0" bIns="0"/>
           <a:p>
-            <a:pPr marL="432000" indent="-324000">
+            <a:pPr marL="432000" indent="-323640">
+              <a:lnSpc>
+                <a:spcPct val="100000"/>
+              </a:lnSpc>
               <a:buClr>
                 <a:srgbClr val="000000"/>
               </a:buClr>
@@ -2351,6 +4583,7 @@
                   </a:solidFill>
                 </a:uFill>
                 <a:latin typeface="Arial"/>
+                <a:ea typeface="DejaVu Sans"/>
               </a:rPr>
               <a:t>Vibhuti Patel (</a:t>
             </a:r>
@@ -2365,6 +4598,7 @@
                   </a:solidFill>
                 </a:uFill>
                 <a:latin typeface="Arial"/>
+                <a:ea typeface="DejaVu Sans"/>
               </a:rPr>
               <a:t>@vibhutipatel18</a:t>
             </a:r>
@@ -2379,23 +4613,27 @@
                   </a:solidFill>
                 </a:uFill>
                 <a:latin typeface="Arial"/>
+                <a:ea typeface="DejaVu Sans"/>
               </a:rPr>
               <a:t>)</a:t>
             </a:r>
-            <a:endParaRPr b="0" lang="en-US" sz="3200" spc="-1" strike="noStrike">
-              <a:solidFill>
-                <a:srgbClr val="000000"/>
-              </a:solidFill>
-              <a:uFill>
-                <a:solidFill>
-                  <a:srgbClr val="ffffff"/>
-                </a:solidFill>
-              </a:uFill>
-              <a:latin typeface="Arial"/>
-            </a:endParaRPr>
-          </a:p>
-          <a:p>
-            <a:pPr marL="432000" indent="-324000">
+            <a:endParaRPr b="0" lang="en-US" sz="1600" spc="-1" strike="noStrike">
+              <a:solidFill>
+                <a:srgbClr val="000000"/>
+              </a:solidFill>
+              <a:uFill>
+                <a:solidFill>
+                  <a:srgbClr val="ffffff"/>
+                </a:solidFill>
+              </a:uFill>
+              <a:latin typeface="Arial"/>
+            </a:endParaRPr>
+          </a:p>
+          <a:p>
+            <a:pPr marL="432000" indent="-323640">
+              <a:lnSpc>
+                <a:spcPct val="100000"/>
+              </a:lnSpc>
               <a:buClr>
                 <a:srgbClr val="000000"/>
               </a:buClr>
@@ -2414,10 +4652,11 @@
                   </a:solidFill>
                 </a:uFill>
                 <a:latin typeface="Arial"/>
+                <a:ea typeface="DejaVu Sans"/>
               </a:rPr>
               <a:t>Vibhuti_Patel@student.uml.edu</a:t>
             </a:r>
-            <a:endParaRPr b="0" lang="en-US" sz="3200" spc="-1" strike="noStrike">
+            <a:endParaRPr b="0" lang="en-US" sz="1600" spc="-1" strike="noStrike">
               <a:solidFill>
                 <a:srgbClr val="000000"/>
               </a:solidFill>
@@ -2482,29 +4721,380 @@
       </p:grpSpPr>
       <p:sp>
         <p:nvSpPr>
-          <p:cNvPr id="43" name="TextShape 1"/>
-          <p:cNvSpPr txBox="1"/>
+          <p:cNvPr id="78" name="CustomShape 1"/>
+          <p:cNvSpPr/>
           <p:nvPr/>
         </p:nvSpPr>
         <p:spPr>
           <a:xfrm>
-            <a:off x="504000" y="301320"/>
-            <a:ext cx="9071640" cy="1262160"/>
-          </a:xfrm>
-          <a:prstGeom prst="rect">
-            <a:avLst/>
-          </a:prstGeom>
-          <a:noFill/>
+            <a:off x="304920" y="478800"/>
+            <a:ext cx="9579240" cy="6603480"/>
+          </a:xfrm>
+          <a:prstGeom prst="rect">
+            <a:avLst/>
+          </a:prstGeom>
           <a:ln>
-            <a:noFill/>
+            <a:round/>
           </a:ln>
         </p:spPr>
-        <p:txBody>
-          <a:bodyPr lIns="0" rIns="0" tIns="0" bIns="0" anchor="ctr"/>
-          <a:p>
-            <a:pPr algn="ctr"/>
-            <a:r>
-              <a:rPr b="0" lang="en-US" sz="4400" spc="-1" strike="noStrike">
+        <p:style>
+          <a:lnRef idx="2">
+            <a:schemeClr val="accent3"/>
+          </a:lnRef>
+          <a:fillRef idx="1">
+            <a:schemeClr val="lt1"/>
+          </a:fillRef>
+          <a:effectRef idx="0">
+            <a:schemeClr val="accent3"/>
+          </a:effectRef>
+          <a:fontRef idx="minor"/>
+        </p:style>
+        <p:txBody>
+          <a:bodyPr lIns="0" rIns="0" tIns="0" bIns="0"/>
+          <a:p>
+            <a:pPr marL="457200" indent="-456840">
+              <a:lnSpc>
+                <a:spcPct val="100000"/>
+              </a:lnSpc>
+              <a:buClr>
+                <a:srgbClr val="953735"/>
+              </a:buClr>
+              <a:buFont typeface="Wingdings" charset="2"/>
+              <a:buChar char=""/>
+            </a:pPr>
+            <a:r>
+              <a:rPr b="0" lang="en-US" sz="3200" spc="-1" strike="noStrike">
+                <a:solidFill>
+                  <a:srgbClr val="953735"/>
+                </a:solidFill>
+                <a:uFill>
+                  <a:solidFill>
+                    <a:srgbClr val="ffffff"/>
+                  </a:solidFill>
+                </a:uFill>
+                <a:latin typeface="Arial"/>
+                <a:ea typeface="DejaVu Sans"/>
+              </a:rPr>
+              <a:t>    </a:t>
+            </a:r>
+            <a:r>
+              <a:rPr b="0" lang="en-US" sz="3200" spc="-1" strike="noStrike">
+                <a:solidFill>
+                  <a:srgbClr val="953735"/>
+                </a:solidFill>
+                <a:uFill>
+                  <a:solidFill>
+                    <a:srgbClr val="ffffff"/>
+                  </a:solidFill>
+                </a:uFill>
+                <a:latin typeface="Arial"/>
+                <a:ea typeface="DejaVu Sans"/>
+              </a:rPr>
+              <a:t>Has been ordered?</a:t>
+            </a:r>
+            <a:endParaRPr b="0" lang="en-US" sz="1600" spc="-1" strike="noStrike">
+              <a:solidFill>
+                <a:srgbClr val="000000"/>
+              </a:solidFill>
+              <a:uFill>
+                <a:solidFill>
+                  <a:srgbClr val="ffffff"/>
+                </a:solidFill>
+              </a:uFill>
+              <a:latin typeface="Arial"/>
+            </a:endParaRPr>
+          </a:p>
+          <a:p>
+            <a:pPr marL="457200" indent="-456840">
+              <a:lnSpc>
+                <a:spcPct val="100000"/>
+              </a:lnSpc>
+              <a:buClr>
+                <a:srgbClr val="953735"/>
+              </a:buClr>
+              <a:buFont typeface="Wingdings" charset="2"/>
+              <a:buChar char=""/>
+            </a:pPr>
+            <a:r>
+              <a:rPr b="0" lang="en-US" sz="3200" spc="-1" strike="noStrike">
+                <a:solidFill>
+                  <a:srgbClr val="953735"/>
+                </a:solidFill>
+                <a:uFill>
+                  <a:solidFill>
+                    <a:srgbClr val="ffffff"/>
+                  </a:solidFill>
+                </a:uFill>
+                <a:latin typeface="Arial"/>
+                <a:ea typeface="DejaVu Sans"/>
+              </a:rPr>
+              <a:t>    </a:t>
+            </a:r>
+            <a:r>
+              <a:rPr b="0" lang="en-US" sz="3200" spc="-1" strike="noStrike">
+                <a:solidFill>
+                  <a:srgbClr val="953735"/>
+                </a:solidFill>
+                <a:uFill>
+                  <a:solidFill>
+                    <a:srgbClr val="ffffff"/>
+                  </a:solidFill>
+                </a:uFill>
+                <a:latin typeface="Arial"/>
+                <a:ea typeface="DejaVu Sans"/>
+              </a:rPr>
+              <a:t>Who has ordered?</a:t>
+            </a:r>
+            <a:endParaRPr b="0" lang="en-US" sz="1600" spc="-1" strike="noStrike">
+              <a:solidFill>
+                <a:srgbClr val="000000"/>
+              </a:solidFill>
+              <a:uFill>
+                <a:solidFill>
+                  <a:srgbClr val="ffffff"/>
+                </a:solidFill>
+              </a:uFill>
+              <a:latin typeface="Arial"/>
+            </a:endParaRPr>
+          </a:p>
+          <a:p>
+            <a:pPr marL="457200" indent="-456840">
+              <a:lnSpc>
+                <a:spcPct val="100000"/>
+              </a:lnSpc>
+              <a:buClr>
+                <a:srgbClr val="953735"/>
+              </a:buClr>
+              <a:buFont typeface="Wingdings" charset="2"/>
+              <a:buChar char=""/>
+            </a:pPr>
+            <a:r>
+              <a:rPr b="0" lang="en-US" sz="3200" spc="-1" strike="noStrike">
+                <a:solidFill>
+                  <a:srgbClr val="953735"/>
+                </a:solidFill>
+                <a:uFill>
+                  <a:solidFill>
+                    <a:srgbClr val="ffffff"/>
+                  </a:solidFill>
+                </a:uFill>
+                <a:latin typeface="Arial"/>
+                <a:ea typeface="DejaVu Sans"/>
+              </a:rPr>
+              <a:t>    </a:t>
+            </a:r>
+            <a:r>
+              <a:rPr b="0" lang="en-US" sz="3200" spc="-1" strike="noStrike">
+                <a:solidFill>
+                  <a:srgbClr val="953735"/>
+                </a:solidFill>
+                <a:uFill>
+                  <a:solidFill>
+                    <a:srgbClr val="ffffff"/>
+                  </a:solidFill>
+                </a:uFill>
+                <a:latin typeface="Arial"/>
+                <a:ea typeface="DejaVu Sans"/>
+              </a:rPr>
+              <a:t>For which project work?</a:t>
+            </a:r>
+            <a:endParaRPr b="0" lang="en-US" sz="1600" spc="-1" strike="noStrike">
+              <a:solidFill>
+                <a:srgbClr val="000000"/>
+              </a:solidFill>
+              <a:uFill>
+                <a:solidFill>
+                  <a:srgbClr val="ffffff"/>
+                </a:solidFill>
+              </a:uFill>
+              <a:latin typeface="Arial"/>
+            </a:endParaRPr>
+          </a:p>
+          <a:p>
+            <a:pPr marL="457200" indent="-456840">
+              <a:lnSpc>
+                <a:spcPct val="100000"/>
+              </a:lnSpc>
+              <a:buClr>
+                <a:srgbClr val="953735"/>
+              </a:buClr>
+              <a:buFont typeface="Wingdings" charset="2"/>
+              <a:buChar char=""/>
+            </a:pPr>
+            <a:r>
+              <a:rPr b="0" lang="en-US" sz="3200" spc="-1" strike="noStrike">
+                <a:solidFill>
+                  <a:srgbClr val="953735"/>
+                </a:solidFill>
+                <a:uFill>
+                  <a:solidFill>
+                    <a:srgbClr val="ffffff"/>
+                  </a:solidFill>
+                </a:uFill>
+                <a:latin typeface="Arial"/>
+                <a:ea typeface="DejaVu Sans"/>
+              </a:rPr>
+              <a:t>    </a:t>
+            </a:r>
+            <a:r>
+              <a:rPr b="0" lang="en-US" sz="3200" spc="-1" strike="noStrike">
+                <a:solidFill>
+                  <a:srgbClr val="953735"/>
+                </a:solidFill>
+                <a:uFill>
+                  <a:solidFill>
+                    <a:srgbClr val="ffffff"/>
+                  </a:solidFill>
+                </a:uFill>
+                <a:latin typeface="Arial"/>
+                <a:ea typeface="DejaVu Sans"/>
+              </a:rPr>
+              <a:t>How many? From where? Why?</a:t>
+            </a:r>
+            <a:endParaRPr b="0" lang="en-US" sz="1600" spc="-1" strike="noStrike">
+              <a:solidFill>
+                <a:srgbClr val="000000"/>
+              </a:solidFill>
+              <a:uFill>
+                <a:solidFill>
+                  <a:srgbClr val="ffffff"/>
+                </a:solidFill>
+              </a:uFill>
+              <a:latin typeface="Arial"/>
+            </a:endParaRPr>
+          </a:p>
+          <a:p>
+            <a:pPr marL="457200" indent="-456840">
+              <a:lnSpc>
+                <a:spcPct val="100000"/>
+              </a:lnSpc>
+              <a:buClr>
+                <a:srgbClr val="953735"/>
+              </a:buClr>
+              <a:buFont typeface="Wingdings" charset="2"/>
+              <a:buChar char=""/>
+            </a:pPr>
+            <a:r>
+              <a:rPr b="0" lang="en-US" sz="3200" spc="-1" strike="noStrike">
+                <a:solidFill>
+                  <a:srgbClr val="953735"/>
+                </a:solidFill>
+                <a:uFill>
+                  <a:solidFill>
+                    <a:srgbClr val="ffffff"/>
+                  </a:solidFill>
+                </a:uFill>
+                <a:latin typeface="Arial"/>
+                <a:ea typeface="DejaVu Sans"/>
+              </a:rPr>
+              <a:t>    </a:t>
+            </a:r>
+            <a:r>
+              <a:rPr b="0" lang="en-US" sz="3200" spc="-1" strike="noStrike">
+                <a:solidFill>
+                  <a:srgbClr val="953735"/>
+                </a:solidFill>
+                <a:uFill>
+                  <a:solidFill>
+                    <a:srgbClr val="ffffff"/>
+                  </a:solidFill>
+                </a:uFill>
+                <a:latin typeface="Arial"/>
+                <a:ea typeface="DejaVu Sans"/>
+              </a:rPr>
+              <a:t>What is the cost?</a:t>
+            </a:r>
+            <a:endParaRPr b="0" lang="en-US" sz="1600" spc="-1" strike="noStrike">
+              <a:solidFill>
+                <a:srgbClr val="000000"/>
+              </a:solidFill>
+              <a:uFill>
+                <a:solidFill>
+                  <a:srgbClr val="ffffff"/>
+                </a:solidFill>
+              </a:uFill>
+              <a:latin typeface="Arial"/>
+            </a:endParaRPr>
+          </a:p>
+          <a:p>
+            <a:pPr marL="457200" indent="-456840">
+              <a:lnSpc>
+                <a:spcPct val="100000"/>
+              </a:lnSpc>
+              <a:buClr>
+                <a:srgbClr val="953735"/>
+              </a:buClr>
+              <a:buFont typeface="Wingdings" charset="2"/>
+              <a:buChar char=""/>
+            </a:pPr>
+            <a:r>
+              <a:rPr b="0" lang="en-US" sz="3200" spc="-1" strike="noStrike">
+                <a:solidFill>
+                  <a:srgbClr val="953735"/>
+                </a:solidFill>
+                <a:uFill>
+                  <a:solidFill>
+                    <a:srgbClr val="ffffff"/>
+                  </a:solidFill>
+                </a:uFill>
+                <a:latin typeface="Arial"/>
+                <a:ea typeface="DejaVu Sans"/>
+              </a:rPr>
+              <a:t>    </a:t>
+            </a:r>
+            <a:r>
+              <a:rPr b="0" lang="en-US" sz="3200" spc="-1" strike="noStrike">
+                <a:solidFill>
+                  <a:srgbClr val="953735"/>
+                </a:solidFill>
+                <a:uFill>
+                  <a:solidFill>
+                    <a:srgbClr val="ffffff"/>
+                  </a:solidFill>
+                </a:uFill>
+                <a:latin typeface="Arial"/>
+                <a:ea typeface="DejaVu Sans"/>
+              </a:rPr>
+              <a:t>How long will it take to arrive on place? Etc…</a:t>
+            </a:r>
+            <a:endParaRPr b="0" lang="en-US" sz="1600" spc="-1" strike="noStrike">
+              <a:solidFill>
+                <a:srgbClr val="000000"/>
+              </a:solidFill>
+              <a:uFill>
+                <a:solidFill>
+                  <a:srgbClr val="ffffff"/>
+                </a:solidFill>
+              </a:uFill>
+              <a:latin typeface="Arial"/>
+            </a:endParaRPr>
+          </a:p>
+          <a:p>
+            <a:pPr>
+              <a:lnSpc>
+                <a:spcPct val="100000"/>
+              </a:lnSpc>
+            </a:pPr>
+            <a:endParaRPr b="0" lang="en-US" sz="1600" spc="-1" strike="noStrike">
+              <a:solidFill>
+                <a:srgbClr val="000000"/>
+              </a:solidFill>
+              <a:uFill>
+                <a:solidFill>
+                  <a:srgbClr val="ffffff"/>
+                </a:solidFill>
+              </a:uFill>
+              <a:latin typeface="Arial"/>
+            </a:endParaRPr>
+          </a:p>
+          <a:p>
+            <a:pPr>
+              <a:lnSpc>
+                <a:spcPct val="100000"/>
+              </a:lnSpc>
+            </a:pPr>
+            <a:r>
+              <a:rPr b="0" lang="en-US" sz="1800" spc="-1" strike="noStrike">
                 <a:solidFill>
                   <a:srgbClr val="000000"/>
                 </a:solidFill>
@@ -2514,46 +5104,242 @@
                   </a:solidFill>
                 </a:uFill>
                 <a:latin typeface="Arial"/>
-              </a:rPr>
-              <a:t>Introduction</a:t>
-            </a:r>
-            <a:endParaRPr b="0" lang="en-US" sz="4400" spc="-1" strike="noStrike">
-              <a:solidFill>
-                <a:srgbClr val="000000"/>
-              </a:solidFill>
-              <a:uFill>
-                <a:solidFill>
-                  <a:srgbClr val="ffffff"/>
-                </a:solidFill>
-              </a:uFill>
-              <a:latin typeface="Arial"/>
-            </a:endParaRPr>
-          </a:p>
-        </p:txBody>
-      </p:sp>
-      <p:sp>
-        <p:nvSpPr>
-          <p:cNvPr id="44" name="TextShape 2"/>
-          <p:cNvSpPr txBox="1"/>
-          <p:nvPr/>
-        </p:nvSpPr>
-        <p:spPr>
-          <a:xfrm>
-            <a:off x="504000" y="1769040"/>
-            <a:ext cx="9071640" cy="4384440"/>
-          </a:xfrm>
-          <a:prstGeom prst="rect">
-            <a:avLst/>
-          </a:prstGeom>
-          <a:noFill/>
-          <a:ln>
-            <a:noFill/>
-          </a:ln>
-        </p:spPr>
-        <p:txBody>
-          <a:bodyPr lIns="0" rIns="0" tIns="0" bIns="0"/>
-          <a:p>
-            <a:endParaRPr b="0" lang="en-US" sz="3200" spc="-1" strike="noStrike">
+                <a:ea typeface="DejaVu Sans"/>
+              </a:rPr>
+              <a:t>	</a:t>
+            </a:r>
+            <a:r>
+              <a:rPr b="0" lang="en-US" sz="2800" spc="-1" strike="noStrike">
+                <a:solidFill>
+                  <a:srgbClr val="ff0000"/>
+                </a:solidFill>
+                <a:uFill>
+                  <a:solidFill>
+                    <a:srgbClr val="ffffff"/>
+                  </a:solidFill>
+                </a:uFill>
+                <a:latin typeface="Arial"/>
+                <a:ea typeface="DejaVu Sans"/>
+              </a:rPr>
+              <a:t>Regardless of the number of submitted orders, the processing consumes time and resources.</a:t>
+            </a:r>
+            <a:endParaRPr b="0" lang="en-US" sz="1600" spc="-1" strike="noStrike">
+              <a:solidFill>
+                <a:srgbClr val="000000"/>
+              </a:solidFill>
+              <a:uFill>
+                <a:solidFill>
+                  <a:srgbClr val="ffffff"/>
+                </a:solidFill>
+              </a:uFill>
+              <a:latin typeface="Arial"/>
+            </a:endParaRPr>
+          </a:p>
+          <a:p>
+            <a:pPr>
+              <a:lnSpc>
+                <a:spcPct val="100000"/>
+              </a:lnSpc>
+            </a:pPr>
+            <a:r>
+              <a:rPr b="0" lang="en-US" sz="3200" spc="-1" strike="noStrike">
+                <a:solidFill>
+                  <a:srgbClr val="953735"/>
+                </a:solidFill>
+                <a:uFill>
+                  <a:solidFill>
+                    <a:srgbClr val="ffffff"/>
+                  </a:solidFill>
+                </a:uFill>
+                <a:latin typeface="Arial"/>
+                <a:ea typeface="DejaVu Sans"/>
+              </a:rPr>
+              <a:t>	</a:t>
+            </a:r>
+            <a:endParaRPr b="0" lang="en-US" sz="1600" spc="-1" strike="noStrike">
+              <a:solidFill>
+                <a:srgbClr val="000000"/>
+              </a:solidFill>
+              <a:uFill>
+                <a:solidFill>
+                  <a:srgbClr val="ffffff"/>
+                </a:solidFill>
+              </a:uFill>
+              <a:latin typeface="Arial"/>
+            </a:endParaRPr>
+          </a:p>
+          <a:p>
+            <a:pPr>
+              <a:lnSpc>
+                <a:spcPct val="100000"/>
+              </a:lnSpc>
+            </a:pPr>
+            <a:r>
+              <a:rPr b="1" lang="en-US" sz="2800" spc="-1" strike="noStrike">
+                <a:solidFill>
+                  <a:srgbClr val="953735"/>
+                </a:solidFill>
+                <a:uFill>
+                  <a:solidFill>
+                    <a:srgbClr val="ffffff"/>
+                  </a:solidFill>
+                </a:uFill>
+                <a:latin typeface="Arial"/>
+                <a:ea typeface="DejaVu Sans"/>
+              </a:rPr>
+              <a:t>	</a:t>
+            </a:r>
+            <a:r>
+              <a:rPr b="1" lang="en-US" sz="2600" spc="-1" strike="noStrike">
+                <a:solidFill>
+                  <a:srgbClr val="984807"/>
+                </a:solidFill>
+                <a:uFill>
+                  <a:solidFill>
+                    <a:srgbClr val="ffffff"/>
+                  </a:solidFill>
+                </a:uFill>
+                <a:latin typeface="Arial"/>
+                <a:ea typeface="DejaVu Sans"/>
+              </a:rPr>
+              <a:t>If conducted in a traditional way relying on the use of </a:t>
+            </a:r>
+            <a:r>
+              <a:rPr b="1" lang="en-US" sz="2600" spc="-1" strike="noStrike">
+                <a:solidFill>
+                  <a:srgbClr val="984807"/>
+                </a:solidFill>
+                <a:uFill>
+                  <a:solidFill>
+                    <a:srgbClr val="ffffff"/>
+                  </a:solidFill>
+                </a:uFill>
+                <a:latin typeface="Arial"/>
+                <a:ea typeface="DejaVu Sans"/>
+              </a:rPr>
+              <a:t>	</a:t>
+            </a:r>
+            <a:r>
+              <a:rPr b="1" lang="en-US" sz="2600" spc="-1" strike="noStrike">
+                <a:solidFill>
+                  <a:srgbClr val="984807"/>
+                </a:solidFill>
+                <a:uFill>
+                  <a:solidFill>
+                    <a:srgbClr val="ffffff"/>
+                  </a:solidFill>
+                </a:uFill>
+                <a:latin typeface="Arial"/>
+                <a:ea typeface="DejaVu Sans"/>
+              </a:rPr>
+              <a:t>	</a:t>
+            </a:r>
+            <a:r>
+              <a:rPr b="1" lang="en-US" sz="2600" spc="-1" strike="noStrike">
+                <a:solidFill>
+                  <a:srgbClr val="984807"/>
+                </a:solidFill>
+                <a:uFill>
+                  <a:solidFill>
+                    <a:srgbClr val="ffffff"/>
+                  </a:solidFill>
+                </a:uFill>
+                <a:latin typeface="Arial"/>
+                <a:ea typeface="DejaVu Sans"/>
+              </a:rPr>
+              <a:t>paper documents. This application has a simple yet </a:t>
+            </a:r>
+            <a:r>
+              <a:rPr b="1" lang="en-US" sz="2600" spc="-1" strike="noStrike">
+                <a:solidFill>
+                  <a:srgbClr val="984807"/>
+                </a:solidFill>
+                <a:uFill>
+                  <a:solidFill>
+                    <a:srgbClr val="ffffff"/>
+                  </a:solidFill>
+                </a:uFill>
+                <a:latin typeface="Arial"/>
+                <a:ea typeface="DejaVu Sans"/>
+              </a:rPr>
+              <a:t>	</a:t>
+            </a:r>
+            <a:r>
+              <a:rPr b="1" lang="en-US" sz="2600" spc="-1" strike="noStrike">
+                <a:solidFill>
+                  <a:srgbClr val="984807"/>
+                </a:solidFill>
+                <a:uFill>
+                  <a:solidFill>
+                    <a:srgbClr val="ffffff"/>
+                  </a:solidFill>
+                </a:uFill>
+                <a:latin typeface="Arial"/>
+                <a:ea typeface="DejaVu Sans"/>
+              </a:rPr>
+              <a:t>	</a:t>
+            </a:r>
+            <a:r>
+              <a:rPr b="1" lang="en-US" sz="2600" spc="-1" strike="noStrike">
+                <a:solidFill>
+                  <a:srgbClr val="984807"/>
+                </a:solidFill>
+                <a:uFill>
+                  <a:solidFill>
+                    <a:srgbClr val="ffffff"/>
+                  </a:solidFill>
+                </a:uFill>
+                <a:latin typeface="Arial"/>
+                <a:ea typeface="DejaVu Sans"/>
+              </a:rPr>
+              <a:t>	</a:t>
+            </a:r>
+            <a:r>
+              <a:rPr b="1" lang="en-US" sz="2600" spc="-1" strike="noStrike">
+                <a:solidFill>
+                  <a:srgbClr val="984807"/>
+                </a:solidFill>
+                <a:uFill>
+                  <a:solidFill>
+                    <a:srgbClr val="ffffff"/>
+                  </a:solidFill>
+                </a:uFill>
+                <a:latin typeface="Arial"/>
+                <a:ea typeface="DejaVu Sans"/>
+              </a:rPr>
+              <a:t>powerful solution to this problem – The Order Processing</a:t>
+            </a:r>
+            <a:r>
+              <a:rPr b="1" lang="en-US" sz="2600" spc="-1" strike="noStrike">
+                <a:solidFill>
+                  <a:srgbClr val="984807"/>
+                </a:solidFill>
+                <a:uFill>
+                  <a:solidFill>
+                    <a:srgbClr val="ffffff"/>
+                  </a:solidFill>
+                </a:uFill>
+                <a:latin typeface="Arial"/>
+                <a:ea typeface="DejaVu Sans"/>
+              </a:rPr>
+              <a:t>	</a:t>
+            </a:r>
+            <a:r>
+              <a:rPr b="1" lang="en-US" sz="2600" spc="-1" strike="noStrike">
+                <a:solidFill>
+                  <a:srgbClr val="984807"/>
+                </a:solidFill>
+                <a:uFill>
+                  <a:solidFill>
+                    <a:srgbClr val="ffffff"/>
+                  </a:solidFill>
+                </a:uFill>
+                <a:latin typeface="Arial"/>
+                <a:ea typeface="DejaVu Sans"/>
+              </a:rPr>
+              <a:t> application.</a:t>
+            </a:r>
+            <a:endParaRPr b="0" lang="en-US" sz="1600" spc="-1" strike="noStrike">
               <a:solidFill>
                 <a:srgbClr val="000000"/>
               </a:solidFill>
@@ -2618,14 +5404,14 @@
       </p:grpSpPr>
       <p:sp>
         <p:nvSpPr>
-          <p:cNvPr id="45" name="TextShape 1"/>
+          <p:cNvPr id="79" name="TextShape 1"/>
           <p:cNvSpPr txBox="1"/>
           <p:nvPr/>
         </p:nvSpPr>
         <p:spPr>
           <a:xfrm>
             <a:off x="504000" y="301320"/>
-            <a:ext cx="9071640" cy="1262160"/>
+            <a:ext cx="9071280" cy="1135080"/>
           </a:xfrm>
           <a:prstGeom prst="rect">
             <a:avLst/>
@@ -2638,45 +5424,50 @@
         <p:txBody>
           <a:bodyPr lIns="0" rIns="0" tIns="0" bIns="0" anchor="ctr"/>
           <a:p>
-            <a:pPr algn="ctr"/>
-            <a:r>
-              <a:rPr b="0" lang="en-US" sz="4400" spc="-1" strike="noStrike">
-                <a:solidFill>
-                  <a:srgbClr val="000000"/>
-                </a:solidFill>
-                <a:uFill>
-                  <a:solidFill>
-                    <a:srgbClr val="ffffff"/>
-                  </a:solidFill>
-                </a:uFill>
-                <a:latin typeface="Arial"/>
-              </a:rPr>
-              <a:t>Motivations</a:t>
-            </a:r>
-            <a:endParaRPr b="0" lang="en-US" sz="4400" spc="-1" strike="noStrike">
-              <a:solidFill>
-                <a:srgbClr val="000000"/>
-              </a:solidFill>
-              <a:uFill>
-                <a:solidFill>
-                  <a:srgbClr val="ffffff"/>
-                </a:solidFill>
-              </a:uFill>
-              <a:latin typeface="Arial"/>
-            </a:endParaRPr>
-          </a:p>
-        </p:txBody>
-      </p:sp>
-      <p:sp>
-        <p:nvSpPr>
-          <p:cNvPr id="46" name="TextShape 2"/>
+            <a:pPr>
+              <a:lnSpc>
+                <a:spcPct val="90000"/>
+              </a:lnSpc>
+            </a:pPr>
+            <a:r>
+              <a:rPr b="1" lang="en-US" sz="4400" spc="-1" strike="noStrike">
+                <a:solidFill>
+                  <a:srgbClr val="8064a2"/>
+                </a:solidFill>
+                <a:uFill>
+                  <a:solidFill>
+                    <a:srgbClr val="ffffff"/>
+                  </a:solidFill>
+                </a:uFill>
+                <a:latin typeface="Arial"/>
+                <a:ea typeface="DejaVu Sans"/>
+              </a:rPr>
+              <a:t>Introduction</a:t>
+            </a:r>
+            <a:endParaRPr b="0" lang="en-US" sz="1800" spc="-1" strike="noStrike">
+              <a:solidFill>
+                <a:srgbClr val="000000"/>
+              </a:solidFill>
+              <a:uFill>
+                <a:solidFill>
+                  <a:srgbClr val="ffffff"/>
+                </a:solidFill>
+              </a:uFill>
+              <a:latin typeface="Arial"/>
+            </a:endParaRPr>
+          </a:p>
+        </p:txBody>
+      </p:sp>
+      <p:sp>
+        <p:nvSpPr>
+          <p:cNvPr id="80" name="TextShape 2"/>
           <p:cNvSpPr txBox="1"/>
           <p:nvPr/>
         </p:nvSpPr>
         <p:spPr>
           <a:xfrm>
-            <a:off x="504000" y="1769040"/>
-            <a:ext cx="9071640" cy="4384440"/>
+            <a:off x="504000" y="1436760"/>
+            <a:ext cx="9071280" cy="5529600"/>
           </a:xfrm>
           <a:prstGeom prst="rect">
             <a:avLst/>
@@ -2689,7 +5480,345 @@
         <p:txBody>
           <a:bodyPr lIns="0" rIns="0" tIns="0" bIns="0"/>
           <a:p>
-            <a:endParaRPr b="0" lang="en-US" sz="3200" spc="-1" strike="noStrike">
+            <a:pPr>
+              <a:lnSpc>
+                <a:spcPct val="100000"/>
+              </a:lnSpc>
+            </a:pPr>
+            <a:endParaRPr b="0" lang="en-US" sz="2800" spc="-1" strike="noStrike">
+              <a:solidFill>
+                <a:srgbClr val="000000"/>
+              </a:solidFill>
+              <a:uFill>
+                <a:solidFill>
+                  <a:srgbClr val="ffffff"/>
+                </a:solidFill>
+              </a:uFill>
+              <a:latin typeface="Arial"/>
+            </a:endParaRPr>
+          </a:p>
+          <a:p>
+            <a:pPr>
+              <a:lnSpc>
+                <a:spcPct val="100000"/>
+              </a:lnSpc>
+            </a:pPr>
+            <a:r>
+              <a:rPr b="1" lang="en-US" sz="2800" spc="-1" strike="noStrike">
+                <a:solidFill>
+                  <a:srgbClr val="1f497d"/>
+                </a:solidFill>
+                <a:uFill>
+                  <a:solidFill>
+                    <a:srgbClr val="ffffff"/>
+                  </a:solidFill>
+                </a:uFill>
+                <a:latin typeface="Arial"/>
+                <a:ea typeface="DejaVu Sans"/>
+              </a:rPr>
+              <a:t>The Order Processing application, which simplifies and speeds up the order completion process.</a:t>
+            </a:r>
+            <a:endParaRPr b="0" lang="en-US" sz="2800" spc="-1" strike="noStrike">
+              <a:solidFill>
+                <a:srgbClr val="000000"/>
+              </a:solidFill>
+              <a:uFill>
+                <a:solidFill>
+                  <a:srgbClr val="ffffff"/>
+                </a:solidFill>
+              </a:uFill>
+              <a:latin typeface="Arial"/>
+            </a:endParaRPr>
+          </a:p>
+          <a:p>
+            <a:pPr>
+              <a:lnSpc>
+                <a:spcPct val="100000"/>
+              </a:lnSpc>
+            </a:pPr>
+            <a:endParaRPr b="0" lang="en-US" sz="2800" spc="-1" strike="noStrike">
+              <a:solidFill>
+                <a:srgbClr val="000000"/>
+              </a:solidFill>
+              <a:uFill>
+                <a:solidFill>
+                  <a:srgbClr val="ffffff"/>
+                </a:solidFill>
+              </a:uFill>
+              <a:latin typeface="Arial"/>
+            </a:endParaRPr>
+          </a:p>
+          <a:p>
+            <a:pPr marL="228600" indent="-228240">
+              <a:lnSpc>
+                <a:spcPct val="90000"/>
+              </a:lnSpc>
+              <a:buClr>
+                <a:srgbClr val="948a54"/>
+              </a:buClr>
+              <a:buFont typeface="Arial"/>
+              <a:buChar char="•"/>
+            </a:pPr>
+            <a:r>
+              <a:rPr b="0" lang="en-US" sz="2800" spc="-1" strike="noStrike">
+                <a:solidFill>
+                  <a:srgbClr val="948a54"/>
+                </a:solidFill>
+                <a:uFill>
+                  <a:solidFill>
+                    <a:srgbClr val="ffffff"/>
+                  </a:solidFill>
+                </a:uFill>
+                <a:latin typeface="Arial"/>
+                <a:ea typeface="DejaVu Sans"/>
+              </a:rPr>
+              <a:t>By automating and digitizing the process of placing and processing orders, </a:t>
+            </a:r>
+            <a:r>
+              <a:rPr b="1" lang="en-US" sz="2800" spc="-1" strike="noStrike">
+                <a:solidFill>
+                  <a:srgbClr val="948a54"/>
+                </a:solidFill>
+                <a:uFill>
+                  <a:solidFill>
+                    <a:srgbClr val="ffffff"/>
+                  </a:solidFill>
+                </a:uFill>
+                <a:latin typeface="Arial"/>
+                <a:ea typeface="DejaVu Sans"/>
+              </a:rPr>
+              <a:t>companies</a:t>
+            </a:r>
+            <a:r>
+              <a:rPr b="0" lang="en-US" sz="2800" spc="-1" strike="noStrike">
+                <a:solidFill>
+                  <a:srgbClr val="948a54"/>
+                </a:solidFill>
+                <a:uFill>
+                  <a:solidFill>
+                    <a:srgbClr val="ffffff"/>
+                  </a:solidFill>
+                </a:uFill>
+                <a:latin typeface="Arial"/>
+                <a:ea typeface="DejaVu Sans"/>
+              </a:rPr>
+              <a:t> can save a tremendous amount of </a:t>
+            </a:r>
+            <a:r>
+              <a:rPr b="1" lang="en-US" sz="2800" spc="-1" strike="noStrike">
+                <a:solidFill>
+                  <a:srgbClr val="948a54"/>
+                </a:solidFill>
+                <a:uFill>
+                  <a:solidFill>
+                    <a:srgbClr val="ffffff"/>
+                  </a:solidFill>
+                </a:uFill>
+                <a:latin typeface="Arial"/>
+                <a:ea typeface="DejaVu Sans"/>
+              </a:rPr>
+              <a:t>time and money</a:t>
+            </a:r>
+            <a:r>
+              <a:rPr b="0" lang="en-US" sz="2800" spc="-1" strike="noStrike">
+                <a:solidFill>
+                  <a:srgbClr val="948a54"/>
+                </a:solidFill>
+                <a:uFill>
+                  <a:solidFill>
+                    <a:srgbClr val="ffffff"/>
+                  </a:solidFill>
+                </a:uFill>
+                <a:latin typeface="Arial"/>
+                <a:ea typeface="DejaVu Sans"/>
+              </a:rPr>
+              <a:t>.</a:t>
+            </a:r>
+            <a:endParaRPr b="0" lang="en-US" sz="2800" spc="-1" strike="noStrike">
+              <a:solidFill>
+                <a:srgbClr val="000000"/>
+              </a:solidFill>
+              <a:uFill>
+                <a:solidFill>
+                  <a:srgbClr val="ffffff"/>
+                </a:solidFill>
+              </a:uFill>
+              <a:latin typeface="Arial"/>
+            </a:endParaRPr>
+          </a:p>
+          <a:p>
+            <a:pPr marL="228600" indent="-228240">
+              <a:lnSpc>
+                <a:spcPct val="90000"/>
+              </a:lnSpc>
+              <a:buClr>
+                <a:srgbClr val="948a54"/>
+              </a:buClr>
+              <a:buFont typeface="Arial"/>
+              <a:buChar char="•"/>
+            </a:pPr>
+            <a:r>
+              <a:rPr b="0" lang="en-US" sz="2800" spc="-1" strike="noStrike">
+                <a:solidFill>
+                  <a:srgbClr val="948a54"/>
+                </a:solidFill>
+                <a:uFill>
+                  <a:solidFill>
+                    <a:srgbClr val="ffffff"/>
+                  </a:solidFill>
+                </a:uFill>
+                <a:latin typeface="Arial"/>
+                <a:ea typeface="DejaVu Sans"/>
+              </a:rPr>
+              <a:t>Only </a:t>
+            </a:r>
+            <a:r>
+              <a:rPr b="1" lang="en-US" sz="2800" spc="-1" strike="noStrike">
+                <a:solidFill>
+                  <a:srgbClr val="948a54"/>
+                </a:solidFill>
+                <a:uFill>
+                  <a:solidFill>
+                    <a:srgbClr val="ffffff"/>
+                  </a:solidFill>
+                </a:uFill>
+                <a:latin typeface="Arial"/>
+                <a:ea typeface="DejaVu Sans"/>
+              </a:rPr>
+              <a:t>authorized employees </a:t>
+            </a:r>
+            <a:r>
+              <a:rPr b="0" lang="en-US" sz="2800" spc="-1" strike="noStrike">
+                <a:solidFill>
+                  <a:srgbClr val="948a54"/>
+                </a:solidFill>
+                <a:uFill>
+                  <a:solidFill>
+                    <a:srgbClr val="ffffff"/>
+                  </a:solidFill>
+                </a:uFill>
+                <a:latin typeface="Arial"/>
+                <a:ea typeface="DejaVu Sans"/>
+              </a:rPr>
+              <a:t>can use the application as a regular tool to execute order processing tasks.</a:t>
+            </a:r>
+            <a:endParaRPr b="0" lang="en-US" sz="2800" spc="-1" strike="noStrike">
+              <a:solidFill>
+                <a:srgbClr val="000000"/>
+              </a:solidFill>
+              <a:uFill>
+                <a:solidFill>
+                  <a:srgbClr val="ffffff"/>
+                </a:solidFill>
+              </a:uFill>
+              <a:latin typeface="Arial"/>
+            </a:endParaRPr>
+          </a:p>
+          <a:p>
+            <a:pPr marL="228600" indent="-228240">
+              <a:lnSpc>
+                <a:spcPct val="90000"/>
+              </a:lnSpc>
+              <a:buClr>
+                <a:srgbClr val="948a54"/>
+              </a:buClr>
+              <a:buFont typeface="Arial"/>
+              <a:buChar char="•"/>
+            </a:pPr>
+            <a:r>
+              <a:rPr b="0" lang="en-US" sz="2800" spc="-1" strike="noStrike">
+                <a:solidFill>
+                  <a:srgbClr val="948a54"/>
+                </a:solidFill>
+                <a:uFill>
+                  <a:solidFill>
+                    <a:srgbClr val="ffffff"/>
+                  </a:solidFill>
+                </a:uFill>
+                <a:latin typeface="Arial"/>
+                <a:ea typeface="DejaVu Sans"/>
+              </a:rPr>
+              <a:t>It is also possible to archive </a:t>
+            </a:r>
+            <a:r>
+              <a:rPr b="1" lang="en-US" sz="2800" spc="-1" strike="noStrike">
+                <a:solidFill>
+                  <a:srgbClr val="948a54"/>
+                </a:solidFill>
+                <a:uFill>
+                  <a:solidFill>
+                    <a:srgbClr val="ffffff"/>
+                  </a:solidFill>
+                </a:uFill>
+                <a:latin typeface="Arial"/>
+                <a:ea typeface="DejaVu Sans"/>
+              </a:rPr>
+              <a:t>completed, in progress</a:t>
+            </a:r>
+            <a:r>
+              <a:rPr b="0" lang="en-US" sz="2800" spc="-1" strike="noStrike">
+                <a:solidFill>
+                  <a:srgbClr val="948a54"/>
+                </a:solidFill>
+                <a:uFill>
+                  <a:solidFill>
+                    <a:srgbClr val="ffffff"/>
+                  </a:solidFill>
+                </a:uFill>
+                <a:latin typeface="Arial"/>
+                <a:ea typeface="DejaVu Sans"/>
+              </a:rPr>
+              <a:t>, or </a:t>
+            </a:r>
+            <a:r>
+              <a:rPr b="1" lang="en-US" sz="2800" spc="-1" strike="noStrike">
+                <a:solidFill>
+                  <a:srgbClr val="948a54"/>
+                </a:solidFill>
+                <a:uFill>
+                  <a:solidFill>
+                    <a:srgbClr val="ffffff"/>
+                  </a:solidFill>
+                </a:uFill>
+                <a:latin typeface="Arial"/>
+                <a:ea typeface="DejaVu Sans"/>
+              </a:rPr>
+              <a:t>cancelled</a:t>
+            </a:r>
+            <a:r>
+              <a:rPr b="0" lang="en-US" sz="2800" spc="-1" strike="noStrike">
+                <a:solidFill>
+                  <a:srgbClr val="948a54"/>
+                </a:solidFill>
+                <a:uFill>
+                  <a:solidFill>
+                    <a:srgbClr val="ffffff"/>
+                  </a:solidFill>
+                </a:uFill>
+                <a:latin typeface="Arial"/>
+                <a:ea typeface="DejaVu Sans"/>
+              </a:rPr>
+              <a:t> orders.</a:t>
+            </a:r>
+            <a:endParaRPr b="0" lang="en-US" sz="2800" spc="-1" strike="noStrike">
+              <a:solidFill>
+                <a:srgbClr val="000000"/>
+              </a:solidFill>
+              <a:uFill>
+                <a:solidFill>
+                  <a:srgbClr val="ffffff"/>
+                </a:solidFill>
+              </a:uFill>
+              <a:latin typeface="Arial"/>
+            </a:endParaRPr>
+          </a:p>
+          <a:p>
+            <a:pPr>
+              <a:lnSpc>
+                <a:spcPct val="90000"/>
+              </a:lnSpc>
+            </a:pPr>
+            <a:endParaRPr b="0" lang="en-US" sz="2800" spc="-1" strike="noStrike">
               <a:solidFill>
                 <a:srgbClr val="000000"/>
               </a:solidFill>
@@ -2754,14 +5883,14 @@
       </p:grpSpPr>
       <p:sp>
         <p:nvSpPr>
-          <p:cNvPr id="47" name="TextShape 1"/>
-          <p:cNvSpPr txBox="1"/>
+          <p:cNvPr id="81" name="CustomShape 1"/>
+          <p:cNvSpPr/>
           <p:nvPr/>
         </p:nvSpPr>
         <p:spPr>
           <a:xfrm>
-            <a:off x="504000" y="301320"/>
-            <a:ext cx="9071640" cy="1262160"/>
+            <a:off x="591120" y="301320"/>
+            <a:ext cx="9071280" cy="1261800"/>
           </a:xfrm>
           <a:prstGeom prst="rect">
             <a:avLst/>
@@ -2771,48 +5900,59 @@
             <a:noFill/>
           </a:ln>
         </p:spPr>
+        <p:style>
+          <a:lnRef idx="0"/>
+          <a:fillRef idx="0"/>
+          <a:effectRef idx="0"/>
+          <a:fontRef idx="minor"/>
+        </p:style>
         <p:txBody>
           <a:bodyPr lIns="0" rIns="0" tIns="0" bIns="0" anchor="ctr"/>
           <a:p>
-            <a:pPr algn="ctr"/>
-            <a:r>
-              <a:rPr b="0" lang="en-US" sz="4400" spc="-1" strike="noStrike">
-                <a:solidFill>
-                  <a:srgbClr val="000000"/>
-                </a:solidFill>
-                <a:uFill>
-                  <a:solidFill>
-                    <a:srgbClr val="ffffff"/>
-                  </a:solidFill>
-                </a:uFill>
-                <a:latin typeface="Arial"/>
-              </a:rPr>
-              <a:t>Related Work</a:t>
-            </a:r>
-            <a:endParaRPr b="0" lang="en-US" sz="4400" spc="-1" strike="noStrike">
-              <a:solidFill>
-                <a:srgbClr val="000000"/>
-              </a:solidFill>
-              <a:uFill>
-                <a:solidFill>
-                  <a:srgbClr val="ffffff"/>
-                </a:solidFill>
-              </a:uFill>
-              <a:latin typeface="Arial"/>
-            </a:endParaRPr>
-          </a:p>
-        </p:txBody>
-      </p:sp>
-      <p:sp>
-        <p:nvSpPr>
-          <p:cNvPr id="48" name="TextShape 2"/>
-          <p:cNvSpPr txBox="1"/>
+            <a:pPr>
+              <a:lnSpc>
+                <a:spcPct val="100000"/>
+              </a:lnSpc>
+            </a:pPr>
+            <a:r>
+              <a:rPr b="1" lang="en-US" sz="3200" spc="-1" strike="noStrike">
+                <a:solidFill>
+                  <a:srgbClr val="ff0000"/>
+                </a:solidFill>
+                <a:uFill>
+                  <a:solidFill>
+                    <a:srgbClr val="ffffff"/>
+                  </a:solidFill>
+                </a:uFill>
+                <a:latin typeface="Arial"/>
+                <a:ea typeface="DejaVu Sans"/>
+              </a:rPr>
+              <a:t>Why it is important to develop a system to solve this question?</a:t>
+            </a:r>
+            <a:endParaRPr b="0" lang="en-US" sz="1600" spc="-1" strike="noStrike">
+              <a:solidFill>
+                <a:srgbClr val="000000"/>
+              </a:solidFill>
+              <a:uFill>
+                <a:solidFill>
+                  <a:srgbClr val="ffffff"/>
+                </a:solidFill>
+              </a:uFill>
+              <a:latin typeface="Arial"/>
+            </a:endParaRPr>
+          </a:p>
+        </p:txBody>
+      </p:sp>
+      <p:sp>
+        <p:nvSpPr>
+          <p:cNvPr id="82" name="CustomShape 2"/>
+          <p:cNvSpPr/>
           <p:nvPr/>
         </p:nvSpPr>
         <p:spPr>
           <a:xfrm>
             <a:off x="504000" y="1769040"/>
-            <a:ext cx="9071640" cy="4384440"/>
+            <a:ext cx="9071280" cy="5473080"/>
           </a:xfrm>
           <a:prstGeom prst="rect">
             <a:avLst/>
@@ -2822,10 +5962,219 @@
             <a:noFill/>
           </a:ln>
         </p:spPr>
+        <p:style>
+          <a:lnRef idx="0"/>
+          <a:fillRef idx="0"/>
+          <a:effectRef idx="0"/>
+          <a:fontRef idx="minor"/>
+        </p:style>
         <p:txBody>
           <a:bodyPr lIns="0" rIns="0" tIns="0" bIns="0"/>
           <a:p>
-            <a:endParaRPr b="0" lang="en-US" sz="3200" spc="-1" strike="noStrike">
+            <a:pPr>
+              <a:lnSpc>
+                <a:spcPct val="100000"/>
+              </a:lnSpc>
+            </a:pPr>
+            <a:r>
+              <a:rPr b="0" lang="en-US" sz="2400" spc="-1" strike="noStrike">
+                <a:solidFill>
+                  <a:srgbClr val="595959"/>
+                </a:solidFill>
+                <a:uFill>
+                  <a:solidFill>
+                    <a:srgbClr val="ffffff"/>
+                  </a:solidFill>
+                </a:uFill>
+                <a:latin typeface="Arial"/>
+                <a:ea typeface="DejaVu Sans"/>
+              </a:rPr>
+              <a:t>	</a:t>
+            </a:r>
+            <a:r>
+              <a:rPr b="0" lang="en-US" sz="2000" spc="-1" strike="noStrike">
+                <a:solidFill>
+                  <a:srgbClr val="595959"/>
+                </a:solidFill>
+                <a:uFill>
+                  <a:solidFill>
+                    <a:srgbClr val="ffffff"/>
+                  </a:solidFill>
+                </a:uFill>
+                <a:latin typeface="Arial"/>
+                <a:ea typeface="DejaVu Sans"/>
+              </a:rPr>
+              <a:t>The implementation of the Order Processing application offers many benefits to businesses. Most of all, it shortens the time of the order approval process by sending email reminders to the persons in charge of the order approval. Also a person can track the order by him or herself. An automatically updated categorized product list makes searching and selecting products much easier. It is a great time saver – it automatically sends generated orders to the vendors and simultaneously eliminates mistakes in quantities of ordered products. A feature of order status monitoring helps to keep track and control order progress.</a:t>
+            </a:r>
+            <a:endParaRPr b="0" lang="en-US" sz="1600" spc="-1" strike="noStrike">
+              <a:solidFill>
+                <a:srgbClr val="000000"/>
+              </a:solidFill>
+              <a:uFill>
+                <a:solidFill>
+                  <a:srgbClr val="ffffff"/>
+                </a:solidFill>
+              </a:uFill>
+              <a:latin typeface="Arial"/>
+            </a:endParaRPr>
+          </a:p>
+          <a:p>
+            <a:pPr>
+              <a:lnSpc>
+                <a:spcPct val="100000"/>
+              </a:lnSpc>
+            </a:pPr>
+            <a:endParaRPr b="0" lang="en-US" sz="1600" spc="-1" strike="noStrike">
+              <a:solidFill>
+                <a:srgbClr val="000000"/>
+              </a:solidFill>
+              <a:uFill>
+                <a:solidFill>
+                  <a:srgbClr val="ffffff"/>
+                </a:solidFill>
+              </a:uFill>
+              <a:latin typeface="Arial"/>
+            </a:endParaRPr>
+          </a:p>
+          <a:p>
+            <a:pPr marL="343080" indent="-342720">
+              <a:lnSpc>
+                <a:spcPct val="100000"/>
+              </a:lnSpc>
+              <a:buClr>
+                <a:srgbClr val="595959"/>
+              </a:buClr>
+              <a:buFont typeface="Arial"/>
+              <a:buChar char="•"/>
+            </a:pPr>
+            <a:r>
+              <a:rPr b="0" lang="en-US" sz="2400" spc="-1" strike="noStrike">
+                <a:solidFill>
+                  <a:srgbClr val="595959"/>
+                </a:solidFill>
+                <a:uFill>
+                  <a:solidFill>
+                    <a:srgbClr val="ffffff"/>
+                  </a:solidFill>
+                </a:uFill>
+                <a:latin typeface="Arial"/>
+                <a:ea typeface="DejaVu Sans"/>
+              </a:rPr>
+              <a:t>It is easy to calculate cost of expense for each project or department.</a:t>
+            </a:r>
+            <a:endParaRPr b="0" lang="en-US" sz="1600" spc="-1" strike="noStrike">
+              <a:solidFill>
+                <a:srgbClr val="000000"/>
+              </a:solidFill>
+              <a:uFill>
+                <a:solidFill>
+                  <a:srgbClr val="ffffff"/>
+                </a:solidFill>
+              </a:uFill>
+              <a:latin typeface="Arial"/>
+            </a:endParaRPr>
+          </a:p>
+          <a:p>
+            <a:pPr marL="343080" indent="-342720">
+              <a:lnSpc>
+                <a:spcPct val="100000"/>
+              </a:lnSpc>
+              <a:buClr>
+                <a:srgbClr val="595959"/>
+              </a:buClr>
+              <a:buFont typeface="Arial"/>
+              <a:buChar char="•"/>
+            </a:pPr>
+            <a:r>
+              <a:rPr b="0" lang="en-US" sz="2400" spc="-1" strike="noStrike">
+                <a:solidFill>
+                  <a:srgbClr val="595959"/>
+                </a:solidFill>
+                <a:uFill>
+                  <a:solidFill>
+                    <a:srgbClr val="ffffff"/>
+                  </a:solidFill>
+                </a:uFill>
+                <a:latin typeface="Arial"/>
+                <a:ea typeface="DejaVu Sans"/>
+              </a:rPr>
+              <a:t>stops unnecessary items order from department</a:t>
+            </a:r>
+            <a:endParaRPr b="0" lang="en-US" sz="1600" spc="-1" strike="noStrike">
+              <a:solidFill>
+                <a:srgbClr val="000000"/>
+              </a:solidFill>
+              <a:uFill>
+                <a:solidFill>
+                  <a:srgbClr val="ffffff"/>
+                </a:solidFill>
+              </a:uFill>
+              <a:latin typeface="Arial"/>
+            </a:endParaRPr>
+          </a:p>
+          <a:p>
+            <a:pPr marL="343080" indent="-342720">
+              <a:lnSpc>
+                <a:spcPct val="100000"/>
+              </a:lnSpc>
+              <a:buClr>
+                <a:srgbClr val="595959"/>
+              </a:buClr>
+              <a:buFont typeface="Arial"/>
+              <a:buChar char="•"/>
+            </a:pPr>
+            <a:r>
+              <a:rPr b="0" lang="en-US" sz="2400" spc="-1" strike="noStrike">
+                <a:solidFill>
+                  <a:srgbClr val="595959"/>
+                </a:solidFill>
+                <a:uFill>
+                  <a:solidFill>
+                    <a:srgbClr val="ffffff"/>
+                  </a:solidFill>
+                </a:uFill>
+                <a:latin typeface="Arial"/>
+                <a:ea typeface="DejaVu Sans"/>
+              </a:rPr>
+              <a:t>company don't need to provide financial account information to every department. </a:t>
+            </a:r>
+            <a:endParaRPr b="0" lang="en-US" sz="1600" spc="-1" strike="noStrike">
+              <a:solidFill>
+                <a:srgbClr val="000000"/>
+              </a:solidFill>
+              <a:uFill>
+                <a:solidFill>
+                  <a:srgbClr val="ffffff"/>
+                </a:solidFill>
+              </a:uFill>
+              <a:latin typeface="Arial"/>
+            </a:endParaRPr>
+          </a:p>
+          <a:p>
+            <a:pPr>
+              <a:lnSpc>
+                <a:spcPct val="100000"/>
+              </a:lnSpc>
+            </a:pPr>
+            <a:endParaRPr b="0" lang="en-US" sz="1600" spc="-1" strike="noStrike">
+              <a:solidFill>
+                <a:srgbClr val="000000"/>
+              </a:solidFill>
+              <a:uFill>
+                <a:solidFill>
+                  <a:srgbClr val="ffffff"/>
+                </a:solidFill>
+              </a:uFill>
+              <a:latin typeface="Arial"/>
+            </a:endParaRPr>
+          </a:p>
+          <a:p>
+            <a:pPr>
+              <a:lnSpc>
+                <a:spcPct val="100000"/>
+              </a:lnSpc>
+            </a:pPr>
+            <a:endParaRPr b="0" lang="en-US" sz="1600" spc="-1" strike="noStrike">
               <a:solidFill>
                 <a:srgbClr val="000000"/>
               </a:solidFill>
@@ -2890,14 +6239,14 @@
       </p:grpSpPr>
       <p:sp>
         <p:nvSpPr>
-          <p:cNvPr id="49" name="TextShape 1"/>
-          <p:cNvSpPr txBox="1"/>
+          <p:cNvPr id="83" name="CustomShape 1"/>
+          <p:cNvSpPr/>
           <p:nvPr/>
         </p:nvSpPr>
         <p:spPr>
           <a:xfrm>
             <a:off x="504000" y="301320"/>
-            <a:ext cx="9071640" cy="1262160"/>
+            <a:ext cx="9071280" cy="1261800"/>
           </a:xfrm>
           <a:prstGeom prst="rect">
             <a:avLst/>
@@ -2907,10 +6256,20 @@
             <a:noFill/>
           </a:ln>
         </p:spPr>
+        <p:style>
+          <a:lnRef idx="0"/>
+          <a:fillRef idx="0"/>
+          <a:effectRef idx="0"/>
+          <a:fontRef idx="minor"/>
+        </p:style>
         <p:txBody>
           <a:bodyPr lIns="0" rIns="0" tIns="0" bIns="0" anchor="ctr"/>
           <a:p>
-            <a:pPr algn="ctr"/>
+            <a:pPr algn="ctr">
+              <a:lnSpc>
+                <a:spcPct val="100000"/>
+              </a:lnSpc>
+            </a:pPr>
             <a:r>
               <a:rPr b="0" lang="en-US" sz="4400" spc="-1" strike="noStrike">
                 <a:solidFill>
@@ -2922,33 +6281,34 @@
                   </a:solidFill>
                 </a:uFill>
                 <a:latin typeface="Arial"/>
-              </a:rPr>
-              <a:t>Proposed Approach</a:t>
-            </a:r>
-            <a:endParaRPr b="0" lang="en-US" sz="4400" spc="-1" strike="noStrike">
-              <a:solidFill>
-                <a:srgbClr val="000000"/>
-              </a:solidFill>
-              <a:uFill>
-                <a:solidFill>
-                  <a:srgbClr val="ffffff"/>
-                </a:solidFill>
-              </a:uFill>
-              <a:latin typeface="Arial"/>
-            </a:endParaRPr>
-          </a:p>
-        </p:txBody>
-      </p:sp>
-      <p:sp>
-        <p:nvSpPr>
-          <p:cNvPr id="50" name="TextShape 2"/>
-          <p:cNvSpPr txBox="1"/>
+                <a:ea typeface="DejaVu Sans"/>
+              </a:rPr>
+              <a:t>Related Work</a:t>
+            </a:r>
+            <a:endParaRPr b="0" lang="en-US" sz="1600" spc="-1" strike="noStrike">
+              <a:solidFill>
+                <a:srgbClr val="000000"/>
+              </a:solidFill>
+              <a:uFill>
+                <a:solidFill>
+                  <a:srgbClr val="ffffff"/>
+                </a:solidFill>
+              </a:uFill>
+              <a:latin typeface="Arial"/>
+            </a:endParaRPr>
+          </a:p>
+        </p:txBody>
+      </p:sp>
+      <p:sp>
+        <p:nvSpPr>
+          <p:cNvPr id="84" name="CustomShape 2"/>
+          <p:cNvSpPr/>
           <p:nvPr/>
         </p:nvSpPr>
         <p:spPr>
           <a:xfrm>
             <a:off x="504000" y="1769040"/>
-            <a:ext cx="9071640" cy="4384440"/>
+            <a:ext cx="9071280" cy="4384080"/>
           </a:xfrm>
           <a:prstGeom prst="rect">
             <a:avLst/>
@@ -2958,22 +6318,12 @@
             <a:noFill/>
           </a:ln>
         </p:spPr>
-        <p:txBody>
-          <a:bodyPr lIns="0" rIns="0" tIns="0" bIns="0"/>
-          <a:p>
-            <a:endParaRPr b="0" lang="en-US" sz="3200" spc="-1" strike="noStrike">
-              <a:solidFill>
-                <a:srgbClr val="000000"/>
-              </a:solidFill>
-              <a:uFill>
-                <a:solidFill>
-                  <a:srgbClr val="ffffff"/>
-                </a:solidFill>
-              </a:uFill>
-              <a:latin typeface="Arial"/>
-            </a:endParaRPr>
-          </a:p>
-        </p:txBody>
+        <p:style>
+          <a:lnRef idx="0"/>
+          <a:fillRef idx="0"/>
+          <a:effectRef idx="0"/>
+          <a:fontRef idx="minor"/>
+        </p:style>
       </p:sp>
     </p:spTree>
   </p:cSld>
@@ -3026,14 +6376,14 @@
       </p:grpSpPr>
       <p:sp>
         <p:nvSpPr>
-          <p:cNvPr id="51" name="TextShape 1"/>
-          <p:cNvSpPr txBox="1"/>
+          <p:cNvPr id="85" name="CustomShape 1"/>
+          <p:cNvSpPr/>
           <p:nvPr/>
         </p:nvSpPr>
         <p:spPr>
           <a:xfrm>
             <a:off x="504000" y="301320"/>
-            <a:ext cx="9071640" cy="1262160"/>
+            <a:ext cx="9071280" cy="1261800"/>
           </a:xfrm>
           <a:prstGeom prst="rect">
             <a:avLst/>
@@ -3043,10 +6393,20 @@
             <a:noFill/>
           </a:ln>
         </p:spPr>
+        <p:style>
+          <a:lnRef idx="0"/>
+          <a:fillRef idx="0"/>
+          <a:effectRef idx="0"/>
+          <a:fontRef idx="minor"/>
+        </p:style>
         <p:txBody>
           <a:bodyPr lIns="0" rIns="0" tIns="0" bIns="0" anchor="ctr"/>
           <a:p>
-            <a:pPr algn="ctr"/>
+            <a:pPr algn="ctr">
+              <a:lnSpc>
+                <a:spcPct val="100000"/>
+              </a:lnSpc>
+            </a:pPr>
             <a:r>
               <a:rPr b="0" lang="en-US" sz="4400" spc="-1" strike="noStrike">
                 <a:solidFill>
@@ -3058,33 +6418,34 @@
                   </a:solidFill>
                 </a:uFill>
                 <a:latin typeface="Arial"/>
-              </a:rPr>
-              <a:t>Evaluation</a:t>
-            </a:r>
-            <a:endParaRPr b="0" lang="en-US" sz="4400" spc="-1" strike="noStrike">
-              <a:solidFill>
-                <a:srgbClr val="000000"/>
-              </a:solidFill>
-              <a:uFill>
-                <a:solidFill>
-                  <a:srgbClr val="ffffff"/>
-                </a:solidFill>
-              </a:uFill>
-              <a:latin typeface="Arial"/>
-            </a:endParaRPr>
-          </a:p>
-        </p:txBody>
-      </p:sp>
-      <p:sp>
-        <p:nvSpPr>
-          <p:cNvPr id="52" name="TextShape 2"/>
-          <p:cNvSpPr txBox="1"/>
+                <a:ea typeface="DejaVu Sans"/>
+              </a:rPr>
+              <a:t>Proposed Approach</a:t>
+            </a:r>
+            <a:endParaRPr b="0" lang="en-US" sz="1600" spc="-1" strike="noStrike">
+              <a:solidFill>
+                <a:srgbClr val="000000"/>
+              </a:solidFill>
+              <a:uFill>
+                <a:solidFill>
+                  <a:srgbClr val="ffffff"/>
+                </a:solidFill>
+              </a:uFill>
+              <a:latin typeface="Arial"/>
+            </a:endParaRPr>
+          </a:p>
+        </p:txBody>
+      </p:sp>
+      <p:sp>
+        <p:nvSpPr>
+          <p:cNvPr id="86" name="CustomShape 2"/>
+          <p:cNvSpPr/>
           <p:nvPr/>
         </p:nvSpPr>
         <p:spPr>
           <a:xfrm>
             <a:off x="504000" y="1769040"/>
-            <a:ext cx="9071640" cy="4384440"/>
+            <a:ext cx="9071280" cy="4384080"/>
           </a:xfrm>
           <a:prstGeom prst="rect">
             <a:avLst/>
@@ -3094,149 +6455,12 @@
             <a:noFill/>
           </a:ln>
         </p:spPr>
-        <p:txBody>
-          <a:bodyPr lIns="0" rIns="0" tIns="0" bIns="0"/>
-          <a:p>
-            <a:pPr marL="432000" indent="-324000">
-              <a:buClr>
-                <a:srgbClr val="000000"/>
-              </a:buClr>
-              <a:buSzPct val="45000"/>
-              <a:buFont typeface="Wingdings" charset="2"/>
-              <a:buChar char=""/>
-            </a:pPr>
-            <a:r>
-              <a:rPr b="0" lang="en-US" sz="3200" spc="-1" strike="noStrike">
-                <a:solidFill>
-                  <a:srgbClr val="000000"/>
-                </a:solidFill>
-                <a:uFill>
-                  <a:solidFill>
-                    <a:srgbClr val="ffffff"/>
-                  </a:solidFill>
-                </a:uFill>
-                <a:latin typeface="Arial"/>
-              </a:rPr>
-              <a:t>Why is this a good solution? </a:t>
-            </a:r>
-            <a:endParaRPr b="0" lang="en-US" sz="3200" spc="-1" strike="noStrike">
-              <a:solidFill>
-                <a:srgbClr val="000000"/>
-              </a:solidFill>
-              <a:uFill>
-                <a:solidFill>
-                  <a:srgbClr val="ffffff"/>
-                </a:solidFill>
-              </a:uFill>
-              <a:latin typeface="Arial"/>
-            </a:endParaRPr>
-          </a:p>
-          <a:p>
-            <a:pPr lvl="1" marL="864000" indent="-324000">
-              <a:buClr>
-                <a:srgbClr val="000000"/>
-              </a:buClr>
-              <a:buSzPct val="75000"/>
-              <a:buFont typeface="Symbol" charset="2"/>
-              <a:buChar char=""/>
-            </a:pPr>
-            <a:r>
-              <a:rPr b="0" lang="en-US" sz="2800" spc="-1" strike="noStrike">
-                <a:solidFill>
-                  <a:srgbClr val="000000"/>
-                </a:solidFill>
-                <a:uFill>
-                  <a:solidFill>
-                    <a:srgbClr val="ffffff"/>
-                  </a:solidFill>
-                </a:uFill>
-                <a:latin typeface="Arial"/>
-              </a:rPr>
-              <a:t>This will be more of a tool that will help companies manage budget and expenses through the departments. It is organizational and fiscal solution to avoid excessive spending by the company as a whole</a:t>
-            </a:r>
-            <a:endParaRPr b="0" lang="en-US" sz="2800" spc="-1" strike="noStrike">
-              <a:solidFill>
-                <a:srgbClr val="000000"/>
-              </a:solidFill>
-              <a:uFill>
-                <a:solidFill>
-                  <a:srgbClr val="ffffff"/>
-                </a:solidFill>
-              </a:uFill>
-              <a:latin typeface="Arial"/>
-            </a:endParaRPr>
-          </a:p>
-          <a:p>
-            <a:pPr marL="432000" indent="-324000">
-              <a:buClr>
-                <a:srgbClr val="000000"/>
-              </a:buClr>
-              <a:buSzPct val="45000"/>
-              <a:buFont typeface="Wingdings" charset="2"/>
-              <a:buChar char=""/>
-            </a:pPr>
-            <a:r>
-              <a:rPr b="0" lang="en-US" sz="3200" spc="-1" strike="noStrike">
-                <a:solidFill>
-                  <a:srgbClr val="000000"/>
-                </a:solidFill>
-                <a:uFill>
-                  <a:solidFill>
-                    <a:srgbClr val="ffffff"/>
-                  </a:solidFill>
-                </a:uFill>
-                <a:latin typeface="Arial"/>
-              </a:rPr>
-              <a:t>Is this reasonable?</a:t>
-            </a:r>
-            <a:endParaRPr b="0" lang="en-US" sz="3200" spc="-1" strike="noStrike">
-              <a:solidFill>
-                <a:srgbClr val="000000"/>
-              </a:solidFill>
-              <a:uFill>
-                <a:solidFill>
-                  <a:srgbClr val="ffffff"/>
-                </a:solidFill>
-              </a:uFill>
-              <a:latin typeface="Arial"/>
-            </a:endParaRPr>
-          </a:p>
-          <a:p>
-            <a:pPr lvl="1" marL="864000" indent="-324000">
-              <a:buClr>
-                <a:srgbClr val="000000"/>
-              </a:buClr>
-              <a:buSzPct val="75000"/>
-              <a:buFont typeface="Symbol" charset="2"/>
-              <a:buChar char=""/>
-            </a:pPr>
-            <a:r>
-              <a:rPr b="0" lang="en-US" sz="2800" spc="-1" strike="noStrike">
-                <a:solidFill>
-                  <a:srgbClr val="000000"/>
-                </a:solidFill>
-                <a:uFill>
-                  <a:solidFill>
-                    <a:srgbClr val="ffffff"/>
-                  </a:solidFill>
-                </a:uFill>
-                <a:latin typeface="Arial"/>
-              </a:rPr>
-              <a:t>This is a very common problem in the workplace where departments will waste money on things that other departments have already purchase. Our goal is to create a product that will avoid that. I believe it to be very reasonable</a:t>
-            </a:r>
-            <a:endParaRPr b="0" lang="en-US" sz="2800" spc="-1" strike="noStrike">
-              <a:solidFill>
-                <a:srgbClr val="000000"/>
-              </a:solidFill>
-              <a:uFill>
-                <a:solidFill>
-                  <a:srgbClr val="ffffff"/>
-                </a:solidFill>
-              </a:uFill>
-              <a:latin typeface="Arial"/>
-            </a:endParaRPr>
-          </a:p>
-        </p:txBody>
+        <p:style>
+          <a:lnRef idx="0"/>
+          <a:fillRef idx="0"/>
+          <a:effectRef idx="0"/>
+          <a:fontRef idx="minor"/>
+        </p:style>
       </p:sp>
     </p:spTree>
   </p:cSld>
@@ -3289,14 +6513,14 @@
       </p:grpSpPr>
       <p:sp>
         <p:nvSpPr>
-          <p:cNvPr id="53" name="TextShape 1"/>
-          <p:cNvSpPr txBox="1"/>
+          <p:cNvPr id="87" name="CustomShape 1"/>
+          <p:cNvSpPr/>
           <p:nvPr/>
         </p:nvSpPr>
         <p:spPr>
           <a:xfrm>
             <a:off x="504000" y="301320"/>
-            <a:ext cx="9071640" cy="1262160"/>
+            <a:ext cx="9071280" cy="1261800"/>
           </a:xfrm>
           <a:prstGeom prst="rect">
             <a:avLst/>
@@ -3306,10 +6530,20 @@
             <a:noFill/>
           </a:ln>
         </p:spPr>
+        <p:style>
+          <a:lnRef idx="0"/>
+          <a:fillRef idx="0"/>
+          <a:effectRef idx="0"/>
+          <a:fontRef idx="minor"/>
+        </p:style>
         <p:txBody>
           <a:bodyPr lIns="0" rIns="0" tIns="0" bIns="0" anchor="ctr"/>
           <a:p>
-            <a:pPr algn="ctr"/>
+            <a:pPr algn="ctr">
+              <a:lnSpc>
+                <a:spcPct val="100000"/>
+              </a:lnSpc>
+            </a:pPr>
             <a:r>
               <a:rPr b="0" lang="en-US" sz="4400" spc="-1" strike="noStrike">
                 <a:solidFill>
@@ -3321,33 +6555,34 @@
                   </a:solidFill>
                 </a:uFill>
                 <a:latin typeface="Arial"/>
-              </a:rPr>
-              <a:t>Time-line</a:t>
-            </a:r>
-            <a:endParaRPr b="0" lang="en-US" sz="4400" spc="-1" strike="noStrike">
-              <a:solidFill>
-                <a:srgbClr val="000000"/>
-              </a:solidFill>
-              <a:uFill>
-                <a:solidFill>
-                  <a:srgbClr val="ffffff"/>
-                </a:solidFill>
-              </a:uFill>
-              <a:latin typeface="Arial"/>
-            </a:endParaRPr>
-          </a:p>
-        </p:txBody>
-      </p:sp>
-      <p:sp>
-        <p:nvSpPr>
-          <p:cNvPr id="54" name="TextShape 2"/>
-          <p:cNvSpPr txBox="1"/>
+                <a:ea typeface="DejaVu Sans"/>
+              </a:rPr>
+              <a:t>Evaluation</a:t>
+            </a:r>
+            <a:endParaRPr b="0" lang="en-US" sz="1600" spc="-1" strike="noStrike">
+              <a:solidFill>
+                <a:srgbClr val="000000"/>
+              </a:solidFill>
+              <a:uFill>
+                <a:solidFill>
+                  <a:srgbClr val="ffffff"/>
+                </a:solidFill>
+              </a:uFill>
+              <a:latin typeface="Arial"/>
+            </a:endParaRPr>
+          </a:p>
+        </p:txBody>
+      </p:sp>
+      <p:sp>
+        <p:nvSpPr>
+          <p:cNvPr id="88" name="CustomShape 2"/>
+          <p:cNvSpPr/>
           <p:nvPr/>
         </p:nvSpPr>
         <p:spPr>
           <a:xfrm>
-            <a:off x="504000" y="1463040"/>
-            <a:ext cx="9071640" cy="4384440"/>
+            <a:off x="504000" y="1769040"/>
+            <a:ext cx="9071280" cy="4384080"/>
           </a:xfrm>
           <a:prstGeom prst="rect">
             <a:avLst/>
@@ -3357,10 +6592,19 @@
             <a:noFill/>
           </a:ln>
         </p:spPr>
+        <p:style>
+          <a:lnRef idx="0"/>
+          <a:fillRef idx="0"/>
+          <a:effectRef idx="0"/>
+          <a:fontRef idx="minor"/>
+        </p:style>
         <p:txBody>
           <a:bodyPr lIns="0" rIns="0" tIns="0" bIns="0"/>
           <a:p>
-            <a:pPr marL="432000" indent="-324000">
+            <a:pPr marL="432000" indent="-323640">
+              <a:lnSpc>
+                <a:spcPct val="100000"/>
+              </a:lnSpc>
               <a:buClr>
                 <a:srgbClr val="000000"/>
               </a:buClr>
@@ -3379,28 +6623,32 @@
                   </a:solidFill>
                 </a:uFill>
                 <a:latin typeface="Arial"/>
-              </a:rPr>
-              <a:t>Week 1</a:t>
-            </a:r>
-            <a:endParaRPr b="0" lang="en-US" sz="3200" spc="-1" strike="noStrike">
-              <a:solidFill>
-                <a:srgbClr val="000000"/>
-              </a:solidFill>
-              <a:uFill>
-                <a:solidFill>
-                  <a:srgbClr val="ffffff"/>
-                </a:solidFill>
-              </a:uFill>
-              <a:latin typeface="Arial"/>
-            </a:endParaRPr>
-          </a:p>
-          <a:p>
-            <a:pPr lvl="1" marL="864000" indent="-324000">
+                <a:ea typeface="DejaVu Sans"/>
+              </a:rPr>
+              <a:t>Why is this a good solution? </a:t>
+            </a:r>
+            <a:endParaRPr b="0" lang="en-US" sz="1600" spc="-1" strike="noStrike">
+              <a:solidFill>
+                <a:srgbClr val="000000"/>
+              </a:solidFill>
+              <a:uFill>
+                <a:solidFill>
+                  <a:srgbClr val="ffffff"/>
+                </a:solidFill>
+              </a:uFill>
+              <a:latin typeface="Arial"/>
+            </a:endParaRPr>
+          </a:p>
+          <a:p>
+            <a:pPr lvl="1" marL="864000" indent="-323640">
+              <a:lnSpc>
+                <a:spcPct val="100000"/>
+              </a:lnSpc>
               <a:buClr>
                 <a:srgbClr val="000000"/>
               </a:buClr>
               <a:buSzPct val="75000"/>
-              <a:buFont typeface="Symbol" charset="2"/>
+              <a:buFont typeface="Symbol"/>
               <a:buChar char=""/>
             </a:pPr>
             <a:r>
@@ -3414,58 +6662,27 @@
                   </a:solidFill>
                 </a:uFill>
                 <a:latin typeface="Arial"/>
-              </a:rPr>
-              <a:t>Organize, develop a plan, and converse with the group</a:t>
-            </a:r>
-            <a:endParaRPr b="0" lang="en-US" sz="2800" spc="-1" strike="noStrike">
-              <a:solidFill>
-                <a:srgbClr val="000000"/>
-              </a:solidFill>
-              <a:uFill>
-                <a:solidFill>
-                  <a:srgbClr val="ffffff"/>
-                </a:solidFill>
-              </a:uFill>
-              <a:latin typeface="Arial"/>
-            </a:endParaRPr>
-          </a:p>
-          <a:p>
-            <a:pPr lvl="1" marL="864000" indent="-324000">
-              <a:buClr>
-                <a:srgbClr val="000000"/>
-              </a:buClr>
-              <a:buSzPct val="75000"/>
-              <a:buFont typeface="Symbol" charset="2"/>
-              <a:buChar char=""/>
-            </a:pPr>
-            <a:r>
-              <a:rPr b="0" lang="en-US" sz="2800" spc="-1" strike="noStrike">
-                <a:solidFill>
-                  <a:srgbClr val="000000"/>
-                </a:solidFill>
-                <a:uFill>
-                  <a:solidFill>
-                    <a:srgbClr val="ffffff"/>
-                  </a:solidFill>
-                </a:uFill>
-                <a:latin typeface="Arial"/>
-              </a:rPr>
-              <a:t>Prepare Github repository</a:t>
-            </a:r>
-            <a:endParaRPr b="0" lang="en-US" sz="2800" spc="-1" strike="noStrike">
-              <a:solidFill>
-                <a:srgbClr val="000000"/>
-              </a:solidFill>
-              <a:uFill>
-                <a:solidFill>
-                  <a:srgbClr val="ffffff"/>
-                </a:solidFill>
-              </a:uFill>
-              <a:latin typeface="Arial"/>
-            </a:endParaRPr>
-          </a:p>
-          <a:p>
-            <a:pPr marL="432000" indent="-324000">
+                <a:ea typeface="DejaVu Sans"/>
+              </a:rPr>
+              <a:t>This will be more of a tool that will help companies manage budget and expenses through the departments. It is organizational and fiscal solution to avoid excessive spending by the company as a whole</a:t>
+            </a:r>
+            <a:endParaRPr b="0" lang="en-US" sz="1600" spc="-1" strike="noStrike">
+              <a:solidFill>
+                <a:srgbClr val="000000"/>
+              </a:solidFill>
+              <a:uFill>
+                <a:solidFill>
+                  <a:srgbClr val="ffffff"/>
+                </a:solidFill>
+              </a:uFill>
+              <a:latin typeface="Arial"/>
+            </a:endParaRPr>
+          </a:p>
+          <a:p>
+            <a:pPr marL="432000" indent="-323640">
+              <a:lnSpc>
+                <a:spcPct val="100000"/>
+              </a:lnSpc>
               <a:buClr>
                 <a:srgbClr val="000000"/>
               </a:buClr>
@@ -3484,28 +6701,32 @@
                   </a:solidFill>
                 </a:uFill>
                 <a:latin typeface="Arial"/>
-              </a:rPr>
-              <a:t>Week 2</a:t>
-            </a:r>
-            <a:endParaRPr b="0" lang="en-US" sz="3200" spc="-1" strike="noStrike">
-              <a:solidFill>
-                <a:srgbClr val="000000"/>
-              </a:solidFill>
-              <a:uFill>
-                <a:solidFill>
-                  <a:srgbClr val="ffffff"/>
-                </a:solidFill>
-              </a:uFill>
-              <a:latin typeface="Arial"/>
-            </a:endParaRPr>
-          </a:p>
-          <a:p>
-            <a:pPr lvl="1" marL="864000" indent="-324000">
+                <a:ea typeface="DejaVu Sans"/>
+              </a:rPr>
+              <a:t>Is this reasonable?</a:t>
+            </a:r>
+            <a:endParaRPr b="0" lang="en-US" sz="1600" spc="-1" strike="noStrike">
+              <a:solidFill>
+                <a:srgbClr val="000000"/>
+              </a:solidFill>
+              <a:uFill>
+                <a:solidFill>
+                  <a:srgbClr val="ffffff"/>
+                </a:solidFill>
+              </a:uFill>
+              <a:latin typeface="Arial"/>
+            </a:endParaRPr>
+          </a:p>
+          <a:p>
+            <a:pPr lvl="1" marL="864000" indent="-323640">
+              <a:lnSpc>
+                <a:spcPct val="100000"/>
+              </a:lnSpc>
               <a:buClr>
                 <a:srgbClr val="000000"/>
               </a:buClr>
               <a:buSzPct val="75000"/>
-              <a:buFont typeface="Symbol" charset="2"/>
+              <a:buFont typeface="Symbol"/>
               <a:buChar char=""/>
             </a:pPr>
             <a:r>
@@ -3519,290 +6740,11 @@
                   </a:solidFill>
                 </a:uFill>
                 <a:latin typeface="Arial"/>
-              </a:rPr>
-              <a:t>Research and Develop. Think of things we want to implement within our Web App or Software.</a:t>
-            </a:r>
-            <a:endParaRPr b="0" lang="en-US" sz="2800" spc="-1" strike="noStrike">
-              <a:solidFill>
-                <a:srgbClr val="000000"/>
-              </a:solidFill>
-              <a:uFill>
-                <a:solidFill>
-                  <a:srgbClr val="ffffff"/>
-                </a:solidFill>
-              </a:uFill>
-              <a:latin typeface="Arial"/>
-            </a:endParaRPr>
-          </a:p>
-          <a:p>
-            <a:pPr lvl="1" marL="864000" indent="-324000">
-              <a:buClr>
-                <a:srgbClr val="000000"/>
-              </a:buClr>
-              <a:buSzPct val="75000"/>
-              <a:buFont typeface="Symbol" charset="2"/>
-              <a:buChar char=""/>
-            </a:pPr>
-            <a:r>
-              <a:rPr b="0" lang="en-US" sz="2800" spc="-1" strike="noStrike">
-                <a:solidFill>
-                  <a:srgbClr val="000000"/>
-                </a:solidFill>
-                <a:uFill>
-                  <a:solidFill>
-                    <a:srgbClr val="ffffff"/>
-                  </a:solidFill>
-                </a:uFill>
-                <a:latin typeface="Arial"/>
-              </a:rPr>
-              <a:t>Create a facilitate an Agile environment. Create a backlog with a sprint consisting of stories to tackle</a:t>
-            </a:r>
-            <a:endParaRPr b="0" lang="en-US" sz="2800" spc="-1" strike="noStrike">
-              <a:solidFill>
-                <a:srgbClr val="000000"/>
-              </a:solidFill>
-              <a:uFill>
-                <a:solidFill>
-                  <a:srgbClr val="ffffff"/>
-                </a:solidFill>
-              </a:uFill>
-              <a:latin typeface="Arial"/>
-            </a:endParaRPr>
-          </a:p>
-          <a:p>
-            <a:pPr marL="432000" indent="-324000">
-              <a:buClr>
-                <a:srgbClr val="000000"/>
-              </a:buClr>
-              <a:buSzPct val="45000"/>
-              <a:buFont typeface="Wingdings" charset="2"/>
-              <a:buChar char=""/>
-            </a:pPr>
-            <a:r>
-              <a:rPr b="0" lang="en-US" sz="3200" spc="-1" strike="noStrike">
-                <a:solidFill>
-                  <a:srgbClr val="000000"/>
-                </a:solidFill>
-                <a:uFill>
-                  <a:solidFill>
-                    <a:srgbClr val="ffffff"/>
-                  </a:solidFill>
-                </a:uFill>
-                <a:latin typeface="Arial"/>
-              </a:rPr>
-              <a:t>Week 3</a:t>
-            </a:r>
-            <a:endParaRPr b="0" lang="en-US" sz="3200" spc="-1" strike="noStrike">
-              <a:solidFill>
-                <a:srgbClr val="000000"/>
-              </a:solidFill>
-              <a:uFill>
-                <a:solidFill>
-                  <a:srgbClr val="ffffff"/>
-                </a:solidFill>
-              </a:uFill>
-              <a:latin typeface="Arial"/>
-            </a:endParaRPr>
-          </a:p>
-          <a:p>
-            <a:pPr lvl="1" marL="864000" indent="-324000">
-              <a:buClr>
-                <a:srgbClr val="000000"/>
-              </a:buClr>
-              <a:buSzPct val="75000"/>
-              <a:buFont typeface="Symbol" charset="2"/>
-              <a:buChar char=""/>
-            </a:pPr>
-            <a:r>
-              <a:rPr b="0" lang="en-US" sz="2800" spc="-1" strike="noStrike">
-                <a:solidFill>
-                  <a:srgbClr val="000000"/>
-                </a:solidFill>
-                <a:uFill>
-                  <a:solidFill>
-                    <a:srgbClr val="ffffff"/>
-                  </a:solidFill>
-                </a:uFill>
-                <a:latin typeface="Arial"/>
-              </a:rPr>
-              <a:t>Add stories and possible features and enhancements</a:t>
-            </a:r>
-            <a:endParaRPr b="0" lang="en-US" sz="2800" spc="-1" strike="noStrike">
-              <a:solidFill>
-                <a:srgbClr val="000000"/>
-              </a:solidFill>
-              <a:uFill>
-                <a:solidFill>
-                  <a:srgbClr val="ffffff"/>
-                </a:solidFill>
-              </a:uFill>
-              <a:latin typeface="Arial"/>
-            </a:endParaRPr>
-          </a:p>
-          <a:p>
-            <a:pPr lvl="1" marL="864000" indent="-324000">
-              <a:buClr>
-                <a:srgbClr val="000000"/>
-              </a:buClr>
-              <a:buSzPct val="75000"/>
-              <a:buFont typeface="Symbol" charset="2"/>
-              <a:buChar char=""/>
-            </a:pPr>
-            <a:r>
-              <a:rPr b="0" lang="en-US" sz="2800" spc="-1" strike="noStrike">
-                <a:solidFill>
-                  <a:srgbClr val="000000"/>
-                </a:solidFill>
-                <a:uFill>
-                  <a:solidFill>
-                    <a:srgbClr val="ffffff"/>
-                  </a:solidFill>
-                </a:uFill>
-                <a:latin typeface="Arial"/>
-              </a:rPr>
-              <a:t>Work</a:t>
-            </a:r>
-            <a:endParaRPr b="0" lang="en-US" sz="2800" spc="-1" strike="noStrike">
-              <a:solidFill>
-                <a:srgbClr val="000000"/>
-              </a:solidFill>
-              <a:uFill>
-                <a:solidFill>
-                  <a:srgbClr val="ffffff"/>
-                </a:solidFill>
-              </a:uFill>
-              <a:latin typeface="Arial"/>
-            </a:endParaRPr>
-          </a:p>
-          <a:p>
-            <a:pPr marL="432000" indent="-324000">
-              <a:buClr>
-                <a:srgbClr val="000000"/>
-              </a:buClr>
-              <a:buSzPct val="45000"/>
-              <a:buFont typeface="Wingdings" charset="2"/>
-              <a:buChar char=""/>
-            </a:pPr>
-            <a:r>
-              <a:rPr b="0" lang="en-US" sz="3200" spc="-1" strike="noStrike">
-                <a:solidFill>
-                  <a:srgbClr val="000000"/>
-                </a:solidFill>
-                <a:uFill>
-                  <a:solidFill>
-                    <a:srgbClr val="ffffff"/>
-                  </a:solidFill>
-                </a:uFill>
-                <a:latin typeface="Arial"/>
-              </a:rPr>
-              <a:t>Week 4 – Last Week</a:t>
-            </a:r>
-            <a:endParaRPr b="0" lang="en-US" sz="3200" spc="-1" strike="noStrike">
-              <a:solidFill>
-                <a:srgbClr val="000000"/>
-              </a:solidFill>
-              <a:uFill>
-                <a:solidFill>
-                  <a:srgbClr val="ffffff"/>
-                </a:solidFill>
-              </a:uFill>
-              <a:latin typeface="Arial"/>
-            </a:endParaRPr>
-          </a:p>
-          <a:p>
-            <a:pPr lvl="1" marL="864000" indent="-324000">
-              <a:buClr>
-                <a:srgbClr val="000000"/>
-              </a:buClr>
-              <a:buSzPct val="75000"/>
-              <a:buFont typeface="Symbol" charset="2"/>
-              <a:buChar char=""/>
-            </a:pPr>
-            <a:r>
-              <a:rPr b="0" lang="en-US" sz="2800" spc="-1" strike="noStrike">
-                <a:solidFill>
-                  <a:srgbClr val="000000"/>
-                </a:solidFill>
-                <a:uFill>
-                  <a:solidFill>
-                    <a:srgbClr val="ffffff"/>
-                  </a:solidFill>
-                </a:uFill>
-                <a:latin typeface="Arial"/>
-              </a:rPr>
-              <a:t>Work on the project. Unit testing and integration testing. Merging our work together. </a:t>
-            </a:r>
-            <a:endParaRPr b="0" lang="en-US" sz="2800" spc="-1" strike="noStrike">
-              <a:solidFill>
-                <a:srgbClr val="000000"/>
-              </a:solidFill>
-              <a:uFill>
-                <a:solidFill>
-                  <a:srgbClr val="ffffff"/>
-                </a:solidFill>
-              </a:uFill>
-              <a:latin typeface="Arial"/>
-            </a:endParaRPr>
-          </a:p>
-          <a:p>
-            <a:pPr lvl="1" marL="864000" indent="-324000">
-              <a:buClr>
-                <a:srgbClr val="000000"/>
-              </a:buClr>
-              <a:buSzPct val="75000"/>
-              <a:buFont typeface="Symbol" charset="2"/>
-              <a:buChar char=""/>
-            </a:pPr>
-            <a:r>
-              <a:rPr b="0" lang="en-US" sz="2800" spc="-1" strike="noStrike">
-                <a:solidFill>
-                  <a:srgbClr val="000000"/>
-                </a:solidFill>
-                <a:uFill>
-                  <a:solidFill>
-                    <a:srgbClr val="ffffff"/>
-                  </a:solidFill>
-                </a:uFill>
-                <a:latin typeface="Arial"/>
-              </a:rPr>
-              <a:t>Updating our githubs (constantly). Always commit. </a:t>
-            </a:r>
-            <a:endParaRPr b="0" lang="en-US" sz="2800" spc="-1" strike="noStrike">
-              <a:solidFill>
-                <a:srgbClr val="000000"/>
-              </a:solidFill>
-              <a:uFill>
-                <a:solidFill>
-                  <a:srgbClr val="ffffff"/>
-                </a:solidFill>
-              </a:uFill>
-              <a:latin typeface="Arial"/>
-            </a:endParaRPr>
-          </a:p>
-          <a:p>
-            <a:pPr lvl="1" marL="864000" indent="-324000">
-              <a:buClr>
-                <a:srgbClr val="000000"/>
-              </a:buClr>
-              <a:buSzPct val="75000"/>
-              <a:buFont typeface="Symbol" charset="2"/>
-              <a:buChar char=""/>
-            </a:pPr>
-            <a:r>
-              <a:rPr b="0" lang="en-US" sz="2800" spc="-1" strike="noStrike">
-                <a:solidFill>
-                  <a:srgbClr val="000000"/>
-                </a:solidFill>
-                <a:uFill>
-                  <a:solidFill>
-                    <a:srgbClr val="ffffff"/>
-                  </a:solidFill>
-                </a:uFill>
-                <a:latin typeface="Arial"/>
-              </a:rPr>
-              <a:t>Testing and validating and improving where need be.</a:t>
-            </a:r>
-            <a:endParaRPr b="0" lang="en-US" sz="2800" spc="-1" strike="noStrike">
+                <a:ea typeface="DejaVu Sans"/>
+              </a:rPr>
+              <a:t>This is a very common problem in the workplace where departments will waste money on things that other departments have already purchased. Our goal is to create a product that will avoid that. I believe it to be very reasonable because of this reason alone.</a:t>
+            </a:r>
+            <a:endParaRPr b="0" lang="en-US" sz="1600" spc="-1" strike="noStrike">
               <a:solidFill>
                 <a:srgbClr val="000000"/>
               </a:solidFill>
@@ -3825,6 +6767,653 @@
           <p:childTnLst>
             <p:seq>
               <p:cTn id="14" nodeType="mainSeq"/>
+              <p:prevCondLst>
+                <p:cond delay="0" evt="onPrev">
+                  <p:tgtEl>
+                    <p:sldTgt/>
+                  </p:tgtEl>
+                </p:cond>
+              </p:prevCondLst>
+              <p:nextCondLst>
+                <p:cond delay="0" evt="onNext">
+                  <p:tgtEl>
+                    <p:sldTgt/>
+                  </p:tgtEl>
+                </p:cond>
+              </p:nextCondLst>
+            </p:seq>
+          </p:childTnLst>
+        </p:cTn>
+      </p:par>
+    </p:tnLst>
+  </p:timing>
+</p:sld>
+</file>
+
+<file path=ppt/slides/slide8.xml><?xml version="1.0" encoding="utf-8"?>
+<p:sld xmlns:a="http://schemas.openxmlformats.org/drawingml/2006/main" xmlns:p="http://schemas.openxmlformats.org/presentationml/2006/main" xmlns:r="http://schemas.openxmlformats.org/officeDocument/2006/relationships" xmlns:p14="http://schemas.microsoft.com/office/powerpoint/2010/main" xmlns:p15="http://schemas.microsoft.com/office/powerpoint/2012/main" xmlns:mc="http://schemas.openxmlformats.org/markup-compatibility/2006">
+  <p:cSld>
+    <p:spTree>
+      <p:nvGrpSpPr>
+        <p:cNvPr id="1" name=""/>
+        <p:cNvGrpSpPr/>
+        <p:nvPr/>
+      </p:nvGrpSpPr>
+      <p:grpSpPr>
+        <a:xfrm>
+          <a:off x="0" y="0"/>
+          <a:ext cx="0" cy="0"/>
+          <a:chOff x="0" y="0"/>
+          <a:chExt cx="0" cy="0"/>
+        </a:xfrm>
+      </p:grpSpPr>
+      <p:sp>
+        <p:nvSpPr>
+          <p:cNvPr id="89" name="CustomShape 1"/>
+          <p:cNvSpPr/>
+          <p:nvPr/>
+        </p:nvSpPr>
+        <p:spPr>
+          <a:xfrm>
+            <a:off x="365760" y="1285200"/>
+            <a:ext cx="9071280" cy="4384080"/>
+          </a:xfrm>
+          <a:prstGeom prst="rect">
+            <a:avLst/>
+          </a:prstGeom>
+          <a:noFill/>
+          <a:ln>
+            <a:noFill/>
+          </a:ln>
+        </p:spPr>
+        <p:style>
+          <a:lnRef idx="0"/>
+          <a:fillRef idx="0"/>
+          <a:effectRef idx="0"/>
+          <a:fontRef idx="minor"/>
+        </p:style>
+        <p:txBody>
+          <a:bodyPr lIns="0" rIns="0" tIns="0" bIns="0"/>
+          <a:p>
+            <a:pPr marL="432000" indent="-323640">
+              <a:lnSpc>
+                <a:spcPct val="100000"/>
+              </a:lnSpc>
+              <a:buClr>
+                <a:srgbClr val="000000"/>
+              </a:buClr>
+              <a:buSzPct val="45000"/>
+              <a:buFont typeface="Wingdings" charset="2"/>
+              <a:buChar char=""/>
+            </a:pPr>
+            <a:r>
+              <a:rPr b="0" lang="en-US" sz="2600" spc="-1" strike="noStrike">
+                <a:solidFill>
+                  <a:srgbClr val="000000"/>
+                </a:solidFill>
+                <a:uFill>
+                  <a:solidFill>
+                    <a:srgbClr val="ffffff"/>
+                  </a:solidFill>
+                </a:uFill>
+                <a:latin typeface="Arial"/>
+                <a:ea typeface="DejaVu Sans"/>
+              </a:rPr>
+              <a:t>Week 1</a:t>
+            </a:r>
+            <a:endParaRPr b="0" lang="en-US" sz="1600" spc="-1" strike="noStrike">
+              <a:solidFill>
+                <a:srgbClr val="000000"/>
+              </a:solidFill>
+              <a:uFill>
+                <a:solidFill>
+                  <a:srgbClr val="ffffff"/>
+                </a:solidFill>
+              </a:uFill>
+              <a:latin typeface="Arial"/>
+            </a:endParaRPr>
+          </a:p>
+          <a:p>
+            <a:pPr lvl="1" marL="864000" indent="-323640">
+              <a:lnSpc>
+                <a:spcPct val="100000"/>
+              </a:lnSpc>
+              <a:buClr>
+                <a:srgbClr val="000000"/>
+              </a:buClr>
+              <a:buSzPct val="75000"/>
+              <a:buFont typeface="Symbol"/>
+              <a:buChar char=""/>
+            </a:pPr>
+            <a:r>
+              <a:rPr b="0" lang="en-US" sz="2400" spc="-1" strike="noStrike">
+                <a:solidFill>
+                  <a:srgbClr val="000000"/>
+                </a:solidFill>
+                <a:uFill>
+                  <a:solidFill>
+                    <a:srgbClr val="ffffff"/>
+                  </a:solidFill>
+                </a:uFill>
+                <a:latin typeface="Arial"/>
+                <a:ea typeface="DejaVu Sans"/>
+              </a:rPr>
+              <a:t>Organize, develop a plan, and converse with the group</a:t>
+            </a:r>
+            <a:endParaRPr b="0" lang="en-US" sz="1600" spc="-1" strike="noStrike">
+              <a:solidFill>
+                <a:srgbClr val="000000"/>
+              </a:solidFill>
+              <a:uFill>
+                <a:solidFill>
+                  <a:srgbClr val="ffffff"/>
+                </a:solidFill>
+              </a:uFill>
+              <a:latin typeface="Arial"/>
+            </a:endParaRPr>
+          </a:p>
+          <a:p>
+            <a:pPr lvl="1" marL="864000" indent="-323640">
+              <a:lnSpc>
+                <a:spcPct val="100000"/>
+              </a:lnSpc>
+              <a:buClr>
+                <a:srgbClr val="000000"/>
+              </a:buClr>
+              <a:buSzPct val="75000"/>
+              <a:buFont typeface="Symbol"/>
+              <a:buChar char=""/>
+            </a:pPr>
+            <a:r>
+              <a:rPr b="0" lang="en-US" sz="2400" spc="-1" strike="noStrike">
+                <a:solidFill>
+                  <a:srgbClr val="000000"/>
+                </a:solidFill>
+                <a:uFill>
+                  <a:solidFill>
+                    <a:srgbClr val="ffffff"/>
+                  </a:solidFill>
+                </a:uFill>
+                <a:latin typeface="Arial"/>
+                <a:ea typeface="DejaVu Sans"/>
+              </a:rPr>
+              <a:t>Prepare Github repository</a:t>
+            </a:r>
+            <a:endParaRPr b="0" lang="en-US" sz="1600" spc="-1" strike="noStrike">
+              <a:solidFill>
+                <a:srgbClr val="000000"/>
+              </a:solidFill>
+              <a:uFill>
+                <a:solidFill>
+                  <a:srgbClr val="ffffff"/>
+                </a:solidFill>
+              </a:uFill>
+              <a:latin typeface="Arial"/>
+            </a:endParaRPr>
+          </a:p>
+          <a:p>
+            <a:pPr marL="432000" indent="-323640">
+              <a:lnSpc>
+                <a:spcPct val="100000"/>
+              </a:lnSpc>
+              <a:buClr>
+                <a:srgbClr val="000000"/>
+              </a:buClr>
+              <a:buSzPct val="45000"/>
+              <a:buFont typeface="Wingdings" charset="2"/>
+              <a:buChar char=""/>
+            </a:pPr>
+            <a:r>
+              <a:rPr b="0" lang="en-US" sz="2600" spc="-1" strike="noStrike">
+                <a:solidFill>
+                  <a:srgbClr val="000000"/>
+                </a:solidFill>
+                <a:uFill>
+                  <a:solidFill>
+                    <a:srgbClr val="ffffff"/>
+                  </a:solidFill>
+                </a:uFill>
+                <a:latin typeface="Arial"/>
+                <a:ea typeface="DejaVu Sans"/>
+              </a:rPr>
+              <a:t>Week 2</a:t>
+            </a:r>
+            <a:endParaRPr b="0" lang="en-US" sz="1600" spc="-1" strike="noStrike">
+              <a:solidFill>
+                <a:srgbClr val="000000"/>
+              </a:solidFill>
+              <a:uFill>
+                <a:solidFill>
+                  <a:srgbClr val="ffffff"/>
+                </a:solidFill>
+              </a:uFill>
+              <a:latin typeface="Arial"/>
+            </a:endParaRPr>
+          </a:p>
+          <a:p>
+            <a:pPr lvl="1" marL="864000" indent="-323640">
+              <a:lnSpc>
+                <a:spcPct val="100000"/>
+              </a:lnSpc>
+              <a:buClr>
+                <a:srgbClr val="000000"/>
+              </a:buClr>
+              <a:buSzPct val="75000"/>
+              <a:buFont typeface="Symbol"/>
+              <a:buChar char=""/>
+            </a:pPr>
+            <a:r>
+              <a:rPr b="0" lang="en-US" sz="2400" spc="-1" strike="noStrike">
+                <a:solidFill>
+                  <a:srgbClr val="000000"/>
+                </a:solidFill>
+                <a:uFill>
+                  <a:solidFill>
+                    <a:srgbClr val="ffffff"/>
+                  </a:solidFill>
+                </a:uFill>
+                <a:latin typeface="Arial"/>
+                <a:ea typeface="DejaVu Sans"/>
+              </a:rPr>
+              <a:t>Research and Develop. Think of things we want to implement within our Web App or Software.</a:t>
+            </a:r>
+            <a:endParaRPr b="0" lang="en-US" sz="1600" spc="-1" strike="noStrike">
+              <a:solidFill>
+                <a:srgbClr val="000000"/>
+              </a:solidFill>
+              <a:uFill>
+                <a:solidFill>
+                  <a:srgbClr val="ffffff"/>
+                </a:solidFill>
+              </a:uFill>
+              <a:latin typeface="Arial"/>
+            </a:endParaRPr>
+          </a:p>
+          <a:p>
+            <a:pPr lvl="1" marL="864000" indent="-323640">
+              <a:lnSpc>
+                <a:spcPct val="100000"/>
+              </a:lnSpc>
+              <a:buClr>
+                <a:srgbClr val="000000"/>
+              </a:buClr>
+              <a:buSzPct val="75000"/>
+              <a:buFont typeface="Symbol"/>
+              <a:buChar char=""/>
+            </a:pPr>
+            <a:r>
+              <a:rPr b="0" lang="en-US" sz="2400" spc="-1" strike="noStrike">
+                <a:solidFill>
+                  <a:srgbClr val="000000"/>
+                </a:solidFill>
+                <a:uFill>
+                  <a:solidFill>
+                    <a:srgbClr val="ffffff"/>
+                  </a:solidFill>
+                </a:uFill>
+                <a:latin typeface="Arial"/>
+                <a:ea typeface="DejaVu Sans"/>
+              </a:rPr>
+              <a:t>Create a facilitate an Agile environment. Create a backlog with a sprint consisting of stories to tackle</a:t>
+            </a:r>
+            <a:endParaRPr b="0" lang="en-US" sz="1600" spc="-1" strike="noStrike">
+              <a:solidFill>
+                <a:srgbClr val="000000"/>
+              </a:solidFill>
+              <a:uFill>
+                <a:solidFill>
+                  <a:srgbClr val="ffffff"/>
+                </a:solidFill>
+              </a:uFill>
+              <a:latin typeface="Arial"/>
+            </a:endParaRPr>
+          </a:p>
+          <a:p>
+            <a:pPr marL="432000" indent="-323640">
+              <a:lnSpc>
+                <a:spcPct val="100000"/>
+              </a:lnSpc>
+              <a:buClr>
+                <a:srgbClr val="000000"/>
+              </a:buClr>
+              <a:buSzPct val="45000"/>
+              <a:buFont typeface="Wingdings" charset="2"/>
+              <a:buChar char=""/>
+            </a:pPr>
+            <a:r>
+              <a:rPr b="0" lang="en-US" sz="2600" spc="-1" strike="noStrike">
+                <a:solidFill>
+                  <a:srgbClr val="000000"/>
+                </a:solidFill>
+                <a:uFill>
+                  <a:solidFill>
+                    <a:srgbClr val="ffffff"/>
+                  </a:solidFill>
+                </a:uFill>
+                <a:latin typeface="Arial"/>
+                <a:ea typeface="DejaVu Sans"/>
+              </a:rPr>
+              <a:t>Week 3</a:t>
+            </a:r>
+            <a:endParaRPr b="0" lang="en-US" sz="1600" spc="-1" strike="noStrike">
+              <a:solidFill>
+                <a:srgbClr val="000000"/>
+              </a:solidFill>
+              <a:uFill>
+                <a:solidFill>
+                  <a:srgbClr val="ffffff"/>
+                </a:solidFill>
+              </a:uFill>
+              <a:latin typeface="Arial"/>
+            </a:endParaRPr>
+          </a:p>
+          <a:p>
+            <a:pPr lvl="1" marL="864000" indent="-323640">
+              <a:lnSpc>
+                <a:spcPct val="100000"/>
+              </a:lnSpc>
+              <a:buClr>
+                <a:srgbClr val="000000"/>
+              </a:buClr>
+              <a:buSzPct val="75000"/>
+              <a:buFont typeface="Symbol"/>
+              <a:buChar char=""/>
+            </a:pPr>
+            <a:r>
+              <a:rPr b="0" lang="en-US" sz="2400" spc="-1" strike="noStrike">
+                <a:solidFill>
+                  <a:srgbClr val="000000"/>
+                </a:solidFill>
+                <a:uFill>
+                  <a:solidFill>
+                    <a:srgbClr val="ffffff"/>
+                  </a:solidFill>
+                </a:uFill>
+                <a:latin typeface="Arial"/>
+                <a:ea typeface="DejaVu Sans"/>
+              </a:rPr>
+              <a:t>Add stories and possible features and enhancements</a:t>
+            </a:r>
+            <a:endParaRPr b="0" lang="en-US" sz="1600" spc="-1" strike="noStrike">
+              <a:solidFill>
+                <a:srgbClr val="000000"/>
+              </a:solidFill>
+              <a:uFill>
+                <a:solidFill>
+                  <a:srgbClr val="ffffff"/>
+                </a:solidFill>
+              </a:uFill>
+              <a:latin typeface="Arial"/>
+            </a:endParaRPr>
+          </a:p>
+          <a:p>
+            <a:pPr lvl="1" marL="864000" indent="-323640">
+              <a:lnSpc>
+                <a:spcPct val="100000"/>
+              </a:lnSpc>
+              <a:buClr>
+                <a:srgbClr val="000000"/>
+              </a:buClr>
+              <a:buSzPct val="75000"/>
+              <a:buFont typeface="Symbol"/>
+              <a:buChar char=""/>
+            </a:pPr>
+            <a:r>
+              <a:rPr b="0" lang="en-US" sz="2400" spc="-1" strike="noStrike">
+                <a:solidFill>
+                  <a:srgbClr val="000000"/>
+                </a:solidFill>
+                <a:uFill>
+                  <a:solidFill>
+                    <a:srgbClr val="ffffff"/>
+                  </a:solidFill>
+                </a:uFill>
+                <a:latin typeface="Arial"/>
+                <a:ea typeface="DejaVu Sans"/>
+              </a:rPr>
+              <a:t>Work</a:t>
+            </a:r>
+            <a:endParaRPr b="0" lang="en-US" sz="1600" spc="-1" strike="noStrike">
+              <a:solidFill>
+                <a:srgbClr val="000000"/>
+              </a:solidFill>
+              <a:uFill>
+                <a:solidFill>
+                  <a:srgbClr val="ffffff"/>
+                </a:solidFill>
+              </a:uFill>
+              <a:latin typeface="Arial"/>
+            </a:endParaRPr>
+          </a:p>
+          <a:p>
+            <a:pPr marL="432000" indent="-323640">
+              <a:lnSpc>
+                <a:spcPct val="100000"/>
+              </a:lnSpc>
+              <a:buClr>
+                <a:srgbClr val="000000"/>
+              </a:buClr>
+              <a:buSzPct val="45000"/>
+              <a:buFont typeface="Wingdings" charset="2"/>
+              <a:buChar char=""/>
+            </a:pPr>
+            <a:r>
+              <a:rPr b="0" lang="en-US" sz="2600" spc="-1" strike="noStrike">
+                <a:solidFill>
+                  <a:srgbClr val="000000"/>
+                </a:solidFill>
+                <a:uFill>
+                  <a:solidFill>
+                    <a:srgbClr val="ffffff"/>
+                  </a:solidFill>
+                </a:uFill>
+                <a:latin typeface="Arial"/>
+                <a:ea typeface="DejaVu Sans"/>
+              </a:rPr>
+              <a:t>Week 4 – Last Week</a:t>
+            </a:r>
+            <a:endParaRPr b="0" lang="en-US" sz="1600" spc="-1" strike="noStrike">
+              <a:solidFill>
+                <a:srgbClr val="000000"/>
+              </a:solidFill>
+              <a:uFill>
+                <a:solidFill>
+                  <a:srgbClr val="ffffff"/>
+                </a:solidFill>
+              </a:uFill>
+              <a:latin typeface="Arial"/>
+            </a:endParaRPr>
+          </a:p>
+          <a:p>
+            <a:pPr lvl="1" marL="864000" indent="-323640">
+              <a:lnSpc>
+                <a:spcPct val="100000"/>
+              </a:lnSpc>
+              <a:buClr>
+                <a:srgbClr val="000000"/>
+              </a:buClr>
+              <a:buSzPct val="75000"/>
+              <a:buFont typeface="Symbol"/>
+              <a:buChar char=""/>
+            </a:pPr>
+            <a:r>
+              <a:rPr b="0" lang="en-US" sz="2400" spc="-1" strike="noStrike">
+                <a:solidFill>
+                  <a:srgbClr val="000000"/>
+                </a:solidFill>
+                <a:uFill>
+                  <a:solidFill>
+                    <a:srgbClr val="ffffff"/>
+                  </a:solidFill>
+                </a:uFill>
+                <a:latin typeface="Arial"/>
+                <a:ea typeface="DejaVu Sans"/>
+              </a:rPr>
+              <a:t>Work on the project. Unit testing and integration testing. Merging our work together. </a:t>
+            </a:r>
+            <a:endParaRPr b="0" lang="en-US" sz="1600" spc="-1" strike="noStrike">
+              <a:solidFill>
+                <a:srgbClr val="000000"/>
+              </a:solidFill>
+              <a:uFill>
+                <a:solidFill>
+                  <a:srgbClr val="ffffff"/>
+                </a:solidFill>
+              </a:uFill>
+              <a:latin typeface="Arial"/>
+            </a:endParaRPr>
+          </a:p>
+          <a:p>
+            <a:pPr lvl="1" marL="864000" indent="-323640">
+              <a:lnSpc>
+                <a:spcPct val="100000"/>
+              </a:lnSpc>
+              <a:buClr>
+                <a:srgbClr val="000000"/>
+              </a:buClr>
+              <a:buSzPct val="75000"/>
+              <a:buFont typeface="Symbol"/>
+              <a:buChar char=""/>
+            </a:pPr>
+            <a:r>
+              <a:rPr b="0" lang="en-US" sz="2400" spc="-1" strike="noStrike">
+                <a:solidFill>
+                  <a:srgbClr val="000000"/>
+                </a:solidFill>
+                <a:uFill>
+                  <a:solidFill>
+                    <a:srgbClr val="ffffff"/>
+                  </a:solidFill>
+                </a:uFill>
+                <a:latin typeface="Arial"/>
+                <a:ea typeface="DejaVu Sans"/>
+              </a:rPr>
+              <a:t>Updating our githubs (constantly). Validate and commit. </a:t>
+            </a:r>
+            <a:endParaRPr b="0" lang="en-US" sz="1600" spc="-1" strike="noStrike">
+              <a:solidFill>
+                <a:srgbClr val="000000"/>
+              </a:solidFill>
+              <a:uFill>
+                <a:solidFill>
+                  <a:srgbClr val="ffffff"/>
+                </a:solidFill>
+              </a:uFill>
+              <a:latin typeface="Arial"/>
+            </a:endParaRPr>
+          </a:p>
+          <a:p>
+            <a:pPr lvl="1" marL="864000" indent="-323640">
+              <a:lnSpc>
+                <a:spcPct val="100000"/>
+              </a:lnSpc>
+              <a:buClr>
+                <a:srgbClr val="000000"/>
+              </a:buClr>
+              <a:buSzPct val="75000"/>
+              <a:buFont typeface="Symbol"/>
+              <a:buChar char=""/>
+            </a:pPr>
+            <a:r>
+              <a:rPr b="0" lang="en-US" sz="2400" spc="-1" strike="noStrike">
+                <a:solidFill>
+                  <a:srgbClr val="000000"/>
+                </a:solidFill>
+                <a:uFill>
+                  <a:solidFill>
+                    <a:srgbClr val="ffffff"/>
+                  </a:solidFill>
+                </a:uFill>
+                <a:latin typeface="Arial"/>
+                <a:ea typeface="DejaVu Sans"/>
+              </a:rPr>
+              <a:t>Testing and validating and improving where need be.</a:t>
+            </a:r>
+            <a:endParaRPr b="0" lang="en-US" sz="1600" spc="-1" strike="noStrike">
+              <a:solidFill>
+                <a:srgbClr val="000000"/>
+              </a:solidFill>
+              <a:uFill>
+                <a:solidFill>
+                  <a:srgbClr val="ffffff"/>
+                </a:solidFill>
+              </a:uFill>
+              <a:latin typeface="Arial"/>
+            </a:endParaRPr>
+          </a:p>
+        </p:txBody>
+      </p:sp>
+      <p:sp>
+        <p:nvSpPr>
+          <p:cNvPr id="90" name="CustomShape 2"/>
+          <p:cNvSpPr/>
+          <p:nvPr/>
+        </p:nvSpPr>
+        <p:spPr>
+          <a:xfrm>
+            <a:off x="504000" y="301320"/>
+            <a:ext cx="9071280" cy="1261800"/>
+          </a:xfrm>
+          <a:prstGeom prst="rect">
+            <a:avLst/>
+          </a:prstGeom>
+          <a:noFill/>
+          <a:ln>
+            <a:noFill/>
+          </a:ln>
+        </p:spPr>
+        <p:style>
+          <a:lnRef idx="0"/>
+          <a:fillRef idx="0"/>
+          <a:effectRef idx="0"/>
+          <a:fontRef idx="minor"/>
+        </p:style>
+        <p:txBody>
+          <a:bodyPr lIns="0" rIns="0" tIns="0" bIns="0" anchor="ctr"/>
+          <a:p>
+            <a:pPr algn="ctr">
+              <a:lnSpc>
+                <a:spcPct val="100000"/>
+              </a:lnSpc>
+            </a:pPr>
+            <a:r>
+              <a:rPr b="0" lang="en-US" sz="4400" spc="-1" strike="noStrike">
+                <a:solidFill>
+                  <a:srgbClr val="000000"/>
+                </a:solidFill>
+                <a:uFill>
+                  <a:solidFill>
+                    <a:srgbClr val="ffffff"/>
+                  </a:solidFill>
+                </a:uFill>
+                <a:latin typeface="Arial"/>
+                <a:ea typeface="DejaVu Sans"/>
+              </a:rPr>
+              <a:t>Time-line</a:t>
+            </a:r>
+            <a:endParaRPr b="0" lang="en-US" sz="1600" spc="-1" strike="noStrike">
+              <a:solidFill>
+                <a:srgbClr val="000000"/>
+              </a:solidFill>
+              <a:uFill>
+                <a:solidFill>
+                  <a:srgbClr val="ffffff"/>
+                </a:solidFill>
+              </a:uFill>
+              <a:latin typeface="Arial"/>
+            </a:endParaRPr>
+          </a:p>
+        </p:txBody>
+      </p:sp>
+    </p:spTree>
+  </p:cSld>
+  <p:timing>
+    <p:tnLst>
+      <p:par>
+        <p:cTn id="15" dur="indefinite" restart="never" nodeType="tmRoot">
+          <p:childTnLst>
+            <p:seq>
+              <p:cTn id="16" nodeType="mainSeq"/>
               <p:prevCondLst>
                 <p:cond delay="0" evt="onPrev">
                   <p:tgtEl>
@@ -4069,4 +7658,227 @@
     </a:fmtScheme>
   </a:themeElements>
 </a:theme>
+</file>
+
+<file path=ppt/theme/theme2.xml><?xml version="1.0" encoding="utf-8"?>
+<a:theme xmlns:a="http://schemas.openxmlformats.org/drawingml/2006/main" name="Office Theme">
+  <a:themeElements>
+    <a:clrScheme name="Office">
+      <a:dk1>
+        <a:sysClr val="windowText" lastClr="000000"/>
+      </a:dk1>
+      <a:lt1>
+        <a:sysClr val="window" lastClr="FFFFFF"/>
+      </a:lt1>
+      <a:dk2>
+        <a:srgbClr val="1F497D"/>
+      </a:dk2>
+      <a:lt2>
+        <a:srgbClr val="EEECE1"/>
+      </a:lt2>
+      <a:accent1>
+        <a:srgbClr val="4F81BD"/>
+      </a:accent1>
+      <a:accent2>
+        <a:srgbClr val="C0504D"/>
+      </a:accent2>
+      <a:accent3>
+        <a:srgbClr val="9BBB59"/>
+      </a:accent3>
+      <a:accent4>
+        <a:srgbClr val="8064A2"/>
+      </a:accent4>
+      <a:accent5>
+        <a:srgbClr val="4BACC6"/>
+      </a:accent5>
+      <a:accent6>
+        <a:srgbClr val="F79646"/>
+      </a:accent6>
+      <a:hlink>
+        <a:srgbClr val="0000FF"/>
+      </a:hlink>
+      <a:folHlink>
+        <a:srgbClr val="800080"/>
+      </a:folHlink>
+    </a:clrScheme>
+    <a:fontScheme name="Office">
+      <a:majorFont>
+        <a:latin typeface="Arial"/>
+        <a:ea typeface="DejaVu Sans"/>
+        <a:cs typeface="DejaVu Sans"/>
+      </a:majorFont>
+      <a:minorFont>
+        <a:latin typeface="Arial"/>
+        <a:ea typeface="DejaVu Sans"/>
+        <a:cs typeface="DejaVu Sans"/>
+      </a:minorFont>
+    </a:fontScheme>
+    <a:fmtScheme name="Office">
+      <a:fillStyleLst>
+        <a:solidFill>
+          <a:schemeClr val="phClr"/>
+        </a:solidFill>
+        <a:gradFill rotWithShape="1">
+          <a:gsLst>
+            <a:gs pos="0">
+              <a:schemeClr val="phClr">
+                <a:tint val="50000"/>
+                <a:satMod val="300000"/>
+              </a:schemeClr>
+            </a:gs>
+            <a:gs pos="35000">
+              <a:schemeClr val="phClr">
+                <a:tint val="37000"/>
+                <a:satMod val="300000"/>
+              </a:schemeClr>
+            </a:gs>
+            <a:gs pos="100000">
+              <a:schemeClr val="phClr">
+                <a:tint val="15000"/>
+                <a:satMod val="350000"/>
+              </a:schemeClr>
+            </a:gs>
+          </a:gsLst>
+          <a:lin ang="16200000" scaled="1"/>
+        </a:gradFill>
+        <a:gradFill rotWithShape="1">
+          <a:gsLst>
+            <a:gs pos="0">
+              <a:schemeClr val="phClr">
+                <a:shade val="51000"/>
+                <a:satMod val="130000"/>
+              </a:schemeClr>
+            </a:gs>
+            <a:gs pos="80000">
+              <a:schemeClr val="phClr">
+                <a:shade val="93000"/>
+                <a:satMod val="130000"/>
+              </a:schemeClr>
+            </a:gs>
+            <a:gs pos="100000">
+              <a:schemeClr val="phClr">
+                <a:shade val="94000"/>
+                <a:satMod val="135000"/>
+              </a:schemeClr>
+            </a:gs>
+          </a:gsLst>
+          <a:lin ang="16200000" scaled="0"/>
+        </a:gradFill>
+      </a:fillStyleLst>
+      <a:lnStyleLst>
+        <a:ln w="9525" cap="flat" cmpd="sng" algn="ctr">
+          <a:solidFill>
+            <a:schemeClr val="phClr">
+              <a:shade val="95000"/>
+              <a:satMod val="105000"/>
+            </a:schemeClr>
+          </a:solidFill>
+          <a:prstDash val="solid"/>
+        </a:ln>
+        <a:ln w="25400" cap="flat" cmpd="sng" algn="ctr">
+          <a:solidFill>
+            <a:schemeClr val="phClr"/>
+          </a:solidFill>
+          <a:prstDash val="solid"/>
+        </a:ln>
+        <a:ln w="38100" cap="flat" cmpd="sng" algn="ctr">
+          <a:solidFill>
+            <a:schemeClr val="phClr"/>
+          </a:solidFill>
+          <a:prstDash val="solid"/>
+        </a:ln>
+      </a:lnStyleLst>
+      <a:effectStyleLst>
+        <a:effectStyle>
+          <a:effectLst>
+            <a:outerShdw blurRad="40000" dist="20000" dir="5400000" rotWithShape="0">
+              <a:srgbClr val="000000">
+                <a:alpha val="38000"/>
+              </a:srgbClr>
+            </a:outerShdw>
+          </a:effectLst>
+        </a:effectStyle>
+        <a:effectStyle>
+          <a:effectLst>
+            <a:outerShdw blurRad="40000" dist="23000" dir="5400000" rotWithShape="0">
+              <a:srgbClr val="000000">
+                <a:alpha val="35000"/>
+              </a:srgbClr>
+            </a:outerShdw>
+          </a:effectLst>
+        </a:effectStyle>
+        <a:effectStyle>
+          <a:effectLst>
+            <a:outerShdw blurRad="40000" dist="23000" dir="5400000" rotWithShape="0">
+              <a:srgbClr val="000000">
+                <a:alpha val="35000"/>
+              </a:srgbClr>
+            </a:outerShdw>
+          </a:effectLst>
+          <a:scene3d>
+            <a:camera prst="orthographicFront">
+              <a:rot lat="0" lon="0" rev="0"/>
+            </a:camera>
+            <a:lightRig rig="threePt" dir="t">
+              <a:rot lat="0" lon="0" rev="1200000"/>
+            </a:lightRig>
+          </a:scene3d>
+          <a:sp3d>
+            <a:bevelT w="63500" h="25400"/>
+          </a:sp3d>
+        </a:effectStyle>
+      </a:effectStyleLst>
+      <a:bgFillStyleLst>
+        <a:solidFill>
+          <a:schemeClr val="phClr"/>
+        </a:solidFill>
+        <a:gradFill rotWithShape="1">
+          <a:gsLst>
+            <a:gs pos="0">
+              <a:schemeClr val="phClr">
+                <a:tint val="40000"/>
+                <a:satMod val="350000"/>
+              </a:schemeClr>
+            </a:gs>
+            <a:gs pos="40000">
+              <a:schemeClr val="phClr">
+                <a:tint val="45000"/>
+                <a:shade val="99000"/>
+                <a:satMod val="350000"/>
+              </a:schemeClr>
+            </a:gs>
+            <a:gs pos="100000">
+              <a:schemeClr val="phClr">
+                <a:shade val="20000"/>
+                <a:satMod val="255000"/>
+              </a:schemeClr>
+            </a:gs>
+          </a:gsLst>
+          <a:path path="circle">
+            <a:fillToRect l="50000" t="-80000" r="50000" b="180000"/>
+          </a:path>
+        </a:gradFill>
+        <a:gradFill rotWithShape="1">
+          <a:gsLst>
+            <a:gs pos="0">
+              <a:schemeClr val="phClr">
+                <a:tint val="80000"/>
+                <a:satMod val="300000"/>
+              </a:schemeClr>
+            </a:gs>
+            <a:gs pos="100000">
+              <a:schemeClr val="phClr">
+                <a:shade val="30000"/>
+                <a:satMod val="200000"/>
+              </a:schemeClr>
+            </a:gs>
+          </a:gsLst>
+          <a:path path="circle">
+            <a:fillToRect l="50000" t="50000" r="50000" b="50000"/>
+          </a:path>
+        </a:gradFill>
+      </a:bgFillStyleLst>
+    </a:fmtScheme>
+  </a:themeElements>
+</a:theme>
 </file>
--- a/Project_Proposal.pptx
+++ b/Project_Proposal.pptx
@@ -72,7 +72,7 @@
         <p:spPr>
           <a:xfrm>
             <a:off x="504000" y="301320"/>
-            <a:ext cx="9071280" cy="1261800"/>
+            <a:ext cx="9072000" cy="1261800"/>
           </a:xfrm>
           <a:prstGeom prst="rect">
             <a:avLst/>
@@ -81,7 +81,8 @@
         <p:txBody>
           <a:bodyPr lIns="0" rIns="0" tIns="0" bIns="0" anchor="ctr"/>
           <a:p>
-            <a:endParaRPr b="0" lang="en-US" sz="1800" spc="-1" strike="noStrike">
+            <a:pPr algn="ctr"/>
+            <a:endParaRPr b="0" lang="en-US" sz="4400" spc="-1" strike="noStrike">
               <a:solidFill>
                 <a:srgbClr val="000000"/>
               </a:solidFill>
@@ -107,8 +108,8 @@
         </p:nvSpPr>
         <p:spPr>
           <a:xfrm>
-            <a:off x="504000" y="1769040"/>
-            <a:ext cx="9071280" cy="2090880"/>
+            <a:off x="504000" y="1768680"/>
+            <a:ext cx="9072000" cy="2090880"/>
           </a:xfrm>
           <a:prstGeom prst="rect">
             <a:avLst/>
@@ -117,7 +118,7 @@
         <p:txBody>
           <a:bodyPr lIns="0" rIns="0" tIns="0" bIns="0"/>
           <a:p>
-            <a:endParaRPr b="0" lang="en-US" sz="2800" spc="-1" strike="noStrike">
+            <a:endParaRPr b="0" lang="en-US" sz="3200" spc="-1" strike="noStrike">
               <a:solidFill>
                 <a:srgbClr val="000000"/>
               </a:solidFill>
@@ -143,8 +144,8 @@
         </p:nvSpPr>
         <p:spPr>
           <a:xfrm>
-            <a:off x="504000" y="4059000"/>
-            <a:ext cx="9071280" cy="2090880"/>
+            <a:off x="504000" y="4058640"/>
+            <a:ext cx="9072000" cy="2090880"/>
           </a:xfrm>
           <a:prstGeom prst="rect">
             <a:avLst/>
@@ -153,7 +154,7 @@
         <p:txBody>
           <a:bodyPr lIns="0" rIns="0" tIns="0" bIns="0"/>
           <a:p>
-            <a:endParaRPr b="0" lang="en-US" sz="2800" spc="-1" strike="noStrike">
+            <a:endParaRPr b="0" lang="en-US" sz="3200" spc="-1" strike="noStrike">
               <a:solidFill>
                 <a:srgbClr val="000000"/>
               </a:solidFill>
@@ -202,7 +203,7 @@
         <p:spPr>
           <a:xfrm>
             <a:off x="504000" y="301320"/>
-            <a:ext cx="9071280" cy="1261800"/>
+            <a:ext cx="9072000" cy="1261800"/>
           </a:xfrm>
           <a:prstGeom prst="rect">
             <a:avLst/>
@@ -211,7 +212,8 @@
         <p:txBody>
           <a:bodyPr lIns="0" rIns="0" tIns="0" bIns="0" anchor="ctr"/>
           <a:p>
-            <a:endParaRPr b="0" lang="en-US" sz="1800" spc="-1" strike="noStrike">
+            <a:pPr algn="ctr"/>
+            <a:endParaRPr b="0" lang="en-US" sz="4400" spc="-1" strike="noStrike">
               <a:solidFill>
                 <a:srgbClr val="000000"/>
               </a:solidFill>
@@ -237,8 +239,8 @@
         </p:nvSpPr>
         <p:spPr>
           <a:xfrm>
-            <a:off x="504000" y="1769040"/>
-            <a:ext cx="4426560" cy="2090880"/>
+            <a:off x="504000" y="1768680"/>
+            <a:ext cx="4426920" cy="2090880"/>
           </a:xfrm>
           <a:prstGeom prst="rect">
             <a:avLst/>
@@ -247,7 +249,7 @@
         <p:txBody>
           <a:bodyPr lIns="0" rIns="0" tIns="0" bIns="0"/>
           <a:p>
-            <a:endParaRPr b="0" lang="en-US" sz="2800" spc="-1" strike="noStrike">
+            <a:endParaRPr b="0" lang="en-US" sz="3200" spc="-1" strike="noStrike">
               <a:solidFill>
                 <a:srgbClr val="000000"/>
               </a:solidFill>
@@ -273,8 +275,8 @@
         </p:nvSpPr>
         <p:spPr>
           <a:xfrm>
-            <a:off x="5152320" y="1769040"/>
-            <a:ext cx="4426560" cy="2090880"/>
+            <a:off x="5152680" y="1768680"/>
+            <a:ext cx="4426920" cy="2090880"/>
           </a:xfrm>
           <a:prstGeom prst="rect">
             <a:avLst/>
@@ -283,7 +285,7 @@
         <p:txBody>
           <a:bodyPr lIns="0" rIns="0" tIns="0" bIns="0"/>
           <a:p>
-            <a:endParaRPr b="0" lang="en-US" sz="2800" spc="-1" strike="noStrike">
+            <a:endParaRPr b="0" lang="en-US" sz="3200" spc="-1" strike="noStrike">
               <a:solidFill>
                 <a:srgbClr val="000000"/>
               </a:solidFill>
@@ -309,8 +311,8 @@
         </p:nvSpPr>
         <p:spPr>
           <a:xfrm>
-            <a:off x="5152320" y="4059000"/>
-            <a:ext cx="4426560" cy="2090880"/>
+            <a:off x="5152680" y="4058640"/>
+            <a:ext cx="4426920" cy="2090880"/>
           </a:xfrm>
           <a:prstGeom prst="rect">
             <a:avLst/>
@@ -319,7 +321,7 @@
         <p:txBody>
           <a:bodyPr lIns="0" rIns="0" tIns="0" bIns="0"/>
           <a:p>
-            <a:endParaRPr b="0" lang="en-US" sz="2800" spc="-1" strike="noStrike">
+            <a:endParaRPr b="0" lang="en-US" sz="3200" spc="-1" strike="noStrike">
               <a:solidFill>
                 <a:srgbClr val="000000"/>
               </a:solidFill>
@@ -345,8 +347,8 @@
         </p:nvSpPr>
         <p:spPr>
           <a:xfrm>
-            <a:off x="504000" y="4059000"/>
-            <a:ext cx="4426560" cy="2090880"/>
+            <a:off x="504000" y="4058640"/>
+            <a:ext cx="4426920" cy="2090880"/>
           </a:xfrm>
           <a:prstGeom prst="rect">
             <a:avLst/>
@@ -355,7 +357,7 @@
         <p:txBody>
           <a:bodyPr lIns="0" rIns="0" tIns="0" bIns="0"/>
           <a:p>
-            <a:endParaRPr b="0" lang="en-US" sz="2800" spc="-1" strike="noStrike">
+            <a:endParaRPr b="0" lang="en-US" sz="3200" spc="-1" strike="noStrike">
               <a:solidFill>
                 <a:srgbClr val="000000"/>
               </a:solidFill>
@@ -404,7 +406,7 @@
         <p:spPr>
           <a:xfrm>
             <a:off x="504000" y="301320"/>
-            <a:ext cx="9071280" cy="1261800"/>
+            <a:ext cx="9072000" cy="1261800"/>
           </a:xfrm>
           <a:prstGeom prst="rect">
             <a:avLst/>
@@ -413,7 +415,8 @@
         <p:txBody>
           <a:bodyPr lIns="0" rIns="0" tIns="0" bIns="0" anchor="ctr"/>
           <a:p>
-            <a:endParaRPr b="0" lang="en-US" sz="1800" spc="-1" strike="noStrike">
+            <a:pPr algn="ctr"/>
+            <a:endParaRPr b="0" lang="en-US" sz="4400" spc="-1" strike="noStrike">
               <a:solidFill>
                 <a:srgbClr val="000000"/>
               </a:solidFill>
@@ -439,8 +442,8 @@
         </p:nvSpPr>
         <p:spPr>
           <a:xfrm>
-            <a:off x="504000" y="1769040"/>
-            <a:ext cx="9071280" cy="4384080"/>
+            <a:off x="504000" y="1768680"/>
+            <a:ext cx="9072000" cy="4384080"/>
           </a:xfrm>
           <a:prstGeom prst="rect">
             <a:avLst/>
@@ -449,7 +452,7 @@
         <p:txBody>
           <a:bodyPr lIns="0" rIns="0" tIns="0" bIns="0"/>
           <a:p>
-            <a:endParaRPr b="0" lang="en-US" sz="2800" spc="-1" strike="noStrike">
+            <a:endParaRPr b="0" lang="en-US" sz="3200" spc="-1" strike="noStrike">
               <a:solidFill>
                 <a:srgbClr val="000000"/>
               </a:solidFill>
@@ -475,8 +478,8 @@
         </p:nvSpPr>
         <p:spPr>
           <a:xfrm>
-            <a:off x="504000" y="1769040"/>
-            <a:ext cx="9071280" cy="4384080"/>
+            <a:off x="504000" y="1768680"/>
+            <a:ext cx="9072000" cy="4384080"/>
           </a:xfrm>
           <a:prstGeom prst="rect">
             <a:avLst/>
@@ -485,7 +488,7 @@
         <p:txBody>
           <a:bodyPr lIns="0" rIns="0" tIns="0" bIns="0"/>
           <a:p>
-            <a:endParaRPr b="0" lang="en-US" sz="2800" spc="-1" strike="noStrike">
+            <a:endParaRPr b="0" lang="en-US" sz="3200" spc="-1" strike="noStrike">
               <a:solidFill>
                 <a:srgbClr val="000000"/>
               </a:solidFill>
@@ -511,7 +514,7 @@
         </p:blipFill>
         <p:spPr>
           <a:xfrm>
-            <a:off x="2292120" y="1769040"/>
+            <a:off x="2292480" y="1768680"/>
             <a:ext cx="5494680" cy="4384080"/>
           </a:xfrm>
           <a:prstGeom prst="rect">
@@ -534,7 +537,7 @@
         </p:blipFill>
         <p:spPr>
           <a:xfrm>
-            <a:off x="2292120" y="1769040"/>
+            <a:off x="2292480" y="1768680"/>
             <a:ext cx="5494680" cy="4384080"/>
           </a:xfrm>
           <a:prstGeom prst="rect">
@@ -602,7 +605,7 @@
         <p:spPr>
           <a:xfrm>
             <a:off x="504000" y="301320"/>
-            <a:ext cx="9071280" cy="1261800"/>
+            <a:ext cx="9072000" cy="1261800"/>
           </a:xfrm>
           <a:prstGeom prst="rect">
             <a:avLst/>
@@ -611,7 +614,8 @@
         <p:txBody>
           <a:bodyPr lIns="0" rIns="0" tIns="0" bIns="0" anchor="ctr"/>
           <a:p>
-            <a:endParaRPr b="0" lang="en-US" sz="1800" spc="-1" strike="noStrike">
+            <a:pPr algn="ctr"/>
+            <a:endParaRPr b="0" lang="en-US" sz="4400" spc="-1" strike="noStrike">
               <a:solidFill>
                 <a:srgbClr val="000000"/>
               </a:solidFill>
@@ -637,8 +641,8 @@
         </p:nvSpPr>
         <p:spPr>
           <a:xfrm>
-            <a:off x="504000" y="1769040"/>
-            <a:ext cx="9071280" cy="4384080"/>
+            <a:off x="504000" y="1768680"/>
+            <a:ext cx="9072000" cy="4384080"/>
           </a:xfrm>
           <a:prstGeom prst="rect">
             <a:avLst/>
@@ -697,7 +701,7 @@
         <p:spPr>
           <a:xfrm>
             <a:off x="504000" y="301320"/>
-            <a:ext cx="9071280" cy="1261800"/>
+            <a:ext cx="9072000" cy="1261800"/>
           </a:xfrm>
           <a:prstGeom prst="rect">
             <a:avLst/>
@@ -706,7 +710,8 @@
         <p:txBody>
           <a:bodyPr lIns="0" rIns="0" tIns="0" bIns="0" anchor="ctr"/>
           <a:p>
-            <a:endParaRPr b="0" lang="en-US" sz="1800" spc="-1" strike="noStrike">
+            <a:pPr algn="ctr"/>
+            <a:endParaRPr b="0" lang="en-US" sz="4400" spc="-1" strike="noStrike">
               <a:solidFill>
                 <a:srgbClr val="000000"/>
               </a:solidFill>
@@ -732,8 +737,8 @@
         </p:nvSpPr>
         <p:spPr>
           <a:xfrm>
-            <a:off x="504000" y="1769040"/>
-            <a:ext cx="9071280" cy="4384080"/>
+            <a:off x="504000" y="1768680"/>
+            <a:ext cx="9072000" cy="4384080"/>
           </a:xfrm>
           <a:prstGeom prst="rect">
             <a:avLst/>
@@ -742,7 +747,7 @@
         <p:txBody>
           <a:bodyPr lIns="0" rIns="0" tIns="0" bIns="0"/>
           <a:p>
-            <a:endParaRPr b="0" lang="en-US" sz="2800" spc="-1" strike="noStrike">
+            <a:endParaRPr b="0" lang="en-US" sz="3200" spc="-1" strike="noStrike">
               <a:solidFill>
                 <a:srgbClr val="000000"/>
               </a:solidFill>
@@ -791,7 +796,7 @@
         <p:spPr>
           <a:xfrm>
             <a:off x="504000" y="301320"/>
-            <a:ext cx="9071280" cy="1261800"/>
+            <a:ext cx="9072000" cy="1261800"/>
           </a:xfrm>
           <a:prstGeom prst="rect">
             <a:avLst/>
@@ -800,7 +805,8 @@
         <p:txBody>
           <a:bodyPr lIns="0" rIns="0" tIns="0" bIns="0" anchor="ctr"/>
           <a:p>
-            <a:endParaRPr b="0" lang="en-US" sz="1800" spc="-1" strike="noStrike">
+            <a:pPr algn="ctr"/>
+            <a:endParaRPr b="0" lang="en-US" sz="4400" spc="-1" strike="noStrike">
               <a:solidFill>
                 <a:srgbClr val="000000"/>
               </a:solidFill>
@@ -826,8 +832,8 @@
         </p:nvSpPr>
         <p:spPr>
           <a:xfrm>
-            <a:off x="504000" y="1769040"/>
-            <a:ext cx="4426560" cy="4384080"/>
+            <a:off x="504000" y="1768680"/>
+            <a:ext cx="4426920" cy="4384080"/>
           </a:xfrm>
           <a:prstGeom prst="rect">
             <a:avLst/>
@@ -836,7 +842,7 @@
         <p:txBody>
           <a:bodyPr lIns="0" rIns="0" tIns="0" bIns="0"/>
           <a:p>
-            <a:endParaRPr b="0" lang="en-US" sz="2800" spc="-1" strike="noStrike">
+            <a:endParaRPr b="0" lang="en-US" sz="3200" spc="-1" strike="noStrike">
               <a:solidFill>
                 <a:srgbClr val="000000"/>
               </a:solidFill>
@@ -862,8 +868,8 @@
         </p:nvSpPr>
         <p:spPr>
           <a:xfrm>
-            <a:off x="5152320" y="1769040"/>
-            <a:ext cx="4426560" cy="4384080"/>
+            <a:off x="5152680" y="1768680"/>
+            <a:ext cx="4426920" cy="4384080"/>
           </a:xfrm>
           <a:prstGeom prst="rect">
             <a:avLst/>
@@ -872,7 +878,7 @@
         <p:txBody>
           <a:bodyPr lIns="0" rIns="0" tIns="0" bIns="0"/>
           <a:p>
-            <a:endParaRPr b="0" lang="en-US" sz="2800" spc="-1" strike="noStrike">
+            <a:endParaRPr b="0" lang="en-US" sz="3200" spc="-1" strike="noStrike">
               <a:solidFill>
                 <a:srgbClr val="000000"/>
               </a:solidFill>
@@ -921,7 +927,7 @@
         <p:spPr>
           <a:xfrm>
             <a:off x="504000" y="301320"/>
-            <a:ext cx="9071280" cy="1261800"/>
+            <a:ext cx="9072000" cy="1261800"/>
           </a:xfrm>
           <a:prstGeom prst="rect">
             <a:avLst/>
@@ -930,7 +936,8 @@
         <p:txBody>
           <a:bodyPr lIns="0" rIns="0" tIns="0" bIns="0" anchor="ctr"/>
           <a:p>
-            <a:endParaRPr b="0" lang="en-US" sz="1800" spc="-1" strike="noStrike">
+            <a:pPr algn="ctr"/>
+            <a:endParaRPr b="0" lang="en-US" sz="4400" spc="-1" strike="noStrike">
               <a:solidFill>
                 <a:srgbClr val="000000"/>
               </a:solidFill>
@@ -979,7 +986,7 @@
         <p:spPr>
           <a:xfrm>
             <a:off x="504000" y="301320"/>
-            <a:ext cx="9071280" cy="5850360"/>
+            <a:ext cx="9072000" cy="5850360"/>
           </a:xfrm>
           <a:prstGeom prst="rect">
             <a:avLst/>
@@ -1038,7 +1045,7 @@
         <p:spPr>
           <a:xfrm>
             <a:off x="504000" y="301320"/>
-            <a:ext cx="9071280" cy="1261800"/>
+            <a:ext cx="9072000" cy="1261800"/>
           </a:xfrm>
           <a:prstGeom prst="rect">
             <a:avLst/>
@@ -1047,7 +1054,8 @@
         <p:txBody>
           <a:bodyPr lIns="0" rIns="0" tIns="0" bIns="0" anchor="ctr"/>
           <a:p>
-            <a:endParaRPr b="0" lang="en-US" sz="1800" spc="-1" strike="noStrike">
+            <a:pPr algn="ctr"/>
+            <a:endParaRPr b="0" lang="en-US" sz="4400" spc="-1" strike="noStrike">
               <a:solidFill>
                 <a:srgbClr val="000000"/>
               </a:solidFill>
@@ -1073,8 +1081,8 @@
         </p:nvSpPr>
         <p:spPr>
           <a:xfrm>
-            <a:off x="504000" y="1769040"/>
-            <a:ext cx="4426560" cy="2090880"/>
+            <a:off x="504000" y="1768680"/>
+            <a:ext cx="4426920" cy="2090880"/>
           </a:xfrm>
           <a:prstGeom prst="rect">
             <a:avLst/>
@@ -1083,7 +1091,7 @@
         <p:txBody>
           <a:bodyPr lIns="0" rIns="0" tIns="0" bIns="0"/>
           <a:p>
-            <a:endParaRPr b="0" lang="en-US" sz="2800" spc="-1" strike="noStrike">
+            <a:endParaRPr b="0" lang="en-US" sz="3200" spc="-1" strike="noStrike">
               <a:solidFill>
                 <a:srgbClr val="000000"/>
               </a:solidFill>
@@ -1109,8 +1117,8 @@
         </p:nvSpPr>
         <p:spPr>
           <a:xfrm>
-            <a:off x="504000" y="4059000"/>
-            <a:ext cx="4426560" cy="2090880"/>
+            <a:off x="504000" y="4058640"/>
+            <a:ext cx="4426920" cy="2090880"/>
           </a:xfrm>
           <a:prstGeom prst="rect">
             <a:avLst/>
@@ -1119,7 +1127,7 @@
         <p:txBody>
           <a:bodyPr lIns="0" rIns="0" tIns="0" bIns="0"/>
           <a:p>
-            <a:endParaRPr b="0" lang="en-US" sz="2800" spc="-1" strike="noStrike">
+            <a:endParaRPr b="0" lang="en-US" sz="3200" spc="-1" strike="noStrike">
               <a:solidFill>
                 <a:srgbClr val="000000"/>
               </a:solidFill>
@@ -1145,8 +1153,8 @@
         </p:nvSpPr>
         <p:spPr>
           <a:xfrm>
-            <a:off x="5152320" y="1769040"/>
-            <a:ext cx="4426560" cy="4384080"/>
+            <a:off x="5152680" y="1768680"/>
+            <a:ext cx="4426920" cy="4384080"/>
           </a:xfrm>
           <a:prstGeom prst="rect">
             <a:avLst/>
@@ -1155,7 +1163,7 @@
         <p:txBody>
           <a:bodyPr lIns="0" rIns="0" tIns="0" bIns="0"/>
           <a:p>
-            <a:endParaRPr b="0" lang="en-US" sz="2800" spc="-1" strike="noStrike">
+            <a:endParaRPr b="0" lang="en-US" sz="3200" spc="-1" strike="noStrike">
               <a:solidFill>
                 <a:srgbClr val="000000"/>
               </a:solidFill>
@@ -1204,7 +1212,7 @@
         <p:spPr>
           <a:xfrm>
             <a:off x="504000" y="301320"/>
-            <a:ext cx="9071280" cy="1261800"/>
+            <a:ext cx="9072000" cy="1261800"/>
           </a:xfrm>
           <a:prstGeom prst="rect">
             <a:avLst/>
@@ -1213,7 +1221,8 @@
         <p:txBody>
           <a:bodyPr lIns="0" rIns="0" tIns="0" bIns="0" anchor="ctr"/>
           <a:p>
-            <a:endParaRPr b="0" lang="en-US" sz="1800" spc="-1" strike="noStrike">
+            <a:pPr algn="ctr"/>
+            <a:endParaRPr b="0" lang="en-US" sz="4400" spc="-1" strike="noStrike">
               <a:solidFill>
                 <a:srgbClr val="000000"/>
               </a:solidFill>
@@ -1239,8 +1248,8 @@
         </p:nvSpPr>
         <p:spPr>
           <a:xfrm>
-            <a:off x="504000" y="1769040"/>
-            <a:ext cx="9071280" cy="4384080"/>
+            <a:off x="504000" y="1768680"/>
+            <a:ext cx="9072000" cy="4384080"/>
           </a:xfrm>
           <a:prstGeom prst="rect">
             <a:avLst/>
@@ -1299,7 +1308,7 @@
         <p:spPr>
           <a:xfrm>
             <a:off x="504000" y="301320"/>
-            <a:ext cx="9071280" cy="1261800"/>
+            <a:ext cx="9072000" cy="1261800"/>
           </a:xfrm>
           <a:prstGeom prst="rect">
             <a:avLst/>
@@ -1308,7 +1317,8 @@
         <p:txBody>
           <a:bodyPr lIns="0" rIns="0" tIns="0" bIns="0" anchor="ctr"/>
           <a:p>
-            <a:endParaRPr b="0" lang="en-US" sz="1800" spc="-1" strike="noStrike">
+            <a:pPr algn="ctr"/>
+            <a:endParaRPr b="0" lang="en-US" sz="4400" spc="-1" strike="noStrike">
               <a:solidFill>
                 <a:srgbClr val="000000"/>
               </a:solidFill>
@@ -1334,8 +1344,8 @@
         </p:nvSpPr>
         <p:spPr>
           <a:xfrm>
-            <a:off x="504000" y="1769040"/>
-            <a:ext cx="4426560" cy="4384080"/>
+            <a:off x="504000" y="1768680"/>
+            <a:ext cx="4426920" cy="4384080"/>
           </a:xfrm>
           <a:prstGeom prst="rect">
             <a:avLst/>
@@ -1344,7 +1354,7 @@
         <p:txBody>
           <a:bodyPr lIns="0" rIns="0" tIns="0" bIns="0"/>
           <a:p>
-            <a:endParaRPr b="0" lang="en-US" sz="2800" spc="-1" strike="noStrike">
+            <a:endParaRPr b="0" lang="en-US" sz="3200" spc="-1" strike="noStrike">
               <a:solidFill>
                 <a:srgbClr val="000000"/>
               </a:solidFill>
@@ -1370,8 +1380,8 @@
         </p:nvSpPr>
         <p:spPr>
           <a:xfrm>
-            <a:off x="5152320" y="1769040"/>
-            <a:ext cx="4426560" cy="2090880"/>
+            <a:off x="5152680" y="1768680"/>
+            <a:ext cx="4426920" cy="2090880"/>
           </a:xfrm>
           <a:prstGeom prst="rect">
             <a:avLst/>
@@ -1380,7 +1390,7 @@
         <p:txBody>
           <a:bodyPr lIns="0" rIns="0" tIns="0" bIns="0"/>
           <a:p>
-            <a:endParaRPr b="0" lang="en-US" sz="2800" spc="-1" strike="noStrike">
+            <a:endParaRPr b="0" lang="en-US" sz="3200" spc="-1" strike="noStrike">
               <a:solidFill>
                 <a:srgbClr val="000000"/>
               </a:solidFill>
@@ -1406,8 +1416,8 @@
         </p:nvSpPr>
         <p:spPr>
           <a:xfrm>
-            <a:off x="5152320" y="4059000"/>
-            <a:ext cx="4426560" cy="2090880"/>
+            <a:off x="5152680" y="4058640"/>
+            <a:ext cx="4426920" cy="2090880"/>
           </a:xfrm>
           <a:prstGeom prst="rect">
             <a:avLst/>
@@ -1416,7 +1426,7 @@
         <p:txBody>
           <a:bodyPr lIns="0" rIns="0" tIns="0" bIns="0"/>
           <a:p>
-            <a:endParaRPr b="0" lang="en-US" sz="2800" spc="-1" strike="noStrike">
+            <a:endParaRPr b="0" lang="en-US" sz="3200" spc="-1" strike="noStrike">
               <a:solidFill>
                 <a:srgbClr val="000000"/>
               </a:solidFill>
@@ -1465,7 +1475,7 @@
         <p:spPr>
           <a:xfrm>
             <a:off x="504000" y="301320"/>
-            <a:ext cx="9071280" cy="1261800"/>
+            <a:ext cx="9072000" cy="1261800"/>
           </a:xfrm>
           <a:prstGeom prst="rect">
             <a:avLst/>
@@ -1474,7 +1484,8 @@
         <p:txBody>
           <a:bodyPr lIns="0" rIns="0" tIns="0" bIns="0" anchor="ctr"/>
           <a:p>
-            <a:endParaRPr b="0" lang="en-US" sz="1800" spc="-1" strike="noStrike">
+            <a:pPr algn="ctr"/>
+            <a:endParaRPr b="0" lang="en-US" sz="4400" spc="-1" strike="noStrike">
               <a:solidFill>
                 <a:srgbClr val="000000"/>
               </a:solidFill>
@@ -1500,8 +1511,8 @@
         </p:nvSpPr>
         <p:spPr>
           <a:xfrm>
-            <a:off x="504000" y="1769040"/>
-            <a:ext cx="4426560" cy="2090880"/>
+            <a:off x="504000" y="1768680"/>
+            <a:ext cx="4426920" cy="2090880"/>
           </a:xfrm>
           <a:prstGeom prst="rect">
             <a:avLst/>
@@ -1510,7 +1521,7 @@
         <p:txBody>
           <a:bodyPr lIns="0" rIns="0" tIns="0" bIns="0"/>
           <a:p>
-            <a:endParaRPr b="0" lang="en-US" sz="2800" spc="-1" strike="noStrike">
+            <a:endParaRPr b="0" lang="en-US" sz="3200" spc="-1" strike="noStrike">
               <a:solidFill>
                 <a:srgbClr val="000000"/>
               </a:solidFill>
@@ -1536,8 +1547,8 @@
         </p:nvSpPr>
         <p:spPr>
           <a:xfrm>
-            <a:off x="5152320" y="1769040"/>
-            <a:ext cx="4426560" cy="2090880"/>
+            <a:off x="5152680" y="1768680"/>
+            <a:ext cx="4426920" cy="2090880"/>
           </a:xfrm>
           <a:prstGeom prst="rect">
             <a:avLst/>
@@ -1546,7 +1557,7 @@
         <p:txBody>
           <a:bodyPr lIns="0" rIns="0" tIns="0" bIns="0"/>
           <a:p>
-            <a:endParaRPr b="0" lang="en-US" sz="2800" spc="-1" strike="noStrike">
+            <a:endParaRPr b="0" lang="en-US" sz="3200" spc="-1" strike="noStrike">
               <a:solidFill>
                 <a:srgbClr val="000000"/>
               </a:solidFill>
@@ -1572,8 +1583,8 @@
         </p:nvSpPr>
         <p:spPr>
           <a:xfrm>
-            <a:off x="504000" y="4059000"/>
-            <a:ext cx="9071280" cy="2090880"/>
+            <a:off x="504000" y="4058640"/>
+            <a:ext cx="9072000" cy="2090880"/>
           </a:xfrm>
           <a:prstGeom prst="rect">
             <a:avLst/>
@@ -1582,7 +1593,7 @@
         <p:txBody>
           <a:bodyPr lIns="0" rIns="0" tIns="0" bIns="0"/>
           <a:p>
-            <a:endParaRPr b="0" lang="en-US" sz="2800" spc="-1" strike="noStrike">
+            <a:endParaRPr b="0" lang="en-US" sz="3200" spc="-1" strike="noStrike">
               <a:solidFill>
                 <a:srgbClr val="000000"/>
               </a:solidFill>
@@ -1631,7 +1642,7 @@
         <p:spPr>
           <a:xfrm>
             <a:off x="504000" y="301320"/>
-            <a:ext cx="9071280" cy="1261800"/>
+            <a:ext cx="9072000" cy="1261800"/>
           </a:xfrm>
           <a:prstGeom prst="rect">
             <a:avLst/>
@@ -1640,7 +1651,8 @@
         <p:txBody>
           <a:bodyPr lIns="0" rIns="0" tIns="0" bIns="0" anchor="ctr"/>
           <a:p>
-            <a:endParaRPr b="0" lang="en-US" sz="1800" spc="-1" strike="noStrike">
+            <a:pPr algn="ctr"/>
+            <a:endParaRPr b="0" lang="en-US" sz="4400" spc="-1" strike="noStrike">
               <a:solidFill>
                 <a:srgbClr val="000000"/>
               </a:solidFill>
@@ -1666,8 +1678,8 @@
         </p:nvSpPr>
         <p:spPr>
           <a:xfrm>
-            <a:off x="504000" y="1769040"/>
-            <a:ext cx="9071280" cy="2090880"/>
+            <a:off x="504000" y="1768680"/>
+            <a:ext cx="9072000" cy="2090880"/>
           </a:xfrm>
           <a:prstGeom prst="rect">
             <a:avLst/>
@@ -1676,7 +1688,7 @@
         <p:txBody>
           <a:bodyPr lIns="0" rIns="0" tIns="0" bIns="0"/>
           <a:p>
-            <a:endParaRPr b="0" lang="en-US" sz="2800" spc="-1" strike="noStrike">
+            <a:endParaRPr b="0" lang="en-US" sz="3200" spc="-1" strike="noStrike">
               <a:solidFill>
                 <a:srgbClr val="000000"/>
               </a:solidFill>
@@ -1702,8 +1714,8 @@
         </p:nvSpPr>
         <p:spPr>
           <a:xfrm>
-            <a:off x="504000" y="4059000"/>
-            <a:ext cx="9071280" cy="2090880"/>
+            <a:off x="504000" y="4058640"/>
+            <a:ext cx="9072000" cy="2090880"/>
           </a:xfrm>
           <a:prstGeom prst="rect">
             <a:avLst/>
@@ -1712,7 +1724,7 @@
         <p:txBody>
           <a:bodyPr lIns="0" rIns="0" tIns="0" bIns="0"/>
           <a:p>
-            <a:endParaRPr b="0" lang="en-US" sz="2800" spc="-1" strike="noStrike">
+            <a:endParaRPr b="0" lang="en-US" sz="3200" spc="-1" strike="noStrike">
               <a:solidFill>
                 <a:srgbClr val="000000"/>
               </a:solidFill>
@@ -1761,7 +1773,7 @@
         <p:spPr>
           <a:xfrm>
             <a:off x="504000" y="301320"/>
-            <a:ext cx="9071280" cy="1261800"/>
+            <a:ext cx="9072000" cy="1261800"/>
           </a:xfrm>
           <a:prstGeom prst="rect">
             <a:avLst/>
@@ -1770,7 +1782,8 @@
         <p:txBody>
           <a:bodyPr lIns="0" rIns="0" tIns="0" bIns="0" anchor="ctr"/>
           <a:p>
-            <a:endParaRPr b="0" lang="en-US" sz="1800" spc="-1" strike="noStrike">
+            <a:pPr algn="ctr"/>
+            <a:endParaRPr b="0" lang="en-US" sz="4400" spc="-1" strike="noStrike">
               <a:solidFill>
                 <a:srgbClr val="000000"/>
               </a:solidFill>
@@ -1796,8 +1809,8 @@
         </p:nvSpPr>
         <p:spPr>
           <a:xfrm>
-            <a:off x="504000" y="1769040"/>
-            <a:ext cx="4426560" cy="2090880"/>
+            <a:off x="504000" y="1768680"/>
+            <a:ext cx="4426920" cy="2090880"/>
           </a:xfrm>
           <a:prstGeom prst="rect">
             <a:avLst/>
@@ -1806,7 +1819,7 @@
         <p:txBody>
           <a:bodyPr lIns="0" rIns="0" tIns="0" bIns="0"/>
           <a:p>
-            <a:endParaRPr b="0" lang="en-US" sz="2800" spc="-1" strike="noStrike">
+            <a:endParaRPr b="0" lang="en-US" sz="3200" spc="-1" strike="noStrike">
               <a:solidFill>
                 <a:srgbClr val="000000"/>
               </a:solidFill>
@@ -1832,8 +1845,8 @@
         </p:nvSpPr>
         <p:spPr>
           <a:xfrm>
-            <a:off x="5152320" y="1769040"/>
-            <a:ext cx="4426560" cy="2090880"/>
+            <a:off x="5152680" y="1768680"/>
+            <a:ext cx="4426920" cy="2090880"/>
           </a:xfrm>
           <a:prstGeom prst="rect">
             <a:avLst/>
@@ -1842,7 +1855,7 @@
         <p:txBody>
           <a:bodyPr lIns="0" rIns="0" tIns="0" bIns="0"/>
           <a:p>
-            <a:endParaRPr b="0" lang="en-US" sz="2800" spc="-1" strike="noStrike">
+            <a:endParaRPr b="0" lang="en-US" sz="3200" spc="-1" strike="noStrike">
               <a:solidFill>
                 <a:srgbClr val="000000"/>
               </a:solidFill>
@@ -1868,8 +1881,8 @@
         </p:nvSpPr>
         <p:spPr>
           <a:xfrm>
-            <a:off x="5152320" y="4059000"/>
-            <a:ext cx="4426560" cy="2090880"/>
+            <a:off x="5152680" y="4058640"/>
+            <a:ext cx="4426920" cy="2090880"/>
           </a:xfrm>
           <a:prstGeom prst="rect">
             <a:avLst/>
@@ -1878,7 +1891,7 @@
         <p:txBody>
           <a:bodyPr lIns="0" rIns="0" tIns="0" bIns="0"/>
           <a:p>
-            <a:endParaRPr b="0" lang="en-US" sz="2800" spc="-1" strike="noStrike">
+            <a:endParaRPr b="0" lang="en-US" sz="3200" spc="-1" strike="noStrike">
               <a:solidFill>
                 <a:srgbClr val="000000"/>
               </a:solidFill>
@@ -1904,8 +1917,8 @@
         </p:nvSpPr>
         <p:spPr>
           <a:xfrm>
-            <a:off x="504000" y="4059000"/>
-            <a:ext cx="4426560" cy="2090880"/>
+            <a:off x="504000" y="4058640"/>
+            <a:ext cx="4426920" cy="2090880"/>
           </a:xfrm>
           <a:prstGeom prst="rect">
             <a:avLst/>
@@ -1914,7 +1927,7 @@
         <p:txBody>
           <a:bodyPr lIns="0" rIns="0" tIns="0" bIns="0"/>
           <a:p>
-            <a:endParaRPr b="0" lang="en-US" sz="2800" spc="-1" strike="noStrike">
+            <a:endParaRPr b="0" lang="en-US" sz="3200" spc="-1" strike="noStrike">
               <a:solidFill>
                 <a:srgbClr val="000000"/>
               </a:solidFill>
@@ -1963,7 +1976,7 @@
         <p:spPr>
           <a:xfrm>
             <a:off x="504000" y="301320"/>
-            <a:ext cx="9071280" cy="1261800"/>
+            <a:ext cx="9072000" cy="1261800"/>
           </a:xfrm>
           <a:prstGeom prst="rect">
             <a:avLst/>
@@ -1972,7 +1985,8 @@
         <p:txBody>
           <a:bodyPr lIns="0" rIns="0" tIns="0" bIns="0" anchor="ctr"/>
           <a:p>
-            <a:endParaRPr b="0" lang="en-US" sz="1800" spc="-1" strike="noStrike">
+            <a:pPr algn="ctr"/>
+            <a:endParaRPr b="0" lang="en-US" sz="4400" spc="-1" strike="noStrike">
               <a:solidFill>
                 <a:srgbClr val="000000"/>
               </a:solidFill>
@@ -1998,8 +2012,8 @@
         </p:nvSpPr>
         <p:spPr>
           <a:xfrm>
-            <a:off x="504000" y="1769040"/>
-            <a:ext cx="9071280" cy="4384080"/>
+            <a:off x="504000" y="1768680"/>
+            <a:ext cx="9072000" cy="4384080"/>
           </a:xfrm>
           <a:prstGeom prst="rect">
             <a:avLst/>
@@ -2008,7 +2022,7 @@
         <p:txBody>
           <a:bodyPr lIns="0" rIns="0" tIns="0" bIns="0"/>
           <a:p>
-            <a:endParaRPr b="0" lang="en-US" sz="2800" spc="-1" strike="noStrike">
+            <a:endParaRPr b="0" lang="en-US" sz="3200" spc="-1" strike="noStrike">
               <a:solidFill>
                 <a:srgbClr val="000000"/>
               </a:solidFill>
@@ -2034,8 +2048,8 @@
         </p:nvSpPr>
         <p:spPr>
           <a:xfrm>
-            <a:off x="504000" y="1769040"/>
-            <a:ext cx="9071280" cy="4384080"/>
+            <a:off x="504000" y="1768680"/>
+            <a:ext cx="9072000" cy="4384080"/>
           </a:xfrm>
           <a:prstGeom prst="rect">
             <a:avLst/>
@@ -2044,7 +2058,7 @@
         <p:txBody>
           <a:bodyPr lIns="0" rIns="0" tIns="0" bIns="0"/>
           <a:p>
-            <a:endParaRPr b="0" lang="en-US" sz="2800" spc="-1" strike="noStrike">
+            <a:endParaRPr b="0" lang="en-US" sz="3200" spc="-1" strike="noStrike">
               <a:solidFill>
                 <a:srgbClr val="000000"/>
               </a:solidFill>
@@ -2070,7 +2084,7 @@
         </p:blipFill>
         <p:spPr>
           <a:xfrm>
-            <a:off x="2292120" y="1769040"/>
+            <a:off x="2292480" y="1768680"/>
             <a:ext cx="5494680" cy="4384080"/>
           </a:xfrm>
           <a:prstGeom prst="rect">
@@ -2093,7 +2107,7 @@
         </p:blipFill>
         <p:spPr>
           <a:xfrm>
-            <a:off x="2292120" y="1769040"/>
+            <a:off x="2292480" y="1768680"/>
             <a:ext cx="5494680" cy="4384080"/>
           </a:xfrm>
           <a:prstGeom prst="rect">
@@ -2139,7 +2153,7 @@
         <p:spPr>
           <a:xfrm>
             <a:off x="504000" y="301320"/>
-            <a:ext cx="9071280" cy="1261800"/>
+            <a:ext cx="9072000" cy="1261800"/>
           </a:xfrm>
           <a:prstGeom prst="rect">
             <a:avLst/>
@@ -2148,7 +2162,8 @@
         <p:txBody>
           <a:bodyPr lIns="0" rIns="0" tIns="0" bIns="0" anchor="ctr"/>
           <a:p>
-            <a:endParaRPr b="0" lang="en-US" sz="1800" spc="-1" strike="noStrike">
+            <a:pPr algn="ctr"/>
+            <a:endParaRPr b="0" lang="en-US" sz="4400" spc="-1" strike="noStrike">
               <a:solidFill>
                 <a:srgbClr val="000000"/>
               </a:solidFill>
@@ -2174,8 +2189,8 @@
         </p:nvSpPr>
         <p:spPr>
           <a:xfrm>
-            <a:off x="504000" y="1769040"/>
-            <a:ext cx="9071280" cy="4384080"/>
+            <a:off x="504000" y="1768680"/>
+            <a:ext cx="9072000" cy="4384080"/>
           </a:xfrm>
           <a:prstGeom prst="rect">
             <a:avLst/>
@@ -2184,7 +2199,7 @@
         <p:txBody>
           <a:bodyPr lIns="0" rIns="0" tIns="0" bIns="0"/>
           <a:p>
-            <a:endParaRPr b="0" lang="en-US" sz="2800" spc="-1" strike="noStrike">
+            <a:endParaRPr b="0" lang="en-US" sz="3200" spc="-1" strike="noStrike">
               <a:solidFill>
                 <a:srgbClr val="000000"/>
               </a:solidFill>
@@ -2233,7 +2248,7 @@
         <p:spPr>
           <a:xfrm>
             <a:off x="504000" y="301320"/>
-            <a:ext cx="9071280" cy="1261800"/>
+            <a:ext cx="9072000" cy="1261800"/>
           </a:xfrm>
           <a:prstGeom prst="rect">
             <a:avLst/>
@@ -2242,7 +2257,8 @@
         <p:txBody>
           <a:bodyPr lIns="0" rIns="0" tIns="0" bIns="0" anchor="ctr"/>
           <a:p>
-            <a:endParaRPr b="0" lang="en-US" sz="1800" spc="-1" strike="noStrike">
+            <a:pPr algn="ctr"/>
+            <a:endParaRPr b="0" lang="en-US" sz="4400" spc="-1" strike="noStrike">
               <a:solidFill>
                 <a:srgbClr val="000000"/>
               </a:solidFill>
@@ -2268,8 +2284,8 @@
         </p:nvSpPr>
         <p:spPr>
           <a:xfrm>
-            <a:off x="504000" y="1769040"/>
-            <a:ext cx="4426560" cy="4384080"/>
+            <a:off x="504000" y="1768680"/>
+            <a:ext cx="4426920" cy="4384080"/>
           </a:xfrm>
           <a:prstGeom prst="rect">
             <a:avLst/>
@@ -2278,7 +2294,7 @@
         <p:txBody>
           <a:bodyPr lIns="0" rIns="0" tIns="0" bIns="0"/>
           <a:p>
-            <a:endParaRPr b="0" lang="en-US" sz="2800" spc="-1" strike="noStrike">
+            <a:endParaRPr b="0" lang="en-US" sz="3200" spc="-1" strike="noStrike">
               <a:solidFill>
                 <a:srgbClr val="000000"/>
               </a:solidFill>
@@ -2304,8 +2320,8 @@
         </p:nvSpPr>
         <p:spPr>
           <a:xfrm>
-            <a:off x="5152320" y="1769040"/>
-            <a:ext cx="4426560" cy="4384080"/>
+            <a:off x="5152680" y="1768680"/>
+            <a:ext cx="4426920" cy="4384080"/>
           </a:xfrm>
           <a:prstGeom prst="rect">
             <a:avLst/>
@@ -2314,7 +2330,7 @@
         <p:txBody>
           <a:bodyPr lIns="0" rIns="0" tIns="0" bIns="0"/>
           <a:p>
-            <a:endParaRPr b="0" lang="en-US" sz="2800" spc="-1" strike="noStrike">
+            <a:endParaRPr b="0" lang="en-US" sz="3200" spc="-1" strike="noStrike">
               <a:solidFill>
                 <a:srgbClr val="000000"/>
               </a:solidFill>
@@ -2363,7 +2379,7 @@
         <p:spPr>
           <a:xfrm>
             <a:off x="504000" y="301320"/>
-            <a:ext cx="9071280" cy="1261800"/>
+            <a:ext cx="9072000" cy="1261800"/>
           </a:xfrm>
           <a:prstGeom prst="rect">
             <a:avLst/>
@@ -2372,7 +2388,8 @@
         <p:txBody>
           <a:bodyPr lIns="0" rIns="0" tIns="0" bIns="0" anchor="ctr"/>
           <a:p>
-            <a:endParaRPr b="0" lang="en-US" sz="1800" spc="-1" strike="noStrike">
+            <a:pPr algn="ctr"/>
+            <a:endParaRPr b="0" lang="en-US" sz="4400" spc="-1" strike="noStrike">
               <a:solidFill>
                 <a:srgbClr val="000000"/>
               </a:solidFill>
@@ -2421,7 +2438,7 @@
         <p:spPr>
           <a:xfrm>
             <a:off x="504000" y="301320"/>
-            <a:ext cx="9071280" cy="5850360"/>
+            <a:ext cx="9072000" cy="5850360"/>
           </a:xfrm>
           <a:prstGeom prst="rect">
             <a:avLst/>
@@ -2480,7 +2497,7 @@
         <p:spPr>
           <a:xfrm>
             <a:off x="504000" y="301320"/>
-            <a:ext cx="9071280" cy="1261800"/>
+            <a:ext cx="9072000" cy="1261800"/>
           </a:xfrm>
           <a:prstGeom prst="rect">
             <a:avLst/>
@@ -2489,7 +2506,8 @@
         <p:txBody>
           <a:bodyPr lIns="0" rIns="0" tIns="0" bIns="0" anchor="ctr"/>
           <a:p>
-            <a:endParaRPr b="0" lang="en-US" sz="1800" spc="-1" strike="noStrike">
+            <a:pPr algn="ctr"/>
+            <a:endParaRPr b="0" lang="en-US" sz="4400" spc="-1" strike="noStrike">
               <a:solidFill>
                 <a:srgbClr val="000000"/>
               </a:solidFill>
@@ -2515,8 +2533,8 @@
         </p:nvSpPr>
         <p:spPr>
           <a:xfrm>
-            <a:off x="504000" y="1769040"/>
-            <a:ext cx="4426560" cy="2090880"/>
+            <a:off x="504000" y="1768680"/>
+            <a:ext cx="4426920" cy="2090880"/>
           </a:xfrm>
           <a:prstGeom prst="rect">
             <a:avLst/>
@@ -2525,7 +2543,7 @@
         <p:txBody>
           <a:bodyPr lIns="0" rIns="0" tIns="0" bIns="0"/>
           <a:p>
-            <a:endParaRPr b="0" lang="en-US" sz="2800" spc="-1" strike="noStrike">
+            <a:endParaRPr b="0" lang="en-US" sz="3200" spc="-1" strike="noStrike">
               <a:solidFill>
                 <a:srgbClr val="000000"/>
               </a:solidFill>
@@ -2551,8 +2569,8 @@
         </p:nvSpPr>
         <p:spPr>
           <a:xfrm>
-            <a:off x="504000" y="4059000"/>
-            <a:ext cx="4426560" cy="2090880"/>
+            <a:off x="504000" y="4058640"/>
+            <a:ext cx="4426920" cy="2090880"/>
           </a:xfrm>
           <a:prstGeom prst="rect">
             <a:avLst/>
@@ -2561,7 +2579,7 @@
         <p:txBody>
           <a:bodyPr lIns="0" rIns="0" tIns="0" bIns="0"/>
           <a:p>
-            <a:endParaRPr b="0" lang="en-US" sz="2800" spc="-1" strike="noStrike">
+            <a:endParaRPr b="0" lang="en-US" sz="3200" spc="-1" strike="noStrike">
               <a:solidFill>
                 <a:srgbClr val="000000"/>
               </a:solidFill>
@@ -2587,8 +2605,8 @@
         </p:nvSpPr>
         <p:spPr>
           <a:xfrm>
-            <a:off x="5152320" y="1769040"/>
-            <a:ext cx="4426560" cy="4384080"/>
+            <a:off x="5152680" y="1768680"/>
+            <a:ext cx="4426920" cy="4384080"/>
           </a:xfrm>
           <a:prstGeom prst="rect">
             <a:avLst/>
@@ -2597,7 +2615,7 @@
         <p:txBody>
           <a:bodyPr lIns="0" rIns="0" tIns="0" bIns="0"/>
           <a:p>
-            <a:endParaRPr b="0" lang="en-US" sz="2800" spc="-1" strike="noStrike">
+            <a:endParaRPr b="0" lang="en-US" sz="3200" spc="-1" strike="noStrike">
               <a:solidFill>
                 <a:srgbClr val="000000"/>
               </a:solidFill>
@@ -2646,7 +2664,7 @@
         <p:spPr>
           <a:xfrm>
             <a:off x="504000" y="301320"/>
-            <a:ext cx="9071280" cy="1261800"/>
+            <a:ext cx="9072000" cy="1261800"/>
           </a:xfrm>
           <a:prstGeom prst="rect">
             <a:avLst/>
@@ -2655,7 +2673,8 @@
         <p:txBody>
           <a:bodyPr lIns="0" rIns="0" tIns="0" bIns="0" anchor="ctr"/>
           <a:p>
-            <a:endParaRPr b="0" lang="en-US" sz="1800" spc="-1" strike="noStrike">
+            <a:pPr algn="ctr"/>
+            <a:endParaRPr b="0" lang="en-US" sz="4400" spc="-1" strike="noStrike">
               <a:solidFill>
                 <a:srgbClr val="000000"/>
               </a:solidFill>
@@ -2681,8 +2700,8 @@
         </p:nvSpPr>
         <p:spPr>
           <a:xfrm>
-            <a:off x="504000" y="1769040"/>
-            <a:ext cx="4426560" cy="4384080"/>
+            <a:off x="504000" y="1768680"/>
+            <a:ext cx="4426920" cy="4384080"/>
           </a:xfrm>
           <a:prstGeom prst="rect">
             <a:avLst/>
@@ -2691,7 +2710,7 @@
         <p:txBody>
           <a:bodyPr lIns="0" rIns="0" tIns="0" bIns="0"/>
           <a:p>
-            <a:endParaRPr b="0" lang="en-US" sz="2800" spc="-1" strike="noStrike">
+            <a:endParaRPr b="0" lang="en-US" sz="3200" spc="-1" strike="noStrike">
               <a:solidFill>
                 <a:srgbClr val="000000"/>
               </a:solidFill>
@@ -2717,8 +2736,8 @@
         </p:nvSpPr>
         <p:spPr>
           <a:xfrm>
-            <a:off x="5152320" y="1769040"/>
-            <a:ext cx="4426560" cy="2090880"/>
+            <a:off x="5152680" y="1768680"/>
+            <a:ext cx="4426920" cy="2090880"/>
           </a:xfrm>
           <a:prstGeom prst="rect">
             <a:avLst/>
@@ -2727,7 +2746,7 @@
         <p:txBody>
           <a:bodyPr lIns="0" rIns="0" tIns="0" bIns="0"/>
           <a:p>
-            <a:endParaRPr b="0" lang="en-US" sz="2800" spc="-1" strike="noStrike">
+            <a:endParaRPr b="0" lang="en-US" sz="3200" spc="-1" strike="noStrike">
               <a:solidFill>
                 <a:srgbClr val="000000"/>
               </a:solidFill>
@@ -2753,8 +2772,8 @@
         </p:nvSpPr>
         <p:spPr>
           <a:xfrm>
-            <a:off x="5152320" y="4059000"/>
-            <a:ext cx="4426560" cy="2090880"/>
+            <a:off x="5152680" y="4058640"/>
+            <a:ext cx="4426920" cy="2090880"/>
           </a:xfrm>
           <a:prstGeom prst="rect">
             <a:avLst/>
@@ -2763,7 +2782,7 @@
         <p:txBody>
           <a:bodyPr lIns="0" rIns="0" tIns="0" bIns="0"/>
           <a:p>
-            <a:endParaRPr b="0" lang="en-US" sz="2800" spc="-1" strike="noStrike">
+            <a:endParaRPr b="0" lang="en-US" sz="3200" spc="-1" strike="noStrike">
               <a:solidFill>
                 <a:srgbClr val="000000"/>
               </a:solidFill>
@@ -2812,7 +2831,7 @@
         <p:spPr>
           <a:xfrm>
             <a:off x="504000" y="301320"/>
-            <a:ext cx="9071280" cy="1261800"/>
+            <a:ext cx="9072000" cy="1261800"/>
           </a:xfrm>
           <a:prstGeom prst="rect">
             <a:avLst/>
@@ -2821,7 +2840,8 @@
         <p:txBody>
           <a:bodyPr lIns="0" rIns="0" tIns="0" bIns="0" anchor="ctr"/>
           <a:p>
-            <a:endParaRPr b="0" lang="en-US" sz="1800" spc="-1" strike="noStrike">
+            <a:pPr algn="ctr"/>
+            <a:endParaRPr b="0" lang="en-US" sz="4400" spc="-1" strike="noStrike">
               <a:solidFill>
                 <a:srgbClr val="000000"/>
               </a:solidFill>
@@ -2847,8 +2867,8 @@
         </p:nvSpPr>
         <p:spPr>
           <a:xfrm>
-            <a:off x="504000" y="1769040"/>
-            <a:ext cx="4426560" cy="2090880"/>
+            <a:off x="504000" y="1768680"/>
+            <a:ext cx="4426920" cy="2090880"/>
           </a:xfrm>
           <a:prstGeom prst="rect">
             <a:avLst/>
@@ -2857,7 +2877,7 @@
         <p:txBody>
           <a:bodyPr lIns="0" rIns="0" tIns="0" bIns="0"/>
           <a:p>
-            <a:endParaRPr b="0" lang="en-US" sz="2800" spc="-1" strike="noStrike">
+            <a:endParaRPr b="0" lang="en-US" sz="3200" spc="-1" strike="noStrike">
               <a:solidFill>
                 <a:srgbClr val="000000"/>
               </a:solidFill>
@@ -2883,8 +2903,8 @@
         </p:nvSpPr>
         <p:spPr>
           <a:xfrm>
-            <a:off x="5152320" y="1769040"/>
-            <a:ext cx="4426560" cy="2090880"/>
+            <a:off x="5152680" y="1768680"/>
+            <a:ext cx="4426920" cy="2090880"/>
           </a:xfrm>
           <a:prstGeom prst="rect">
             <a:avLst/>
@@ -2893,7 +2913,7 @@
         <p:txBody>
           <a:bodyPr lIns="0" rIns="0" tIns="0" bIns="0"/>
           <a:p>
-            <a:endParaRPr b="0" lang="en-US" sz="2800" spc="-1" strike="noStrike">
+            <a:endParaRPr b="0" lang="en-US" sz="3200" spc="-1" strike="noStrike">
               <a:solidFill>
                 <a:srgbClr val="000000"/>
               </a:solidFill>
@@ -2919,8 +2939,8 @@
         </p:nvSpPr>
         <p:spPr>
           <a:xfrm>
-            <a:off x="504000" y="4059000"/>
-            <a:ext cx="9071280" cy="2090880"/>
+            <a:off x="504000" y="4058640"/>
+            <a:ext cx="9072000" cy="2090880"/>
           </a:xfrm>
           <a:prstGeom prst="rect">
             <a:avLst/>
@@ -2929,7 +2949,7 @@
         <p:txBody>
           <a:bodyPr lIns="0" rIns="0" tIns="0" bIns="0"/>
           <a:p>
-            <a:endParaRPr b="0" lang="en-US" sz="2800" spc="-1" strike="noStrike">
+            <a:endParaRPr b="0" lang="en-US" sz="3200" spc="-1" strike="noStrike">
               <a:solidFill>
                 <a:srgbClr val="000000"/>
               </a:solidFill>
@@ -2985,7 +3005,7 @@
         <p:spPr>
           <a:xfrm>
             <a:off x="504000" y="301320"/>
-            <a:ext cx="9071280" cy="1261800"/>
+            <a:ext cx="9070920" cy="1261440"/>
           </a:xfrm>
           <a:prstGeom prst="rect">
             <a:avLst/>
@@ -2994,7 +3014,8 @@
         <p:txBody>
           <a:bodyPr lIns="0" rIns="0" tIns="0" bIns="0" anchor="ctr"/>
           <a:p>
-            <a:endParaRPr b="0" lang="en-US" sz="1800" spc="-1" strike="noStrike">
+            <a:pPr algn="ctr"/>
+            <a:endParaRPr b="0" lang="en-US" sz="4400" spc="-1" strike="noStrike">
               <a:solidFill>
                 <a:srgbClr val="000000"/>
               </a:solidFill>
@@ -3021,7 +3042,7 @@
         <p:spPr>
           <a:xfrm>
             <a:off x="504000" y="1769040"/>
-            <a:ext cx="4426560" cy="2090880"/>
+            <a:ext cx="4426200" cy="2090520"/>
           </a:xfrm>
           <a:prstGeom prst="rect">
             <a:avLst/>
@@ -3039,7 +3060,7 @@
               <a:buChar char=""/>
             </a:pPr>
             <a:r>
-              <a:rPr b="0" lang="en-US" sz="2800" spc="-1" strike="noStrike">
+              <a:rPr b="0" lang="en-US" sz="1800" spc="-1" strike="noStrike">
                 <a:solidFill>
                   <a:srgbClr val="000000"/>
                 </a:solidFill>
@@ -3052,7 +3073,7 @@
               </a:rPr>
               <a:t>Click to edit the outline text format</a:t>
             </a:r>
-            <a:endParaRPr b="0" lang="en-US" sz="2800" spc="-1" strike="noStrike">
+            <a:endParaRPr b="0" lang="en-US" sz="1800" spc="-1" strike="noStrike">
               <a:solidFill>
                 <a:srgbClr val="000000"/>
               </a:solidFill>
@@ -3074,7 +3095,7 @@
               <a:buChar char=""/>
             </a:pPr>
             <a:r>
-              <a:rPr b="0" lang="en-US" sz="2800" spc="-1" strike="noStrike">
+              <a:rPr b="0" lang="en-US" sz="1800" spc="-1" strike="noStrike">
                 <a:solidFill>
                   <a:srgbClr val="000000"/>
                 </a:solidFill>
@@ -3087,7 +3108,7 @@
               </a:rPr>
               <a:t>Second Outline Level</a:t>
             </a:r>
-            <a:endParaRPr b="0" lang="en-US" sz="2800" spc="-1" strike="noStrike">
+            <a:endParaRPr b="0" lang="en-US" sz="1800" spc="-1" strike="noStrike">
               <a:solidFill>
                 <a:srgbClr val="000000"/>
               </a:solidFill>
@@ -3109,7 +3130,7 @@
               <a:buChar char=""/>
             </a:pPr>
             <a:r>
-              <a:rPr b="0" lang="en-US" sz="2800" spc="-1" strike="noStrike">
+              <a:rPr b="0" lang="en-US" sz="1800" spc="-1" strike="noStrike">
                 <a:solidFill>
                   <a:srgbClr val="000000"/>
                 </a:solidFill>
@@ -3122,7 +3143,7 @@
               </a:rPr>
               <a:t>Third Outline Level</a:t>
             </a:r>
-            <a:endParaRPr b="0" lang="en-US" sz="2800" spc="-1" strike="noStrike">
+            <a:endParaRPr b="0" lang="en-US" sz="1800" spc="-1" strike="noStrike">
               <a:solidFill>
                 <a:srgbClr val="000000"/>
               </a:solidFill>
@@ -3144,7 +3165,7 @@
               <a:buChar char=""/>
             </a:pPr>
             <a:r>
-              <a:rPr b="0" lang="en-US" sz="2800" spc="-1" strike="noStrike">
+              <a:rPr b="0" lang="en-US" sz="1800" spc="-1" strike="noStrike">
                 <a:solidFill>
                   <a:srgbClr val="000000"/>
                 </a:solidFill>
@@ -3157,7 +3178,7 @@
               </a:rPr>
               <a:t>Fourth Outline Level</a:t>
             </a:r>
-            <a:endParaRPr b="0" lang="en-US" sz="2800" spc="-1" strike="noStrike">
+            <a:endParaRPr b="0" lang="en-US" sz="1800" spc="-1" strike="noStrike">
               <a:solidFill>
                 <a:srgbClr val="000000"/>
               </a:solidFill>
@@ -3179,7 +3200,7 @@
               <a:buChar char=""/>
             </a:pPr>
             <a:r>
-              <a:rPr b="0" lang="en-US" sz="2800" spc="-1" strike="noStrike">
+              <a:rPr b="0" lang="en-US" sz="1800" spc="-1" strike="noStrike">
                 <a:solidFill>
                   <a:srgbClr val="000000"/>
                 </a:solidFill>
@@ -3192,7 +3213,7 @@
               </a:rPr>
               <a:t>Fifth Outline Level</a:t>
             </a:r>
-            <a:endParaRPr b="0" lang="en-US" sz="2800" spc="-1" strike="noStrike">
+            <a:endParaRPr b="0" lang="en-US" sz="1800" spc="-1" strike="noStrike">
               <a:solidFill>
                 <a:srgbClr val="000000"/>
               </a:solidFill>
@@ -3214,7 +3235,7 @@
               <a:buChar char=""/>
             </a:pPr>
             <a:r>
-              <a:rPr b="0" lang="en-US" sz="2800" spc="-1" strike="noStrike">
+              <a:rPr b="0" lang="en-US" sz="1800" spc="-1" strike="noStrike">
                 <a:solidFill>
                   <a:srgbClr val="000000"/>
                 </a:solidFill>
@@ -3227,7 +3248,7 @@
               </a:rPr>
               <a:t>Sixth Outline Level</a:t>
             </a:r>
-            <a:endParaRPr b="0" lang="en-US" sz="2800" spc="-1" strike="noStrike">
+            <a:endParaRPr b="0" lang="en-US" sz="1800" spc="-1" strike="noStrike">
               <a:solidFill>
                 <a:srgbClr val="000000"/>
               </a:solidFill>
@@ -3249,7 +3270,7 @@
               <a:buChar char=""/>
             </a:pPr>
             <a:r>
-              <a:rPr b="0" lang="en-US" sz="2800" spc="-1" strike="noStrike">
+              <a:rPr b="0" lang="en-US" sz="1800" spc="-1" strike="noStrike">
                 <a:solidFill>
                   <a:srgbClr val="000000"/>
                 </a:solidFill>
@@ -3262,7 +3283,7 @@
               </a:rPr>
               <a:t>Seventh Outline Level</a:t>
             </a:r>
-            <a:endParaRPr b="0" lang="en-US" sz="2800" spc="-1" strike="noStrike">
+            <a:endParaRPr b="0" lang="en-US" sz="1800" spc="-1" strike="noStrike">
               <a:solidFill>
                 <a:srgbClr val="000000"/>
               </a:solidFill>
@@ -3288,8 +3309,8 @@
         </p:nvSpPr>
         <p:spPr>
           <a:xfrm>
-            <a:off x="5152680" y="1769040"/>
-            <a:ext cx="4426560" cy="2090880"/>
+            <a:off x="5152320" y="1769040"/>
+            <a:ext cx="4426200" cy="2090520"/>
           </a:xfrm>
           <a:prstGeom prst="rect">
             <a:avLst/>
@@ -3307,7 +3328,7 @@
               <a:buChar char=""/>
             </a:pPr>
             <a:r>
-              <a:rPr b="0" lang="en-US" sz="2800" spc="-1" strike="noStrike">
+              <a:rPr b="0" lang="en-US" sz="1800" spc="-1" strike="noStrike">
                 <a:solidFill>
                   <a:srgbClr val="000000"/>
                 </a:solidFill>
@@ -3320,7 +3341,7 @@
               </a:rPr>
               <a:t>Click to edit the outline text format</a:t>
             </a:r>
-            <a:endParaRPr b="0" lang="en-US" sz="2800" spc="-1" strike="noStrike">
+            <a:endParaRPr b="0" lang="en-US" sz="1800" spc="-1" strike="noStrike">
               <a:solidFill>
                 <a:srgbClr val="000000"/>
               </a:solidFill>
@@ -3342,7 +3363,7 @@
               <a:buChar char=""/>
             </a:pPr>
             <a:r>
-              <a:rPr b="0" lang="en-US" sz="2800" spc="-1" strike="noStrike">
+              <a:rPr b="0" lang="en-US" sz="1800" spc="-1" strike="noStrike">
                 <a:solidFill>
                   <a:srgbClr val="000000"/>
                 </a:solidFill>
@@ -3355,7 +3376,7 @@
               </a:rPr>
               <a:t>Second Outline Level</a:t>
             </a:r>
-            <a:endParaRPr b="0" lang="en-US" sz="2800" spc="-1" strike="noStrike">
+            <a:endParaRPr b="0" lang="en-US" sz="1800" spc="-1" strike="noStrike">
               <a:solidFill>
                 <a:srgbClr val="000000"/>
               </a:solidFill>
@@ -3377,7 +3398,7 @@
               <a:buChar char=""/>
             </a:pPr>
             <a:r>
-              <a:rPr b="0" lang="en-US" sz="2800" spc="-1" strike="noStrike">
+              <a:rPr b="0" lang="en-US" sz="1800" spc="-1" strike="noStrike">
                 <a:solidFill>
                   <a:srgbClr val="000000"/>
                 </a:solidFill>
@@ -3390,7 +3411,7 @@
               </a:rPr>
               <a:t>Third Outline Level</a:t>
             </a:r>
-            <a:endParaRPr b="0" lang="en-US" sz="2800" spc="-1" strike="noStrike">
+            <a:endParaRPr b="0" lang="en-US" sz="1800" spc="-1" strike="noStrike">
               <a:solidFill>
                 <a:srgbClr val="000000"/>
               </a:solidFill>
@@ -3412,7 +3433,7 @@
               <a:buChar char=""/>
             </a:pPr>
             <a:r>
-              <a:rPr b="0" lang="en-US" sz="2800" spc="-1" strike="noStrike">
+              <a:rPr b="0" lang="en-US" sz="1800" spc="-1" strike="noStrike">
                 <a:solidFill>
                   <a:srgbClr val="000000"/>
                 </a:solidFill>
@@ -3425,7 +3446,7 @@
               </a:rPr>
               <a:t>Fourth Outline Level</a:t>
             </a:r>
-            <a:endParaRPr b="0" lang="en-US" sz="2800" spc="-1" strike="noStrike">
+            <a:endParaRPr b="0" lang="en-US" sz="1800" spc="-1" strike="noStrike">
               <a:solidFill>
                 <a:srgbClr val="000000"/>
               </a:solidFill>
@@ -3447,7 +3468,7 @@
               <a:buChar char=""/>
             </a:pPr>
             <a:r>
-              <a:rPr b="0" lang="en-US" sz="2800" spc="-1" strike="noStrike">
+              <a:rPr b="0" lang="en-US" sz="1800" spc="-1" strike="noStrike">
                 <a:solidFill>
                   <a:srgbClr val="000000"/>
                 </a:solidFill>
@@ -3460,7 +3481,7 @@
               </a:rPr>
               <a:t>Fifth Outline Level</a:t>
             </a:r>
-            <a:endParaRPr b="0" lang="en-US" sz="2800" spc="-1" strike="noStrike">
+            <a:endParaRPr b="0" lang="en-US" sz="1800" spc="-1" strike="noStrike">
               <a:solidFill>
                 <a:srgbClr val="000000"/>
               </a:solidFill>
@@ -3482,7 +3503,7 @@
               <a:buChar char=""/>
             </a:pPr>
             <a:r>
-              <a:rPr b="0" lang="en-US" sz="2800" spc="-1" strike="noStrike">
+              <a:rPr b="0" lang="en-US" sz="1800" spc="-1" strike="noStrike">
                 <a:solidFill>
                   <a:srgbClr val="000000"/>
                 </a:solidFill>
@@ -3495,7 +3516,7 @@
               </a:rPr>
               <a:t>Sixth Outline Level</a:t>
             </a:r>
-            <a:endParaRPr b="0" lang="en-US" sz="2800" spc="-1" strike="noStrike">
+            <a:endParaRPr b="0" lang="en-US" sz="1800" spc="-1" strike="noStrike">
               <a:solidFill>
                 <a:srgbClr val="000000"/>
               </a:solidFill>
@@ -3517,7 +3538,7 @@
               <a:buChar char=""/>
             </a:pPr>
             <a:r>
-              <a:rPr b="0" lang="en-US" sz="2800" spc="-1" strike="noStrike">
+              <a:rPr b="0" lang="en-US" sz="1800" spc="-1" strike="noStrike">
                 <a:solidFill>
                   <a:srgbClr val="000000"/>
                 </a:solidFill>
@@ -3530,7 +3551,7 @@
               </a:rPr>
               <a:t>Seventh Outline Level</a:t>
             </a:r>
-            <a:endParaRPr b="0" lang="en-US" sz="2800" spc="-1" strike="noStrike">
+            <a:endParaRPr b="0" lang="en-US" sz="1800" spc="-1" strike="noStrike">
               <a:solidFill>
                 <a:srgbClr val="000000"/>
               </a:solidFill>
@@ -3556,8 +3577,8 @@
         </p:nvSpPr>
         <p:spPr>
           <a:xfrm>
-            <a:off x="504000" y="4059360"/>
-            <a:ext cx="9071280" cy="2090880"/>
+            <a:off x="504000" y="4059000"/>
+            <a:ext cx="9070920" cy="2090520"/>
           </a:xfrm>
           <a:prstGeom prst="rect">
             <a:avLst/>
@@ -3575,7 +3596,7 @@
               <a:buChar char=""/>
             </a:pPr>
             <a:r>
-              <a:rPr b="0" lang="en-US" sz="2800" spc="-1" strike="noStrike">
+              <a:rPr b="0" lang="en-US" sz="1800" spc="-1" strike="noStrike">
                 <a:solidFill>
                   <a:srgbClr val="000000"/>
                 </a:solidFill>
@@ -3588,7 +3609,7 @@
               </a:rPr>
               <a:t>Click to edit the outline text format</a:t>
             </a:r>
-            <a:endParaRPr b="0" lang="en-US" sz="2800" spc="-1" strike="noStrike">
+            <a:endParaRPr b="0" lang="en-US" sz="1800" spc="-1" strike="noStrike">
               <a:solidFill>
                 <a:srgbClr val="000000"/>
               </a:solidFill>
@@ -3610,7 +3631,7 @@
               <a:buChar char=""/>
             </a:pPr>
             <a:r>
-              <a:rPr b="0" lang="en-US" sz="2800" spc="-1" strike="noStrike">
+              <a:rPr b="0" lang="en-US" sz="1800" spc="-1" strike="noStrike">
                 <a:solidFill>
                   <a:srgbClr val="000000"/>
                 </a:solidFill>
@@ -3623,7 +3644,7 @@
               </a:rPr>
               <a:t>Second Outline Level</a:t>
             </a:r>
-            <a:endParaRPr b="0" lang="en-US" sz="2800" spc="-1" strike="noStrike">
+            <a:endParaRPr b="0" lang="en-US" sz="1800" spc="-1" strike="noStrike">
               <a:solidFill>
                 <a:srgbClr val="000000"/>
               </a:solidFill>
@@ -3645,7 +3666,7 @@
               <a:buChar char=""/>
             </a:pPr>
             <a:r>
-              <a:rPr b="0" lang="en-US" sz="2800" spc="-1" strike="noStrike">
+              <a:rPr b="0" lang="en-US" sz="1800" spc="-1" strike="noStrike">
                 <a:solidFill>
                   <a:srgbClr val="000000"/>
                 </a:solidFill>
@@ -3658,7 +3679,7 @@
               </a:rPr>
               <a:t>Third Outline Level</a:t>
             </a:r>
-            <a:endParaRPr b="0" lang="en-US" sz="2800" spc="-1" strike="noStrike">
+            <a:endParaRPr b="0" lang="en-US" sz="1800" spc="-1" strike="noStrike">
               <a:solidFill>
                 <a:srgbClr val="000000"/>
               </a:solidFill>
@@ -3680,7 +3701,7 @@
               <a:buChar char=""/>
             </a:pPr>
             <a:r>
-              <a:rPr b="0" lang="en-US" sz="2800" spc="-1" strike="noStrike">
+              <a:rPr b="0" lang="en-US" sz="1800" spc="-1" strike="noStrike">
                 <a:solidFill>
                   <a:srgbClr val="000000"/>
                 </a:solidFill>
@@ -3693,7 +3714,7 @@
               </a:rPr>
               <a:t>Fourth Outline Level</a:t>
             </a:r>
-            <a:endParaRPr b="0" lang="en-US" sz="2800" spc="-1" strike="noStrike">
+            <a:endParaRPr b="0" lang="en-US" sz="1800" spc="-1" strike="noStrike">
               <a:solidFill>
                 <a:srgbClr val="000000"/>
               </a:solidFill>
@@ -3715,7 +3736,7 @@
               <a:buChar char=""/>
             </a:pPr>
             <a:r>
-              <a:rPr b="0" lang="en-US" sz="2800" spc="-1" strike="noStrike">
+              <a:rPr b="0" lang="en-US" sz="1800" spc="-1" strike="noStrike">
                 <a:solidFill>
                   <a:srgbClr val="000000"/>
                 </a:solidFill>
@@ -3728,7 +3749,7 @@
               </a:rPr>
               <a:t>Fifth Outline Level</a:t>
             </a:r>
-            <a:endParaRPr b="0" lang="en-US" sz="2800" spc="-1" strike="noStrike">
+            <a:endParaRPr b="0" lang="en-US" sz="1800" spc="-1" strike="noStrike">
               <a:solidFill>
                 <a:srgbClr val="000000"/>
               </a:solidFill>
@@ -3750,7 +3771,7 @@
               <a:buChar char=""/>
             </a:pPr>
             <a:r>
-              <a:rPr b="0" lang="en-US" sz="2800" spc="-1" strike="noStrike">
+              <a:rPr b="0" lang="en-US" sz="1800" spc="-1" strike="noStrike">
                 <a:solidFill>
                   <a:srgbClr val="000000"/>
                 </a:solidFill>
@@ -3763,7 +3784,7 @@
               </a:rPr>
               <a:t>Sixth Outline Level</a:t>
             </a:r>
-            <a:endParaRPr b="0" lang="en-US" sz="2800" spc="-1" strike="noStrike">
+            <a:endParaRPr b="0" lang="en-US" sz="1800" spc="-1" strike="noStrike">
               <a:solidFill>
                 <a:srgbClr val="000000"/>
               </a:solidFill>
@@ -3785,7 +3806,7 @@
               <a:buChar char=""/>
             </a:pPr>
             <a:r>
-              <a:rPr b="0" lang="en-US" sz="2800" spc="-1" strike="noStrike">
+              <a:rPr b="0" lang="en-US" sz="1800" spc="-1" strike="noStrike">
                 <a:solidFill>
                   <a:srgbClr val="000000"/>
                 </a:solidFill>
@@ -3798,7 +3819,7 @@
               </a:rPr>
               <a:t>Seventh Outline Level</a:t>
             </a:r>
-            <a:endParaRPr b="0" lang="en-US" sz="2800" spc="-1" strike="noStrike">
+            <a:endParaRPr b="0" lang="en-US" sz="1800" spc="-1" strike="noStrike">
               <a:solidFill>
                 <a:srgbClr val="000000"/>
               </a:solidFill>
@@ -3869,7 +3890,7 @@
         <p:spPr>
           <a:xfrm>
             <a:off x="504000" y="301320"/>
-            <a:ext cx="9071280" cy="1261800"/>
+            <a:ext cx="9072000" cy="1261800"/>
           </a:xfrm>
           <a:prstGeom prst="rect">
             <a:avLst/>
@@ -3878,7 +3899,22 @@
         <p:txBody>
           <a:bodyPr lIns="0" rIns="0" tIns="0" bIns="0" anchor="ctr"/>
           <a:p>
-            <a:endParaRPr b="0" lang="en-US" sz="1800" spc="-1" strike="noStrike">
+            <a:pPr algn="ctr"/>
+            <a:r>
+              <a:rPr b="0" lang="en-US" sz="4400" spc="-1" strike="noStrike">
+                <a:solidFill>
+                  <a:srgbClr val="000000"/>
+                </a:solidFill>
+                <a:uFill>
+                  <a:solidFill>
+                    <a:srgbClr val="ffffff"/>
+                  </a:solidFill>
+                </a:uFill>
+                <a:latin typeface="Arial"/>
+              </a:rPr>
+              <a:t>Click to edit the title text format</a:t>
+            </a:r>
+            <a:endParaRPr b="0" lang="en-US" sz="4400" spc="-1" strike="noStrike">
               <a:solidFill>
                 <a:srgbClr val="000000"/>
               </a:solidFill>
@@ -3904,8 +3940,8 @@
         </p:nvSpPr>
         <p:spPr>
           <a:xfrm>
-            <a:off x="504000" y="1769040"/>
-            <a:ext cx="9071280" cy="4384080"/>
+            <a:off x="504000" y="1768680"/>
+            <a:ext cx="9072000" cy="4384080"/>
           </a:xfrm>
           <a:prstGeom prst="rect">
             <a:avLst/>
@@ -3923,7 +3959,7 @@
               <a:buChar char=""/>
             </a:pPr>
             <a:r>
-              <a:rPr b="0" lang="en-US" sz="2800" spc="-1" strike="noStrike">
+              <a:rPr b="0" lang="en-US" sz="3200" spc="-1" strike="noStrike">
                 <a:solidFill>
                   <a:srgbClr val="000000"/>
                 </a:solidFill>
@@ -3936,7 +3972,7 @@
               </a:rPr>
               <a:t>Click to edit the outline text format</a:t>
             </a:r>
-            <a:endParaRPr b="0" lang="en-US" sz="2800" spc="-1" strike="noStrike">
+            <a:endParaRPr b="0" lang="en-US" sz="3200" spc="-1" strike="noStrike">
               <a:solidFill>
                 <a:srgbClr val="000000"/>
               </a:solidFill>
@@ -3993,7 +4029,7 @@
               <a:buChar char=""/>
             </a:pPr>
             <a:r>
-              <a:rPr b="0" lang="en-US" sz="2800" spc="-1" strike="noStrike">
+              <a:rPr b="0" lang="en-US" sz="2400" spc="-1" strike="noStrike">
                 <a:solidFill>
                   <a:srgbClr val="000000"/>
                 </a:solidFill>
@@ -4006,7 +4042,7 @@
               </a:rPr>
               <a:t>Third Outline Level</a:t>
             </a:r>
-            <a:endParaRPr b="0" lang="en-US" sz="2800" spc="-1" strike="noStrike">
+            <a:endParaRPr b="0" lang="en-US" sz="2400" spc="-1" strike="noStrike">
               <a:solidFill>
                 <a:srgbClr val="000000"/>
               </a:solidFill>
@@ -4028,7 +4064,7 @@
               <a:buChar char=""/>
             </a:pPr>
             <a:r>
-              <a:rPr b="0" lang="en-US" sz="2800" spc="-1" strike="noStrike">
+              <a:rPr b="0" lang="en-US" sz="2000" spc="-1" strike="noStrike">
                 <a:solidFill>
                   <a:srgbClr val="000000"/>
                 </a:solidFill>
@@ -4041,7 +4077,7 @@
               </a:rPr>
               <a:t>Fourth Outline Level</a:t>
             </a:r>
-            <a:endParaRPr b="0" lang="en-US" sz="2800" spc="-1" strike="noStrike">
+            <a:endParaRPr b="0" lang="en-US" sz="2000" spc="-1" strike="noStrike">
               <a:solidFill>
                 <a:srgbClr val="000000"/>
               </a:solidFill>
@@ -4063,7 +4099,7 @@
               <a:buChar char=""/>
             </a:pPr>
             <a:r>
-              <a:rPr b="0" lang="en-US" sz="2800" spc="-1" strike="noStrike">
+              <a:rPr b="0" lang="en-US" sz="2000" spc="-1" strike="noStrike">
                 <a:solidFill>
                   <a:srgbClr val="000000"/>
                 </a:solidFill>
@@ -4076,7 +4112,7 @@
               </a:rPr>
               <a:t>Fifth Outline Level</a:t>
             </a:r>
-            <a:endParaRPr b="0" lang="en-US" sz="2800" spc="-1" strike="noStrike">
+            <a:endParaRPr b="0" lang="en-US" sz="2000" spc="-1" strike="noStrike">
               <a:solidFill>
                 <a:srgbClr val="000000"/>
               </a:solidFill>
@@ -4098,7 +4134,7 @@
               <a:buChar char=""/>
             </a:pPr>
             <a:r>
-              <a:rPr b="0" lang="en-US" sz="2800" spc="-1" strike="noStrike">
+              <a:rPr b="0" lang="en-US" sz="2000" spc="-1" strike="noStrike">
                 <a:solidFill>
                   <a:srgbClr val="000000"/>
                 </a:solidFill>
@@ -4111,7 +4147,7 @@
               </a:rPr>
               <a:t>Sixth Outline Level</a:t>
             </a:r>
-            <a:endParaRPr b="0" lang="en-US" sz="2800" spc="-1" strike="noStrike">
+            <a:endParaRPr b="0" lang="en-US" sz="2000" spc="-1" strike="noStrike">
               <a:solidFill>
                 <a:srgbClr val="000000"/>
               </a:solidFill>
@@ -4133,7 +4169,7 @@
               <a:buChar char=""/>
             </a:pPr>
             <a:r>
-              <a:rPr b="0" lang="en-US" sz="2800" spc="-1" strike="noStrike">
+              <a:rPr b="0" lang="en-US" sz="2000" spc="-1" strike="noStrike">
                 <a:solidFill>
                   <a:srgbClr val="000000"/>
                 </a:solidFill>
@@ -4146,7 +4182,7 @@
               </a:rPr>
               <a:t>Seventh Outline Level</a:t>
             </a:r>
-            <a:endParaRPr b="0" lang="en-US" sz="2800" spc="-1" strike="noStrike">
+            <a:endParaRPr b="0" lang="en-US" sz="2000" spc="-1" strike="noStrike">
               <a:solidFill>
                 <a:srgbClr val="000000"/>
               </a:solidFill>
@@ -4206,7 +4242,7 @@
         <p:spPr>
           <a:xfrm>
             <a:off x="621000" y="18000"/>
-            <a:ext cx="9071280" cy="1261800"/>
+            <a:ext cx="9070920" cy="1261440"/>
           </a:xfrm>
           <a:prstGeom prst="rect">
             <a:avLst/>
@@ -4245,7 +4281,7 @@
               </a:rPr>
               <a:t>Order Processing Application</a:t>
             </a:r>
-            <a:endParaRPr b="0" lang="en-US" sz="1600" spc="-1" strike="noStrike">
+            <a:endParaRPr b="0" lang="en-US" sz="1800" spc="-1" strike="noStrike">
               <a:solidFill>
                 <a:srgbClr val="000000"/>
               </a:solidFill>
@@ -4268,7 +4304,7 @@
         <p:spPr>
           <a:xfrm>
             <a:off x="504000" y="3200400"/>
-            <a:ext cx="9071280" cy="1737000"/>
+            <a:ext cx="9070920" cy="1736640"/>
           </a:xfrm>
           <a:prstGeom prst="rect">
             <a:avLst/>
@@ -4287,7 +4323,7 @@
         <p:txBody>
           <a:bodyPr lIns="0" rIns="0" tIns="0" bIns="0"/>
           <a:p>
-            <a:pPr marL="432000" indent="-323640">
+            <a:pPr marL="432000" indent="-323280">
               <a:lnSpc>
                 <a:spcPct val="100000"/>
               </a:lnSpc>
@@ -4343,20 +4379,20 @@
               </a:rPr>
               <a:t>)</a:t>
             </a:r>
-            <a:endParaRPr b="0" lang="en-US" sz="1600" spc="-1" strike="noStrike">
-              <a:solidFill>
-                <a:srgbClr val="000000"/>
-              </a:solidFill>
-              <a:uFill>
-                <a:solidFill>
-                  <a:srgbClr val="ffffff"/>
-                </a:solidFill>
-              </a:uFill>
-              <a:latin typeface="Arial"/>
-            </a:endParaRPr>
-          </a:p>
-          <a:p>
-            <a:pPr marL="432000" indent="-323640">
+            <a:endParaRPr b="0" lang="en-US" sz="1800" spc="-1" strike="noStrike">
+              <a:solidFill>
+                <a:srgbClr val="000000"/>
+              </a:solidFill>
+              <a:uFill>
+                <a:solidFill>
+                  <a:srgbClr val="ffffff"/>
+                </a:solidFill>
+              </a:uFill>
+              <a:latin typeface="Arial"/>
+            </a:endParaRPr>
+          </a:p>
+          <a:p>
+            <a:pPr marL="432000" indent="-323280">
               <a:lnSpc>
                 <a:spcPct val="100000"/>
               </a:lnSpc>
@@ -4382,7 +4418,7 @@
               </a:rPr>
               <a:t>Michael_Bertucci@student.uml.edu</a:t>
             </a:r>
-            <a:endParaRPr b="0" lang="en-US" sz="1600" spc="-1" strike="noStrike">
+            <a:endParaRPr b="0" lang="en-US" sz="1800" spc="-1" strike="noStrike">
               <a:solidFill>
                 <a:srgbClr val="000000"/>
               </a:solidFill>
@@ -4405,7 +4441,7 @@
         <p:spPr>
           <a:xfrm>
             <a:off x="529560" y="1371600"/>
-            <a:ext cx="9071280" cy="1462680"/>
+            <a:ext cx="9070920" cy="1462320"/>
           </a:xfrm>
           <a:prstGeom prst="rect">
             <a:avLst/>
@@ -4424,7 +4460,7 @@
         <p:txBody>
           <a:bodyPr lIns="0" rIns="0" tIns="0" bIns="0"/>
           <a:p>
-            <a:pPr marL="432000" indent="-323640">
+            <a:pPr marL="432000" indent="-323280">
               <a:lnSpc>
                 <a:spcPct val="100000"/>
               </a:lnSpc>
@@ -4480,20 +4516,20 @@
               </a:rPr>
               <a:t>)</a:t>
             </a:r>
-            <a:endParaRPr b="0" lang="en-US" sz="1600" spc="-1" strike="noStrike">
-              <a:solidFill>
-                <a:srgbClr val="000000"/>
-              </a:solidFill>
-              <a:uFill>
-                <a:solidFill>
-                  <a:srgbClr val="ffffff"/>
-                </a:solidFill>
-              </a:uFill>
-              <a:latin typeface="Arial"/>
-            </a:endParaRPr>
-          </a:p>
-          <a:p>
-            <a:pPr marL="432000" indent="-323640">
+            <a:endParaRPr b="0" lang="en-US" sz="1800" spc="-1" strike="noStrike">
+              <a:solidFill>
+                <a:srgbClr val="000000"/>
+              </a:solidFill>
+              <a:uFill>
+                <a:solidFill>
+                  <a:srgbClr val="ffffff"/>
+                </a:solidFill>
+              </a:uFill>
+              <a:latin typeface="Arial"/>
+            </a:endParaRPr>
+          </a:p>
+          <a:p>
+            <a:pPr marL="432000" indent="-323280">
               <a:lnSpc>
                 <a:spcPct val="100000"/>
               </a:lnSpc>
@@ -4519,7 +4555,7 @@
               </a:rPr>
               <a:t>Muhammed_Khalid@student.uml.edu</a:t>
             </a:r>
-            <a:endParaRPr b="0" lang="en-US" sz="1600" spc="-1" strike="noStrike">
+            <a:endParaRPr b="0" lang="en-US" sz="1800" spc="-1" strike="noStrike">
               <a:solidFill>
                 <a:srgbClr val="000000"/>
               </a:solidFill>
@@ -4542,7 +4578,7 @@
         <p:spPr>
           <a:xfrm>
             <a:off x="529560" y="5303520"/>
-            <a:ext cx="9071280" cy="1816560"/>
+            <a:ext cx="9070920" cy="1816200"/>
           </a:xfrm>
           <a:prstGeom prst="rect">
             <a:avLst/>
@@ -4561,7 +4597,7 @@
         <p:txBody>
           <a:bodyPr lIns="0" rIns="0" tIns="0" bIns="0"/>
           <a:p>
-            <a:pPr marL="432000" indent="-323640">
+            <a:pPr marL="432000" indent="-323280">
               <a:lnSpc>
                 <a:spcPct val="100000"/>
               </a:lnSpc>
@@ -4617,20 +4653,20 @@
               </a:rPr>
               <a:t>)</a:t>
             </a:r>
-            <a:endParaRPr b="0" lang="en-US" sz="1600" spc="-1" strike="noStrike">
-              <a:solidFill>
-                <a:srgbClr val="000000"/>
-              </a:solidFill>
-              <a:uFill>
-                <a:solidFill>
-                  <a:srgbClr val="ffffff"/>
-                </a:solidFill>
-              </a:uFill>
-              <a:latin typeface="Arial"/>
-            </a:endParaRPr>
-          </a:p>
-          <a:p>
-            <a:pPr marL="432000" indent="-323640">
+            <a:endParaRPr b="0" lang="en-US" sz="1800" spc="-1" strike="noStrike">
+              <a:solidFill>
+                <a:srgbClr val="000000"/>
+              </a:solidFill>
+              <a:uFill>
+                <a:solidFill>
+                  <a:srgbClr val="ffffff"/>
+                </a:solidFill>
+              </a:uFill>
+              <a:latin typeface="Arial"/>
+            </a:endParaRPr>
+          </a:p>
+          <a:p>
+            <a:pPr marL="432000" indent="-323280">
               <a:lnSpc>
                 <a:spcPct val="100000"/>
               </a:lnSpc>
@@ -4656,7 +4692,7 @@
               </a:rPr>
               <a:t>Vibhuti_Patel@student.uml.edu</a:t>
             </a:r>
-            <a:endParaRPr b="0" lang="en-US" sz="1600" spc="-1" strike="noStrike">
+            <a:endParaRPr b="0" lang="en-US" sz="1800" spc="-1" strike="noStrike">
               <a:solidFill>
                 <a:srgbClr val="000000"/>
               </a:solidFill>
@@ -4727,355 +4763,94 @@
         </p:nvSpPr>
         <p:spPr>
           <a:xfrm>
-            <a:off x="304920" y="478800"/>
-            <a:ext cx="9579240" cy="6603480"/>
-          </a:xfrm>
-          <a:prstGeom prst="rect">
-            <a:avLst/>
-          </a:prstGeom>
+            <a:off x="504000" y="301320"/>
+            <a:ext cx="9070920" cy="1134720"/>
+          </a:xfrm>
+          <a:prstGeom prst="rect">
+            <a:avLst/>
+          </a:prstGeom>
+          <a:noFill/>
           <a:ln>
-            <a:round/>
+            <a:noFill/>
           </a:ln>
         </p:spPr>
         <p:style>
-          <a:lnRef idx="2">
-            <a:schemeClr val="accent3"/>
-          </a:lnRef>
-          <a:fillRef idx="1">
-            <a:schemeClr val="lt1"/>
-          </a:fillRef>
-          <a:effectRef idx="0">
-            <a:schemeClr val="accent3"/>
-          </a:effectRef>
+          <a:lnRef idx="0"/>
+          <a:fillRef idx="0"/>
+          <a:effectRef idx="0"/>
           <a:fontRef idx="minor"/>
         </p:style>
         <p:txBody>
+          <a:bodyPr lIns="0" rIns="0" tIns="0" bIns="0" anchor="ctr"/>
+          <a:p>
+            <a:pPr>
+              <a:lnSpc>
+                <a:spcPct val="90000"/>
+              </a:lnSpc>
+            </a:pPr>
+            <a:r>
+              <a:rPr b="1" lang="en-US" sz="4400" spc="-1" strike="noStrike">
+                <a:solidFill>
+                  <a:srgbClr val="8064a2"/>
+                </a:solidFill>
+                <a:uFill>
+                  <a:solidFill>
+                    <a:srgbClr val="ffffff"/>
+                  </a:solidFill>
+                </a:uFill>
+                <a:latin typeface="Arial"/>
+                <a:ea typeface="DejaVu Sans"/>
+              </a:rPr>
+              <a:t>Introduction</a:t>
+            </a:r>
+            <a:endParaRPr b="0" lang="en-US" sz="1800" spc="-1" strike="noStrike">
+              <a:solidFill>
+                <a:srgbClr val="000000"/>
+              </a:solidFill>
+              <a:uFill>
+                <a:solidFill>
+                  <a:srgbClr val="ffffff"/>
+                </a:solidFill>
+              </a:uFill>
+              <a:latin typeface="Arial"/>
+            </a:endParaRPr>
+          </a:p>
+        </p:txBody>
+      </p:sp>
+      <p:sp>
+        <p:nvSpPr>
+          <p:cNvPr id="79" name="CustomShape 2"/>
+          <p:cNvSpPr/>
+          <p:nvPr/>
+        </p:nvSpPr>
+        <p:spPr>
+          <a:xfrm>
+            <a:off x="504000" y="1436760"/>
+            <a:ext cx="9070920" cy="5529240"/>
+          </a:xfrm>
+          <a:prstGeom prst="rect">
+            <a:avLst/>
+          </a:prstGeom>
+          <a:noFill/>
+          <a:ln>
+            <a:noFill/>
+          </a:ln>
+        </p:spPr>
+        <p:style>
+          <a:lnRef idx="0"/>
+          <a:fillRef idx="0"/>
+          <a:effectRef idx="0"/>
+          <a:fontRef idx="minor"/>
+        </p:style>
+        <p:txBody>
           <a:bodyPr lIns="0" rIns="0" tIns="0" bIns="0"/>
-          <a:p>
-            <a:pPr marL="457200" indent="-456840">
-              <a:lnSpc>
-                <a:spcPct val="100000"/>
-              </a:lnSpc>
-              <a:buClr>
-                <a:srgbClr val="953735"/>
-              </a:buClr>
-              <a:buFont typeface="Wingdings" charset="2"/>
-              <a:buChar char=""/>
-            </a:pPr>
-            <a:r>
-              <a:rPr b="0" lang="en-US" sz="3200" spc="-1" strike="noStrike">
-                <a:solidFill>
-                  <a:srgbClr val="953735"/>
-                </a:solidFill>
-                <a:uFill>
-                  <a:solidFill>
-                    <a:srgbClr val="ffffff"/>
-                  </a:solidFill>
-                </a:uFill>
-                <a:latin typeface="Arial"/>
-                <a:ea typeface="DejaVu Sans"/>
-              </a:rPr>
-              <a:t>    </a:t>
-            </a:r>
-            <a:r>
-              <a:rPr b="0" lang="en-US" sz="3200" spc="-1" strike="noStrike">
-                <a:solidFill>
-                  <a:srgbClr val="953735"/>
-                </a:solidFill>
-                <a:uFill>
-                  <a:solidFill>
-                    <a:srgbClr val="ffffff"/>
-                  </a:solidFill>
-                </a:uFill>
-                <a:latin typeface="Arial"/>
-                <a:ea typeface="DejaVu Sans"/>
-              </a:rPr>
-              <a:t>Has been ordered?</a:t>
-            </a:r>
-            <a:endParaRPr b="0" lang="en-US" sz="1600" spc="-1" strike="noStrike">
-              <a:solidFill>
-                <a:srgbClr val="000000"/>
-              </a:solidFill>
-              <a:uFill>
-                <a:solidFill>
-                  <a:srgbClr val="ffffff"/>
-                </a:solidFill>
-              </a:uFill>
-              <a:latin typeface="Arial"/>
-            </a:endParaRPr>
-          </a:p>
-          <a:p>
-            <a:pPr marL="457200" indent="-456840">
-              <a:lnSpc>
-                <a:spcPct val="100000"/>
-              </a:lnSpc>
-              <a:buClr>
-                <a:srgbClr val="953735"/>
-              </a:buClr>
-              <a:buFont typeface="Wingdings" charset="2"/>
-              <a:buChar char=""/>
-            </a:pPr>
-            <a:r>
-              <a:rPr b="0" lang="en-US" sz="3200" spc="-1" strike="noStrike">
-                <a:solidFill>
-                  <a:srgbClr val="953735"/>
-                </a:solidFill>
-                <a:uFill>
-                  <a:solidFill>
-                    <a:srgbClr val="ffffff"/>
-                  </a:solidFill>
-                </a:uFill>
-                <a:latin typeface="Arial"/>
-                <a:ea typeface="DejaVu Sans"/>
-              </a:rPr>
-              <a:t>    </a:t>
-            </a:r>
-            <a:r>
-              <a:rPr b="0" lang="en-US" sz="3200" spc="-1" strike="noStrike">
-                <a:solidFill>
-                  <a:srgbClr val="953735"/>
-                </a:solidFill>
-                <a:uFill>
-                  <a:solidFill>
-                    <a:srgbClr val="ffffff"/>
-                  </a:solidFill>
-                </a:uFill>
-                <a:latin typeface="Arial"/>
-                <a:ea typeface="DejaVu Sans"/>
-              </a:rPr>
-              <a:t>Who has ordered?</a:t>
-            </a:r>
-            <a:endParaRPr b="0" lang="en-US" sz="1600" spc="-1" strike="noStrike">
-              <a:solidFill>
-                <a:srgbClr val="000000"/>
-              </a:solidFill>
-              <a:uFill>
-                <a:solidFill>
-                  <a:srgbClr val="ffffff"/>
-                </a:solidFill>
-              </a:uFill>
-              <a:latin typeface="Arial"/>
-            </a:endParaRPr>
-          </a:p>
-          <a:p>
-            <a:pPr marL="457200" indent="-456840">
-              <a:lnSpc>
-                <a:spcPct val="100000"/>
-              </a:lnSpc>
-              <a:buClr>
-                <a:srgbClr val="953735"/>
-              </a:buClr>
-              <a:buFont typeface="Wingdings" charset="2"/>
-              <a:buChar char=""/>
-            </a:pPr>
-            <a:r>
-              <a:rPr b="0" lang="en-US" sz="3200" spc="-1" strike="noStrike">
-                <a:solidFill>
-                  <a:srgbClr val="953735"/>
-                </a:solidFill>
-                <a:uFill>
-                  <a:solidFill>
-                    <a:srgbClr val="ffffff"/>
-                  </a:solidFill>
-                </a:uFill>
-                <a:latin typeface="Arial"/>
-                <a:ea typeface="DejaVu Sans"/>
-              </a:rPr>
-              <a:t>    </a:t>
-            </a:r>
-            <a:r>
-              <a:rPr b="0" lang="en-US" sz="3200" spc="-1" strike="noStrike">
-                <a:solidFill>
-                  <a:srgbClr val="953735"/>
-                </a:solidFill>
-                <a:uFill>
-                  <a:solidFill>
-                    <a:srgbClr val="ffffff"/>
-                  </a:solidFill>
-                </a:uFill>
-                <a:latin typeface="Arial"/>
-                <a:ea typeface="DejaVu Sans"/>
-              </a:rPr>
-              <a:t>For which project work?</a:t>
-            </a:r>
-            <a:endParaRPr b="0" lang="en-US" sz="1600" spc="-1" strike="noStrike">
-              <a:solidFill>
-                <a:srgbClr val="000000"/>
-              </a:solidFill>
-              <a:uFill>
-                <a:solidFill>
-                  <a:srgbClr val="ffffff"/>
-                </a:solidFill>
-              </a:uFill>
-              <a:latin typeface="Arial"/>
-            </a:endParaRPr>
-          </a:p>
-          <a:p>
-            <a:pPr marL="457200" indent="-456840">
-              <a:lnSpc>
-                <a:spcPct val="100000"/>
-              </a:lnSpc>
-              <a:buClr>
-                <a:srgbClr val="953735"/>
-              </a:buClr>
-              <a:buFont typeface="Wingdings" charset="2"/>
-              <a:buChar char=""/>
-            </a:pPr>
-            <a:r>
-              <a:rPr b="0" lang="en-US" sz="3200" spc="-1" strike="noStrike">
-                <a:solidFill>
-                  <a:srgbClr val="953735"/>
-                </a:solidFill>
-                <a:uFill>
-                  <a:solidFill>
-                    <a:srgbClr val="ffffff"/>
-                  </a:solidFill>
-                </a:uFill>
-                <a:latin typeface="Arial"/>
-                <a:ea typeface="DejaVu Sans"/>
-              </a:rPr>
-              <a:t>    </a:t>
-            </a:r>
-            <a:r>
-              <a:rPr b="0" lang="en-US" sz="3200" spc="-1" strike="noStrike">
-                <a:solidFill>
-                  <a:srgbClr val="953735"/>
-                </a:solidFill>
-                <a:uFill>
-                  <a:solidFill>
-                    <a:srgbClr val="ffffff"/>
-                  </a:solidFill>
-                </a:uFill>
-                <a:latin typeface="Arial"/>
-                <a:ea typeface="DejaVu Sans"/>
-              </a:rPr>
-              <a:t>How many? From where? Why?</a:t>
-            </a:r>
-            <a:endParaRPr b="0" lang="en-US" sz="1600" spc="-1" strike="noStrike">
-              <a:solidFill>
-                <a:srgbClr val="000000"/>
-              </a:solidFill>
-              <a:uFill>
-                <a:solidFill>
-                  <a:srgbClr val="ffffff"/>
-                </a:solidFill>
-              </a:uFill>
-              <a:latin typeface="Arial"/>
-            </a:endParaRPr>
-          </a:p>
-          <a:p>
-            <a:pPr marL="457200" indent="-456840">
-              <a:lnSpc>
-                <a:spcPct val="100000"/>
-              </a:lnSpc>
-              <a:buClr>
-                <a:srgbClr val="953735"/>
-              </a:buClr>
-              <a:buFont typeface="Wingdings" charset="2"/>
-              <a:buChar char=""/>
-            </a:pPr>
-            <a:r>
-              <a:rPr b="0" lang="en-US" sz="3200" spc="-1" strike="noStrike">
-                <a:solidFill>
-                  <a:srgbClr val="953735"/>
-                </a:solidFill>
-                <a:uFill>
-                  <a:solidFill>
-                    <a:srgbClr val="ffffff"/>
-                  </a:solidFill>
-                </a:uFill>
-                <a:latin typeface="Arial"/>
-                <a:ea typeface="DejaVu Sans"/>
-              </a:rPr>
-              <a:t>    </a:t>
-            </a:r>
-            <a:r>
-              <a:rPr b="0" lang="en-US" sz="3200" spc="-1" strike="noStrike">
-                <a:solidFill>
-                  <a:srgbClr val="953735"/>
-                </a:solidFill>
-                <a:uFill>
-                  <a:solidFill>
-                    <a:srgbClr val="ffffff"/>
-                  </a:solidFill>
-                </a:uFill>
-                <a:latin typeface="Arial"/>
-                <a:ea typeface="DejaVu Sans"/>
-              </a:rPr>
-              <a:t>What is the cost?</a:t>
-            </a:r>
-            <a:endParaRPr b="0" lang="en-US" sz="1600" spc="-1" strike="noStrike">
-              <a:solidFill>
-                <a:srgbClr val="000000"/>
-              </a:solidFill>
-              <a:uFill>
-                <a:solidFill>
-                  <a:srgbClr val="ffffff"/>
-                </a:solidFill>
-              </a:uFill>
-              <a:latin typeface="Arial"/>
-            </a:endParaRPr>
-          </a:p>
-          <a:p>
-            <a:pPr marL="457200" indent="-456840">
-              <a:lnSpc>
-                <a:spcPct val="100000"/>
-              </a:lnSpc>
-              <a:buClr>
-                <a:srgbClr val="953735"/>
-              </a:buClr>
-              <a:buFont typeface="Wingdings" charset="2"/>
-              <a:buChar char=""/>
-            </a:pPr>
-            <a:r>
-              <a:rPr b="0" lang="en-US" sz="3200" spc="-1" strike="noStrike">
-                <a:solidFill>
-                  <a:srgbClr val="953735"/>
-                </a:solidFill>
-                <a:uFill>
-                  <a:solidFill>
-                    <a:srgbClr val="ffffff"/>
-                  </a:solidFill>
-                </a:uFill>
-                <a:latin typeface="Arial"/>
-                <a:ea typeface="DejaVu Sans"/>
-              </a:rPr>
-              <a:t>    </a:t>
-            </a:r>
-            <a:r>
-              <a:rPr b="0" lang="en-US" sz="3200" spc="-1" strike="noStrike">
-                <a:solidFill>
-                  <a:srgbClr val="953735"/>
-                </a:solidFill>
-                <a:uFill>
-                  <a:solidFill>
-                    <a:srgbClr val="ffffff"/>
-                  </a:solidFill>
-                </a:uFill>
-                <a:latin typeface="Arial"/>
-                <a:ea typeface="DejaVu Sans"/>
-              </a:rPr>
-              <a:t>How long will it take to arrive on place? Etc…</a:t>
-            </a:r>
-            <a:endParaRPr b="0" lang="en-US" sz="1600" spc="-1" strike="noStrike">
-              <a:solidFill>
-                <a:srgbClr val="000000"/>
-              </a:solidFill>
-              <a:uFill>
-                <a:solidFill>
-                  <a:srgbClr val="ffffff"/>
-                </a:solidFill>
-              </a:uFill>
-              <a:latin typeface="Arial"/>
-            </a:endParaRPr>
-          </a:p>
           <a:p>
             <a:pPr>
               <a:lnSpc>
                 <a:spcPct val="100000"/>
               </a:lnSpc>
             </a:pPr>
-            <a:endParaRPr b="0" lang="en-US" sz="1600" spc="-1" strike="noStrike">
+            <a:endParaRPr b="0" lang="en-US" sz="1800" spc="-1" strike="noStrike">
               <a:solidFill>
                 <a:srgbClr val="000000"/>
               </a:solidFill>
@@ -5094,36 +4869,21 @@
               </a:lnSpc>
             </a:pPr>
             <a:r>
-              <a:rPr b="0" lang="en-US" sz="1800" spc="-1" strike="noStrike">
-                <a:solidFill>
-                  <a:srgbClr val="000000"/>
-                </a:solidFill>
-                <a:uFill>
-                  <a:solidFill>
-                    <a:srgbClr val="ffffff"/>
-                  </a:solidFill>
-                </a:uFill>
-                <a:latin typeface="Arial"/>
-                <a:ea typeface="DejaVu Sans"/>
-              </a:rPr>
-              <a:t>	</a:t>
-            </a:r>
-            <a:r>
-              <a:rPr b="0" lang="en-US" sz="2800" spc="-1" strike="noStrike">
-                <a:solidFill>
-                  <a:srgbClr val="ff0000"/>
-                </a:solidFill>
-                <a:uFill>
-                  <a:solidFill>
-                    <a:srgbClr val="ffffff"/>
-                  </a:solidFill>
-                </a:uFill>
-                <a:latin typeface="Arial"/>
-                <a:ea typeface="DejaVu Sans"/>
-              </a:rPr>
-              <a:t>Regardless of the number of submitted orders, the processing consumes time and resources.</a:t>
-            </a:r>
-            <a:endParaRPr b="0" lang="en-US" sz="1600" spc="-1" strike="noStrike">
+              <a:rPr b="1" lang="en-US" sz="2800" spc="-1" strike="noStrike">
+                <a:solidFill>
+                  <a:srgbClr val="1f497d"/>
+                </a:solidFill>
+                <a:uFill>
+                  <a:solidFill>
+                    <a:srgbClr val="ffffff"/>
+                  </a:solidFill>
+                </a:uFill>
+                <a:latin typeface="Arial"/>
+                <a:ea typeface="DejaVu Sans"/>
+              </a:rPr>
+              <a:t>The Order Processing application, which simplifies and speeds up the order completion process.</a:t>
+            </a:r>
+            <a:endParaRPr b="0" lang="en-US" sz="1800" spc="-1" strike="noStrike">
               <a:solidFill>
                 <a:srgbClr val="000000"/>
               </a:solidFill>
@@ -5141,22 +4901,271 @@
                 <a:spcPct val="100000"/>
               </a:lnSpc>
             </a:pPr>
-            <a:r>
-              <a:rPr b="0" lang="en-US" sz="3200" spc="-1" strike="noStrike">
-                <a:solidFill>
-                  <a:srgbClr val="953735"/>
-                </a:solidFill>
-                <a:uFill>
-                  <a:solidFill>
-                    <a:srgbClr val="ffffff"/>
-                  </a:solidFill>
-                </a:uFill>
-                <a:latin typeface="Arial"/>
-                <a:ea typeface="DejaVu Sans"/>
-              </a:rPr>
-              <a:t>	</a:t>
-            </a:r>
-            <a:endParaRPr b="0" lang="en-US" sz="1600" spc="-1" strike="noStrike">
+            <a:endParaRPr b="0" lang="en-US" sz="1800" spc="-1" strike="noStrike">
+              <a:solidFill>
+                <a:srgbClr val="000000"/>
+              </a:solidFill>
+              <a:uFill>
+                <a:solidFill>
+                  <a:srgbClr val="ffffff"/>
+                </a:solidFill>
+              </a:uFill>
+              <a:latin typeface="Arial"/>
+            </a:endParaRPr>
+          </a:p>
+          <a:p>
+            <a:pPr marL="228600" indent="-227880">
+              <a:lnSpc>
+                <a:spcPct val="90000"/>
+              </a:lnSpc>
+              <a:buClr>
+                <a:srgbClr val="948a54"/>
+              </a:buClr>
+              <a:buFont typeface="Arial"/>
+              <a:buChar char="•"/>
+            </a:pPr>
+            <a:r>
+              <a:rPr b="0" lang="en-US" sz="2800" spc="-1" strike="noStrike">
+                <a:solidFill>
+                  <a:srgbClr val="948a54"/>
+                </a:solidFill>
+                <a:uFill>
+                  <a:solidFill>
+                    <a:srgbClr val="ffffff"/>
+                  </a:solidFill>
+                </a:uFill>
+                <a:latin typeface="Arial"/>
+                <a:ea typeface="DejaVu Sans"/>
+              </a:rPr>
+              <a:t>By automating and digitizing the process of placing and processing orders, </a:t>
+            </a:r>
+            <a:r>
+              <a:rPr b="1" lang="en-US" sz="2800" spc="-1" strike="noStrike">
+                <a:solidFill>
+                  <a:srgbClr val="948a54"/>
+                </a:solidFill>
+                <a:uFill>
+                  <a:solidFill>
+                    <a:srgbClr val="ffffff"/>
+                  </a:solidFill>
+                </a:uFill>
+                <a:latin typeface="Arial"/>
+                <a:ea typeface="DejaVu Sans"/>
+              </a:rPr>
+              <a:t>companies</a:t>
+            </a:r>
+            <a:r>
+              <a:rPr b="0" lang="en-US" sz="2800" spc="-1" strike="noStrike">
+                <a:solidFill>
+                  <a:srgbClr val="948a54"/>
+                </a:solidFill>
+                <a:uFill>
+                  <a:solidFill>
+                    <a:srgbClr val="ffffff"/>
+                  </a:solidFill>
+                </a:uFill>
+                <a:latin typeface="Arial"/>
+                <a:ea typeface="DejaVu Sans"/>
+              </a:rPr>
+              <a:t> can save a tremendous amount of </a:t>
+            </a:r>
+            <a:r>
+              <a:rPr b="1" lang="en-US" sz="2800" spc="-1" strike="noStrike">
+                <a:solidFill>
+                  <a:srgbClr val="948a54"/>
+                </a:solidFill>
+                <a:uFill>
+                  <a:solidFill>
+                    <a:srgbClr val="ffffff"/>
+                  </a:solidFill>
+                </a:uFill>
+                <a:latin typeface="Arial"/>
+                <a:ea typeface="DejaVu Sans"/>
+              </a:rPr>
+              <a:t>time and money</a:t>
+            </a:r>
+            <a:r>
+              <a:rPr b="0" lang="en-US" sz="2800" spc="-1" strike="noStrike">
+                <a:solidFill>
+                  <a:srgbClr val="948a54"/>
+                </a:solidFill>
+                <a:uFill>
+                  <a:solidFill>
+                    <a:srgbClr val="ffffff"/>
+                  </a:solidFill>
+                </a:uFill>
+                <a:latin typeface="Arial"/>
+                <a:ea typeface="DejaVu Sans"/>
+              </a:rPr>
+              <a:t>.</a:t>
+            </a:r>
+            <a:endParaRPr b="0" lang="en-US" sz="1800" spc="-1" strike="noStrike">
+              <a:solidFill>
+                <a:srgbClr val="000000"/>
+              </a:solidFill>
+              <a:uFill>
+                <a:solidFill>
+                  <a:srgbClr val="ffffff"/>
+                </a:solidFill>
+              </a:uFill>
+              <a:latin typeface="Arial"/>
+            </a:endParaRPr>
+          </a:p>
+          <a:p>
+            <a:pPr marL="228600" indent="-227880">
+              <a:lnSpc>
+                <a:spcPct val="90000"/>
+              </a:lnSpc>
+              <a:buClr>
+                <a:srgbClr val="948a54"/>
+              </a:buClr>
+              <a:buFont typeface="Arial"/>
+              <a:buChar char="•"/>
+            </a:pPr>
+            <a:r>
+              <a:rPr b="0" lang="en-US" sz="2800" spc="-1" strike="noStrike">
+                <a:solidFill>
+                  <a:srgbClr val="948a54"/>
+                </a:solidFill>
+                <a:uFill>
+                  <a:solidFill>
+                    <a:srgbClr val="ffffff"/>
+                  </a:solidFill>
+                </a:uFill>
+                <a:latin typeface="Arial"/>
+                <a:ea typeface="DejaVu Sans"/>
+              </a:rPr>
+              <a:t>Only </a:t>
+            </a:r>
+            <a:r>
+              <a:rPr b="1" lang="en-US" sz="2800" spc="-1" strike="noStrike">
+                <a:solidFill>
+                  <a:srgbClr val="948a54"/>
+                </a:solidFill>
+                <a:uFill>
+                  <a:solidFill>
+                    <a:srgbClr val="ffffff"/>
+                  </a:solidFill>
+                </a:uFill>
+                <a:latin typeface="Arial"/>
+                <a:ea typeface="DejaVu Sans"/>
+              </a:rPr>
+              <a:t>authorized employees </a:t>
+            </a:r>
+            <a:r>
+              <a:rPr b="0" lang="en-US" sz="2800" spc="-1" strike="noStrike">
+                <a:solidFill>
+                  <a:srgbClr val="948a54"/>
+                </a:solidFill>
+                <a:uFill>
+                  <a:solidFill>
+                    <a:srgbClr val="ffffff"/>
+                  </a:solidFill>
+                </a:uFill>
+                <a:latin typeface="Arial"/>
+                <a:ea typeface="DejaVu Sans"/>
+              </a:rPr>
+              <a:t>can use the application as a regular tool to execute order processing tasks.</a:t>
+            </a:r>
+            <a:endParaRPr b="0" lang="en-US" sz="1800" spc="-1" strike="noStrike">
+              <a:solidFill>
+                <a:srgbClr val="000000"/>
+              </a:solidFill>
+              <a:uFill>
+                <a:solidFill>
+                  <a:srgbClr val="ffffff"/>
+                </a:solidFill>
+              </a:uFill>
+              <a:latin typeface="Arial"/>
+            </a:endParaRPr>
+          </a:p>
+          <a:p>
+            <a:pPr marL="228600" indent="-227880">
+              <a:lnSpc>
+                <a:spcPct val="90000"/>
+              </a:lnSpc>
+              <a:buClr>
+                <a:srgbClr val="948a54"/>
+              </a:buClr>
+              <a:buFont typeface="Arial"/>
+              <a:buChar char="•"/>
+            </a:pPr>
+            <a:r>
+              <a:rPr b="0" lang="en-US" sz="2800" spc="-1" strike="noStrike">
+                <a:solidFill>
+                  <a:srgbClr val="948a54"/>
+                </a:solidFill>
+                <a:uFill>
+                  <a:solidFill>
+                    <a:srgbClr val="ffffff"/>
+                  </a:solidFill>
+                </a:uFill>
+                <a:latin typeface="Arial"/>
+                <a:ea typeface="DejaVu Sans"/>
+              </a:rPr>
+              <a:t>It is also possible to archive </a:t>
+            </a:r>
+            <a:r>
+              <a:rPr b="1" lang="en-US" sz="2800" spc="-1" strike="noStrike">
+                <a:solidFill>
+                  <a:srgbClr val="948a54"/>
+                </a:solidFill>
+                <a:uFill>
+                  <a:solidFill>
+                    <a:srgbClr val="ffffff"/>
+                  </a:solidFill>
+                </a:uFill>
+                <a:latin typeface="Arial"/>
+                <a:ea typeface="DejaVu Sans"/>
+              </a:rPr>
+              <a:t>completed, in progress</a:t>
+            </a:r>
+            <a:r>
+              <a:rPr b="0" lang="en-US" sz="2800" spc="-1" strike="noStrike">
+                <a:solidFill>
+                  <a:srgbClr val="948a54"/>
+                </a:solidFill>
+                <a:uFill>
+                  <a:solidFill>
+                    <a:srgbClr val="ffffff"/>
+                  </a:solidFill>
+                </a:uFill>
+                <a:latin typeface="Arial"/>
+                <a:ea typeface="DejaVu Sans"/>
+              </a:rPr>
+              <a:t>, or </a:t>
+            </a:r>
+            <a:r>
+              <a:rPr b="1" lang="en-US" sz="2800" spc="-1" strike="noStrike">
+                <a:solidFill>
+                  <a:srgbClr val="948a54"/>
+                </a:solidFill>
+                <a:uFill>
+                  <a:solidFill>
+                    <a:srgbClr val="ffffff"/>
+                  </a:solidFill>
+                </a:uFill>
+                <a:latin typeface="Arial"/>
+                <a:ea typeface="DejaVu Sans"/>
+              </a:rPr>
+              <a:t>cancelled</a:t>
+            </a:r>
+            <a:r>
+              <a:rPr b="0" lang="en-US" sz="2800" spc="-1" strike="noStrike">
+                <a:solidFill>
+                  <a:srgbClr val="948a54"/>
+                </a:solidFill>
+                <a:uFill>
+                  <a:solidFill>
+                    <a:srgbClr val="ffffff"/>
+                  </a:solidFill>
+                </a:uFill>
+                <a:latin typeface="Arial"/>
+                <a:ea typeface="DejaVu Sans"/>
+              </a:rPr>
+              <a:t> orders.</a:t>
+            </a:r>
+            <a:endParaRPr b="0" lang="en-US" sz="1800" spc="-1" strike="noStrike">
               <a:solidFill>
                 <a:srgbClr val="000000"/>
               </a:solidFill>
@@ -5171,175 +5180,10 @@
           <a:p>
             <a:pPr>
               <a:lnSpc>
-                <a:spcPct val="100000"/>
+                <a:spcPct val="90000"/>
               </a:lnSpc>
             </a:pPr>
-            <a:r>
-              <a:rPr b="1" lang="en-US" sz="2800" spc="-1" strike="noStrike">
-                <a:solidFill>
-                  <a:srgbClr val="953735"/>
-                </a:solidFill>
-                <a:uFill>
-                  <a:solidFill>
-                    <a:srgbClr val="ffffff"/>
-                  </a:solidFill>
-                </a:uFill>
-                <a:latin typeface="Arial"/>
-                <a:ea typeface="DejaVu Sans"/>
-              </a:rPr>
-              <a:t>	</a:t>
-            </a:r>
-            <a:r>
-              <a:rPr b="1" lang="en-US" sz="2600" spc="-1" strike="noStrike">
-                <a:solidFill>
-                  <a:srgbClr val="984807"/>
-                </a:solidFill>
-                <a:uFill>
-                  <a:solidFill>
-                    <a:srgbClr val="ffffff"/>
-                  </a:solidFill>
-                </a:uFill>
-                <a:latin typeface="Arial"/>
-                <a:ea typeface="DejaVu Sans"/>
-              </a:rPr>
-              <a:t>If conducted in a traditional way relying on the use of </a:t>
-            </a:r>
-            <a:r>
-              <a:rPr b="1" lang="en-US" sz="2600" spc="-1" strike="noStrike">
-                <a:solidFill>
-                  <a:srgbClr val="984807"/>
-                </a:solidFill>
-                <a:uFill>
-                  <a:solidFill>
-                    <a:srgbClr val="ffffff"/>
-                  </a:solidFill>
-                </a:uFill>
-                <a:latin typeface="Arial"/>
-                <a:ea typeface="DejaVu Sans"/>
-              </a:rPr>
-              <a:t>	</a:t>
-            </a:r>
-            <a:r>
-              <a:rPr b="1" lang="en-US" sz="2600" spc="-1" strike="noStrike">
-                <a:solidFill>
-                  <a:srgbClr val="984807"/>
-                </a:solidFill>
-                <a:uFill>
-                  <a:solidFill>
-                    <a:srgbClr val="ffffff"/>
-                  </a:solidFill>
-                </a:uFill>
-                <a:latin typeface="Arial"/>
-                <a:ea typeface="DejaVu Sans"/>
-              </a:rPr>
-              <a:t>	</a:t>
-            </a:r>
-            <a:r>
-              <a:rPr b="1" lang="en-US" sz="2600" spc="-1" strike="noStrike">
-                <a:solidFill>
-                  <a:srgbClr val="984807"/>
-                </a:solidFill>
-                <a:uFill>
-                  <a:solidFill>
-                    <a:srgbClr val="ffffff"/>
-                  </a:solidFill>
-                </a:uFill>
-                <a:latin typeface="Arial"/>
-                <a:ea typeface="DejaVu Sans"/>
-              </a:rPr>
-              <a:t>paper documents. This application has a simple yet </a:t>
-            </a:r>
-            <a:r>
-              <a:rPr b="1" lang="en-US" sz="2600" spc="-1" strike="noStrike">
-                <a:solidFill>
-                  <a:srgbClr val="984807"/>
-                </a:solidFill>
-                <a:uFill>
-                  <a:solidFill>
-                    <a:srgbClr val="ffffff"/>
-                  </a:solidFill>
-                </a:uFill>
-                <a:latin typeface="Arial"/>
-                <a:ea typeface="DejaVu Sans"/>
-              </a:rPr>
-              <a:t>	</a:t>
-            </a:r>
-            <a:r>
-              <a:rPr b="1" lang="en-US" sz="2600" spc="-1" strike="noStrike">
-                <a:solidFill>
-                  <a:srgbClr val="984807"/>
-                </a:solidFill>
-                <a:uFill>
-                  <a:solidFill>
-                    <a:srgbClr val="ffffff"/>
-                  </a:solidFill>
-                </a:uFill>
-                <a:latin typeface="Arial"/>
-                <a:ea typeface="DejaVu Sans"/>
-              </a:rPr>
-              <a:t>	</a:t>
-            </a:r>
-            <a:r>
-              <a:rPr b="1" lang="en-US" sz="2600" spc="-1" strike="noStrike">
-                <a:solidFill>
-                  <a:srgbClr val="984807"/>
-                </a:solidFill>
-                <a:uFill>
-                  <a:solidFill>
-                    <a:srgbClr val="ffffff"/>
-                  </a:solidFill>
-                </a:uFill>
-                <a:latin typeface="Arial"/>
-                <a:ea typeface="DejaVu Sans"/>
-              </a:rPr>
-              <a:t>	</a:t>
-            </a:r>
-            <a:r>
-              <a:rPr b="1" lang="en-US" sz="2600" spc="-1" strike="noStrike">
-                <a:solidFill>
-                  <a:srgbClr val="984807"/>
-                </a:solidFill>
-                <a:uFill>
-                  <a:solidFill>
-                    <a:srgbClr val="ffffff"/>
-                  </a:solidFill>
-                </a:uFill>
-                <a:latin typeface="Arial"/>
-                <a:ea typeface="DejaVu Sans"/>
-              </a:rPr>
-              <a:t>powerful solution to this problem – The Order Processing</a:t>
-            </a:r>
-            <a:r>
-              <a:rPr b="1" lang="en-US" sz="2600" spc="-1" strike="noStrike">
-                <a:solidFill>
-                  <a:srgbClr val="984807"/>
-                </a:solidFill>
-                <a:uFill>
-                  <a:solidFill>
-                    <a:srgbClr val="ffffff"/>
-                  </a:solidFill>
-                </a:uFill>
-                <a:latin typeface="Arial"/>
-                <a:ea typeface="DejaVu Sans"/>
-              </a:rPr>
-              <a:t>	</a:t>
-            </a:r>
-            <a:r>
-              <a:rPr b="1" lang="en-US" sz="2600" spc="-1" strike="noStrike">
-                <a:solidFill>
-                  <a:srgbClr val="984807"/>
-                </a:solidFill>
-                <a:uFill>
-                  <a:solidFill>
-                    <a:srgbClr val="ffffff"/>
-                  </a:solidFill>
-                </a:uFill>
-                <a:latin typeface="Arial"/>
-                <a:ea typeface="DejaVu Sans"/>
-              </a:rPr>
-              <a:t> application.</a:t>
-            </a:r>
-            <a:endParaRPr b="0" lang="en-US" sz="1600" spc="-1" strike="noStrike">
+            <a:endParaRPr b="0" lang="en-US" sz="1800" spc="-1" strike="noStrike">
               <a:solidFill>
                 <a:srgbClr val="000000"/>
               </a:solidFill>
@@ -5404,45 +5248,76 @@
       </p:grpSpPr>
       <p:sp>
         <p:nvSpPr>
-          <p:cNvPr id="79" name="TextShape 1"/>
-          <p:cNvSpPr txBox="1"/>
+          <p:cNvPr id="80" name="CustomShape 1"/>
+          <p:cNvSpPr/>
           <p:nvPr/>
         </p:nvSpPr>
         <p:spPr>
           <a:xfrm>
-            <a:off x="504000" y="301320"/>
-            <a:ext cx="9071280" cy="1135080"/>
-          </a:xfrm>
-          <a:prstGeom prst="rect">
-            <a:avLst/>
-          </a:prstGeom>
-          <a:noFill/>
+            <a:off x="304920" y="478800"/>
+            <a:ext cx="9578880" cy="6603120"/>
+          </a:xfrm>
+          <a:prstGeom prst="rect">
+            <a:avLst/>
+          </a:prstGeom>
           <a:ln>
-            <a:noFill/>
+            <a:round/>
           </a:ln>
         </p:spPr>
-        <p:txBody>
-          <a:bodyPr lIns="0" rIns="0" tIns="0" bIns="0" anchor="ctr"/>
-          <a:p>
-            <a:pPr>
+        <p:style>
+          <a:lnRef idx="2">
+            <a:schemeClr val="accent3"/>
+          </a:lnRef>
+          <a:fillRef idx="1">
+            <a:schemeClr val="lt1"/>
+          </a:fillRef>
+          <a:effectRef idx="0">
+            <a:schemeClr val="accent3"/>
+          </a:effectRef>
+          <a:fontRef idx="minor"/>
+        </p:style>
+        <p:txBody>
+          <a:bodyPr lIns="0" rIns="0" tIns="0" bIns="0"/>
+          <a:p>
+            <a:pPr marL="457200" indent="-456480">
               <a:lnSpc>
-                <a:spcPct val="90000"/>
+                <a:spcPct val="100000"/>
               </a:lnSpc>
-            </a:pPr>
-            <a:r>
-              <a:rPr b="1" lang="en-US" sz="4400" spc="-1" strike="noStrike">
-                <a:solidFill>
-                  <a:srgbClr val="8064a2"/>
-                </a:solidFill>
-                <a:uFill>
-                  <a:solidFill>
-                    <a:srgbClr val="ffffff"/>
-                  </a:solidFill>
-                </a:uFill>
-                <a:latin typeface="Arial"/>
-                <a:ea typeface="DejaVu Sans"/>
-              </a:rPr>
-              <a:t>Introduction</a:t>
+              <a:buClr>
+                <a:srgbClr val="953735"/>
+              </a:buClr>
+              <a:buFont typeface="Wingdings" charset="2"/>
+              <a:buChar char=""/>
+            </a:pPr>
+            <a:r>
+              <a:rPr b="0" lang="en-US" sz="3200" spc="-1" strike="noStrike">
+                <a:solidFill>
+                  <a:srgbClr val="953735"/>
+                </a:solidFill>
+                <a:uFill>
+                  <a:solidFill>
+                    <a:srgbClr val="ffffff"/>
+                  </a:solidFill>
+                </a:uFill>
+                <a:latin typeface="Arial"/>
+                <a:ea typeface="DejaVu Sans"/>
+              </a:rPr>
+              <a:t>    </a:t>
+            </a:r>
+            <a:r>
+              <a:rPr b="0" lang="en-US" sz="3200" spc="-1" strike="noStrike">
+                <a:solidFill>
+                  <a:srgbClr val="953735"/>
+                </a:solidFill>
+                <a:uFill>
+                  <a:solidFill>
+                    <a:srgbClr val="ffffff"/>
+                  </a:solidFill>
+                </a:uFill>
+                <a:latin typeface="Arial"/>
+                <a:ea typeface="DejaVu Sans"/>
+              </a:rPr>
+              <a:t>Has been ordered?</a:t>
             </a:r>
             <a:endParaRPr b="0" lang="en-US" sz="1800" spc="-1" strike="noStrike">
               <a:solidFill>
@@ -5456,36 +5331,278 @@
               <a:latin typeface="Arial"/>
             </a:endParaRPr>
           </a:p>
-        </p:txBody>
-      </p:sp>
-      <p:sp>
-        <p:nvSpPr>
-          <p:cNvPr id="80" name="TextShape 2"/>
-          <p:cNvSpPr txBox="1"/>
-          <p:nvPr/>
-        </p:nvSpPr>
-        <p:spPr>
-          <a:xfrm>
-            <a:off x="504000" y="1436760"/>
-            <a:ext cx="9071280" cy="5529600"/>
-          </a:xfrm>
-          <a:prstGeom prst="rect">
-            <a:avLst/>
-          </a:prstGeom>
-          <a:noFill/>
-          <a:ln>
-            <a:noFill/>
-          </a:ln>
-        </p:spPr>
-        <p:txBody>
-          <a:bodyPr lIns="0" rIns="0" tIns="0" bIns="0"/>
+          <a:p>
+            <a:pPr marL="457200" indent="-456480">
+              <a:lnSpc>
+                <a:spcPct val="100000"/>
+              </a:lnSpc>
+              <a:buClr>
+                <a:srgbClr val="953735"/>
+              </a:buClr>
+              <a:buFont typeface="Wingdings" charset="2"/>
+              <a:buChar char=""/>
+            </a:pPr>
+            <a:r>
+              <a:rPr b="0" lang="en-US" sz="3200" spc="-1" strike="noStrike">
+                <a:solidFill>
+                  <a:srgbClr val="953735"/>
+                </a:solidFill>
+                <a:uFill>
+                  <a:solidFill>
+                    <a:srgbClr val="ffffff"/>
+                  </a:solidFill>
+                </a:uFill>
+                <a:latin typeface="Arial"/>
+                <a:ea typeface="DejaVu Sans"/>
+              </a:rPr>
+              <a:t>    </a:t>
+            </a:r>
+            <a:r>
+              <a:rPr b="0" lang="en-US" sz="3200" spc="-1" strike="noStrike">
+                <a:solidFill>
+                  <a:srgbClr val="953735"/>
+                </a:solidFill>
+                <a:uFill>
+                  <a:solidFill>
+                    <a:srgbClr val="ffffff"/>
+                  </a:solidFill>
+                </a:uFill>
+                <a:latin typeface="Arial"/>
+                <a:ea typeface="DejaVu Sans"/>
+              </a:rPr>
+              <a:t>Who has ordered?</a:t>
+            </a:r>
+            <a:endParaRPr b="0" lang="en-US" sz="1800" spc="-1" strike="noStrike">
+              <a:solidFill>
+                <a:srgbClr val="000000"/>
+              </a:solidFill>
+              <a:uFill>
+                <a:solidFill>
+                  <a:srgbClr val="ffffff"/>
+                </a:solidFill>
+              </a:uFill>
+              <a:latin typeface="Arial"/>
+            </a:endParaRPr>
+          </a:p>
+          <a:p>
+            <a:pPr marL="457200" indent="-456480">
+              <a:lnSpc>
+                <a:spcPct val="100000"/>
+              </a:lnSpc>
+              <a:buClr>
+                <a:srgbClr val="953735"/>
+              </a:buClr>
+              <a:buFont typeface="Wingdings" charset="2"/>
+              <a:buChar char=""/>
+            </a:pPr>
+            <a:r>
+              <a:rPr b="0" lang="en-US" sz="3200" spc="-1" strike="noStrike">
+                <a:solidFill>
+                  <a:srgbClr val="953735"/>
+                </a:solidFill>
+                <a:uFill>
+                  <a:solidFill>
+                    <a:srgbClr val="ffffff"/>
+                  </a:solidFill>
+                </a:uFill>
+                <a:latin typeface="Arial"/>
+                <a:ea typeface="DejaVu Sans"/>
+              </a:rPr>
+              <a:t>    </a:t>
+            </a:r>
+            <a:r>
+              <a:rPr b="0" lang="en-US" sz="3200" spc="-1" strike="noStrike">
+                <a:solidFill>
+                  <a:srgbClr val="953735"/>
+                </a:solidFill>
+                <a:uFill>
+                  <a:solidFill>
+                    <a:srgbClr val="ffffff"/>
+                  </a:solidFill>
+                </a:uFill>
+                <a:latin typeface="Arial"/>
+                <a:ea typeface="DejaVu Sans"/>
+              </a:rPr>
+              <a:t>For which project work?</a:t>
+            </a:r>
+            <a:endParaRPr b="0" lang="en-US" sz="1800" spc="-1" strike="noStrike">
+              <a:solidFill>
+                <a:srgbClr val="000000"/>
+              </a:solidFill>
+              <a:uFill>
+                <a:solidFill>
+                  <a:srgbClr val="ffffff"/>
+                </a:solidFill>
+              </a:uFill>
+              <a:latin typeface="Arial"/>
+            </a:endParaRPr>
+          </a:p>
+          <a:p>
+            <a:pPr marL="457200" indent="-456480">
+              <a:lnSpc>
+                <a:spcPct val="100000"/>
+              </a:lnSpc>
+              <a:buClr>
+                <a:srgbClr val="953735"/>
+              </a:buClr>
+              <a:buFont typeface="Wingdings" charset="2"/>
+              <a:buChar char=""/>
+            </a:pPr>
+            <a:r>
+              <a:rPr b="0" lang="en-US" sz="3200" spc="-1" strike="noStrike">
+                <a:solidFill>
+                  <a:srgbClr val="953735"/>
+                </a:solidFill>
+                <a:uFill>
+                  <a:solidFill>
+                    <a:srgbClr val="ffffff"/>
+                  </a:solidFill>
+                </a:uFill>
+                <a:latin typeface="Arial"/>
+                <a:ea typeface="DejaVu Sans"/>
+              </a:rPr>
+              <a:t>    </a:t>
+            </a:r>
+            <a:r>
+              <a:rPr b="0" lang="en-US" sz="3200" spc="-1" strike="noStrike">
+                <a:solidFill>
+                  <a:srgbClr val="953735"/>
+                </a:solidFill>
+                <a:uFill>
+                  <a:solidFill>
+                    <a:srgbClr val="ffffff"/>
+                  </a:solidFill>
+                </a:uFill>
+                <a:latin typeface="Arial"/>
+                <a:ea typeface="DejaVu Sans"/>
+              </a:rPr>
+              <a:t>How many? From where? Why?</a:t>
+            </a:r>
+            <a:endParaRPr b="0" lang="en-US" sz="1800" spc="-1" strike="noStrike">
+              <a:solidFill>
+                <a:srgbClr val="000000"/>
+              </a:solidFill>
+              <a:uFill>
+                <a:solidFill>
+                  <a:srgbClr val="ffffff"/>
+                </a:solidFill>
+              </a:uFill>
+              <a:latin typeface="Arial"/>
+            </a:endParaRPr>
+          </a:p>
+          <a:p>
+            <a:pPr marL="457200" indent="-456480">
+              <a:lnSpc>
+                <a:spcPct val="100000"/>
+              </a:lnSpc>
+              <a:buClr>
+                <a:srgbClr val="953735"/>
+              </a:buClr>
+              <a:buFont typeface="Wingdings" charset="2"/>
+              <a:buChar char=""/>
+            </a:pPr>
+            <a:r>
+              <a:rPr b="0" lang="en-US" sz="3200" spc="-1" strike="noStrike">
+                <a:solidFill>
+                  <a:srgbClr val="953735"/>
+                </a:solidFill>
+                <a:uFill>
+                  <a:solidFill>
+                    <a:srgbClr val="ffffff"/>
+                  </a:solidFill>
+                </a:uFill>
+                <a:latin typeface="Arial"/>
+                <a:ea typeface="DejaVu Sans"/>
+              </a:rPr>
+              <a:t>    </a:t>
+            </a:r>
+            <a:r>
+              <a:rPr b="0" lang="en-US" sz="3200" spc="-1" strike="noStrike">
+                <a:solidFill>
+                  <a:srgbClr val="953735"/>
+                </a:solidFill>
+                <a:uFill>
+                  <a:solidFill>
+                    <a:srgbClr val="ffffff"/>
+                  </a:solidFill>
+                </a:uFill>
+                <a:latin typeface="Arial"/>
+                <a:ea typeface="DejaVu Sans"/>
+              </a:rPr>
+              <a:t>What is the cost?</a:t>
+            </a:r>
+            <a:endParaRPr b="0" lang="en-US" sz="1800" spc="-1" strike="noStrike">
+              <a:solidFill>
+                <a:srgbClr val="000000"/>
+              </a:solidFill>
+              <a:uFill>
+                <a:solidFill>
+                  <a:srgbClr val="ffffff"/>
+                </a:solidFill>
+              </a:uFill>
+              <a:latin typeface="Arial"/>
+            </a:endParaRPr>
+          </a:p>
+          <a:p>
+            <a:pPr marL="457200" indent="-456480">
+              <a:lnSpc>
+                <a:spcPct val="100000"/>
+              </a:lnSpc>
+              <a:buClr>
+                <a:srgbClr val="953735"/>
+              </a:buClr>
+              <a:buFont typeface="Wingdings" charset="2"/>
+              <a:buChar char=""/>
+            </a:pPr>
+            <a:r>
+              <a:rPr b="0" lang="en-US" sz="3200" spc="-1" strike="noStrike">
+                <a:solidFill>
+                  <a:srgbClr val="953735"/>
+                </a:solidFill>
+                <a:uFill>
+                  <a:solidFill>
+                    <a:srgbClr val="ffffff"/>
+                  </a:solidFill>
+                </a:uFill>
+                <a:latin typeface="Arial"/>
+                <a:ea typeface="DejaVu Sans"/>
+              </a:rPr>
+              <a:t>    </a:t>
+            </a:r>
+            <a:r>
+              <a:rPr b="0" lang="en-US" sz="3200" spc="-1" strike="noStrike">
+                <a:solidFill>
+                  <a:srgbClr val="953735"/>
+                </a:solidFill>
+                <a:uFill>
+                  <a:solidFill>
+                    <a:srgbClr val="ffffff"/>
+                  </a:solidFill>
+                </a:uFill>
+                <a:latin typeface="Arial"/>
+                <a:ea typeface="DejaVu Sans"/>
+              </a:rPr>
+              <a:t>How long will it take to arrive on place? Etc…</a:t>
+            </a:r>
+            <a:endParaRPr b="0" lang="en-US" sz="1800" spc="-1" strike="noStrike">
+              <a:solidFill>
+                <a:srgbClr val="000000"/>
+              </a:solidFill>
+              <a:uFill>
+                <a:solidFill>
+                  <a:srgbClr val="ffffff"/>
+                </a:solidFill>
+              </a:uFill>
+              <a:latin typeface="Arial"/>
+            </a:endParaRPr>
+          </a:p>
           <a:p>
             <a:pPr>
               <a:lnSpc>
                 <a:spcPct val="100000"/>
               </a:lnSpc>
             </a:pPr>
-            <a:endParaRPr b="0" lang="en-US" sz="2800" spc="-1" strike="noStrike">
+            <a:endParaRPr b="0" lang="en-US" sz="1800" spc="-1" strike="noStrike">
               <a:solidFill>
                 <a:srgbClr val="000000"/>
               </a:solidFill>
@@ -5504,21 +5621,36 @@
               </a:lnSpc>
             </a:pPr>
             <a:r>
-              <a:rPr b="1" lang="en-US" sz="2800" spc="-1" strike="noStrike">
-                <a:solidFill>
-                  <a:srgbClr val="1f497d"/>
-                </a:solidFill>
-                <a:uFill>
-                  <a:solidFill>
-                    <a:srgbClr val="ffffff"/>
-                  </a:solidFill>
-                </a:uFill>
-                <a:latin typeface="Arial"/>
-                <a:ea typeface="DejaVu Sans"/>
-              </a:rPr>
-              <a:t>The Order Processing application, which simplifies and speeds up the order completion process.</a:t>
-            </a:r>
-            <a:endParaRPr b="0" lang="en-US" sz="2800" spc="-1" strike="noStrike">
+              <a:rPr b="0" lang="en-US" sz="1800" spc="-1" strike="noStrike">
+                <a:solidFill>
+                  <a:srgbClr val="000000"/>
+                </a:solidFill>
+                <a:uFill>
+                  <a:solidFill>
+                    <a:srgbClr val="ffffff"/>
+                  </a:solidFill>
+                </a:uFill>
+                <a:latin typeface="Arial"/>
+                <a:ea typeface="DejaVu Sans"/>
+              </a:rPr>
+              <a:t>	</a:t>
+            </a:r>
+            <a:r>
+              <a:rPr b="0" lang="en-US" sz="2800" spc="-1" strike="noStrike">
+                <a:solidFill>
+                  <a:srgbClr val="ff0000"/>
+                </a:solidFill>
+                <a:uFill>
+                  <a:solidFill>
+                    <a:srgbClr val="ffffff"/>
+                  </a:solidFill>
+                </a:uFill>
+                <a:latin typeface="Arial"/>
+                <a:ea typeface="DejaVu Sans"/>
+              </a:rPr>
+              <a:t>Regardless of the number of submitted orders, the processing consumes time and resources.</a:t>
+            </a:r>
+            <a:endParaRPr b="0" lang="en-US" sz="1800" spc="-1" strike="noStrike">
               <a:solidFill>
                 <a:srgbClr val="000000"/>
               </a:solidFill>
@@ -5536,271 +5668,22 @@
                 <a:spcPct val="100000"/>
               </a:lnSpc>
             </a:pPr>
-            <a:endParaRPr b="0" lang="en-US" sz="2800" spc="-1" strike="noStrike">
-              <a:solidFill>
-                <a:srgbClr val="000000"/>
-              </a:solidFill>
-              <a:uFill>
-                <a:solidFill>
-                  <a:srgbClr val="ffffff"/>
-                </a:solidFill>
-              </a:uFill>
-              <a:latin typeface="Arial"/>
-            </a:endParaRPr>
-          </a:p>
-          <a:p>
-            <a:pPr marL="228600" indent="-228240">
-              <a:lnSpc>
-                <a:spcPct val="90000"/>
-              </a:lnSpc>
-              <a:buClr>
-                <a:srgbClr val="948a54"/>
-              </a:buClr>
-              <a:buFont typeface="Arial"/>
-              <a:buChar char="•"/>
-            </a:pPr>
-            <a:r>
-              <a:rPr b="0" lang="en-US" sz="2800" spc="-1" strike="noStrike">
-                <a:solidFill>
-                  <a:srgbClr val="948a54"/>
-                </a:solidFill>
-                <a:uFill>
-                  <a:solidFill>
-                    <a:srgbClr val="ffffff"/>
-                  </a:solidFill>
-                </a:uFill>
-                <a:latin typeface="Arial"/>
-                <a:ea typeface="DejaVu Sans"/>
-              </a:rPr>
-              <a:t>By automating and digitizing the process of placing and processing orders, </a:t>
-            </a:r>
-            <a:r>
-              <a:rPr b="1" lang="en-US" sz="2800" spc="-1" strike="noStrike">
-                <a:solidFill>
-                  <a:srgbClr val="948a54"/>
-                </a:solidFill>
-                <a:uFill>
-                  <a:solidFill>
-                    <a:srgbClr val="ffffff"/>
-                  </a:solidFill>
-                </a:uFill>
-                <a:latin typeface="Arial"/>
-                <a:ea typeface="DejaVu Sans"/>
-              </a:rPr>
-              <a:t>companies</a:t>
-            </a:r>
-            <a:r>
-              <a:rPr b="0" lang="en-US" sz="2800" spc="-1" strike="noStrike">
-                <a:solidFill>
-                  <a:srgbClr val="948a54"/>
-                </a:solidFill>
-                <a:uFill>
-                  <a:solidFill>
-                    <a:srgbClr val="ffffff"/>
-                  </a:solidFill>
-                </a:uFill>
-                <a:latin typeface="Arial"/>
-                <a:ea typeface="DejaVu Sans"/>
-              </a:rPr>
-              <a:t> can save a tremendous amount of </a:t>
-            </a:r>
-            <a:r>
-              <a:rPr b="1" lang="en-US" sz="2800" spc="-1" strike="noStrike">
-                <a:solidFill>
-                  <a:srgbClr val="948a54"/>
-                </a:solidFill>
-                <a:uFill>
-                  <a:solidFill>
-                    <a:srgbClr val="ffffff"/>
-                  </a:solidFill>
-                </a:uFill>
-                <a:latin typeface="Arial"/>
-                <a:ea typeface="DejaVu Sans"/>
-              </a:rPr>
-              <a:t>time and money</a:t>
-            </a:r>
-            <a:r>
-              <a:rPr b="0" lang="en-US" sz="2800" spc="-1" strike="noStrike">
-                <a:solidFill>
-                  <a:srgbClr val="948a54"/>
-                </a:solidFill>
-                <a:uFill>
-                  <a:solidFill>
-                    <a:srgbClr val="ffffff"/>
-                  </a:solidFill>
-                </a:uFill>
-                <a:latin typeface="Arial"/>
-                <a:ea typeface="DejaVu Sans"/>
-              </a:rPr>
-              <a:t>.</a:t>
-            </a:r>
-            <a:endParaRPr b="0" lang="en-US" sz="2800" spc="-1" strike="noStrike">
-              <a:solidFill>
-                <a:srgbClr val="000000"/>
-              </a:solidFill>
-              <a:uFill>
-                <a:solidFill>
-                  <a:srgbClr val="ffffff"/>
-                </a:solidFill>
-              </a:uFill>
-              <a:latin typeface="Arial"/>
-            </a:endParaRPr>
-          </a:p>
-          <a:p>
-            <a:pPr marL="228600" indent="-228240">
-              <a:lnSpc>
-                <a:spcPct val="90000"/>
-              </a:lnSpc>
-              <a:buClr>
-                <a:srgbClr val="948a54"/>
-              </a:buClr>
-              <a:buFont typeface="Arial"/>
-              <a:buChar char="•"/>
-            </a:pPr>
-            <a:r>
-              <a:rPr b="0" lang="en-US" sz="2800" spc="-1" strike="noStrike">
-                <a:solidFill>
-                  <a:srgbClr val="948a54"/>
-                </a:solidFill>
-                <a:uFill>
-                  <a:solidFill>
-                    <a:srgbClr val="ffffff"/>
-                  </a:solidFill>
-                </a:uFill>
-                <a:latin typeface="Arial"/>
-                <a:ea typeface="DejaVu Sans"/>
-              </a:rPr>
-              <a:t>Only </a:t>
-            </a:r>
-            <a:r>
-              <a:rPr b="1" lang="en-US" sz="2800" spc="-1" strike="noStrike">
-                <a:solidFill>
-                  <a:srgbClr val="948a54"/>
-                </a:solidFill>
-                <a:uFill>
-                  <a:solidFill>
-                    <a:srgbClr val="ffffff"/>
-                  </a:solidFill>
-                </a:uFill>
-                <a:latin typeface="Arial"/>
-                <a:ea typeface="DejaVu Sans"/>
-              </a:rPr>
-              <a:t>authorized employees </a:t>
-            </a:r>
-            <a:r>
-              <a:rPr b="0" lang="en-US" sz="2800" spc="-1" strike="noStrike">
-                <a:solidFill>
-                  <a:srgbClr val="948a54"/>
-                </a:solidFill>
-                <a:uFill>
-                  <a:solidFill>
-                    <a:srgbClr val="ffffff"/>
-                  </a:solidFill>
-                </a:uFill>
-                <a:latin typeface="Arial"/>
-                <a:ea typeface="DejaVu Sans"/>
-              </a:rPr>
-              <a:t>can use the application as a regular tool to execute order processing tasks.</a:t>
-            </a:r>
-            <a:endParaRPr b="0" lang="en-US" sz="2800" spc="-1" strike="noStrike">
-              <a:solidFill>
-                <a:srgbClr val="000000"/>
-              </a:solidFill>
-              <a:uFill>
-                <a:solidFill>
-                  <a:srgbClr val="ffffff"/>
-                </a:solidFill>
-              </a:uFill>
-              <a:latin typeface="Arial"/>
-            </a:endParaRPr>
-          </a:p>
-          <a:p>
-            <a:pPr marL="228600" indent="-228240">
-              <a:lnSpc>
-                <a:spcPct val="90000"/>
-              </a:lnSpc>
-              <a:buClr>
-                <a:srgbClr val="948a54"/>
-              </a:buClr>
-              <a:buFont typeface="Arial"/>
-              <a:buChar char="•"/>
-            </a:pPr>
-            <a:r>
-              <a:rPr b="0" lang="en-US" sz="2800" spc="-1" strike="noStrike">
-                <a:solidFill>
-                  <a:srgbClr val="948a54"/>
-                </a:solidFill>
-                <a:uFill>
-                  <a:solidFill>
-                    <a:srgbClr val="ffffff"/>
-                  </a:solidFill>
-                </a:uFill>
-                <a:latin typeface="Arial"/>
-                <a:ea typeface="DejaVu Sans"/>
-              </a:rPr>
-              <a:t>It is also possible to archive </a:t>
-            </a:r>
-            <a:r>
-              <a:rPr b="1" lang="en-US" sz="2800" spc="-1" strike="noStrike">
-                <a:solidFill>
-                  <a:srgbClr val="948a54"/>
-                </a:solidFill>
-                <a:uFill>
-                  <a:solidFill>
-                    <a:srgbClr val="ffffff"/>
-                  </a:solidFill>
-                </a:uFill>
-                <a:latin typeface="Arial"/>
-                <a:ea typeface="DejaVu Sans"/>
-              </a:rPr>
-              <a:t>completed, in progress</a:t>
-            </a:r>
-            <a:r>
-              <a:rPr b="0" lang="en-US" sz="2800" spc="-1" strike="noStrike">
-                <a:solidFill>
-                  <a:srgbClr val="948a54"/>
-                </a:solidFill>
-                <a:uFill>
-                  <a:solidFill>
-                    <a:srgbClr val="ffffff"/>
-                  </a:solidFill>
-                </a:uFill>
-                <a:latin typeface="Arial"/>
-                <a:ea typeface="DejaVu Sans"/>
-              </a:rPr>
-              <a:t>, or </a:t>
-            </a:r>
-            <a:r>
-              <a:rPr b="1" lang="en-US" sz="2800" spc="-1" strike="noStrike">
-                <a:solidFill>
-                  <a:srgbClr val="948a54"/>
-                </a:solidFill>
-                <a:uFill>
-                  <a:solidFill>
-                    <a:srgbClr val="ffffff"/>
-                  </a:solidFill>
-                </a:uFill>
-                <a:latin typeface="Arial"/>
-                <a:ea typeface="DejaVu Sans"/>
-              </a:rPr>
-              <a:t>cancelled</a:t>
-            </a:r>
-            <a:r>
-              <a:rPr b="0" lang="en-US" sz="2800" spc="-1" strike="noStrike">
-                <a:solidFill>
-                  <a:srgbClr val="948a54"/>
-                </a:solidFill>
-                <a:uFill>
-                  <a:solidFill>
-                    <a:srgbClr val="ffffff"/>
-                  </a:solidFill>
-                </a:uFill>
-                <a:latin typeface="Arial"/>
-                <a:ea typeface="DejaVu Sans"/>
-              </a:rPr>
-              <a:t> orders.</a:t>
-            </a:r>
-            <a:endParaRPr b="0" lang="en-US" sz="2800" spc="-1" strike="noStrike">
+            <a:r>
+              <a:rPr b="0" lang="en-US" sz="3200" spc="-1" strike="noStrike">
+                <a:solidFill>
+                  <a:srgbClr val="953735"/>
+                </a:solidFill>
+                <a:uFill>
+                  <a:solidFill>
+                    <a:srgbClr val="ffffff"/>
+                  </a:solidFill>
+                </a:uFill>
+                <a:latin typeface="Arial"/>
+                <a:ea typeface="DejaVu Sans"/>
+              </a:rPr>
+              <a:t>	</a:t>
+            </a:r>
+            <a:endParaRPr b="0" lang="en-US" sz="1800" spc="-1" strike="noStrike">
               <a:solidFill>
                 <a:srgbClr val="000000"/>
               </a:solidFill>
@@ -5815,10 +5698,175 @@
           <a:p>
             <a:pPr>
               <a:lnSpc>
-                <a:spcPct val="90000"/>
+                <a:spcPct val="100000"/>
               </a:lnSpc>
             </a:pPr>
-            <a:endParaRPr b="0" lang="en-US" sz="2800" spc="-1" strike="noStrike">
+            <a:r>
+              <a:rPr b="1" lang="en-US" sz="2800" spc="-1" strike="noStrike">
+                <a:solidFill>
+                  <a:srgbClr val="953735"/>
+                </a:solidFill>
+                <a:uFill>
+                  <a:solidFill>
+                    <a:srgbClr val="ffffff"/>
+                  </a:solidFill>
+                </a:uFill>
+                <a:latin typeface="Arial"/>
+                <a:ea typeface="DejaVu Sans"/>
+              </a:rPr>
+              <a:t>	</a:t>
+            </a:r>
+            <a:r>
+              <a:rPr b="1" lang="en-US" sz="2600" spc="-1" strike="noStrike">
+                <a:solidFill>
+                  <a:srgbClr val="984807"/>
+                </a:solidFill>
+                <a:uFill>
+                  <a:solidFill>
+                    <a:srgbClr val="ffffff"/>
+                  </a:solidFill>
+                </a:uFill>
+                <a:latin typeface="Arial"/>
+                <a:ea typeface="DejaVu Sans"/>
+              </a:rPr>
+              <a:t>If conducted in a traditional way relying on the use of </a:t>
+            </a:r>
+            <a:r>
+              <a:rPr b="1" lang="en-US" sz="2600" spc="-1" strike="noStrike">
+                <a:solidFill>
+                  <a:srgbClr val="984807"/>
+                </a:solidFill>
+                <a:uFill>
+                  <a:solidFill>
+                    <a:srgbClr val="ffffff"/>
+                  </a:solidFill>
+                </a:uFill>
+                <a:latin typeface="Arial"/>
+                <a:ea typeface="DejaVu Sans"/>
+              </a:rPr>
+              <a:t>	</a:t>
+            </a:r>
+            <a:r>
+              <a:rPr b="1" lang="en-US" sz="2600" spc="-1" strike="noStrike">
+                <a:solidFill>
+                  <a:srgbClr val="984807"/>
+                </a:solidFill>
+                <a:uFill>
+                  <a:solidFill>
+                    <a:srgbClr val="ffffff"/>
+                  </a:solidFill>
+                </a:uFill>
+                <a:latin typeface="Arial"/>
+                <a:ea typeface="DejaVu Sans"/>
+              </a:rPr>
+              <a:t>	</a:t>
+            </a:r>
+            <a:r>
+              <a:rPr b="1" lang="en-US" sz="2600" spc="-1" strike="noStrike">
+                <a:solidFill>
+                  <a:srgbClr val="984807"/>
+                </a:solidFill>
+                <a:uFill>
+                  <a:solidFill>
+                    <a:srgbClr val="ffffff"/>
+                  </a:solidFill>
+                </a:uFill>
+                <a:latin typeface="Arial"/>
+                <a:ea typeface="DejaVu Sans"/>
+              </a:rPr>
+              <a:t>paper documents. This application has a simple yet </a:t>
+            </a:r>
+            <a:r>
+              <a:rPr b="1" lang="en-US" sz="2600" spc="-1" strike="noStrike">
+                <a:solidFill>
+                  <a:srgbClr val="984807"/>
+                </a:solidFill>
+                <a:uFill>
+                  <a:solidFill>
+                    <a:srgbClr val="ffffff"/>
+                  </a:solidFill>
+                </a:uFill>
+                <a:latin typeface="Arial"/>
+                <a:ea typeface="DejaVu Sans"/>
+              </a:rPr>
+              <a:t>	</a:t>
+            </a:r>
+            <a:r>
+              <a:rPr b="1" lang="en-US" sz="2600" spc="-1" strike="noStrike">
+                <a:solidFill>
+                  <a:srgbClr val="984807"/>
+                </a:solidFill>
+                <a:uFill>
+                  <a:solidFill>
+                    <a:srgbClr val="ffffff"/>
+                  </a:solidFill>
+                </a:uFill>
+                <a:latin typeface="Arial"/>
+                <a:ea typeface="DejaVu Sans"/>
+              </a:rPr>
+              <a:t>	</a:t>
+            </a:r>
+            <a:r>
+              <a:rPr b="1" lang="en-US" sz="2600" spc="-1" strike="noStrike">
+                <a:solidFill>
+                  <a:srgbClr val="984807"/>
+                </a:solidFill>
+                <a:uFill>
+                  <a:solidFill>
+                    <a:srgbClr val="ffffff"/>
+                  </a:solidFill>
+                </a:uFill>
+                <a:latin typeface="Arial"/>
+                <a:ea typeface="DejaVu Sans"/>
+              </a:rPr>
+              <a:t>	</a:t>
+            </a:r>
+            <a:r>
+              <a:rPr b="1" lang="en-US" sz="2600" spc="-1" strike="noStrike">
+                <a:solidFill>
+                  <a:srgbClr val="984807"/>
+                </a:solidFill>
+                <a:uFill>
+                  <a:solidFill>
+                    <a:srgbClr val="ffffff"/>
+                  </a:solidFill>
+                </a:uFill>
+                <a:latin typeface="Arial"/>
+                <a:ea typeface="DejaVu Sans"/>
+              </a:rPr>
+              <a:t>powerful solution to this problem – The Order Processing</a:t>
+            </a:r>
+            <a:r>
+              <a:rPr b="1" lang="en-US" sz="2600" spc="-1" strike="noStrike">
+                <a:solidFill>
+                  <a:srgbClr val="984807"/>
+                </a:solidFill>
+                <a:uFill>
+                  <a:solidFill>
+                    <a:srgbClr val="ffffff"/>
+                  </a:solidFill>
+                </a:uFill>
+                <a:latin typeface="Arial"/>
+                <a:ea typeface="DejaVu Sans"/>
+              </a:rPr>
+              <a:t>	</a:t>
+            </a:r>
+            <a:r>
+              <a:rPr b="1" lang="en-US" sz="2600" spc="-1" strike="noStrike">
+                <a:solidFill>
+                  <a:srgbClr val="984807"/>
+                </a:solidFill>
+                <a:uFill>
+                  <a:solidFill>
+                    <a:srgbClr val="ffffff"/>
+                  </a:solidFill>
+                </a:uFill>
+                <a:latin typeface="Arial"/>
+                <a:ea typeface="DejaVu Sans"/>
+              </a:rPr>
+              <a:t> application.</a:t>
+            </a:r>
+            <a:endParaRPr b="0" lang="en-US" sz="1800" spc="-1" strike="noStrike">
               <a:solidFill>
                 <a:srgbClr val="000000"/>
               </a:solidFill>
@@ -5890,7 +5938,7 @@
         <p:spPr>
           <a:xfrm>
             <a:off x="591120" y="301320"/>
-            <a:ext cx="9071280" cy="1261800"/>
+            <a:ext cx="9070920" cy="1261440"/>
           </a:xfrm>
           <a:prstGeom prst="rect">
             <a:avLst/>
@@ -5929,7 +5977,7 @@
               </a:rPr>
               <a:t>Why it is important to develop a system to solve this question?</a:t>
             </a:r>
-            <a:endParaRPr b="0" lang="en-US" sz="1600" spc="-1" strike="noStrike">
+            <a:endParaRPr b="0" lang="en-US" sz="1800" spc="-1" strike="noStrike">
               <a:solidFill>
                 <a:srgbClr val="000000"/>
               </a:solidFill>
@@ -5952,7 +6000,7 @@
         <p:spPr>
           <a:xfrm>
             <a:off x="504000" y="1769040"/>
-            <a:ext cx="9071280" cy="5473080"/>
+            <a:ext cx="9070920" cy="5472720"/>
           </a:xfrm>
           <a:prstGeom prst="rect">
             <a:avLst/>
@@ -6006,7 +6054,7 @@
               </a:rPr>
               <a:t>The implementation of the Order Processing application offers many benefits to businesses. Most of all, it shortens the time of the order approval process by sending email reminders to the persons in charge of the order approval. Also a person can track the order by him or herself. An automatically updated categorized product list makes searching and selecting products much easier. It is a great time saver – it automatically sends generated orders to the vendors and simultaneously eliminates mistakes in quantities of ordered products. A feature of order status monitoring helps to keep track and control order progress.</a:t>
             </a:r>
-            <a:endParaRPr b="0" lang="en-US" sz="1600" spc="-1" strike="noStrike">
+            <a:endParaRPr b="0" lang="en-US" sz="1800" spc="-1" strike="noStrike">
               <a:solidFill>
                 <a:srgbClr val="000000"/>
               </a:solidFill>
@@ -6024,20 +6072,20 @@
                 <a:spcPct val="100000"/>
               </a:lnSpc>
             </a:pPr>
-            <a:endParaRPr b="0" lang="en-US" sz="1600" spc="-1" strike="noStrike">
-              <a:solidFill>
-                <a:srgbClr val="000000"/>
-              </a:solidFill>
-              <a:uFill>
-                <a:solidFill>
-                  <a:srgbClr val="ffffff"/>
-                </a:solidFill>
-              </a:uFill>
-              <a:latin typeface="Arial"/>
-            </a:endParaRPr>
-          </a:p>
-          <a:p>
-            <a:pPr marL="343080" indent="-342720">
+            <a:endParaRPr b="0" lang="en-US" sz="1800" spc="-1" strike="noStrike">
+              <a:solidFill>
+                <a:srgbClr val="000000"/>
+              </a:solidFill>
+              <a:uFill>
+                <a:solidFill>
+                  <a:srgbClr val="ffffff"/>
+                </a:solidFill>
+              </a:uFill>
+              <a:latin typeface="Arial"/>
+            </a:endParaRPr>
+          </a:p>
+          <a:p>
+            <a:pPr marL="343080" indent="-342360">
               <a:lnSpc>
                 <a:spcPct val="100000"/>
               </a:lnSpc>
@@ -6062,20 +6110,20 @@
               </a:rPr>
               <a:t>It is easy to calculate cost of expense for each project or department.</a:t>
             </a:r>
-            <a:endParaRPr b="0" lang="en-US" sz="1600" spc="-1" strike="noStrike">
-              <a:solidFill>
-                <a:srgbClr val="000000"/>
-              </a:solidFill>
-              <a:uFill>
-                <a:solidFill>
-                  <a:srgbClr val="ffffff"/>
-                </a:solidFill>
-              </a:uFill>
-              <a:latin typeface="Arial"/>
-            </a:endParaRPr>
-          </a:p>
-          <a:p>
-            <a:pPr marL="343080" indent="-342720">
+            <a:endParaRPr b="0" lang="en-US" sz="1800" spc="-1" strike="noStrike">
+              <a:solidFill>
+                <a:srgbClr val="000000"/>
+              </a:solidFill>
+              <a:uFill>
+                <a:solidFill>
+                  <a:srgbClr val="ffffff"/>
+                </a:solidFill>
+              </a:uFill>
+              <a:latin typeface="Arial"/>
+            </a:endParaRPr>
+          </a:p>
+          <a:p>
+            <a:pPr marL="343080" indent="-342360">
               <a:lnSpc>
                 <a:spcPct val="100000"/>
               </a:lnSpc>
@@ -6100,20 +6148,20 @@
               </a:rPr>
               <a:t>stops unnecessary items order from department</a:t>
             </a:r>
-            <a:endParaRPr b="0" lang="en-US" sz="1600" spc="-1" strike="noStrike">
-              <a:solidFill>
-                <a:srgbClr val="000000"/>
-              </a:solidFill>
-              <a:uFill>
-                <a:solidFill>
-                  <a:srgbClr val="ffffff"/>
-                </a:solidFill>
-              </a:uFill>
-              <a:latin typeface="Arial"/>
-            </a:endParaRPr>
-          </a:p>
-          <a:p>
-            <a:pPr marL="343080" indent="-342720">
+            <a:endParaRPr b="0" lang="en-US" sz="1800" spc="-1" strike="noStrike">
+              <a:solidFill>
+                <a:srgbClr val="000000"/>
+              </a:solidFill>
+              <a:uFill>
+                <a:solidFill>
+                  <a:srgbClr val="ffffff"/>
+                </a:solidFill>
+              </a:uFill>
+              <a:latin typeface="Arial"/>
+            </a:endParaRPr>
+          </a:p>
+          <a:p>
+            <a:pPr marL="343080" indent="-342360">
               <a:lnSpc>
                 <a:spcPct val="100000"/>
               </a:lnSpc>
@@ -6138,7 +6186,7 @@
               </a:rPr>
               <a:t>company don't need to provide financial account information to every department. </a:t>
             </a:r>
-            <a:endParaRPr b="0" lang="en-US" sz="1600" spc="-1" strike="noStrike">
+            <a:endParaRPr b="0" lang="en-US" sz="1800" spc="-1" strike="noStrike">
               <a:solidFill>
                 <a:srgbClr val="000000"/>
               </a:solidFill>
@@ -6156,7 +6204,7 @@
                 <a:spcPct val="100000"/>
               </a:lnSpc>
             </a:pPr>
-            <a:endParaRPr b="0" lang="en-US" sz="1600" spc="-1" strike="noStrike">
+            <a:endParaRPr b="0" lang="en-US" sz="1800" spc="-1" strike="noStrike">
               <a:solidFill>
                 <a:srgbClr val="000000"/>
               </a:solidFill>
@@ -6174,7 +6222,7 @@
                 <a:spcPct val="100000"/>
               </a:lnSpc>
             </a:pPr>
-            <a:endParaRPr b="0" lang="en-US" sz="1600" spc="-1" strike="noStrike">
+            <a:endParaRPr b="0" lang="en-US" sz="1800" spc="-1" strike="noStrike">
               <a:solidFill>
                 <a:srgbClr val="000000"/>
               </a:solidFill>
@@ -6246,7 +6294,7 @@
         <p:spPr>
           <a:xfrm>
             <a:off x="504000" y="301320"/>
-            <a:ext cx="9071280" cy="1261800"/>
+            <a:ext cx="9070920" cy="1261440"/>
           </a:xfrm>
           <a:prstGeom prst="rect">
             <a:avLst/>
@@ -6285,7 +6333,7 @@
               </a:rPr>
               <a:t>Related Work</a:t>
             </a:r>
-            <a:endParaRPr b="0" lang="en-US" sz="1600" spc="-1" strike="noStrike">
+            <a:endParaRPr b="0" lang="en-US" sz="1800" spc="-1" strike="noStrike">
               <a:solidFill>
                 <a:srgbClr val="000000"/>
               </a:solidFill>
@@ -6308,7 +6356,7 @@
         <p:spPr>
           <a:xfrm>
             <a:off x="504000" y="1769040"/>
-            <a:ext cx="9071280" cy="4384080"/>
+            <a:ext cx="9070920" cy="4383720"/>
           </a:xfrm>
           <a:prstGeom prst="rect">
             <a:avLst/>
@@ -6383,7 +6431,7 @@
         <p:spPr>
           <a:xfrm>
             <a:off x="504000" y="301320"/>
-            <a:ext cx="9071280" cy="1261800"/>
+            <a:ext cx="9070920" cy="1261440"/>
           </a:xfrm>
           <a:prstGeom prst="rect">
             <a:avLst/>
@@ -6422,7 +6470,7 @@
               </a:rPr>
               <a:t>Proposed Approach</a:t>
             </a:r>
-            <a:endParaRPr b="0" lang="en-US" sz="1600" spc="-1" strike="noStrike">
+            <a:endParaRPr b="0" lang="en-US" sz="1800" spc="-1" strike="noStrike">
               <a:solidFill>
                 <a:srgbClr val="000000"/>
               </a:solidFill>
@@ -6445,7 +6493,7 @@
         <p:spPr>
           <a:xfrm>
             <a:off x="504000" y="1769040"/>
-            <a:ext cx="9071280" cy="4384080"/>
+            <a:ext cx="9070920" cy="4383720"/>
           </a:xfrm>
           <a:prstGeom prst="rect">
             <a:avLst/>
@@ -6520,7 +6568,7 @@
         <p:spPr>
           <a:xfrm>
             <a:off x="504000" y="301320"/>
-            <a:ext cx="9071280" cy="1261800"/>
+            <a:ext cx="9070920" cy="1261440"/>
           </a:xfrm>
           <a:prstGeom prst="rect">
             <a:avLst/>
@@ -6557,9 +6605,9 @@
                 <a:latin typeface="Arial"/>
                 <a:ea typeface="DejaVu Sans"/>
               </a:rPr>
-              <a:t>Evaluation</a:t>
-            </a:r>
-            <a:endParaRPr b="0" lang="en-US" sz="1600" spc="-1" strike="noStrike">
+              <a:t>Evaluation (Test Plan)</a:t>
+            </a:r>
+            <a:endParaRPr b="0" lang="en-US" sz="1800" spc="-1" strike="noStrike">
               <a:solidFill>
                 <a:srgbClr val="000000"/>
               </a:solidFill>
@@ -6582,7 +6630,7 @@
         <p:spPr>
           <a:xfrm>
             <a:off x="504000" y="1769040"/>
-            <a:ext cx="9071280" cy="4384080"/>
+            <a:ext cx="9070920" cy="4383720"/>
           </a:xfrm>
           <a:prstGeom prst="rect">
             <a:avLst/>
@@ -6601,7 +6649,7 @@
         <p:txBody>
           <a:bodyPr lIns="0" rIns="0" tIns="0" bIns="0"/>
           <a:p>
-            <a:pPr marL="432000" indent="-323640">
+            <a:pPr marL="432000" indent="-323280">
               <a:lnSpc>
                 <a:spcPct val="100000"/>
               </a:lnSpc>
@@ -6625,22 +6673,22 @@
                 <a:latin typeface="Arial"/>
                 <a:ea typeface="DejaVu Sans"/>
               </a:rPr>
-              <a:t>Why is this a good solution? </a:t>
-            </a:r>
-            <a:endParaRPr b="0" lang="en-US" sz="1600" spc="-1" strike="noStrike">
-              <a:solidFill>
-                <a:srgbClr val="000000"/>
-              </a:solidFill>
-              <a:uFill>
-                <a:solidFill>
-                  <a:srgbClr val="ffffff"/>
-                </a:solidFill>
-              </a:uFill>
-              <a:latin typeface="Arial"/>
-            </a:endParaRPr>
-          </a:p>
-          <a:p>
-            <a:pPr lvl="1" marL="864000" indent="-323640">
+              <a:t>System Test</a:t>
+            </a:r>
+            <a:endParaRPr b="0" lang="en-US" sz="1800" spc="-1" strike="noStrike">
+              <a:solidFill>
+                <a:srgbClr val="000000"/>
+              </a:solidFill>
+              <a:uFill>
+                <a:solidFill>
+                  <a:srgbClr val="ffffff"/>
+                </a:solidFill>
+              </a:uFill>
+              <a:latin typeface="Arial"/>
+            </a:endParaRPr>
+          </a:p>
+          <a:p>
+            <a:pPr lvl="1" marL="864000" indent="-323280">
               <a:lnSpc>
                 <a:spcPct val="100000"/>
               </a:lnSpc>
@@ -6652,7 +6700,7 @@
               <a:buChar char=""/>
             </a:pPr>
             <a:r>
-              <a:rPr b="0" lang="en-US" sz="2800" spc="-1" strike="noStrike">
+              <a:rPr b="0" lang="en-US" sz="3200" spc="-1" strike="noStrike">
                 <a:solidFill>
                   <a:srgbClr val="000000"/>
                 </a:solidFill>
@@ -6664,31 +6712,31 @@
                 <a:latin typeface="Arial"/>
                 <a:ea typeface="DejaVu Sans"/>
               </a:rPr>
-              <a:t>This will be more of a tool that will help companies manage budget and expenses through the departments. It is organizational and fiscal solution to avoid excessive spending by the company as a whole</a:t>
-            </a:r>
-            <a:endParaRPr b="0" lang="en-US" sz="1600" spc="-1" strike="noStrike">
-              <a:solidFill>
-                <a:srgbClr val="000000"/>
-              </a:solidFill>
-              <a:uFill>
-                <a:solidFill>
-                  <a:srgbClr val="ffffff"/>
-                </a:solidFill>
-              </a:uFill>
-              <a:latin typeface="Arial"/>
-            </a:endParaRPr>
-          </a:p>
-          <a:p>
-            <a:pPr marL="432000" indent="-323640">
+              <a:t>Multiple sessions of the webpage</a:t>
+            </a:r>
+            <a:endParaRPr b="0" lang="en-US" sz="1800" spc="-1" strike="noStrike">
+              <a:solidFill>
+                <a:srgbClr val="000000"/>
+              </a:solidFill>
+              <a:uFill>
+                <a:solidFill>
+                  <a:srgbClr val="ffffff"/>
+                </a:solidFill>
+              </a:uFill>
+              <a:latin typeface="Arial"/>
+            </a:endParaRPr>
+          </a:p>
+          <a:p>
+            <a:pPr lvl="1" marL="864000" indent="-323280">
               <a:lnSpc>
                 <a:spcPct val="100000"/>
               </a:lnSpc>
               <a:buClr>
                 <a:srgbClr val="000000"/>
               </a:buClr>
-              <a:buSzPct val="45000"/>
-              <a:buFont typeface="Wingdings" charset="2"/>
-              <a:buChar char=""/>
+              <a:buSzPct val="75000"/>
+              <a:buFont typeface="Symbol"/>
+              <a:buChar char=""/>
             </a:pPr>
             <a:r>
               <a:rPr b="0" lang="en-US" sz="3200" spc="-1" strike="noStrike">
@@ -6703,22 +6751,22 @@
                 <a:latin typeface="Arial"/>
                 <a:ea typeface="DejaVu Sans"/>
               </a:rPr>
-              <a:t>Is this reasonable?</a:t>
-            </a:r>
-            <a:endParaRPr b="0" lang="en-US" sz="1600" spc="-1" strike="noStrike">
-              <a:solidFill>
-                <a:srgbClr val="000000"/>
-              </a:solidFill>
-              <a:uFill>
-                <a:solidFill>
-                  <a:srgbClr val="ffffff"/>
-                </a:solidFill>
-              </a:uFill>
-              <a:latin typeface="Arial"/>
-            </a:endParaRPr>
-          </a:p>
-          <a:p>
-            <a:pPr lvl="1" marL="864000" indent="-323640">
+              <a:t>Multiple users</a:t>
+            </a:r>
+            <a:endParaRPr b="0" lang="en-US" sz="1800" spc="-1" strike="noStrike">
+              <a:solidFill>
+                <a:srgbClr val="000000"/>
+              </a:solidFill>
+              <a:uFill>
+                <a:solidFill>
+                  <a:srgbClr val="ffffff"/>
+                </a:solidFill>
+              </a:uFill>
+              <a:latin typeface="Arial"/>
+            </a:endParaRPr>
+          </a:p>
+          <a:p>
+            <a:pPr lvl="1" marL="864000" indent="-323280">
               <a:lnSpc>
                 <a:spcPct val="100000"/>
               </a:lnSpc>
@@ -6730,7 +6778,7 @@
               <a:buChar char=""/>
             </a:pPr>
             <a:r>
-              <a:rPr b="0" lang="en-US" sz="2800" spc="-1" strike="noStrike">
+              <a:rPr b="0" lang="en-US" sz="3200" spc="-1" strike="noStrike">
                 <a:solidFill>
                   <a:srgbClr val="000000"/>
                 </a:solidFill>
@@ -6742,9 +6790,204 @@
                 <a:latin typeface="Arial"/>
                 <a:ea typeface="DejaVu Sans"/>
               </a:rPr>
-              <a:t>This is a very common problem in the workplace where departments will waste money on things that other departments have already purchased. Our goal is to create a product that will avoid that. I believe it to be very reasonable because of this reason alone.</a:t>
-            </a:r>
-            <a:endParaRPr b="0" lang="en-US" sz="1600" spc="-1" strike="noStrike">
+              <a:t>Have user 1 submit order on the web page</a:t>
+            </a:r>
+            <a:endParaRPr b="0" lang="en-US" sz="1800" spc="-1" strike="noStrike">
+              <a:solidFill>
+                <a:srgbClr val="000000"/>
+              </a:solidFill>
+              <a:uFill>
+                <a:solidFill>
+                  <a:srgbClr val="ffffff"/>
+                </a:solidFill>
+              </a:uFill>
+              <a:latin typeface="Arial"/>
+            </a:endParaRPr>
+          </a:p>
+          <a:p>
+            <a:pPr lvl="1" marL="864000" indent="-323280">
+              <a:lnSpc>
+                <a:spcPct val="100000"/>
+              </a:lnSpc>
+              <a:buClr>
+                <a:srgbClr val="000000"/>
+              </a:buClr>
+              <a:buSzPct val="75000"/>
+              <a:buFont typeface="Symbol"/>
+              <a:buChar char=""/>
+            </a:pPr>
+            <a:r>
+              <a:rPr b="0" lang="en-US" sz="3200" spc="-1" strike="noStrike">
+                <a:solidFill>
+                  <a:srgbClr val="000000"/>
+                </a:solidFill>
+                <a:uFill>
+                  <a:solidFill>
+                    <a:srgbClr val="ffffff"/>
+                  </a:solidFill>
+                </a:uFill>
+                <a:latin typeface="Arial"/>
+                <a:ea typeface="DejaVu Sans"/>
+              </a:rPr>
+              <a:t>Have user 2 see if those updates occur</a:t>
+            </a:r>
+            <a:endParaRPr b="0" lang="en-US" sz="1800" spc="-1" strike="noStrike">
+              <a:solidFill>
+                <a:srgbClr val="000000"/>
+              </a:solidFill>
+              <a:uFill>
+                <a:solidFill>
+                  <a:srgbClr val="ffffff"/>
+                </a:solidFill>
+              </a:uFill>
+              <a:latin typeface="Arial"/>
+            </a:endParaRPr>
+          </a:p>
+          <a:p>
+            <a:pPr lvl="1" marL="864000" indent="-323280">
+              <a:lnSpc>
+                <a:spcPct val="100000"/>
+              </a:lnSpc>
+              <a:buClr>
+                <a:srgbClr val="000000"/>
+              </a:buClr>
+              <a:buSzPct val="75000"/>
+              <a:buFont typeface="Symbol"/>
+              <a:buChar char=""/>
+            </a:pPr>
+            <a:r>
+              <a:rPr b="0" lang="en-US" sz="3200" spc="-1" strike="noStrike">
+                <a:solidFill>
+                  <a:srgbClr val="000000"/>
+                </a:solidFill>
+                <a:uFill>
+                  <a:solidFill>
+                    <a:srgbClr val="ffffff"/>
+                  </a:solidFill>
+                </a:uFill>
+                <a:latin typeface="Arial"/>
+                <a:ea typeface="DejaVu Sans"/>
+              </a:rPr>
+              <a:t>Have a real simulation to see that software works as we want it to.</a:t>
+            </a:r>
+            <a:endParaRPr b="0" lang="en-US" sz="1800" spc="-1" strike="noStrike">
+              <a:solidFill>
+                <a:srgbClr val="000000"/>
+              </a:solidFill>
+              <a:uFill>
+                <a:solidFill>
+                  <a:srgbClr val="ffffff"/>
+                </a:solidFill>
+              </a:uFill>
+              <a:latin typeface="Arial"/>
+            </a:endParaRPr>
+          </a:p>
+          <a:p>
+            <a:pPr marL="432000" indent="-323280">
+              <a:lnSpc>
+                <a:spcPct val="100000"/>
+              </a:lnSpc>
+              <a:buClr>
+                <a:srgbClr val="000000"/>
+              </a:buClr>
+              <a:buSzPct val="45000"/>
+              <a:buFont typeface="Wingdings" charset="2"/>
+              <a:buChar char=""/>
+            </a:pPr>
+            <a:r>
+              <a:rPr b="0" lang="en-US" sz="3200" spc="-1" strike="noStrike">
+                <a:solidFill>
+                  <a:srgbClr val="000000"/>
+                </a:solidFill>
+                <a:uFill>
+                  <a:solidFill>
+                    <a:srgbClr val="ffffff"/>
+                  </a:solidFill>
+                </a:uFill>
+                <a:latin typeface="Arial"/>
+                <a:ea typeface="DejaVu Sans"/>
+              </a:rPr>
+              <a:t>Test Data integrity</a:t>
+            </a:r>
+            <a:endParaRPr b="0" lang="en-US" sz="1800" spc="-1" strike="noStrike">
+              <a:solidFill>
+                <a:srgbClr val="000000"/>
+              </a:solidFill>
+              <a:uFill>
+                <a:solidFill>
+                  <a:srgbClr val="ffffff"/>
+                </a:solidFill>
+              </a:uFill>
+              <a:latin typeface="Arial"/>
+            </a:endParaRPr>
+          </a:p>
+          <a:p>
+            <a:pPr lvl="1" marL="864000" indent="-323280">
+              <a:lnSpc>
+                <a:spcPct val="100000"/>
+              </a:lnSpc>
+              <a:buClr>
+                <a:srgbClr val="000000"/>
+              </a:buClr>
+              <a:buSzPct val="75000"/>
+              <a:buFont typeface="Symbol"/>
+              <a:buChar char=""/>
+            </a:pPr>
+            <a:r>
+              <a:rPr b="0" lang="en-US" sz="3200" spc="-1" strike="noStrike">
+                <a:solidFill>
+                  <a:srgbClr val="000000"/>
+                </a:solidFill>
+                <a:uFill>
+                  <a:solidFill>
+                    <a:srgbClr val="ffffff"/>
+                  </a:solidFill>
+                </a:uFill>
+                <a:latin typeface="Arial"/>
+                <a:ea typeface="DejaVu Sans"/>
+              </a:rPr>
+              <a:t>Database insertion/deletion/modification via UI</a:t>
+            </a:r>
+            <a:endParaRPr b="0" lang="en-US" sz="1800" spc="-1" strike="noStrike">
+              <a:solidFill>
+                <a:srgbClr val="000000"/>
+              </a:solidFill>
+              <a:uFill>
+                <a:solidFill>
+                  <a:srgbClr val="ffffff"/>
+                </a:solidFill>
+              </a:uFill>
+              <a:latin typeface="Arial"/>
+            </a:endParaRPr>
+          </a:p>
+          <a:p>
+            <a:pPr lvl="1" marL="864000" indent="-323280">
+              <a:lnSpc>
+                <a:spcPct val="100000"/>
+              </a:lnSpc>
+              <a:buClr>
+                <a:srgbClr val="000000"/>
+              </a:buClr>
+              <a:buSzPct val="75000"/>
+              <a:buFont typeface="Symbol"/>
+              <a:buChar char=""/>
+            </a:pPr>
+            <a:r>
+              <a:rPr b="0" lang="en-US" sz="3200" spc="-1" strike="noStrike">
+                <a:solidFill>
+                  <a:srgbClr val="000000"/>
+                </a:solidFill>
+                <a:uFill>
+                  <a:solidFill>
+                    <a:srgbClr val="ffffff"/>
+                  </a:solidFill>
+                </a:uFill>
+                <a:latin typeface="Arial"/>
+                <a:ea typeface="DejaVu Sans"/>
+              </a:rPr>
+              <a:t>Database connectivity</a:t>
+            </a:r>
+            <a:endParaRPr b="0" lang="en-US" sz="1800" spc="-1" strike="noStrike">
               <a:solidFill>
                 <a:srgbClr val="000000"/>
               </a:solidFill>
@@ -6816,7 +7059,7 @@
         <p:spPr>
           <a:xfrm>
             <a:off x="365760" y="1285200"/>
-            <a:ext cx="9071280" cy="4384080"/>
+            <a:ext cx="9070920" cy="4383720"/>
           </a:xfrm>
           <a:prstGeom prst="rect">
             <a:avLst/>
@@ -6835,7 +7078,7 @@
         <p:txBody>
           <a:bodyPr lIns="0" rIns="0" tIns="0" bIns="0"/>
           <a:p>
-            <a:pPr marL="432000" indent="-323640">
+            <a:pPr marL="432000" indent="-323280">
               <a:lnSpc>
                 <a:spcPct val="100000"/>
               </a:lnSpc>
@@ -6861,20 +7104,20 @@
               </a:rPr>
               <a:t>Week 1</a:t>
             </a:r>
-            <a:endParaRPr b="0" lang="en-US" sz="1600" spc="-1" strike="noStrike">
-              <a:solidFill>
-                <a:srgbClr val="000000"/>
-              </a:solidFill>
-              <a:uFill>
-                <a:solidFill>
-                  <a:srgbClr val="ffffff"/>
-                </a:solidFill>
-              </a:uFill>
-              <a:latin typeface="Arial"/>
-            </a:endParaRPr>
-          </a:p>
-          <a:p>
-            <a:pPr lvl="1" marL="864000" indent="-323640">
+            <a:endParaRPr b="0" lang="en-US" sz="1800" spc="-1" strike="noStrike">
+              <a:solidFill>
+                <a:srgbClr val="000000"/>
+              </a:solidFill>
+              <a:uFill>
+                <a:solidFill>
+                  <a:srgbClr val="ffffff"/>
+                </a:solidFill>
+              </a:uFill>
+              <a:latin typeface="Arial"/>
+            </a:endParaRPr>
+          </a:p>
+          <a:p>
+            <a:pPr lvl="1" marL="864000" indent="-323280">
               <a:lnSpc>
                 <a:spcPct val="100000"/>
               </a:lnSpc>
@@ -6900,20 +7143,20 @@
               </a:rPr>
               <a:t>Organize, develop a plan, and converse with the group</a:t>
             </a:r>
-            <a:endParaRPr b="0" lang="en-US" sz="1600" spc="-1" strike="noStrike">
-              <a:solidFill>
-                <a:srgbClr val="000000"/>
-              </a:solidFill>
-              <a:uFill>
-                <a:solidFill>
-                  <a:srgbClr val="ffffff"/>
-                </a:solidFill>
-              </a:uFill>
-              <a:latin typeface="Arial"/>
-            </a:endParaRPr>
-          </a:p>
-          <a:p>
-            <a:pPr lvl="1" marL="864000" indent="-323640">
+            <a:endParaRPr b="0" lang="en-US" sz="1800" spc="-1" strike="noStrike">
+              <a:solidFill>
+                <a:srgbClr val="000000"/>
+              </a:solidFill>
+              <a:uFill>
+                <a:solidFill>
+                  <a:srgbClr val="ffffff"/>
+                </a:solidFill>
+              </a:uFill>
+              <a:latin typeface="Arial"/>
+            </a:endParaRPr>
+          </a:p>
+          <a:p>
+            <a:pPr lvl="1" marL="864000" indent="-323280">
               <a:lnSpc>
                 <a:spcPct val="100000"/>
               </a:lnSpc>
@@ -6939,20 +7182,20 @@
               </a:rPr>
               <a:t>Prepare Github repository</a:t>
             </a:r>
-            <a:endParaRPr b="0" lang="en-US" sz="1600" spc="-1" strike="noStrike">
-              <a:solidFill>
-                <a:srgbClr val="000000"/>
-              </a:solidFill>
-              <a:uFill>
-                <a:solidFill>
-                  <a:srgbClr val="ffffff"/>
-                </a:solidFill>
-              </a:uFill>
-              <a:latin typeface="Arial"/>
-            </a:endParaRPr>
-          </a:p>
-          <a:p>
-            <a:pPr marL="432000" indent="-323640">
+            <a:endParaRPr b="0" lang="en-US" sz="1800" spc="-1" strike="noStrike">
+              <a:solidFill>
+                <a:srgbClr val="000000"/>
+              </a:solidFill>
+              <a:uFill>
+                <a:solidFill>
+                  <a:srgbClr val="ffffff"/>
+                </a:solidFill>
+              </a:uFill>
+              <a:latin typeface="Arial"/>
+            </a:endParaRPr>
+          </a:p>
+          <a:p>
+            <a:pPr marL="432000" indent="-323280">
               <a:lnSpc>
                 <a:spcPct val="100000"/>
               </a:lnSpc>
@@ -6978,20 +7221,20 @@
               </a:rPr>
               <a:t>Week 2</a:t>
             </a:r>
-            <a:endParaRPr b="0" lang="en-US" sz="1600" spc="-1" strike="noStrike">
-              <a:solidFill>
-                <a:srgbClr val="000000"/>
-              </a:solidFill>
-              <a:uFill>
-                <a:solidFill>
-                  <a:srgbClr val="ffffff"/>
-                </a:solidFill>
-              </a:uFill>
-              <a:latin typeface="Arial"/>
-            </a:endParaRPr>
-          </a:p>
-          <a:p>
-            <a:pPr lvl="1" marL="864000" indent="-323640">
+            <a:endParaRPr b="0" lang="en-US" sz="1800" spc="-1" strike="noStrike">
+              <a:solidFill>
+                <a:srgbClr val="000000"/>
+              </a:solidFill>
+              <a:uFill>
+                <a:solidFill>
+                  <a:srgbClr val="ffffff"/>
+                </a:solidFill>
+              </a:uFill>
+              <a:latin typeface="Arial"/>
+            </a:endParaRPr>
+          </a:p>
+          <a:p>
+            <a:pPr lvl="1" marL="864000" indent="-323280">
               <a:lnSpc>
                 <a:spcPct val="100000"/>
               </a:lnSpc>
@@ -7017,20 +7260,20 @@
               </a:rPr>
               <a:t>Research and Develop. Think of things we want to implement within our Web App or Software.</a:t>
             </a:r>
-            <a:endParaRPr b="0" lang="en-US" sz="1600" spc="-1" strike="noStrike">
-              <a:solidFill>
-                <a:srgbClr val="000000"/>
-              </a:solidFill>
-              <a:uFill>
-                <a:solidFill>
-                  <a:srgbClr val="ffffff"/>
-                </a:solidFill>
-              </a:uFill>
-              <a:latin typeface="Arial"/>
-            </a:endParaRPr>
-          </a:p>
-          <a:p>
-            <a:pPr lvl="1" marL="864000" indent="-323640">
+            <a:endParaRPr b="0" lang="en-US" sz="1800" spc="-1" strike="noStrike">
+              <a:solidFill>
+                <a:srgbClr val="000000"/>
+              </a:solidFill>
+              <a:uFill>
+                <a:solidFill>
+                  <a:srgbClr val="ffffff"/>
+                </a:solidFill>
+              </a:uFill>
+              <a:latin typeface="Arial"/>
+            </a:endParaRPr>
+          </a:p>
+          <a:p>
+            <a:pPr lvl="1" marL="864000" indent="-323280">
               <a:lnSpc>
                 <a:spcPct val="100000"/>
               </a:lnSpc>
@@ -7056,20 +7299,20 @@
               </a:rPr>
               <a:t>Create a facilitate an Agile environment. Create a backlog with a sprint consisting of stories to tackle</a:t>
             </a:r>
-            <a:endParaRPr b="0" lang="en-US" sz="1600" spc="-1" strike="noStrike">
-              <a:solidFill>
-                <a:srgbClr val="000000"/>
-              </a:solidFill>
-              <a:uFill>
-                <a:solidFill>
-                  <a:srgbClr val="ffffff"/>
-                </a:solidFill>
-              </a:uFill>
-              <a:latin typeface="Arial"/>
-            </a:endParaRPr>
-          </a:p>
-          <a:p>
-            <a:pPr marL="432000" indent="-323640">
+            <a:endParaRPr b="0" lang="en-US" sz="1800" spc="-1" strike="noStrike">
+              <a:solidFill>
+                <a:srgbClr val="000000"/>
+              </a:solidFill>
+              <a:uFill>
+                <a:solidFill>
+                  <a:srgbClr val="ffffff"/>
+                </a:solidFill>
+              </a:uFill>
+              <a:latin typeface="Arial"/>
+            </a:endParaRPr>
+          </a:p>
+          <a:p>
+            <a:pPr marL="432000" indent="-323280">
               <a:lnSpc>
                 <a:spcPct val="100000"/>
               </a:lnSpc>
@@ -7095,20 +7338,20 @@
               </a:rPr>
               <a:t>Week 3</a:t>
             </a:r>
-            <a:endParaRPr b="0" lang="en-US" sz="1600" spc="-1" strike="noStrike">
-              <a:solidFill>
-                <a:srgbClr val="000000"/>
-              </a:solidFill>
-              <a:uFill>
-                <a:solidFill>
-                  <a:srgbClr val="ffffff"/>
-                </a:solidFill>
-              </a:uFill>
-              <a:latin typeface="Arial"/>
-            </a:endParaRPr>
-          </a:p>
-          <a:p>
-            <a:pPr lvl="1" marL="864000" indent="-323640">
+            <a:endParaRPr b="0" lang="en-US" sz="1800" spc="-1" strike="noStrike">
+              <a:solidFill>
+                <a:srgbClr val="000000"/>
+              </a:solidFill>
+              <a:uFill>
+                <a:solidFill>
+                  <a:srgbClr val="ffffff"/>
+                </a:solidFill>
+              </a:uFill>
+              <a:latin typeface="Arial"/>
+            </a:endParaRPr>
+          </a:p>
+          <a:p>
+            <a:pPr lvl="1" marL="864000" indent="-323280">
               <a:lnSpc>
                 <a:spcPct val="100000"/>
               </a:lnSpc>
@@ -7134,20 +7377,20 @@
               </a:rPr>
               <a:t>Add stories and possible features and enhancements</a:t>
             </a:r>
-            <a:endParaRPr b="0" lang="en-US" sz="1600" spc="-1" strike="noStrike">
-              <a:solidFill>
-                <a:srgbClr val="000000"/>
-              </a:solidFill>
-              <a:uFill>
-                <a:solidFill>
-                  <a:srgbClr val="ffffff"/>
-                </a:solidFill>
-              </a:uFill>
-              <a:latin typeface="Arial"/>
-            </a:endParaRPr>
-          </a:p>
-          <a:p>
-            <a:pPr lvl="1" marL="864000" indent="-323640">
+            <a:endParaRPr b="0" lang="en-US" sz="1800" spc="-1" strike="noStrike">
+              <a:solidFill>
+                <a:srgbClr val="000000"/>
+              </a:solidFill>
+              <a:uFill>
+                <a:solidFill>
+                  <a:srgbClr val="ffffff"/>
+                </a:solidFill>
+              </a:uFill>
+              <a:latin typeface="Arial"/>
+            </a:endParaRPr>
+          </a:p>
+          <a:p>
+            <a:pPr lvl="1" marL="864000" indent="-323280">
               <a:lnSpc>
                 <a:spcPct val="100000"/>
               </a:lnSpc>
@@ -7173,20 +7416,20 @@
               </a:rPr>
               <a:t>Work</a:t>
             </a:r>
-            <a:endParaRPr b="0" lang="en-US" sz="1600" spc="-1" strike="noStrike">
-              <a:solidFill>
-                <a:srgbClr val="000000"/>
-              </a:solidFill>
-              <a:uFill>
-                <a:solidFill>
-                  <a:srgbClr val="ffffff"/>
-                </a:solidFill>
-              </a:uFill>
-              <a:latin typeface="Arial"/>
-            </a:endParaRPr>
-          </a:p>
-          <a:p>
-            <a:pPr marL="432000" indent="-323640">
+            <a:endParaRPr b="0" lang="en-US" sz="1800" spc="-1" strike="noStrike">
+              <a:solidFill>
+                <a:srgbClr val="000000"/>
+              </a:solidFill>
+              <a:uFill>
+                <a:solidFill>
+                  <a:srgbClr val="ffffff"/>
+                </a:solidFill>
+              </a:uFill>
+              <a:latin typeface="Arial"/>
+            </a:endParaRPr>
+          </a:p>
+          <a:p>
+            <a:pPr marL="432000" indent="-323280">
               <a:lnSpc>
                 <a:spcPct val="100000"/>
               </a:lnSpc>
@@ -7212,20 +7455,20 @@
               </a:rPr>
               <a:t>Week 4 – Last Week</a:t>
             </a:r>
-            <a:endParaRPr b="0" lang="en-US" sz="1600" spc="-1" strike="noStrike">
-              <a:solidFill>
-                <a:srgbClr val="000000"/>
-              </a:solidFill>
-              <a:uFill>
-                <a:solidFill>
-                  <a:srgbClr val="ffffff"/>
-                </a:solidFill>
-              </a:uFill>
-              <a:latin typeface="Arial"/>
-            </a:endParaRPr>
-          </a:p>
-          <a:p>
-            <a:pPr lvl="1" marL="864000" indent="-323640">
+            <a:endParaRPr b="0" lang="en-US" sz="1800" spc="-1" strike="noStrike">
+              <a:solidFill>
+                <a:srgbClr val="000000"/>
+              </a:solidFill>
+              <a:uFill>
+                <a:solidFill>
+                  <a:srgbClr val="ffffff"/>
+                </a:solidFill>
+              </a:uFill>
+              <a:latin typeface="Arial"/>
+            </a:endParaRPr>
+          </a:p>
+          <a:p>
+            <a:pPr lvl="1" marL="864000" indent="-323280">
               <a:lnSpc>
                 <a:spcPct val="100000"/>
               </a:lnSpc>
@@ -7251,20 +7494,20 @@
               </a:rPr>
               <a:t>Work on the project. Unit testing and integration testing. Merging our work together. </a:t>
             </a:r>
-            <a:endParaRPr b="0" lang="en-US" sz="1600" spc="-1" strike="noStrike">
-              <a:solidFill>
-                <a:srgbClr val="000000"/>
-              </a:solidFill>
-              <a:uFill>
-                <a:solidFill>
-                  <a:srgbClr val="ffffff"/>
-                </a:solidFill>
-              </a:uFill>
-              <a:latin typeface="Arial"/>
-            </a:endParaRPr>
-          </a:p>
-          <a:p>
-            <a:pPr lvl="1" marL="864000" indent="-323640">
+            <a:endParaRPr b="0" lang="en-US" sz="1800" spc="-1" strike="noStrike">
+              <a:solidFill>
+                <a:srgbClr val="000000"/>
+              </a:solidFill>
+              <a:uFill>
+                <a:solidFill>
+                  <a:srgbClr val="ffffff"/>
+                </a:solidFill>
+              </a:uFill>
+              <a:latin typeface="Arial"/>
+            </a:endParaRPr>
+          </a:p>
+          <a:p>
+            <a:pPr lvl="1" marL="864000" indent="-323280">
               <a:lnSpc>
                 <a:spcPct val="100000"/>
               </a:lnSpc>
@@ -7290,20 +7533,20 @@
               </a:rPr>
               <a:t>Updating our githubs (constantly). Validate and commit. </a:t>
             </a:r>
-            <a:endParaRPr b="0" lang="en-US" sz="1600" spc="-1" strike="noStrike">
-              <a:solidFill>
-                <a:srgbClr val="000000"/>
-              </a:solidFill>
-              <a:uFill>
-                <a:solidFill>
-                  <a:srgbClr val="ffffff"/>
-                </a:solidFill>
-              </a:uFill>
-              <a:latin typeface="Arial"/>
-            </a:endParaRPr>
-          </a:p>
-          <a:p>
-            <a:pPr lvl="1" marL="864000" indent="-323640">
+            <a:endParaRPr b="0" lang="en-US" sz="1800" spc="-1" strike="noStrike">
+              <a:solidFill>
+                <a:srgbClr val="000000"/>
+              </a:solidFill>
+              <a:uFill>
+                <a:solidFill>
+                  <a:srgbClr val="ffffff"/>
+                </a:solidFill>
+              </a:uFill>
+              <a:latin typeface="Arial"/>
+            </a:endParaRPr>
+          </a:p>
+          <a:p>
+            <a:pPr lvl="1" marL="864000" indent="-323280">
               <a:lnSpc>
                 <a:spcPct val="100000"/>
               </a:lnSpc>
@@ -7329,7 +7572,7 @@
               </a:rPr>
               <a:t>Testing and validating and improving where need be.</a:t>
             </a:r>
-            <a:endParaRPr b="0" lang="en-US" sz="1600" spc="-1" strike="noStrike">
+            <a:endParaRPr b="0" lang="en-US" sz="1800" spc="-1" strike="noStrike">
               <a:solidFill>
                 <a:srgbClr val="000000"/>
               </a:solidFill>
@@ -7352,7 +7595,7 @@
         <p:spPr>
           <a:xfrm>
             <a:off x="504000" y="301320"/>
-            <a:ext cx="9071280" cy="1261800"/>
+            <a:ext cx="9070920" cy="1261440"/>
           </a:xfrm>
           <a:prstGeom prst="rect">
             <a:avLst/>
@@ -7391,7 +7634,7 @@
               </a:rPr>
               <a:t>Time-line</a:t>
             </a:r>
-            <a:endParaRPr b="0" lang="en-US" sz="1600" spc="-1" strike="noStrike">
+            <a:endParaRPr b="0" lang="en-US" sz="1800" spc="-1" strike="noStrike">
               <a:solidFill>
                 <a:srgbClr val="000000"/>
               </a:solidFill>

--- a/Project_Proposal.pptx
+++ b/Project_Proposal.pptx
@@ -7090,7 +7090,7 @@
               <a:buChar char=""/>
             </a:pPr>
             <a:r>
-              <a:rPr b="0" lang="en-US" sz="2600" spc="-1" strike="noStrike">
+              <a:rPr b="0" lang="en-US" sz="2200" spc="-1" strike="noStrike">
                 <a:solidFill>
                   <a:srgbClr val="000000"/>
                 </a:solidFill>
@@ -7129,7 +7129,7 @@
               <a:buChar char=""/>
             </a:pPr>
             <a:r>
-              <a:rPr b="0" lang="en-US" sz="2400" spc="-1" strike="noStrike">
+              <a:rPr b="0" lang="en-US" sz="2000" spc="-1" strike="noStrike">
                 <a:solidFill>
                   <a:srgbClr val="000000"/>
                 </a:solidFill>
@@ -7168,7 +7168,7 @@
               <a:buChar char=""/>
             </a:pPr>
             <a:r>
-              <a:rPr b="0" lang="en-US" sz="2400" spc="-1" strike="noStrike">
+              <a:rPr b="0" lang="en-US" sz="2000" spc="-1" strike="noStrike">
                 <a:solidFill>
                   <a:srgbClr val="000000"/>
                 </a:solidFill>
@@ -7207,7 +7207,7 @@
               <a:buChar char=""/>
             </a:pPr>
             <a:r>
-              <a:rPr b="0" lang="en-US" sz="2600" spc="-1" strike="noStrike">
+              <a:rPr b="0" lang="en-US" sz="2200" spc="-1" strike="noStrike">
                 <a:solidFill>
                   <a:srgbClr val="000000"/>
                 </a:solidFill>
@@ -7246,7 +7246,7 @@
               <a:buChar char=""/>
             </a:pPr>
             <a:r>
-              <a:rPr b="0" lang="en-US" sz="2400" spc="-1" strike="noStrike">
+              <a:rPr b="0" lang="en-US" sz="2000" spc="-1" strike="noStrike">
                 <a:solidFill>
                   <a:srgbClr val="000000"/>
                 </a:solidFill>
@@ -7285,7 +7285,7 @@
               <a:buChar char=""/>
             </a:pPr>
             <a:r>
-              <a:rPr b="0" lang="en-US" sz="2400" spc="-1" strike="noStrike">
+              <a:rPr b="0" lang="en-US" sz="2000" spc="-1" strike="noStrike">
                 <a:solidFill>
                   <a:srgbClr val="000000"/>
                 </a:solidFill>
@@ -7324,7 +7324,7 @@
               <a:buChar char=""/>
             </a:pPr>
             <a:r>
-              <a:rPr b="0" lang="en-US" sz="2600" spc="-1" strike="noStrike">
+              <a:rPr b="0" lang="en-US" sz="2200" spc="-1" strike="noStrike">
                 <a:solidFill>
                   <a:srgbClr val="000000"/>
                 </a:solidFill>
@@ -7363,7 +7363,7 @@
               <a:buChar char=""/>
             </a:pPr>
             <a:r>
-              <a:rPr b="0" lang="en-US" sz="2400" spc="-1" strike="noStrike">
+              <a:rPr b="0" lang="en-US" sz="2000" spc="-1" strike="noStrike">
                 <a:solidFill>
                   <a:srgbClr val="000000"/>
                 </a:solidFill>
@@ -7402,7 +7402,7 @@
               <a:buChar char=""/>
             </a:pPr>
             <a:r>
-              <a:rPr b="0" lang="en-US" sz="2400" spc="-1" strike="noStrike">
+              <a:rPr b="0" lang="en-US" sz="2000" spc="-1" strike="noStrike">
                 <a:solidFill>
                   <a:srgbClr val="000000"/>
                 </a:solidFill>
@@ -7441,7 +7441,7 @@
               <a:buChar char=""/>
             </a:pPr>
             <a:r>
-              <a:rPr b="0" lang="en-US" sz="2600" spc="-1" strike="noStrike">
+              <a:rPr b="0" lang="en-US" sz="2200" spc="-1" strike="noStrike">
                 <a:solidFill>
                   <a:srgbClr val="000000"/>
                 </a:solidFill>
@@ -7480,7 +7480,7 @@
               <a:buChar char=""/>
             </a:pPr>
             <a:r>
-              <a:rPr b="0" lang="en-US" sz="2400" spc="-1" strike="noStrike">
+              <a:rPr b="0" lang="en-US" sz="2000" spc="-1" strike="noStrike">
                 <a:solidFill>
                   <a:srgbClr val="000000"/>
                 </a:solidFill>
@@ -7519,7 +7519,7 @@
               <a:buChar char=""/>
             </a:pPr>
             <a:r>
-              <a:rPr b="0" lang="en-US" sz="2400" spc="-1" strike="noStrike">
+              <a:rPr b="0" lang="en-US" sz="2000" spc="-1" strike="noStrike">
                 <a:solidFill>
                   <a:srgbClr val="000000"/>
                 </a:solidFill>
@@ -7558,7 +7558,7 @@
               <a:buChar char=""/>
             </a:pPr>
             <a:r>
-              <a:rPr b="0" lang="en-US" sz="2400" spc="-1" strike="noStrike">
+              <a:rPr b="0" lang="en-US" sz="2000" spc="-1" strike="noStrike">
                 <a:solidFill>
                   <a:srgbClr val="000000"/>
                 </a:solidFill>

--- a/Project_Proposal.pptx
+++ b/Project_Proposal.pptx
@@ -1,27 +1,123 @@
 
 <file path=ppt/presentation.xml><?xml version="1.0" encoding="utf-8"?>
-<p:presentation xmlns:a="http://schemas.openxmlformats.org/drawingml/2006/main" xmlns:p="http://schemas.openxmlformats.org/presentationml/2006/main" xmlns:r="http://schemas.openxmlformats.org/officeDocument/2006/relationships" xmlns:p14="http://schemas.microsoft.com/office/powerpoint/2010/main" xmlns:p15="http://schemas.microsoft.com/office/powerpoint/2012/main" xmlns:mc="http://schemas.openxmlformats.org/markup-compatibility/2006">
+<p:presentation xmlns:a="http://schemas.openxmlformats.org/drawingml/2006/main" xmlns:r="http://schemas.openxmlformats.org/officeDocument/2006/relationships" xmlns:p="http://schemas.openxmlformats.org/presentationml/2006/main">
   <p:sldMasterIdLst>
-    <p:sldMasterId id="2147483648" r:id="rId2"/>
-    <p:sldMasterId id="2147483661" r:id="rId3"/>
+    <p:sldMasterId id="2147483648" r:id="rId1"/>
+    <p:sldMasterId id="2147483661" r:id="rId2"/>
   </p:sldMasterIdLst>
   <p:sldIdLst>
-    <p:sldId id="256" r:id="rId4"/>
-    <p:sldId id="257" r:id="rId5"/>
-    <p:sldId id="258" r:id="rId6"/>
-    <p:sldId id="259" r:id="rId7"/>
-    <p:sldId id="260" r:id="rId8"/>
-    <p:sldId id="261" r:id="rId9"/>
+    <p:sldId id="256" r:id="rId3"/>
+    <p:sldId id="257" r:id="rId4"/>
+    <p:sldId id="258" r:id="rId5"/>
+    <p:sldId id="259" r:id="rId6"/>
+    <p:sldId id="260" r:id="rId7"/>
+    <p:sldId id="261" r:id="rId8"/>
+    <p:sldId id="264" r:id="rId9"/>
     <p:sldId id="262" r:id="rId10"/>
     <p:sldId id="263" r:id="rId11"/>
   </p:sldIdLst>
   <p:sldSz cx="10080625" cy="7559675"/>
   <p:notesSz cx="7772400" cy="10058400"/>
+  <p:defaultTextStyle>
+    <a:defPPr>
+      <a:defRPr lang="en-US"/>
+    </a:defPPr>
+    <a:lvl1pPr marL="0" algn="l" defTabSz="914400" rtl="0" eaLnBrk="1" latinLnBrk="0" hangingPunct="1">
+      <a:defRPr sz="1800" kern="1200">
+        <a:solidFill>
+          <a:schemeClr val="tx1"/>
+        </a:solidFill>
+        <a:latin typeface="+mn-lt"/>
+        <a:ea typeface="+mn-ea"/>
+        <a:cs typeface="+mn-cs"/>
+      </a:defRPr>
+    </a:lvl1pPr>
+    <a:lvl2pPr marL="457200" algn="l" defTabSz="914400" rtl="0" eaLnBrk="1" latinLnBrk="0" hangingPunct="1">
+      <a:defRPr sz="1800" kern="1200">
+        <a:solidFill>
+          <a:schemeClr val="tx1"/>
+        </a:solidFill>
+        <a:latin typeface="+mn-lt"/>
+        <a:ea typeface="+mn-ea"/>
+        <a:cs typeface="+mn-cs"/>
+      </a:defRPr>
+    </a:lvl2pPr>
+    <a:lvl3pPr marL="914400" algn="l" defTabSz="914400" rtl="0" eaLnBrk="1" latinLnBrk="0" hangingPunct="1">
+      <a:defRPr sz="1800" kern="1200">
+        <a:solidFill>
+          <a:schemeClr val="tx1"/>
+        </a:solidFill>
+        <a:latin typeface="+mn-lt"/>
+        <a:ea typeface="+mn-ea"/>
+        <a:cs typeface="+mn-cs"/>
+      </a:defRPr>
+    </a:lvl3pPr>
+    <a:lvl4pPr marL="1371600" algn="l" defTabSz="914400" rtl="0" eaLnBrk="1" latinLnBrk="0" hangingPunct="1">
+      <a:defRPr sz="1800" kern="1200">
+        <a:solidFill>
+          <a:schemeClr val="tx1"/>
+        </a:solidFill>
+        <a:latin typeface="+mn-lt"/>
+        <a:ea typeface="+mn-ea"/>
+        <a:cs typeface="+mn-cs"/>
+      </a:defRPr>
+    </a:lvl4pPr>
+    <a:lvl5pPr marL="1828800" algn="l" defTabSz="914400" rtl="0" eaLnBrk="1" latinLnBrk="0" hangingPunct="1">
+      <a:defRPr sz="1800" kern="1200">
+        <a:solidFill>
+          <a:schemeClr val="tx1"/>
+        </a:solidFill>
+        <a:latin typeface="+mn-lt"/>
+        <a:ea typeface="+mn-ea"/>
+        <a:cs typeface="+mn-cs"/>
+      </a:defRPr>
+    </a:lvl5pPr>
+    <a:lvl6pPr marL="2286000" algn="l" defTabSz="914400" rtl="0" eaLnBrk="1" latinLnBrk="0" hangingPunct="1">
+      <a:defRPr sz="1800" kern="1200">
+        <a:solidFill>
+          <a:schemeClr val="tx1"/>
+        </a:solidFill>
+        <a:latin typeface="+mn-lt"/>
+        <a:ea typeface="+mn-ea"/>
+        <a:cs typeface="+mn-cs"/>
+      </a:defRPr>
+    </a:lvl6pPr>
+    <a:lvl7pPr marL="2743200" algn="l" defTabSz="914400" rtl="0" eaLnBrk="1" latinLnBrk="0" hangingPunct="1">
+      <a:defRPr sz="1800" kern="1200">
+        <a:solidFill>
+          <a:schemeClr val="tx1"/>
+        </a:solidFill>
+        <a:latin typeface="+mn-lt"/>
+        <a:ea typeface="+mn-ea"/>
+        <a:cs typeface="+mn-cs"/>
+      </a:defRPr>
+    </a:lvl7pPr>
+    <a:lvl8pPr marL="3200400" algn="l" defTabSz="914400" rtl="0" eaLnBrk="1" latinLnBrk="0" hangingPunct="1">
+      <a:defRPr sz="1800" kern="1200">
+        <a:solidFill>
+          <a:schemeClr val="tx1"/>
+        </a:solidFill>
+        <a:latin typeface="+mn-lt"/>
+        <a:ea typeface="+mn-ea"/>
+        <a:cs typeface="+mn-cs"/>
+      </a:defRPr>
+    </a:lvl8pPr>
+    <a:lvl9pPr marL="3657600" algn="l" defTabSz="914400" rtl="0" eaLnBrk="1" latinLnBrk="0" hangingPunct="1">
+      <a:defRPr sz="1800" kern="1200">
+        <a:solidFill>
+          <a:schemeClr val="tx1"/>
+        </a:solidFill>
+        <a:latin typeface="+mn-lt"/>
+        <a:ea typeface="+mn-ea"/>
+        <a:cs typeface="+mn-cs"/>
+      </a:defRPr>
+    </a:lvl9pPr>
+  </p:defaultTextStyle>
 </p:presentation>
 </file>
 
 <file path=ppt/slideLayouts/slideLayout1.xml><?xml version="1.0" encoding="utf-8"?>
-<p:sldLayout xmlns:a="http://schemas.openxmlformats.org/drawingml/2006/main" xmlns:p="http://schemas.openxmlformats.org/presentationml/2006/main" xmlns:r="http://schemas.openxmlformats.org/officeDocument/2006/relationships" xmlns:p14="http://schemas.microsoft.com/office/powerpoint/2010/main" xmlns:p15="http://schemas.microsoft.com/office/powerpoint/2012/main" xmlns:mc="http://schemas.openxmlformats.org/markup-compatibility/2006" type="blank" preserve="1">
+<p:sldLayout xmlns:a="http://schemas.openxmlformats.org/drawingml/2006/main" xmlns:r="http://schemas.openxmlformats.org/officeDocument/2006/relationships" xmlns:p="http://schemas.openxmlformats.org/presentationml/2006/main" type="blank" preserve="1">
   <p:cSld name="Blank Slide">
     <p:spTree>
       <p:nvGrpSpPr>
@@ -39,11 +135,14 @@
       </p:grpSpPr>
     </p:spTree>
   </p:cSld>
+  <p:clrMapOvr>
+    <a:masterClrMapping/>
+  </p:clrMapOvr>
 </p:sldLayout>
 </file>
 
 <file path=ppt/slideLayouts/slideLayout10.xml><?xml version="1.0" encoding="utf-8"?>
-<p:sldLayout xmlns:a="http://schemas.openxmlformats.org/drawingml/2006/main" xmlns:p="http://schemas.openxmlformats.org/presentationml/2006/main" xmlns:r="http://schemas.openxmlformats.org/officeDocument/2006/relationships" xmlns:p14="http://schemas.microsoft.com/office/powerpoint/2010/main" xmlns:p15="http://schemas.microsoft.com/office/powerpoint/2012/main" xmlns:mc="http://schemas.openxmlformats.org/markup-compatibility/2006" type="objOverTx" preserve="1">
+<p:sldLayout xmlns:a="http://schemas.openxmlformats.org/drawingml/2006/main" xmlns:r="http://schemas.openxmlformats.org/officeDocument/2006/relationships" xmlns:p="http://schemas.openxmlformats.org/presentationml/2006/main" type="objOverTx" preserve="1">
   <p:cSld name="Title, Content over Content">
     <p:spTree>
       <p:nvGrpSpPr>
@@ -79,16 +178,17 @@
           </a:prstGeom>
         </p:spPr>
         <p:txBody>
-          <a:bodyPr lIns="0" rIns="0" tIns="0" bIns="0" anchor="ctr"/>
+          <a:bodyPr lIns="0" tIns="0" rIns="0" bIns="0" anchor="ctr"/>
+          <a:lstStyle/>
           <a:p>
             <a:pPr algn="ctr"/>
-            <a:endParaRPr b="0" lang="en-US" sz="4400" spc="-1" strike="noStrike">
-              <a:solidFill>
-                <a:srgbClr val="000000"/>
-              </a:solidFill>
-              <a:uFill>
-                <a:solidFill>
-                  <a:srgbClr val="ffffff"/>
+            <a:endParaRPr lang="en-US" sz="4400" b="0" strike="noStrike" spc="-1">
+              <a:solidFill>
+                <a:srgbClr val="000000"/>
+              </a:solidFill>
+              <a:uFill>
+                <a:solidFill>
+                  <a:srgbClr val="FFFFFF"/>
                 </a:solidFill>
               </a:uFill>
               <a:latin typeface="Arial"/>
@@ -116,15 +216,16 @@
           </a:prstGeom>
         </p:spPr>
         <p:txBody>
-          <a:bodyPr lIns="0" rIns="0" tIns="0" bIns="0"/>
-          <a:p>
-            <a:endParaRPr b="0" lang="en-US" sz="3200" spc="-1" strike="noStrike">
-              <a:solidFill>
-                <a:srgbClr val="000000"/>
-              </a:solidFill>
-              <a:uFill>
-                <a:solidFill>
-                  <a:srgbClr val="ffffff"/>
+          <a:bodyPr lIns="0" tIns="0" rIns="0" bIns="0"/>
+          <a:lstStyle/>
+          <a:p>
+            <a:endParaRPr lang="en-US" sz="3200" b="0" strike="noStrike" spc="-1">
+              <a:solidFill>
+                <a:srgbClr val="000000"/>
+              </a:solidFill>
+              <a:uFill>
+                <a:solidFill>
+                  <a:srgbClr val="FFFFFF"/>
                 </a:solidFill>
               </a:uFill>
               <a:latin typeface="Arial"/>
@@ -152,15 +253,16 @@
           </a:prstGeom>
         </p:spPr>
         <p:txBody>
-          <a:bodyPr lIns="0" rIns="0" tIns="0" bIns="0"/>
-          <a:p>
-            <a:endParaRPr b="0" lang="en-US" sz="3200" spc="-1" strike="noStrike">
-              <a:solidFill>
-                <a:srgbClr val="000000"/>
-              </a:solidFill>
-              <a:uFill>
-                <a:solidFill>
-                  <a:srgbClr val="ffffff"/>
+          <a:bodyPr lIns="0" tIns="0" rIns="0" bIns="0"/>
+          <a:lstStyle/>
+          <a:p>
+            <a:endParaRPr lang="en-US" sz="3200" b="0" strike="noStrike" spc="-1">
+              <a:solidFill>
+                <a:srgbClr val="000000"/>
+              </a:solidFill>
+              <a:uFill>
+                <a:solidFill>
+                  <a:srgbClr val="FFFFFF"/>
                 </a:solidFill>
               </a:uFill>
               <a:latin typeface="Arial"/>
@@ -170,11 +272,14 @@
       </p:sp>
     </p:spTree>
   </p:cSld>
+  <p:clrMapOvr>
+    <a:masterClrMapping/>
+  </p:clrMapOvr>
 </p:sldLayout>
 </file>
 
 <file path=ppt/slideLayouts/slideLayout11.xml><?xml version="1.0" encoding="utf-8"?>
-<p:sldLayout xmlns:a="http://schemas.openxmlformats.org/drawingml/2006/main" xmlns:p="http://schemas.openxmlformats.org/presentationml/2006/main" xmlns:r="http://schemas.openxmlformats.org/officeDocument/2006/relationships" xmlns:p14="http://schemas.microsoft.com/office/powerpoint/2010/main" xmlns:p15="http://schemas.microsoft.com/office/powerpoint/2012/main" xmlns:mc="http://schemas.openxmlformats.org/markup-compatibility/2006" type="fourObj" preserve="1">
+<p:sldLayout xmlns:a="http://schemas.openxmlformats.org/drawingml/2006/main" xmlns:r="http://schemas.openxmlformats.org/officeDocument/2006/relationships" xmlns:p="http://schemas.openxmlformats.org/presentationml/2006/main" type="fourObj" preserve="1">
   <p:cSld name="Title, 4 Content">
     <p:spTree>
       <p:nvGrpSpPr>
@@ -210,16 +315,17 @@
           </a:prstGeom>
         </p:spPr>
         <p:txBody>
-          <a:bodyPr lIns="0" rIns="0" tIns="0" bIns="0" anchor="ctr"/>
+          <a:bodyPr lIns="0" tIns="0" rIns="0" bIns="0" anchor="ctr"/>
+          <a:lstStyle/>
           <a:p>
             <a:pPr algn="ctr"/>
-            <a:endParaRPr b="0" lang="en-US" sz="4400" spc="-1" strike="noStrike">
-              <a:solidFill>
-                <a:srgbClr val="000000"/>
-              </a:solidFill>
-              <a:uFill>
-                <a:solidFill>
-                  <a:srgbClr val="ffffff"/>
+            <a:endParaRPr lang="en-US" sz="4400" b="0" strike="noStrike" spc="-1">
+              <a:solidFill>
+                <a:srgbClr val="000000"/>
+              </a:solidFill>
+              <a:uFill>
+                <a:solidFill>
+                  <a:srgbClr val="FFFFFF"/>
                 </a:solidFill>
               </a:uFill>
               <a:latin typeface="Arial"/>
@@ -247,15 +353,16 @@
           </a:prstGeom>
         </p:spPr>
         <p:txBody>
-          <a:bodyPr lIns="0" rIns="0" tIns="0" bIns="0"/>
-          <a:p>
-            <a:endParaRPr b="0" lang="en-US" sz="3200" spc="-1" strike="noStrike">
-              <a:solidFill>
-                <a:srgbClr val="000000"/>
-              </a:solidFill>
-              <a:uFill>
-                <a:solidFill>
-                  <a:srgbClr val="ffffff"/>
+          <a:bodyPr lIns="0" tIns="0" rIns="0" bIns="0"/>
+          <a:lstStyle/>
+          <a:p>
+            <a:endParaRPr lang="en-US" sz="3200" b="0" strike="noStrike" spc="-1">
+              <a:solidFill>
+                <a:srgbClr val="000000"/>
+              </a:solidFill>
+              <a:uFill>
+                <a:solidFill>
+                  <a:srgbClr val="FFFFFF"/>
                 </a:solidFill>
               </a:uFill>
               <a:latin typeface="Arial"/>
@@ -283,15 +390,16 @@
           </a:prstGeom>
         </p:spPr>
         <p:txBody>
-          <a:bodyPr lIns="0" rIns="0" tIns="0" bIns="0"/>
-          <a:p>
-            <a:endParaRPr b="0" lang="en-US" sz="3200" spc="-1" strike="noStrike">
-              <a:solidFill>
-                <a:srgbClr val="000000"/>
-              </a:solidFill>
-              <a:uFill>
-                <a:solidFill>
-                  <a:srgbClr val="ffffff"/>
+          <a:bodyPr lIns="0" tIns="0" rIns="0" bIns="0"/>
+          <a:lstStyle/>
+          <a:p>
+            <a:endParaRPr lang="en-US" sz="3200" b="0" strike="noStrike" spc="-1">
+              <a:solidFill>
+                <a:srgbClr val="000000"/>
+              </a:solidFill>
+              <a:uFill>
+                <a:solidFill>
+                  <a:srgbClr val="FFFFFF"/>
                 </a:solidFill>
               </a:uFill>
               <a:latin typeface="Arial"/>
@@ -319,15 +427,16 @@
           </a:prstGeom>
         </p:spPr>
         <p:txBody>
-          <a:bodyPr lIns="0" rIns="0" tIns="0" bIns="0"/>
-          <a:p>
-            <a:endParaRPr b="0" lang="en-US" sz="3200" spc="-1" strike="noStrike">
-              <a:solidFill>
-                <a:srgbClr val="000000"/>
-              </a:solidFill>
-              <a:uFill>
-                <a:solidFill>
-                  <a:srgbClr val="ffffff"/>
+          <a:bodyPr lIns="0" tIns="0" rIns="0" bIns="0"/>
+          <a:lstStyle/>
+          <a:p>
+            <a:endParaRPr lang="en-US" sz="3200" b="0" strike="noStrike" spc="-1">
+              <a:solidFill>
+                <a:srgbClr val="000000"/>
+              </a:solidFill>
+              <a:uFill>
+                <a:solidFill>
+                  <a:srgbClr val="FFFFFF"/>
                 </a:solidFill>
               </a:uFill>
               <a:latin typeface="Arial"/>
@@ -355,15 +464,16 @@
           </a:prstGeom>
         </p:spPr>
         <p:txBody>
-          <a:bodyPr lIns="0" rIns="0" tIns="0" bIns="0"/>
-          <a:p>
-            <a:endParaRPr b="0" lang="en-US" sz="3200" spc="-1" strike="noStrike">
-              <a:solidFill>
-                <a:srgbClr val="000000"/>
-              </a:solidFill>
-              <a:uFill>
-                <a:solidFill>
-                  <a:srgbClr val="ffffff"/>
+          <a:bodyPr lIns="0" tIns="0" rIns="0" bIns="0"/>
+          <a:lstStyle/>
+          <a:p>
+            <a:endParaRPr lang="en-US" sz="3200" b="0" strike="noStrike" spc="-1">
+              <a:solidFill>
+                <a:srgbClr val="000000"/>
+              </a:solidFill>
+              <a:uFill>
+                <a:solidFill>
+                  <a:srgbClr val="FFFFFF"/>
                 </a:solidFill>
               </a:uFill>
               <a:latin typeface="Arial"/>
@@ -373,11 +483,14 @@
       </p:sp>
     </p:spTree>
   </p:cSld>
+  <p:clrMapOvr>
+    <a:masterClrMapping/>
+  </p:clrMapOvr>
 </p:sldLayout>
 </file>
 
 <file path=ppt/slideLayouts/slideLayout12.xml><?xml version="1.0" encoding="utf-8"?>
-<p:sldLayout xmlns:a="http://schemas.openxmlformats.org/drawingml/2006/main" xmlns:p="http://schemas.openxmlformats.org/presentationml/2006/main" xmlns:r="http://schemas.openxmlformats.org/officeDocument/2006/relationships" xmlns:p14="http://schemas.microsoft.com/office/powerpoint/2010/main" xmlns:p15="http://schemas.microsoft.com/office/powerpoint/2012/main" xmlns:mc="http://schemas.openxmlformats.org/markup-compatibility/2006" type="blank" preserve="1">
+<p:sldLayout xmlns:a="http://schemas.openxmlformats.org/drawingml/2006/main" xmlns:r="http://schemas.openxmlformats.org/officeDocument/2006/relationships" xmlns:p="http://schemas.openxmlformats.org/presentationml/2006/main" type="blank" preserve="1">
   <p:cSld name="Title, 6 Content">
     <p:spTree>
       <p:nvGrpSpPr>
@@ -413,16 +526,17 @@
           </a:prstGeom>
         </p:spPr>
         <p:txBody>
-          <a:bodyPr lIns="0" rIns="0" tIns="0" bIns="0" anchor="ctr"/>
+          <a:bodyPr lIns="0" tIns="0" rIns="0" bIns="0" anchor="ctr"/>
+          <a:lstStyle/>
           <a:p>
             <a:pPr algn="ctr"/>
-            <a:endParaRPr b="0" lang="en-US" sz="4400" spc="-1" strike="noStrike">
-              <a:solidFill>
-                <a:srgbClr val="000000"/>
-              </a:solidFill>
-              <a:uFill>
-                <a:solidFill>
-                  <a:srgbClr val="ffffff"/>
+            <a:endParaRPr lang="en-US" sz="4400" b="0" strike="noStrike" spc="-1">
+              <a:solidFill>
+                <a:srgbClr val="000000"/>
+              </a:solidFill>
+              <a:uFill>
+                <a:solidFill>
+                  <a:srgbClr val="FFFFFF"/>
                 </a:solidFill>
               </a:uFill>
               <a:latin typeface="Arial"/>
@@ -450,15 +564,16 @@
           </a:prstGeom>
         </p:spPr>
         <p:txBody>
-          <a:bodyPr lIns="0" rIns="0" tIns="0" bIns="0"/>
-          <a:p>
-            <a:endParaRPr b="0" lang="en-US" sz="3200" spc="-1" strike="noStrike">
-              <a:solidFill>
-                <a:srgbClr val="000000"/>
-              </a:solidFill>
-              <a:uFill>
-                <a:solidFill>
-                  <a:srgbClr val="ffffff"/>
+          <a:bodyPr lIns="0" tIns="0" rIns="0" bIns="0"/>
+          <a:lstStyle/>
+          <a:p>
+            <a:endParaRPr lang="en-US" sz="3200" b="0" strike="noStrike" spc="-1">
+              <a:solidFill>
+                <a:srgbClr val="000000"/>
+              </a:solidFill>
+              <a:uFill>
+                <a:solidFill>
+                  <a:srgbClr val="FFFFFF"/>
                 </a:solidFill>
               </a:uFill>
               <a:latin typeface="Arial"/>
@@ -486,15 +601,16 @@
           </a:prstGeom>
         </p:spPr>
         <p:txBody>
-          <a:bodyPr lIns="0" rIns="0" tIns="0" bIns="0"/>
-          <a:p>
-            <a:endParaRPr b="0" lang="en-US" sz="3200" spc="-1" strike="noStrike">
-              <a:solidFill>
-                <a:srgbClr val="000000"/>
-              </a:solidFill>
-              <a:uFill>
-                <a:solidFill>
-                  <a:srgbClr val="ffffff"/>
+          <a:bodyPr lIns="0" tIns="0" rIns="0" bIns="0"/>
+          <a:lstStyle/>
+          <a:p>
+            <a:endParaRPr lang="en-US" sz="3200" b="0" strike="noStrike" spc="-1">
+              <a:solidFill>
+                <a:srgbClr val="000000"/>
+              </a:solidFill>
+              <a:uFill>
+                <a:solidFill>
+                  <a:srgbClr val="FFFFFF"/>
                 </a:solidFill>
               </a:uFill>
               <a:latin typeface="Arial"/>
@@ -504,7 +620,7 @@
       </p:sp>
       <p:pic>
         <p:nvPicPr>
-          <p:cNvPr id="36" name="" descr=""/>
+          <p:cNvPr id="36" name="Picture 35"/>
           <p:cNvPicPr/>
           <p:nvPr/>
         </p:nvPicPr>
@@ -527,12 +643,12 @@
       </p:pic>
       <p:pic>
         <p:nvPicPr>
-          <p:cNvPr id="37" name="" descr=""/>
+          <p:cNvPr id="37" name="Picture 36"/>
           <p:cNvPicPr/>
           <p:nvPr/>
         </p:nvPicPr>
         <p:blipFill>
-          <a:blip r:embed="rId3"/>
+          <a:blip r:embed="rId2"/>
           <a:stretch/>
         </p:blipFill>
         <p:spPr>
@@ -550,11 +666,14 @@
       </p:pic>
     </p:spTree>
   </p:cSld>
+  <p:clrMapOvr>
+    <a:masterClrMapping/>
+  </p:clrMapOvr>
 </p:sldLayout>
 </file>
 
 <file path=ppt/slideLayouts/slideLayout13.xml><?xml version="1.0" encoding="utf-8"?>
-<p:sldLayout xmlns:a="http://schemas.openxmlformats.org/drawingml/2006/main" xmlns:p="http://schemas.openxmlformats.org/presentationml/2006/main" xmlns:r="http://schemas.openxmlformats.org/officeDocument/2006/relationships" xmlns:p14="http://schemas.microsoft.com/office/powerpoint/2010/main" xmlns:p15="http://schemas.microsoft.com/office/powerpoint/2012/main" xmlns:mc="http://schemas.openxmlformats.org/markup-compatibility/2006" type="blank" preserve="1">
+<p:sldLayout xmlns:a="http://schemas.openxmlformats.org/drawingml/2006/main" xmlns:r="http://schemas.openxmlformats.org/officeDocument/2006/relationships" xmlns:p="http://schemas.openxmlformats.org/presentationml/2006/main" type="blank" preserve="1">
   <p:cSld name="Blank Slide">
     <p:spTree>
       <p:nvGrpSpPr>
@@ -572,11 +691,14 @@
       </p:grpSpPr>
     </p:spTree>
   </p:cSld>
+  <p:clrMapOvr>
+    <a:masterClrMapping/>
+  </p:clrMapOvr>
 </p:sldLayout>
 </file>
 
 <file path=ppt/slideLayouts/slideLayout14.xml><?xml version="1.0" encoding="utf-8"?>
-<p:sldLayout xmlns:a="http://schemas.openxmlformats.org/drawingml/2006/main" xmlns:p="http://schemas.openxmlformats.org/presentationml/2006/main" xmlns:r="http://schemas.openxmlformats.org/officeDocument/2006/relationships" xmlns:p14="http://schemas.microsoft.com/office/powerpoint/2010/main" xmlns:p15="http://schemas.microsoft.com/office/powerpoint/2012/main" xmlns:mc="http://schemas.openxmlformats.org/markup-compatibility/2006" type="tx" preserve="1">
+<p:sldLayout xmlns:a="http://schemas.openxmlformats.org/drawingml/2006/main" xmlns:r="http://schemas.openxmlformats.org/officeDocument/2006/relationships" xmlns:p="http://schemas.openxmlformats.org/presentationml/2006/main" type="tx" preserve="1">
   <p:cSld name="Title Slide">
     <p:spTree>
       <p:nvGrpSpPr>
@@ -612,16 +734,17 @@
           </a:prstGeom>
         </p:spPr>
         <p:txBody>
-          <a:bodyPr lIns="0" rIns="0" tIns="0" bIns="0" anchor="ctr"/>
+          <a:bodyPr lIns="0" tIns="0" rIns="0" bIns="0" anchor="ctr"/>
+          <a:lstStyle/>
           <a:p>
             <a:pPr algn="ctr"/>
-            <a:endParaRPr b="0" lang="en-US" sz="4400" spc="-1" strike="noStrike">
-              <a:solidFill>
-                <a:srgbClr val="000000"/>
-              </a:solidFill>
-              <a:uFill>
-                <a:solidFill>
-                  <a:srgbClr val="ffffff"/>
+            <a:endParaRPr lang="en-US" sz="4400" b="0" strike="noStrike" spc="-1">
+              <a:solidFill>
+                <a:srgbClr val="000000"/>
+              </a:solidFill>
+              <a:uFill>
+                <a:solidFill>
+                  <a:srgbClr val="FFFFFF"/>
                 </a:solidFill>
               </a:uFill>
               <a:latin typeface="Arial"/>
@@ -649,16 +772,17 @@
           </a:prstGeom>
         </p:spPr>
         <p:txBody>
-          <a:bodyPr lIns="0" rIns="0" tIns="0" bIns="0" anchor="ctr"/>
+          <a:bodyPr lIns="0" tIns="0" rIns="0" bIns="0" anchor="ctr"/>
+          <a:lstStyle/>
           <a:p>
             <a:pPr algn="ctr"/>
-            <a:endParaRPr b="0" lang="en-US" sz="3200" spc="-1" strike="noStrike">
-              <a:solidFill>
-                <a:srgbClr val="000000"/>
-              </a:solidFill>
-              <a:uFill>
-                <a:solidFill>
-                  <a:srgbClr val="ffffff"/>
+            <a:endParaRPr lang="en-US" sz="3200" b="0" strike="noStrike" spc="-1">
+              <a:solidFill>
+                <a:srgbClr val="000000"/>
+              </a:solidFill>
+              <a:uFill>
+                <a:solidFill>
+                  <a:srgbClr val="FFFFFF"/>
                 </a:solidFill>
               </a:uFill>
               <a:latin typeface="Arial"/>
@@ -668,11 +792,14 @@
       </p:sp>
     </p:spTree>
   </p:cSld>
+  <p:clrMapOvr>
+    <a:masterClrMapping/>
+  </p:clrMapOvr>
 </p:sldLayout>
 </file>
 
 <file path=ppt/slideLayouts/slideLayout15.xml><?xml version="1.0" encoding="utf-8"?>
-<p:sldLayout xmlns:a="http://schemas.openxmlformats.org/drawingml/2006/main" xmlns:p="http://schemas.openxmlformats.org/presentationml/2006/main" xmlns:r="http://schemas.openxmlformats.org/officeDocument/2006/relationships" xmlns:p14="http://schemas.microsoft.com/office/powerpoint/2010/main" xmlns:p15="http://schemas.microsoft.com/office/powerpoint/2012/main" xmlns:mc="http://schemas.openxmlformats.org/markup-compatibility/2006" type="obj" preserve="1">
+<p:sldLayout xmlns:a="http://schemas.openxmlformats.org/drawingml/2006/main" xmlns:r="http://schemas.openxmlformats.org/officeDocument/2006/relationships" xmlns:p="http://schemas.openxmlformats.org/presentationml/2006/main" type="obj" preserve="1">
   <p:cSld name="Title, Content">
     <p:spTree>
       <p:nvGrpSpPr>
@@ -708,16 +835,17 @@
           </a:prstGeom>
         </p:spPr>
         <p:txBody>
-          <a:bodyPr lIns="0" rIns="0" tIns="0" bIns="0" anchor="ctr"/>
+          <a:bodyPr lIns="0" tIns="0" rIns="0" bIns="0" anchor="ctr"/>
+          <a:lstStyle/>
           <a:p>
             <a:pPr algn="ctr"/>
-            <a:endParaRPr b="0" lang="en-US" sz="4400" spc="-1" strike="noStrike">
-              <a:solidFill>
-                <a:srgbClr val="000000"/>
-              </a:solidFill>
-              <a:uFill>
-                <a:solidFill>
-                  <a:srgbClr val="ffffff"/>
+            <a:endParaRPr lang="en-US" sz="4400" b="0" strike="noStrike" spc="-1">
+              <a:solidFill>
+                <a:srgbClr val="000000"/>
+              </a:solidFill>
+              <a:uFill>
+                <a:solidFill>
+                  <a:srgbClr val="FFFFFF"/>
                 </a:solidFill>
               </a:uFill>
               <a:latin typeface="Arial"/>
@@ -745,15 +873,16 @@
           </a:prstGeom>
         </p:spPr>
         <p:txBody>
-          <a:bodyPr lIns="0" rIns="0" tIns="0" bIns="0"/>
-          <a:p>
-            <a:endParaRPr b="0" lang="en-US" sz="3200" spc="-1" strike="noStrike">
-              <a:solidFill>
-                <a:srgbClr val="000000"/>
-              </a:solidFill>
-              <a:uFill>
-                <a:solidFill>
-                  <a:srgbClr val="ffffff"/>
+          <a:bodyPr lIns="0" tIns="0" rIns="0" bIns="0"/>
+          <a:lstStyle/>
+          <a:p>
+            <a:endParaRPr lang="en-US" sz="3200" b="0" strike="noStrike" spc="-1">
+              <a:solidFill>
+                <a:srgbClr val="000000"/>
+              </a:solidFill>
+              <a:uFill>
+                <a:solidFill>
+                  <a:srgbClr val="FFFFFF"/>
                 </a:solidFill>
               </a:uFill>
               <a:latin typeface="Arial"/>
@@ -763,11 +892,14 @@
       </p:sp>
     </p:spTree>
   </p:cSld>
+  <p:clrMapOvr>
+    <a:masterClrMapping/>
+  </p:clrMapOvr>
 </p:sldLayout>
 </file>
 
 <file path=ppt/slideLayouts/slideLayout16.xml><?xml version="1.0" encoding="utf-8"?>
-<p:sldLayout xmlns:a="http://schemas.openxmlformats.org/drawingml/2006/main" xmlns:p="http://schemas.openxmlformats.org/presentationml/2006/main" xmlns:r="http://schemas.openxmlformats.org/officeDocument/2006/relationships" xmlns:p14="http://schemas.microsoft.com/office/powerpoint/2010/main" xmlns:p15="http://schemas.microsoft.com/office/powerpoint/2012/main" xmlns:mc="http://schemas.openxmlformats.org/markup-compatibility/2006" type="twoObj" preserve="1">
+<p:sldLayout xmlns:a="http://schemas.openxmlformats.org/drawingml/2006/main" xmlns:r="http://schemas.openxmlformats.org/officeDocument/2006/relationships" xmlns:p="http://schemas.openxmlformats.org/presentationml/2006/main" type="twoObj" preserve="1">
   <p:cSld name="Title, 2 Content">
     <p:spTree>
       <p:nvGrpSpPr>
@@ -803,16 +935,17 @@
           </a:prstGeom>
         </p:spPr>
         <p:txBody>
-          <a:bodyPr lIns="0" rIns="0" tIns="0" bIns="0" anchor="ctr"/>
+          <a:bodyPr lIns="0" tIns="0" rIns="0" bIns="0" anchor="ctr"/>
+          <a:lstStyle/>
           <a:p>
             <a:pPr algn="ctr"/>
-            <a:endParaRPr b="0" lang="en-US" sz="4400" spc="-1" strike="noStrike">
-              <a:solidFill>
-                <a:srgbClr val="000000"/>
-              </a:solidFill>
-              <a:uFill>
-                <a:solidFill>
-                  <a:srgbClr val="ffffff"/>
+            <a:endParaRPr lang="en-US" sz="4400" b="0" strike="noStrike" spc="-1">
+              <a:solidFill>
+                <a:srgbClr val="000000"/>
+              </a:solidFill>
+              <a:uFill>
+                <a:solidFill>
+                  <a:srgbClr val="FFFFFF"/>
                 </a:solidFill>
               </a:uFill>
               <a:latin typeface="Arial"/>
@@ -840,15 +973,16 @@
           </a:prstGeom>
         </p:spPr>
         <p:txBody>
-          <a:bodyPr lIns="0" rIns="0" tIns="0" bIns="0"/>
-          <a:p>
-            <a:endParaRPr b="0" lang="en-US" sz="3200" spc="-1" strike="noStrike">
-              <a:solidFill>
-                <a:srgbClr val="000000"/>
-              </a:solidFill>
-              <a:uFill>
-                <a:solidFill>
-                  <a:srgbClr val="ffffff"/>
+          <a:bodyPr lIns="0" tIns="0" rIns="0" bIns="0"/>
+          <a:lstStyle/>
+          <a:p>
+            <a:endParaRPr lang="en-US" sz="3200" b="0" strike="noStrike" spc="-1">
+              <a:solidFill>
+                <a:srgbClr val="000000"/>
+              </a:solidFill>
+              <a:uFill>
+                <a:solidFill>
+                  <a:srgbClr val="FFFFFF"/>
                 </a:solidFill>
               </a:uFill>
               <a:latin typeface="Arial"/>
@@ -876,15 +1010,16 @@
           </a:prstGeom>
         </p:spPr>
         <p:txBody>
-          <a:bodyPr lIns="0" rIns="0" tIns="0" bIns="0"/>
-          <a:p>
-            <a:endParaRPr b="0" lang="en-US" sz="3200" spc="-1" strike="noStrike">
-              <a:solidFill>
-                <a:srgbClr val="000000"/>
-              </a:solidFill>
-              <a:uFill>
-                <a:solidFill>
-                  <a:srgbClr val="ffffff"/>
+          <a:bodyPr lIns="0" tIns="0" rIns="0" bIns="0"/>
+          <a:lstStyle/>
+          <a:p>
+            <a:endParaRPr lang="en-US" sz="3200" b="0" strike="noStrike" spc="-1">
+              <a:solidFill>
+                <a:srgbClr val="000000"/>
+              </a:solidFill>
+              <a:uFill>
+                <a:solidFill>
+                  <a:srgbClr val="FFFFFF"/>
                 </a:solidFill>
               </a:uFill>
               <a:latin typeface="Arial"/>
@@ -894,11 +1029,14 @@
       </p:sp>
     </p:spTree>
   </p:cSld>
+  <p:clrMapOvr>
+    <a:masterClrMapping/>
+  </p:clrMapOvr>
 </p:sldLayout>
 </file>
 
 <file path=ppt/slideLayouts/slideLayout17.xml><?xml version="1.0" encoding="utf-8"?>
-<p:sldLayout xmlns:a="http://schemas.openxmlformats.org/drawingml/2006/main" xmlns:p="http://schemas.openxmlformats.org/presentationml/2006/main" xmlns:r="http://schemas.openxmlformats.org/officeDocument/2006/relationships" xmlns:p14="http://schemas.microsoft.com/office/powerpoint/2010/main" xmlns:p15="http://schemas.microsoft.com/office/powerpoint/2012/main" xmlns:mc="http://schemas.openxmlformats.org/markup-compatibility/2006" type="titleOnly" preserve="1">
+<p:sldLayout xmlns:a="http://schemas.openxmlformats.org/drawingml/2006/main" xmlns:r="http://schemas.openxmlformats.org/officeDocument/2006/relationships" xmlns:p="http://schemas.openxmlformats.org/presentationml/2006/main" type="titleOnly" preserve="1">
   <p:cSld name="Title Only">
     <p:spTree>
       <p:nvGrpSpPr>
@@ -934,16 +1072,17 @@
           </a:prstGeom>
         </p:spPr>
         <p:txBody>
-          <a:bodyPr lIns="0" rIns="0" tIns="0" bIns="0" anchor="ctr"/>
+          <a:bodyPr lIns="0" tIns="0" rIns="0" bIns="0" anchor="ctr"/>
+          <a:lstStyle/>
           <a:p>
             <a:pPr algn="ctr"/>
-            <a:endParaRPr b="0" lang="en-US" sz="4400" spc="-1" strike="noStrike">
-              <a:solidFill>
-                <a:srgbClr val="000000"/>
-              </a:solidFill>
-              <a:uFill>
-                <a:solidFill>
-                  <a:srgbClr val="ffffff"/>
+            <a:endParaRPr lang="en-US" sz="4400" b="0" strike="noStrike" spc="-1">
+              <a:solidFill>
+                <a:srgbClr val="000000"/>
+              </a:solidFill>
+              <a:uFill>
+                <a:solidFill>
+                  <a:srgbClr val="FFFFFF"/>
                 </a:solidFill>
               </a:uFill>
               <a:latin typeface="Arial"/>
@@ -953,11 +1092,14 @@
       </p:sp>
     </p:spTree>
   </p:cSld>
+  <p:clrMapOvr>
+    <a:masterClrMapping/>
+  </p:clrMapOvr>
 </p:sldLayout>
 </file>
 
 <file path=ppt/slideLayouts/slideLayout18.xml><?xml version="1.0" encoding="utf-8"?>
-<p:sldLayout xmlns:a="http://schemas.openxmlformats.org/drawingml/2006/main" xmlns:p="http://schemas.openxmlformats.org/presentationml/2006/main" xmlns:r="http://schemas.openxmlformats.org/officeDocument/2006/relationships" xmlns:p14="http://schemas.microsoft.com/office/powerpoint/2010/main" xmlns:p15="http://schemas.microsoft.com/office/powerpoint/2012/main" xmlns:mc="http://schemas.openxmlformats.org/markup-compatibility/2006" type="objOnly" preserve="1">
+<p:sldLayout xmlns:a="http://schemas.openxmlformats.org/drawingml/2006/main" xmlns:r="http://schemas.openxmlformats.org/officeDocument/2006/relationships" xmlns:p="http://schemas.openxmlformats.org/presentationml/2006/main" type="objOnly" preserve="1">
   <p:cSld name="Centered Text">
     <p:spTree>
       <p:nvGrpSpPr>
@@ -993,16 +1135,17 @@
           </a:prstGeom>
         </p:spPr>
         <p:txBody>
-          <a:bodyPr lIns="0" rIns="0" tIns="0" bIns="0" anchor="ctr"/>
+          <a:bodyPr lIns="0" tIns="0" rIns="0" bIns="0" anchor="ctr"/>
+          <a:lstStyle/>
           <a:p>
             <a:pPr algn="ctr"/>
-            <a:endParaRPr b="0" lang="en-US" sz="3200" spc="-1" strike="noStrike">
-              <a:solidFill>
-                <a:srgbClr val="000000"/>
-              </a:solidFill>
-              <a:uFill>
-                <a:solidFill>
-                  <a:srgbClr val="ffffff"/>
+            <a:endParaRPr lang="en-US" sz="3200" b="0" strike="noStrike" spc="-1">
+              <a:solidFill>
+                <a:srgbClr val="000000"/>
+              </a:solidFill>
+              <a:uFill>
+                <a:solidFill>
+                  <a:srgbClr val="FFFFFF"/>
                 </a:solidFill>
               </a:uFill>
               <a:latin typeface="Arial"/>
@@ -1012,11 +1155,14 @@
       </p:sp>
     </p:spTree>
   </p:cSld>
+  <p:clrMapOvr>
+    <a:masterClrMapping/>
+  </p:clrMapOvr>
 </p:sldLayout>
 </file>
 
 <file path=ppt/slideLayouts/slideLayout19.xml><?xml version="1.0" encoding="utf-8"?>
-<p:sldLayout xmlns:a="http://schemas.openxmlformats.org/drawingml/2006/main" xmlns:p="http://schemas.openxmlformats.org/presentationml/2006/main" xmlns:r="http://schemas.openxmlformats.org/officeDocument/2006/relationships" xmlns:p14="http://schemas.microsoft.com/office/powerpoint/2010/main" xmlns:p15="http://schemas.microsoft.com/office/powerpoint/2012/main" xmlns:mc="http://schemas.openxmlformats.org/markup-compatibility/2006" type="twoObjAndObj" preserve="1">
+<p:sldLayout xmlns:a="http://schemas.openxmlformats.org/drawingml/2006/main" xmlns:r="http://schemas.openxmlformats.org/officeDocument/2006/relationships" xmlns:p="http://schemas.openxmlformats.org/presentationml/2006/main" type="twoObjAndObj" preserve="1">
   <p:cSld name="Title, 2 Content and Content">
     <p:spTree>
       <p:nvGrpSpPr>
@@ -1052,16 +1198,17 @@
           </a:prstGeom>
         </p:spPr>
         <p:txBody>
-          <a:bodyPr lIns="0" rIns="0" tIns="0" bIns="0" anchor="ctr"/>
+          <a:bodyPr lIns="0" tIns="0" rIns="0" bIns="0" anchor="ctr"/>
+          <a:lstStyle/>
           <a:p>
             <a:pPr algn="ctr"/>
-            <a:endParaRPr b="0" lang="en-US" sz="4400" spc="-1" strike="noStrike">
-              <a:solidFill>
-                <a:srgbClr val="000000"/>
-              </a:solidFill>
-              <a:uFill>
-                <a:solidFill>
-                  <a:srgbClr val="ffffff"/>
+            <a:endParaRPr lang="en-US" sz="4400" b="0" strike="noStrike" spc="-1">
+              <a:solidFill>
+                <a:srgbClr val="000000"/>
+              </a:solidFill>
+              <a:uFill>
+                <a:solidFill>
+                  <a:srgbClr val="FFFFFF"/>
                 </a:solidFill>
               </a:uFill>
               <a:latin typeface="Arial"/>
@@ -1089,15 +1236,16 @@
           </a:prstGeom>
         </p:spPr>
         <p:txBody>
-          <a:bodyPr lIns="0" rIns="0" tIns="0" bIns="0"/>
-          <a:p>
-            <a:endParaRPr b="0" lang="en-US" sz="3200" spc="-1" strike="noStrike">
-              <a:solidFill>
-                <a:srgbClr val="000000"/>
-              </a:solidFill>
-              <a:uFill>
-                <a:solidFill>
-                  <a:srgbClr val="ffffff"/>
+          <a:bodyPr lIns="0" tIns="0" rIns="0" bIns="0"/>
+          <a:lstStyle/>
+          <a:p>
+            <a:endParaRPr lang="en-US" sz="3200" b="0" strike="noStrike" spc="-1">
+              <a:solidFill>
+                <a:srgbClr val="000000"/>
+              </a:solidFill>
+              <a:uFill>
+                <a:solidFill>
+                  <a:srgbClr val="FFFFFF"/>
                 </a:solidFill>
               </a:uFill>
               <a:latin typeface="Arial"/>
@@ -1125,15 +1273,16 @@
           </a:prstGeom>
         </p:spPr>
         <p:txBody>
-          <a:bodyPr lIns="0" rIns="0" tIns="0" bIns="0"/>
-          <a:p>
-            <a:endParaRPr b="0" lang="en-US" sz="3200" spc="-1" strike="noStrike">
-              <a:solidFill>
-                <a:srgbClr val="000000"/>
-              </a:solidFill>
-              <a:uFill>
-                <a:solidFill>
-                  <a:srgbClr val="ffffff"/>
+          <a:bodyPr lIns="0" tIns="0" rIns="0" bIns="0"/>
+          <a:lstStyle/>
+          <a:p>
+            <a:endParaRPr lang="en-US" sz="3200" b="0" strike="noStrike" spc="-1">
+              <a:solidFill>
+                <a:srgbClr val="000000"/>
+              </a:solidFill>
+              <a:uFill>
+                <a:solidFill>
+                  <a:srgbClr val="FFFFFF"/>
                 </a:solidFill>
               </a:uFill>
               <a:latin typeface="Arial"/>
@@ -1161,15 +1310,16 @@
           </a:prstGeom>
         </p:spPr>
         <p:txBody>
-          <a:bodyPr lIns="0" rIns="0" tIns="0" bIns="0"/>
-          <a:p>
-            <a:endParaRPr b="0" lang="en-US" sz="3200" spc="-1" strike="noStrike">
-              <a:solidFill>
-                <a:srgbClr val="000000"/>
-              </a:solidFill>
-              <a:uFill>
-                <a:solidFill>
-                  <a:srgbClr val="ffffff"/>
+          <a:bodyPr lIns="0" tIns="0" rIns="0" bIns="0"/>
+          <a:lstStyle/>
+          <a:p>
+            <a:endParaRPr lang="en-US" sz="3200" b="0" strike="noStrike" spc="-1">
+              <a:solidFill>
+                <a:srgbClr val="000000"/>
+              </a:solidFill>
+              <a:uFill>
+                <a:solidFill>
+                  <a:srgbClr val="FFFFFF"/>
                 </a:solidFill>
               </a:uFill>
               <a:latin typeface="Arial"/>
@@ -1179,11 +1329,14 @@
       </p:sp>
     </p:spTree>
   </p:cSld>
+  <p:clrMapOvr>
+    <a:masterClrMapping/>
+  </p:clrMapOvr>
 </p:sldLayout>
 </file>
 
 <file path=ppt/slideLayouts/slideLayout2.xml><?xml version="1.0" encoding="utf-8"?>
-<p:sldLayout xmlns:a="http://schemas.openxmlformats.org/drawingml/2006/main" xmlns:p="http://schemas.openxmlformats.org/presentationml/2006/main" xmlns:r="http://schemas.openxmlformats.org/officeDocument/2006/relationships" xmlns:p14="http://schemas.microsoft.com/office/powerpoint/2010/main" xmlns:p15="http://schemas.microsoft.com/office/powerpoint/2012/main" xmlns:mc="http://schemas.openxmlformats.org/markup-compatibility/2006" type="tx" preserve="1">
+<p:sldLayout xmlns:a="http://schemas.openxmlformats.org/drawingml/2006/main" xmlns:r="http://schemas.openxmlformats.org/officeDocument/2006/relationships" xmlns:p="http://schemas.openxmlformats.org/presentationml/2006/main" type="tx" preserve="1">
   <p:cSld name="Title Slide">
     <p:spTree>
       <p:nvGrpSpPr>
@@ -1219,16 +1372,17 @@
           </a:prstGeom>
         </p:spPr>
         <p:txBody>
-          <a:bodyPr lIns="0" rIns="0" tIns="0" bIns="0" anchor="ctr"/>
+          <a:bodyPr lIns="0" tIns="0" rIns="0" bIns="0" anchor="ctr"/>
+          <a:lstStyle/>
           <a:p>
             <a:pPr algn="ctr"/>
-            <a:endParaRPr b="0" lang="en-US" sz="4400" spc="-1" strike="noStrike">
-              <a:solidFill>
-                <a:srgbClr val="000000"/>
-              </a:solidFill>
-              <a:uFill>
-                <a:solidFill>
-                  <a:srgbClr val="ffffff"/>
+            <a:endParaRPr lang="en-US" sz="4400" b="0" strike="noStrike" spc="-1">
+              <a:solidFill>
+                <a:srgbClr val="000000"/>
+              </a:solidFill>
+              <a:uFill>
+                <a:solidFill>
+                  <a:srgbClr val="FFFFFF"/>
                 </a:solidFill>
               </a:uFill>
               <a:latin typeface="Arial"/>
@@ -1256,16 +1410,17 @@
           </a:prstGeom>
         </p:spPr>
         <p:txBody>
-          <a:bodyPr lIns="0" rIns="0" tIns="0" bIns="0" anchor="ctr"/>
+          <a:bodyPr lIns="0" tIns="0" rIns="0" bIns="0" anchor="ctr"/>
+          <a:lstStyle/>
           <a:p>
             <a:pPr algn="ctr"/>
-            <a:endParaRPr b="0" lang="en-US" sz="3200" spc="-1" strike="noStrike">
-              <a:solidFill>
-                <a:srgbClr val="000000"/>
-              </a:solidFill>
-              <a:uFill>
-                <a:solidFill>
-                  <a:srgbClr val="ffffff"/>
+            <a:endParaRPr lang="en-US" sz="3200" b="0" strike="noStrike" spc="-1">
+              <a:solidFill>
+                <a:srgbClr val="000000"/>
+              </a:solidFill>
+              <a:uFill>
+                <a:solidFill>
+                  <a:srgbClr val="FFFFFF"/>
                 </a:solidFill>
               </a:uFill>
               <a:latin typeface="Arial"/>
@@ -1275,11 +1430,14 @@
       </p:sp>
     </p:spTree>
   </p:cSld>
+  <p:clrMapOvr>
+    <a:masterClrMapping/>
+  </p:clrMapOvr>
 </p:sldLayout>
 </file>
 
 <file path=ppt/slideLayouts/slideLayout20.xml><?xml version="1.0" encoding="utf-8"?>
-<p:sldLayout xmlns:a="http://schemas.openxmlformats.org/drawingml/2006/main" xmlns:p="http://schemas.openxmlformats.org/presentationml/2006/main" xmlns:r="http://schemas.openxmlformats.org/officeDocument/2006/relationships" xmlns:p14="http://schemas.microsoft.com/office/powerpoint/2010/main" xmlns:p15="http://schemas.microsoft.com/office/powerpoint/2012/main" xmlns:mc="http://schemas.openxmlformats.org/markup-compatibility/2006" type="objAndTwoObj" preserve="1">
+<p:sldLayout xmlns:a="http://schemas.openxmlformats.org/drawingml/2006/main" xmlns:r="http://schemas.openxmlformats.org/officeDocument/2006/relationships" xmlns:p="http://schemas.openxmlformats.org/presentationml/2006/main" type="objAndTwoObj" preserve="1">
   <p:cSld name="Title Content and 2 Content">
     <p:spTree>
       <p:nvGrpSpPr>
@@ -1315,16 +1473,17 @@
           </a:prstGeom>
         </p:spPr>
         <p:txBody>
-          <a:bodyPr lIns="0" rIns="0" tIns="0" bIns="0" anchor="ctr"/>
+          <a:bodyPr lIns="0" tIns="0" rIns="0" bIns="0" anchor="ctr"/>
+          <a:lstStyle/>
           <a:p>
             <a:pPr algn="ctr"/>
-            <a:endParaRPr b="0" lang="en-US" sz="4400" spc="-1" strike="noStrike">
-              <a:solidFill>
-                <a:srgbClr val="000000"/>
-              </a:solidFill>
-              <a:uFill>
-                <a:solidFill>
-                  <a:srgbClr val="ffffff"/>
+            <a:endParaRPr lang="en-US" sz="4400" b="0" strike="noStrike" spc="-1">
+              <a:solidFill>
+                <a:srgbClr val="000000"/>
+              </a:solidFill>
+              <a:uFill>
+                <a:solidFill>
+                  <a:srgbClr val="FFFFFF"/>
                 </a:solidFill>
               </a:uFill>
               <a:latin typeface="Arial"/>
@@ -1352,15 +1511,16 @@
           </a:prstGeom>
         </p:spPr>
         <p:txBody>
-          <a:bodyPr lIns="0" rIns="0" tIns="0" bIns="0"/>
-          <a:p>
-            <a:endParaRPr b="0" lang="en-US" sz="3200" spc="-1" strike="noStrike">
-              <a:solidFill>
-                <a:srgbClr val="000000"/>
-              </a:solidFill>
-              <a:uFill>
-                <a:solidFill>
-                  <a:srgbClr val="ffffff"/>
+          <a:bodyPr lIns="0" tIns="0" rIns="0" bIns="0"/>
+          <a:lstStyle/>
+          <a:p>
+            <a:endParaRPr lang="en-US" sz="3200" b="0" strike="noStrike" spc="-1">
+              <a:solidFill>
+                <a:srgbClr val="000000"/>
+              </a:solidFill>
+              <a:uFill>
+                <a:solidFill>
+                  <a:srgbClr val="FFFFFF"/>
                 </a:solidFill>
               </a:uFill>
               <a:latin typeface="Arial"/>
@@ -1388,15 +1548,16 @@
           </a:prstGeom>
         </p:spPr>
         <p:txBody>
-          <a:bodyPr lIns="0" rIns="0" tIns="0" bIns="0"/>
-          <a:p>
-            <a:endParaRPr b="0" lang="en-US" sz="3200" spc="-1" strike="noStrike">
-              <a:solidFill>
-                <a:srgbClr val="000000"/>
-              </a:solidFill>
-              <a:uFill>
-                <a:solidFill>
-                  <a:srgbClr val="ffffff"/>
+          <a:bodyPr lIns="0" tIns="0" rIns="0" bIns="0"/>
+          <a:lstStyle/>
+          <a:p>
+            <a:endParaRPr lang="en-US" sz="3200" b="0" strike="noStrike" spc="-1">
+              <a:solidFill>
+                <a:srgbClr val="000000"/>
+              </a:solidFill>
+              <a:uFill>
+                <a:solidFill>
+                  <a:srgbClr val="FFFFFF"/>
                 </a:solidFill>
               </a:uFill>
               <a:latin typeface="Arial"/>
@@ -1424,15 +1585,16 @@
           </a:prstGeom>
         </p:spPr>
         <p:txBody>
-          <a:bodyPr lIns="0" rIns="0" tIns="0" bIns="0"/>
-          <a:p>
-            <a:endParaRPr b="0" lang="en-US" sz="3200" spc="-1" strike="noStrike">
-              <a:solidFill>
-                <a:srgbClr val="000000"/>
-              </a:solidFill>
-              <a:uFill>
-                <a:solidFill>
-                  <a:srgbClr val="ffffff"/>
+          <a:bodyPr lIns="0" tIns="0" rIns="0" bIns="0"/>
+          <a:lstStyle/>
+          <a:p>
+            <a:endParaRPr lang="en-US" sz="3200" b="0" strike="noStrike" spc="-1">
+              <a:solidFill>
+                <a:srgbClr val="000000"/>
+              </a:solidFill>
+              <a:uFill>
+                <a:solidFill>
+                  <a:srgbClr val="FFFFFF"/>
                 </a:solidFill>
               </a:uFill>
               <a:latin typeface="Arial"/>
@@ -1442,11 +1604,14 @@
       </p:sp>
     </p:spTree>
   </p:cSld>
+  <p:clrMapOvr>
+    <a:masterClrMapping/>
+  </p:clrMapOvr>
 </p:sldLayout>
 </file>
 
 <file path=ppt/slideLayouts/slideLayout21.xml><?xml version="1.0" encoding="utf-8"?>
-<p:sldLayout xmlns:a="http://schemas.openxmlformats.org/drawingml/2006/main" xmlns:p="http://schemas.openxmlformats.org/presentationml/2006/main" xmlns:r="http://schemas.openxmlformats.org/officeDocument/2006/relationships" xmlns:p14="http://schemas.microsoft.com/office/powerpoint/2010/main" xmlns:p15="http://schemas.microsoft.com/office/powerpoint/2012/main" xmlns:mc="http://schemas.openxmlformats.org/markup-compatibility/2006" type="twoObjOverTx" preserve="1">
+<p:sldLayout xmlns:a="http://schemas.openxmlformats.org/drawingml/2006/main" xmlns:r="http://schemas.openxmlformats.org/officeDocument/2006/relationships" xmlns:p="http://schemas.openxmlformats.org/presentationml/2006/main" type="twoObjOverTx" preserve="1">
   <p:cSld name="Title, 2 Content over Content">
     <p:spTree>
       <p:nvGrpSpPr>
@@ -1482,16 +1647,17 @@
           </a:prstGeom>
         </p:spPr>
         <p:txBody>
-          <a:bodyPr lIns="0" rIns="0" tIns="0" bIns="0" anchor="ctr"/>
+          <a:bodyPr lIns="0" tIns="0" rIns="0" bIns="0" anchor="ctr"/>
+          <a:lstStyle/>
           <a:p>
             <a:pPr algn="ctr"/>
-            <a:endParaRPr b="0" lang="en-US" sz="4400" spc="-1" strike="noStrike">
-              <a:solidFill>
-                <a:srgbClr val="000000"/>
-              </a:solidFill>
-              <a:uFill>
-                <a:solidFill>
-                  <a:srgbClr val="ffffff"/>
+            <a:endParaRPr lang="en-US" sz="4400" b="0" strike="noStrike" spc="-1">
+              <a:solidFill>
+                <a:srgbClr val="000000"/>
+              </a:solidFill>
+              <a:uFill>
+                <a:solidFill>
+                  <a:srgbClr val="FFFFFF"/>
                 </a:solidFill>
               </a:uFill>
               <a:latin typeface="Arial"/>
@@ -1519,15 +1685,16 @@
           </a:prstGeom>
         </p:spPr>
         <p:txBody>
-          <a:bodyPr lIns="0" rIns="0" tIns="0" bIns="0"/>
-          <a:p>
-            <a:endParaRPr b="0" lang="en-US" sz="3200" spc="-1" strike="noStrike">
-              <a:solidFill>
-                <a:srgbClr val="000000"/>
-              </a:solidFill>
-              <a:uFill>
-                <a:solidFill>
-                  <a:srgbClr val="ffffff"/>
+          <a:bodyPr lIns="0" tIns="0" rIns="0" bIns="0"/>
+          <a:lstStyle/>
+          <a:p>
+            <a:endParaRPr lang="en-US" sz="3200" b="0" strike="noStrike" spc="-1">
+              <a:solidFill>
+                <a:srgbClr val="000000"/>
+              </a:solidFill>
+              <a:uFill>
+                <a:solidFill>
+                  <a:srgbClr val="FFFFFF"/>
                 </a:solidFill>
               </a:uFill>
               <a:latin typeface="Arial"/>
@@ -1555,15 +1722,16 @@
           </a:prstGeom>
         </p:spPr>
         <p:txBody>
-          <a:bodyPr lIns="0" rIns="0" tIns="0" bIns="0"/>
-          <a:p>
-            <a:endParaRPr b="0" lang="en-US" sz="3200" spc="-1" strike="noStrike">
-              <a:solidFill>
-                <a:srgbClr val="000000"/>
-              </a:solidFill>
-              <a:uFill>
-                <a:solidFill>
-                  <a:srgbClr val="ffffff"/>
+          <a:bodyPr lIns="0" tIns="0" rIns="0" bIns="0"/>
+          <a:lstStyle/>
+          <a:p>
+            <a:endParaRPr lang="en-US" sz="3200" b="0" strike="noStrike" spc="-1">
+              <a:solidFill>
+                <a:srgbClr val="000000"/>
+              </a:solidFill>
+              <a:uFill>
+                <a:solidFill>
+                  <a:srgbClr val="FFFFFF"/>
                 </a:solidFill>
               </a:uFill>
               <a:latin typeface="Arial"/>
@@ -1591,15 +1759,16 @@
           </a:prstGeom>
         </p:spPr>
         <p:txBody>
-          <a:bodyPr lIns="0" rIns="0" tIns="0" bIns="0"/>
-          <a:p>
-            <a:endParaRPr b="0" lang="en-US" sz="3200" spc="-1" strike="noStrike">
-              <a:solidFill>
-                <a:srgbClr val="000000"/>
-              </a:solidFill>
-              <a:uFill>
-                <a:solidFill>
-                  <a:srgbClr val="ffffff"/>
+          <a:bodyPr lIns="0" tIns="0" rIns="0" bIns="0"/>
+          <a:lstStyle/>
+          <a:p>
+            <a:endParaRPr lang="en-US" sz="3200" b="0" strike="noStrike" spc="-1">
+              <a:solidFill>
+                <a:srgbClr val="000000"/>
+              </a:solidFill>
+              <a:uFill>
+                <a:solidFill>
+                  <a:srgbClr val="FFFFFF"/>
                 </a:solidFill>
               </a:uFill>
               <a:latin typeface="Arial"/>
@@ -1609,11 +1778,14 @@
       </p:sp>
     </p:spTree>
   </p:cSld>
+  <p:clrMapOvr>
+    <a:masterClrMapping/>
+  </p:clrMapOvr>
 </p:sldLayout>
 </file>
 
 <file path=ppt/slideLayouts/slideLayout22.xml><?xml version="1.0" encoding="utf-8"?>
-<p:sldLayout xmlns:a="http://schemas.openxmlformats.org/drawingml/2006/main" xmlns:p="http://schemas.openxmlformats.org/presentationml/2006/main" xmlns:r="http://schemas.openxmlformats.org/officeDocument/2006/relationships" xmlns:p14="http://schemas.microsoft.com/office/powerpoint/2010/main" xmlns:p15="http://schemas.microsoft.com/office/powerpoint/2012/main" xmlns:mc="http://schemas.openxmlformats.org/markup-compatibility/2006" type="objOverTx" preserve="1">
+<p:sldLayout xmlns:a="http://schemas.openxmlformats.org/drawingml/2006/main" xmlns:r="http://schemas.openxmlformats.org/officeDocument/2006/relationships" xmlns:p="http://schemas.openxmlformats.org/presentationml/2006/main" type="objOverTx" preserve="1">
   <p:cSld name="Title, Content over Content">
     <p:spTree>
       <p:nvGrpSpPr>
@@ -1649,16 +1821,17 @@
           </a:prstGeom>
         </p:spPr>
         <p:txBody>
-          <a:bodyPr lIns="0" rIns="0" tIns="0" bIns="0" anchor="ctr"/>
+          <a:bodyPr lIns="0" tIns="0" rIns="0" bIns="0" anchor="ctr"/>
+          <a:lstStyle/>
           <a:p>
             <a:pPr algn="ctr"/>
-            <a:endParaRPr b="0" lang="en-US" sz="4400" spc="-1" strike="noStrike">
-              <a:solidFill>
-                <a:srgbClr val="000000"/>
-              </a:solidFill>
-              <a:uFill>
-                <a:solidFill>
-                  <a:srgbClr val="ffffff"/>
+            <a:endParaRPr lang="en-US" sz="4400" b="0" strike="noStrike" spc="-1">
+              <a:solidFill>
+                <a:srgbClr val="000000"/>
+              </a:solidFill>
+              <a:uFill>
+                <a:solidFill>
+                  <a:srgbClr val="FFFFFF"/>
                 </a:solidFill>
               </a:uFill>
               <a:latin typeface="Arial"/>
@@ -1686,15 +1859,16 @@
           </a:prstGeom>
         </p:spPr>
         <p:txBody>
-          <a:bodyPr lIns="0" rIns="0" tIns="0" bIns="0"/>
-          <a:p>
-            <a:endParaRPr b="0" lang="en-US" sz="3200" spc="-1" strike="noStrike">
-              <a:solidFill>
-                <a:srgbClr val="000000"/>
-              </a:solidFill>
-              <a:uFill>
-                <a:solidFill>
-                  <a:srgbClr val="ffffff"/>
+          <a:bodyPr lIns="0" tIns="0" rIns="0" bIns="0"/>
+          <a:lstStyle/>
+          <a:p>
+            <a:endParaRPr lang="en-US" sz="3200" b="0" strike="noStrike" spc="-1">
+              <a:solidFill>
+                <a:srgbClr val="000000"/>
+              </a:solidFill>
+              <a:uFill>
+                <a:solidFill>
+                  <a:srgbClr val="FFFFFF"/>
                 </a:solidFill>
               </a:uFill>
               <a:latin typeface="Arial"/>
@@ -1722,15 +1896,16 @@
           </a:prstGeom>
         </p:spPr>
         <p:txBody>
-          <a:bodyPr lIns="0" rIns="0" tIns="0" bIns="0"/>
-          <a:p>
-            <a:endParaRPr b="0" lang="en-US" sz="3200" spc="-1" strike="noStrike">
-              <a:solidFill>
-                <a:srgbClr val="000000"/>
-              </a:solidFill>
-              <a:uFill>
-                <a:solidFill>
-                  <a:srgbClr val="ffffff"/>
+          <a:bodyPr lIns="0" tIns="0" rIns="0" bIns="0"/>
+          <a:lstStyle/>
+          <a:p>
+            <a:endParaRPr lang="en-US" sz="3200" b="0" strike="noStrike" spc="-1">
+              <a:solidFill>
+                <a:srgbClr val="000000"/>
+              </a:solidFill>
+              <a:uFill>
+                <a:solidFill>
+                  <a:srgbClr val="FFFFFF"/>
                 </a:solidFill>
               </a:uFill>
               <a:latin typeface="Arial"/>
@@ -1740,11 +1915,14 @@
       </p:sp>
     </p:spTree>
   </p:cSld>
+  <p:clrMapOvr>
+    <a:masterClrMapping/>
+  </p:clrMapOvr>
 </p:sldLayout>
 </file>
 
 <file path=ppt/slideLayouts/slideLayout23.xml><?xml version="1.0" encoding="utf-8"?>
-<p:sldLayout xmlns:a="http://schemas.openxmlformats.org/drawingml/2006/main" xmlns:p="http://schemas.openxmlformats.org/presentationml/2006/main" xmlns:r="http://schemas.openxmlformats.org/officeDocument/2006/relationships" xmlns:p14="http://schemas.microsoft.com/office/powerpoint/2010/main" xmlns:p15="http://schemas.microsoft.com/office/powerpoint/2012/main" xmlns:mc="http://schemas.openxmlformats.org/markup-compatibility/2006" type="fourObj" preserve="1">
+<p:sldLayout xmlns:a="http://schemas.openxmlformats.org/drawingml/2006/main" xmlns:r="http://schemas.openxmlformats.org/officeDocument/2006/relationships" xmlns:p="http://schemas.openxmlformats.org/presentationml/2006/main" type="fourObj" preserve="1">
   <p:cSld name="Title, 4 Content">
     <p:spTree>
       <p:nvGrpSpPr>
@@ -1780,16 +1958,17 @@
           </a:prstGeom>
         </p:spPr>
         <p:txBody>
-          <a:bodyPr lIns="0" rIns="0" tIns="0" bIns="0" anchor="ctr"/>
+          <a:bodyPr lIns="0" tIns="0" rIns="0" bIns="0" anchor="ctr"/>
+          <a:lstStyle/>
           <a:p>
             <a:pPr algn="ctr"/>
-            <a:endParaRPr b="0" lang="en-US" sz="4400" spc="-1" strike="noStrike">
-              <a:solidFill>
-                <a:srgbClr val="000000"/>
-              </a:solidFill>
-              <a:uFill>
-                <a:solidFill>
-                  <a:srgbClr val="ffffff"/>
+            <a:endParaRPr lang="en-US" sz="4400" b="0" strike="noStrike" spc="-1">
+              <a:solidFill>
+                <a:srgbClr val="000000"/>
+              </a:solidFill>
+              <a:uFill>
+                <a:solidFill>
+                  <a:srgbClr val="FFFFFF"/>
                 </a:solidFill>
               </a:uFill>
               <a:latin typeface="Arial"/>
@@ -1817,15 +1996,16 @@
           </a:prstGeom>
         </p:spPr>
         <p:txBody>
-          <a:bodyPr lIns="0" rIns="0" tIns="0" bIns="0"/>
-          <a:p>
-            <a:endParaRPr b="0" lang="en-US" sz="3200" spc="-1" strike="noStrike">
-              <a:solidFill>
-                <a:srgbClr val="000000"/>
-              </a:solidFill>
-              <a:uFill>
-                <a:solidFill>
-                  <a:srgbClr val="ffffff"/>
+          <a:bodyPr lIns="0" tIns="0" rIns="0" bIns="0"/>
+          <a:lstStyle/>
+          <a:p>
+            <a:endParaRPr lang="en-US" sz="3200" b="0" strike="noStrike" spc="-1">
+              <a:solidFill>
+                <a:srgbClr val="000000"/>
+              </a:solidFill>
+              <a:uFill>
+                <a:solidFill>
+                  <a:srgbClr val="FFFFFF"/>
                 </a:solidFill>
               </a:uFill>
               <a:latin typeface="Arial"/>
@@ -1853,15 +2033,16 @@
           </a:prstGeom>
         </p:spPr>
         <p:txBody>
-          <a:bodyPr lIns="0" rIns="0" tIns="0" bIns="0"/>
-          <a:p>
-            <a:endParaRPr b="0" lang="en-US" sz="3200" spc="-1" strike="noStrike">
-              <a:solidFill>
-                <a:srgbClr val="000000"/>
-              </a:solidFill>
-              <a:uFill>
-                <a:solidFill>
-                  <a:srgbClr val="ffffff"/>
+          <a:bodyPr lIns="0" tIns="0" rIns="0" bIns="0"/>
+          <a:lstStyle/>
+          <a:p>
+            <a:endParaRPr lang="en-US" sz="3200" b="0" strike="noStrike" spc="-1">
+              <a:solidFill>
+                <a:srgbClr val="000000"/>
+              </a:solidFill>
+              <a:uFill>
+                <a:solidFill>
+                  <a:srgbClr val="FFFFFF"/>
                 </a:solidFill>
               </a:uFill>
               <a:latin typeface="Arial"/>
@@ -1889,15 +2070,16 @@
           </a:prstGeom>
         </p:spPr>
         <p:txBody>
-          <a:bodyPr lIns="0" rIns="0" tIns="0" bIns="0"/>
-          <a:p>
-            <a:endParaRPr b="0" lang="en-US" sz="3200" spc="-1" strike="noStrike">
-              <a:solidFill>
-                <a:srgbClr val="000000"/>
-              </a:solidFill>
-              <a:uFill>
-                <a:solidFill>
-                  <a:srgbClr val="ffffff"/>
+          <a:bodyPr lIns="0" tIns="0" rIns="0" bIns="0"/>
+          <a:lstStyle/>
+          <a:p>
+            <a:endParaRPr lang="en-US" sz="3200" b="0" strike="noStrike" spc="-1">
+              <a:solidFill>
+                <a:srgbClr val="000000"/>
+              </a:solidFill>
+              <a:uFill>
+                <a:solidFill>
+                  <a:srgbClr val="FFFFFF"/>
                 </a:solidFill>
               </a:uFill>
               <a:latin typeface="Arial"/>
@@ -1925,15 +2107,16 @@
           </a:prstGeom>
         </p:spPr>
         <p:txBody>
-          <a:bodyPr lIns="0" rIns="0" tIns="0" bIns="0"/>
-          <a:p>
-            <a:endParaRPr b="0" lang="en-US" sz="3200" spc="-1" strike="noStrike">
-              <a:solidFill>
-                <a:srgbClr val="000000"/>
-              </a:solidFill>
-              <a:uFill>
-                <a:solidFill>
-                  <a:srgbClr val="ffffff"/>
+          <a:bodyPr lIns="0" tIns="0" rIns="0" bIns="0"/>
+          <a:lstStyle/>
+          <a:p>
+            <a:endParaRPr lang="en-US" sz="3200" b="0" strike="noStrike" spc="-1">
+              <a:solidFill>
+                <a:srgbClr val="000000"/>
+              </a:solidFill>
+              <a:uFill>
+                <a:solidFill>
+                  <a:srgbClr val="FFFFFF"/>
                 </a:solidFill>
               </a:uFill>
               <a:latin typeface="Arial"/>
@@ -1943,11 +2126,14 @@
       </p:sp>
     </p:spTree>
   </p:cSld>
+  <p:clrMapOvr>
+    <a:masterClrMapping/>
+  </p:clrMapOvr>
 </p:sldLayout>
 </file>
 
 <file path=ppt/slideLayouts/slideLayout24.xml><?xml version="1.0" encoding="utf-8"?>
-<p:sldLayout xmlns:a="http://schemas.openxmlformats.org/drawingml/2006/main" xmlns:p="http://schemas.openxmlformats.org/presentationml/2006/main" xmlns:r="http://schemas.openxmlformats.org/officeDocument/2006/relationships" xmlns:p14="http://schemas.microsoft.com/office/powerpoint/2010/main" xmlns:p15="http://schemas.microsoft.com/office/powerpoint/2012/main" xmlns:mc="http://schemas.openxmlformats.org/markup-compatibility/2006" type="blank" preserve="1">
+<p:sldLayout xmlns:a="http://schemas.openxmlformats.org/drawingml/2006/main" xmlns:r="http://schemas.openxmlformats.org/officeDocument/2006/relationships" xmlns:p="http://schemas.openxmlformats.org/presentationml/2006/main" type="blank" preserve="1">
   <p:cSld name="Title, 6 Content">
     <p:spTree>
       <p:nvGrpSpPr>
@@ -1983,16 +2169,17 @@
           </a:prstGeom>
         </p:spPr>
         <p:txBody>
-          <a:bodyPr lIns="0" rIns="0" tIns="0" bIns="0" anchor="ctr"/>
+          <a:bodyPr lIns="0" tIns="0" rIns="0" bIns="0" anchor="ctr"/>
+          <a:lstStyle/>
           <a:p>
             <a:pPr algn="ctr"/>
-            <a:endParaRPr b="0" lang="en-US" sz="4400" spc="-1" strike="noStrike">
-              <a:solidFill>
-                <a:srgbClr val="000000"/>
-              </a:solidFill>
-              <a:uFill>
-                <a:solidFill>
-                  <a:srgbClr val="ffffff"/>
+            <a:endParaRPr lang="en-US" sz="4400" b="0" strike="noStrike" spc="-1">
+              <a:solidFill>
+                <a:srgbClr val="000000"/>
+              </a:solidFill>
+              <a:uFill>
+                <a:solidFill>
+                  <a:srgbClr val="FFFFFF"/>
                 </a:solidFill>
               </a:uFill>
               <a:latin typeface="Arial"/>
@@ -2020,15 +2207,16 @@
           </a:prstGeom>
         </p:spPr>
         <p:txBody>
-          <a:bodyPr lIns="0" rIns="0" tIns="0" bIns="0"/>
-          <a:p>
-            <a:endParaRPr b="0" lang="en-US" sz="3200" spc="-1" strike="noStrike">
-              <a:solidFill>
-                <a:srgbClr val="000000"/>
-              </a:solidFill>
-              <a:uFill>
-                <a:solidFill>
-                  <a:srgbClr val="ffffff"/>
+          <a:bodyPr lIns="0" tIns="0" rIns="0" bIns="0"/>
+          <a:lstStyle/>
+          <a:p>
+            <a:endParaRPr lang="en-US" sz="3200" b="0" strike="noStrike" spc="-1">
+              <a:solidFill>
+                <a:srgbClr val="000000"/>
+              </a:solidFill>
+              <a:uFill>
+                <a:solidFill>
+                  <a:srgbClr val="FFFFFF"/>
                 </a:solidFill>
               </a:uFill>
               <a:latin typeface="Arial"/>
@@ -2056,15 +2244,16 @@
           </a:prstGeom>
         </p:spPr>
         <p:txBody>
-          <a:bodyPr lIns="0" rIns="0" tIns="0" bIns="0"/>
-          <a:p>
-            <a:endParaRPr b="0" lang="en-US" sz="3200" spc="-1" strike="noStrike">
-              <a:solidFill>
-                <a:srgbClr val="000000"/>
-              </a:solidFill>
-              <a:uFill>
-                <a:solidFill>
-                  <a:srgbClr val="ffffff"/>
+          <a:bodyPr lIns="0" tIns="0" rIns="0" bIns="0"/>
+          <a:lstStyle/>
+          <a:p>
+            <a:endParaRPr lang="en-US" sz="3200" b="0" strike="noStrike" spc="-1">
+              <a:solidFill>
+                <a:srgbClr val="000000"/>
+              </a:solidFill>
+              <a:uFill>
+                <a:solidFill>
+                  <a:srgbClr val="FFFFFF"/>
                 </a:solidFill>
               </a:uFill>
               <a:latin typeface="Arial"/>
@@ -2074,7 +2263,7 @@
       </p:sp>
       <p:pic>
         <p:nvPicPr>
-          <p:cNvPr id="72" name="" descr=""/>
+          <p:cNvPr id="72" name="Picture 71"/>
           <p:cNvPicPr/>
           <p:nvPr/>
         </p:nvPicPr>
@@ -2097,12 +2286,12 @@
       </p:pic>
       <p:pic>
         <p:nvPicPr>
-          <p:cNvPr id="73" name="" descr=""/>
+          <p:cNvPr id="73" name="Picture 72"/>
           <p:cNvPicPr/>
           <p:nvPr/>
         </p:nvPicPr>
         <p:blipFill>
-          <a:blip r:embed="rId3"/>
+          <a:blip r:embed="rId2"/>
           <a:stretch/>
         </p:blipFill>
         <p:spPr>
@@ -2120,11 +2309,14 @@
       </p:pic>
     </p:spTree>
   </p:cSld>
+  <p:clrMapOvr>
+    <a:masterClrMapping/>
+  </p:clrMapOvr>
 </p:sldLayout>
 </file>
 
 <file path=ppt/slideLayouts/slideLayout3.xml><?xml version="1.0" encoding="utf-8"?>
-<p:sldLayout xmlns:a="http://schemas.openxmlformats.org/drawingml/2006/main" xmlns:p="http://schemas.openxmlformats.org/presentationml/2006/main" xmlns:r="http://schemas.openxmlformats.org/officeDocument/2006/relationships" xmlns:p14="http://schemas.microsoft.com/office/powerpoint/2010/main" xmlns:p15="http://schemas.microsoft.com/office/powerpoint/2012/main" xmlns:mc="http://schemas.openxmlformats.org/markup-compatibility/2006" type="obj" preserve="1">
+<p:sldLayout xmlns:a="http://schemas.openxmlformats.org/drawingml/2006/main" xmlns:r="http://schemas.openxmlformats.org/officeDocument/2006/relationships" xmlns:p="http://schemas.openxmlformats.org/presentationml/2006/main" type="obj" preserve="1">
   <p:cSld name="Title, Content">
     <p:spTree>
       <p:nvGrpSpPr>
@@ -2160,16 +2352,17 @@
           </a:prstGeom>
         </p:spPr>
         <p:txBody>
-          <a:bodyPr lIns="0" rIns="0" tIns="0" bIns="0" anchor="ctr"/>
+          <a:bodyPr lIns="0" tIns="0" rIns="0" bIns="0" anchor="ctr"/>
+          <a:lstStyle/>
           <a:p>
             <a:pPr algn="ctr"/>
-            <a:endParaRPr b="0" lang="en-US" sz="4400" spc="-1" strike="noStrike">
-              <a:solidFill>
-                <a:srgbClr val="000000"/>
-              </a:solidFill>
-              <a:uFill>
-                <a:solidFill>
-                  <a:srgbClr val="ffffff"/>
+            <a:endParaRPr lang="en-US" sz="4400" b="0" strike="noStrike" spc="-1">
+              <a:solidFill>
+                <a:srgbClr val="000000"/>
+              </a:solidFill>
+              <a:uFill>
+                <a:solidFill>
+                  <a:srgbClr val="FFFFFF"/>
                 </a:solidFill>
               </a:uFill>
               <a:latin typeface="Arial"/>
@@ -2197,15 +2390,16 @@
           </a:prstGeom>
         </p:spPr>
         <p:txBody>
-          <a:bodyPr lIns="0" rIns="0" tIns="0" bIns="0"/>
-          <a:p>
-            <a:endParaRPr b="0" lang="en-US" sz="3200" spc="-1" strike="noStrike">
-              <a:solidFill>
-                <a:srgbClr val="000000"/>
-              </a:solidFill>
-              <a:uFill>
-                <a:solidFill>
-                  <a:srgbClr val="ffffff"/>
+          <a:bodyPr lIns="0" tIns="0" rIns="0" bIns="0"/>
+          <a:lstStyle/>
+          <a:p>
+            <a:endParaRPr lang="en-US" sz="3200" b="0" strike="noStrike" spc="-1">
+              <a:solidFill>
+                <a:srgbClr val="000000"/>
+              </a:solidFill>
+              <a:uFill>
+                <a:solidFill>
+                  <a:srgbClr val="FFFFFF"/>
                 </a:solidFill>
               </a:uFill>
               <a:latin typeface="Arial"/>
@@ -2215,11 +2409,14 @@
       </p:sp>
     </p:spTree>
   </p:cSld>
+  <p:clrMapOvr>
+    <a:masterClrMapping/>
+  </p:clrMapOvr>
 </p:sldLayout>
 </file>
 
 <file path=ppt/slideLayouts/slideLayout4.xml><?xml version="1.0" encoding="utf-8"?>
-<p:sldLayout xmlns:a="http://schemas.openxmlformats.org/drawingml/2006/main" xmlns:p="http://schemas.openxmlformats.org/presentationml/2006/main" xmlns:r="http://schemas.openxmlformats.org/officeDocument/2006/relationships" xmlns:p14="http://schemas.microsoft.com/office/powerpoint/2010/main" xmlns:p15="http://schemas.microsoft.com/office/powerpoint/2012/main" xmlns:mc="http://schemas.openxmlformats.org/markup-compatibility/2006" type="twoObj" preserve="1">
+<p:sldLayout xmlns:a="http://schemas.openxmlformats.org/drawingml/2006/main" xmlns:r="http://schemas.openxmlformats.org/officeDocument/2006/relationships" xmlns:p="http://schemas.openxmlformats.org/presentationml/2006/main" type="twoObj" preserve="1">
   <p:cSld name="Title, 2 Content">
     <p:spTree>
       <p:nvGrpSpPr>
@@ -2255,16 +2452,17 @@
           </a:prstGeom>
         </p:spPr>
         <p:txBody>
-          <a:bodyPr lIns="0" rIns="0" tIns="0" bIns="0" anchor="ctr"/>
+          <a:bodyPr lIns="0" tIns="0" rIns="0" bIns="0" anchor="ctr"/>
+          <a:lstStyle/>
           <a:p>
             <a:pPr algn="ctr"/>
-            <a:endParaRPr b="0" lang="en-US" sz="4400" spc="-1" strike="noStrike">
-              <a:solidFill>
-                <a:srgbClr val="000000"/>
-              </a:solidFill>
-              <a:uFill>
-                <a:solidFill>
-                  <a:srgbClr val="ffffff"/>
+            <a:endParaRPr lang="en-US" sz="4400" b="0" strike="noStrike" spc="-1">
+              <a:solidFill>
+                <a:srgbClr val="000000"/>
+              </a:solidFill>
+              <a:uFill>
+                <a:solidFill>
+                  <a:srgbClr val="FFFFFF"/>
                 </a:solidFill>
               </a:uFill>
               <a:latin typeface="Arial"/>
@@ -2292,15 +2490,16 @@
           </a:prstGeom>
         </p:spPr>
         <p:txBody>
-          <a:bodyPr lIns="0" rIns="0" tIns="0" bIns="0"/>
-          <a:p>
-            <a:endParaRPr b="0" lang="en-US" sz="3200" spc="-1" strike="noStrike">
-              <a:solidFill>
-                <a:srgbClr val="000000"/>
-              </a:solidFill>
-              <a:uFill>
-                <a:solidFill>
-                  <a:srgbClr val="ffffff"/>
+          <a:bodyPr lIns="0" tIns="0" rIns="0" bIns="0"/>
+          <a:lstStyle/>
+          <a:p>
+            <a:endParaRPr lang="en-US" sz="3200" b="0" strike="noStrike" spc="-1">
+              <a:solidFill>
+                <a:srgbClr val="000000"/>
+              </a:solidFill>
+              <a:uFill>
+                <a:solidFill>
+                  <a:srgbClr val="FFFFFF"/>
                 </a:solidFill>
               </a:uFill>
               <a:latin typeface="Arial"/>
@@ -2328,15 +2527,16 @@
           </a:prstGeom>
         </p:spPr>
         <p:txBody>
-          <a:bodyPr lIns="0" rIns="0" tIns="0" bIns="0"/>
-          <a:p>
-            <a:endParaRPr b="0" lang="en-US" sz="3200" spc="-1" strike="noStrike">
-              <a:solidFill>
-                <a:srgbClr val="000000"/>
-              </a:solidFill>
-              <a:uFill>
-                <a:solidFill>
-                  <a:srgbClr val="ffffff"/>
+          <a:bodyPr lIns="0" tIns="0" rIns="0" bIns="0"/>
+          <a:lstStyle/>
+          <a:p>
+            <a:endParaRPr lang="en-US" sz="3200" b="0" strike="noStrike" spc="-1">
+              <a:solidFill>
+                <a:srgbClr val="000000"/>
+              </a:solidFill>
+              <a:uFill>
+                <a:solidFill>
+                  <a:srgbClr val="FFFFFF"/>
                 </a:solidFill>
               </a:uFill>
               <a:latin typeface="Arial"/>
@@ -2346,11 +2546,14 @@
       </p:sp>
     </p:spTree>
   </p:cSld>
+  <p:clrMapOvr>
+    <a:masterClrMapping/>
+  </p:clrMapOvr>
 </p:sldLayout>
 </file>
 
 <file path=ppt/slideLayouts/slideLayout5.xml><?xml version="1.0" encoding="utf-8"?>
-<p:sldLayout xmlns:a="http://schemas.openxmlformats.org/drawingml/2006/main" xmlns:p="http://schemas.openxmlformats.org/presentationml/2006/main" xmlns:r="http://schemas.openxmlformats.org/officeDocument/2006/relationships" xmlns:p14="http://schemas.microsoft.com/office/powerpoint/2010/main" xmlns:p15="http://schemas.microsoft.com/office/powerpoint/2012/main" xmlns:mc="http://schemas.openxmlformats.org/markup-compatibility/2006" type="titleOnly" preserve="1">
+<p:sldLayout xmlns:a="http://schemas.openxmlformats.org/drawingml/2006/main" xmlns:r="http://schemas.openxmlformats.org/officeDocument/2006/relationships" xmlns:p="http://schemas.openxmlformats.org/presentationml/2006/main" type="titleOnly" preserve="1">
   <p:cSld name="Title Only">
     <p:spTree>
       <p:nvGrpSpPr>
@@ -2386,16 +2589,17 @@
           </a:prstGeom>
         </p:spPr>
         <p:txBody>
-          <a:bodyPr lIns="0" rIns="0" tIns="0" bIns="0" anchor="ctr"/>
+          <a:bodyPr lIns="0" tIns="0" rIns="0" bIns="0" anchor="ctr"/>
+          <a:lstStyle/>
           <a:p>
             <a:pPr algn="ctr"/>
-            <a:endParaRPr b="0" lang="en-US" sz="4400" spc="-1" strike="noStrike">
-              <a:solidFill>
-                <a:srgbClr val="000000"/>
-              </a:solidFill>
-              <a:uFill>
-                <a:solidFill>
-                  <a:srgbClr val="ffffff"/>
+            <a:endParaRPr lang="en-US" sz="4400" b="0" strike="noStrike" spc="-1">
+              <a:solidFill>
+                <a:srgbClr val="000000"/>
+              </a:solidFill>
+              <a:uFill>
+                <a:solidFill>
+                  <a:srgbClr val="FFFFFF"/>
                 </a:solidFill>
               </a:uFill>
               <a:latin typeface="Arial"/>
@@ -2405,11 +2609,14 @@
       </p:sp>
     </p:spTree>
   </p:cSld>
+  <p:clrMapOvr>
+    <a:masterClrMapping/>
+  </p:clrMapOvr>
 </p:sldLayout>
 </file>
 
 <file path=ppt/slideLayouts/slideLayout6.xml><?xml version="1.0" encoding="utf-8"?>
-<p:sldLayout xmlns:a="http://schemas.openxmlformats.org/drawingml/2006/main" xmlns:p="http://schemas.openxmlformats.org/presentationml/2006/main" xmlns:r="http://schemas.openxmlformats.org/officeDocument/2006/relationships" xmlns:p14="http://schemas.microsoft.com/office/powerpoint/2010/main" xmlns:p15="http://schemas.microsoft.com/office/powerpoint/2012/main" xmlns:mc="http://schemas.openxmlformats.org/markup-compatibility/2006" type="objOnly" preserve="1">
+<p:sldLayout xmlns:a="http://schemas.openxmlformats.org/drawingml/2006/main" xmlns:r="http://schemas.openxmlformats.org/officeDocument/2006/relationships" xmlns:p="http://schemas.openxmlformats.org/presentationml/2006/main" type="objOnly" preserve="1">
   <p:cSld name="Centered Text">
     <p:spTree>
       <p:nvGrpSpPr>
@@ -2445,16 +2652,17 @@
           </a:prstGeom>
         </p:spPr>
         <p:txBody>
-          <a:bodyPr lIns="0" rIns="0" tIns="0" bIns="0" anchor="ctr"/>
+          <a:bodyPr lIns="0" tIns="0" rIns="0" bIns="0" anchor="ctr"/>
+          <a:lstStyle/>
           <a:p>
             <a:pPr algn="ctr"/>
-            <a:endParaRPr b="0" lang="en-US" sz="3200" spc="-1" strike="noStrike">
-              <a:solidFill>
-                <a:srgbClr val="000000"/>
-              </a:solidFill>
-              <a:uFill>
-                <a:solidFill>
-                  <a:srgbClr val="ffffff"/>
+            <a:endParaRPr lang="en-US" sz="3200" b="0" strike="noStrike" spc="-1">
+              <a:solidFill>
+                <a:srgbClr val="000000"/>
+              </a:solidFill>
+              <a:uFill>
+                <a:solidFill>
+                  <a:srgbClr val="FFFFFF"/>
                 </a:solidFill>
               </a:uFill>
               <a:latin typeface="Arial"/>
@@ -2464,11 +2672,14 @@
       </p:sp>
     </p:spTree>
   </p:cSld>
+  <p:clrMapOvr>
+    <a:masterClrMapping/>
+  </p:clrMapOvr>
 </p:sldLayout>
 </file>
 
 <file path=ppt/slideLayouts/slideLayout7.xml><?xml version="1.0" encoding="utf-8"?>
-<p:sldLayout xmlns:a="http://schemas.openxmlformats.org/drawingml/2006/main" xmlns:p="http://schemas.openxmlformats.org/presentationml/2006/main" xmlns:r="http://schemas.openxmlformats.org/officeDocument/2006/relationships" xmlns:p14="http://schemas.microsoft.com/office/powerpoint/2010/main" xmlns:p15="http://schemas.microsoft.com/office/powerpoint/2012/main" xmlns:mc="http://schemas.openxmlformats.org/markup-compatibility/2006" type="twoObjAndObj" preserve="1">
+<p:sldLayout xmlns:a="http://schemas.openxmlformats.org/drawingml/2006/main" xmlns:r="http://schemas.openxmlformats.org/officeDocument/2006/relationships" xmlns:p="http://schemas.openxmlformats.org/presentationml/2006/main" type="twoObjAndObj" preserve="1">
   <p:cSld name="Title, 2 Content and Content">
     <p:spTree>
       <p:nvGrpSpPr>
@@ -2504,16 +2715,17 @@
           </a:prstGeom>
         </p:spPr>
         <p:txBody>
-          <a:bodyPr lIns="0" rIns="0" tIns="0" bIns="0" anchor="ctr"/>
+          <a:bodyPr lIns="0" tIns="0" rIns="0" bIns="0" anchor="ctr"/>
+          <a:lstStyle/>
           <a:p>
             <a:pPr algn="ctr"/>
-            <a:endParaRPr b="0" lang="en-US" sz="4400" spc="-1" strike="noStrike">
-              <a:solidFill>
-                <a:srgbClr val="000000"/>
-              </a:solidFill>
-              <a:uFill>
-                <a:solidFill>
-                  <a:srgbClr val="ffffff"/>
+            <a:endParaRPr lang="en-US" sz="4400" b="0" strike="noStrike" spc="-1">
+              <a:solidFill>
+                <a:srgbClr val="000000"/>
+              </a:solidFill>
+              <a:uFill>
+                <a:solidFill>
+                  <a:srgbClr val="FFFFFF"/>
                 </a:solidFill>
               </a:uFill>
               <a:latin typeface="Arial"/>
@@ -2541,15 +2753,16 @@
           </a:prstGeom>
         </p:spPr>
         <p:txBody>
-          <a:bodyPr lIns="0" rIns="0" tIns="0" bIns="0"/>
-          <a:p>
-            <a:endParaRPr b="0" lang="en-US" sz="3200" spc="-1" strike="noStrike">
-              <a:solidFill>
-                <a:srgbClr val="000000"/>
-              </a:solidFill>
-              <a:uFill>
-                <a:solidFill>
-                  <a:srgbClr val="ffffff"/>
+          <a:bodyPr lIns="0" tIns="0" rIns="0" bIns="0"/>
+          <a:lstStyle/>
+          <a:p>
+            <a:endParaRPr lang="en-US" sz="3200" b="0" strike="noStrike" spc="-1">
+              <a:solidFill>
+                <a:srgbClr val="000000"/>
+              </a:solidFill>
+              <a:uFill>
+                <a:solidFill>
+                  <a:srgbClr val="FFFFFF"/>
                 </a:solidFill>
               </a:uFill>
               <a:latin typeface="Arial"/>
@@ -2577,15 +2790,16 @@
           </a:prstGeom>
         </p:spPr>
         <p:txBody>
-          <a:bodyPr lIns="0" rIns="0" tIns="0" bIns="0"/>
-          <a:p>
-            <a:endParaRPr b="0" lang="en-US" sz="3200" spc="-1" strike="noStrike">
-              <a:solidFill>
-                <a:srgbClr val="000000"/>
-              </a:solidFill>
-              <a:uFill>
-                <a:solidFill>
-                  <a:srgbClr val="ffffff"/>
+          <a:bodyPr lIns="0" tIns="0" rIns="0" bIns="0"/>
+          <a:lstStyle/>
+          <a:p>
+            <a:endParaRPr lang="en-US" sz="3200" b="0" strike="noStrike" spc="-1">
+              <a:solidFill>
+                <a:srgbClr val="000000"/>
+              </a:solidFill>
+              <a:uFill>
+                <a:solidFill>
+                  <a:srgbClr val="FFFFFF"/>
                 </a:solidFill>
               </a:uFill>
               <a:latin typeface="Arial"/>
@@ -2613,15 +2827,16 @@
           </a:prstGeom>
         </p:spPr>
         <p:txBody>
-          <a:bodyPr lIns="0" rIns="0" tIns="0" bIns="0"/>
-          <a:p>
-            <a:endParaRPr b="0" lang="en-US" sz="3200" spc="-1" strike="noStrike">
-              <a:solidFill>
-                <a:srgbClr val="000000"/>
-              </a:solidFill>
-              <a:uFill>
-                <a:solidFill>
-                  <a:srgbClr val="ffffff"/>
+          <a:bodyPr lIns="0" tIns="0" rIns="0" bIns="0"/>
+          <a:lstStyle/>
+          <a:p>
+            <a:endParaRPr lang="en-US" sz="3200" b="0" strike="noStrike" spc="-1">
+              <a:solidFill>
+                <a:srgbClr val="000000"/>
+              </a:solidFill>
+              <a:uFill>
+                <a:solidFill>
+                  <a:srgbClr val="FFFFFF"/>
                 </a:solidFill>
               </a:uFill>
               <a:latin typeface="Arial"/>
@@ -2631,11 +2846,14 @@
       </p:sp>
     </p:spTree>
   </p:cSld>
+  <p:clrMapOvr>
+    <a:masterClrMapping/>
+  </p:clrMapOvr>
 </p:sldLayout>
 </file>
 
 <file path=ppt/slideLayouts/slideLayout8.xml><?xml version="1.0" encoding="utf-8"?>
-<p:sldLayout xmlns:a="http://schemas.openxmlformats.org/drawingml/2006/main" xmlns:p="http://schemas.openxmlformats.org/presentationml/2006/main" xmlns:r="http://schemas.openxmlformats.org/officeDocument/2006/relationships" xmlns:p14="http://schemas.microsoft.com/office/powerpoint/2010/main" xmlns:p15="http://schemas.microsoft.com/office/powerpoint/2012/main" xmlns:mc="http://schemas.openxmlformats.org/markup-compatibility/2006" type="objAndTwoObj" preserve="1">
+<p:sldLayout xmlns:a="http://schemas.openxmlformats.org/drawingml/2006/main" xmlns:r="http://schemas.openxmlformats.org/officeDocument/2006/relationships" xmlns:p="http://schemas.openxmlformats.org/presentationml/2006/main" type="objAndTwoObj" preserve="1">
   <p:cSld name="Title Content and 2 Content">
     <p:spTree>
       <p:nvGrpSpPr>
@@ -2671,16 +2889,17 @@
           </a:prstGeom>
         </p:spPr>
         <p:txBody>
-          <a:bodyPr lIns="0" rIns="0" tIns="0" bIns="0" anchor="ctr"/>
+          <a:bodyPr lIns="0" tIns="0" rIns="0" bIns="0" anchor="ctr"/>
+          <a:lstStyle/>
           <a:p>
             <a:pPr algn="ctr"/>
-            <a:endParaRPr b="0" lang="en-US" sz="4400" spc="-1" strike="noStrike">
-              <a:solidFill>
-                <a:srgbClr val="000000"/>
-              </a:solidFill>
-              <a:uFill>
-                <a:solidFill>
-                  <a:srgbClr val="ffffff"/>
+            <a:endParaRPr lang="en-US" sz="4400" b="0" strike="noStrike" spc="-1">
+              <a:solidFill>
+                <a:srgbClr val="000000"/>
+              </a:solidFill>
+              <a:uFill>
+                <a:solidFill>
+                  <a:srgbClr val="FFFFFF"/>
                 </a:solidFill>
               </a:uFill>
               <a:latin typeface="Arial"/>
@@ -2708,15 +2927,16 @@
           </a:prstGeom>
         </p:spPr>
         <p:txBody>
-          <a:bodyPr lIns="0" rIns="0" tIns="0" bIns="0"/>
-          <a:p>
-            <a:endParaRPr b="0" lang="en-US" sz="3200" spc="-1" strike="noStrike">
-              <a:solidFill>
-                <a:srgbClr val="000000"/>
-              </a:solidFill>
-              <a:uFill>
-                <a:solidFill>
-                  <a:srgbClr val="ffffff"/>
+          <a:bodyPr lIns="0" tIns="0" rIns="0" bIns="0"/>
+          <a:lstStyle/>
+          <a:p>
+            <a:endParaRPr lang="en-US" sz="3200" b="0" strike="noStrike" spc="-1">
+              <a:solidFill>
+                <a:srgbClr val="000000"/>
+              </a:solidFill>
+              <a:uFill>
+                <a:solidFill>
+                  <a:srgbClr val="FFFFFF"/>
                 </a:solidFill>
               </a:uFill>
               <a:latin typeface="Arial"/>
@@ -2744,15 +2964,16 @@
           </a:prstGeom>
         </p:spPr>
         <p:txBody>
-          <a:bodyPr lIns="0" rIns="0" tIns="0" bIns="0"/>
-          <a:p>
-            <a:endParaRPr b="0" lang="en-US" sz="3200" spc="-1" strike="noStrike">
-              <a:solidFill>
-                <a:srgbClr val="000000"/>
-              </a:solidFill>
-              <a:uFill>
-                <a:solidFill>
-                  <a:srgbClr val="ffffff"/>
+          <a:bodyPr lIns="0" tIns="0" rIns="0" bIns="0"/>
+          <a:lstStyle/>
+          <a:p>
+            <a:endParaRPr lang="en-US" sz="3200" b="0" strike="noStrike" spc="-1">
+              <a:solidFill>
+                <a:srgbClr val="000000"/>
+              </a:solidFill>
+              <a:uFill>
+                <a:solidFill>
+                  <a:srgbClr val="FFFFFF"/>
                 </a:solidFill>
               </a:uFill>
               <a:latin typeface="Arial"/>
@@ -2780,15 +3001,16 @@
           </a:prstGeom>
         </p:spPr>
         <p:txBody>
-          <a:bodyPr lIns="0" rIns="0" tIns="0" bIns="0"/>
-          <a:p>
-            <a:endParaRPr b="0" lang="en-US" sz="3200" spc="-1" strike="noStrike">
-              <a:solidFill>
-                <a:srgbClr val="000000"/>
-              </a:solidFill>
-              <a:uFill>
-                <a:solidFill>
-                  <a:srgbClr val="ffffff"/>
+          <a:bodyPr lIns="0" tIns="0" rIns="0" bIns="0"/>
+          <a:lstStyle/>
+          <a:p>
+            <a:endParaRPr lang="en-US" sz="3200" b="0" strike="noStrike" spc="-1">
+              <a:solidFill>
+                <a:srgbClr val="000000"/>
+              </a:solidFill>
+              <a:uFill>
+                <a:solidFill>
+                  <a:srgbClr val="FFFFFF"/>
                 </a:solidFill>
               </a:uFill>
               <a:latin typeface="Arial"/>
@@ -2798,11 +3020,14 @@
       </p:sp>
     </p:spTree>
   </p:cSld>
+  <p:clrMapOvr>
+    <a:masterClrMapping/>
+  </p:clrMapOvr>
 </p:sldLayout>
 </file>
 
 <file path=ppt/slideLayouts/slideLayout9.xml><?xml version="1.0" encoding="utf-8"?>
-<p:sldLayout xmlns:a="http://schemas.openxmlformats.org/drawingml/2006/main" xmlns:p="http://schemas.openxmlformats.org/presentationml/2006/main" xmlns:r="http://schemas.openxmlformats.org/officeDocument/2006/relationships" xmlns:p14="http://schemas.microsoft.com/office/powerpoint/2010/main" xmlns:p15="http://schemas.microsoft.com/office/powerpoint/2012/main" xmlns:mc="http://schemas.openxmlformats.org/markup-compatibility/2006" type="twoObjOverTx" preserve="1">
+<p:sldLayout xmlns:a="http://schemas.openxmlformats.org/drawingml/2006/main" xmlns:r="http://schemas.openxmlformats.org/officeDocument/2006/relationships" xmlns:p="http://schemas.openxmlformats.org/presentationml/2006/main" type="twoObjOverTx" preserve="1">
   <p:cSld name="Title, 2 Content over Content">
     <p:spTree>
       <p:nvGrpSpPr>
@@ -2838,16 +3063,17 @@
           </a:prstGeom>
         </p:spPr>
         <p:txBody>
-          <a:bodyPr lIns="0" rIns="0" tIns="0" bIns="0" anchor="ctr"/>
+          <a:bodyPr lIns="0" tIns="0" rIns="0" bIns="0" anchor="ctr"/>
+          <a:lstStyle/>
           <a:p>
             <a:pPr algn="ctr"/>
-            <a:endParaRPr b="0" lang="en-US" sz="4400" spc="-1" strike="noStrike">
-              <a:solidFill>
-                <a:srgbClr val="000000"/>
-              </a:solidFill>
-              <a:uFill>
-                <a:solidFill>
-                  <a:srgbClr val="ffffff"/>
+            <a:endParaRPr lang="en-US" sz="4400" b="0" strike="noStrike" spc="-1">
+              <a:solidFill>
+                <a:srgbClr val="000000"/>
+              </a:solidFill>
+              <a:uFill>
+                <a:solidFill>
+                  <a:srgbClr val="FFFFFF"/>
                 </a:solidFill>
               </a:uFill>
               <a:latin typeface="Arial"/>
@@ -2875,15 +3101,16 @@
           </a:prstGeom>
         </p:spPr>
         <p:txBody>
-          <a:bodyPr lIns="0" rIns="0" tIns="0" bIns="0"/>
-          <a:p>
-            <a:endParaRPr b="0" lang="en-US" sz="3200" spc="-1" strike="noStrike">
-              <a:solidFill>
-                <a:srgbClr val="000000"/>
-              </a:solidFill>
-              <a:uFill>
-                <a:solidFill>
-                  <a:srgbClr val="ffffff"/>
+          <a:bodyPr lIns="0" tIns="0" rIns="0" bIns="0"/>
+          <a:lstStyle/>
+          <a:p>
+            <a:endParaRPr lang="en-US" sz="3200" b="0" strike="noStrike" spc="-1">
+              <a:solidFill>
+                <a:srgbClr val="000000"/>
+              </a:solidFill>
+              <a:uFill>
+                <a:solidFill>
+                  <a:srgbClr val="FFFFFF"/>
                 </a:solidFill>
               </a:uFill>
               <a:latin typeface="Arial"/>
@@ -2911,15 +3138,16 @@
           </a:prstGeom>
         </p:spPr>
         <p:txBody>
-          <a:bodyPr lIns="0" rIns="0" tIns="0" bIns="0"/>
-          <a:p>
-            <a:endParaRPr b="0" lang="en-US" sz="3200" spc="-1" strike="noStrike">
-              <a:solidFill>
-                <a:srgbClr val="000000"/>
-              </a:solidFill>
-              <a:uFill>
-                <a:solidFill>
-                  <a:srgbClr val="ffffff"/>
+          <a:bodyPr lIns="0" tIns="0" rIns="0" bIns="0"/>
+          <a:lstStyle/>
+          <a:p>
+            <a:endParaRPr lang="en-US" sz="3200" b="0" strike="noStrike" spc="-1">
+              <a:solidFill>
+                <a:srgbClr val="000000"/>
+              </a:solidFill>
+              <a:uFill>
+                <a:solidFill>
+                  <a:srgbClr val="FFFFFF"/>
                 </a:solidFill>
               </a:uFill>
               <a:latin typeface="Arial"/>
@@ -2947,15 +3175,16 @@
           </a:prstGeom>
         </p:spPr>
         <p:txBody>
-          <a:bodyPr lIns="0" rIns="0" tIns="0" bIns="0"/>
-          <a:p>
-            <a:endParaRPr b="0" lang="en-US" sz="3200" spc="-1" strike="noStrike">
-              <a:solidFill>
-                <a:srgbClr val="000000"/>
-              </a:solidFill>
-              <a:uFill>
-                <a:solidFill>
-                  <a:srgbClr val="ffffff"/>
+          <a:bodyPr lIns="0" tIns="0" rIns="0" bIns="0"/>
+          <a:lstStyle/>
+          <a:p>
+            <a:endParaRPr lang="en-US" sz="3200" b="0" strike="noStrike" spc="-1">
+              <a:solidFill>
+                <a:srgbClr val="000000"/>
+              </a:solidFill>
+              <a:uFill>
+                <a:solidFill>
+                  <a:srgbClr val="FFFFFF"/>
                 </a:solidFill>
               </a:uFill>
               <a:latin typeface="Arial"/>
@@ -2965,17 +3194,21 @@
       </p:sp>
     </p:spTree>
   </p:cSld>
+  <p:clrMapOvr>
+    <a:masterClrMapping/>
+  </p:clrMapOvr>
 </p:sldLayout>
 </file>
 
 <file path=ppt/slideMasters/slideMaster1.xml><?xml version="1.0" encoding="utf-8"?>
-<p:sldMaster xmlns:a="http://schemas.openxmlformats.org/drawingml/2006/main" xmlns:p="http://schemas.openxmlformats.org/presentationml/2006/main" xmlns:r="http://schemas.openxmlformats.org/officeDocument/2006/relationships" xmlns:p14="http://schemas.microsoft.com/office/powerpoint/2010/main" xmlns:p15="http://schemas.microsoft.com/office/powerpoint/2012/main" xmlns:mc="http://schemas.openxmlformats.org/markup-compatibility/2006">
+<p:sldMaster xmlns:a="http://schemas.openxmlformats.org/drawingml/2006/main" xmlns:r="http://schemas.openxmlformats.org/officeDocument/2006/relationships" xmlns:p="http://schemas.openxmlformats.org/presentationml/2006/main">
   <p:cSld>
     <p:bg>
       <p:bgPr>
         <a:solidFill>
-          <a:srgbClr val="ffffff"/>
+          <a:srgbClr val="FFFFFF"/>
         </a:solidFill>
+        <a:effectLst/>
       </p:bgPr>
     </p:bg>
     <p:spTree>
@@ -2994,7 +3227,7 @@
       </p:grpSpPr>
       <p:sp>
         <p:nvSpPr>
-          <p:cNvPr id="0" name="PlaceHolder 1"/>
+          <p:cNvPr id="4" name="PlaceHolder 1"/>
           <p:cNvSpPr>
             <a:spLocks noGrp="1"/>
           </p:cNvSpPr>
@@ -3012,26 +3245,27 @@
           </a:prstGeom>
         </p:spPr>
         <p:txBody>
-          <a:bodyPr lIns="0" rIns="0" tIns="0" bIns="0" anchor="ctr"/>
+          <a:bodyPr lIns="0" tIns="0" rIns="0" bIns="0" anchor="ctr"/>
+          <a:lstStyle/>
           <a:p>
             <a:pPr algn="ctr"/>
-            <a:endParaRPr b="0" lang="en-US" sz="4400" spc="-1" strike="noStrike">
-              <a:solidFill>
-                <a:srgbClr val="000000"/>
-              </a:solidFill>
-              <a:uFill>
-                <a:solidFill>
-                  <a:srgbClr val="ffffff"/>
-                </a:solidFill>
-              </a:uFill>
-              <a:latin typeface="Arial"/>
-            </a:endParaRPr>
-          </a:p>
-        </p:txBody>
-      </p:sp>
-      <p:sp>
-        <p:nvSpPr>
-          <p:cNvPr id="1" name="PlaceHolder 2"/>
+            <a:endParaRPr lang="en-US" sz="4400" b="0" strike="noStrike" spc="-1">
+              <a:solidFill>
+                <a:srgbClr val="000000"/>
+              </a:solidFill>
+              <a:uFill>
+                <a:solidFill>
+                  <a:srgbClr val="FFFFFF"/>
+                </a:solidFill>
+              </a:uFill>
+              <a:latin typeface="Arial"/>
+            </a:endParaRPr>
+          </a:p>
+        </p:txBody>
+      </p:sp>
+      <p:sp>
+        <p:nvSpPr>
+          <p:cNvPr id="5" name="PlaceHolder 2"/>
           <p:cNvSpPr>
             <a:spLocks noGrp="1"/>
           </p:cNvSpPr>
@@ -3049,7 +3283,8 @@
           </a:prstGeom>
         </p:spPr>
         <p:txBody>
-          <a:bodyPr lIns="0" rIns="0" tIns="0" bIns="0"/>
+          <a:bodyPr lIns="0" tIns="0" rIns="0" bIns="0"/>
+          <a:lstStyle/>
           <a:p>
             <a:pPr marL="432000" indent="-324000">
               <a:buClr>
@@ -3060,33 +3295,22 @@
               <a:buChar char=""/>
             </a:pPr>
             <a:r>
-              <a:rPr b="0" lang="en-US" sz="1800" spc="-1" strike="noStrike">
+              <a:rPr lang="en-US" sz="1800" b="0" strike="noStrike" spc="-1">
                 <a:solidFill>
                   <a:srgbClr val="000000"/>
                 </a:solidFill>
                 <a:uFill>
                   <a:solidFill>
-                    <a:srgbClr val="ffffff"/>
+                    <a:srgbClr val="FFFFFF"/>
                   </a:solidFill>
                 </a:uFill>
                 <a:latin typeface="Arial"/>
               </a:rPr>
               <a:t>Click to edit the outline text format</a:t>
             </a:r>
-            <a:endParaRPr b="0" lang="en-US" sz="1800" spc="-1" strike="noStrike">
-              <a:solidFill>
-                <a:srgbClr val="000000"/>
-              </a:solidFill>
-              <a:uFill>
-                <a:solidFill>
-                  <a:srgbClr val="ffffff"/>
-                </a:solidFill>
-              </a:uFill>
-              <a:latin typeface="Arial"/>
-            </a:endParaRPr>
-          </a:p>
-          <a:p>
-            <a:pPr lvl="1" marL="864000" indent="-324000">
+          </a:p>
+          <a:p>
+            <a:pPr marL="864000" lvl="1" indent="-324000">
               <a:buClr>
                 <a:srgbClr val="000000"/>
               </a:buClr>
@@ -3095,33 +3319,22 @@
               <a:buChar char=""/>
             </a:pPr>
             <a:r>
-              <a:rPr b="0" lang="en-US" sz="1800" spc="-1" strike="noStrike">
+              <a:rPr lang="en-US" sz="1800" b="0" strike="noStrike" spc="-1">
                 <a:solidFill>
                   <a:srgbClr val="000000"/>
                 </a:solidFill>
                 <a:uFill>
                   <a:solidFill>
-                    <a:srgbClr val="ffffff"/>
+                    <a:srgbClr val="FFFFFF"/>
                   </a:solidFill>
                 </a:uFill>
                 <a:latin typeface="Arial"/>
               </a:rPr>
               <a:t>Second Outline Level</a:t>
             </a:r>
-            <a:endParaRPr b="0" lang="en-US" sz="1800" spc="-1" strike="noStrike">
-              <a:solidFill>
-                <a:srgbClr val="000000"/>
-              </a:solidFill>
-              <a:uFill>
-                <a:solidFill>
-                  <a:srgbClr val="ffffff"/>
-                </a:solidFill>
-              </a:uFill>
-              <a:latin typeface="Arial"/>
-            </a:endParaRPr>
-          </a:p>
-          <a:p>
-            <a:pPr lvl="2" marL="1296000" indent="-288000">
+          </a:p>
+          <a:p>
+            <a:pPr marL="1296000" lvl="2" indent="-288000">
               <a:buClr>
                 <a:srgbClr val="000000"/>
               </a:buClr>
@@ -3130,33 +3343,22 @@
               <a:buChar char=""/>
             </a:pPr>
             <a:r>
-              <a:rPr b="0" lang="en-US" sz="1800" spc="-1" strike="noStrike">
+              <a:rPr lang="en-US" sz="1800" b="0" strike="noStrike" spc="-1">
                 <a:solidFill>
                   <a:srgbClr val="000000"/>
                 </a:solidFill>
                 <a:uFill>
                   <a:solidFill>
-                    <a:srgbClr val="ffffff"/>
+                    <a:srgbClr val="FFFFFF"/>
                   </a:solidFill>
                 </a:uFill>
                 <a:latin typeface="Arial"/>
               </a:rPr>
               <a:t>Third Outline Level</a:t>
             </a:r>
-            <a:endParaRPr b="0" lang="en-US" sz="1800" spc="-1" strike="noStrike">
-              <a:solidFill>
-                <a:srgbClr val="000000"/>
-              </a:solidFill>
-              <a:uFill>
-                <a:solidFill>
-                  <a:srgbClr val="ffffff"/>
-                </a:solidFill>
-              </a:uFill>
-              <a:latin typeface="Arial"/>
-            </a:endParaRPr>
-          </a:p>
-          <a:p>
-            <a:pPr lvl="3" marL="1728000" indent="-216000">
+          </a:p>
+          <a:p>
+            <a:pPr marL="1728000" lvl="3" indent="-216000">
               <a:buClr>
                 <a:srgbClr val="000000"/>
               </a:buClr>
@@ -3165,33 +3367,22 @@
               <a:buChar char=""/>
             </a:pPr>
             <a:r>
-              <a:rPr b="0" lang="en-US" sz="1800" spc="-1" strike="noStrike">
+              <a:rPr lang="en-US" sz="1800" b="0" strike="noStrike" spc="-1">
                 <a:solidFill>
                   <a:srgbClr val="000000"/>
                 </a:solidFill>
                 <a:uFill>
                   <a:solidFill>
-                    <a:srgbClr val="ffffff"/>
+                    <a:srgbClr val="FFFFFF"/>
                   </a:solidFill>
                 </a:uFill>
                 <a:latin typeface="Arial"/>
               </a:rPr>
               <a:t>Fourth Outline Level</a:t>
             </a:r>
-            <a:endParaRPr b="0" lang="en-US" sz="1800" spc="-1" strike="noStrike">
-              <a:solidFill>
-                <a:srgbClr val="000000"/>
-              </a:solidFill>
-              <a:uFill>
-                <a:solidFill>
-                  <a:srgbClr val="ffffff"/>
-                </a:solidFill>
-              </a:uFill>
-              <a:latin typeface="Arial"/>
-            </a:endParaRPr>
-          </a:p>
-          <a:p>
-            <a:pPr lvl="4" marL="2160000" indent="-216000">
+          </a:p>
+          <a:p>
+            <a:pPr marL="2160000" lvl="4" indent="-216000">
               <a:buClr>
                 <a:srgbClr val="000000"/>
               </a:buClr>
@@ -3200,33 +3391,22 @@
               <a:buChar char=""/>
             </a:pPr>
             <a:r>
-              <a:rPr b="0" lang="en-US" sz="1800" spc="-1" strike="noStrike">
+              <a:rPr lang="en-US" sz="1800" b="0" strike="noStrike" spc="-1">
                 <a:solidFill>
                   <a:srgbClr val="000000"/>
                 </a:solidFill>
                 <a:uFill>
                   <a:solidFill>
-                    <a:srgbClr val="ffffff"/>
+                    <a:srgbClr val="FFFFFF"/>
                   </a:solidFill>
                 </a:uFill>
                 <a:latin typeface="Arial"/>
               </a:rPr>
               <a:t>Fifth Outline Level</a:t>
             </a:r>
-            <a:endParaRPr b="0" lang="en-US" sz="1800" spc="-1" strike="noStrike">
-              <a:solidFill>
-                <a:srgbClr val="000000"/>
-              </a:solidFill>
-              <a:uFill>
-                <a:solidFill>
-                  <a:srgbClr val="ffffff"/>
-                </a:solidFill>
-              </a:uFill>
-              <a:latin typeface="Arial"/>
-            </a:endParaRPr>
-          </a:p>
-          <a:p>
-            <a:pPr lvl="5" marL="2592000" indent="-216000">
+          </a:p>
+          <a:p>
+            <a:pPr marL="2592000" lvl="5" indent="-216000">
               <a:buClr>
                 <a:srgbClr val="000000"/>
               </a:buClr>
@@ -3235,33 +3415,22 @@
               <a:buChar char=""/>
             </a:pPr>
             <a:r>
-              <a:rPr b="0" lang="en-US" sz="1800" spc="-1" strike="noStrike">
+              <a:rPr lang="en-US" sz="1800" b="0" strike="noStrike" spc="-1">
                 <a:solidFill>
                   <a:srgbClr val="000000"/>
                 </a:solidFill>
                 <a:uFill>
                   <a:solidFill>
-                    <a:srgbClr val="ffffff"/>
+                    <a:srgbClr val="FFFFFF"/>
                   </a:solidFill>
                 </a:uFill>
                 <a:latin typeface="Arial"/>
               </a:rPr>
               <a:t>Sixth Outline Level</a:t>
             </a:r>
-            <a:endParaRPr b="0" lang="en-US" sz="1800" spc="-1" strike="noStrike">
-              <a:solidFill>
-                <a:srgbClr val="000000"/>
-              </a:solidFill>
-              <a:uFill>
-                <a:solidFill>
-                  <a:srgbClr val="ffffff"/>
-                </a:solidFill>
-              </a:uFill>
-              <a:latin typeface="Arial"/>
-            </a:endParaRPr>
-          </a:p>
-          <a:p>
-            <a:pPr lvl="6" marL="3024000" indent="-216000">
+          </a:p>
+          <a:p>
+            <a:pPr marL="3024000" lvl="6" indent="-216000">
               <a:buClr>
                 <a:srgbClr val="000000"/>
               </a:buClr>
@@ -3270,30 +3439,19 @@
               <a:buChar char=""/>
             </a:pPr>
             <a:r>
-              <a:rPr b="0" lang="en-US" sz="1800" spc="-1" strike="noStrike">
+              <a:rPr lang="en-US" sz="1800" b="0" strike="noStrike" spc="-1">
                 <a:solidFill>
                   <a:srgbClr val="000000"/>
                 </a:solidFill>
                 <a:uFill>
                   <a:solidFill>
-                    <a:srgbClr val="ffffff"/>
+                    <a:srgbClr val="FFFFFF"/>
                   </a:solidFill>
                 </a:uFill>
                 <a:latin typeface="Arial"/>
               </a:rPr>
               <a:t>Seventh Outline Level</a:t>
             </a:r>
-            <a:endParaRPr b="0" lang="en-US" sz="1800" spc="-1" strike="noStrike">
-              <a:solidFill>
-                <a:srgbClr val="000000"/>
-              </a:solidFill>
-              <a:uFill>
-                <a:solidFill>
-                  <a:srgbClr val="ffffff"/>
-                </a:solidFill>
-              </a:uFill>
-              <a:latin typeface="Arial"/>
-            </a:endParaRPr>
           </a:p>
         </p:txBody>
       </p:sp>
@@ -3317,7 +3475,8 @@
           </a:prstGeom>
         </p:spPr>
         <p:txBody>
-          <a:bodyPr lIns="0" rIns="0" tIns="0" bIns="0"/>
+          <a:bodyPr lIns="0" tIns="0" rIns="0" bIns="0"/>
+          <a:lstStyle/>
           <a:p>
             <a:pPr marL="432000" indent="-324000">
               <a:buClr>
@@ -3328,33 +3487,22 @@
               <a:buChar char=""/>
             </a:pPr>
             <a:r>
-              <a:rPr b="0" lang="en-US" sz="1800" spc="-1" strike="noStrike">
+              <a:rPr lang="en-US" sz="1800" b="0" strike="noStrike" spc="-1">
                 <a:solidFill>
                   <a:srgbClr val="000000"/>
                 </a:solidFill>
                 <a:uFill>
                   <a:solidFill>
-                    <a:srgbClr val="ffffff"/>
+                    <a:srgbClr val="FFFFFF"/>
                   </a:solidFill>
                 </a:uFill>
                 <a:latin typeface="Arial"/>
               </a:rPr>
               <a:t>Click to edit the outline text format</a:t>
             </a:r>
-            <a:endParaRPr b="0" lang="en-US" sz="1800" spc="-1" strike="noStrike">
-              <a:solidFill>
-                <a:srgbClr val="000000"/>
-              </a:solidFill>
-              <a:uFill>
-                <a:solidFill>
-                  <a:srgbClr val="ffffff"/>
-                </a:solidFill>
-              </a:uFill>
-              <a:latin typeface="Arial"/>
-            </a:endParaRPr>
-          </a:p>
-          <a:p>
-            <a:pPr lvl="1" marL="864000" indent="-324000">
+          </a:p>
+          <a:p>
+            <a:pPr marL="864000" lvl="1" indent="-324000">
               <a:buClr>
                 <a:srgbClr val="000000"/>
               </a:buClr>
@@ -3363,33 +3511,22 @@
               <a:buChar char=""/>
             </a:pPr>
             <a:r>
-              <a:rPr b="0" lang="en-US" sz="1800" spc="-1" strike="noStrike">
+              <a:rPr lang="en-US" sz="1800" b="0" strike="noStrike" spc="-1">
                 <a:solidFill>
                   <a:srgbClr val="000000"/>
                 </a:solidFill>
                 <a:uFill>
                   <a:solidFill>
-                    <a:srgbClr val="ffffff"/>
+                    <a:srgbClr val="FFFFFF"/>
                   </a:solidFill>
                 </a:uFill>
                 <a:latin typeface="Arial"/>
               </a:rPr>
               <a:t>Second Outline Level</a:t>
             </a:r>
-            <a:endParaRPr b="0" lang="en-US" sz="1800" spc="-1" strike="noStrike">
-              <a:solidFill>
-                <a:srgbClr val="000000"/>
-              </a:solidFill>
-              <a:uFill>
-                <a:solidFill>
-                  <a:srgbClr val="ffffff"/>
-                </a:solidFill>
-              </a:uFill>
-              <a:latin typeface="Arial"/>
-            </a:endParaRPr>
-          </a:p>
-          <a:p>
-            <a:pPr lvl="2" marL="1296000" indent="-288000">
+          </a:p>
+          <a:p>
+            <a:pPr marL="1296000" lvl="2" indent="-288000">
               <a:buClr>
                 <a:srgbClr val="000000"/>
               </a:buClr>
@@ -3398,33 +3535,22 @@
               <a:buChar char=""/>
             </a:pPr>
             <a:r>
-              <a:rPr b="0" lang="en-US" sz="1800" spc="-1" strike="noStrike">
+              <a:rPr lang="en-US" sz="1800" b="0" strike="noStrike" spc="-1">
                 <a:solidFill>
                   <a:srgbClr val="000000"/>
                 </a:solidFill>
                 <a:uFill>
                   <a:solidFill>
-                    <a:srgbClr val="ffffff"/>
+                    <a:srgbClr val="FFFFFF"/>
                   </a:solidFill>
                 </a:uFill>
                 <a:latin typeface="Arial"/>
               </a:rPr>
               <a:t>Third Outline Level</a:t>
             </a:r>
-            <a:endParaRPr b="0" lang="en-US" sz="1800" spc="-1" strike="noStrike">
-              <a:solidFill>
-                <a:srgbClr val="000000"/>
-              </a:solidFill>
-              <a:uFill>
-                <a:solidFill>
-                  <a:srgbClr val="ffffff"/>
-                </a:solidFill>
-              </a:uFill>
-              <a:latin typeface="Arial"/>
-            </a:endParaRPr>
-          </a:p>
-          <a:p>
-            <a:pPr lvl="3" marL="1728000" indent="-216000">
+          </a:p>
+          <a:p>
+            <a:pPr marL="1728000" lvl="3" indent="-216000">
               <a:buClr>
                 <a:srgbClr val="000000"/>
               </a:buClr>
@@ -3433,33 +3559,22 @@
               <a:buChar char=""/>
             </a:pPr>
             <a:r>
-              <a:rPr b="0" lang="en-US" sz="1800" spc="-1" strike="noStrike">
+              <a:rPr lang="en-US" sz="1800" b="0" strike="noStrike" spc="-1">
                 <a:solidFill>
                   <a:srgbClr val="000000"/>
                 </a:solidFill>
                 <a:uFill>
                   <a:solidFill>
-                    <a:srgbClr val="ffffff"/>
+                    <a:srgbClr val="FFFFFF"/>
                   </a:solidFill>
                 </a:uFill>
                 <a:latin typeface="Arial"/>
               </a:rPr>
               <a:t>Fourth Outline Level</a:t>
             </a:r>
-            <a:endParaRPr b="0" lang="en-US" sz="1800" spc="-1" strike="noStrike">
-              <a:solidFill>
-                <a:srgbClr val="000000"/>
-              </a:solidFill>
-              <a:uFill>
-                <a:solidFill>
-                  <a:srgbClr val="ffffff"/>
-                </a:solidFill>
-              </a:uFill>
-              <a:latin typeface="Arial"/>
-            </a:endParaRPr>
-          </a:p>
-          <a:p>
-            <a:pPr lvl="4" marL="2160000" indent="-216000">
+          </a:p>
+          <a:p>
+            <a:pPr marL="2160000" lvl="4" indent="-216000">
               <a:buClr>
                 <a:srgbClr val="000000"/>
               </a:buClr>
@@ -3468,33 +3583,22 @@
               <a:buChar char=""/>
             </a:pPr>
             <a:r>
-              <a:rPr b="0" lang="en-US" sz="1800" spc="-1" strike="noStrike">
+              <a:rPr lang="en-US" sz="1800" b="0" strike="noStrike" spc="-1">
                 <a:solidFill>
                   <a:srgbClr val="000000"/>
                 </a:solidFill>
                 <a:uFill>
                   <a:solidFill>
-                    <a:srgbClr val="ffffff"/>
+                    <a:srgbClr val="FFFFFF"/>
                   </a:solidFill>
                 </a:uFill>
                 <a:latin typeface="Arial"/>
               </a:rPr>
               <a:t>Fifth Outline Level</a:t>
             </a:r>
-            <a:endParaRPr b="0" lang="en-US" sz="1800" spc="-1" strike="noStrike">
-              <a:solidFill>
-                <a:srgbClr val="000000"/>
-              </a:solidFill>
-              <a:uFill>
-                <a:solidFill>
-                  <a:srgbClr val="ffffff"/>
-                </a:solidFill>
-              </a:uFill>
-              <a:latin typeface="Arial"/>
-            </a:endParaRPr>
-          </a:p>
-          <a:p>
-            <a:pPr lvl="5" marL="2592000" indent="-216000">
+          </a:p>
+          <a:p>
+            <a:pPr marL="2592000" lvl="5" indent="-216000">
               <a:buClr>
                 <a:srgbClr val="000000"/>
               </a:buClr>
@@ -3503,33 +3607,22 @@
               <a:buChar char=""/>
             </a:pPr>
             <a:r>
-              <a:rPr b="0" lang="en-US" sz="1800" spc="-1" strike="noStrike">
+              <a:rPr lang="en-US" sz="1800" b="0" strike="noStrike" spc="-1">
                 <a:solidFill>
                   <a:srgbClr val="000000"/>
                 </a:solidFill>
                 <a:uFill>
                   <a:solidFill>
-                    <a:srgbClr val="ffffff"/>
+                    <a:srgbClr val="FFFFFF"/>
                   </a:solidFill>
                 </a:uFill>
                 <a:latin typeface="Arial"/>
               </a:rPr>
               <a:t>Sixth Outline Level</a:t>
             </a:r>
-            <a:endParaRPr b="0" lang="en-US" sz="1800" spc="-1" strike="noStrike">
-              <a:solidFill>
-                <a:srgbClr val="000000"/>
-              </a:solidFill>
-              <a:uFill>
-                <a:solidFill>
-                  <a:srgbClr val="ffffff"/>
-                </a:solidFill>
-              </a:uFill>
-              <a:latin typeface="Arial"/>
-            </a:endParaRPr>
-          </a:p>
-          <a:p>
-            <a:pPr lvl="6" marL="3024000" indent="-216000">
+          </a:p>
+          <a:p>
+            <a:pPr marL="3024000" lvl="6" indent="-216000">
               <a:buClr>
                 <a:srgbClr val="000000"/>
               </a:buClr>
@@ -3538,30 +3631,19 @@
               <a:buChar char=""/>
             </a:pPr>
             <a:r>
-              <a:rPr b="0" lang="en-US" sz="1800" spc="-1" strike="noStrike">
+              <a:rPr lang="en-US" sz="1800" b="0" strike="noStrike" spc="-1">
                 <a:solidFill>
                   <a:srgbClr val="000000"/>
                 </a:solidFill>
                 <a:uFill>
                   <a:solidFill>
-                    <a:srgbClr val="ffffff"/>
+                    <a:srgbClr val="FFFFFF"/>
                   </a:solidFill>
                 </a:uFill>
                 <a:latin typeface="Arial"/>
               </a:rPr>
               <a:t>Seventh Outline Level</a:t>
             </a:r>
-            <a:endParaRPr b="0" lang="en-US" sz="1800" spc="-1" strike="noStrike">
-              <a:solidFill>
-                <a:srgbClr val="000000"/>
-              </a:solidFill>
-              <a:uFill>
-                <a:solidFill>
-                  <a:srgbClr val="ffffff"/>
-                </a:solidFill>
-              </a:uFill>
-              <a:latin typeface="Arial"/>
-            </a:endParaRPr>
           </a:p>
         </p:txBody>
       </p:sp>
@@ -3585,7 +3667,8 @@
           </a:prstGeom>
         </p:spPr>
         <p:txBody>
-          <a:bodyPr lIns="0" rIns="0" tIns="0" bIns="0"/>
+          <a:bodyPr lIns="0" tIns="0" rIns="0" bIns="0"/>
+          <a:lstStyle/>
           <a:p>
             <a:pPr marL="432000" indent="-324000">
               <a:buClr>
@@ -3596,33 +3679,22 @@
               <a:buChar char=""/>
             </a:pPr>
             <a:r>
-              <a:rPr b="0" lang="en-US" sz="1800" spc="-1" strike="noStrike">
+              <a:rPr lang="en-US" sz="1800" b="0" strike="noStrike" spc="-1">
                 <a:solidFill>
                   <a:srgbClr val="000000"/>
                 </a:solidFill>
                 <a:uFill>
                   <a:solidFill>
-                    <a:srgbClr val="ffffff"/>
+                    <a:srgbClr val="FFFFFF"/>
                   </a:solidFill>
                 </a:uFill>
                 <a:latin typeface="Arial"/>
               </a:rPr>
               <a:t>Click to edit the outline text format</a:t>
             </a:r>
-            <a:endParaRPr b="0" lang="en-US" sz="1800" spc="-1" strike="noStrike">
-              <a:solidFill>
-                <a:srgbClr val="000000"/>
-              </a:solidFill>
-              <a:uFill>
-                <a:solidFill>
-                  <a:srgbClr val="ffffff"/>
-                </a:solidFill>
-              </a:uFill>
-              <a:latin typeface="Arial"/>
-            </a:endParaRPr>
-          </a:p>
-          <a:p>
-            <a:pPr lvl="1" marL="864000" indent="-324000">
+          </a:p>
+          <a:p>
+            <a:pPr marL="864000" lvl="1" indent="-324000">
               <a:buClr>
                 <a:srgbClr val="000000"/>
               </a:buClr>
@@ -3631,33 +3703,22 @@
               <a:buChar char=""/>
             </a:pPr>
             <a:r>
-              <a:rPr b="0" lang="en-US" sz="1800" spc="-1" strike="noStrike">
+              <a:rPr lang="en-US" sz="1800" b="0" strike="noStrike" spc="-1">
                 <a:solidFill>
                   <a:srgbClr val="000000"/>
                 </a:solidFill>
                 <a:uFill>
                   <a:solidFill>
-                    <a:srgbClr val="ffffff"/>
+                    <a:srgbClr val="FFFFFF"/>
                   </a:solidFill>
                 </a:uFill>
                 <a:latin typeface="Arial"/>
               </a:rPr>
               <a:t>Second Outline Level</a:t>
             </a:r>
-            <a:endParaRPr b="0" lang="en-US" sz="1800" spc="-1" strike="noStrike">
-              <a:solidFill>
-                <a:srgbClr val="000000"/>
-              </a:solidFill>
-              <a:uFill>
-                <a:solidFill>
-                  <a:srgbClr val="ffffff"/>
-                </a:solidFill>
-              </a:uFill>
-              <a:latin typeface="Arial"/>
-            </a:endParaRPr>
-          </a:p>
-          <a:p>
-            <a:pPr lvl="2" marL="1296000" indent="-288000">
+          </a:p>
+          <a:p>
+            <a:pPr marL="1296000" lvl="2" indent="-288000">
               <a:buClr>
                 <a:srgbClr val="000000"/>
               </a:buClr>
@@ -3666,33 +3727,22 @@
               <a:buChar char=""/>
             </a:pPr>
             <a:r>
-              <a:rPr b="0" lang="en-US" sz="1800" spc="-1" strike="noStrike">
+              <a:rPr lang="en-US" sz="1800" b="0" strike="noStrike" spc="-1">
                 <a:solidFill>
                   <a:srgbClr val="000000"/>
                 </a:solidFill>
                 <a:uFill>
                   <a:solidFill>
-                    <a:srgbClr val="ffffff"/>
+                    <a:srgbClr val="FFFFFF"/>
                   </a:solidFill>
                 </a:uFill>
                 <a:latin typeface="Arial"/>
               </a:rPr>
               <a:t>Third Outline Level</a:t>
             </a:r>
-            <a:endParaRPr b="0" lang="en-US" sz="1800" spc="-1" strike="noStrike">
-              <a:solidFill>
-                <a:srgbClr val="000000"/>
-              </a:solidFill>
-              <a:uFill>
-                <a:solidFill>
-                  <a:srgbClr val="ffffff"/>
-                </a:solidFill>
-              </a:uFill>
-              <a:latin typeface="Arial"/>
-            </a:endParaRPr>
-          </a:p>
-          <a:p>
-            <a:pPr lvl="3" marL="1728000" indent="-216000">
+          </a:p>
+          <a:p>
+            <a:pPr marL="1728000" lvl="3" indent="-216000">
               <a:buClr>
                 <a:srgbClr val="000000"/>
               </a:buClr>
@@ -3701,33 +3751,22 @@
               <a:buChar char=""/>
             </a:pPr>
             <a:r>
-              <a:rPr b="0" lang="en-US" sz="1800" spc="-1" strike="noStrike">
+              <a:rPr lang="en-US" sz="1800" b="0" strike="noStrike" spc="-1">
                 <a:solidFill>
                   <a:srgbClr val="000000"/>
                 </a:solidFill>
                 <a:uFill>
                   <a:solidFill>
-                    <a:srgbClr val="ffffff"/>
+                    <a:srgbClr val="FFFFFF"/>
                   </a:solidFill>
                 </a:uFill>
                 <a:latin typeface="Arial"/>
               </a:rPr>
               <a:t>Fourth Outline Level</a:t>
             </a:r>
-            <a:endParaRPr b="0" lang="en-US" sz="1800" spc="-1" strike="noStrike">
-              <a:solidFill>
-                <a:srgbClr val="000000"/>
-              </a:solidFill>
-              <a:uFill>
-                <a:solidFill>
-                  <a:srgbClr val="ffffff"/>
-                </a:solidFill>
-              </a:uFill>
-              <a:latin typeface="Arial"/>
-            </a:endParaRPr>
-          </a:p>
-          <a:p>
-            <a:pPr lvl="4" marL="2160000" indent="-216000">
+          </a:p>
+          <a:p>
+            <a:pPr marL="2160000" lvl="4" indent="-216000">
               <a:buClr>
                 <a:srgbClr val="000000"/>
               </a:buClr>
@@ -3736,33 +3775,22 @@
               <a:buChar char=""/>
             </a:pPr>
             <a:r>
-              <a:rPr b="0" lang="en-US" sz="1800" spc="-1" strike="noStrike">
+              <a:rPr lang="en-US" sz="1800" b="0" strike="noStrike" spc="-1">
                 <a:solidFill>
                   <a:srgbClr val="000000"/>
                 </a:solidFill>
                 <a:uFill>
                   <a:solidFill>
-                    <a:srgbClr val="ffffff"/>
+                    <a:srgbClr val="FFFFFF"/>
                   </a:solidFill>
                 </a:uFill>
                 <a:latin typeface="Arial"/>
               </a:rPr>
               <a:t>Fifth Outline Level</a:t>
             </a:r>
-            <a:endParaRPr b="0" lang="en-US" sz="1800" spc="-1" strike="noStrike">
-              <a:solidFill>
-                <a:srgbClr val="000000"/>
-              </a:solidFill>
-              <a:uFill>
-                <a:solidFill>
-                  <a:srgbClr val="ffffff"/>
-                </a:solidFill>
-              </a:uFill>
-              <a:latin typeface="Arial"/>
-            </a:endParaRPr>
-          </a:p>
-          <a:p>
-            <a:pPr lvl="5" marL="2592000" indent="-216000">
+          </a:p>
+          <a:p>
+            <a:pPr marL="2592000" lvl="5" indent="-216000">
               <a:buClr>
                 <a:srgbClr val="000000"/>
               </a:buClr>
@@ -3771,33 +3799,22 @@
               <a:buChar char=""/>
             </a:pPr>
             <a:r>
-              <a:rPr b="0" lang="en-US" sz="1800" spc="-1" strike="noStrike">
+              <a:rPr lang="en-US" sz="1800" b="0" strike="noStrike" spc="-1">
                 <a:solidFill>
                   <a:srgbClr val="000000"/>
                 </a:solidFill>
                 <a:uFill>
                   <a:solidFill>
-                    <a:srgbClr val="ffffff"/>
+                    <a:srgbClr val="FFFFFF"/>
                   </a:solidFill>
                 </a:uFill>
                 <a:latin typeface="Arial"/>
               </a:rPr>
               <a:t>Sixth Outline Level</a:t>
             </a:r>
-            <a:endParaRPr b="0" lang="en-US" sz="1800" spc="-1" strike="noStrike">
-              <a:solidFill>
-                <a:srgbClr val="000000"/>
-              </a:solidFill>
-              <a:uFill>
-                <a:solidFill>
-                  <a:srgbClr val="ffffff"/>
-                </a:solidFill>
-              </a:uFill>
-              <a:latin typeface="Arial"/>
-            </a:endParaRPr>
-          </a:p>
-          <a:p>
-            <a:pPr lvl="6" marL="3024000" indent="-216000">
+          </a:p>
+          <a:p>
+            <a:pPr marL="3024000" lvl="6" indent="-216000">
               <a:buClr>
                 <a:srgbClr val="000000"/>
               </a:buClr>
@@ -3806,61 +3823,56 @@
               <a:buChar char=""/>
             </a:pPr>
             <a:r>
-              <a:rPr b="0" lang="en-US" sz="1800" spc="-1" strike="noStrike">
+              <a:rPr lang="en-US" sz="1800" b="0" strike="noStrike" spc="-1">
                 <a:solidFill>
                   <a:srgbClr val="000000"/>
                 </a:solidFill>
                 <a:uFill>
                   <a:solidFill>
-                    <a:srgbClr val="ffffff"/>
+                    <a:srgbClr val="FFFFFF"/>
                   </a:solidFill>
                 </a:uFill>
                 <a:latin typeface="Arial"/>
               </a:rPr>
               <a:t>Seventh Outline Level</a:t>
             </a:r>
-            <a:endParaRPr b="0" lang="en-US" sz="1800" spc="-1" strike="noStrike">
-              <a:solidFill>
-                <a:srgbClr val="000000"/>
-              </a:solidFill>
-              <a:uFill>
-                <a:solidFill>
-                  <a:srgbClr val="ffffff"/>
-                </a:solidFill>
-              </a:uFill>
-              <a:latin typeface="Arial"/>
-            </a:endParaRPr>
           </a:p>
         </p:txBody>
       </p:sp>
     </p:spTree>
   </p:cSld>
-  <p:clrMap bg1="lt1" bg2="lt2" tx1="dk1" tx2="dk2" accent1="accent1" accent2="accent2" accent3="accent3" accent4="accent4" accent5="accent5" accent6="accent6" hlink="hlink" folHlink="folHlink"/>
+  <p:clrMap bg1="lt1" tx1="dk1" bg2="lt2" tx2="dk2" accent1="accent1" accent2="accent2" accent3="accent3" accent4="accent4" accent5="accent5" accent6="accent6" hlink="hlink" folHlink="folHlink"/>
   <p:sldLayoutIdLst>
-    <p:sldLayoutId id="2147483649" r:id="rId2"/>
-    <p:sldLayoutId id="2147483650" r:id="rId3"/>
-    <p:sldLayoutId id="2147483651" r:id="rId4"/>
-    <p:sldLayoutId id="2147483652" r:id="rId5"/>
-    <p:sldLayoutId id="2147483653" r:id="rId6"/>
-    <p:sldLayoutId id="2147483654" r:id="rId7"/>
-    <p:sldLayoutId id="2147483655" r:id="rId8"/>
-    <p:sldLayoutId id="2147483656" r:id="rId9"/>
-    <p:sldLayoutId id="2147483657" r:id="rId10"/>
-    <p:sldLayoutId id="2147483658" r:id="rId11"/>
-    <p:sldLayoutId id="2147483659" r:id="rId12"/>
-    <p:sldLayoutId id="2147483660" r:id="rId13"/>
+    <p:sldLayoutId id="2147483649" r:id="rId1"/>
+    <p:sldLayoutId id="2147483650" r:id="rId2"/>
+    <p:sldLayoutId id="2147483651" r:id="rId3"/>
+    <p:sldLayoutId id="2147483652" r:id="rId4"/>
+    <p:sldLayoutId id="2147483653" r:id="rId5"/>
+    <p:sldLayoutId id="2147483654" r:id="rId6"/>
+    <p:sldLayoutId id="2147483655" r:id="rId7"/>
+    <p:sldLayoutId id="2147483656" r:id="rId8"/>
+    <p:sldLayoutId id="2147483657" r:id="rId9"/>
+    <p:sldLayoutId id="2147483658" r:id="rId10"/>
+    <p:sldLayoutId id="2147483659" r:id="rId11"/>
+    <p:sldLayoutId id="2147483660" r:id="rId12"/>
   </p:sldLayoutIdLst>
+  <p:txStyles>
+    <p:titleStyle/>
+    <p:bodyStyle/>
+    <p:otherStyle/>
+  </p:txStyles>
 </p:sldMaster>
 </file>
 
 <file path=ppt/slideMasters/slideMaster2.xml><?xml version="1.0" encoding="utf-8"?>
-<p:sldMaster xmlns:a="http://schemas.openxmlformats.org/drawingml/2006/main" xmlns:p="http://schemas.openxmlformats.org/presentationml/2006/main" xmlns:r="http://schemas.openxmlformats.org/officeDocument/2006/relationships" xmlns:p14="http://schemas.microsoft.com/office/powerpoint/2010/main" xmlns:p15="http://schemas.microsoft.com/office/powerpoint/2012/main" xmlns:mc="http://schemas.openxmlformats.org/markup-compatibility/2006">
+<p:sldMaster xmlns:a="http://schemas.openxmlformats.org/drawingml/2006/main" xmlns:r="http://schemas.openxmlformats.org/officeDocument/2006/relationships" xmlns:p="http://schemas.openxmlformats.org/presentationml/2006/main">
   <p:cSld>
     <p:bg>
       <p:bgPr>
         <a:solidFill>
-          <a:srgbClr val="ffffff"/>
+          <a:srgbClr val="FFFFFF"/>
         </a:solidFill>
+        <a:effectLst/>
       </p:bgPr>
     </p:bg>
     <p:spTree>
@@ -3897,34 +3909,24 @@
           </a:prstGeom>
         </p:spPr>
         <p:txBody>
-          <a:bodyPr lIns="0" rIns="0" tIns="0" bIns="0" anchor="ctr"/>
+          <a:bodyPr lIns="0" tIns="0" rIns="0" bIns="0" anchor="ctr"/>
+          <a:lstStyle/>
           <a:p>
             <a:pPr algn="ctr"/>
             <a:r>
-              <a:rPr b="0" lang="en-US" sz="4400" spc="-1" strike="noStrike">
+              <a:rPr lang="en-US" sz="4400" b="0" strike="noStrike" spc="-1">
                 <a:solidFill>
                   <a:srgbClr val="000000"/>
                 </a:solidFill>
                 <a:uFill>
                   <a:solidFill>
-                    <a:srgbClr val="ffffff"/>
+                    <a:srgbClr val="FFFFFF"/>
                   </a:solidFill>
                 </a:uFill>
                 <a:latin typeface="Arial"/>
               </a:rPr>
               <a:t>Click to edit the title text format</a:t>
             </a:r>
-            <a:endParaRPr b="0" lang="en-US" sz="4400" spc="-1" strike="noStrike">
-              <a:solidFill>
-                <a:srgbClr val="000000"/>
-              </a:solidFill>
-              <a:uFill>
-                <a:solidFill>
-                  <a:srgbClr val="ffffff"/>
-                </a:solidFill>
-              </a:uFill>
-              <a:latin typeface="Arial"/>
-            </a:endParaRPr>
           </a:p>
         </p:txBody>
       </p:sp>
@@ -3948,7 +3950,8 @@
           </a:prstGeom>
         </p:spPr>
         <p:txBody>
-          <a:bodyPr lIns="0" rIns="0" tIns="0" bIns="0"/>
+          <a:bodyPr lIns="0" tIns="0" rIns="0" bIns="0"/>
+          <a:lstStyle/>
           <a:p>
             <a:pPr marL="432000" indent="-324000">
               <a:buClr>
@@ -3959,33 +3962,22 @@
               <a:buChar char=""/>
             </a:pPr>
             <a:r>
-              <a:rPr b="0" lang="en-US" sz="3200" spc="-1" strike="noStrike">
+              <a:rPr lang="en-US" sz="3200" b="0" strike="noStrike" spc="-1">
                 <a:solidFill>
                   <a:srgbClr val="000000"/>
                 </a:solidFill>
                 <a:uFill>
                   <a:solidFill>
-                    <a:srgbClr val="ffffff"/>
+                    <a:srgbClr val="FFFFFF"/>
                   </a:solidFill>
                 </a:uFill>
                 <a:latin typeface="Arial"/>
               </a:rPr>
               <a:t>Click to edit the outline text format</a:t>
             </a:r>
-            <a:endParaRPr b="0" lang="en-US" sz="3200" spc="-1" strike="noStrike">
-              <a:solidFill>
-                <a:srgbClr val="000000"/>
-              </a:solidFill>
-              <a:uFill>
-                <a:solidFill>
-                  <a:srgbClr val="ffffff"/>
-                </a:solidFill>
-              </a:uFill>
-              <a:latin typeface="Arial"/>
-            </a:endParaRPr>
-          </a:p>
-          <a:p>
-            <a:pPr lvl="1" marL="864000" indent="-324000">
+          </a:p>
+          <a:p>
+            <a:pPr marL="864000" lvl="1" indent="-324000">
               <a:buClr>
                 <a:srgbClr val="000000"/>
               </a:buClr>
@@ -3994,33 +3986,22 @@
               <a:buChar char=""/>
             </a:pPr>
             <a:r>
-              <a:rPr b="0" lang="en-US" sz="2800" spc="-1" strike="noStrike">
+              <a:rPr lang="en-US" sz="2800" b="0" strike="noStrike" spc="-1">
                 <a:solidFill>
                   <a:srgbClr val="000000"/>
                 </a:solidFill>
                 <a:uFill>
                   <a:solidFill>
-                    <a:srgbClr val="ffffff"/>
+                    <a:srgbClr val="FFFFFF"/>
                   </a:solidFill>
                 </a:uFill>
                 <a:latin typeface="Arial"/>
               </a:rPr>
               <a:t>Second Outline Level</a:t>
             </a:r>
-            <a:endParaRPr b="0" lang="en-US" sz="2800" spc="-1" strike="noStrike">
-              <a:solidFill>
-                <a:srgbClr val="000000"/>
-              </a:solidFill>
-              <a:uFill>
-                <a:solidFill>
-                  <a:srgbClr val="ffffff"/>
-                </a:solidFill>
-              </a:uFill>
-              <a:latin typeface="Arial"/>
-            </a:endParaRPr>
-          </a:p>
-          <a:p>
-            <a:pPr lvl="2" marL="1296000" indent="-288000">
+          </a:p>
+          <a:p>
+            <a:pPr marL="1296000" lvl="2" indent="-288000">
               <a:buClr>
                 <a:srgbClr val="000000"/>
               </a:buClr>
@@ -4029,33 +4010,22 @@
               <a:buChar char=""/>
             </a:pPr>
             <a:r>
-              <a:rPr b="0" lang="en-US" sz="2400" spc="-1" strike="noStrike">
+              <a:rPr lang="en-US" sz="2400" b="0" strike="noStrike" spc="-1">
                 <a:solidFill>
                   <a:srgbClr val="000000"/>
                 </a:solidFill>
                 <a:uFill>
                   <a:solidFill>
-                    <a:srgbClr val="ffffff"/>
+                    <a:srgbClr val="FFFFFF"/>
                   </a:solidFill>
                 </a:uFill>
                 <a:latin typeface="Arial"/>
               </a:rPr>
               <a:t>Third Outline Level</a:t>
             </a:r>
-            <a:endParaRPr b="0" lang="en-US" sz="2400" spc="-1" strike="noStrike">
-              <a:solidFill>
-                <a:srgbClr val="000000"/>
-              </a:solidFill>
-              <a:uFill>
-                <a:solidFill>
-                  <a:srgbClr val="ffffff"/>
-                </a:solidFill>
-              </a:uFill>
-              <a:latin typeface="Arial"/>
-            </a:endParaRPr>
-          </a:p>
-          <a:p>
-            <a:pPr lvl="3" marL="1728000" indent="-216000">
+          </a:p>
+          <a:p>
+            <a:pPr marL="1728000" lvl="3" indent="-216000">
               <a:buClr>
                 <a:srgbClr val="000000"/>
               </a:buClr>
@@ -4064,33 +4034,22 @@
               <a:buChar char=""/>
             </a:pPr>
             <a:r>
-              <a:rPr b="0" lang="en-US" sz="2000" spc="-1" strike="noStrike">
+              <a:rPr lang="en-US" sz="2000" b="0" strike="noStrike" spc="-1">
                 <a:solidFill>
                   <a:srgbClr val="000000"/>
                 </a:solidFill>
                 <a:uFill>
                   <a:solidFill>
-                    <a:srgbClr val="ffffff"/>
+                    <a:srgbClr val="FFFFFF"/>
                   </a:solidFill>
                 </a:uFill>
                 <a:latin typeface="Arial"/>
               </a:rPr>
               <a:t>Fourth Outline Level</a:t>
             </a:r>
-            <a:endParaRPr b="0" lang="en-US" sz="2000" spc="-1" strike="noStrike">
-              <a:solidFill>
-                <a:srgbClr val="000000"/>
-              </a:solidFill>
-              <a:uFill>
-                <a:solidFill>
-                  <a:srgbClr val="ffffff"/>
-                </a:solidFill>
-              </a:uFill>
-              <a:latin typeface="Arial"/>
-            </a:endParaRPr>
-          </a:p>
-          <a:p>
-            <a:pPr lvl="4" marL="2160000" indent="-216000">
+          </a:p>
+          <a:p>
+            <a:pPr marL="2160000" lvl="4" indent="-216000">
               <a:buClr>
                 <a:srgbClr val="000000"/>
               </a:buClr>
@@ -4099,33 +4058,22 @@
               <a:buChar char=""/>
             </a:pPr>
             <a:r>
-              <a:rPr b="0" lang="en-US" sz="2000" spc="-1" strike="noStrike">
+              <a:rPr lang="en-US" sz="2000" b="0" strike="noStrike" spc="-1">
                 <a:solidFill>
                   <a:srgbClr val="000000"/>
                 </a:solidFill>
                 <a:uFill>
                   <a:solidFill>
-                    <a:srgbClr val="ffffff"/>
+                    <a:srgbClr val="FFFFFF"/>
                   </a:solidFill>
                 </a:uFill>
                 <a:latin typeface="Arial"/>
               </a:rPr>
               <a:t>Fifth Outline Level</a:t>
             </a:r>
-            <a:endParaRPr b="0" lang="en-US" sz="2000" spc="-1" strike="noStrike">
-              <a:solidFill>
-                <a:srgbClr val="000000"/>
-              </a:solidFill>
-              <a:uFill>
-                <a:solidFill>
-                  <a:srgbClr val="ffffff"/>
-                </a:solidFill>
-              </a:uFill>
-              <a:latin typeface="Arial"/>
-            </a:endParaRPr>
-          </a:p>
-          <a:p>
-            <a:pPr lvl="5" marL="2592000" indent="-216000">
+          </a:p>
+          <a:p>
+            <a:pPr marL="2592000" lvl="5" indent="-216000">
               <a:buClr>
                 <a:srgbClr val="000000"/>
               </a:buClr>
@@ -4134,33 +4082,22 @@
               <a:buChar char=""/>
             </a:pPr>
             <a:r>
-              <a:rPr b="0" lang="en-US" sz="2000" spc="-1" strike="noStrike">
+              <a:rPr lang="en-US" sz="2000" b="0" strike="noStrike" spc="-1">
                 <a:solidFill>
                   <a:srgbClr val="000000"/>
                 </a:solidFill>
                 <a:uFill>
                   <a:solidFill>
-                    <a:srgbClr val="ffffff"/>
+                    <a:srgbClr val="FFFFFF"/>
                   </a:solidFill>
                 </a:uFill>
                 <a:latin typeface="Arial"/>
               </a:rPr>
               <a:t>Sixth Outline Level</a:t>
             </a:r>
-            <a:endParaRPr b="0" lang="en-US" sz="2000" spc="-1" strike="noStrike">
-              <a:solidFill>
-                <a:srgbClr val="000000"/>
-              </a:solidFill>
-              <a:uFill>
-                <a:solidFill>
-                  <a:srgbClr val="ffffff"/>
-                </a:solidFill>
-              </a:uFill>
-              <a:latin typeface="Arial"/>
-            </a:endParaRPr>
-          </a:p>
-          <a:p>
-            <a:pPr lvl="6" marL="3024000" indent="-216000">
+          </a:p>
+          <a:p>
+            <a:pPr marL="3024000" lvl="6" indent="-216000">
               <a:buClr>
                 <a:srgbClr val="000000"/>
               </a:buClr>
@@ -4169,55 +4106,49 @@
               <a:buChar char=""/>
             </a:pPr>
             <a:r>
-              <a:rPr b="0" lang="en-US" sz="2000" spc="-1" strike="noStrike">
+              <a:rPr lang="en-US" sz="2000" b="0" strike="noStrike" spc="-1">
                 <a:solidFill>
                   <a:srgbClr val="000000"/>
                 </a:solidFill>
                 <a:uFill>
                   <a:solidFill>
-                    <a:srgbClr val="ffffff"/>
+                    <a:srgbClr val="FFFFFF"/>
                   </a:solidFill>
                 </a:uFill>
                 <a:latin typeface="Arial"/>
               </a:rPr>
               <a:t>Seventh Outline Level</a:t>
             </a:r>
-            <a:endParaRPr b="0" lang="en-US" sz="2000" spc="-1" strike="noStrike">
-              <a:solidFill>
-                <a:srgbClr val="000000"/>
-              </a:solidFill>
-              <a:uFill>
-                <a:solidFill>
-                  <a:srgbClr val="ffffff"/>
-                </a:solidFill>
-              </a:uFill>
-              <a:latin typeface="Arial"/>
-            </a:endParaRPr>
           </a:p>
         </p:txBody>
       </p:sp>
     </p:spTree>
   </p:cSld>
-  <p:clrMap bg1="lt1" bg2="lt2" tx1="dk1" tx2="dk2" accent1="accent1" accent2="accent2" accent3="accent3" accent4="accent4" accent5="accent5" accent6="accent6" hlink="hlink" folHlink="folHlink"/>
+  <p:clrMap bg1="lt1" tx1="dk1" bg2="lt2" tx2="dk2" accent1="accent1" accent2="accent2" accent3="accent3" accent4="accent4" accent5="accent5" accent6="accent6" hlink="hlink" folHlink="folHlink"/>
   <p:sldLayoutIdLst>
-    <p:sldLayoutId id="2147483662" r:id="rId2"/>
-    <p:sldLayoutId id="2147483663" r:id="rId3"/>
-    <p:sldLayoutId id="2147483664" r:id="rId4"/>
-    <p:sldLayoutId id="2147483665" r:id="rId5"/>
-    <p:sldLayoutId id="2147483666" r:id="rId6"/>
-    <p:sldLayoutId id="2147483667" r:id="rId7"/>
-    <p:sldLayoutId id="2147483668" r:id="rId8"/>
-    <p:sldLayoutId id="2147483669" r:id="rId9"/>
-    <p:sldLayoutId id="2147483670" r:id="rId10"/>
-    <p:sldLayoutId id="2147483671" r:id="rId11"/>
-    <p:sldLayoutId id="2147483672" r:id="rId12"/>
-    <p:sldLayoutId id="2147483673" r:id="rId13"/>
+    <p:sldLayoutId id="2147483662" r:id="rId1"/>
+    <p:sldLayoutId id="2147483663" r:id="rId2"/>
+    <p:sldLayoutId id="2147483664" r:id="rId3"/>
+    <p:sldLayoutId id="2147483665" r:id="rId4"/>
+    <p:sldLayoutId id="2147483666" r:id="rId5"/>
+    <p:sldLayoutId id="2147483667" r:id="rId6"/>
+    <p:sldLayoutId id="2147483668" r:id="rId7"/>
+    <p:sldLayoutId id="2147483669" r:id="rId8"/>
+    <p:sldLayoutId id="2147483670" r:id="rId9"/>
+    <p:sldLayoutId id="2147483671" r:id="rId10"/>
+    <p:sldLayoutId id="2147483672" r:id="rId11"/>
+    <p:sldLayoutId id="2147483673" r:id="rId12"/>
   </p:sldLayoutIdLst>
+  <p:txStyles>
+    <p:titleStyle/>
+    <p:bodyStyle/>
+    <p:otherStyle/>
+  </p:txStyles>
 </p:sldMaster>
 </file>
 
 <file path=ppt/slides/slide1.xml><?xml version="1.0" encoding="utf-8"?>
-<p:sld xmlns:a="http://schemas.openxmlformats.org/drawingml/2006/main" xmlns:p="http://schemas.openxmlformats.org/presentationml/2006/main" xmlns:r="http://schemas.openxmlformats.org/officeDocument/2006/relationships" xmlns:p14="http://schemas.microsoft.com/office/powerpoint/2010/main" xmlns:p15="http://schemas.microsoft.com/office/powerpoint/2012/main" xmlns:mc="http://schemas.openxmlformats.org/markup-compatibility/2006">
+<p:sld xmlns:a="http://schemas.openxmlformats.org/drawingml/2006/main" xmlns:r="http://schemas.openxmlformats.org/officeDocument/2006/relationships" xmlns:p="http://schemas.openxmlformats.org/presentationml/2006/main">
   <p:cSld>
     <p:spTree>
       <p:nvGrpSpPr>
@@ -4253,13 +4184,20 @@
           </a:ln>
         </p:spPr>
         <p:style>
-          <a:lnRef idx="0"/>
-          <a:fillRef idx="0"/>
-          <a:effectRef idx="0"/>
+          <a:lnRef idx="0">
+            <a:scrgbClr r="0" g="0" b="0"/>
+          </a:lnRef>
+          <a:fillRef idx="0">
+            <a:scrgbClr r="0" g="0" b="0"/>
+          </a:fillRef>
+          <a:effectRef idx="0">
+            <a:scrgbClr r="0" g="0" b="0"/>
+          </a:effectRef>
           <a:fontRef idx="minor"/>
         </p:style>
         <p:txBody>
-          <a:bodyPr lIns="0" rIns="0" tIns="0" bIns="0" anchor="ctr"/>
+          <a:bodyPr lIns="0" tIns="0" rIns="0" bIns="0" anchor="ctr"/>
+          <a:lstStyle/>
           <a:p>
             <a:pPr algn="ctr">
               <a:lnSpc>
@@ -4267,13 +4205,13 @@
               </a:lnSpc>
             </a:pPr>
             <a:r>
-              <a:rPr b="0" lang="en-US" sz="4400" spc="-1" strike="noStrike">
+              <a:rPr lang="en-US" sz="4400" b="0" strike="noStrike" spc="-1">
                 <a:solidFill>
                   <a:srgbClr val="000000"/>
                 </a:solidFill>
                 <a:uFill>
                   <a:solidFill>
-                    <a:srgbClr val="ffffff"/>
+                    <a:srgbClr val="FFFFFF"/>
                   </a:solidFill>
                 </a:uFill>
                 <a:latin typeface="Arial"/>
@@ -4281,13 +4219,13 @@
               </a:rPr>
               <a:t>Order Processing Application</a:t>
             </a:r>
-            <a:endParaRPr b="0" lang="en-US" sz="1800" spc="-1" strike="noStrike">
-              <a:solidFill>
-                <a:srgbClr val="000000"/>
-              </a:solidFill>
-              <a:uFill>
-                <a:solidFill>
-                  <a:srgbClr val="ffffff"/>
+            <a:endParaRPr lang="en-US" sz="1800" b="0" strike="noStrike" spc="-1">
+              <a:solidFill>
+                <a:srgbClr val="000000"/>
+              </a:solidFill>
+              <a:uFill>
+                <a:solidFill>
+                  <a:srgbClr val="FFFFFF"/>
                 </a:solidFill>
               </a:uFill>
               <a:latin typeface="Arial"/>
@@ -4315,13 +4253,20 @@
           </a:ln>
         </p:spPr>
         <p:style>
-          <a:lnRef idx="0"/>
-          <a:fillRef idx="0"/>
-          <a:effectRef idx="0"/>
+          <a:lnRef idx="0">
+            <a:scrgbClr r="0" g="0" b="0"/>
+          </a:lnRef>
+          <a:fillRef idx="0">
+            <a:scrgbClr r="0" g="0" b="0"/>
+          </a:fillRef>
+          <a:effectRef idx="0">
+            <a:scrgbClr r="0" g="0" b="0"/>
+          </a:effectRef>
           <a:fontRef idx="minor"/>
         </p:style>
         <p:txBody>
-          <a:bodyPr lIns="0" rIns="0" tIns="0" bIns="0"/>
+          <a:bodyPr lIns="0" tIns="0" rIns="0" bIns="0"/>
+          <a:lstStyle/>
           <a:p>
             <a:pPr marL="432000" indent="-323280">
               <a:lnSpc>
@@ -4335,13 +4280,13 @@
               <a:buChar char=""/>
             </a:pPr>
             <a:r>
-              <a:rPr b="0" lang="en-US" sz="3200" spc="-1" strike="noStrike">
+              <a:rPr lang="en-US" sz="3200" b="0" strike="noStrike" spc="-1">
                 <a:solidFill>
                   <a:srgbClr val="000000"/>
                 </a:solidFill>
                 <a:uFill>
                   <a:solidFill>
-                    <a:srgbClr val="ffffff"/>
+                    <a:srgbClr val="FFFFFF"/>
                   </a:solidFill>
                 </a:uFill>
                 <a:latin typeface="Arial"/>
@@ -4350,13 +4295,13 @@
               <a:t>Michael Bertucci (</a:t>
             </a:r>
             <a:r>
-              <a:rPr b="0" lang="en-US" sz="3200" spc="-1" strike="noStrike">
-                <a:solidFill>
-                  <a:srgbClr val="0000cc"/>
-                </a:solidFill>
-                <a:uFill>
-                  <a:solidFill>
-                    <a:srgbClr val="ffffff"/>
+              <a:rPr lang="en-US" sz="3200" b="0" strike="noStrike" spc="-1">
+                <a:solidFill>
+                  <a:srgbClr val="0000CC"/>
+                </a:solidFill>
+                <a:uFill>
+                  <a:solidFill>
+                    <a:srgbClr val="FFFFFF"/>
                   </a:solidFill>
                 </a:uFill>
                 <a:latin typeface="Arial"/>
@@ -4365,13 +4310,13 @@
               <a:t>@mbertucci1</a:t>
             </a:r>
             <a:r>
-              <a:rPr b="0" lang="en-US" sz="3200" spc="-1" strike="noStrike">
+              <a:rPr lang="en-US" sz="3200" b="0" strike="noStrike" spc="-1">
                 <a:solidFill>
                   <a:srgbClr val="000000"/>
                 </a:solidFill>
                 <a:uFill>
                   <a:solidFill>
-                    <a:srgbClr val="ffffff"/>
+                    <a:srgbClr val="FFFFFF"/>
                   </a:solidFill>
                 </a:uFill>
                 <a:latin typeface="Arial"/>
@@ -4379,13 +4324,13 @@
               </a:rPr>
               <a:t>)</a:t>
             </a:r>
-            <a:endParaRPr b="0" lang="en-US" sz="1800" spc="-1" strike="noStrike">
-              <a:solidFill>
-                <a:srgbClr val="000000"/>
-              </a:solidFill>
-              <a:uFill>
-                <a:solidFill>
-                  <a:srgbClr val="ffffff"/>
+            <a:endParaRPr lang="en-US" sz="1800" b="0" strike="noStrike" spc="-1">
+              <a:solidFill>
+                <a:srgbClr val="000000"/>
+              </a:solidFill>
+              <a:uFill>
+                <a:solidFill>
+                  <a:srgbClr val="FFFFFF"/>
                 </a:solidFill>
               </a:uFill>
               <a:latin typeface="Arial"/>
@@ -4404,13 +4349,13 @@
               <a:buChar char=""/>
             </a:pPr>
             <a:r>
-              <a:rPr b="0" lang="en-US" sz="3200" spc="-1" strike="noStrike">
+              <a:rPr lang="en-US" sz="3200" b="0" strike="noStrike" spc="-1">
                 <a:solidFill>
                   <a:srgbClr val="000000"/>
                 </a:solidFill>
                 <a:uFill>
                   <a:solidFill>
-                    <a:srgbClr val="ffffff"/>
+                    <a:srgbClr val="FFFFFF"/>
                   </a:solidFill>
                 </a:uFill>
                 <a:latin typeface="Arial"/>
@@ -4418,13 +4363,13 @@
               </a:rPr>
               <a:t>Michael_Bertucci@student.uml.edu</a:t>
             </a:r>
-            <a:endParaRPr b="0" lang="en-US" sz="1800" spc="-1" strike="noStrike">
-              <a:solidFill>
-                <a:srgbClr val="000000"/>
-              </a:solidFill>
-              <a:uFill>
-                <a:solidFill>
-                  <a:srgbClr val="ffffff"/>
+            <a:endParaRPr lang="en-US" sz="1800" b="0" strike="noStrike" spc="-1">
+              <a:solidFill>
+                <a:srgbClr val="000000"/>
+              </a:solidFill>
+              <a:uFill>
+                <a:solidFill>
+                  <a:srgbClr val="FFFFFF"/>
                 </a:solidFill>
               </a:uFill>
               <a:latin typeface="Arial"/>
@@ -4452,13 +4397,20 @@
           </a:ln>
         </p:spPr>
         <p:style>
-          <a:lnRef idx="0"/>
-          <a:fillRef idx="0"/>
-          <a:effectRef idx="0"/>
+          <a:lnRef idx="0">
+            <a:scrgbClr r="0" g="0" b="0"/>
+          </a:lnRef>
+          <a:fillRef idx="0">
+            <a:scrgbClr r="0" g="0" b="0"/>
+          </a:fillRef>
+          <a:effectRef idx="0">
+            <a:scrgbClr r="0" g="0" b="0"/>
+          </a:effectRef>
           <a:fontRef idx="minor"/>
         </p:style>
         <p:txBody>
-          <a:bodyPr lIns="0" rIns="0" tIns="0" bIns="0"/>
+          <a:bodyPr lIns="0" tIns="0" rIns="0" bIns="0"/>
+          <a:lstStyle/>
           <a:p>
             <a:pPr marL="432000" indent="-323280">
               <a:lnSpc>
@@ -4472,13 +4424,13 @@
               <a:buChar char=""/>
             </a:pPr>
             <a:r>
-              <a:rPr b="0" lang="en-US" sz="3200" spc="-1" strike="noStrike">
+              <a:rPr lang="en-US" sz="3200" b="0" strike="noStrike" spc="-1">
                 <a:solidFill>
                   <a:srgbClr val="000000"/>
                 </a:solidFill>
                 <a:uFill>
                   <a:solidFill>
-                    <a:srgbClr val="ffffff"/>
+                    <a:srgbClr val="FFFFFF"/>
                   </a:solidFill>
                 </a:uFill>
                 <a:latin typeface="Arial"/>
@@ -4487,13 +4439,13 @@
               <a:t>Muhammed Khalid (</a:t>
             </a:r>
             <a:r>
-              <a:rPr b="0" lang="en-US" sz="3200" spc="-1" strike="noStrike">
-                <a:solidFill>
-                  <a:srgbClr val="0000cc"/>
-                </a:solidFill>
-                <a:uFill>
-                  <a:solidFill>
-                    <a:srgbClr val="ffffff"/>
+              <a:rPr lang="en-US" sz="3200" b="0" strike="noStrike" spc="-1">
+                <a:solidFill>
+                  <a:srgbClr val="0000CC"/>
+                </a:solidFill>
+                <a:uFill>
+                  <a:solidFill>
+                    <a:srgbClr val="FFFFFF"/>
                   </a:solidFill>
                 </a:uFill>
                 <a:latin typeface="Arial"/>
@@ -4502,13 +4454,13 @@
               <a:t>@mkhalid578</a:t>
             </a:r>
             <a:r>
-              <a:rPr b="0" lang="en-US" sz="3200" spc="-1" strike="noStrike">
+              <a:rPr lang="en-US" sz="3200" b="0" strike="noStrike" spc="-1">
                 <a:solidFill>
                   <a:srgbClr val="000000"/>
                 </a:solidFill>
                 <a:uFill>
                   <a:solidFill>
-                    <a:srgbClr val="ffffff"/>
+                    <a:srgbClr val="FFFFFF"/>
                   </a:solidFill>
                 </a:uFill>
                 <a:latin typeface="Arial"/>
@@ -4516,13 +4468,13 @@
               </a:rPr>
               <a:t>)</a:t>
             </a:r>
-            <a:endParaRPr b="0" lang="en-US" sz="1800" spc="-1" strike="noStrike">
-              <a:solidFill>
-                <a:srgbClr val="000000"/>
-              </a:solidFill>
-              <a:uFill>
-                <a:solidFill>
-                  <a:srgbClr val="ffffff"/>
+            <a:endParaRPr lang="en-US" sz="1800" b="0" strike="noStrike" spc="-1">
+              <a:solidFill>
+                <a:srgbClr val="000000"/>
+              </a:solidFill>
+              <a:uFill>
+                <a:solidFill>
+                  <a:srgbClr val="FFFFFF"/>
                 </a:solidFill>
               </a:uFill>
               <a:latin typeface="Arial"/>
@@ -4541,13 +4493,13 @@
               <a:buChar char=""/>
             </a:pPr>
             <a:r>
-              <a:rPr b="0" lang="en-US" sz="3200" spc="-1" strike="noStrike">
+              <a:rPr lang="en-US" sz="3200" b="0" strike="noStrike" spc="-1">
                 <a:solidFill>
                   <a:srgbClr val="000000"/>
                 </a:solidFill>
                 <a:uFill>
                   <a:solidFill>
-                    <a:srgbClr val="ffffff"/>
+                    <a:srgbClr val="FFFFFF"/>
                   </a:solidFill>
                 </a:uFill>
                 <a:latin typeface="Arial"/>
@@ -4555,13 +4507,13 @@
               </a:rPr>
               <a:t>Muhammed_Khalid@student.uml.edu</a:t>
             </a:r>
-            <a:endParaRPr b="0" lang="en-US" sz="1800" spc="-1" strike="noStrike">
-              <a:solidFill>
-                <a:srgbClr val="000000"/>
-              </a:solidFill>
-              <a:uFill>
-                <a:solidFill>
-                  <a:srgbClr val="ffffff"/>
+            <a:endParaRPr lang="en-US" sz="1800" b="0" strike="noStrike" spc="-1">
+              <a:solidFill>
+                <a:srgbClr val="000000"/>
+              </a:solidFill>
+              <a:uFill>
+                <a:solidFill>
+                  <a:srgbClr val="FFFFFF"/>
                 </a:solidFill>
               </a:uFill>
               <a:latin typeface="Arial"/>
@@ -4589,13 +4541,20 @@
           </a:ln>
         </p:spPr>
         <p:style>
-          <a:lnRef idx="0"/>
-          <a:fillRef idx="0"/>
-          <a:effectRef idx="0"/>
+          <a:lnRef idx="0">
+            <a:scrgbClr r="0" g="0" b="0"/>
+          </a:lnRef>
+          <a:fillRef idx="0">
+            <a:scrgbClr r="0" g="0" b="0"/>
+          </a:fillRef>
+          <a:effectRef idx="0">
+            <a:scrgbClr r="0" g="0" b="0"/>
+          </a:effectRef>
           <a:fontRef idx="minor"/>
         </p:style>
         <p:txBody>
-          <a:bodyPr lIns="0" rIns="0" tIns="0" bIns="0"/>
+          <a:bodyPr lIns="0" tIns="0" rIns="0" bIns="0"/>
+          <a:lstStyle/>
           <a:p>
             <a:pPr marL="432000" indent="-323280">
               <a:lnSpc>
@@ -4609,13 +4568,13 @@
               <a:buChar char=""/>
             </a:pPr>
             <a:r>
-              <a:rPr b="0" lang="en-US" sz="3200" spc="-1" strike="noStrike">
+              <a:rPr lang="en-US" sz="3200" b="0" strike="noStrike" spc="-1">
                 <a:solidFill>
                   <a:srgbClr val="000000"/>
                 </a:solidFill>
                 <a:uFill>
                   <a:solidFill>
-                    <a:srgbClr val="ffffff"/>
+                    <a:srgbClr val="FFFFFF"/>
                   </a:solidFill>
                 </a:uFill>
                 <a:latin typeface="Arial"/>
@@ -4624,13 +4583,13 @@
               <a:t>Vibhuti Patel (</a:t>
             </a:r>
             <a:r>
-              <a:rPr b="0" lang="en-US" sz="3200" spc="-1" strike="noStrike">
-                <a:solidFill>
-                  <a:srgbClr val="0000ff"/>
-                </a:solidFill>
-                <a:uFill>
-                  <a:solidFill>
-                    <a:srgbClr val="ffffff"/>
+              <a:rPr lang="en-US" sz="3200" b="0" strike="noStrike" spc="-1">
+                <a:solidFill>
+                  <a:srgbClr val="0000FF"/>
+                </a:solidFill>
+                <a:uFill>
+                  <a:solidFill>
+                    <a:srgbClr val="FFFFFF"/>
                   </a:solidFill>
                 </a:uFill>
                 <a:latin typeface="Arial"/>
@@ -4639,13 +4598,13 @@
               <a:t>@vibhutipatel18</a:t>
             </a:r>
             <a:r>
-              <a:rPr b="0" lang="en-US" sz="3200" spc="-1" strike="noStrike">
+              <a:rPr lang="en-US" sz="3200" b="0" strike="noStrike" spc="-1">
                 <a:solidFill>
                   <a:srgbClr val="000000"/>
                 </a:solidFill>
                 <a:uFill>
                   <a:solidFill>
-                    <a:srgbClr val="ffffff"/>
+                    <a:srgbClr val="FFFFFF"/>
                   </a:solidFill>
                 </a:uFill>
                 <a:latin typeface="Arial"/>
@@ -4653,13 +4612,13 @@
               </a:rPr>
               <a:t>)</a:t>
             </a:r>
-            <a:endParaRPr b="0" lang="en-US" sz="1800" spc="-1" strike="noStrike">
-              <a:solidFill>
-                <a:srgbClr val="000000"/>
-              </a:solidFill>
-              <a:uFill>
-                <a:solidFill>
-                  <a:srgbClr val="ffffff"/>
+            <a:endParaRPr lang="en-US" sz="1800" b="0" strike="noStrike" spc="-1">
+              <a:solidFill>
+                <a:srgbClr val="000000"/>
+              </a:solidFill>
+              <a:uFill>
+                <a:solidFill>
+                  <a:srgbClr val="FFFFFF"/>
                 </a:solidFill>
               </a:uFill>
               <a:latin typeface="Arial"/>
@@ -4678,13 +4637,13 @@
               <a:buChar char=""/>
             </a:pPr>
             <a:r>
-              <a:rPr b="0" lang="en-US" sz="3200" spc="-1" strike="noStrike">
+              <a:rPr lang="en-US" sz="3200" b="0" strike="noStrike" spc="-1">
                 <a:solidFill>
                   <a:srgbClr val="000000"/>
                 </a:solidFill>
                 <a:uFill>
                   <a:solidFill>
-                    <a:srgbClr val="ffffff"/>
+                    <a:srgbClr val="FFFFFF"/>
                   </a:solidFill>
                 </a:uFill>
                 <a:latin typeface="Arial"/>
@@ -4692,13 +4651,13 @@
               </a:rPr>
               <a:t>Vibhuti_Patel@student.uml.edu</a:t>
             </a:r>
-            <a:endParaRPr b="0" lang="en-US" sz="1800" spc="-1" strike="noStrike">
-              <a:solidFill>
-                <a:srgbClr val="000000"/>
-              </a:solidFill>
-              <a:uFill>
-                <a:solidFill>
-                  <a:srgbClr val="ffffff"/>
+            <a:endParaRPr lang="en-US" sz="1800" b="0" strike="noStrike" spc="-1">
+              <a:solidFill>
+                <a:srgbClr val="000000"/>
+              </a:solidFill>
+              <a:uFill>
+                <a:solidFill>
+                  <a:srgbClr val="FFFFFF"/>
                 </a:solidFill>
               </a:uFill>
               <a:latin typeface="Arial"/>
@@ -4708,6 +4667,9 @@
       </p:sp>
     </p:spTree>
   </p:cSld>
+  <p:clrMapOvr>
+    <a:masterClrMapping/>
+  </p:clrMapOvr>
   <p:timing>
     <p:tnLst>
       <p:par>
@@ -4716,14 +4678,14 @@
             <p:seq>
               <p:cTn id="2" nodeType="mainSeq"/>
               <p:prevCondLst>
-                <p:cond delay="0" evt="onPrev">
+                <p:cond evt="onPrev" delay="0">
                   <p:tgtEl>
                     <p:sldTgt/>
                   </p:tgtEl>
                 </p:cond>
               </p:prevCondLst>
               <p:nextCondLst>
-                <p:cond delay="0" evt="onNext">
+                <p:cond evt="onNext" delay="0">
                   <p:tgtEl>
                     <p:sldTgt/>
                   </p:tgtEl>
@@ -4739,7 +4701,7 @@
 </file>
 
 <file path=ppt/slides/slide2.xml><?xml version="1.0" encoding="utf-8"?>
-<p:sld xmlns:a="http://schemas.openxmlformats.org/drawingml/2006/main" xmlns:p="http://schemas.openxmlformats.org/presentationml/2006/main" xmlns:r="http://schemas.openxmlformats.org/officeDocument/2006/relationships" xmlns:p14="http://schemas.microsoft.com/office/powerpoint/2010/main" xmlns:p15="http://schemas.microsoft.com/office/powerpoint/2012/main" xmlns:mc="http://schemas.openxmlformats.org/markup-compatibility/2006">
+<p:sld xmlns:a="http://schemas.openxmlformats.org/drawingml/2006/main" xmlns:r="http://schemas.openxmlformats.org/officeDocument/2006/relationships" xmlns:p="http://schemas.openxmlformats.org/presentationml/2006/main">
   <p:cSld>
     <p:spTree>
       <p:nvGrpSpPr>
@@ -4775,13 +4737,20 @@
           </a:ln>
         </p:spPr>
         <p:style>
-          <a:lnRef idx="0"/>
-          <a:fillRef idx="0"/>
-          <a:effectRef idx="0"/>
+          <a:lnRef idx="0">
+            <a:scrgbClr r="0" g="0" b="0"/>
+          </a:lnRef>
+          <a:fillRef idx="0">
+            <a:scrgbClr r="0" g="0" b="0"/>
+          </a:fillRef>
+          <a:effectRef idx="0">
+            <a:scrgbClr r="0" g="0" b="0"/>
+          </a:effectRef>
           <a:fontRef idx="minor"/>
         </p:style>
         <p:txBody>
-          <a:bodyPr lIns="0" rIns="0" tIns="0" bIns="0" anchor="ctr"/>
+          <a:bodyPr lIns="0" tIns="0" rIns="0" bIns="0" anchor="ctr"/>
+          <a:lstStyle/>
           <a:p>
             <a:pPr>
               <a:lnSpc>
@@ -4789,13 +4758,13 @@
               </a:lnSpc>
             </a:pPr>
             <a:r>
-              <a:rPr b="1" lang="en-US" sz="4400" spc="-1" strike="noStrike">
-                <a:solidFill>
-                  <a:srgbClr val="8064a2"/>
-                </a:solidFill>
-                <a:uFill>
-                  <a:solidFill>
-                    <a:srgbClr val="ffffff"/>
+              <a:rPr lang="en-US" sz="4400" b="1" strike="noStrike" spc="-1">
+                <a:solidFill>
+                  <a:srgbClr val="8064A2"/>
+                </a:solidFill>
+                <a:uFill>
+                  <a:solidFill>
+                    <a:srgbClr val="FFFFFF"/>
                   </a:solidFill>
                 </a:uFill>
                 <a:latin typeface="Arial"/>
@@ -4803,13 +4772,13 @@
               </a:rPr>
               <a:t>Introduction</a:t>
             </a:r>
-            <a:endParaRPr b="0" lang="en-US" sz="1800" spc="-1" strike="noStrike">
-              <a:solidFill>
-                <a:srgbClr val="000000"/>
-              </a:solidFill>
-              <a:uFill>
-                <a:solidFill>
-                  <a:srgbClr val="ffffff"/>
+            <a:endParaRPr lang="en-US" sz="1800" b="0" strike="noStrike" spc="-1">
+              <a:solidFill>
+                <a:srgbClr val="000000"/>
+              </a:solidFill>
+              <a:uFill>
+                <a:solidFill>
+                  <a:srgbClr val="FFFFFF"/>
                 </a:solidFill>
               </a:uFill>
               <a:latin typeface="Arial"/>
@@ -4837,26 +4806,33 @@
           </a:ln>
         </p:spPr>
         <p:style>
-          <a:lnRef idx="0"/>
-          <a:fillRef idx="0"/>
-          <a:effectRef idx="0"/>
+          <a:lnRef idx="0">
+            <a:scrgbClr r="0" g="0" b="0"/>
+          </a:lnRef>
+          <a:fillRef idx="0">
+            <a:scrgbClr r="0" g="0" b="0"/>
+          </a:fillRef>
+          <a:effectRef idx="0">
+            <a:scrgbClr r="0" g="0" b="0"/>
+          </a:effectRef>
           <a:fontRef idx="minor"/>
         </p:style>
         <p:txBody>
-          <a:bodyPr lIns="0" rIns="0" tIns="0" bIns="0"/>
+          <a:bodyPr lIns="0" tIns="0" rIns="0" bIns="0"/>
+          <a:lstStyle/>
           <a:p>
             <a:pPr>
               <a:lnSpc>
                 <a:spcPct val="100000"/>
               </a:lnSpc>
             </a:pPr>
-            <a:endParaRPr b="0" lang="en-US" sz="1800" spc="-1" strike="noStrike">
-              <a:solidFill>
-                <a:srgbClr val="000000"/>
-              </a:solidFill>
-              <a:uFill>
-                <a:solidFill>
-                  <a:srgbClr val="ffffff"/>
+            <a:endParaRPr lang="en-US" sz="1800" b="0" strike="noStrike" spc="-1">
+              <a:solidFill>
+                <a:srgbClr val="000000"/>
+              </a:solidFill>
+              <a:uFill>
+                <a:solidFill>
+                  <a:srgbClr val="FFFFFF"/>
                 </a:solidFill>
               </a:uFill>
               <a:latin typeface="Arial"/>
@@ -4869,13 +4845,13 @@
               </a:lnSpc>
             </a:pPr>
             <a:r>
-              <a:rPr b="1" lang="en-US" sz="2800" spc="-1" strike="noStrike">
-                <a:solidFill>
-                  <a:srgbClr val="1f497d"/>
-                </a:solidFill>
-                <a:uFill>
-                  <a:solidFill>
-                    <a:srgbClr val="ffffff"/>
+              <a:rPr lang="en-US" sz="2800" b="1" strike="noStrike" spc="-1">
+                <a:solidFill>
+                  <a:srgbClr val="1F497D"/>
+                </a:solidFill>
+                <a:uFill>
+                  <a:solidFill>
+                    <a:srgbClr val="FFFFFF"/>
                   </a:solidFill>
                 </a:uFill>
                 <a:latin typeface="Arial"/>
@@ -4883,13 +4859,13 @@
               </a:rPr>
               <a:t>The Order Processing application, which simplifies and speeds up the order completion process.</a:t>
             </a:r>
-            <a:endParaRPr b="0" lang="en-US" sz="1800" spc="-1" strike="noStrike">
-              <a:solidFill>
-                <a:srgbClr val="000000"/>
-              </a:solidFill>
-              <a:uFill>
-                <a:solidFill>
-                  <a:srgbClr val="ffffff"/>
+            <a:endParaRPr lang="en-US" sz="1800" b="0" strike="noStrike" spc="-1">
+              <a:solidFill>
+                <a:srgbClr val="000000"/>
+              </a:solidFill>
+              <a:uFill>
+                <a:solidFill>
+                  <a:srgbClr val="FFFFFF"/>
                 </a:solidFill>
               </a:uFill>
               <a:latin typeface="Arial"/>
@@ -4901,13 +4877,13 @@
                 <a:spcPct val="100000"/>
               </a:lnSpc>
             </a:pPr>
-            <a:endParaRPr b="0" lang="en-US" sz="1800" spc="-1" strike="noStrike">
-              <a:solidFill>
-                <a:srgbClr val="000000"/>
-              </a:solidFill>
-              <a:uFill>
-                <a:solidFill>
-                  <a:srgbClr val="ffffff"/>
+            <a:endParaRPr lang="en-US" sz="1800" b="0" strike="noStrike" spc="-1">
+              <a:solidFill>
+                <a:srgbClr val="000000"/>
+              </a:solidFill>
+              <a:uFill>
+                <a:solidFill>
+                  <a:srgbClr val="FFFFFF"/>
                 </a:solidFill>
               </a:uFill>
               <a:latin typeface="Arial"/>
@@ -4919,19 +4895,19 @@
                 <a:spcPct val="90000"/>
               </a:lnSpc>
               <a:buClr>
-                <a:srgbClr val="948a54"/>
+                <a:srgbClr val="948A54"/>
               </a:buClr>
               <a:buFont typeface="Arial"/>
               <a:buChar char="•"/>
             </a:pPr>
             <a:r>
-              <a:rPr b="0" lang="en-US" sz="2800" spc="-1" strike="noStrike">
-                <a:solidFill>
-                  <a:srgbClr val="948a54"/>
-                </a:solidFill>
-                <a:uFill>
-                  <a:solidFill>
-                    <a:srgbClr val="ffffff"/>
+              <a:rPr lang="en-US" sz="2800" b="0" strike="noStrike" spc="-1">
+                <a:solidFill>
+                  <a:srgbClr val="948A54"/>
+                </a:solidFill>
+                <a:uFill>
+                  <a:solidFill>
+                    <a:srgbClr val="FFFFFF"/>
                   </a:solidFill>
                 </a:uFill>
                 <a:latin typeface="Arial"/>
@@ -4940,13 +4916,13 @@
               <a:t>By automating and digitizing the process of placing and processing orders, </a:t>
             </a:r>
             <a:r>
-              <a:rPr b="1" lang="en-US" sz="2800" spc="-1" strike="noStrike">
-                <a:solidFill>
-                  <a:srgbClr val="948a54"/>
-                </a:solidFill>
-                <a:uFill>
-                  <a:solidFill>
-                    <a:srgbClr val="ffffff"/>
+              <a:rPr lang="en-US" sz="2800" b="1" strike="noStrike" spc="-1">
+                <a:solidFill>
+                  <a:srgbClr val="948A54"/>
+                </a:solidFill>
+                <a:uFill>
+                  <a:solidFill>
+                    <a:srgbClr val="FFFFFF"/>
                   </a:solidFill>
                 </a:uFill>
                 <a:latin typeface="Arial"/>
@@ -4955,13 +4931,13 @@
               <a:t>companies</a:t>
             </a:r>
             <a:r>
-              <a:rPr b="0" lang="en-US" sz="2800" spc="-1" strike="noStrike">
-                <a:solidFill>
-                  <a:srgbClr val="948a54"/>
-                </a:solidFill>
-                <a:uFill>
-                  <a:solidFill>
-                    <a:srgbClr val="ffffff"/>
+              <a:rPr lang="en-US" sz="2800" b="0" strike="noStrike" spc="-1">
+                <a:solidFill>
+                  <a:srgbClr val="948A54"/>
+                </a:solidFill>
+                <a:uFill>
+                  <a:solidFill>
+                    <a:srgbClr val="FFFFFF"/>
                   </a:solidFill>
                 </a:uFill>
                 <a:latin typeface="Arial"/>
@@ -4970,13 +4946,13 @@
               <a:t> can save a tremendous amount of </a:t>
             </a:r>
             <a:r>
-              <a:rPr b="1" lang="en-US" sz="2800" spc="-1" strike="noStrike">
-                <a:solidFill>
-                  <a:srgbClr val="948a54"/>
-                </a:solidFill>
-                <a:uFill>
-                  <a:solidFill>
-                    <a:srgbClr val="ffffff"/>
+              <a:rPr lang="en-US" sz="2800" b="1" strike="noStrike" spc="-1">
+                <a:solidFill>
+                  <a:srgbClr val="948A54"/>
+                </a:solidFill>
+                <a:uFill>
+                  <a:solidFill>
+                    <a:srgbClr val="FFFFFF"/>
                   </a:solidFill>
                 </a:uFill>
                 <a:latin typeface="Arial"/>
@@ -4985,13 +4961,13 @@
               <a:t>time and money</a:t>
             </a:r>
             <a:r>
-              <a:rPr b="0" lang="en-US" sz="2800" spc="-1" strike="noStrike">
-                <a:solidFill>
-                  <a:srgbClr val="948a54"/>
-                </a:solidFill>
-                <a:uFill>
-                  <a:solidFill>
-                    <a:srgbClr val="ffffff"/>
+              <a:rPr lang="en-US" sz="2800" b="0" strike="noStrike" spc="-1">
+                <a:solidFill>
+                  <a:srgbClr val="948A54"/>
+                </a:solidFill>
+                <a:uFill>
+                  <a:solidFill>
+                    <a:srgbClr val="FFFFFF"/>
                   </a:solidFill>
                 </a:uFill>
                 <a:latin typeface="Arial"/>
@@ -4999,13 +4975,13 @@
               </a:rPr>
               <a:t>.</a:t>
             </a:r>
-            <a:endParaRPr b="0" lang="en-US" sz="1800" spc="-1" strike="noStrike">
-              <a:solidFill>
-                <a:srgbClr val="000000"/>
-              </a:solidFill>
-              <a:uFill>
-                <a:solidFill>
-                  <a:srgbClr val="ffffff"/>
+            <a:endParaRPr lang="en-US" sz="1800" b="0" strike="noStrike" spc="-1">
+              <a:solidFill>
+                <a:srgbClr val="000000"/>
+              </a:solidFill>
+              <a:uFill>
+                <a:solidFill>
+                  <a:srgbClr val="FFFFFF"/>
                 </a:solidFill>
               </a:uFill>
               <a:latin typeface="Arial"/>
@@ -5017,19 +4993,19 @@
                 <a:spcPct val="90000"/>
               </a:lnSpc>
               <a:buClr>
-                <a:srgbClr val="948a54"/>
+                <a:srgbClr val="948A54"/>
               </a:buClr>
               <a:buFont typeface="Arial"/>
               <a:buChar char="•"/>
             </a:pPr>
             <a:r>
-              <a:rPr b="0" lang="en-US" sz="2800" spc="-1" strike="noStrike">
-                <a:solidFill>
-                  <a:srgbClr val="948a54"/>
-                </a:solidFill>
-                <a:uFill>
-                  <a:solidFill>
-                    <a:srgbClr val="ffffff"/>
+              <a:rPr lang="en-US" sz="2800" b="0" strike="noStrike" spc="-1">
+                <a:solidFill>
+                  <a:srgbClr val="948A54"/>
+                </a:solidFill>
+                <a:uFill>
+                  <a:solidFill>
+                    <a:srgbClr val="FFFFFF"/>
                   </a:solidFill>
                 </a:uFill>
                 <a:latin typeface="Arial"/>
@@ -5038,13 +5014,13 @@
               <a:t>Only </a:t>
             </a:r>
             <a:r>
-              <a:rPr b="1" lang="en-US" sz="2800" spc="-1" strike="noStrike">
-                <a:solidFill>
-                  <a:srgbClr val="948a54"/>
-                </a:solidFill>
-                <a:uFill>
-                  <a:solidFill>
-                    <a:srgbClr val="ffffff"/>
+              <a:rPr lang="en-US" sz="2800" b="1" strike="noStrike" spc="-1">
+                <a:solidFill>
+                  <a:srgbClr val="948A54"/>
+                </a:solidFill>
+                <a:uFill>
+                  <a:solidFill>
+                    <a:srgbClr val="FFFFFF"/>
                   </a:solidFill>
                 </a:uFill>
                 <a:latin typeface="Arial"/>
@@ -5053,13 +5029,13 @@
               <a:t>authorized employees </a:t>
             </a:r>
             <a:r>
-              <a:rPr b="0" lang="en-US" sz="2800" spc="-1" strike="noStrike">
-                <a:solidFill>
-                  <a:srgbClr val="948a54"/>
-                </a:solidFill>
-                <a:uFill>
-                  <a:solidFill>
-                    <a:srgbClr val="ffffff"/>
+              <a:rPr lang="en-US" sz="2800" b="0" strike="noStrike" spc="-1">
+                <a:solidFill>
+                  <a:srgbClr val="948A54"/>
+                </a:solidFill>
+                <a:uFill>
+                  <a:solidFill>
+                    <a:srgbClr val="FFFFFF"/>
                   </a:solidFill>
                 </a:uFill>
                 <a:latin typeface="Arial"/>
@@ -5067,13 +5043,13 @@
               </a:rPr>
               <a:t>can use the application as a regular tool to execute order processing tasks.</a:t>
             </a:r>
-            <a:endParaRPr b="0" lang="en-US" sz="1800" spc="-1" strike="noStrike">
-              <a:solidFill>
-                <a:srgbClr val="000000"/>
-              </a:solidFill>
-              <a:uFill>
-                <a:solidFill>
-                  <a:srgbClr val="ffffff"/>
+            <a:endParaRPr lang="en-US" sz="1800" b="0" strike="noStrike" spc="-1">
+              <a:solidFill>
+                <a:srgbClr val="000000"/>
+              </a:solidFill>
+              <a:uFill>
+                <a:solidFill>
+                  <a:srgbClr val="FFFFFF"/>
                 </a:solidFill>
               </a:uFill>
               <a:latin typeface="Arial"/>
@@ -5085,19 +5061,19 @@
                 <a:spcPct val="90000"/>
               </a:lnSpc>
               <a:buClr>
-                <a:srgbClr val="948a54"/>
+                <a:srgbClr val="948A54"/>
               </a:buClr>
               <a:buFont typeface="Arial"/>
               <a:buChar char="•"/>
             </a:pPr>
             <a:r>
-              <a:rPr b="0" lang="en-US" sz="2800" spc="-1" strike="noStrike">
-                <a:solidFill>
-                  <a:srgbClr val="948a54"/>
-                </a:solidFill>
-                <a:uFill>
-                  <a:solidFill>
-                    <a:srgbClr val="ffffff"/>
+              <a:rPr lang="en-US" sz="2800" b="0" strike="noStrike" spc="-1">
+                <a:solidFill>
+                  <a:srgbClr val="948A54"/>
+                </a:solidFill>
+                <a:uFill>
+                  <a:solidFill>
+                    <a:srgbClr val="FFFFFF"/>
                   </a:solidFill>
                 </a:uFill>
                 <a:latin typeface="Arial"/>
@@ -5106,13 +5082,13 @@
               <a:t>It is also possible to archive </a:t>
             </a:r>
             <a:r>
-              <a:rPr b="1" lang="en-US" sz="2800" spc="-1" strike="noStrike">
-                <a:solidFill>
-                  <a:srgbClr val="948a54"/>
-                </a:solidFill>
-                <a:uFill>
-                  <a:solidFill>
-                    <a:srgbClr val="ffffff"/>
+              <a:rPr lang="en-US" sz="2800" b="1" strike="noStrike" spc="-1">
+                <a:solidFill>
+                  <a:srgbClr val="948A54"/>
+                </a:solidFill>
+                <a:uFill>
+                  <a:solidFill>
+                    <a:srgbClr val="FFFFFF"/>
                   </a:solidFill>
                 </a:uFill>
                 <a:latin typeface="Arial"/>
@@ -5121,13 +5097,13 @@
               <a:t>completed, in progress</a:t>
             </a:r>
             <a:r>
-              <a:rPr b="0" lang="en-US" sz="2800" spc="-1" strike="noStrike">
-                <a:solidFill>
-                  <a:srgbClr val="948a54"/>
-                </a:solidFill>
-                <a:uFill>
-                  <a:solidFill>
-                    <a:srgbClr val="ffffff"/>
+              <a:rPr lang="en-US" sz="2800" b="0" strike="noStrike" spc="-1">
+                <a:solidFill>
+                  <a:srgbClr val="948A54"/>
+                </a:solidFill>
+                <a:uFill>
+                  <a:solidFill>
+                    <a:srgbClr val="FFFFFF"/>
                   </a:solidFill>
                 </a:uFill>
                 <a:latin typeface="Arial"/>
@@ -5136,13 +5112,13 @@
               <a:t>, or </a:t>
             </a:r>
             <a:r>
-              <a:rPr b="1" lang="en-US" sz="2800" spc="-1" strike="noStrike">
-                <a:solidFill>
-                  <a:srgbClr val="948a54"/>
-                </a:solidFill>
-                <a:uFill>
-                  <a:solidFill>
-                    <a:srgbClr val="ffffff"/>
+              <a:rPr lang="en-US" sz="2800" b="1" strike="noStrike" spc="-1">
+                <a:solidFill>
+                  <a:srgbClr val="948A54"/>
+                </a:solidFill>
+                <a:uFill>
+                  <a:solidFill>
+                    <a:srgbClr val="FFFFFF"/>
                   </a:solidFill>
                 </a:uFill>
                 <a:latin typeface="Arial"/>
@@ -5151,13 +5127,13 @@
               <a:t>cancelled</a:t>
             </a:r>
             <a:r>
-              <a:rPr b="0" lang="en-US" sz="2800" spc="-1" strike="noStrike">
-                <a:solidFill>
-                  <a:srgbClr val="948a54"/>
-                </a:solidFill>
-                <a:uFill>
-                  <a:solidFill>
-                    <a:srgbClr val="ffffff"/>
+              <a:rPr lang="en-US" sz="2800" b="0" strike="noStrike" spc="-1">
+                <a:solidFill>
+                  <a:srgbClr val="948A54"/>
+                </a:solidFill>
+                <a:uFill>
+                  <a:solidFill>
+                    <a:srgbClr val="FFFFFF"/>
                   </a:solidFill>
                 </a:uFill>
                 <a:latin typeface="Arial"/>
@@ -5165,13 +5141,13 @@
               </a:rPr>
               <a:t> orders.</a:t>
             </a:r>
-            <a:endParaRPr b="0" lang="en-US" sz="1800" spc="-1" strike="noStrike">
-              <a:solidFill>
-                <a:srgbClr val="000000"/>
-              </a:solidFill>
-              <a:uFill>
-                <a:solidFill>
-                  <a:srgbClr val="ffffff"/>
+            <a:endParaRPr lang="en-US" sz="1800" b="0" strike="noStrike" spc="-1">
+              <a:solidFill>
+                <a:srgbClr val="000000"/>
+              </a:solidFill>
+              <a:uFill>
+                <a:solidFill>
+                  <a:srgbClr val="FFFFFF"/>
                 </a:solidFill>
               </a:uFill>
               <a:latin typeface="Arial"/>
@@ -5183,13 +5159,13 @@
                 <a:spcPct val="90000"/>
               </a:lnSpc>
             </a:pPr>
-            <a:endParaRPr b="0" lang="en-US" sz="1800" spc="-1" strike="noStrike">
-              <a:solidFill>
-                <a:srgbClr val="000000"/>
-              </a:solidFill>
-              <a:uFill>
-                <a:solidFill>
-                  <a:srgbClr val="ffffff"/>
+            <a:endParaRPr lang="en-US" sz="1800" b="0" strike="noStrike" spc="-1">
+              <a:solidFill>
+                <a:srgbClr val="000000"/>
+              </a:solidFill>
+              <a:uFill>
+                <a:solidFill>
+                  <a:srgbClr val="FFFFFF"/>
                 </a:solidFill>
               </a:uFill>
               <a:latin typeface="Arial"/>
@@ -5199,22 +5175,25 @@
       </p:sp>
     </p:spTree>
   </p:cSld>
+  <p:clrMapOvr>
+    <a:masterClrMapping/>
+  </p:clrMapOvr>
   <p:timing>
     <p:tnLst>
       <p:par>
-        <p:cTn id="3" dur="indefinite" restart="never" nodeType="tmRoot">
+        <p:cTn id="1" dur="indefinite" restart="never" nodeType="tmRoot">
           <p:childTnLst>
             <p:seq>
-              <p:cTn id="4" nodeType="mainSeq"/>
+              <p:cTn id="2" nodeType="mainSeq"/>
               <p:prevCondLst>
-                <p:cond delay="0" evt="onPrev">
+                <p:cond evt="onPrev" delay="0">
                   <p:tgtEl>
                     <p:sldTgt/>
                   </p:tgtEl>
                 </p:cond>
               </p:prevCondLst>
               <p:nextCondLst>
-                <p:cond delay="0" evt="onNext">
+                <p:cond evt="onNext" delay="0">
                   <p:tgtEl>
                     <p:sldTgt/>
                   </p:tgtEl>
@@ -5230,7 +5209,7 @@
 </file>
 
 <file path=ppt/slides/slide3.xml><?xml version="1.0" encoding="utf-8"?>
-<p:sld xmlns:a="http://schemas.openxmlformats.org/drawingml/2006/main" xmlns:p="http://schemas.openxmlformats.org/presentationml/2006/main" xmlns:r="http://schemas.openxmlformats.org/officeDocument/2006/relationships" xmlns:p14="http://schemas.microsoft.com/office/powerpoint/2010/main" xmlns:p15="http://schemas.microsoft.com/office/powerpoint/2012/main" xmlns:mc="http://schemas.openxmlformats.org/markup-compatibility/2006">
+<p:sld xmlns:a="http://schemas.openxmlformats.org/drawingml/2006/main" xmlns:r="http://schemas.openxmlformats.org/officeDocument/2006/relationships" xmlns:p="http://schemas.openxmlformats.org/presentationml/2006/main">
   <p:cSld>
     <p:spTree>
       <p:nvGrpSpPr>
@@ -5277,7 +5256,8 @@
           <a:fontRef idx="minor"/>
         </p:style>
         <p:txBody>
-          <a:bodyPr lIns="0" rIns="0" tIns="0" bIns="0"/>
+          <a:bodyPr lIns="0" tIns="0" rIns="0" bIns="0"/>
+          <a:lstStyle/>
           <a:p>
             <a:pPr marL="457200" indent="-456480">
               <a:lnSpc>
@@ -5290,42 +5270,27 @@
               <a:buChar char=""/>
             </a:pPr>
             <a:r>
-              <a:rPr b="0" lang="en-US" sz="3200" spc="-1" strike="noStrike">
+              <a:rPr lang="en-US" sz="3200" b="0" strike="noStrike" spc="-1" dirty="0">
                 <a:solidFill>
                   <a:srgbClr val="953735"/>
                 </a:solidFill>
                 <a:uFill>
                   <a:solidFill>
-                    <a:srgbClr val="ffffff"/>
+                    <a:srgbClr val="FFFFFF"/>
                   </a:solidFill>
                 </a:uFill>
                 <a:latin typeface="Arial"/>
                 <a:ea typeface="DejaVu Sans"/>
               </a:rPr>
-              <a:t>    </a:t>
-            </a:r>
-            <a:r>
-              <a:rPr b="0" lang="en-US" sz="3200" spc="-1" strike="noStrike">
-                <a:solidFill>
-                  <a:srgbClr val="953735"/>
-                </a:solidFill>
-                <a:uFill>
-                  <a:solidFill>
-                    <a:srgbClr val="ffffff"/>
-                  </a:solidFill>
-                </a:uFill>
-                <a:latin typeface="Arial"/>
-                <a:ea typeface="DejaVu Sans"/>
-              </a:rPr>
-              <a:t>Has been ordered?</a:t>
-            </a:r>
-            <a:endParaRPr b="0" lang="en-US" sz="1800" spc="-1" strike="noStrike">
-              <a:solidFill>
-                <a:srgbClr val="000000"/>
-              </a:solidFill>
-              <a:uFill>
-                <a:solidFill>
-                  <a:srgbClr val="ffffff"/>
+              <a:t>    Has been ordered?</a:t>
+            </a:r>
+            <a:endParaRPr lang="en-US" sz="1800" b="0" strike="noStrike" spc="-1" dirty="0">
+              <a:solidFill>
+                <a:srgbClr val="000000"/>
+              </a:solidFill>
+              <a:uFill>
+                <a:solidFill>
+                  <a:srgbClr val="FFFFFF"/>
                 </a:solidFill>
               </a:uFill>
               <a:latin typeface="Arial"/>
@@ -5343,42 +5308,27 @@
               <a:buChar char=""/>
             </a:pPr>
             <a:r>
-              <a:rPr b="0" lang="en-US" sz="3200" spc="-1" strike="noStrike">
+              <a:rPr lang="en-US" sz="3200" b="0" strike="noStrike" spc="-1" dirty="0">
                 <a:solidFill>
                   <a:srgbClr val="953735"/>
                 </a:solidFill>
                 <a:uFill>
                   <a:solidFill>
-                    <a:srgbClr val="ffffff"/>
+                    <a:srgbClr val="FFFFFF"/>
                   </a:solidFill>
                 </a:uFill>
                 <a:latin typeface="Arial"/>
                 <a:ea typeface="DejaVu Sans"/>
               </a:rPr>
-              <a:t>    </a:t>
-            </a:r>
-            <a:r>
-              <a:rPr b="0" lang="en-US" sz="3200" spc="-1" strike="noStrike">
-                <a:solidFill>
-                  <a:srgbClr val="953735"/>
-                </a:solidFill>
-                <a:uFill>
-                  <a:solidFill>
-                    <a:srgbClr val="ffffff"/>
-                  </a:solidFill>
-                </a:uFill>
-                <a:latin typeface="Arial"/>
-                <a:ea typeface="DejaVu Sans"/>
-              </a:rPr>
-              <a:t>Who has ordered?</a:t>
-            </a:r>
-            <a:endParaRPr b="0" lang="en-US" sz="1800" spc="-1" strike="noStrike">
-              <a:solidFill>
-                <a:srgbClr val="000000"/>
-              </a:solidFill>
-              <a:uFill>
-                <a:solidFill>
-                  <a:srgbClr val="ffffff"/>
+              <a:t>    Who has ordered?</a:t>
+            </a:r>
+            <a:endParaRPr lang="en-US" sz="1800" b="0" strike="noStrike" spc="-1" dirty="0">
+              <a:solidFill>
+                <a:srgbClr val="000000"/>
+              </a:solidFill>
+              <a:uFill>
+                <a:solidFill>
+                  <a:srgbClr val="FFFFFF"/>
                 </a:solidFill>
               </a:uFill>
               <a:latin typeface="Arial"/>
@@ -5396,42 +5346,27 @@
               <a:buChar char=""/>
             </a:pPr>
             <a:r>
-              <a:rPr b="0" lang="en-US" sz="3200" spc="-1" strike="noStrike">
+              <a:rPr lang="en-US" sz="3200" b="0" strike="noStrike" spc="-1" dirty="0">
                 <a:solidFill>
                   <a:srgbClr val="953735"/>
                 </a:solidFill>
                 <a:uFill>
                   <a:solidFill>
-                    <a:srgbClr val="ffffff"/>
+                    <a:srgbClr val="FFFFFF"/>
                   </a:solidFill>
                 </a:uFill>
                 <a:latin typeface="Arial"/>
                 <a:ea typeface="DejaVu Sans"/>
               </a:rPr>
-              <a:t>    </a:t>
-            </a:r>
-            <a:r>
-              <a:rPr b="0" lang="en-US" sz="3200" spc="-1" strike="noStrike">
-                <a:solidFill>
-                  <a:srgbClr val="953735"/>
-                </a:solidFill>
-                <a:uFill>
-                  <a:solidFill>
-                    <a:srgbClr val="ffffff"/>
-                  </a:solidFill>
-                </a:uFill>
-                <a:latin typeface="Arial"/>
-                <a:ea typeface="DejaVu Sans"/>
-              </a:rPr>
-              <a:t>For which project work?</a:t>
-            </a:r>
-            <a:endParaRPr b="0" lang="en-US" sz="1800" spc="-1" strike="noStrike">
-              <a:solidFill>
-                <a:srgbClr val="000000"/>
-              </a:solidFill>
-              <a:uFill>
-                <a:solidFill>
-                  <a:srgbClr val="ffffff"/>
+              <a:t>    For which project work?</a:t>
+            </a:r>
+            <a:endParaRPr lang="en-US" sz="1800" b="0" strike="noStrike" spc="-1" dirty="0">
+              <a:solidFill>
+                <a:srgbClr val="000000"/>
+              </a:solidFill>
+              <a:uFill>
+                <a:solidFill>
+                  <a:srgbClr val="FFFFFF"/>
                 </a:solidFill>
               </a:uFill>
               <a:latin typeface="Arial"/>
@@ -5449,42 +5384,27 @@
               <a:buChar char=""/>
             </a:pPr>
             <a:r>
-              <a:rPr b="0" lang="en-US" sz="3200" spc="-1" strike="noStrike">
+              <a:rPr lang="en-US" sz="3200" b="0" strike="noStrike" spc="-1" dirty="0">
                 <a:solidFill>
                   <a:srgbClr val="953735"/>
                 </a:solidFill>
                 <a:uFill>
                   <a:solidFill>
-                    <a:srgbClr val="ffffff"/>
+                    <a:srgbClr val="FFFFFF"/>
                   </a:solidFill>
                 </a:uFill>
                 <a:latin typeface="Arial"/>
                 <a:ea typeface="DejaVu Sans"/>
               </a:rPr>
-              <a:t>    </a:t>
-            </a:r>
-            <a:r>
-              <a:rPr b="0" lang="en-US" sz="3200" spc="-1" strike="noStrike">
-                <a:solidFill>
-                  <a:srgbClr val="953735"/>
-                </a:solidFill>
-                <a:uFill>
-                  <a:solidFill>
-                    <a:srgbClr val="ffffff"/>
-                  </a:solidFill>
-                </a:uFill>
-                <a:latin typeface="Arial"/>
-                <a:ea typeface="DejaVu Sans"/>
-              </a:rPr>
-              <a:t>How many? From where? Why?</a:t>
-            </a:r>
-            <a:endParaRPr b="0" lang="en-US" sz="1800" spc="-1" strike="noStrike">
-              <a:solidFill>
-                <a:srgbClr val="000000"/>
-              </a:solidFill>
-              <a:uFill>
-                <a:solidFill>
-                  <a:srgbClr val="ffffff"/>
+              <a:t>    How many? From where? Why?</a:t>
+            </a:r>
+            <a:endParaRPr lang="en-US" sz="1800" b="0" strike="noStrike" spc="-1" dirty="0">
+              <a:solidFill>
+                <a:srgbClr val="000000"/>
+              </a:solidFill>
+              <a:uFill>
+                <a:solidFill>
+                  <a:srgbClr val="FFFFFF"/>
                 </a:solidFill>
               </a:uFill>
               <a:latin typeface="Arial"/>
@@ -5502,42 +5422,27 @@
               <a:buChar char=""/>
             </a:pPr>
             <a:r>
-              <a:rPr b="0" lang="en-US" sz="3200" spc="-1" strike="noStrike">
+              <a:rPr lang="en-US" sz="3200" b="0" strike="noStrike" spc="-1" dirty="0">
                 <a:solidFill>
                   <a:srgbClr val="953735"/>
                 </a:solidFill>
                 <a:uFill>
                   <a:solidFill>
-                    <a:srgbClr val="ffffff"/>
+                    <a:srgbClr val="FFFFFF"/>
                   </a:solidFill>
                 </a:uFill>
                 <a:latin typeface="Arial"/>
                 <a:ea typeface="DejaVu Sans"/>
               </a:rPr>
-              <a:t>    </a:t>
-            </a:r>
-            <a:r>
-              <a:rPr b="0" lang="en-US" sz="3200" spc="-1" strike="noStrike">
-                <a:solidFill>
-                  <a:srgbClr val="953735"/>
-                </a:solidFill>
-                <a:uFill>
-                  <a:solidFill>
-                    <a:srgbClr val="ffffff"/>
-                  </a:solidFill>
-                </a:uFill>
-                <a:latin typeface="Arial"/>
-                <a:ea typeface="DejaVu Sans"/>
-              </a:rPr>
-              <a:t>What is the cost?</a:t>
-            </a:r>
-            <a:endParaRPr b="0" lang="en-US" sz="1800" spc="-1" strike="noStrike">
-              <a:solidFill>
-                <a:srgbClr val="000000"/>
-              </a:solidFill>
-              <a:uFill>
-                <a:solidFill>
-                  <a:srgbClr val="ffffff"/>
+              <a:t>    What is the cost?</a:t>
+            </a:r>
+            <a:endParaRPr lang="en-US" sz="1800" b="0" strike="noStrike" spc="-1" dirty="0">
+              <a:solidFill>
+                <a:srgbClr val="000000"/>
+              </a:solidFill>
+              <a:uFill>
+                <a:solidFill>
+                  <a:srgbClr val="FFFFFF"/>
                 </a:solidFill>
               </a:uFill>
               <a:latin typeface="Arial"/>
@@ -5555,42 +5460,57 @@
               <a:buChar char=""/>
             </a:pPr>
             <a:r>
-              <a:rPr b="0" lang="en-US" sz="3200" spc="-1" strike="noStrike">
+              <a:rPr lang="en-US" sz="3200" b="0" strike="noStrike" spc="-1" dirty="0">
                 <a:solidFill>
                   <a:srgbClr val="953735"/>
                 </a:solidFill>
                 <a:uFill>
                   <a:solidFill>
-                    <a:srgbClr val="ffffff"/>
+                    <a:srgbClr val="FFFFFF"/>
                   </a:solidFill>
                 </a:uFill>
                 <a:latin typeface="Arial"/>
                 <a:ea typeface="DejaVu Sans"/>
               </a:rPr>
-              <a:t>    </a:t>
-            </a:r>
-            <a:r>
-              <a:rPr b="0" lang="en-US" sz="3200" spc="-1" strike="noStrike">
+              <a:t>    How long will it take to arrive on place? </a:t>
+            </a:r>
+            <a:r>
+              <a:rPr lang="en-US" sz="3200" b="0" strike="noStrike" spc="-1" dirty="0" err="1">
                 <a:solidFill>
                   <a:srgbClr val="953735"/>
                 </a:solidFill>
                 <a:uFill>
                   <a:solidFill>
-                    <a:srgbClr val="ffffff"/>
+                    <a:srgbClr val="FFFFFF"/>
                   </a:solidFill>
                 </a:uFill>
                 <a:latin typeface="Arial"/>
                 <a:ea typeface="DejaVu Sans"/>
               </a:rPr>
-              <a:t>How long will it take to arrive on place? Etc…</a:t>
-            </a:r>
-            <a:endParaRPr b="0" lang="en-US" sz="1800" spc="-1" strike="noStrike">
-              <a:solidFill>
-                <a:srgbClr val="000000"/>
-              </a:solidFill>
-              <a:uFill>
-                <a:solidFill>
-                  <a:srgbClr val="ffffff"/>
+              <a:t>Etc</a:t>
+            </a:r>
+            <a:r>
+              <a:rPr lang="en-US" sz="3200" b="0" strike="noStrike" spc="-1" dirty="0">
+                <a:solidFill>
+                  <a:srgbClr val="953735"/>
+                </a:solidFill>
+                <a:uFill>
+                  <a:solidFill>
+                    <a:srgbClr val="FFFFFF"/>
+                  </a:solidFill>
+                </a:uFill>
+                <a:latin typeface="Arial"/>
+                <a:ea typeface="DejaVu Sans"/>
+              </a:rPr>
+              <a:t>…</a:t>
+            </a:r>
+            <a:endParaRPr lang="en-US" sz="1800" b="0" strike="noStrike" spc="-1" dirty="0">
+              <a:solidFill>
+                <a:srgbClr val="000000"/>
+              </a:solidFill>
+              <a:uFill>
+                <a:solidFill>
+                  <a:srgbClr val="FFFFFF"/>
                 </a:solidFill>
               </a:uFill>
               <a:latin typeface="Arial"/>
@@ -5602,13 +5522,13 @@
                 <a:spcPct val="100000"/>
               </a:lnSpc>
             </a:pPr>
-            <a:endParaRPr b="0" lang="en-US" sz="1800" spc="-1" strike="noStrike">
-              <a:solidFill>
-                <a:srgbClr val="000000"/>
-              </a:solidFill>
-              <a:uFill>
-                <a:solidFill>
-                  <a:srgbClr val="ffffff"/>
+            <a:endParaRPr lang="en-US" sz="1800" b="0" strike="noStrike" spc="-1" dirty="0">
+              <a:solidFill>
+                <a:srgbClr val="000000"/>
+              </a:solidFill>
+              <a:uFill>
+                <a:solidFill>
+                  <a:srgbClr val="FFFFFF"/>
                 </a:solidFill>
               </a:uFill>
               <a:latin typeface="Arial"/>
@@ -5621,13 +5541,13 @@
               </a:lnSpc>
             </a:pPr>
             <a:r>
-              <a:rPr b="0" lang="en-US" sz="1800" spc="-1" strike="noStrike">
+              <a:rPr lang="en-US" sz="1800" b="0" strike="noStrike" spc="-1" dirty="0">
                 <a:solidFill>
                   <a:srgbClr val="000000"/>
                 </a:solidFill>
                 <a:uFill>
                   <a:solidFill>
-                    <a:srgbClr val="ffffff"/>
+                    <a:srgbClr val="FFFFFF"/>
                   </a:solidFill>
                 </a:uFill>
                 <a:latin typeface="Arial"/>
@@ -5636,13 +5556,13 @@
               <a:t>	</a:t>
             </a:r>
             <a:r>
-              <a:rPr b="0" lang="en-US" sz="2800" spc="-1" strike="noStrike">
-                <a:solidFill>
-                  <a:srgbClr val="ff0000"/>
-                </a:solidFill>
-                <a:uFill>
-                  <a:solidFill>
-                    <a:srgbClr val="ffffff"/>
+              <a:rPr lang="en-US" sz="2800" b="0" strike="noStrike" spc="-1" dirty="0">
+                <a:solidFill>
+                  <a:srgbClr val="FF0000"/>
+                </a:solidFill>
+                <a:uFill>
+                  <a:solidFill>
+                    <a:srgbClr val="FFFFFF"/>
                   </a:solidFill>
                 </a:uFill>
                 <a:latin typeface="Arial"/>
@@ -5650,13 +5570,13 @@
               </a:rPr>
               <a:t>Regardless of the number of submitted orders, the processing consumes time and resources.</a:t>
             </a:r>
-            <a:endParaRPr b="0" lang="en-US" sz="1800" spc="-1" strike="noStrike">
-              <a:solidFill>
-                <a:srgbClr val="000000"/>
-              </a:solidFill>
-              <a:uFill>
-                <a:solidFill>
-                  <a:srgbClr val="ffffff"/>
+            <a:endParaRPr lang="en-US" sz="1800" b="0" strike="noStrike" spc="-1" dirty="0">
+              <a:solidFill>
+                <a:srgbClr val="000000"/>
+              </a:solidFill>
+              <a:uFill>
+                <a:solidFill>
+                  <a:srgbClr val="FFFFFF"/>
                 </a:solidFill>
               </a:uFill>
               <a:latin typeface="Arial"/>
@@ -5669,13 +5589,13 @@
               </a:lnSpc>
             </a:pPr>
             <a:r>
-              <a:rPr b="0" lang="en-US" sz="3200" spc="-1" strike="noStrike">
+              <a:rPr lang="en-US" sz="3200" b="0" strike="noStrike" spc="-1" dirty="0">
                 <a:solidFill>
                   <a:srgbClr val="953735"/>
                 </a:solidFill>
                 <a:uFill>
                   <a:solidFill>
-                    <a:srgbClr val="ffffff"/>
+                    <a:srgbClr val="FFFFFF"/>
                   </a:solidFill>
                 </a:uFill>
                 <a:latin typeface="Arial"/>
@@ -5683,13 +5603,13 @@
               </a:rPr>
               <a:t>	</a:t>
             </a:r>
-            <a:endParaRPr b="0" lang="en-US" sz="1800" spc="-1" strike="noStrike">
-              <a:solidFill>
-                <a:srgbClr val="000000"/>
-              </a:solidFill>
-              <a:uFill>
-                <a:solidFill>
-                  <a:srgbClr val="ffffff"/>
+            <a:endParaRPr lang="en-US" sz="1800" b="0" strike="noStrike" spc="-1" dirty="0">
+              <a:solidFill>
+                <a:srgbClr val="000000"/>
+              </a:solidFill>
+              <a:uFill>
+                <a:solidFill>
+                  <a:srgbClr val="FFFFFF"/>
                 </a:solidFill>
               </a:uFill>
               <a:latin typeface="Arial"/>
@@ -5702,13 +5622,13 @@
               </a:lnSpc>
             </a:pPr>
             <a:r>
-              <a:rPr b="1" lang="en-US" sz="2800" spc="-1" strike="noStrike">
+              <a:rPr lang="en-US" sz="2800" b="1" strike="noStrike" spc="-1" dirty="0">
                 <a:solidFill>
                   <a:srgbClr val="953735"/>
                 </a:solidFill>
                 <a:uFill>
                   <a:solidFill>
-                    <a:srgbClr val="ffffff"/>
+                    <a:srgbClr val="FFFFFF"/>
                   </a:solidFill>
                 </a:uFill>
                 <a:latin typeface="Arial"/>
@@ -5717,162 +5637,27 @@
               <a:t>	</a:t>
             </a:r>
             <a:r>
-              <a:rPr b="1" lang="en-US" sz="2600" spc="-1" strike="noStrike">
+              <a:rPr lang="en-US" sz="2600" b="1" strike="noStrike" spc="-1" dirty="0">
                 <a:solidFill>
                   <a:srgbClr val="984807"/>
                 </a:solidFill>
                 <a:uFill>
                   <a:solidFill>
-                    <a:srgbClr val="ffffff"/>
+                    <a:srgbClr val="FFFFFF"/>
                   </a:solidFill>
                 </a:uFill>
                 <a:latin typeface="Arial"/>
                 <a:ea typeface="DejaVu Sans"/>
               </a:rPr>
-              <a:t>If conducted in a traditional way relying on the use of </a:t>
-            </a:r>
-            <a:r>
-              <a:rPr b="1" lang="en-US" sz="2600" spc="-1" strike="noStrike">
-                <a:solidFill>
-                  <a:srgbClr val="984807"/>
-                </a:solidFill>
-                <a:uFill>
-                  <a:solidFill>
-                    <a:srgbClr val="ffffff"/>
-                  </a:solidFill>
-                </a:uFill>
-                <a:latin typeface="Arial"/>
-                <a:ea typeface="DejaVu Sans"/>
-              </a:rPr>
-              <a:t>	</a:t>
-            </a:r>
-            <a:r>
-              <a:rPr b="1" lang="en-US" sz="2600" spc="-1" strike="noStrike">
-                <a:solidFill>
-                  <a:srgbClr val="984807"/>
-                </a:solidFill>
-                <a:uFill>
-                  <a:solidFill>
-                    <a:srgbClr val="ffffff"/>
-                  </a:solidFill>
-                </a:uFill>
-                <a:latin typeface="Arial"/>
-                <a:ea typeface="DejaVu Sans"/>
-              </a:rPr>
-              <a:t>	</a:t>
-            </a:r>
-            <a:r>
-              <a:rPr b="1" lang="en-US" sz="2600" spc="-1" strike="noStrike">
-                <a:solidFill>
-                  <a:srgbClr val="984807"/>
-                </a:solidFill>
-                <a:uFill>
-                  <a:solidFill>
-                    <a:srgbClr val="ffffff"/>
-                  </a:solidFill>
-                </a:uFill>
-                <a:latin typeface="Arial"/>
-                <a:ea typeface="DejaVu Sans"/>
-              </a:rPr>
-              <a:t>paper documents. This application has a simple yet </a:t>
-            </a:r>
-            <a:r>
-              <a:rPr b="1" lang="en-US" sz="2600" spc="-1" strike="noStrike">
-                <a:solidFill>
-                  <a:srgbClr val="984807"/>
-                </a:solidFill>
-                <a:uFill>
-                  <a:solidFill>
-                    <a:srgbClr val="ffffff"/>
-                  </a:solidFill>
-                </a:uFill>
-                <a:latin typeface="Arial"/>
-                <a:ea typeface="DejaVu Sans"/>
-              </a:rPr>
-              <a:t>	</a:t>
-            </a:r>
-            <a:r>
-              <a:rPr b="1" lang="en-US" sz="2600" spc="-1" strike="noStrike">
-                <a:solidFill>
-                  <a:srgbClr val="984807"/>
-                </a:solidFill>
-                <a:uFill>
-                  <a:solidFill>
-                    <a:srgbClr val="ffffff"/>
-                  </a:solidFill>
-                </a:uFill>
-                <a:latin typeface="Arial"/>
-                <a:ea typeface="DejaVu Sans"/>
-              </a:rPr>
-              <a:t>	</a:t>
-            </a:r>
-            <a:r>
-              <a:rPr b="1" lang="en-US" sz="2600" spc="-1" strike="noStrike">
-                <a:solidFill>
-                  <a:srgbClr val="984807"/>
-                </a:solidFill>
-                <a:uFill>
-                  <a:solidFill>
-                    <a:srgbClr val="ffffff"/>
-                  </a:solidFill>
-                </a:uFill>
-                <a:latin typeface="Arial"/>
-                <a:ea typeface="DejaVu Sans"/>
-              </a:rPr>
-              <a:t>	</a:t>
-            </a:r>
-            <a:r>
-              <a:rPr b="1" lang="en-US" sz="2600" spc="-1" strike="noStrike">
-                <a:solidFill>
-                  <a:srgbClr val="984807"/>
-                </a:solidFill>
-                <a:uFill>
-                  <a:solidFill>
-                    <a:srgbClr val="ffffff"/>
-                  </a:solidFill>
-                </a:uFill>
-                <a:latin typeface="Arial"/>
-                <a:ea typeface="DejaVu Sans"/>
-              </a:rPr>
-              <a:t>powerful solution to this problem – The Order Processing</a:t>
-            </a:r>
-            <a:r>
-              <a:rPr b="1" lang="en-US" sz="2600" spc="-1" strike="noStrike">
-                <a:solidFill>
-                  <a:srgbClr val="984807"/>
-                </a:solidFill>
-                <a:uFill>
-                  <a:solidFill>
-                    <a:srgbClr val="ffffff"/>
-                  </a:solidFill>
-                </a:uFill>
-                <a:latin typeface="Arial"/>
-                <a:ea typeface="DejaVu Sans"/>
-              </a:rPr>
-              <a:t>	</a:t>
-            </a:r>
-            <a:r>
-              <a:rPr b="1" lang="en-US" sz="2600" spc="-1" strike="noStrike">
-                <a:solidFill>
-                  <a:srgbClr val="984807"/>
-                </a:solidFill>
-                <a:uFill>
-                  <a:solidFill>
-                    <a:srgbClr val="ffffff"/>
-                  </a:solidFill>
-                </a:uFill>
-                <a:latin typeface="Arial"/>
-                <a:ea typeface="DejaVu Sans"/>
-              </a:rPr>
-              <a:t> application.</a:t>
-            </a:r>
-            <a:endParaRPr b="0" lang="en-US" sz="1800" spc="-1" strike="noStrike">
-              <a:solidFill>
-                <a:srgbClr val="000000"/>
-              </a:solidFill>
-              <a:uFill>
-                <a:solidFill>
-                  <a:srgbClr val="ffffff"/>
+              <a:t>If conducted in a traditional way relying on the use of 		paper documents. This application has a simple yet 			powerful solution to this problem – The Order Processing	 application.</a:t>
+            </a:r>
+            <a:endParaRPr lang="en-US" sz="1800" b="0" strike="noStrike" spc="-1" dirty="0">
+              <a:solidFill>
+                <a:srgbClr val="000000"/>
+              </a:solidFill>
+              <a:uFill>
+                <a:solidFill>
+                  <a:srgbClr val="FFFFFF"/>
                 </a:solidFill>
               </a:uFill>
               <a:latin typeface="Arial"/>
@@ -5882,22 +5667,25 @@
       </p:sp>
     </p:spTree>
   </p:cSld>
+  <p:clrMapOvr>
+    <a:masterClrMapping/>
+  </p:clrMapOvr>
   <p:timing>
     <p:tnLst>
       <p:par>
-        <p:cTn id="5" dur="indefinite" restart="never" nodeType="tmRoot">
+        <p:cTn id="1" dur="indefinite" restart="never" nodeType="tmRoot">
           <p:childTnLst>
             <p:seq>
-              <p:cTn id="6" nodeType="mainSeq"/>
+              <p:cTn id="2" nodeType="mainSeq"/>
               <p:prevCondLst>
-                <p:cond delay="0" evt="onPrev">
+                <p:cond evt="onPrev" delay="0">
                   <p:tgtEl>
                     <p:sldTgt/>
                   </p:tgtEl>
                 </p:cond>
               </p:prevCondLst>
               <p:nextCondLst>
-                <p:cond delay="0" evt="onNext">
+                <p:cond evt="onNext" delay="0">
                   <p:tgtEl>
                     <p:sldTgt/>
                   </p:tgtEl>
@@ -5913,7 +5701,7 @@
 </file>
 
 <file path=ppt/slides/slide4.xml><?xml version="1.0" encoding="utf-8"?>
-<p:sld xmlns:a="http://schemas.openxmlformats.org/drawingml/2006/main" xmlns:p="http://schemas.openxmlformats.org/presentationml/2006/main" xmlns:r="http://schemas.openxmlformats.org/officeDocument/2006/relationships" xmlns:p14="http://schemas.microsoft.com/office/powerpoint/2010/main" xmlns:p15="http://schemas.microsoft.com/office/powerpoint/2012/main" xmlns:mc="http://schemas.openxmlformats.org/markup-compatibility/2006">
+<p:sld xmlns:a="http://schemas.openxmlformats.org/drawingml/2006/main" xmlns:r="http://schemas.openxmlformats.org/officeDocument/2006/relationships" xmlns:p="http://schemas.openxmlformats.org/presentationml/2006/main">
   <p:cSld>
     <p:spTree>
       <p:nvGrpSpPr>
@@ -5949,13 +5737,20 @@
           </a:ln>
         </p:spPr>
         <p:style>
-          <a:lnRef idx="0"/>
-          <a:fillRef idx="0"/>
-          <a:effectRef idx="0"/>
+          <a:lnRef idx="0">
+            <a:scrgbClr r="0" g="0" b="0"/>
+          </a:lnRef>
+          <a:fillRef idx="0">
+            <a:scrgbClr r="0" g="0" b="0"/>
+          </a:fillRef>
+          <a:effectRef idx="0">
+            <a:scrgbClr r="0" g="0" b="0"/>
+          </a:effectRef>
           <a:fontRef idx="minor"/>
         </p:style>
         <p:txBody>
-          <a:bodyPr lIns="0" rIns="0" tIns="0" bIns="0" anchor="ctr"/>
+          <a:bodyPr lIns="0" tIns="0" rIns="0" bIns="0" anchor="ctr"/>
+          <a:lstStyle/>
           <a:p>
             <a:pPr>
               <a:lnSpc>
@@ -5963,13 +5758,13 @@
               </a:lnSpc>
             </a:pPr>
             <a:r>
-              <a:rPr b="1" lang="en-US" sz="3200" spc="-1" strike="noStrike">
-                <a:solidFill>
-                  <a:srgbClr val="ff0000"/>
-                </a:solidFill>
-                <a:uFill>
-                  <a:solidFill>
-                    <a:srgbClr val="ffffff"/>
+              <a:rPr lang="en-US" sz="3200" b="1" strike="noStrike" spc="-1">
+                <a:solidFill>
+                  <a:srgbClr val="FF0000"/>
+                </a:solidFill>
+                <a:uFill>
+                  <a:solidFill>
+                    <a:srgbClr val="FFFFFF"/>
                   </a:solidFill>
                 </a:uFill>
                 <a:latin typeface="Arial"/>
@@ -5977,13 +5772,13 @@
               </a:rPr>
               <a:t>Why it is important to develop a system to solve this question?</a:t>
             </a:r>
-            <a:endParaRPr b="0" lang="en-US" sz="1800" spc="-1" strike="noStrike">
-              <a:solidFill>
-                <a:srgbClr val="000000"/>
-              </a:solidFill>
-              <a:uFill>
-                <a:solidFill>
-                  <a:srgbClr val="ffffff"/>
+            <a:endParaRPr lang="en-US" sz="1800" b="0" strike="noStrike" spc="-1">
+              <a:solidFill>
+                <a:srgbClr val="000000"/>
+              </a:solidFill>
+              <a:uFill>
+                <a:solidFill>
+                  <a:srgbClr val="FFFFFF"/>
                 </a:solidFill>
               </a:uFill>
               <a:latin typeface="Arial"/>
@@ -6011,13 +5806,20 @@
           </a:ln>
         </p:spPr>
         <p:style>
-          <a:lnRef idx="0"/>
-          <a:fillRef idx="0"/>
-          <a:effectRef idx="0"/>
+          <a:lnRef idx="0">
+            <a:scrgbClr r="0" g="0" b="0"/>
+          </a:lnRef>
+          <a:fillRef idx="0">
+            <a:scrgbClr r="0" g="0" b="0"/>
+          </a:fillRef>
+          <a:effectRef idx="0">
+            <a:scrgbClr r="0" g="0" b="0"/>
+          </a:effectRef>
           <a:fontRef idx="minor"/>
         </p:style>
         <p:txBody>
-          <a:bodyPr lIns="0" rIns="0" tIns="0" bIns="0"/>
+          <a:bodyPr lIns="0" tIns="0" rIns="0" bIns="0"/>
+          <a:lstStyle/>
           <a:p>
             <a:pPr>
               <a:lnSpc>
@@ -6025,13 +5827,13 @@
               </a:lnSpc>
             </a:pPr>
             <a:r>
-              <a:rPr b="0" lang="en-US" sz="2400" spc="-1" strike="noStrike">
+              <a:rPr lang="en-US" sz="2400" b="0" strike="noStrike" spc="-1">
                 <a:solidFill>
                   <a:srgbClr val="595959"/>
                 </a:solidFill>
                 <a:uFill>
                   <a:solidFill>
-                    <a:srgbClr val="ffffff"/>
+                    <a:srgbClr val="FFFFFF"/>
                   </a:solidFill>
                 </a:uFill>
                 <a:latin typeface="Arial"/>
@@ -6040,13 +5842,13 @@
               <a:t>	</a:t>
             </a:r>
             <a:r>
-              <a:rPr b="0" lang="en-US" sz="2000" spc="-1" strike="noStrike">
+              <a:rPr lang="en-US" sz="2000" b="0" strike="noStrike" spc="-1">
                 <a:solidFill>
                   <a:srgbClr val="595959"/>
                 </a:solidFill>
                 <a:uFill>
                   <a:solidFill>
-                    <a:srgbClr val="ffffff"/>
+                    <a:srgbClr val="FFFFFF"/>
                   </a:solidFill>
                 </a:uFill>
                 <a:latin typeface="Arial"/>
@@ -6054,13 +5856,13 @@
               </a:rPr>
               <a:t>The implementation of the Order Processing application offers many benefits to businesses. Most of all, it shortens the time of the order approval process by sending email reminders to the persons in charge of the order approval. Also a person can track the order by him or herself. An automatically updated categorized product list makes searching and selecting products much easier. It is a great time saver – it automatically sends generated orders to the vendors and simultaneously eliminates mistakes in quantities of ordered products. A feature of order status monitoring helps to keep track and control order progress.</a:t>
             </a:r>
-            <a:endParaRPr b="0" lang="en-US" sz="1800" spc="-1" strike="noStrike">
-              <a:solidFill>
-                <a:srgbClr val="000000"/>
-              </a:solidFill>
-              <a:uFill>
-                <a:solidFill>
-                  <a:srgbClr val="ffffff"/>
+            <a:endParaRPr lang="en-US" sz="1800" b="0" strike="noStrike" spc="-1">
+              <a:solidFill>
+                <a:srgbClr val="000000"/>
+              </a:solidFill>
+              <a:uFill>
+                <a:solidFill>
+                  <a:srgbClr val="FFFFFF"/>
                 </a:solidFill>
               </a:uFill>
               <a:latin typeface="Arial"/>
@@ -6072,13 +5874,13 @@
                 <a:spcPct val="100000"/>
               </a:lnSpc>
             </a:pPr>
-            <a:endParaRPr b="0" lang="en-US" sz="1800" spc="-1" strike="noStrike">
-              <a:solidFill>
-                <a:srgbClr val="000000"/>
-              </a:solidFill>
-              <a:uFill>
-                <a:solidFill>
-                  <a:srgbClr val="ffffff"/>
+            <a:endParaRPr lang="en-US" sz="1800" b="0" strike="noStrike" spc="-1">
+              <a:solidFill>
+                <a:srgbClr val="000000"/>
+              </a:solidFill>
+              <a:uFill>
+                <a:solidFill>
+                  <a:srgbClr val="FFFFFF"/>
                 </a:solidFill>
               </a:uFill>
               <a:latin typeface="Arial"/>
@@ -6096,13 +5898,13 @@
               <a:buChar char="•"/>
             </a:pPr>
             <a:r>
-              <a:rPr b="0" lang="en-US" sz="2400" spc="-1" strike="noStrike">
+              <a:rPr lang="en-US" sz="2400" b="0" strike="noStrike" spc="-1">
                 <a:solidFill>
                   <a:srgbClr val="595959"/>
                 </a:solidFill>
                 <a:uFill>
                   <a:solidFill>
-                    <a:srgbClr val="ffffff"/>
+                    <a:srgbClr val="FFFFFF"/>
                   </a:solidFill>
                 </a:uFill>
                 <a:latin typeface="Arial"/>
@@ -6110,13 +5912,13 @@
               </a:rPr>
               <a:t>It is easy to calculate cost of expense for each project or department.</a:t>
             </a:r>
-            <a:endParaRPr b="0" lang="en-US" sz="1800" spc="-1" strike="noStrike">
-              <a:solidFill>
-                <a:srgbClr val="000000"/>
-              </a:solidFill>
-              <a:uFill>
-                <a:solidFill>
-                  <a:srgbClr val="ffffff"/>
+            <a:endParaRPr lang="en-US" sz="1800" b="0" strike="noStrike" spc="-1">
+              <a:solidFill>
+                <a:srgbClr val="000000"/>
+              </a:solidFill>
+              <a:uFill>
+                <a:solidFill>
+                  <a:srgbClr val="FFFFFF"/>
                 </a:solidFill>
               </a:uFill>
               <a:latin typeface="Arial"/>
@@ -6134,13 +5936,13 @@
               <a:buChar char="•"/>
             </a:pPr>
             <a:r>
-              <a:rPr b="0" lang="en-US" sz="2400" spc="-1" strike="noStrike">
+              <a:rPr lang="en-US" sz="2400" b="0" strike="noStrike" spc="-1">
                 <a:solidFill>
                   <a:srgbClr val="595959"/>
                 </a:solidFill>
                 <a:uFill>
                   <a:solidFill>
-                    <a:srgbClr val="ffffff"/>
+                    <a:srgbClr val="FFFFFF"/>
                   </a:solidFill>
                 </a:uFill>
                 <a:latin typeface="Arial"/>
@@ -6148,13 +5950,13 @@
               </a:rPr>
               <a:t>stops unnecessary items order from department</a:t>
             </a:r>
-            <a:endParaRPr b="0" lang="en-US" sz="1800" spc="-1" strike="noStrike">
-              <a:solidFill>
-                <a:srgbClr val="000000"/>
-              </a:solidFill>
-              <a:uFill>
-                <a:solidFill>
-                  <a:srgbClr val="ffffff"/>
+            <a:endParaRPr lang="en-US" sz="1800" b="0" strike="noStrike" spc="-1">
+              <a:solidFill>
+                <a:srgbClr val="000000"/>
+              </a:solidFill>
+              <a:uFill>
+                <a:solidFill>
+                  <a:srgbClr val="FFFFFF"/>
                 </a:solidFill>
               </a:uFill>
               <a:latin typeface="Arial"/>
@@ -6172,13 +5974,13 @@
               <a:buChar char="•"/>
             </a:pPr>
             <a:r>
-              <a:rPr b="0" lang="en-US" sz="2400" spc="-1" strike="noStrike">
+              <a:rPr lang="en-US" sz="2400" b="0" strike="noStrike" spc="-1">
                 <a:solidFill>
                   <a:srgbClr val="595959"/>
                 </a:solidFill>
                 <a:uFill>
                   <a:solidFill>
-                    <a:srgbClr val="ffffff"/>
+                    <a:srgbClr val="FFFFFF"/>
                   </a:solidFill>
                 </a:uFill>
                 <a:latin typeface="Arial"/>
@@ -6186,13 +5988,13 @@
               </a:rPr>
               <a:t>company don't need to provide financial account information to every department. </a:t>
             </a:r>
-            <a:endParaRPr b="0" lang="en-US" sz="1800" spc="-1" strike="noStrike">
-              <a:solidFill>
-                <a:srgbClr val="000000"/>
-              </a:solidFill>
-              <a:uFill>
-                <a:solidFill>
-                  <a:srgbClr val="ffffff"/>
+            <a:endParaRPr lang="en-US" sz="1800" b="0" strike="noStrike" spc="-1">
+              <a:solidFill>
+                <a:srgbClr val="000000"/>
+              </a:solidFill>
+              <a:uFill>
+                <a:solidFill>
+                  <a:srgbClr val="FFFFFF"/>
                 </a:solidFill>
               </a:uFill>
               <a:latin typeface="Arial"/>
@@ -6204,13 +6006,13 @@
                 <a:spcPct val="100000"/>
               </a:lnSpc>
             </a:pPr>
-            <a:endParaRPr b="0" lang="en-US" sz="1800" spc="-1" strike="noStrike">
-              <a:solidFill>
-                <a:srgbClr val="000000"/>
-              </a:solidFill>
-              <a:uFill>
-                <a:solidFill>
-                  <a:srgbClr val="ffffff"/>
+            <a:endParaRPr lang="en-US" sz="1800" b="0" strike="noStrike" spc="-1">
+              <a:solidFill>
+                <a:srgbClr val="000000"/>
+              </a:solidFill>
+              <a:uFill>
+                <a:solidFill>
+                  <a:srgbClr val="FFFFFF"/>
                 </a:solidFill>
               </a:uFill>
               <a:latin typeface="Arial"/>
@@ -6222,13 +6024,13 @@
                 <a:spcPct val="100000"/>
               </a:lnSpc>
             </a:pPr>
-            <a:endParaRPr b="0" lang="en-US" sz="1800" spc="-1" strike="noStrike">
-              <a:solidFill>
-                <a:srgbClr val="000000"/>
-              </a:solidFill>
-              <a:uFill>
-                <a:solidFill>
-                  <a:srgbClr val="ffffff"/>
+            <a:endParaRPr lang="en-US" sz="1800" b="0" strike="noStrike" spc="-1">
+              <a:solidFill>
+                <a:srgbClr val="000000"/>
+              </a:solidFill>
+              <a:uFill>
+                <a:solidFill>
+                  <a:srgbClr val="FFFFFF"/>
                 </a:solidFill>
               </a:uFill>
               <a:latin typeface="Arial"/>
@@ -6238,22 +6040,25 @@
       </p:sp>
     </p:spTree>
   </p:cSld>
+  <p:clrMapOvr>
+    <a:masterClrMapping/>
+  </p:clrMapOvr>
   <p:timing>
     <p:tnLst>
       <p:par>
-        <p:cTn id="7" dur="indefinite" restart="never" nodeType="tmRoot">
+        <p:cTn id="1" dur="indefinite" restart="never" nodeType="tmRoot">
           <p:childTnLst>
             <p:seq>
-              <p:cTn id="8" nodeType="mainSeq"/>
+              <p:cTn id="2" nodeType="mainSeq"/>
               <p:prevCondLst>
-                <p:cond delay="0" evt="onPrev">
+                <p:cond evt="onPrev" delay="0">
                   <p:tgtEl>
                     <p:sldTgt/>
                   </p:tgtEl>
                 </p:cond>
               </p:prevCondLst>
               <p:nextCondLst>
-                <p:cond delay="0" evt="onNext">
+                <p:cond evt="onNext" delay="0">
                   <p:tgtEl>
                     <p:sldTgt/>
                   </p:tgtEl>
@@ -6269,7 +6074,7 @@
 </file>
 
 <file path=ppt/slides/slide5.xml><?xml version="1.0" encoding="utf-8"?>
-<p:sld xmlns:a="http://schemas.openxmlformats.org/drawingml/2006/main" xmlns:p="http://schemas.openxmlformats.org/presentationml/2006/main" xmlns:r="http://schemas.openxmlformats.org/officeDocument/2006/relationships" xmlns:p14="http://schemas.microsoft.com/office/powerpoint/2010/main" xmlns:p15="http://schemas.microsoft.com/office/powerpoint/2012/main" xmlns:mc="http://schemas.openxmlformats.org/markup-compatibility/2006">
+<p:sld xmlns:a="http://schemas.openxmlformats.org/drawingml/2006/main" xmlns:r="http://schemas.openxmlformats.org/officeDocument/2006/relationships" xmlns:p="http://schemas.openxmlformats.org/presentationml/2006/main">
   <p:cSld>
     <p:spTree>
       <p:nvGrpSpPr>
@@ -6305,13 +6110,20 @@
           </a:ln>
         </p:spPr>
         <p:style>
-          <a:lnRef idx="0"/>
-          <a:fillRef idx="0"/>
-          <a:effectRef idx="0"/>
+          <a:lnRef idx="0">
+            <a:scrgbClr r="0" g="0" b="0"/>
+          </a:lnRef>
+          <a:fillRef idx="0">
+            <a:scrgbClr r="0" g="0" b="0"/>
+          </a:fillRef>
+          <a:effectRef idx="0">
+            <a:scrgbClr r="0" g="0" b="0"/>
+          </a:effectRef>
           <a:fontRef idx="minor"/>
         </p:style>
         <p:txBody>
-          <a:bodyPr lIns="0" rIns="0" tIns="0" bIns="0" anchor="ctr"/>
+          <a:bodyPr lIns="0" tIns="0" rIns="0" bIns="0" anchor="ctr"/>
+          <a:lstStyle/>
           <a:p>
             <a:pPr algn="ctr">
               <a:lnSpc>
@@ -6319,13 +6131,13 @@
               </a:lnSpc>
             </a:pPr>
             <a:r>
-              <a:rPr b="0" lang="en-US" sz="4400" spc="-1" strike="noStrike">
+              <a:rPr lang="en-US" sz="4400" b="0" strike="noStrike" spc="-1">
                 <a:solidFill>
                   <a:srgbClr val="000000"/>
                 </a:solidFill>
                 <a:uFill>
                   <a:solidFill>
-                    <a:srgbClr val="ffffff"/>
+                    <a:srgbClr val="FFFFFF"/>
                   </a:solidFill>
                 </a:uFill>
                 <a:latin typeface="Arial"/>
@@ -6333,13 +6145,13 @@
               </a:rPr>
               <a:t>Related Work</a:t>
             </a:r>
-            <a:endParaRPr b="0" lang="en-US" sz="1800" spc="-1" strike="noStrike">
-              <a:solidFill>
-                <a:srgbClr val="000000"/>
-              </a:solidFill>
-              <a:uFill>
-                <a:solidFill>
-                  <a:srgbClr val="ffffff"/>
+            <a:endParaRPr lang="en-US" sz="1800" b="0" strike="noStrike" spc="-1">
+              <a:solidFill>
+                <a:srgbClr val="000000"/>
+              </a:solidFill>
+              <a:uFill>
+                <a:solidFill>
+                  <a:srgbClr val="FFFFFF"/>
                 </a:solidFill>
               </a:uFill>
               <a:latin typeface="Arial"/>
@@ -6367,30 +6179,262 @@
           </a:ln>
         </p:spPr>
         <p:style>
-          <a:lnRef idx="0"/>
-          <a:fillRef idx="0"/>
-          <a:effectRef idx="0"/>
+          <a:lnRef idx="0">
+            <a:scrgbClr r="0" g="0" b="0"/>
+          </a:lnRef>
+          <a:fillRef idx="0">
+            <a:scrgbClr r="0" g="0" b="0"/>
+          </a:fillRef>
+          <a:effectRef idx="0">
+            <a:scrgbClr r="0" g="0" b="0"/>
+          </a:effectRef>
           <a:fontRef idx="minor"/>
         </p:style>
       </p:sp>
+      <p:sp>
+        <p:nvSpPr>
+          <p:cNvPr id="4" name="CustomShape 2"/>
+          <p:cNvSpPr/>
+          <p:nvPr/>
+        </p:nvSpPr>
+        <p:spPr>
+          <a:xfrm>
+            <a:off x="656400" y="1493837"/>
+            <a:ext cx="9070920" cy="5257800"/>
+          </a:xfrm>
+          <a:prstGeom prst="rect">
+            <a:avLst/>
+          </a:prstGeom>
+          <a:noFill/>
+          <a:ln>
+            <a:noFill/>
+          </a:ln>
+        </p:spPr>
+        <p:style>
+          <a:lnRef idx="0">
+            <a:scrgbClr r="0" g="0" b="0"/>
+          </a:lnRef>
+          <a:fillRef idx="0">
+            <a:scrgbClr r="0" g="0" b="0"/>
+          </a:fillRef>
+          <a:effectRef idx="0">
+            <a:scrgbClr r="0" g="0" b="0"/>
+          </a:effectRef>
+          <a:fontRef idx="minor"/>
+        </p:style>
+        <p:txBody>
+          <a:bodyPr lIns="0" tIns="0" rIns="0" bIns="0"/>
+          <a:lstStyle/>
+          <a:p>
+            <a:pPr marL="432000" indent="-323280">
+              <a:lnSpc>
+                <a:spcPct val="100000"/>
+              </a:lnSpc>
+              <a:spcAft>
+                <a:spcPts val="600"/>
+              </a:spcAft>
+              <a:buClr>
+                <a:srgbClr val="000000"/>
+              </a:buClr>
+              <a:buSzPct val="45000"/>
+              <a:buFont typeface="Wingdings" charset="2"/>
+              <a:buChar char=""/>
+            </a:pPr>
+            <a:r>
+              <a:rPr lang="en-US" sz="3200" spc="-1" dirty="0" smtClean="0">
+                <a:solidFill>
+                  <a:srgbClr val="000000"/>
+                </a:solidFill>
+                <a:uFill>
+                  <a:solidFill>
+                    <a:srgbClr val="FFFFFF"/>
+                  </a:solidFill>
+                </a:uFill>
+                <a:latin typeface="Arial"/>
+              </a:rPr>
+              <a:t>There already exist proprietary software systems for order management sold by a variety of companies</a:t>
+            </a:r>
+          </a:p>
+          <a:p>
+            <a:pPr marL="432000" indent="-323280">
+              <a:lnSpc>
+                <a:spcPct val="100000"/>
+              </a:lnSpc>
+              <a:spcAft>
+                <a:spcPts val="600"/>
+              </a:spcAft>
+              <a:buClr>
+                <a:srgbClr val="000000"/>
+              </a:buClr>
+              <a:buSzPct val="45000"/>
+              <a:buFont typeface="Wingdings" charset="2"/>
+              <a:buChar char=""/>
+            </a:pPr>
+            <a:r>
+              <a:rPr lang="en-US" sz="3200" spc="-1" dirty="0" smtClean="0">
+                <a:solidFill>
+                  <a:srgbClr val="000000"/>
+                </a:solidFill>
+                <a:uFill>
+                  <a:solidFill>
+                    <a:srgbClr val="FFFFFF"/>
+                  </a:solidFill>
+                </a:uFill>
+                <a:latin typeface="Arial"/>
+              </a:rPr>
+              <a:t>The Polish software company Exence</a:t>
+            </a:r>
+            <a:r>
+              <a:rPr lang="en-US" sz="3200" spc="-1" baseline="30000" dirty="0" smtClean="0">
+                <a:solidFill>
+                  <a:srgbClr val="000000"/>
+                </a:solidFill>
+                <a:uFill>
+                  <a:solidFill>
+                    <a:srgbClr val="FFFFFF"/>
+                  </a:solidFill>
+                </a:uFill>
+                <a:latin typeface="Arial"/>
+              </a:rPr>
+              <a:t>1</a:t>
+            </a:r>
+            <a:r>
+              <a:rPr lang="en-US" sz="3200" spc="-1" dirty="0" smtClean="0">
+                <a:solidFill>
+                  <a:srgbClr val="000000"/>
+                </a:solidFill>
+                <a:uFill>
+                  <a:solidFill>
+                    <a:srgbClr val="FFFFFF"/>
+                  </a:solidFill>
+                </a:uFill>
+                <a:latin typeface="Arial"/>
+              </a:rPr>
+              <a:t> has a product that happens to be very similar to our idea, but is a desktop app</a:t>
+            </a:r>
+          </a:p>
+          <a:p>
+            <a:pPr marL="1023120" lvl="1" indent="-457200">
+              <a:spcAft>
+                <a:spcPts val="600"/>
+              </a:spcAft>
+              <a:buClr>
+                <a:srgbClr val="000000"/>
+              </a:buClr>
+              <a:buSzPct val="100000"/>
+              <a:buFont typeface="Courier New" panose="02070309020205020404" pitchFamily="49" charset="0"/>
+              <a:buChar char="o"/>
+            </a:pPr>
+            <a:r>
+              <a:rPr lang="en-US" sz="2800" spc="-1" dirty="0" smtClean="0">
+                <a:solidFill>
+                  <a:srgbClr val="000000"/>
+                </a:solidFill>
+                <a:uFill>
+                  <a:solidFill>
+                    <a:srgbClr val="FFFFFF"/>
+                  </a:solidFill>
+                </a:uFill>
+                <a:latin typeface="Arial"/>
+              </a:rPr>
+              <a:t>Ours is a web app for ease of access</a:t>
+            </a:r>
+          </a:p>
+          <a:p>
+            <a:pPr marL="1023120" lvl="1" indent="-457200">
+              <a:spcAft>
+                <a:spcPts val="600"/>
+              </a:spcAft>
+              <a:buClr>
+                <a:srgbClr val="000000"/>
+              </a:buClr>
+              <a:buSzPct val="100000"/>
+              <a:buFont typeface="Courier New" panose="02070309020205020404" pitchFamily="49" charset="0"/>
+              <a:buChar char="o"/>
+            </a:pPr>
+            <a:r>
+              <a:rPr lang="en-US" sz="2800" spc="-1" dirty="0" smtClean="0">
+                <a:solidFill>
+                  <a:srgbClr val="000000"/>
+                </a:solidFill>
+                <a:uFill>
+                  <a:solidFill>
+                    <a:srgbClr val="FFFFFF"/>
+                  </a:solidFill>
+                </a:uFill>
+                <a:latin typeface="Arial"/>
+              </a:rPr>
+              <a:t>Adding a desktop client for our application could be a feature for future extension of the project</a:t>
+            </a:r>
+            <a:endParaRPr lang="en-US" sz="2800" b="0" strike="noStrike" spc="-1" dirty="0">
+              <a:solidFill>
+                <a:srgbClr val="000000"/>
+              </a:solidFill>
+              <a:uFill>
+                <a:solidFill>
+                  <a:srgbClr val="FFFFFF"/>
+                </a:solidFill>
+              </a:uFill>
+              <a:latin typeface="Arial"/>
+            </a:endParaRPr>
+          </a:p>
+        </p:txBody>
+      </p:sp>
+      <p:sp>
+        <p:nvSpPr>
+          <p:cNvPr id="2" name="TextBox 1"/>
+          <p:cNvSpPr txBox="1"/>
+          <p:nvPr/>
+        </p:nvSpPr>
+        <p:spPr>
+          <a:xfrm>
+            <a:off x="732600" y="6839505"/>
+            <a:ext cx="6898512" cy="369332"/>
+          </a:xfrm>
+          <a:prstGeom prst="rect">
+            <a:avLst/>
+          </a:prstGeom>
+          <a:noFill/>
+        </p:spPr>
+        <p:txBody>
+          <a:bodyPr wrap="square" rtlCol="0">
+            <a:spAutoFit/>
+          </a:bodyPr>
+          <a:lstStyle/>
+          <a:p>
+            <a:r>
+              <a:rPr lang="en-US" baseline="30000" dirty="0" smtClean="0"/>
+              <a:t>1</a:t>
+            </a:r>
+            <a:r>
+              <a:rPr lang="en-US" dirty="0" smtClean="0"/>
+              <a:t>https://www.exence.com/en/offer/internal-order-processing</a:t>
+            </a:r>
+            <a:endParaRPr lang="en-US" baseline="30000" dirty="0"/>
+          </a:p>
+        </p:txBody>
+      </p:sp>
     </p:spTree>
   </p:cSld>
+  <p:clrMapOvr>
+    <a:masterClrMapping/>
+  </p:clrMapOvr>
   <p:timing>
     <p:tnLst>
       <p:par>
-        <p:cTn id="9" dur="indefinite" restart="never" nodeType="tmRoot">
+        <p:cTn id="1" dur="indefinite" restart="never" nodeType="tmRoot">
           <p:childTnLst>
             <p:seq>
-              <p:cTn id="10" nodeType="mainSeq"/>
+              <p:cTn id="2" nodeType="mainSeq"/>
               <p:prevCondLst>
-                <p:cond delay="0" evt="onPrev">
+                <p:cond evt="onPrev" delay="0">
                   <p:tgtEl>
                     <p:sldTgt/>
                   </p:tgtEl>
                 </p:cond>
               </p:prevCondLst>
               <p:nextCondLst>
-                <p:cond delay="0" evt="onNext">
+                <p:cond evt="onNext" delay="0">
                   <p:tgtEl>
                     <p:sldTgt/>
                   </p:tgtEl>
@@ -6406,7 +6450,7 @@
 </file>
 
 <file path=ppt/slides/slide6.xml><?xml version="1.0" encoding="utf-8"?>
-<p:sld xmlns:a="http://schemas.openxmlformats.org/drawingml/2006/main" xmlns:p="http://schemas.openxmlformats.org/presentationml/2006/main" xmlns:r="http://schemas.openxmlformats.org/officeDocument/2006/relationships" xmlns:p14="http://schemas.microsoft.com/office/powerpoint/2010/main" xmlns:p15="http://schemas.microsoft.com/office/powerpoint/2012/main" xmlns:mc="http://schemas.openxmlformats.org/markup-compatibility/2006">
+<p:sld xmlns:a="http://schemas.openxmlformats.org/drawingml/2006/main" xmlns:r="http://schemas.openxmlformats.org/officeDocument/2006/relationships" xmlns:p="http://schemas.openxmlformats.org/presentationml/2006/main">
   <p:cSld>
     <p:spTree>
       <p:nvGrpSpPr>
@@ -6442,13 +6486,20 @@
           </a:ln>
         </p:spPr>
         <p:style>
-          <a:lnRef idx="0"/>
-          <a:fillRef idx="0"/>
-          <a:effectRef idx="0"/>
+          <a:lnRef idx="0">
+            <a:scrgbClr r="0" g="0" b="0"/>
+          </a:lnRef>
+          <a:fillRef idx="0">
+            <a:scrgbClr r="0" g="0" b="0"/>
+          </a:fillRef>
+          <a:effectRef idx="0">
+            <a:scrgbClr r="0" g="0" b="0"/>
+          </a:effectRef>
           <a:fontRef idx="minor"/>
         </p:style>
         <p:txBody>
-          <a:bodyPr lIns="0" rIns="0" tIns="0" bIns="0" anchor="ctr"/>
+          <a:bodyPr lIns="0" tIns="0" rIns="0" bIns="0" anchor="ctr"/>
+          <a:lstStyle/>
           <a:p>
             <a:pPr algn="ctr">
               <a:lnSpc>
@@ -6456,13 +6507,13 @@
               </a:lnSpc>
             </a:pPr>
             <a:r>
-              <a:rPr b="0" lang="en-US" sz="4400" spc="-1" strike="noStrike">
+              <a:rPr lang="en-US" sz="4400" b="0" strike="noStrike" spc="-1">
                 <a:solidFill>
                   <a:srgbClr val="000000"/>
                 </a:solidFill>
                 <a:uFill>
                   <a:solidFill>
-                    <a:srgbClr val="ffffff"/>
+                    <a:srgbClr val="FFFFFF"/>
                   </a:solidFill>
                 </a:uFill>
                 <a:latin typeface="Arial"/>
@@ -6470,13 +6521,13 @@
               </a:rPr>
               <a:t>Proposed Approach</a:t>
             </a:r>
-            <a:endParaRPr b="0" lang="en-US" sz="1800" spc="-1" strike="noStrike">
-              <a:solidFill>
-                <a:srgbClr val="000000"/>
-              </a:solidFill>
-              <a:uFill>
-                <a:solidFill>
-                  <a:srgbClr val="ffffff"/>
+            <a:endParaRPr lang="en-US" sz="1800" b="0" strike="noStrike" spc="-1">
+              <a:solidFill>
+                <a:srgbClr val="000000"/>
+              </a:solidFill>
+              <a:uFill>
+                <a:solidFill>
+                  <a:srgbClr val="FFFFFF"/>
                 </a:solidFill>
               </a:uFill>
               <a:latin typeface="Arial"/>
@@ -6504,30 +6555,110 @@
           </a:ln>
         </p:spPr>
         <p:style>
-          <a:lnRef idx="0"/>
-          <a:fillRef idx="0"/>
-          <a:effectRef idx="0"/>
+          <a:lnRef idx="0">
+            <a:scrgbClr r="0" g="0" b="0"/>
+          </a:lnRef>
+          <a:fillRef idx="0">
+            <a:scrgbClr r="0" g="0" b="0"/>
+          </a:fillRef>
+          <a:effectRef idx="0">
+            <a:scrgbClr r="0" g="0" b="0"/>
+          </a:effectRef>
           <a:fontRef idx="minor"/>
         </p:style>
       </p:sp>
+      <p:sp>
+        <p:nvSpPr>
+          <p:cNvPr id="2" name="TextBox 1"/>
+          <p:cNvSpPr txBox="1"/>
+          <p:nvPr/>
+        </p:nvSpPr>
+        <p:spPr>
+          <a:xfrm>
+            <a:off x="849312" y="1493837"/>
+            <a:ext cx="8229600" cy="6001643"/>
+          </a:xfrm>
+          <a:prstGeom prst="rect">
+            <a:avLst/>
+          </a:prstGeom>
+          <a:noFill/>
+        </p:spPr>
+        <p:txBody>
+          <a:bodyPr wrap="square" rtlCol="0">
+            <a:spAutoFit/>
+          </a:bodyPr>
+          <a:lstStyle/>
+          <a:p>
+            <a:pPr marL="285750" indent="-285750">
+              <a:buFont typeface="Arial" panose="020B0604020202020204" pitchFamily="34" charset="0"/>
+              <a:buChar char="•"/>
+            </a:pPr>
+            <a:r>
+              <a:rPr lang="en-US" sz="3200" dirty="0" smtClean="0"/>
+              <a:t>Our app will run in a web browser and consist of a user interface and a database</a:t>
+            </a:r>
+          </a:p>
+          <a:p>
+            <a:pPr marL="285750" indent="-285750">
+              <a:buFont typeface="Arial" panose="020B0604020202020204" pitchFamily="34" charset="0"/>
+              <a:buChar char="•"/>
+            </a:pPr>
+            <a:r>
+              <a:rPr lang="en-US" sz="3200" dirty="0" smtClean="0"/>
+              <a:t>Interface will have listing of all the orders that exist for the company, and will have columns for different fields like “Department” “Quantity” “Status” etc.</a:t>
+            </a:r>
+            <a:endParaRPr lang="en-US" sz="3200" dirty="0"/>
+          </a:p>
+          <a:p>
+            <a:pPr marL="285750" indent="-285750">
+              <a:buFont typeface="Arial" panose="020B0604020202020204" pitchFamily="34" charset="0"/>
+              <a:buChar char="•"/>
+            </a:pPr>
+            <a:r>
+              <a:rPr lang="en-US" sz="3200" dirty="0" smtClean="0"/>
+              <a:t>Normal users will be able to add orders to the system, or cancel their existing ones</a:t>
+            </a:r>
+          </a:p>
+          <a:p>
+            <a:pPr marL="285750" indent="-285750">
+              <a:buFont typeface="Arial" panose="020B0604020202020204" pitchFamily="34" charset="0"/>
+              <a:buChar char="•"/>
+            </a:pPr>
+            <a:r>
+              <a:rPr lang="en-US" sz="3200" dirty="0" smtClean="0"/>
+              <a:t>Users who log in as a manager can confirm the orders and notify the user who placed the order when it arrives</a:t>
+            </a:r>
+          </a:p>
+          <a:p>
+            <a:pPr marL="285750" indent="-285750">
+              <a:buFont typeface="Arial" panose="020B0604020202020204" pitchFamily="34" charset="0"/>
+              <a:buChar char="•"/>
+            </a:pPr>
+            <a:endParaRPr lang="en-US" sz="3200" dirty="0"/>
+          </a:p>
+        </p:txBody>
+      </p:sp>
     </p:spTree>
   </p:cSld>
+  <p:clrMapOvr>
+    <a:masterClrMapping/>
+  </p:clrMapOvr>
   <p:timing>
     <p:tnLst>
       <p:par>
-        <p:cTn id="11" dur="indefinite" restart="never" nodeType="tmRoot">
+        <p:cTn id="1" dur="indefinite" restart="never" nodeType="tmRoot">
           <p:childTnLst>
             <p:seq>
-              <p:cTn id="12" nodeType="mainSeq"/>
+              <p:cTn id="2" nodeType="mainSeq"/>
               <p:prevCondLst>
-                <p:cond delay="0" evt="onPrev">
+                <p:cond evt="onPrev" delay="0">
                   <p:tgtEl>
                     <p:sldTgt/>
                   </p:tgtEl>
                 </p:cond>
               </p:prevCondLst>
               <p:nextCondLst>
-                <p:cond delay="0" evt="onNext">
+                <p:cond evt="onNext" delay="0">
                   <p:tgtEl>
                     <p:sldTgt/>
                   </p:tgtEl>
@@ -6543,7 +6674,7 @@
 </file>
 
 <file path=ppt/slides/slide7.xml><?xml version="1.0" encoding="utf-8"?>
-<p:sld xmlns:a="http://schemas.openxmlformats.org/drawingml/2006/main" xmlns:p="http://schemas.openxmlformats.org/presentationml/2006/main" xmlns:r="http://schemas.openxmlformats.org/officeDocument/2006/relationships" xmlns:p14="http://schemas.microsoft.com/office/powerpoint/2010/main" xmlns:p15="http://schemas.microsoft.com/office/powerpoint/2012/main" xmlns:mc="http://schemas.openxmlformats.org/markup-compatibility/2006">
+<p:sld xmlns:a="http://schemas.openxmlformats.org/drawingml/2006/main" xmlns:r="http://schemas.openxmlformats.org/officeDocument/2006/relationships" xmlns:p="http://schemas.openxmlformats.org/presentationml/2006/main">
   <p:cSld>
     <p:spTree>
       <p:nvGrpSpPr>
@@ -6561,7 +6692,7 @@
       </p:grpSpPr>
       <p:sp>
         <p:nvSpPr>
-          <p:cNvPr id="87" name="CustomShape 1"/>
+          <p:cNvPr id="85" name="CustomShape 1"/>
           <p:cNvSpPr/>
           <p:nvPr/>
         </p:nvSpPr>
@@ -6579,13 +6710,20 @@
           </a:ln>
         </p:spPr>
         <p:style>
-          <a:lnRef idx="0"/>
-          <a:fillRef idx="0"/>
-          <a:effectRef idx="0"/>
+          <a:lnRef idx="0">
+            <a:scrgbClr r="0" g="0" b="0"/>
+          </a:lnRef>
+          <a:fillRef idx="0">
+            <a:scrgbClr r="0" g="0" b="0"/>
+          </a:fillRef>
+          <a:effectRef idx="0">
+            <a:scrgbClr r="0" g="0" b="0"/>
+          </a:effectRef>
           <a:fontRef idx="minor"/>
         </p:style>
         <p:txBody>
-          <a:bodyPr lIns="0" rIns="0" tIns="0" bIns="0" anchor="ctr"/>
+          <a:bodyPr lIns="0" tIns="0" rIns="0" bIns="0" anchor="ctr"/>
+          <a:lstStyle/>
           <a:p>
             <a:pPr algn="ctr">
               <a:lnSpc>
@@ -6593,37 +6731,82 @@
               </a:lnSpc>
             </a:pPr>
             <a:r>
-              <a:rPr b="0" lang="en-US" sz="4400" spc="-1" strike="noStrike">
+              <a:rPr lang="en-US" sz="4400" b="0" strike="noStrike" spc="-1" dirty="0">
                 <a:solidFill>
                   <a:srgbClr val="000000"/>
                 </a:solidFill>
                 <a:uFill>
                   <a:solidFill>
-                    <a:srgbClr val="ffffff"/>
+                    <a:srgbClr val="FFFFFF"/>
                   </a:solidFill>
                 </a:uFill>
                 <a:latin typeface="Arial"/>
                 <a:ea typeface="DejaVu Sans"/>
               </a:rPr>
-              <a:t>Evaluation (Test Plan)</a:t>
-            </a:r>
-            <a:endParaRPr b="0" lang="en-US" sz="1800" spc="-1" strike="noStrike">
-              <a:solidFill>
-                <a:srgbClr val="000000"/>
-              </a:solidFill>
-              <a:uFill>
-                <a:solidFill>
-                  <a:srgbClr val="ffffff"/>
-                </a:solidFill>
-              </a:uFill>
-              <a:latin typeface="Arial"/>
-            </a:endParaRPr>
-          </a:p>
-        </p:txBody>
-      </p:sp>
-      <p:sp>
-        <p:nvSpPr>
-          <p:cNvPr id="88" name="CustomShape 2"/>
+              <a:t>Proposed </a:t>
+            </a:r>
+            <a:r>
+              <a:rPr lang="en-US" sz="4400" b="0" strike="noStrike" spc="-1" dirty="0" smtClean="0">
+                <a:solidFill>
+                  <a:srgbClr val="000000"/>
+                </a:solidFill>
+                <a:uFill>
+                  <a:solidFill>
+                    <a:srgbClr val="FFFFFF"/>
+                  </a:solidFill>
+                </a:uFill>
+                <a:latin typeface="Arial"/>
+                <a:ea typeface="DejaVu Sans"/>
+              </a:rPr>
+              <a:t>Approach (</a:t>
+            </a:r>
+            <a:r>
+              <a:rPr lang="en-US" sz="4400" b="0" strike="noStrike" spc="-1" dirty="0" err="1" smtClean="0">
+                <a:solidFill>
+                  <a:srgbClr val="000000"/>
+                </a:solidFill>
+                <a:uFill>
+                  <a:solidFill>
+                    <a:srgbClr val="FFFFFF"/>
+                  </a:solidFill>
+                </a:uFill>
+                <a:latin typeface="Arial"/>
+                <a:ea typeface="DejaVu Sans"/>
+              </a:rPr>
+              <a:t>cont</a:t>
+            </a:r>
+            <a:r>
+              <a:rPr lang="en-US" sz="4400" b="0" strike="noStrike" spc="-1" dirty="0" smtClean="0">
+                <a:solidFill>
+                  <a:srgbClr val="000000"/>
+                </a:solidFill>
+                <a:uFill>
+                  <a:solidFill>
+                    <a:srgbClr val="FFFFFF"/>
+                  </a:solidFill>
+                </a:uFill>
+                <a:latin typeface="Arial"/>
+                <a:ea typeface="DejaVu Sans"/>
+              </a:rPr>
+              <a:t>)</a:t>
+            </a:r>
+            <a:endParaRPr lang="en-US" sz="1800" b="0" strike="noStrike" spc="-1" dirty="0">
+              <a:solidFill>
+                <a:srgbClr val="000000"/>
+              </a:solidFill>
+              <a:uFill>
+                <a:solidFill>
+                  <a:srgbClr val="FFFFFF"/>
+                </a:solidFill>
+              </a:uFill>
+              <a:latin typeface="Arial"/>
+            </a:endParaRPr>
+          </a:p>
+        </p:txBody>
+      </p:sp>
+      <p:sp>
+        <p:nvSpPr>
+          <p:cNvPr id="86" name="CustomShape 2"/>
           <p:cNvSpPr/>
           <p:nvPr/>
         </p:nvSpPr>
@@ -6641,384 +6824,119 @@
           </a:ln>
         </p:spPr>
         <p:style>
-          <a:lnRef idx="0"/>
-          <a:fillRef idx="0"/>
-          <a:effectRef idx="0"/>
+          <a:lnRef idx="0">
+            <a:scrgbClr r="0" g="0" b="0"/>
+          </a:lnRef>
+          <a:fillRef idx="0">
+            <a:scrgbClr r="0" g="0" b="0"/>
+          </a:fillRef>
+          <a:effectRef idx="0">
+            <a:scrgbClr r="0" g="0" b="0"/>
+          </a:effectRef>
           <a:fontRef idx="minor"/>
         </p:style>
-        <p:txBody>
-          <a:bodyPr lIns="0" rIns="0" tIns="0" bIns="0"/>
-          <a:p>
-            <a:pPr marL="432000" indent="-323280">
-              <a:lnSpc>
-                <a:spcPct val="100000"/>
-              </a:lnSpc>
-              <a:buClr>
-                <a:srgbClr val="000000"/>
-              </a:buClr>
-              <a:buSzPct val="45000"/>
-              <a:buFont typeface="Wingdings" charset="2"/>
-              <a:buChar char=""/>
-            </a:pPr>
-            <a:r>
-              <a:rPr b="0" lang="en-US" sz="3200" spc="-1" strike="noStrike">
-                <a:solidFill>
-                  <a:srgbClr val="000000"/>
-                </a:solidFill>
-                <a:uFill>
-                  <a:solidFill>
-                    <a:srgbClr val="ffffff"/>
-                  </a:solidFill>
-                </a:uFill>
-                <a:latin typeface="Arial"/>
-                <a:ea typeface="DejaVu Sans"/>
-              </a:rPr>
-              <a:t>System Test</a:t>
-            </a:r>
-            <a:endParaRPr b="0" lang="en-US" sz="1800" spc="-1" strike="noStrike">
-              <a:solidFill>
-                <a:srgbClr val="000000"/>
-              </a:solidFill>
-              <a:uFill>
-                <a:solidFill>
-                  <a:srgbClr val="ffffff"/>
-                </a:solidFill>
-              </a:uFill>
-              <a:latin typeface="Arial"/>
-            </a:endParaRPr>
-          </a:p>
-          <a:p>
-            <a:pPr lvl="1" marL="864000" indent="-323280">
-              <a:lnSpc>
-                <a:spcPct val="100000"/>
-              </a:lnSpc>
-              <a:buClr>
-                <a:srgbClr val="000000"/>
-              </a:buClr>
-              <a:buSzPct val="75000"/>
-              <a:buFont typeface="Symbol"/>
-              <a:buChar char=""/>
-            </a:pPr>
-            <a:r>
-              <a:rPr b="0" lang="en-US" sz="3200" spc="-1" strike="noStrike">
-                <a:solidFill>
-                  <a:srgbClr val="000000"/>
-                </a:solidFill>
-                <a:uFill>
-                  <a:solidFill>
-                    <a:srgbClr val="ffffff"/>
-                  </a:solidFill>
-                </a:uFill>
-                <a:latin typeface="Arial"/>
-                <a:ea typeface="DejaVu Sans"/>
-              </a:rPr>
-              <a:t>Multiple sessions of the webpage</a:t>
-            </a:r>
-            <a:endParaRPr b="0" lang="en-US" sz="1800" spc="-1" strike="noStrike">
-              <a:solidFill>
-                <a:srgbClr val="000000"/>
-              </a:solidFill>
-              <a:uFill>
-                <a:solidFill>
-                  <a:srgbClr val="ffffff"/>
-                </a:solidFill>
-              </a:uFill>
-              <a:latin typeface="Arial"/>
-            </a:endParaRPr>
-          </a:p>
-          <a:p>
-            <a:pPr lvl="1" marL="864000" indent="-323280">
-              <a:lnSpc>
-                <a:spcPct val="100000"/>
-              </a:lnSpc>
-              <a:buClr>
-                <a:srgbClr val="000000"/>
-              </a:buClr>
-              <a:buSzPct val="75000"/>
-              <a:buFont typeface="Symbol"/>
-              <a:buChar char=""/>
-            </a:pPr>
-            <a:r>
-              <a:rPr b="0" lang="en-US" sz="3200" spc="-1" strike="noStrike">
-                <a:solidFill>
-                  <a:srgbClr val="000000"/>
-                </a:solidFill>
-                <a:uFill>
-                  <a:solidFill>
-                    <a:srgbClr val="ffffff"/>
-                  </a:solidFill>
-                </a:uFill>
-                <a:latin typeface="Arial"/>
-                <a:ea typeface="DejaVu Sans"/>
-              </a:rPr>
-              <a:t>Multiple users</a:t>
-            </a:r>
-            <a:endParaRPr b="0" lang="en-US" sz="1800" spc="-1" strike="noStrike">
-              <a:solidFill>
-                <a:srgbClr val="000000"/>
-              </a:solidFill>
-              <a:uFill>
-                <a:solidFill>
-                  <a:srgbClr val="ffffff"/>
-                </a:solidFill>
-              </a:uFill>
-              <a:latin typeface="Arial"/>
-            </a:endParaRPr>
-          </a:p>
-          <a:p>
-            <a:pPr lvl="1" marL="864000" indent="-323280">
-              <a:lnSpc>
-                <a:spcPct val="100000"/>
-              </a:lnSpc>
-              <a:buClr>
-                <a:srgbClr val="000000"/>
-              </a:buClr>
-              <a:buSzPct val="75000"/>
-              <a:buFont typeface="Symbol"/>
-              <a:buChar char=""/>
-            </a:pPr>
-            <a:r>
-              <a:rPr b="0" lang="en-US" sz="3200" spc="-1" strike="noStrike">
-                <a:solidFill>
-                  <a:srgbClr val="000000"/>
-                </a:solidFill>
-                <a:uFill>
-                  <a:solidFill>
-                    <a:srgbClr val="ffffff"/>
-                  </a:solidFill>
-                </a:uFill>
-                <a:latin typeface="Arial"/>
-                <a:ea typeface="DejaVu Sans"/>
-              </a:rPr>
-              <a:t>Have user 1 submit order on the web page</a:t>
-            </a:r>
-            <a:endParaRPr b="0" lang="en-US" sz="1800" spc="-1" strike="noStrike">
-              <a:solidFill>
-                <a:srgbClr val="000000"/>
-              </a:solidFill>
-              <a:uFill>
-                <a:solidFill>
-                  <a:srgbClr val="ffffff"/>
-                </a:solidFill>
-              </a:uFill>
-              <a:latin typeface="Arial"/>
-            </a:endParaRPr>
-          </a:p>
-          <a:p>
-            <a:pPr lvl="1" marL="864000" indent="-323280">
-              <a:lnSpc>
-                <a:spcPct val="100000"/>
-              </a:lnSpc>
-              <a:buClr>
-                <a:srgbClr val="000000"/>
-              </a:buClr>
-              <a:buSzPct val="75000"/>
-              <a:buFont typeface="Symbol"/>
-              <a:buChar char=""/>
-            </a:pPr>
-            <a:r>
-              <a:rPr b="0" lang="en-US" sz="3200" spc="-1" strike="noStrike">
-                <a:solidFill>
-                  <a:srgbClr val="000000"/>
-                </a:solidFill>
-                <a:uFill>
-                  <a:solidFill>
-                    <a:srgbClr val="ffffff"/>
-                  </a:solidFill>
-                </a:uFill>
-                <a:latin typeface="Arial"/>
-                <a:ea typeface="DejaVu Sans"/>
-              </a:rPr>
-              <a:t>Have user 2 see if those updates occur</a:t>
-            </a:r>
-            <a:endParaRPr b="0" lang="en-US" sz="1800" spc="-1" strike="noStrike">
-              <a:solidFill>
-                <a:srgbClr val="000000"/>
-              </a:solidFill>
-              <a:uFill>
-                <a:solidFill>
-                  <a:srgbClr val="ffffff"/>
-                </a:solidFill>
-              </a:uFill>
-              <a:latin typeface="Arial"/>
-            </a:endParaRPr>
-          </a:p>
-          <a:p>
-            <a:pPr lvl="1" marL="864000" indent="-323280">
-              <a:lnSpc>
-                <a:spcPct val="100000"/>
-              </a:lnSpc>
-              <a:buClr>
-                <a:srgbClr val="000000"/>
-              </a:buClr>
-              <a:buSzPct val="75000"/>
-              <a:buFont typeface="Symbol"/>
-              <a:buChar char=""/>
-            </a:pPr>
-            <a:r>
-              <a:rPr b="0" lang="en-US" sz="3200" spc="-1" strike="noStrike">
-                <a:solidFill>
-                  <a:srgbClr val="000000"/>
-                </a:solidFill>
-                <a:uFill>
-                  <a:solidFill>
-                    <a:srgbClr val="ffffff"/>
-                  </a:solidFill>
-                </a:uFill>
-                <a:latin typeface="Arial"/>
-                <a:ea typeface="DejaVu Sans"/>
-              </a:rPr>
-              <a:t>Have a real simulation to see that software works as we want it to.</a:t>
-            </a:r>
-            <a:endParaRPr b="0" lang="en-US" sz="1800" spc="-1" strike="noStrike">
-              <a:solidFill>
-                <a:srgbClr val="000000"/>
-              </a:solidFill>
-              <a:uFill>
-                <a:solidFill>
-                  <a:srgbClr val="ffffff"/>
-                </a:solidFill>
-              </a:uFill>
-              <a:latin typeface="Arial"/>
-            </a:endParaRPr>
-          </a:p>
-          <a:p>
-            <a:pPr marL="432000" indent="-323280">
-              <a:lnSpc>
-                <a:spcPct val="100000"/>
-              </a:lnSpc>
-              <a:buClr>
-                <a:srgbClr val="000000"/>
-              </a:buClr>
-              <a:buSzPct val="45000"/>
-              <a:buFont typeface="Wingdings" charset="2"/>
-              <a:buChar char=""/>
-            </a:pPr>
-            <a:r>
-              <a:rPr b="0" lang="en-US" sz="3200" spc="-1" strike="noStrike">
-                <a:solidFill>
-                  <a:srgbClr val="000000"/>
-                </a:solidFill>
-                <a:uFill>
-                  <a:solidFill>
-                    <a:srgbClr val="ffffff"/>
-                  </a:solidFill>
-                </a:uFill>
-                <a:latin typeface="Arial"/>
-                <a:ea typeface="DejaVu Sans"/>
-              </a:rPr>
-              <a:t>Test Data integrity</a:t>
-            </a:r>
-            <a:endParaRPr b="0" lang="en-US" sz="1800" spc="-1" strike="noStrike">
-              <a:solidFill>
-                <a:srgbClr val="000000"/>
-              </a:solidFill>
-              <a:uFill>
-                <a:solidFill>
-                  <a:srgbClr val="ffffff"/>
-                </a:solidFill>
-              </a:uFill>
-              <a:latin typeface="Arial"/>
-            </a:endParaRPr>
-          </a:p>
-          <a:p>
-            <a:pPr lvl="1" marL="864000" indent="-323280">
-              <a:lnSpc>
-                <a:spcPct val="100000"/>
-              </a:lnSpc>
-              <a:buClr>
-                <a:srgbClr val="000000"/>
-              </a:buClr>
-              <a:buSzPct val="75000"/>
-              <a:buFont typeface="Symbol"/>
-              <a:buChar char=""/>
-            </a:pPr>
-            <a:r>
-              <a:rPr b="0" lang="en-US" sz="3200" spc="-1" strike="noStrike">
-                <a:solidFill>
-                  <a:srgbClr val="000000"/>
-                </a:solidFill>
-                <a:uFill>
-                  <a:solidFill>
-                    <a:srgbClr val="ffffff"/>
-                  </a:solidFill>
-                </a:uFill>
-                <a:latin typeface="Arial"/>
-                <a:ea typeface="DejaVu Sans"/>
-              </a:rPr>
-              <a:t>Database insertion/deletion/modification via UI</a:t>
-            </a:r>
-            <a:endParaRPr b="0" lang="en-US" sz="1800" spc="-1" strike="noStrike">
-              <a:solidFill>
-                <a:srgbClr val="000000"/>
-              </a:solidFill>
-              <a:uFill>
-                <a:solidFill>
-                  <a:srgbClr val="ffffff"/>
-                </a:solidFill>
-              </a:uFill>
-              <a:latin typeface="Arial"/>
-            </a:endParaRPr>
-          </a:p>
-          <a:p>
-            <a:pPr lvl="1" marL="864000" indent="-323280">
-              <a:lnSpc>
-                <a:spcPct val="100000"/>
-              </a:lnSpc>
-              <a:buClr>
-                <a:srgbClr val="000000"/>
-              </a:buClr>
-              <a:buSzPct val="75000"/>
-              <a:buFont typeface="Symbol"/>
-              <a:buChar char=""/>
-            </a:pPr>
-            <a:r>
-              <a:rPr b="0" lang="en-US" sz="3200" spc="-1" strike="noStrike">
-                <a:solidFill>
-                  <a:srgbClr val="000000"/>
-                </a:solidFill>
-                <a:uFill>
-                  <a:solidFill>
-                    <a:srgbClr val="ffffff"/>
-                  </a:solidFill>
-                </a:uFill>
-                <a:latin typeface="Arial"/>
-                <a:ea typeface="DejaVu Sans"/>
-              </a:rPr>
-              <a:t>Database connectivity</a:t>
-            </a:r>
-            <a:endParaRPr b="0" lang="en-US" sz="1800" spc="-1" strike="noStrike">
-              <a:solidFill>
-                <a:srgbClr val="000000"/>
-              </a:solidFill>
-              <a:uFill>
-                <a:solidFill>
-                  <a:srgbClr val="ffffff"/>
-                </a:solidFill>
-              </a:uFill>
-              <a:latin typeface="Arial"/>
-            </a:endParaRPr>
+      </p:sp>
+      <p:sp>
+        <p:nvSpPr>
+          <p:cNvPr id="2" name="TextBox 1"/>
+          <p:cNvSpPr txBox="1"/>
+          <p:nvPr/>
+        </p:nvSpPr>
+        <p:spPr>
+          <a:xfrm>
+            <a:off x="849312" y="1493837"/>
+            <a:ext cx="8229600" cy="4708981"/>
+          </a:xfrm>
+          <a:prstGeom prst="rect">
+            <a:avLst/>
+          </a:prstGeom>
+          <a:noFill/>
+        </p:spPr>
+        <p:txBody>
+          <a:bodyPr wrap="square" rtlCol="0">
+            <a:spAutoFit/>
+          </a:bodyPr>
+          <a:lstStyle/>
+          <a:p>
+            <a:pPr marL="285750" indent="-285750">
+              <a:buFont typeface="Arial" panose="020B0604020202020204" pitchFamily="34" charset="0"/>
+              <a:buChar char="•"/>
+            </a:pPr>
+            <a:r>
+              <a:rPr lang="en-US" sz="3200" dirty="0" smtClean="0"/>
+              <a:t>The front end of the app will be programmed using </a:t>
+            </a:r>
+            <a:r>
+              <a:rPr lang="en-US" sz="3200" dirty="0" err="1" smtClean="0"/>
+              <a:t>javascript</a:t>
+            </a:r>
+            <a:endParaRPr lang="en-US" sz="3200" dirty="0" smtClean="0"/>
+          </a:p>
+          <a:p>
+            <a:pPr marL="285750" indent="-285750">
+              <a:buFont typeface="Arial" panose="020B0604020202020204" pitchFamily="34" charset="0"/>
+              <a:buChar char="•"/>
+            </a:pPr>
+            <a:r>
+              <a:rPr lang="en-US" sz="3200" dirty="0" smtClean="0"/>
+              <a:t>The back end will consist of a database that will contain all order objects and their attributes</a:t>
+            </a:r>
+          </a:p>
+          <a:p>
+            <a:pPr marL="914400" lvl="1" indent="-457200">
+              <a:buFont typeface="Courier New" panose="02070309020205020404" pitchFamily="49" charset="0"/>
+              <a:buChar char="o"/>
+            </a:pPr>
+            <a:r>
+              <a:rPr lang="en-US" sz="2800" dirty="0" smtClean="0"/>
+              <a:t>Main view in UI will be populated directly from the DB</a:t>
+            </a:r>
+          </a:p>
+          <a:p>
+            <a:pPr marL="914400" lvl="1" indent="-457200">
+              <a:buFont typeface="Courier New" panose="02070309020205020404" pitchFamily="49" charset="0"/>
+              <a:buChar char="o"/>
+            </a:pPr>
+            <a:r>
+              <a:rPr lang="en-US" sz="2800" dirty="0" smtClean="0"/>
+              <a:t>Entries will be added, deleted, or modified based on the front end users’ actions</a:t>
+            </a:r>
+          </a:p>
+          <a:p>
+            <a:pPr marL="914400" lvl="1" indent="-457200">
+              <a:buFont typeface="Courier New" panose="02070309020205020404" pitchFamily="49" charset="0"/>
+              <a:buChar char="o"/>
+            </a:pPr>
+            <a:endParaRPr lang="en-US" sz="2800" dirty="0"/>
           </a:p>
         </p:txBody>
       </p:sp>
     </p:spTree>
+    <p:extLst>
+      <p:ext uri="{BB962C8B-B14F-4D97-AF65-F5344CB8AC3E}">
+        <p14:creationId xmlns:p14="http://schemas.microsoft.com/office/powerpoint/2010/main" val="1858391335"/>
+      </p:ext>
+    </p:extLst>
   </p:cSld>
+  <p:clrMapOvr>
+    <a:masterClrMapping/>
+  </p:clrMapOvr>
   <p:timing>
     <p:tnLst>
       <p:par>
-        <p:cTn id="13" dur="indefinite" restart="never" nodeType="tmRoot">
+        <p:cTn id="1" dur="indefinite" restart="never" nodeType="tmRoot">
           <p:childTnLst>
             <p:seq>
-              <p:cTn id="14" nodeType="mainSeq"/>
+              <p:cTn id="2" nodeType="mainSeq"/>
               <p:prevCondLst>
-                <p:cond delay="0" evt="onPrev">
+                <p:cond evt="onPrev" delay="0">
                   <p:tgtEl>
                     <p:sldTgt/>
                   </p:tgtEl>
                 </p:cond>
               </p:prevCondLst>
               <p:nextCondLst>
-                <p:cond delay="0" evt="onNext">
+                <p:cond evt="onNext" delay="0">
                   <p:tgtEl>
                     <p:sldTgt/>
                   </p:tgtEl>
@@ -7034,7 +6952,7 @@
 </file>
 
 <file path=ppt/slides/slide8.xml><?xml version="1.0" encoding="utf-8"?>
-<p:sld xmlns:a="http://schemas.openxmlformats.org/drawingml/2006/main" xmlns:p="http://schemas.openxmlformats.org/presentationml/2006/main" xmlns:r="http://schemas.openxmlformats.org/officeDocument/2006/relationships" xmlns:p14="http://schemas.microsoft.com/office/powerpoint/2010/main" xmlns:p15="http://schemas.microsoft.com/office/powerpoint/2012/main" xmlns:mc="http://schemas.openxmlformats.org/markup-compatibility/2006">
+<p:sld xmlns:a="http://schemas.openxmlformats.org/drawingml/2006/main" xmlns:r="http://schemas.openxmlformats.org/officeDocument/2006/relationships" xmlns:p="http://schemas.openxmlformats.org/presentationml/2006/main">
   <p:cSld>
     <p:spTree>
       <p:nvGrpSpPr>
@@ -7052,14 +6970,14 @@
       </p:grpSpPr>
       <p:sp>
         <p:nvSpPr>
-          <p:cNvPr id="89" name="CustomShape 1"/>
+          <p:cNvPr id="87" name="CustomShape 1"/>
           <p:cNvSpPr/>
           <p:nvPr/>
         </p:nvSpPr>
         <p:spPr>
           <a:xfrm>
-            <a:off x="365760" y="1285200"/>
-            <a:ext cx="9070920" cy="4383720"/>
+            <a:off x="504000" y="301320"/>
+            <a:ext cx="9070920" cy="1261440"/>
           </a:xfrm>
           <a:prstGeom prst="rect">
             <a:avLst/>
@@ -7070,13 +6988,89 @@
           </a:ln>
         </p:spPr>
         <p:style>
-          <a:lnRef idx="0"/>
-          <a:fillRef idx="0"/>
-          <a:effectRef idx="0"/>
+          <a:lnRef idx="0">
+            <a:scrgbClr r="0" g="0" b="0"/>
+          </a:lnRef>
+          <a:fillRef idx="0">
+            <a:scrgbClr r="0" g="0" b="0"/>
+          </a:fillRef>
+          <a:effectRef idx="0">
+            <a:scrgbClr r="0" g="0" b="0"/>
+          </a:effectRef>
           <a:fontRef idx="minor"/>
         </p:style>
         <p:txBody>
-          <a:bodyPr lIns="0" rIns="0" tIns="0" bIns="0"/>
+          <a:bodyPr lIns="0" tIns="0" rIns="0" bIns="0" anchor="ctr"/>
+          <a:lstStyle/>
+          <a:p>
+            <a:pPr algn="ctr">
+              <a:lnSpc>
+                <a:spcPct val="100000"/>
+              </a:lnSpc>
+            </a:pPr>
+            <a:r>
+              <a:rPr lang="en-US" sz="4400" b="0" strike="noStrike" spc="-1">
+                <a:solidFill>
+                  <a:srgbClr val="000000"/>
+                </a:solidFill>
+                <a:uFill>
+                  <a:solidFill>
+                    <a:srgbClr val="FFFFFF"/>
+                  </a:solidFill>
+                </a:uFill>
+                <a:latin typeface="Arial"/>
+                <a:ea typeface="DejaVu Sans"/>
+              </a:rPr>
+              <a:t>Evaluation (Test Plan)</a:t>
+            </a:r>
+            <a:endParaRPr lang="en-US" sz="1800" b="0" strike="noStrike" spc="-1">
+              <a:solidFill>
+                <a:srgbClr val="000000"/>
+              </a:solidFill>
+              <a:uFill>
+                <a:solidFill>
+                  <a:srgbClr val="FFFFFF"/>
+                </a:solidFill>
+              </a:uFill>
+              <a:latin typeface="Arial"/>
+            </a:endParaRPr>
+          </a:p>
+        </p:txBody>
+      </p:sp>
+      <p:sp>
+        <p:nvSpPr>
+          <p:cNvPr id="88" name="CustomShape 2"/>
+          <p:cNvSpPr/>
+          <p:nvPr/>
+        </p:nvSpPr>
+        <p:spPr>
+          <a:xfrm>
+            <a:off x="504000" y="1769040"/>
+            <a:ext cx="9070920" cy="4383720"/>
+          </a:xfrm>
+          <a:prstGeom prst="rect">
+            <a:avLst/>
+          </a:prstGeom>
+          <a:noFill/>
+          <a:ln>
+            <a:noFill/>
+          </a:ln>
+        </p:spPr>
+        <p:style>
+          <a:lnRef idx="0">
+            <a:scrgbClr r="0" g="0" b="0"/>
+          </a:lnRef>
+          <a:fillRef idx="0">
+            <a:scrgbClr r="0" g="0" b="0"/>
+          </a:fillRef>
+          <a:effectRef idx="0">
+            <a:scrgbClr r="0" g="0" b="0"/>
+          </a:effectRef>
+          <a:fontRef idx="minor"/>
+        </p:style>
+        <p:txBody>
+          <a:bodyPr lIns="0" tIns="0" rIns="0" bIns="0"/>
+          <a:lstStyle/>
           <a:p>
             <a:pPr marL="432000" indent="-323280">
               <a:lnSpc>
@@ -7090,34 +7084,34 @@
               <a:buChar char=""/>
             </a:pPr>
             <a:r>
-              <a:rPr b="0" lang="en-US" sz="2200" spc="-1" strike="noStrike">
+              <a:rPr lang="en-US" sz="3200" b="0" strike="noStrike" spc="-1" dirty="0">
                 <a:solidFill>
                   <a:srgbClr val="000000"/>
                 </a:solidFill>
                 <a:uFill>
                   <a:solidFill>
-                    <a:srgbClr val="ffffff"/>
+                    <a:srgbClr val="FFFFFF"/>
                   </a:solidFill>
                 </a:uFill>
                 <a:latin typeface="Arial"/>
                 <a:ea typeface="DejaVu Sans"/>
               </a:rPr>
-              <a:t>Week 1</a:t>
-            </a:r>
-            <a:endParaRPr b="0" lang="en-US" sz="1800" spc="-1" strike="noStrike">
-              <a:solidFill>
-                <a:srgbClr val="000000"/>
-              </a:solidFill>
-              <a:uFill>
-                <a:solidFill>
-                  <a:srgbClr val="ffffff"/>
-                </a:solidFill>
-              </a:uFill>
-              <a:latin typeface="Arial"/>
-            </a:endParaRPr>
-          </a:p>
-          <a:p>
-            <a:pPr lvl="1" marL="864000" indent="-323280">
+              <a:t>System Test</a:t>
+            </a:r>
+            <a:endParaRPr lang="en-US" sz="1800" b="0" strike="noStrike" spc="-1" dirty="0">
+              <a:solidFill>
+                <a:srgbClr val="000000"/>
+              </a:solidFill>
+              <a:uFill>
+                <a:solidFill>
+                  <a:srgbClr val="FFFFFF"/>
+                </a:solidFill>
+              </a:uFill>
+              <a:latin typeface="Arial"/>
+            </a:endParaRPr>
+          </a:p>
+          <a:p>
+            <a:pPr marL="864000" lvl="1" indent="-323280">
               <a:lnSpc>
                 <a:spcPct val="100000"/>
               </a:lnSpc>
@@ -7129,34 +7123,34 @@
               <a:buChar char=""/>
             </a:pPr>
             <a:r>
-              <a:rPr b="0" lang="en-US" sz="2000" spc="-1" strike="noStrike">
+              <a:rPr lang="en-US" sz="3200" b="0" strike="noStrike" spc="-1" dirty="0">
                 <a:solidFill>
                   <a:srgbClr val="000000"/>
                 </a:solidFill>
                 <a:uFill>
                   <a:solidFill>
-                    <a:srgbClr val="ffffff"/>
+                    <a:srgbClr val="FFFFFF"/>
                   </a:solidFill>
                 </a:uFill>
                 <a:latin typeface="Arial"/>
                 <a:ea typeface="DejaVu Sans"/>
               </a:rPr>
-              <a:t>Organize, develop a plan, and converse with the group</a:t>
-            </a:r>
-            <a:endParaRPr b="0" lang="en-US" sz="1800" spc="-1" strike="noStrike">
-              <a:solidFill>
-                <a:srgbClr val="000000"/>
-              </a:solidFill>
-              <a:uFill>
-                <a:solidFill>
-                  <a:srgbClr val="ffffff"/>
-                </a:solidFill>
-              </a:uFill>
-              <a:latin typeface="Arial"/>
-            </a:endParaRPr>
-          </a:p>
-          <a:p>
-            <a:pPr lvl="1" marL="864000" indent="-323280">
+              <a:t>Multiple sessions of the webpage</a:t>
+            </a:r>
+            <a:endParaRPr lang="en-US" sz="1800" b="0" strike="noStrike" spc="-1" dirty="0">
+              <a:solidFill>
+                <a:srgbClr val="000000"/>
+              </a:solidFill>
+              <a:uFill>
+                <a:solidFill>
+                  <a:srgbClr val="FFFFFF"/>
+                </a:solidFill>
+              </a:uFill>
+              <a:latin typeface="Arial"/>
+            </a:endParaRPr>
+          </a:p>
+          <a:p>
+            <a:pPr marL="864000" lvl="1" indent="-323280">
               <a:lnSpc>
                 <a:spcPct val="100000"/>
               </a:lnSpc>
@@ -7168,27 +7162,144 @@
               <a:buChar char=""/>
             </a:pPr>
             <a:r>
-              <a:rPr b="0" lang="en-US" sz="2000" spc="-1" strike="noStrike">
+              <a:rPr lang="en-US" sz="3200" b="0" strike="noStrike" spc="-1" dirty="0">
                 <a:solidFill>
                   <a:srgbClr val="000000"/>
                 </a:solidFill>
                 <a:uFill>
                   <a:solidFill>
-                    <a:srgbClr val="ffffff"/>
+                    <a:srgbClr val="FFFFFF"/>
                   </a:solidFill>
                 </a:uFill>
                 <a:latin typeface="Arial"/>
                 <a:ea typeface="DejaVu Sans"/>
               </a:rPr>
-              <a:t>Prepare Github repository</a:t>
-            </a:r>
-            <a:endParaRPr b="0" lang="en-US" sz="1800" spc="-1" strike="noStrike">
-              <a:solidFill>
-                <a:srgbClr val="000000"/>
-              </a:solidFill>
-              <a:uFill>
-                <a:solidFill>
-                  <a:srgbClr val="ffffff"/>
+              <a:t>Multiple users</a:t>
+            </a:r>
+            <a:endParaRPr lang="en-US" sz="1800" b="0" strike="noStrike" spc="-1" dirty="0">
+              <a:solidFill>
+                <a:srgbClr val="000000"/>
+              </a:solidFill>
+              <a:uFill>
+                <a:solidFill>
+                  <a:srgbClr val="FFFFFF"/>
+                </a:solidFill>
+              </a:uFill>
+              <a:latin typeface="Arial"/>
+            </a:endParaRPr>
+          </a:p>
+          <a:p>
+            <a:pPr marL="864000" lvl="1" indent="-323280">
+              <a:lnSpc>
+                <a:spcPct val="100000"/>
+              </a:lnSpc>
+              <a:buClr>
+                <a:srgbClr val="000000"/>
+              </a:buClr>
+              <a:buSzPct val="75000"/>
+              <a:buFont typeface="Symbol"/>
+              <a:buChar char=""/>
+            </a:pPr>
+            <a:r>
+              <a:rPr lang="en-US" sz="3200" b="0" strike="noStrike" spc="-1" dirty="0">
+                <a:solidFill>
+                  <a:srgbClr val="000000"/>
+                </a:solidFill>
+                <a:uFill>
+                  <a:solidFill>
+                    <a:srgbClr val="FFFFFF"/>
+                  </a:solidFill>
+                </a:uFill>
+                <a:latin typeface="Arial"/>
+                <a:ea typeface="DejaVu Sans"/>
+              </a:rPr>
+              <a:t>Have user 1 submit order on the web page</a:t>
+            </a:r>
+            <a:endParaRPr lang="en-US" sz="1800" b="0" strike="noStrike" spc="-1" dirty="0">
+              <a:solidFill>
+                <a:srgbClr val="000000"/>
+              </a:solidFill>
+              <a:uFill>
+                <a:solidFill>
+                  <a:srgbClr val="FFFFFF"/>
+                </a:solidFill>
+              </a:uFill>
+              <a:latin typeface="Arial"/>
+            </a:endParaRPr>
+          </a:p>
+          <a:p>
+            <a:pPr marL="864000" lvl="1" indent="-323280">
+              <a:lnSpc>
+                <a:spcPct val="100000"/>
+              </a:lnSpc>
+              <a:buClr>
+                <a:srgbClr val="000000"/>
+              </a:buClr>
+              <a:buSzPct val="75000"/>
+              <a:buFont typeface="Symbol"/>
+              <a:buChar char=""/>
+            </a:pPr>
+            <a:r>
+              <a:rPr lang="en-US" sz="3200" b="0" strike="noStrike" spc="-1" dirty="0">
+                <a:solidFill>
+                  <a:srgbClr val="000000"/>
+                </a:solidFill>
+                <a:uFill>
+                  <a:solidFill>
+                    <a:srgbClr val="FFFFFF"/>
+                  </a:solidFill>
+                </a:uFill>
+                <a:latin typeface="Arial"/>
+                <a:ea typeface="DejaVu Sans"/>
+              </a:rPr>
+              <a:t>Have user 2 see if those updates occur</a:t>
+            </a:r>
+            <a:endParaRPr lang="en-US" sz="1800" b="0" strike="noStrike" spc="-1" dirty="0">
+              <a:solidFill>
+                <a:srgbClr val="000000"/>
+              </a:solidFill>
+              <a:uFill>
+                <a:solidFill>
+                  <a:srgbClr val="FFFFFF"/>
+                </a:solidFill>
+              </a:uFill>
+              <a:latin typeface="Arial"/>
+            </a:endParaRPr>
+          </a:p>
+          <a:p>
+            <a:pPr marL="864000" lvl="1" indent="-323280">
+              <a:lnSpc>
+                <a:spcPct val="100000"/>
+              </a:lnSpc>
+              <a:buClr>
+                <a:srgbClr val="000000"/>
+              </a:buClr>
+              <a:buSzPct val="75000"/>
+              <a:buFont typeface="Symbol"/>
+              <a:buChar char=""/>
+            </a:pPr>
+            <a:r>
+              <a:rPr lang="en-US" sz="3200" b="0" strike="noStrike" spc="-1" dirty="0">
+                <a:solidFill>
+                  <a:srgbClr val="000000"/>
+                </a:solidFill>
+                <a:uFill>
+                  <a:solidFill>
+                    <a:srgbClr val="FFFFFF"/>
+                  </a:solidFill>
+                </a:uFill>
+                <a:latin typeface="Arial"/>
+                <a:ea typeface="DejaVu Sans"/>
+              </a:rPr>
+              <a:t>Have a real simulation to see that software works as we want it to.</a:t>
+            </a:r>
+            <a:endParaRPr lang="en-US" sz="1800" b="0" strike="noStrike" spc="-1" dirty="0">
+              <a:solidFill>
+                <a:srgbClr val="000000"/>
+              </a:solidFill>
+              <a:uFill>
+                <a:solidFill>
+                  <a:srgbClr val="FFFFFF"/>
                 </a:solidFill>
               </a:uFill>
               <a:latin typeface="Arial"/>
@@ -7207,34 +7318,34 @@
               <a:buChar char=""/>
             </a:pPr>
             <a:r>
-              <a:rPr b="0" lang="en-US" sz="2200" spc="-1" strike="noStrike">
+              <a:rPr lang="en-US" sz="3200" b="0" strike="noStrike" spc="-1" dirty="0">
                 <a:solidFill>
                   <a:srgbClr val="000000"/>
                 </a:solidFill>
                 <a:uFill>
                   <a:solidFill>
-                    <a:srgbClr val="ffffff"/>
+                    <a:srgbClr val="FFFFFF"/>
                   </a:solidFill>
                 </a:uFill>
                 <a:latin typeface="Arial"/>
                 <a:ea typeface="DejaVu Sans"/>
               </a:rPr>
-              <a:t>Week 2</a:t>
-            </a:r>
-            <a:endParaRPr b="0" lang="en-US" sz="1800" spc="-1" strike="noStrike">
-              <a:solidFill>
-                <a:srgbClr val="000000"/>
-              </a:solidFill>
-              <a:uFill>
-                <a:solidFill>
-                  <a:srgbClr val="ffffff"/>
-                </a:solidFill>
-              </a:uFill>
-              <a:latin typeface="Arial"/>
-            </a:endParaRPr>
-          </a:p>
-          <a:p>
-            <a:pPr lvl="1" marL="864000" indent="-323280">
+              <a:t>Test Data integrity</a:t>
+            </a:r>
+            <a:endParaRPr lang="en-US" sz="1800" b="0" strike="noStrike" spc="-1" dirty="0">
+              <a:solidFill>
+                <a:srgbClr val="000000"/>
+              </a:solidFill>
+              <a:uFill>
+                <a:solidFill>
+                  <a:srgbClr val="FFFFFF"/>
+                </a:solidFill>
+              </a:uFill>
+              <a:latin typeface="Arial"/>
+            </a:endParaRPr>
+          </a:p>
+          <a:p>
+            <a:pPr marL="864000" lvl="1" indent="-323280">
               <a:lnSpc>
                 <a:spcPct val="100000"/>
               </a:lnSpc>
@@ -7246,34 +7357,34 @@
               <a:buChar char=""/>
             </a:pPr>
             <a:r>
-              <a:rPr b="0" lang="en-US" sz="2000" spc="-1" strike="noStrike">
+              <a:rPr lang="en-US" sz="3200" b="0" strike="noStrike" spc="-1" dirty="0">
                 <a:solidFill>
                   <a:srgbClr val="000000"/>
                 </a:solidFill>
                 <a:uFill>
                   <a:solidFill>
-                    <a:srgbClr val="ffffff"/>
+                    <a:srgbClr val="FFFFFF"/>
                   </a:solidFill>
                 </a:uFill>
                 <a:latin typeface="Arial"/>
                 <a:ea typeface="DejaVu Sans"/>
               </a:rPr>
-              <a:t>Research and Develop. Think of things we want to implement within our Web App or Software.</a:t>
-            </a:r>
-            <a:endParaRPr b="0" lang="en-US" sz="1800" spc="-1" strike="noStrike">
-              <a:solidFill>
-                <a:srgbClr val="000000"/>
-              </a:solidFill>
-              <a:uFill>
-                <a:solidFill>
-                  <a:srgbClr val="ffffff"/>
-                </a:solidFill>
-              </a:uFill>
-              <a:latin typeface="Arial"/>
-            </a:endParaRPr>
-          </a:p>
-          <a:p>
-            <a:pPr lvl="1" marL="864000" indent="-323280">
+              <a:t>Database insertion/deletion/modification via UI</a:t>
+            </a:r>
+            <a:endParaRPr lang="en-US" sz="1800" b="0" strike="noStrike" spc="-1" dirty="0">
+              <a:solidFill>
+                <a:srgbClr val="000000"/>
+              </a:solidFill>
+              <a:uFill>
+                <a:solidFill>
+                  <a:srgbClr val="FFFFFF"/>
+                </a:solidFill>
+              </a:uFill>
+              <a:latin typeface="Arial"/>
+            </a:endParaRPr>
+          </a:p>
+          <a:p>
+            <a:pPr marL="864000" lvl="1" indent="-323280">
               <a:lnSpc>
                 <a:spcPct val="100000"/>
               </a:lnSpc>
@@ -7285,362 +7396,27 @@
               <a:buChar char=""/>
             </a:pPr>
             <a:r>
-              <a:rPr b="0" lang="en-US" sz="2000" spc="-1" strike="noStrike">
+              <a:rPr lang="en-US" sz="3200" b="0" strike="noStrike" spc="-1" dirty="0">
                 <a:solidFill>
                   <a:srgbClr val="000000"/>
                 </a:solidFill>
                 <a:uFill>
                   <a:solidFill>
-                    <a:srgbClr val="ffffff"/>
+                    <a:srgbClr val="FFFFFF"/>
                   </a:solidFill>
                 </a:uFill>
                 <a:latin typeface="Arial"/>
                 <a:ea typeface="DejaVu Sans"/>
               </a:rPr>
-              <a:t>Create a facilitate an Agile environment. Create a backlog with a sprint consisting of stories to tackle</a:t>
-            </a:r>
-            <a:endParaRPr b="0" lang="en-US" sz="1800" spc="-1" strike="noStrike">
-              <a:solidFill>
-                <a:srgbClr val="000000"/>
-              </a:solidFill>
-              <a:uFill>
-                <a:solidFill>
-                  <a:srgbClr val="ffffff"/>
-                </a:solidFill>
-              </a:uFill>
-              <a:latin typeface="Arial"/>
-            </a:endParaRPr>
-          </a:p>
-          <a:p>
-            <a:pPr marL="432000" indent="-323280">
-              <a:lnSpc>
-                <a:spcPct val="100000"/>
-              </a:lnSpc>
-              <a:buClr>
-                <a:srgbClr val="000000"/>
-              </a:buClr>
-              <a:buSzPct val="45000"/>
-              <a:buFont typeface="Wingdings" charset="2"/>
-              <a:buChar char=""/>
-            </a:pPr>
-            <a:r>
-              <a:rPr b="0" lang="en-US" sz="2200" spc="-1" strike="noStrike">
-                <a:solidFill>
-                  <a:srgbClr val="000000"/>
-                </a:solidFill>
-                <a:uFill>
-                  <a:solidFill>
-                    <a:srgbClr val="ffffff"/>
-                  </a:solidFill>
-                </a:uFill>
-                <a:latin typeface="Arial"/>
-                <a:ea typeface="DejaVu Sans"/>
-              </a:rPr>
-              <a:t>Week 3</a:t>
-            </a:r>
-            <a:endParaRPr b="0" lang="en-US" sz="1800" spc="-1" strike="noStrike">
-              <a:solidFill>
-                <a:srgbClr val="000000"/>
-              </a:solidFill>
-              <a:uFill>
-                <a:solidFill>
-                  <a:srgbClr val="ffffff"/>
-                </a:solidFill>
-              </a:uFill>
-              <a:latin typeface="Arial"/>
-            </a:endParaRPr>
-          </a:p>
-          <a:p>
-            <a:pPr lvl="1" marL="864000" indent="-323280">
-              <a:lnSpc>
-                <a:spcPct val="100000"/>
-              </a:lnSpc>
-              <a:buClr>
-                <a:srgbClr val="000000"/>
-              </a:buClr>
-              <a:buSzPct val="75000"/>
-              <a:buFont typeface="Symbol"/>
-              <a:buChar char=""/>
-            </a:pPr>
-            <a:r>
-              <a:rPr b="0" lang="en-US" sz="2000" spc="-1" strike="noStrike">
-                <a:solidFill>
-                  <a:srgbClr val="000000"/>
-                </a:solidFill>
-                <a:uFill>
-                  <a:solidFill>
-                    <a:srgbClr val="ffffff"/>
-                  </a:solidFill>
-                </a:uFill>
-                <a:latin typeface="Arial"/>
-                <a:ea typeface="DejaVu Sans"/>
-              </a:rPr>
-              <a:t>Add stories and possible features and enhancements</a:t>
-            </a:r>
-            <a:endParaRPr b="0" lang="en-US" sz="1800" spc="-1" strike="noStrike">
-              <a:solidFill>
-                <a:srgbClr val="000000"/>
-              </a:solidFill>
-              <a:uFill>
-                <a:solidFill>
-                  <a:srgbClr val="ffffff"/>
-                </a:solidFill>
-              </a:uFill>
-              <a:latin typeface="Arial"/>
-            </a:endParaRPr>
-          </a:p>
-          <a:p>
-            <a:pPr lvl="1" marL="864000" indent="-323280">
-              <a:lnSpc>
-                <a:spcPct val="100000"/>
-              </a:lnSpc>
-              <a:buClr>
-                <a:srgbClr val="000000"/>
-              </a:buClr>
-              <a:buSzPct val="75000"/>
-              <a:buFont typeface="Symbol"/>
-              <a:buChar char=""/>
-            </a:pPr>
-            <a:r>
-              <a:rPr b="0" lang="en-US" sz="2000" spc="-1" strike="noStrike">
-                <a:solidFill>
-                  <a:srgbClr val="000000"/>
-                </a:solidFill>
-                <a:uFill>
-                  <a:solidFill>
-                    <a:srgbClr val="ffffff"/>
-                  </a:solidFill>
-                </a:uFill>
-                <a:latin typeface="Arial"/>
-                <a:ea typeface="DejaVu Sans"/>
-              </a:rPr>
-              <a:t>Work</a:t>
-            </a:r>
-            <a:endParaRPr b="0" lang="en-US" sz="1800" spc="-1" strike="noStrike">
-              <a:solidFill>
-                <a:srgbClr val="000000"/>
-              </a:solidFill>
-              <a:uFill>
-                <a:solidFill>
-                  <a:srgbClr val="ffffff"/>
-                </a:solidFill>
-              </a:uFill>
-              <a:latin typeface="Arial"/>
-            </a:endParaRPr>
-          </a:p>
-          <a:p>
-            <a:pPr marL="432000" indent="-323280">
-              <a:lnSpc>
-                <a:spcPct val="100000"/>
-              </a:lnSpc>
-              <a:buClr>
-                <a:srgbClr val="000000"/>
-              </a:buClr>
-              <a:buSzPct val="45000"/>
-              <a:buFont typeface="Wingdings" charset="2"/>
-              <a:buChar char=""/>
-            </a:pPr>
-            <a:r>
-              <a:rPr b="0" lang="en-US" sz="2200" spc="-1" strike="noStrike">
-                <a:solidFill>
-                  <a:srgbClr val="000000"/>
-                </a:solidFill>
-                <a:uFill>
-                  <a:solidFill>
-                    <a:srgbClr val="ffffff"/>
-                  </a:solidFill>
-                </a:uFill>
-                <a:latin typeface="Arial"/>
-                <a:ea typeface="DejaVu Sans"/>
-              </a:rPr>
-              <a:t>Week 4 – Last Week</a:t>
-            </a:r>
-            <a:endParaRPr b="0" lang="en-US" sz="1800" spc="-1" strike="noStrike">
-              <a:solidFill>
-                <a:srgbClr val="000000"/>
-              </a:solidFill>
-              <a:uFill>
-                <a:solidFill>
-                  <a:srgbClr val="ffffff"/>
-                </a:solidFill>
-              </a:uFill>
-              <a:latin typeface="Arial"/>
-            </a:endParaRPr>
-          </a:p>
-          <a:p>
-            <a:pPr lvl="1" marL="864000" indent="-323280">
-              <a:lnSpc>
-                <a:spcPct val="100000"/>
-              </a:lnSpc>
-              <a:buClr>
-                <a:srgbClr val="000000"/>
-              </a:buClr>
-              <a:buSzPct val="75000"/>
-              <a:buFont typeface="Symbol"/>
-              <a:buChar char=""/>
-            </a:pPr>
-            <a:r>
-              <a:rPr b="0" lang="en-US" sz="2000" spc="-1" strike="noStrike">
-                <a:solidFill>
-                  <a:srgbClr val="000000"/>
-                </a:solidFill>
-                <a:uFill>
-                  <a:solidFill>
-                    <a:srgbClr val="ffffff"/>
-                  </a:solidFill>
-                </a:uFill>
-                <a:latin typeface="Arial"/>
-                <a:ea typeface="DejaVu Sans"/>
-              </a:rPr>
-              <a:t>Work on the project. Unit testing and integration testing. Merging our work together. </a:t>
-            </a:r>
-            <a:endParaRPr b="0" lang="en-US" sz="1800" spc="-1" strike="noStrike">
-              <a:solidFill>
-                <a:srgbClr val="000000"/>
-              </a:solidFill>
-              <a:uFill>
-                <a:solidFill>
-                  <a:srgbClr val="ffffff"/>
-                </a:solidFill>
-              </a:uFill>
-              <a:latin typeface="Arial"/>
-            </a:endParaRPr>
-          </a:p>
-          <a:p>
-            <a:pPr lvl="1" marL="864000" indent="-323280">
-              <a:lnSpc>
-                <a:spcPct val="100000"/>
-              </a:lnSpc>
-              <a:buClr>
-                <a:srgbClr val="000000"/>
-              </a:buClr>
-              <a:buSzPct val="75000"/>
-              <a:buFont typeface="Symbol"/>
-              <a:buChar char=""/>
-            </a:pPr>
-            <a:r>
-              <a:rPr b="0" lang="en-US" sz="2000" spc="-1" strike="noStrike">
-                <a:solidFill>
-                  <a:srgbClr val="000000"/>
-                </a:solidFill>
-                <a:uFill>
-                  <a:solidFill>
-                    <a:srgbClr val="ffffff"/>
-                  </a:solidFill>
-                </a:uFill>
-                <a:latin typeface="Arial"/>
-                <a:ea typeface="DejaVu Sans"/>
-              </a:rPr>
-              <a:t>Updating our githubs (constantly). Validate and commit. </a:t>
-            </a:r>
-            <a:endParaRPr b="0" lang="en-US" sz="1800" spc="-1" strike="noStrike">
-              <a:solidFill>
-                <a:srgbClr val="000000"/>
-              </a:solidFill>
-              <a:uFill>
-                <a:solidFill>
-                  <a:srgbClr val="ffffff"/>
-                </a:solidFill>
-              </a:uFill>
-              <a:latin typeface="Arial"/>
-            </a:endParaRPr>
-          </a:p>
-          <a:p>
-            <a:pPr lvl="1" marL="864000" indent="-323280">
-              <a:lnSpc>
-                <a:spcPct val="100000"/>
-              </a:lnSpc>
-              <a:buClr>
-                <a:srgbClr val="000000"/>
-              </a:buClr>
-              <a:buSzPct val="75000"/>
-              <a:buFont typeface="Symbol"/>
-              <a:buChar char=""/>
-            </a:pPr>
-            <a:r>
-              <a:rPr b="0" lang="en-US" sz="2000" spc="-1" strike="noStrike">
-                <a:solidFill>
-                  <a:srgbClr val="000000"/>
-                </a:solidFill>
-                <a:uFill>
-                  <a:solidFill>
-                    <a:srgbClr val="ffffff"/>
-                  </a:solidFill>
-                </a:uFill>
-                <a:latin typeface="Arial"/>
-                <a:ea typeface="DejaVu Sans"/>
-              </a:rPr>
-              <a:t>Testing and validating and improving where need be.</a:t>
-            </a:r>
-            <a:endParaRPr b="0" lang="en-US" sz="1800" spc="-1" strike="noStrike">
-              <a:solidFill>
-                <a:srgbClr val="000000"/>
-              </a:solidFill>
-              <a:uFill>
-                <a:solidFill>
-                  <a:srgbClr val="ffffff"/>
-                </a:solidFill>
-              </a:uFill>
-              <a:latin typeface="Arial"/>
-            </a:endParaRPr>
-          </a:p>
-        </p:txBody>
-      </p:sp>
-      <p:sp>
-        <p:nvSpPr>
-          <p:cNvPr id="90" name="CustomShape 2"/>
-          <p:cNvSpPr/>
-          <p:nvPr/>
-        </p:nvSpPr>
-        <p:spPr>
-          <a:xfrm>
-            <a:off x="504000" y="301320"/>
-            <a:ext cx="9070920" cy="1261440"/>
-          </a:xfrm>
-          <a:prstGeom prst="rect">
-            <a:avLst/>
-          </a:prstGeom>
-          <a:noFill/>
-          <a:ln>
-            <a:noFill/>
-          </a:ln>
-        </p:spPr>
-        <p:style>
-          <a:lnRef idx="0"/>
-          <a:fillRef idx="0"/>
-          <a:effectRef idx="0"/>
-          <a:fontRef idx="minor"/>
-        </p:style>
-        <p:txBody>
-          <a:bodyPr lIns="0" rIns="0" tIns="0" bIns="0" anchor="ctr"/>
-          <a:p>
-            <a:pPr algn="ctr">
-              <a:lnSpc>
-                <a:spcPct val="100000"/>
-              </a:lnSpc>
-            </a:pPr>
-            <a:r>
-              <a:rPr b="0" lang="en-US" sz="4400" spc="-1" strike="noStrike">
-                <a:solidFill>
-                  <a:srgbClr val="000000"/>
-                </a:solidFill>
-                <a:uFill>
-                  <a:solidFill>
-                    <a:srgbClr val="ffffff"/>
-                  </a:solidFill>
-                </a:uFill>
-                <a:latin typeface="Arial"/>
-                <a:ea typeface="DejaVu Sans"/>
-              </a:rPr>
-              <a:t>Time-line</a:t>
-            </a:r>
-            <a:endParaRPr b="0" lang="en-US" sz="1800" spc="-1" strike="noStrike">
-              <a:solidFill>
-                <a:srgbClr val="000000"/>
-              </a:solidFill>
-              <a:uFill>
-                <a:solidFill>
-                  <a:srgbClr val="ffffff"/>
+              <a:t>Database connectivity</a:t>
+            </a:r>
+            <a:endParaRPr lang="en-US" sz="1800" b="0" strike="noStrike" spc="-1" dirty="0">
+              <a:solidFill>
+                <a:srgbClr val="000000"/>
+              </a:solidFill>
+              <a:uFill>
+                <a:solidFill>
+                  <a:srgbClr val="FFFFFF"/>
                 </a:solidFill>
               </a:uFill>
               <a:latin typeface="Arial"/>
@@ -7650,22 +7426,689 @@
       </p:sp>
     </p:spTree>
   </p:cSld>
+  <p:clrMapOvr>
+    <a:masterClrMapping/>
+  </p:clrMapOvr>
   <p:timing>
     <p:tnLst>
       <p:par>
-        <p:cTn id="15" dur="indefinite" restart="never" nodeType="tmRoot">
+        <p:cTn id="1" dur="indefinite" restart="never" nodeType="tmRoot">
           <p:childTnLst>
             <p:seq>
-              <p:cTn id="16" nodeType="mainSeq"/>
+              <p:cTn id="2" nodeType="mainSeq"/>
               <p:prevCondLst>
-                <p:cond delay="0" evt="onPrev">
+                <p:cond evt="onPrev" delay="0">
                   <p:tgtEl>
                     <p:sldTgt/>
                   </p:tgtEl>
                 </p:cond>
               </p:prevCondLst>
               <p:nextCondLst>
-                <p:cond delay="0" evt="onNext">
+                <p:cond evt="onNext" delay="0">
+                  <p:tgtEl>
+                    <p:sldTgt/>
+                  </p:tgtEl>
+                </p:cond>
+              </p:nextCondLst>
+            </p:seq>
+          </p:childTnLst>
+        </p:cTn>
+      </p:par>
+    </p:tnLst>
+  </p:timing>
+</p:sld>
+</file>
+
+<file path=ppt/slides/slide9.xml><?xml version="1.0" encoding="utf-8"?>
+<p:sld xmlns:a="http://schemas.openxmlformats.org/drawingml/2006/main" xmlns:r="http://schemas.openxmlformats.org/officeDocument/2006/relationships" xmlns:p="http://schemas.openxmlformats.org/presentationml/2006/main">
+  <p:cSld>
+    <p:spTree>
+      <p:nvGrpSpPr>
+        <p:cNvPr id="1" name=""/>
+        <p:cNvGrpSpPr/>
+        <p:nvPr/>
+      </p:nvGrpSpPr>
+      <p:grpSpPr>
+        <a:xfrm>
+          <a:off x="0" y="0"/>
+          <a:ext cx="0" cy="0"/>
+          <a:chOff x="0" y="0"/>
+          <a:chExt cx="0" cy="0"/>
+        </a:xfrm>
+      </p:grpSpPr>
+      <p:sp>
+        <p:nvSpPr>
+          <p:cNvPr id="89" name="CustomShape 1"/>
+          <p:cNvSpPr/>
+          <p:nvPr/>
+        </p:nvSpPr>
+        <p:spPr>
+          <a:xfrm>
+            <a:off x="365760" y="1285200"/>
+            <a:ext cx="9070920" cy="4383720"/>
+          </a:xfrm>
+          <a:prstGeom prst="rect">
+            <a:avLst/>
+          </a:prstGeom>
+          <a:noFill/>
+          <a:ln>
+            <a:noFill/>
+          </a:ln>
+        </p:spPr>
+        <p:style>
+          <a:lnRef idx="0">
+            <a:scrgbClr r="0" g="0" b="0"/>
+          </a:lnRef>
+          <a:fillRef idx="0">
+            <a:scrgbClr r="0" g="0" b="0"/>
+          </a:fillRef>
+          <a:effectRef idx="0">
+            <a:scrgbClr r="0" g="0" b="0"/>
+          </a:effectRef>
+          <a:fontRef idx="minor"/>
+        </p:style>
+        <p:txBody>
+          <a:bodyPr lIns="0" tIns="0" rIns="0" bIns="0"/>
+          <a:lstStyle/>
+          <a:p>
+            <a:pPr marL="432000" indent="-323280">
+              <a:lnSpc>
+                <a:spcPct val="100000"/>
+              </a:lnSpc>
+              <a:buClr>
+                <a:srgbClr val="000000"/>
+              </a:buClr>
+              <a:buSzPct val="45000"/>
+              <a:buFont typeface="Wingdings" charset="2"/>
+              <a:buChar char=""/>
+            </a:pPr>
+            <a:r>
+              <a:rPr lang="en-US" sz="2200" b="0" strike="noStrike" spc="-1">
+                <a:solidFill>
+                  <a:srgbClr val="000000"/>
+                </a:solidFill>
+                <a:uFill>
+                  <a:solidFill>
+                    <a:srgbClr val="FFFFFF"/>
+                  </a:solidFill>
+                </a:uFill>
+                <a:latin typeface="Arial"/>
+                <a:ea typeface="DejaVu Sans"/>
+              </a:rPr>
+              <a:t>Week 1</a:t>
+            </a:r>
+            <a:endParaRPr lang="en-US" sz="1800" b="0" strike="noStrike" spc="-1">
+              <a:solidFill>
+                <a:srgbClr val="000000"/>
+              </a:solidFill>
+              <a:uFill>
+                <a:solidFill>
+                  <a:srgbClr val="FFFFFF"/>
+                </a:solidFill>
+              </a:uFill>
+              <a:latin typeface="Arial"/>
+            </a:endParaRPr>
+          </a:p>
+          <a:p>
+            <a:pPr marL="864000" lvl="1" indent="-323280">
+              <a:lnSpc>
+                <a:spcPct val="100000"/>
+              </a:lnSpc>
+              <a:buClr>
+                <a:srgbClr val="000000"/>
+              </a:buClr>
+              <a:buSzPct val="75000"/>
+              <a:buFont typeface="Symbol"/>
+              <a:buChar char=""/>
+            </a:pPr>
+            <a:r>
+              <a:rPr lang="en-US" sz="2000" b="0" strike="noStrike" spc="-1">
+                <a:solidFill>
+                  <a:srgbClr val="000000"/>
+                </a:solidFill>
+                <a:uFill>
+                  <a:solidFill>
+                    <a:srgbClr val="FFFFFF"/>
+                  </a:solidFill>
+                </a:uFill>
+                <a:latin typeface="Arial"/>
+                <a:ea typeface="DejaVu Sans"/>
+              </a:rPr>
+              <a:t>Organize, develop a plan, and converse with the group</a:t>
+            </a:r>
+            <a:endParaRPr lang="en-US" sz="1800" b="0" strike="noStrike" spc="-1">
+              <a:solidFill>
+                <a:srgbClr val="000000"/>
+              </a:solidFill>
+              <a:uFill>
+                <a:solidFill>
+                  <a:srgbClr val="FFFFFF"/>
+                </a:solidFill>
+              </a:uFill>
+              <a:latin typeface="Arial"/>
+            </a:endParaRPr>
+          </a:p>
+          <a:p>
+            <a:pPr marL="864000" lvl="1" indent="-323280">
+              <a:lnSpc>
+                <a:spcPct val="100000"/>
+              </a:lnSpc>
+              <a:buClr>
+                <a:srgbClr val="000000"/>
+              </a:buClr>
+              <a:buSzPct val="75000"/>
+              <a:buFont typeface="Symbol"/>
+              <a:buChar char=""/>
+            </a:pPr>
+            <a:r>
+              <a:rPr lang="en-US" sz="2000" b="0" strike="noStrike" spc="-1">
+                <a:solidFill>
+                  <a:srgbClr val="000000"/>
+                </a:solidFill>
+                <a:uFill>
+                  <a:solidFill>
+                    <a:srgbClr val="FFFFFF"/>
+                  </a:solidFill>
+                </a:uFill>
+                <a:latin typeface="Arial"/>
+                <a:ea typeface="DejaVu Sans"/>
+              </a:rPr>
+              <a:t>Prepare Github repository</a:t>
+            </a:r>
+            <a:endParaRPr lang="en-US" sz="1800" b="0" strike="noStrike" spc="-1">
+              <a:solidFill>
+                <a:srgbClr val="000000"/>
+              </a:solidFill>
+              <a:uFill>
+                <a:solidFill>
+                  <a:srgbClr val="FFFFFF"/>
+                </a:solidFill>
+              </a:uFill>
+              <a:latin typeface="Arial"/>
+            </a:endParaRPr>
+          </a:p>
+          <a:p>
+            <a:pPr marL="432000" indent="-323280">
+              <a:lnSpc>
+                <a:spcPct val="100000"/>
+              </a:lnSpc>
+              <a:buClr>
+                <a:srgbClr val="000000"/>
+              </a:buClr>
+              <a:buSzPct val="45000"/>
+              <a:buFont typeface="Wingdings" charset="2"/>
+              <a:buChar char=""/>
+            </a:pPr>
+            <a:r>
+              <a:rPr lang="en-US" sz="2200" b="0" strike="noStrike" spc="-1">
+                <a:solidFill>
+                  <a:srgbClr val="000000"/>
+                </a:solidFill>
+                <a:uFill>
+                  <a:solidFill>
+                    <a:srgbClr val="FFFFFF"/>
+                  </a:solidFill>
+                </a:uFill>
+                <a:latin typeface="Arial"/>
+                <a:ea typeface="DejaVu Sans"/>
+              </a:rPr>
+              <a:t>Week 2</a:t>
+            </a:r>
+            <a:endParaRPr lang="en-US" sz="1800" b="0" strike="noStrike" spc="-1">
+              <a:solidFill>
+                <a:srgbClr val="000000"/>
+              </a:solidFill>
+              <a:uFill>
+                <a:solidFill>
+                  <a:srgbClr val="FFFFFF"/>
+                </a:solidFill>
+              </a:uFill>
+              <a:latin typeface="Arial"/>
+            </a:endParaRPr>
+          </a:p>
+          <a:p>
+            <a:pPr marL="864000" lvl="1" indent="-323280">
+              <a:lnSpc>
+                <a:spcPct val="100000"/>
+              </a:lnSpc>
+              <a:buClr>
+                <a:srgbClr val="000000"/>
+              </a:buClr>
+              <a:buSzPct val="75000"/>
+              <a:buFont typeface="Symbol"/>
+              <a:buChar char=""/>
+            </a:pPr>
+            <a:r>
+              <a:rPr lang="en-US" sz="2000" b="0" strike="noStrike" spc="-1">
+                <a:solidFill>
+                  <a:srgbClr val="000000"/>
+                </a:solidFill>
+                <a:uFill>
+                  <a:solidFill>
+                    <a:srgbClr val="FFFFFF"/>
+                  </a:solidFill>
+                </a:uFill>
+                <a:latin typeface="Arial"/>
+                <a:ea typeface="DejaVu Sans"/>
+              </a:rPr>
+              <a:t>Research and Develop. Think of things we want to implement within our Web App or Software.</a:t>
+            </a:r>
+            <a:endParaRPr lang="en-US" sz="1800" b="0" strike="noStrike" spc="-1">
+              <a:solidFill>
+                <a:srgbClr val="000000"/>
+              </a:solidFill>
+              <a:uFill>
+                <a:solidFill>
+                  <a:srgbClr val="FFFFFF"/>
+                </a:solidFill>
+              </a:uFill>
+              <a:latin typeface="Arial"/>
+            </a:endParaRPr>
+          </a:p>
+          <a:p>
+            <a:pPr marL="864000" lvl="1" indent="-323280">
+              <a:lnSpc>
+                <a:spcPct val="100000"/>
+              </a:lnSpc>
+              <a:buClr>
+                <a:srgbClr val="000000"/>
+              </a:buClr>
+              <a:buSzPct val="75000"/>
+              <a:buFont typeface="Symbol"/>
+              <a:buChar char=""/>
+            </a:pPr>
+            <a:r>
+              <a:rPr lang="en-US" sz="2000" b="0" strike="noStrike" spc="-1">
+                <a:solidFill>
+                  <a:srgbClr val="000000"/>
+                </a:solidFill>
+                <a:uFill>
+                  <a:solidFill>
+                    <a:srgbClr val="FFFFFF"/>
+                  </a:solidFill>
+                </a:uFill>
+                <a:latin typeface="Arial"/>
+                <a:ea typeface="DejaVu Sans"/>
+              </a:rPr>
+              <a:t>Create a facilitate an Agile environment. Create a backlog with a sprint consisting of stories to tackle</a:t>
+            </a:r>
+            <a:endParaRPr lang="en-US" sz="1800" b="0" strike="noStrike" spc="-1">
+              <a:solidFill>
+                <a:srgbClr val="000000"/>
+              </a:solidFill>
+              <a:uFill>
+                <a:solidFill>
+                  <a:srgbClr val="FFFFFF"/>
+                </a:solidFill>
+              </a:uFill>
+              <a:latin typeface="Arial"/>
+            </a:endParaRPr>
+          </a:p>
+          <a:p>
+            <a:pPr marL="432000" indent="-323280">
+              <a:lnSpc>
+                <a:spcPct val="100000"/>
+              </a:lnSpc>
+              <a:buClr>
+                <a:srgbClr val="000000"/>
+              </a:buClr>
+              <a:buSzPct val="45000"/>
+              <a:buFont typeface="Wingdings" charset="2"/>
+              <a:buChar char=""/>
+            </a:pPr>
+            <a:r>
+              <a:rPr lang="en-US" sz="2200" b="0" strike="noStrike" spc="-1">
+                <a:solidFill>
+                  <a:srgbClr val="000000"/>
+                </a:solidFill>
+                <a:uFill>
+                  <a:solidFill>
+                    <a:srgbClr val="FFFFFF"/>
+                  </a:solidFill>
+                </a:uFill>
+                <a:latin typeface="Arial"/>
+                <a:ea typeface="DejaVu Sans"/>
+              </a:rPr>
+              <a:t>Week 3</a:t>
+            </a:r>
+            <a:endParaRPr lang="en-US" sz="1800" b="0" strike="noStrike" spc="-1">
+              <a:solidFill>
+                <a:srgbClr val="000000"/>
+              </a:solidFill>
+              <a:uFill>
+                <a:solidFill>
+                  <a:srgbClr val="FFFFFF"/>
+                </a:solidFill>
+              </a:uFill>
+              <a:latin typeface="Arial"/>
+            </a:endParaRPr>
+          </a:p>
+          <a:p>
+            <a:pPr marL="864000" lvl="1" indent="-323280">
+              <a:lnSpc>
+                <a:spcPct val="100000"/>
+              </a:lnSpc>
+              <a:buClr>
+                <a:srgbClr val="000000"/>
+              </a:buClr>
+              <a:buSzPct val="75000"/>
+              <a:buFont typeface="Symbol"/>
+              <a:buChar char=""/>
+            </a:pPr>
+            <a:r>
+              <a:rPr lang="en-US" sz="2000" b="0" strike="noStrike" spc="-1">
+                <a:solidFill>
+                  <a:srgbClr val="000000"/>
+                </a:solidFill>
+                <a:uFill>
+                  <a:solidFill>
+                    <a:srgbClr val="FFFFFF"/>
+                  </a:solidFill>
+                </a:uFill>
+                <a:latin typeface="Arial"/>
+                <a:ea typeface="DejaVu Sans"/>
+              </a:rPr>
+              <a:t>Add stories and possible features and enhancements</a:t>
+            </a:r>
+            <a:endParaRPr lang="en-US" sz="1800" b="0" strike="noStrike" spc="-1">
+              <a:solidFill>
+                <a:srgbClr val="000000"/>
+              </a:solidFill>
+              <a:uFill>
+                <a:solidFill>
+                  <a:srgbClr val="FFFFFF"/>
+                </a:solidFill>
+              </a:uFill>
+              <a:latin typeface="Arial"/>
+            </a:endParaRPr>
+          </a:p>
+          <a:p>
+            <a:pPr marL="864000" lvl="1" indent="-323280">
+              <a:lnSpc>
+                <a:spcPct val="100000"/>
+              </a:lnSpc>
+              <a:buClr>
+                <a:srgbClr val="000000"/>
+              </a:buClr>
+              <a:buSzPct val="75000"/>
+              <a:buFont typeface="Symbol"/>
+              <a:buChar char=""/>
+            </a:pPr>
+            <a:r>
+              <a:rPr lang="en-US" sz="2000" b="0" strike="noStrike" spc="-1">
+                <a:solidFill>
+                  <a:srgbClr val="000000"/>
+                </a:solidFill>
+                <a:uFill>
+                  <a:solidFill>
+                    <a:srgbClr val="FFFFFF"/>
+                  </a:solidFill>
+                </a:uFill>
+                <a:latin typeface="Arial"/>
+                <a:ea typeface="DejaVu Sans"/>
+              </a:rPr>
+              <a:t>Work</a:t>
+            </a:r>
+            <a:endParaRPr lang="en-US" sz="1800" b="0" strike="noStrike" spc="-1">
+              <a:solidFill>
+                <a:srgbClr val="000000"/>
+              </a:solidFill>
+              <a:uFill>
+                <a:solidFill>
+                  <a:srgbClr val="FFFFFF"/>
+                </a:solidFill>
+              </a:uFill>
+              <a:latin typeface="Arial"/>
+            </a:endParaRPr>
+          </a:p>
+          <a:p>
+            <a:pPr marL="432000" indent="-323280">
+              <a:lnSpc>
+                <a:spcPct val="100000"/>
+              </a:lnSpc>
+              <a:buClr>
+                <a:srgbClr val="000000"/>
+              </a:buClr>
+              <a:buSzPct val="45000"/>
+              <a:buFont typeface="Wingdings" charset="2"/>
+              <a:buChar char=""/>
+            </a:pPr>
+            <a:r>
+              <a:rPr lang="en-US" sz="2200" b="0" strike="noStrike" spc="-1">
+                <a:solidFill>
+                  <a:srgbClr val="000000"/>
+                </a:solidFill>
+                <a:uFill>
+                  <a:solidFill>
+                    <a:srgbClr val="FFFFFF"/>
+                  </a:solidFill>
+                </a:uFill>
+                <a:latin typeface="Arial"/>
+                <a:ea typeface="DejaVu Sans"/>
+              </a:rPr>
+              <a:t>Week 4 – Last Week</a:t>
+            </a:r>
+            <a:endParaRPr lang="en-US" sz="1800" b="0" strike="noStrike" spc="-1">
+              <a:solidFill>
+                <a:srgbClr val="000000"/>
+              </a:solidFill>
+              <a:uFill>
+                <a:solidFill>
+                  <a:srgbClr val="FFFFFF"/>
+                </a:solidFill>
+              </a:uFill>
+              <a:latin typeface="Arial"/>
+            </a:endParaRPr>
+          </a:p>
+          <a:p>
+            <a:pPr marL="864000" lvl="1" indent="-323280">
+              <a:lnSpc>
+                <a:spcPct val="100000"/>
+              </a:lnSpc>
+              <a:buClr>
+                <a:srgbClr val="000000"/>
+              </a:buClr>
+              <a:buSzPct val="75000"/>
+              <a:buFont typeface="Symbol"/>
+              <a:buChar char=""/>
+            </a:pPr>
+            <a:r>
+              <a:rPr lang="en-US" sz="2000" b="0" strike="noStrike" spc="-1">
+                <a:solidFill>
+                  <a:srgbClr val="000000"/>
+                </a:solidFill>
+                <a:uFill>
+                  <a:solidFill>
+                    <a:srgbClr val="FFFFFF"/>
+                  </a:solidFill>
+                </a:uFill>
+                <a:latin typeface="Arial"/>
+                <a:ea typeface="DejaVu Sans"/>
+              </a:rPr>
+              <a:t>Work on the project. Unit testing and integration testing. Merging our work together. </a:t>
+            </a:r>
+            <a:endParaRPr lang="en-US" sz="1800" b="0" strike="noStrike" spc="-1">
+              <a:solidFill>
+                <a:srgbClr val="000000"/>
+              </a:solidFill>
+              <a:uFill>
+                <a:solidFill>
+                  <a:srgbClr val="FFFFFF"/>
+                </a:solidFill>
+              </a:uFill>
+              <a:latin typeface="Arial"/>
+            </a:endParaRPr>
+          </a:p>
+          <a:p>
+            <a:pPr marL="864000" lvl="1" indent="-323280">
+              <a:lnSpc>
+                <a:spcPct val="100000"/>
+              </a:lnSpc>
+              <a:buClr>
+                <a:srgbClr val="000000"/>
+              </a:buClr>
+              <a:buSzPct val="75000"/>
+              <a:buFont typeface="Symbol"/>
+              <a:buChar char=""/>
+            </a:pPr>
+            <a:r>
+              <a:rPr lang="en-US" sz="2000" b="0" strike="noStrike" spc="-1">
+                <a:solidFill>
+                  <a:srgbClr val="000000"/>
+                </a:solidFill>
+                <a:uFill>
+                  <a:solidFill>
+                    <a:srgbClr val="FFFFFF"/>
+                  </a:solidFill>
+                </a:uFill>
+                <a:latin typeface="Arial"/>
+                <a:ea typeface="DejaVu Sans"/>
+              </a:rPr>
+              <a:t>Updating our githubs (constantly). Validate and commit. </a:t>
+            </a:r>
+            <a:endParaRPr lang="en-US" sz="1800" b="0" strike="noStrike" spc="-1">
+              <a:solidFill>
+                <a:srgbClr val="000000"/>
+              </a:solidFill>
+              <a:uFill>
+                <a:solidFill>
+                  <a:srgbClr val="FFFFFF"/>
+                </a:solidFill>
+              </a:uFill>
+              <a:latin typeface="Arial"/>
+            </a:endParaRPr>
+          </a:p>
+          <a:p>
+            <a:pPr marL="864000" lvl="1" indent="-323280">
+              <a:lnSpc>
+                <a:spcPct val="100000"/>
+              </a:lnSpc>
+              <a:buClr>
+                <a:srgbClr val="000000"/>
+              </a:buClr>
+              <a:buSzPct val="75000"/>
+              <a:buFont typeface="Symbol"/>
+              <a:buChar char=""/>
+            </a:pPr>
+            <a:r>
+              <a:rPr lang="en-US" sz="2000" b="0" strike="noStrike" spc="-1">
+                <a:solidFill>
+                  <a:srgbClr val="000000"/>
+                </a:solidFill>
+                <a:uFill>
+                  <a:solidFill>
+                    <a:srgbClr val="FFFFFF"/>
+                  </a:solidFill>
+                </a:uFill>
+                <a:latin typeface="Arial"/>
+                <a:ea typeface="DejaVu Sans"/>
+              </a:rPr>
+              <a:t>Testing and validating and improving where need be.</a:t>
+            </a:r>
+            <a:endParaRPr lang="en-US" sz="1800" b="0" strike="noStrike" spc="-1">
+              <a:solidFill>
+                <a:srgbClr val="000000"/>
+              </a:solidFill>
+              <a:uFill>
+                <a:solidFill>
+                  <a:srgbClr val="FFFFFF"/>
+                </a:solidFill>
+              </a:uFill>
+              <a:latin typeface="Arial"/>
+            </a:endParaRPr>
+          </a:p>
+        </p:txBody>
+      </p:sp>
+      <p:sp>
+        <p:nvSpPr>
+          <p:cNvPr id="90" name="CustomShape 2"/>
+          <p:cNvSpPr/>
+          <p:nvPr/>
+        </p:nvSpPr>
+        <p:spPr>
+          <a:xfrm>
+            <a:off x="504000" y="301320"/>
+            <a:ext cx="9070920" cy="1261440"/>
+          </a:xfrm>
+          <a:prstGeom prst="rect">
+            <a:avLst/>
+          </a:prstGeom>
+          <a:noFill/>
+          <a:ln>
+            <a:noFill/>
+          </a:ln>
+        </p:spPr>
+        <p:style>
+          <a:lnRef idx="0">
+            <a:scrgbClr r="0" g="0" b="0"/>
+          </a:lnRef>
+          <a:fillRef idx="0">
+            <a:scrgbClr r="0" g="0" b="0"/>
+          </a:fillRef>
+          <a:effectRef idx="0">
+            <a:scrgbClr r="0" g="0" b="0"/>
+          </a:effectRef>
+          <a:fontRef idx="minor"/>
+        </p:style>
+        <p:txBody>
+          <a:bodyPr lIns="0" tIns="0" rIns="0" bIns="0" anchor="ctr"/>
+          <a:lstStyle/>
+          <a:p>
+            <a:pPr algn="ctr">
+              <a:lnSpc>
+                <a:spcPct val="100000"/>
+              </a:lnSpc>
+            </a:pPr>
+            <a:r>
+              <a:rPr lang="en-US" sz="4400" b="0" strike="noStrike" spc="-1">
+                <a:solidFill>
+                  <a:srgbClr val="000000"/>
+                </a:solidFill>
+                <a:uFill>
+                  <a:solidFill>
+                    <a:srgbClr val="FFFFFF"/>
+                  </a:solidFill>
+                </a:uFill>
+                <a:latin typeface="Arial"/>
+                <a:ea typeface="DejaVu Sans"/>
+              </a:rPr>
+              <a:t>Time-line</a:t>
+            </a:r>
+            <a:endParaRPr lang="en-US" sz="1800" b="0" strike="noStrike" spc="-1">
+              <a:solidFill>
+                <a:srgbClr val="000000"/>
+              </a:solidFill>
+              <a:uFill>
+                <a:solidFill>
+                  <a:srgbClr val="FFFFFF"/>
+                </a:solidFill>
+              </a:uFill>
+              <a:latin typeface="Arial"/>
+            </a:endParaRPr>
+          </a:p>
+        </p:txBody>
+      </p:sp>
+    </p:spTree>
+  </p:cSld>
+  <p:clrMapOvr>
+    <a:masterClrMapping/>
+  </p:clrMapOvr>
+  <p:timing>
+    <p:tnLst>
+      <p:par>
+        <p:cTn id="1" dur="indefinite" restart="never" nodeType="tmRoot">
+          <p:childTnLst>
+            <p:seq>
+              <p:cTn id="2" nodeType="mainSeq"/>
+              <p:prevCondLst>
+                <p:cond evt="onPrev" delay="0">
+                  <p:tgtEl>
+                    <p:sldTgt/>
+                  </p:tgtEl>
+                </p:cond>
+              </p:prevCondLst>
+              <p:nextCondLst>
+                <p:cond evt="onNext" delay="0">
                   <p:tgtEl>
                     <p:sldTgt/>
                   </p:tgtEl>
@@ -7900,6 +8343,8 @@
       </a:bgFillStyleLst>
     </a:fmtScheme>
   </a:themeElements>
+  <a:objectDefaults/>
+  <a:extraClrSchemeLst/>
 </a:theme>
 </file>
 
@@ -8123,5 +8568,7 @@
       </a:bgFillStyleLst>
     </a:fmtScheme>
   </a:themeElements>
+  <a:objectDefaults/>
+  <a:extraClrSchemeLst/>
 </a:theme>
 </file>
--- a/Project_Proposal.pptx
+++ b/Project_Proposal.pptx
@@ -8,13 +8,12 @@
   <p:sldIdLst>
     <p:sldId id="256" r:id="rId3"/>
     <p:sldId id="257" r:id="rId4"/>
-    <p:sldId id="258" r:id="rId5"/>
-    <p:sldId id="259" r:id="rId6"/>
-    <p:sldId id="260" r:id="rId7"/>
-    <p:sldId id="261" r:id="rId8"/>
-    <p:sldId id="264" r:id="rId9"/>
-    <p:sldId id="262" r:id="rId10"/>
-    <p:sldId id="263" r:id="rId11"/>
+    <p:sldId id="259" r:id="rId5"/>
+    <p:sldId id="260" r:id="rId6"/>
+    <p:sldId id="261" r:id="rId7"/>
+    <p:sldId id="264" r:id="rId8"/>
+    <p:sldId id="262" r:id="rId9"/>
+    <p:sldId id="263" r:id="rId10"/>
   </p:sldIdLst>
   <p:sldSz cx="10080625" cy="7559675"/>
   <p:notesSz cx="7772400" cy="10058400"/>
@@ -4758,9 +4757,9 @@
               </a:lnSpc>
             </a:pPr>
             <a:r>
-              <a:rPr lang="en-US" sz="4400" b="1" strike="noStrike" spc="-1">
-                <a:solidFill>
-                  <a:srgbClr val="8064A2"/>
+              <a:rPr lang="en-US" sz="4400" b="1" strike="noStrike" spc="-1" dirty="0">
+                <a:solidFill>
+                  <a:schemeClr val="accent4"/>
                 </a:solidFill>
                 <a:uFill>
                   <a:solidFill>
@@ -4772,9 +4771,9 @@
               </a:rPr>
               <a:t>Introduction</a:t>
             </a:r>
-            <a:endParaRPr lang="en-US" sz="1800" b="0" strike="noStrike" spc="-1">
-              <a:solidFill>
-                <a:srgbClr val="000000"/>
+            <a:endParaRPr lang="en-US" sz="1800" b="0" strike="noStrike" spc="-1" dirty="0">
+              <a:solidFill>
+                <a:schemeClr val="accent4"/>
               </a:solidFill>
               <a:uFill>
                 <a:solidFill>
@@ -4794,7 +4793,7 @@
         </p:nvSpPr>
         <p:spPr>
           <a:xfrm>
-            <a:off x="504000" y="1436760"/>
+            <a:off x="504000" y="1189037"/>
             <a:ext cx="9070920" cy="5529240"/>
           </a:xfrm>
           <a:prstGeom prst="rect">
@@ -4826,17 +4825,401 @@
                 <a:spcPct val="100000"/>
               </a:lnSpc>
             </a:pPr>
-            <a:endParaRPr lang="en-US" sz="1800" b="0" strike="noStrike" spc="-1">
-              <a:solidFill>
-                <a:srgbClr val="000000"/>
-              </a:solidFill>
-              <a:uFill>
-                <a:solidFill>
-                  <a:srgbClr val="FFFFFF"/>
-                </a:solidFill>
-              </a:uFill>
-              <a:latin typeface="Arial"/>
-            </a:endParaRPr>
+            <a:endParaRPr lang="en-US" sz="1800" b="0" strike="noStrike" spc="-1" dirty="0">
+              <a:solidFill>
+                <a:srgbClr val="000000"/>
+              </a:solidFill>
+              <a:uFill>
+                <a:solidFill>
+                  <a:srgbClr val="FFFFFF"/>
+                </a:solidFill>
+              </a:uFill>
+              <a:latin typeface="Arial"/>
+            </a:endParaRPr>
+          </a:p>
+          <a:p>
+            <a:pPr marL="457200" indent="-457200">
+              <a:lnSpc>
+                <a:spcPct val="100000"/>
+              </a:lnSpc>
+              <a:buFont typeface="Arial" panose="020B0604020202020204" pitchFamily="34" charset="0"/>
+              <a:buChar char="•"/>
+            </a:pPr>
+            <a:r>
+              <a:rPr lang="en-US" sz="2800" b="1" spc="-1" dirty="0" smtClean="0">
+                <a:solidFill>
+                  <a:schemeClr val="tx2"/>
+                </a:solidFill>
+                <a:uFill>
+                  <a:solidFill>
+                    <a:srgbClr val="FFFFFF"/>
+                  </a:solidFill>
+                </a:uFill>
+                <a:latin typeface="Arial"/>
+                <a:ea typeface="DejaVu Sans"/>
+              </a:rPr>
+              <a:t>Proposing the creation of an</a:t>
+            </a:r>
+            <a:r>
+              <a:rPr lang="en-US" sz="2800" b="1" strike="noStrike" spc="-1" dirty="0">
+                <a:solidFill>
+                  <a:schemeClr val="tx2"/>
+                </a:solidFill>
+                <a:uFill>
+                  <a:solidFill>
+                    <a:srgbClr val="FFFFFF"/>
+                  </a:solidFill>
+                </a:uFill>
+                <a:latin typeface="Arial"/>
+                <a:ea typeface="DejaVu Sans"/>
+              </a:rPr>
+              <a:t> </a:t>
+            </a:r>
+            <a:r>
+              <a:rPr lang="en-US" sz="2800" b="1" u="sng" strike="noStrike" spc="-1" dirty="0">
+                <a:solidFill>
+                  <a:schemeClr val="tx2"/>
+                </a:solidFill>
+                <a:uFill>
+                  <a:solidFill>
+                    <a:schemeClr val="tx2"/>
+                  </a:solidFill>
+                </a:uFill>
+                <a:latin typeface="Arial"/>
+                <a:ea typeface="DejaVu Sans"/>
+              </a:rPr>
+              <a:t>Order Processing </a:t>
+            </a:r>
+            <a:r>
+              <a:rPr lang="en-US" sz="2800" b="1" u="sng" strike="noStrike" spc="-1" dirty="0" smtClean="0">
+                <a:solidFill>
+                  <a:schemeClr val="tx2"/>
+                </a:solidFill>
+                <a:uFill>
+                  <a:solidFill>
+                    <a:schemeClr val="tx2"/>
+                  </a:solidFill>
+                </a:uFill>
+                <a:latin typeface="Arial"/>
+                <a:ea typeface="DejaVu Sans"/>
+              </a:rPr>
+              <a:t>application</a:t>
+            </a:r>
+            <a:endParaRPr lang="en-US" sz="2800" b="1" spc="-1" dirty="0" smtClean="0">
+              <a:solidFill>
+                <a:schemeClr val="tx2"/>
+              </a:solidFill>
+              <a:uFill>
+                <a:solidFill>
+                  <a:srgbClr val="FFFFFF"/>
+                </a:solidFill>
+              </a:uFill>
+              <a:latin typeface="Arial"/>
+              <a:ea typeface="DejaVu Sans"/>
+            </a:endParaRPr>
+          </a:p>
+          <a:p>
+            <a:pPr marL="457200" indent="-457200">
+              <a:lnSpc>
+                <a:spcPct val="100000"/>
+              </a:lnSpc>
+              <a:buFont typeface="Arial" panose="020B0604020202020204" pitchFamily="34" charset="0"/>
+              <a:buChar char="•"/>
+            </a:pPr>
+            <a:r>
+              <a:rPr lang="en-US" sz="2800" b="1" spc="-1" dirty="0" smtClean="0">
+                <a:solidFill>
+                  <a:schemeClr val="tx2"/>
+                </a:solidFill>
+                <a:uFill>
+                  <a:solidFill>
+                    <a:srgbClr val="FFFFFF"/>
+                  </a:solidFill>
+                </a:uFill>
+                <a:latin typeface="Arial"/>
+              </a:rPr>
+              <a:t>A business often needs to purchase items from external vendors</a:t>
+            </a:r>
+          </a:p>
+          <a:p>
+            <a:pPr marL="457200" indent="-457200">
+              <a:lnSpc>
+                <a:spcPct val="100000"/>
+              </a:lnSpc>
+              <a:buFont typeface="Arial" panose="020B0604020202020204" pitchFamily="34" charset="0"/>
+              <a:buChar char="•"/>
+            </a:pPr>
+            <a:r>
+              <a:rPr lang="en-US" sz="2800" b="1" spc="-1" dirty="0" smtClean="0">
+                <a:solidFill>
+                  <a:schemeClr val="tx2"/>
+                </a:solidFill>
+                <a:uFill>
+                  <a:solidFill>
+                    <a:srgbClr val="FFFFFF"/>
+                  </a:solidFill>
+                </a:uFill>
+                <a:latin typeface="Arial"/>
+              </a:rPr>
+              <a:t>With this application, employees from across the company can see:</a:t>
+            </a:r>
+          </a:p>
+          <a:p>
+            <a:pPr marL="914400" lvl="1" indent="-457200">
+              <a:buFont typeface="Arial" panose="020B0604020202020204" pitchFamily="34" charset="0"/>
+              <a:buChar char="•"/>
+            </a:pPr>
+            <a:r>
+              <a:rPr lang="en-US" sz="2800" spc="-1" dirty="0" smtClean="0">
+                <a:solidFill>
+                  <a:schemeClr val="accent2"/>
+                </a:solidFill>
+                <a:uFill>
+                  <a:solidFill>
+                    <a:srgbClr val="FFFFFF"/>
+                  </a:solidFill>
+                </a:uFill>
+              </a:rPr>
+              <a:t>What has </a:t>
+            </a:r>
+            <a:r>
+              <a:rPr lang="en-US" sz="2800" spc="-1" dirty="0">
+                <a:solidFill>
+                  <a:schemeClr val="accent2"/>
+                </a:solidFill>
+                <a:uFill>
+                  <a:solidFill>
+                    <a:srgbClr val="FFFFFF"/>
+                  </a:solidFill>
+                </a:uFill>
+              </a:rPr>
+              <a:t>been ordered?</a:t>
+            </a:r>
+          </a:p>
+          <a:p>
+            <a:pPr marL="914400" lvl="1" indent="-457200">
+              <a:buFont typeface="Arial" panose="020B0604020202020204" pitchFamily="34" charset="0"/>
+              <a:buChar char="•"/>
+            </a:pPr>
+            <a:r>
+              <a:rPr lang="en-US" sz="2800" spc="-1" dirty="0" smtClean="0">
+                <a:solidFill>
+                  <a:schemeClr val="accent2"/>
+                </a:solidFill>
+                <a:uFill>
+                  <a:solidFill>
+                    <a:srgbClr val="FFFFFF"/>
+                  </a:solidFill>
+                </a:uFill>
+              </a:rPr>
+              <a:t>Who ordered it?</a:t>
+            </a:r>
+            <a:endParaRPr lang="en-US" sz="2800" spc="-1" dirty="0">
+              <a:solidFill>
+                <a:schemeClr val="accent2"/>
+              </a:solidFill>
+              <a:uFill>
+                <a:solidFill>
+                  <a:srgbClr val="FFFFFF"/>
+                </a:solidFill>
+              </a:uFill>
+            </a:endParaRPr>
+          </a:p>
+          <a:p>
+            <a:pPr marL="914400" lvl="1" indent="-457200">
+              <a:buFont typeface="Arial" panose="020B0604020202020204" pitchFamily="34" charset="0"/>
+              <a:buChar char="•"/>
+            </a:pPr>
+            <a:r>
+              <a:rPr lang="en-US" sz="2800" spc="-1" dirty="0" smtClean="0">
+                <a:solidFill>
+                  <a:schemeClr val="accent2"/>
+                </a:solidFill>
+                <a:uFill>
+                  <a:solidFill>
+                    <a:srgbClr val="FFFFFF"/>
+                  </a:solidFill>
+                </a:uFill>
+              </a:rPr>
+              <a:t>For </a:t>
+            </a:r>
+            <a:r>
+              <a:rPr lang="en-US" sz="2800" spc="-1" dirty="0">
+                <a:solidFill>
+                  <a:schemeClr val="accent2"/>
+                </a:solidFill>
+                <a:uFill>
+                  <a:solidFill>
+                    <a:srgbClr val="FFFFFF"/>
+                  </a:solidFill>
+                </a:uFill>
+              </a:rPr>
+              <a:t>which </a:t>
+            </a:r>
+            <a:r>
+              <a:rPr lang="en-US" sz="2800" spc="-1" dirty="0" smtClean="0">
+                <a:solidFill>
+                  <a:schemeClr val="accent2"/>
+                </a:solidFill>
+                <a:uFill>
+                  <a:solidFill>
+                    <a:srgbClr val="FFFFFF"/>
+                  </a:solidFill>
+                </a:uFill>
+              </a:rPr>
+              <a:t>project/department?</a:t>
+            </a:r>
+            <a:endParaRPr lang="en-US" sz="2800" spc="-1" dirty="0">
+              <a:solidFill>
+                <a:schemeClr val="accent2"/>
+              </a:solidFill>
+              <a:uFill>
+                <a:solidFill>
+                  <a:srgbClr val="FFFFFF"/>
+                </a:solidFill>
+              </a:uFill>
+            </a:endParaRPr>
+          </a:p>
+          <a:p>
+            <a:pPr marL="914400" lvl="1" indent="-457200">
+              <a:buFont typeface="Arial" panose="020B0604020202020204" pitchFamily="34" charset="0"/>
+              <a:buChar char="•"/>
+            </a:pPr>
+            <a:r>
+              <a:rPr lang="en-US" sz="2800" spc="-1" dirty="0" smtClean="0">
+                <a:solidFill>
+                  <a:schemeClr val="accent2"/>
+                </a:solidFill>
+                <a:uFill>
+                  <a:solidFill>
+                    <a:srgbClr val="FFFFFF"/>
+                  </a:solidFill>
+                </a:uFill>
+              </a:rPr>
+              <a:t>How </a:t>
+            </a:r>
+            <a:r>
+              <a:rPr lang="en-US" sz="2800" spc="-1" dirty="0">
+                <a:solidFill>
+                  <a:schemeClr val="accent2"/>
+                </a:solidFill>
+                <a:uFill>
+                  <a:solidFill>
+                    <a:srgbClr val="FFFFFF"/>
+                  </a:solidFill>
+                </a:uFill>
+              </a:rPr>
+              <a:t>many? From where? Why?</a:t>
+            </a:r>
+          </a:p>
+          <a:p>
+            <a:pPr marL="914400" lvl="1" indent="-457200">
+              <a:buFont typeface="Arial" panose="020B0604020202020204" pitchFamily="34" charset="0"/>
+              <a:buChar char="•"/>
+            </a:pPr>
+            <a:r>
+              <a:rPr lang="en-US" sz="2800" spc="-1" dirty="0" smtClean="0">
+                <a:solidFill>
+                  <a:schemeClr val="accent2"/>
+                </a:solidFill>
+                <a:uFill>
+                  <a:solidFill>
+                    <a:srgbClr val="FFFFFF"/>
+                  </a:solidFill>
+                </a:uFill>
+              </a:rPr>
+              <a:t>What </a:t>
+            </a:r>
+            <a:r>
+              <a:rPr lang="en-US" sz="2800" spc="-1" dirty="0">
+                <a:solidFill>
+                  <a:schemeClr val="accent2"/>
+                </a:solidFill>
+                <a:uFill>
+                  <a:solidFill>
+                    <a:srgbClr val="FFFFFF"/>
+                  </a:solidFill>
+                </a:uFill>
+              </a:rPr>
+              <a:t>is the cost?</a:t>
+            </a:r>
+          </a:p>
+          <a:p>
+            <a:pPr marL="914400" lvl="1" indent="-457200">
+              <a:buFont typeface="Arial" panose="020B0604020202020204" pitchFamily="34" charset="0"/>
+              <a:buChar char="•"/>
+            </a:pPr>
+            <a:r>
+              <a:rPr lang="en-US" sz="2800" spc="-1" dirty="0" smtClean="0">
+                <a:solidFill>
+                  <a:schemeClr val="accent2"/>
+                </a:solidFill>
+                <a:uFill>
+                  <a:solidFill>
+                    <a:srgbClr val="FFFFFF"/>
+                  </a:solidFill>
+                </a:uFill>
+              </a:rPr>
+              <a:t>How </a:t>
+            </a:r>
+            <a:r>
+              <a:rPr lang="en-US" sz="2800" spc="-1" dirty="0">
+                <a:solidFill>
+                  <a:schemeClr val="accent2"/>
+                </a:solidFill>
+                <a:uFill>
+                  <a:solidFill>
+                    <a:srgbClr val="FFFFFF"/>
+                  </a:solidFill>
+                </a:uFill>
+              </a:rPr>
+              <a:t>long will it take to </a:t>
+            </a:r>
+            <a:r>
+              <a:rPr lang="en-US" sz="2800" spc="-1" dirty="0" smtClean="0">
+                <a:solidFill>
+                  <a:schemeClr val="accent2"/>
+                </a:solidFill>
+                <a:uFill>
+                  <a:solidFill>
+                    <a:srgbClr val="FFFFFF"/>
+                  </a:solidFill>
+                </a:uFill>
+              </a:rPr>
+              <a:t>arrive?</a:t>
+            </a:r>
+          </a:p>
+          <a:p>
+            <a:pPr marL="914400" lvl="1" indent="-457200">
+              <a:buFont typeface="Arial" panose="020B0604020202020204" pitchFamily="34" charset="0"/>
+              <a:buChar char="•"/>
+            </a:pPr>
+            <a:r>
+              <a:rPr lang="en-US" sz="2800" spc="-1" dirty="0" err="1" smtClean="0">
+                <a:solidFill>
+                  <a:schemeClr val="accent2"/>
+                </a:solidFill>
+                <a:uFill>
+                  <a:solidFill>
+                    <a:srgbClr val="FFFFFF"/>
+                  </a:solidFill>
+                </a:uFill>
+              </a:rPr>
+              <a:t>Etc</a:t>
+            </a:r>
+            <a:r>
+              <a:rPr lang="en-US" sz="2800" spc="-1" dirty="0">
+                <a:solidFill>
+                  <a:schemeClr val="accent2"/>
+                </a:solidFill>
+                <a:uFill>
+                  <a:solidFill>
+                    <a:srgbClr val="FFFFFF"/>
+                  </a:solidFill>
+                </a:uFill>
+              </a:rPr>
+              <a:t>…</a:t>
+            </a:r>
           </a:p>
           <a:p>
             <a:pPr>
@@ -4844,322 +5227,7 @@
                 <a:spcPct val="100000"/>
               </a:lnSpc>
             </a:pPr>
-            <a:r>
-              <a:rPr lang="en-US" sz="2800" b="1" strike="noStrike" spc="-1">
-                <a:solidFill>
-                  <a:srgbClr val="1F497D"/>
-                </a:solidFill>
-                <a:uFill>
-                  <a:solidFill>
-                    <a:srgbClr val="FFFFFF"/>
-                  </a:solidFill>
-                </a:uFill>
-                <a:latin typeface="Arial"/>
-                <a:ea typeface="DejaVu Sans"/>
-              </a:rPr>
-              <a:t>The Order Processing application, which simplifies and speeds up the order completion process.</a:t>
-            </a:r>
-            <a:endParaRPr lang="en-US" sz="1800" b="0" strike="noStrike" spc="-1">
-              <a:solidFill>
-                <a:srgbClr val="000000"/>
-              </a:solidFill>
-              <a:uFill>
-                <a:solidFill>
-                  <a:srgbClr val="FFFFFF"/>
-                </a:solidFill>
-              </a:uFill>
-              <a:latin typeface="Arial"/>
-            </a:endParaRPr>
-          </a:p>
-          <a:p>
-            <a:pPr>
-              <a:lnSpc>
-                <a:spcPct val="100000"/>
-              </a:lnSpc>
-            </a:pPr>
-            <a:endParaRPr lang="en-US" sz="1800" b="0" strike="noStrike" spc="-1">
-              <a:solidFill>
-                <a:srgbClr val="000000"/>
-              </a:solidFill>
-              <a:uFill>
-                <a:solidFill>
-                  <a:srgbClr val="FFFFFF"/>
-                </a:solidFill>
-              </a:uFill>
-              <a:latin typeface="Arial"/>
-            </a:endParaRPr>
-          </a:p>
-          <a:p>
-            <a:pPr marL="228600" indent="-227880">
-              <a:lnSpc>
-                <a:spcPct val="90000"/>
-              </a:lnSpc>
-              <a:buClr>
-                <a:srgbClr val="948A54"/>
-              </a:buClr>
-              <a:buFont typeface="Arial"/>
-              <a:buChar char="•"/>
-            </a:pPr>
-            <a:r>
-              <a:rPr lang="en-US" sz="2800" b="0" strike="noStrike" spc="-1">
-                <a:solidFill>
-                  <a:srgbClr val="948A54"/>
-                </a:solidFill>
-                <a:uFill>
-                  <a:solidFill>
-                    <a:srgbClr val="FFFFFF"/>
-                  </a:solidFill>
-                </a:uFill>
-                <a:latin typeface="Arial"/>
-                <a:ea typeface="DejaVu Sans"/>
-              </a:rPr>
-              <a:t>By automating and digitizing the process of placing and processing orders, </a:t>
-            </a:r>
-            <a:r>
-              <a:rPr lang="en-US" sz="2800" b="1" strike="noStrike" spc="-1">
-                <a:solidFill>
-                  <a:srgbClr val="948A54"/>
-                </a:solidFill>
-                <a:uFill>
-                  <a:solidFill>
-                    <a:srgbClr val="FFFFFF"/>
-                  </a:solidFill>
-                </a:uFill>
-                <a:latin typeface="Arial"/>
-                <a:ea typeface="DejaVu Sans"/>
-              </a:rPr>
-              <a:t>companies</a:t>
-            </a:r>
-            <a:r>
-              <a:rPr lang="en-US" sz="2800" b="0" strike="noStrike" spc="-1">
-                <a:solidFill>
-                  <a:srgbClr val="948A54"/>
-                </a:solidFill>
-                <a:uFill>
-                  <a:solidFill>
-                    <a:srgbClr val="FFFFFF"/>
-                  </a:solidFill>
-                </a:uFill>
-                <a:latin typeface="Arial"/>
-                <a:ea typeface="DejaVu Sans"/>
-              </a:rPr>
-              <a:t> can save a tremendous amount of </a:t>
-            </a:r>
-            <a:r>
-              <a:rPr lang="en-US" sz="2800" b="1" strike="noStrike" spc="-1">
-                <a:solidFill>
-                  <a:srgbClr val="948A54"/>
-                </a:solidFill>
-                <a:uFill>
-                  <a:solidFill>
-                    <a:srgbClr val="FFFFFF"/>
-                  </a:solidFill>
-                </a:uFill>
-                <a:latin typeface="Arial"/>
-                <a:ea typeface="DejaVu Sans"/>
-              </a:rPr>
-              <a:t>time and money</a:t>
-            </a:r>
-            <a:r>
-              <a:rPr lang="en-US" sz="2800" b="0" strike="noStrike" spc="-1">
-                <a:solidFill>
-                  <a:srgbClr val="948A54"/>
-                </a:solidFill>
-                <a:uFill>
-                  <a:solidFill>
-                    <a:srgbClr val="FFFFFF"/>
-                  </a:solidFill>
-                </a:uFill>
-                <a:latin typeface="Arial"/>
-                <a:ea typeface="DejaVu Sans"/>
-              </a:rPr>
-              <a:t>.</a:t>
-            </a:r>
-            <a:endParaRPr lang="en-US" sz="1800" b="0" strike="noStrike" spc="-1">
-              <a:solidFill>
-                <a:srgbClr val="000000"/>
-              </a:solidFill>
-              <a:uFill>
-                <a:solidFill>
-                  <a:srgbClr val="FFFFFF"/>
-                </a:solidFill>
-              </a:uFill>
-              <a:latin typeface="Arial"/>
-            </a:endParaRPr>
-          </a:p>
-          <a:p>
-            <a:pPr marL="228600" indent="-227880">
-              <a:lnSpc>
-                <a:spcPct val="90000"/>
-              </a:lnSpc>
-              <a:buClr>
-                <a:srgbClr val="948A54"/>
-              </a:buClr>
-              <a:buFont typeface="Arial"/>
-              <a:buChar char="•"/>
-            </a:pPr>
-            <a:r>
-              <a:rPr lang="en-US" sz="2800" b="0" strike="noStrike" spc="-1">
-                <a:solidFill>
-                  <a:srgbClr val="948A54"/>
-                </a:solidFill>
-                <a:uFill>
-                  <a:solidFill>
-                    <a:srgbClr val="FFFFFF"/>
-                  </a:solidFill>
-                </a:uFill>
-                <a:latin typeface="Arial"/>
-                <a:ea typeface="DejaVu Sans"/>
-              </a:rPr>
-              <a:t>Only </a:t>
-            </a:r>
-            <a:r>
-              <a:rPr lang="en-US" sz="2800" b="1" strike="noStrike" spc="-1">
-                <a:solidFill>
-                  <a:srgbClr val="948A54"/>
-                </a:solidFill>
-                <a:uFill>
-                  <a:solidFill>
-                    <a:srgbClr val="FFFFFF"/>
-                  </a:solidFill>
-                </a:uFill>
-                <a:latin typeface="Arial"/>
-                <a:ea typeface="DejaVu Sans"/>
-              </a:rPr>
-              <a:t>authorized employees </a:t>
-            </a:r>
-            <a:r>
-              <a:rPr lang="en-US" sz="2800" b="0" strike="noStrike" spc="-1">
-                <a:solidFill>
-                  <a:srgbClr val="948A54"/>
-                </a:solidFill>
-                <a:uFill>
-                  <a:solidFill>
-                    <a:srgbClr val="FFFFFF"/>
-                  </a:solidFill>
-                </a:uFill>
-                <a:latin typeface="Arial"/>
-                <a:ea typeface="DejaVu Sans"/>
-              </a:rPr>
-              <a:t>can use the application as a regular tool to execute order processing tasks.</a:t>
-            </a:r>
-            <a:endParaRPr lang="en-US" sz="1800" b="0" strike="noStrike" spc="-1">
-              <a:solidFill>
-                <a:srgbClr val="000000"/>
-              </a:solidFill>
-              <a:uFill>
-                <a:solidFill>
-                  <a:srgbClr val="FFFFFF"/>
-                </a:solidFill>
-              </a:uFill>
-              <a:latin typeface="Arial"/>
-            </a:endParaRPr>
-          </a:p>
-          <a:p>
-            <a:pPr marL="228600" indent="-227880">
-              <a:lnSpc>
-                <a:spcPct val="90000"/>
-              </a:lnSpc>
-              <a:buClr>
-                <a:srgbClr val="948A54"/>
-              </a:buClr>
-              <a:buFont typeface="Arial"/>
-              <a:buChar char="•"/>
-            </a:pPr>
-            <a:r>
-              <a:rPr lang="en-US" sz="2800" b="0" strike="noStrike" spc="-1">
-                <a:solidFill>
-                  <a:srgbClr val="948A54"/>
-                </a:solidFill>
-                <a:uFill>
-                  <a:solidFill>
-                    <a:srgbClr val="FFFFFF"/>
-                  </a:solidFill>
-                </a:uFill>
-                <a:latin typeface="Arial"/>
-                <a:ea typeface="DejaVu Sans"/>
-              </a:rPr>
-              <a:t>It is also possible to archive </a:t>
-            </a:r>
-            <a:r>
-              <a:rPr lang="en-US" sz="2800" b="1" strike="noStrike" spc="-1">
-                <a:solidFill>
-                  <a:srgbClr val="948A54"/>
-                </a:solidFill>
-                <a:uFill>
-                  <a:solidFill>
-                    <a:srgbClr val="FFFFFF"/>
-                  </a:solidFill>
-                </a:uFill>
-                <a:latin typeface="Arial"/>
-                <a:ea typeface="DejaVu Sans"/>
-              </a:rPr>
-              <a:t>completed, in progress</a:t>
-            </a:r>
-            <a:r>
-              <a:rPr lang="en-US" sz="2800" b="0" strike="noStrike" spc="-1">
-                <a:solidFill>
-                  <a:srgbClr val="948A54"/>
-                </a:solidFill>
-                <a:uFill>
-                  <a:solidFill>
-                    <a:srgbClr val="FFFFFF"/>
-                  </a:solidFill>
-                </a:uFill>
-                <a:latin typeface="Arial"/>
-                <a:ea typeface="DejaVu Sans"/>
-              </a:rPr>
-              <a:t>, or </a:t>
-            </a:r>
-            <a:r>
-              <a:rPr lang="en-US" sz="2800" b="1" strike="noStrike" spc="-1">
-                <a:solidFill>
-                  <a:srgbClr val="948A54"/>
-                </a:solidFill>
-                <a:uFill>
-                  <a:solidFill>
-                    <a:srgbClr val="FFFFFF"/>
-                  </a:solidFill>
-                </a:uFill>
-                <a:latin typeface="Arial"/>
-                <a:ea typeface="DejaVu Sans"/>
-              </a:rPr>
-              <a:t>cancelled</a:t>
-            </a:r>
-            <a:r>
-              <a:rPr lang="en-US" sz="2800" b="0" strike="noStrike" spc="-1">
-                <a:solidFill>
-                  <a:srgbClr val="948A54"/>
-                </a:solidFill>
-                <a:uFill>
-                  <a:solidFill>
-                    <a:srgbClr val="FFFFFF"/>
-                  </a:solidFill>
-                </a:uFill>
-                <a:latin typeface="Arial"/>
-                <a:ea typeface="DejaVu Sans"/>
-              </a:rPr>
-              <a:t> orders.</a:t>
-            </a:r>
-            <a:endParaRPr lang="en-US" sz="1800" b="0" strike="noStrike" spc="-1">
-              <a:solidFill>
-                <a:srgbClr val="000000"/>
-              </a:solidFill>
-              <a:uFill>
-                <a:solidFill>
-                  <a:srgbClr val="FFFFFF"/>
-                </a:solidFill>
-              </a:uFill>
-              <a:latin typeface="Arial"/>
-            </a:endParaRPr>
-          </a:p>
-          <a:p>
-            <a:pPr>
-              <a:lnSpc>
-                <a:spcPct val="90000"/>
-              </a:lnSpc>
-            </a:pPr>
-            <a:endParaRPr lang="en-US" sz="1800" b="0" strike="noStrike" spc="-1">
+            <a:endParaRPr lang="en-US" sz="1800" b="0" strike="noStrike" spc="-1" dirty="0">
               <a:solidFill>
                 <a:srgbClr val="000000"/>
               </a:solidFill>
@@ -5227,359 +5295,190 @@
       </p:grpSpPr>
       <p:sp>
         <p:nvSpPr>
-          <p:cNvPr id="80" name="CustomShape 1"/>
+          <p:cNvPr id="81" name="CustomShape 1"/>
           <p:cNvSpPr/>
           <p:nvPr/>
         </p:nvSpPr>
         <p:spPr>
           <a:xfrm>
-            <a:off x="304920" y="478800"/>
-            <a:ext cx="9578880" cy="6603120"/>
-          </a:xfrm>
-          <a:prstGeom prst="rect">
-            <a:avLst/>
-          </a:prstGeom>
+            <a:off x="591120" y="301320"/>
+            <a:ext cx="9070920" cy="1261440"/>
+          </a:xfrm>
+          <a:prstGeom prst="rect">
+            <a:avLst/>
+          </a:prstGeom>
+          <a:noFill/>
           <a:ln>
-            <a:round/>
+            <a:noFill/>
           </a:ln>
         </p:spPr>
         <p:style>
-          <a:lnRef idx="2">
-            <a:schemeClr val="accent3"/>
+          <a:lnRef idx="0">
+            <a:scrgbClr r="0" g="0" b="0"/>
           </a:lnRef>
-          <a:fillRef idx="1">
-            <a:schemeClr val="lt1"/>
+          <a:fillRef idx="0">
+            <a:scrgbClr r="0" g="0" b="0"/>
           </a:fillRef>
           <a:effectRef idx="0">
-            <a:schemeClr val="accent3"/>
+            <a:scrgbClr r="0" g="0" b="0"/>
           </a:effectRef>
           <a:fontRef idx="minor"/>
         </p:style>
         <p:txBody>
-          <a:bodyPr lIns="0" tIns="0" rIns="0" bIns="0"/>
-          <a:lstStyle/>
-          <a:p>
-            <a:pPr marL="457200" indent="-456480">
-              <a:lnSpc>
-                <a:spcPct val="100000"/>
-              </a:lnSpc>
-              <a:buClr>
-                <a:srgbClr val="953735"/>
-              </a:buClr>
-              <a:buFont typeface="Wingdings" charset="2"/>
-              <a:buChar char=""/>
-            </a:pPr>
-            <a:r>
-              <a:rPr lang="en-US" sz="3200" b="0" strike="noStrike" spc="-1" dirty="0">
-                <a:solidFill>
-                  <a:srgbClr val="953735"/>
-                </a:solidFill>
-                <a:uFill>
-                  <a:solidFill>
-                    <a:srgbClr val="FFFFFF"/>
-                  </a:solidFill>
-                </a:uFill>
-                <a:latin typeface="Arial"/>
-                <a:ea typeface="DejaVu Sans"/>
-              </a:rPr>
-              <a:t>    Has been ordered?</a:t>
-            </a:r>
-            <a:endParaRPr lang="en-US" sz="1800" b="0" strike="noStrike" spc="-1" dirty="0">
-              <a:solidFill>
-                <a:srgbClr val="000000"/>
-              </a:solidFill>
-              <a:uFill>
-                <a:solidFill>
-                  <a:srgbClr val="FFFFFF"/>
-                </a:solidFill>
-              </a:uFill>
-              <a:latin typeface="Arial"/>
-            </a:endParaRPr>
-          </a:p>
-          <a:p>
-            <a:pPr marL="457200" indent="-456480">
-              <a:lnSpc>
-                <a:spcPct val="100000"/>
-              </a:lnSpc>
-              <a:buClr>
-                <a:srgbClr val="953735"/>
-              </a:buClr>
-              <a:buFont typeface="Wingdings" charset="2"/>
-              <a:buChar char=""/>
-            </a:pPr>
-            <a:r>
-              <a:rPr lang="en-US" sz="3200" b="0" strike="noStrike" spc="-1" dirty="0">
-                <a:solidFill>
-                  <a:srgbClr val="953735"/>
-                </a:solidFill>
-                <a:uFill>
-                  <a:solidFill>
-                    <a:srgbClr val="FFFFFF"/>
-                  </a:solidFill>
-                </a:uFill>
-                <a:latin typeface="Arial"/>
-                <a:ea typeface="DejaVu Sans"/>
-              </a:rPr>
-              <a:t>    Who has ordered?</a:t>
-            </a:r>
-            <a:endParaRPr lang="en-US" sz="1800" b="0" strike="noStrike" spc="-1" dirty="0">
-              <a:solidFill>
-                <a:srgbClr val="000000"/>
-              </a:solidFill>
-              <a:uFill>
-                <a:solidFill>
-                  <a:srgbClr val="FFFFFF"/>
-                </a:solidFill>
-              </a:uFill>
-              <a:latin typeface="Arial"/>
-            </a:endParaRPr>
-          </a:p>
-          <a:p>
-            <a:pPr marL="457200" indent="-456480">
-              <a:lnSpc>
-                <a:spcPct val="100000"/>
-              </a:lnSpc>
-              <a:buClr>
-                <a:srgbClr val="953735"/>
-              </a:buClr>
-              <a:buFont typeface="Wingdings" charset="2"/>
-              <a:buChar char=""/>
-            </a:pPr>
-            <a:r>
-              <a:rPr lang="en-US" sz="3200" b="0" strike="noStrike" spc="-1" dirty="0">
-                <a:solidFill>
-                  <a:srgbClr val="953735"/>
-                </a:solidFill>
-                <a:uFill>
-                  <a:solidFill>
-                    <a:srgbClr val="FFFFFF"/>
-                  </a:solidFill>
-                </a:uFill>
-                <a:latin typeface="Arial"/>
-                <a:ea typeface="DejaVu Sans"/>
-              </a:rPr>
-              <a:t>    For which project work?</a:t>
-            </a:r>
-            <a:endParaRPr lang="en-US" sz="1800" b="0" strike="noStrike" spc="-1" dirty="0">
-              <a:solidFill>
-                <a:srgbClr val="000000"/>
-              </a:solidFill>
-              <a:uFill>
-                <a:solidFill>
-                  <a:srgbClr val="FFFFFF"/>
-                </a:solidFill>
-              </a:uFill>
-              <a:latin typeface="Arial"/>
-            </a:endParaRPr>
-          </a:p>
-          <a:p>
-            <a:pPr marL="457200" indent="-456480">
-              <a:lnSpc>
-                <a:spcPct val="100000"/>
-              </a:lnSpc>
-              <a:buClr>
-                <a:srgbClr val="953735"/>
-              </a:buClr>
-              <a:buFont typeface="Wingdings" charset="2"/>
-              <a:buChar char=""/>
-            </a:pPr>
-            <a:r>
-              <a:rPr lang="en-US" sz="3200" b="0" strike="noStrike" spc="-1" dirty="0">
-                <a:solidFill>
-                  <a:srgbClr val="953735"/>
-                </a:solidFill>
-                <a:uFill>
-                  <a:solidFill>
-                    <a:srgbClr val="FFFFFF"/>
-                  </a:solidFill>
-                </a:uFill>
-                <a:latin typeface="Arial"/>
-                <a:ea typeface="DejaVu Sans"/>
-              </a:rPr>
-              <a:t>    How many? From where? Why?</a:t>
-            </a:r>
-            <a:endParaRPr lang="en-US" sz="1800" b="0" strike="noStrike" spc="-1" dirty="0">
-              <a:solidFill>
-                <a:srgbClr val="000000"/>
-              </a:solidFill>
-              <a:uFill>
-                <a:solidFill>
-                  <a:srgbClr val="FFFFFF"/>
-                </a:solidFill>
-              </a:uFill>
-              <a:latin typeface="Arial"/>
-            </a:endParaRPr>
-          </a:p>
-          <a:p>
-            <a:pPr marL="457200" indent="-456480">
-              <a:lnSpc>
-                <a:spcPct val="100000"/>
-              </a:lnSpc>
-              <a:buClr>
-                <a:srgbClr val="953735"/>
-              </a:buClr>
-              <a:buFont typeface="Wingdings" charset="2"/>
-              <a:buChar char=""/>
-            </a:pPr>
-            <a:r>
-              <a:rPr lang="en-US" sz="3200" b="0" strike="noStrike" spc="-1" dirty="0">
-                <a:solidFill>
-                  <a:srgbClr val="953735"/>
-                </a:solidFill>
-                <a:uFill>
-                  <a:solidFill>
-                    <a:srgbClr val="FFFFFF"/>
-                  </a:solidFill>
-                </a:uFill>
-                <a:latin typeface="Arial"/>
-                <a:ea typeface="DejaVu Sans"/>
-              </a:rPr>
-              <a:t>    What is the cost?</a:t>
-            </a:r>
-            <a:endParaRPr lang="en-US" sz="1800" b="0" strike="noStrike" spc="-1" dirty="0">
-              <a:solidFill>
-                <a:srgbClr val="000000"/>
-              </a:solidFill>
-              <a:uFill>
-                <a:solidFill>
-                  <a:srgbClr val="FFFFFF"/>
-                </a:solidFill>
-              </a:uFill>
-              <a:latin typeface="Arial"/>
-            </a:endParaRPr>
-          </a:p>
-          <a:p>
-            <a:pPr marL="457200" indent="-456480">
-              <a:lnSpc>
-                <a:spcPct val="100000"/>
-              </a:lnSpc>
-              <a:buClr>
-                <a:srgbClr val="953735"/>
-              </a:buClr>
-              <a:buFont typeface="Wingdings" charset="2"/>
-              <a:buChar char=""/>
-            </a:pPr>
-            <a:r>
-              <a:rPr lang="en-US" sz="3200" b="0" strike="noStrike" spc="-1" dirty="0">
-                <a:solidFill>
-                  <a:srgbClr val="953735"/>
-                </a:solidFill>
-                <a:uFill>
-                  <a:solidFill>
-                    <a:srgbClr val="FFFFFF"/>
-                  </a:solidFill>
-                </a:uFill>
-                <a:latin typeface="Arial"/>
-                <a:ea typeface="DejaVu Sans"/>
-              </a:rPr>
-              <a:t>    How long will it take to arrive on place? </a:t>
-            </a:r>
-            <a:r>
-              <a:rPr lang="en-US" sz="3200" b="0" strike="noStrike" spc="-1" dirty="0" err="1">
-                <a:solidFill>
-                  <a:srgbClr val="953735"/>
-                </a:solidFill>
-                <a:uFill>
-                  <a:solidFill>
-                    <a:srgbClr val="FFFFFF"/>
-                  </a:solidFill>
-                </a:uFill>
-                <a:latin typeface="Arial"/>
-                <a:ea typeface="DejaVu Sans"/>
-              </a:rPr>
-              <a:t>Etc</a:t>
-            </a:r>
-            <a:r>
-              <a:rPr lang="en-US" sz="3200" b="0" strike="noStrike" spc="-1" dirty="0">
-                <a:solidFill>
-                  <a:srgbClr val="953735"/>
-                </a:solidFill>
-                <a:uFill>
-                  <a:solidFill>
-                    <a:srgbClr val="FFFFFF"/>
-                  </a:solidFill>
-                </a:uFill>
-                <a:latin typeface="Arial"/>
-                <a:ea typeface="DejaVu Sans"/>
-              </a:rPr>
-              <a:t>…</a:t>
-            </a:r>
-            <a:endParaRPr lang="en-US" sz="1800" b="0" strike="noStrike" spc="-1" dirty="0">
-              <a:solidFill>
-                <a:srgbClr val="000000"/>
-              </a:solidFill>
-              <a:uFill>
-                <a:solidFill>
-                  <a:srgbClr val="FFFFFF"/>
-                </a:solidFill>
-              </a:uFill>
-              <a:latin typeface="Arial"/>
-            </a:endParaRPr>
-          </a:p>
+          <a:bodyPr lIns="0" tIns="0" rIns="0" bIns="0" anchor="ctr"/>
+          <a:lstStyle/>
           <a:p>
             <a:pPr>
               <a:lnSpc>
                 <a:spcPct val="100000"/>
               </a:lnSpc>
             </a:pPr>
+            <a:r>
+              <a:rPr lang="en-US" sz="3200" b="1" strike="noStrike" spc="-1" dirty="0">
+                <a:solidFill>
+                  <a:schemeClr val="accent2"/>
+                </a:solidFill>
+                <a:uFill>
+                  <a:solidFill>
+                    <a:srgbClr val="FFFFFF"/>
+                  </a:solidFill>
+                </a:uFill>
+                <a:latin typeface="Arial"/>
+                <a:ea typeface="DejaVu Sans"/>
+              </a:rPr>
+              <a:t>Why it is important to develop a system to solve this question?</a:t>
+            </a:r>
             <a:endParaRPr lang="en-US" sz="1800" b="0" strike="noStrike" spc="-1" dirty="0">
               <a:solidFill>
-                <a:srgbClr val="000000"/>
-              </a:solidFill>
-              <a:uFill>
-                <a:solidFill>
-                  <a:srgbClr val="FFFFFF"/>
-                </a:solidFill>
-              </a:uFill>
-              <a:latin typeface="Arial"/>
-            </a:endParaRPr>
-          </a:p>
+                <a:schemeClr val="accent2"/>
+              </a:solidFill>
+              <a:uFill>
+                <a:solidFill>
+                  <a:srgbClr val="FFFFFF"/>
+                </a:solidFill>
+              </a:uFill>
+              <a:latin typeface="Arial"/>
+            </a:endParaRPr>
+          </a:p>
+        </p:txBody>
+      </p:sp>
+      <p:sp>
+        <p:nvSpPr>
+          <p:cNvPr id="82" name="CustomShape 2"/>
+          <p:cNvSpPr/>
+          <p:nvPr/>
+        </p:nvSpPr>
+        <p:spPr>
+          <a:xfrm>
+            <a:off x="504000" y="1769040"/>
+            <a:ext cx="9070920" cy="5472720"/>
+          </a:xfrm>
+          <a:prstGeom prst="rect">
+            <a:avLst/>
+          </a:prstGeom>
+          <a:noFill/>
+          <a:ln>
+            <a:noFill/>
+          </a:ln>
+        </p:spPr>
+        <p:style>
+          <a:lnRef idx="0">
+            <a:scrgbClr r="0" g="0" b="0"/>
+          </a:lnRef>
+          <a:fillRef idx="0">
+            <a:scrgbClr r="0" g="0" b="0"/>
+          </a:fillRef>
+          <a:effectRef idx="0">
+            <a:scrgbClr r="0" g="0" b="0"/>
+          </a:effectRef>
+          <a:fontRef idx="minor"/>
+        </p:style>
+        <p:txBody>
+          <a:bodyPr lIns="0" tIns="0" rIns="0" bIns="0"/>
+          <a:lstStyle/>
           <a:p>
             <a:pPr>
               <a:lnSpc>
                 <a:spcPct val="100000"/>
               </a:lnSpc>
-            </a:pPr>
-            <a:r>
-              <a:rPr lang="en-US" sz="1800" b="0" strike="noStrike" spc="-1" dirty="0">
-                <a:solidFill>
-                  <a:srgbClr val="000000"/>
-                </a:solidFill>
-                <a:uFill>
-                  <a:solidFill>
-                    <a:srgbClr val="FFFFFF"/>
-                  </a:solidFill>
-                </a:uFill>
-                <a:latin typeface="Arial"/>
-                <a:ea typeface="DejaVu Sans"/>
-              </a:rPr>
-              <a:t>	</a:t>
-            </a:r>
-            <a:r>
-              <a:rPr lang="en-US" sz="2800" b="0" strike="noStrike" spc="-1" dirty="0">
-                <a:solidFill>
-                  <a:srgbClr val="FF0000"/>
-                </a:solidFill>
-                <a:uFill>
-                  <a:solidFill>
-                    <a:srgbClr val="FFFFFF"/>
-                  </a:solidFill>
-                </a:uFill>
-                <a:latin typeface="Arial"/>
-                <a:ea typeface="DejaVu Sans"/>
-              </a:rPr>
-              <a:t>Regardless of the number of submitted orders, the processing consumes time and resources.</a:t>
-            </a:r>
-            <a:endParaRPr lang="en-US" sz="1800" b="0" strike="noStrike" spc="-1" dirty="0">
-              <a:solidFill>
-                <a:srgbClr val="000000"/>
-              </a:solidFill>
-              <a:uFill>
-                <a:solidFill>
-                  <a:srgbClr val="FFFFFF"/>
-                </a:solidFill>
-              </a:uFill>
-              <a:latin typeface="Arial"/>
+              <a:spcAft>
+                <a:spcPts val="600"/>
+              </a:spcAft>
+            </a:pPr>
+            <a:r>
+              <a:rPr lang="en-US" sz="2800" b="1" spc="-1" dirty="0" smtClean="0">
+                <a:solidFill>
+                  <a:schemeClr val="tx2"/>
+                </a:solidFill>
+                <a:uFill>
+                  <a:solidFill>
+                    <a:srgbClr val="FFFFFF"/>
+                  </a:solidFill>
+                </a:uFill>
+              </a:rPr>
+              <a:t>Large </a:t>
+            </a:r>
+            <a:r>
+              <a:rPr lang="en-US" sz="2800" b="1" spc="-1" dirty="0">
+                <a:solidFill>
+                  <a:schemeClr val="tx2"/>
+                </a:solidFill>
+                <a:uFill>
+                  <a:solidFill>
+                    <a:srgbClr val="FFFFFF"/>
+                  </a:solidFill>
+                </a:uFill>
+              </a:rPr>
+              <a:t>companies can lose time and money </a:t>
+            </a:r>
+            <a:r>
+              <a:rPr lang="en-US" sz="2800" b="1" spc="-1" dirty="0" smtClean="0">
+                <a:solidFill>
+                  <a:schemeClr val="tx2"/>
+                </a:solidFill>
+                <a:uFill>
+                  <a:solidFill>
+                    <a:srgbClr val="FFFFFF"/>
+                  </a:solidFill>
+                </a:uFill>
+              </a:rPr>
+              <a:t>from </a:t>
+            </a:r>
+            <a:r>
+              <a:rPr lang="en-US" sz="2800" b="1" spc="-1" dirty="0">
+                <a:solidFill>
+                  <a:schemeClr val="tx2"/>
+                </a:solidFill>
+                <a:uFill>
+                  <a:solidFill>
+                    <a:srgbClr val="FFFFFF"/>
+                  </a:solidFill>
+                </a:uFill>
+              </a:rPr>
+              <a:t>inefficiency and </a:t>
+            </a:r>
+            <a:r>
+              <a:rPr lang="en-US" sz="2800" b="1" spc="-1" dirty="0" smtClean="0">
+                <a:solidFill>
+                  <a:schemeClr val="tx2"/>
+                </a:solidFill>
+                <a:uFill>
+                  <a:solidFill>
+                    <a:srgbClr val="FFFFFF"/>
+                  </a:solidFill>
+                </a:uFill>
+              </a:rPr>
+              <a:t>overspending</a:t>
+            </a:r>
+            <a:endParaRPr lang="en-US" sz="2800" b="1" spc="-1" dirty="0">
+              <a:solidFill>
+                <a:schemeClr val="tx2"/>
+              </a:solidFill>
+              <a:uFill>
+                <a:solidFill>
+                  <a:srgbClr val="FFFFFF"/>
+                </a:solidFill>
+              </a:uFill>
             </a:endParaRPr>
           </a:p>
           <a:p>
@@ -5589,68 +5488,240 @@
               </a:lnSpc>
             </a:pPr>
             <a:r>
-              <a:rPr lang="en-US" sz="3200" b="0" strike="noStrike" spc="-1" dirty="0">
-                <a:solidFill>
-                  <a:srgbClr val="953735"/>
-                </a:solidFill>
-                <a:uFill>
-                  <a:solidFill>
-                    <a:srgbClr val="FFFFFF"/>
-                  </a:solidFill>
-                </a:uFill>
-                <a:latin typeface="Arial"/>
-                <a:ea typeface="DejaVu Sans"/>
-              </a:rPr>
-              <a:t>	</a:t>
-            </a:r>
-            <a:endParaRPr lang="en-US" sz="1800" b="0" strike="noStrike" spc="-1" dirty="0">
-              <a:solidFill>
-                <a:srgbClr val="000000"/>
-              </a:solidFill>
-              <a:uFill>
-                <a:solidFill>
-                  <a:srgbClr val="FFFFFF"/>
-                </a:solidFill>
-              </a:uFill>
-              <a:latin typeface="Arial"/>
-            </a:endParaRPr>
-          </a:p>
-          <a:p>
-            <a:pPr>
+              <a:rPr lang="en-US" sz="2800" spc="-1" dirty="0" smtClean="0">
+                <a:solidFill>
+                  <a:schemeClr val="tx2"/>
+                </a:solidFill>
+                <a:uFill>
+                  <a:solidFill>
+                    <a:srgbClr val="FFFFFF"/>
+                  </a:solidFill>
+                </a:uFill>
+              </a:rPr>
+              <a:t>The Order </a:t>
+            </a:r>
+            <a:r>
+              <a:rPr lang="en-US" sz="2800" spc="-1" dirty="0">
+                <a:solidFill>
+                  <a:schemeClr val="tx2"/>
+                </a:solidFill>
+                <a:uFill>
+                  <a:solidFill>
+                    <a:srgbClr val="FFFFFF"/>
+                  </a:solidFill>
+                </a:uFill>
+              </a:rPr>
+              <a:t>Processing </a:t>
+            </a:r>
+            <a:r>
+              <a:rPr lang="en-US" sz="2800" spc="-1" dirty="0" smtClean="0">
+                <a:solidFill>
+                  <a:schemeClr val="tx2"/>
+                </a:solidFill>
+                <a:uFill>
+                  <a:solidFill>
+                    <a:srgbClr val="FFFFFF"/>
+                  </a:solidFill>
+                </a:uFill>
+              </a:rPr>
+              <a:t>app would:</a:t>
+            </a:r>
+            <a:endParaRPr lang="en-US" sz="2800" spc="-1" dirty="0">
+              <a:solidFill>
+                <a:schemeClr val="tx2"/>
+              </a:solidFill>
+              <a:uFill>
+                <a:solidFill>
+                  <a:srgbClr val="FFFFFF"/>
+                </a:solidFill>
+              </a:uFill>
+            </a:endParaRPr>
+          </a:p>
+          <a:p>
+            <a:pPr marL="457200" indent="-457200">
               <a:lnSpc>
                 <a:spcPct val="100000"/>
               </a:lnSpc>
-            </a:pPr>
-            <a:r>
-              <a:rPr lang="en-US" sz="2800" b="1" strike="noStrike" spc="-1" dirty="0">
-                <a:solidFill>
-                  <a:srgbClr val="953735"/>
-                </a:solidFill>
-                <a:uFill>
-                  <a:solidFill>
-                    <a:srgbClr val="FFFFFF"/>
-                  </a:solidFill>
-                </a:uFill>
-                <a:latin typeface="Arial"/>
-                <a:ea typeface="DejaVu Sans"/>
-              </a:rPr>
-              <a:t>	</a:t>
-            </a:r>
-            <a:r>
-              <a:rPr lang="en-US" sz="2600" b="1" strike="noStrike" spc="-1" dirty="0">
-                <a:solidFill>
-                  <a:srgbClr val="984807"/>
-                </a:solidFill>
-                <a:uFill>
-                  <a:solidFill>
-                    <a:srgbClr val="FFFFFF"/>
-                  </a:solidFill>
-                </a:uFill>
-                <a:latin typeface="Arial"/>
-                <a:ea typeface="DejaVu Sans"/>
-              </a:rPr>
-              <a:t>If conducted in a traditional way relying on the use of 		paper documents. This application has a simple yet 			powerful solution to this problem – The Order Processing	 application.</a:t>
-            </a:r>
+              <a:buFont typeface="Arial" panose="020B0604020202020204" pitchFamily="34" charset="0"/>
+              <a:buChar char="•"/>
+            </a:pPr>
+            <a:r>
+              <a:rPr lang="en-US" sz="2800" spc="-1" dirty="0" smtClean="0">
+                <a:solidFill>
+                  <a:schemeClr val="tx2"/>
+                </a:solidFill>
+                <a:uFill>
+                  <a:solidFill>
+                    <a:srgbClr val="FFFFFF"/>
+                  </a:solidFill>
+                </a:uFill>
+              </a:rPr>
+              <a:t>Give </a:t>
+            </a:r>
+            <a:r>
+              <a:rPr lang="en-US" sz="2800" spc="-1" dirty="0">
+                <a:solidFill>
+                  <a:schemeClr val="tx2"/>
+                </a:solidFill>
+                <a:uFill>
+                  <a:solidFill>
+                    <a:srgbClr val="FFFFFF"/>
+                  </a:solidFill>
+                </a:uFill>
+              </a:rPr>
+              <a:t>coordination between departments so company does not order more items than necessary</a:t>
+            </a:r>
+          </a:p>
+          <a:p>
+            <a:pPr marL="457200" indent="-457200">
+              <a:lnSpc>
+                <a:spcPct val="100000"/>
+              </a:lnSpc>
+              <a:buFont typeface="Arial" panose="020B0604020202020204" pitchFamily="34" charset="0"/>
+              <a:buChar char="•"/>
+            </a:pPr>
+            <a:r>
+              <a:rPr lang="en-US" sz="2800" spc="-1" dirty="0" smtClean="0">
+                <a:solidFill>
+                  <a:schemeClr val="tx2"/>
+                </a:solidFill>
+                <a:uFill>
+                  <a:solidFill>
+                    <a:srgbClr val="FFFFFF"/>
+                  </a:solidFill>
+                </a:uFill>
+              </a:rPr>
+              <a:t>Make </a:t>
+            </a:r>
+            <a:r>
+              <a:rPr lang="en-US" sz="2800" spc="-1" dirty="0">
+                <a:solidFill>
+                  <a:schemeClr val="tx2"/>
+                </a:solidFill>
+                <a:uFill>
+                  <a:solidFill>
+                    <a:srgbClr val="FFFFFF"/>
+                  </a:solidFill>
+                </a:uFill>
+              </a:rPr>
+              <a:t>it easy to calculate the expenses of each project or department</a:t>
+            </a:r>
+          </a:p>
+          <a:p>
+            <a:pPr marL="457200" indent="-457200">
+              <a:lnSpc>
+                <a:spcPct val="100000"/>
+              </a:lnSpc>
+              <a:buFont typeface="Arial" panose="020B0604020202020204" pitchFamily="34" charset="0"/>
+              <a:buChar char="•"/>
+            </a:pPr>
+            <a:r>
+              <a:rPr lang="en-US" sz="2800" spc="-1" dirty="0" smtClean="0">
+                <a:solidFill>
+                  <a:schemeClr val="tx2"/>
+                </a:solidFill>
+                <a:uFill>
+                  <a:solidFill>
+                    <a:srgbClr val="FFFFFF"/>
+                  </a:solidFill>
+                </a:uFill>
+              </a:rPr>
+              <a:t>Save </a:t>
+            </a:r>
+            <a:r>
+              <a:rPr lang="en-US" sz="2800" spc="-1" dirty="0">
+                <a:solidFill>
+                  <a:schemeClr val="tx2"/>
+                </a:solidFill>
+                <a:uFill>
+                  <a:solidFill>
+                    <a:srgbClr val="FFFFFF"/>
+                  </a:solidFill>
+                </a:uFill>
+              </a:rPr>
+              <a:t>time by automatically notifying manager when new order needs </a:t>
+            </a:r>
+            <a:r>
+              <a:rPr lang="en-US" sz="2800" spc="-1" dirty="0" smtClean="0">
+                <a:solidFill>
+                  <a:schemeClr val="tx2"/>
+                </a:solidFill>
+                <a:uFill>
+                  <a:solidFill>
+                    <a:srgbClr val="FFFFFF"/>
+                  </a:solidFill>
+                </a:uFill>
+              </a:rPr>
+              <a:t>approval or </a:t>
+            </a:r>
+            <a:r>
+              <a:rPr lang="en-US" sz="2800" spc="-1" dirty="0">
+                <a:solidFill>
+                  <a:schemeClr val="tx2"/>
+                </a:solidFill>
+                <a:uFill>
+                  <a:solidFill>
+                    <a:srgbClr val="FFFFFF"/>
+                  </a:solidFill>
+                </a:uFill>
+              </a:rPr>
+              <a:t>notifying department when order has arrived</a:t>
+            </a:r>
+          </a:p>
+          <a:p>
+            <a:pPr marL="457200" indent="-457200">
+              <a:lnSpc>
+                <a:spcPct val="100000"/>
+              </a:lnSpc>
+              <a:buFont typeface="Arial" panose="020B0604020202020204" pitchFamily="34" charset="0"/>
+              <a:buChar char="•"/>
+            </a:pPr>
+            <a:r>
+              <a:rPr lang="en-US" sz="2800" spc="-1" dirty="0" smtClean="0">
+                <a:solidFill>
+                  <a:schemeClr val="tx2"/>
+                </a:solidFill>
+                <a:uFill>
+                  <a:solidFill>
+                    <a:srgbClr val="FFFFFF"/>
+                  </a:solidFill>
+                </a:uFill>
+              </a:rPr>
+              <a:t>Centralize </a:t>
+            </a:r>
+            <a:r>
+              <a:rPr lang="en-US" sz="2800" spc="-1" dirty="0">
+                <a:solidFill>
+                  <a:schemeClr val="tx2"/>
+                </a:solidFill>
+                <a:uFill>
+                  <a:solidFill>
+                    <a:srgbClr val="FFFFFF"/>
+                  </a:solidFill>
+                </a:uFill>
+              </a:rPr>
+              <a:t>ordering so company doesn't need to provide financial account info to every department</a:t>
+            </a:r>
+            <a:endParaRPr lang="en-US" sz="2800" b="0" strike="noStrike" spc="-1" dirty="0">
+              <a:solidFill>
+                <a:schemeClr val="tx2"/>
+              </a:solidFill>
+              <a:uFill>
+                <a:solidFill>
+                  <a:srgbClr val="FFFFFF"/>
+                </a:solidFill>
+              </a:uFill>
+              <a:latin typeface="Arial"/>
+            </a:endParaRPr>
+          </a:p>
+          <a:p>
+            <a:pPr marL="285750" indent="-285750">
+              <a:lnSpc>
+                <a:spcPct val="100000"/>
+              </a:lnSpc>
+              <a:buFont typeface="Arial" panose="020B0604020202020204" pitchFamily="34" charset="0"/>
+              <a:buChar char="•"/>
+            </a:pPr>
             <a:endParaRPr lang="en-US" sz="1800" b="0" strike="noStrike" spc="-1" dirty="0">
               <a:solidFill>
                 <a:srgbClr val="000000"/>
@@ -5719,13 +5790,13 @@
       </p:grpSpPr>
       <p:sp>
         <p:nvSpPr>
-          <p:cNvPr id="81" name="CustomShape 1"/>
+          <p:cNvPr id="83" name="CustomShape 1"/>
           <p:cNvSpPr/>
           <p:nvPr/>
         </p:nvSpPr>
         <p:spPr>
           <a:xfrm>
-            <a:off x="591120" y="301320"/>
+            <a:off x="504000" y="301320"/>
             <a:ext cx="9070920" cy="1261440"/>
           </a:xfrm>
           <a:prstGeom prst="rect">
@@ -5754,48 +5825,45 @@
           <a:p>
             <a:pPr>
               <a:lnSpc>
-                <a:spcPct val="100000"/>
+                <a:spcPct val="90000"/>
               </a:lnSpc>
             </a:pPr>
             <a:r>
-              <a:rPr lang="en-US" sz="3200" b="1" strike="noStrike" spc="-1">
-                <a:solidFill>
-                  <a:srgbClr val="FF0000"/>
-                </a:solidFill>
-                <a:uFill>
-                  <a:solidFill>
-                    <a:srgbClr val="FFFFFF"/>
-                  </a:solidFill>
-                </a:uFill>
-                <a:latin typeface="Arial"/>
-                <a:ea typeface="DejaVu Sans"/>
-              </a:rPr>
-              <a:t>Why it is important to develop a system to solve this question?</a:t>
-            </a:r>
-            <a:endParaRPr lang="en-US" sz="1800" b="0" strike="noStrike" spc="-1">
-              <a:solidFill>
-                <a:srgbClr val="000000"/>
-              </a:solidFill>
-              <a:uFill>
-                <a:solidFill>
-                  <a:srgbClr val="FFFFFF"/>
-                </a:solidFill>
-              </a:uFill>
-              <a:latin typeface="Arial"/>
-            </a:endParaRPr>
-          </a:p>
-        </p:txBody>
-      </p:sp>
-      <p:sp>
-        <p:nvSpPr>
-          <p:cNvPr id="82" name="CustomShape 2"/>
+              <a:rPr lang="en-US" sz="4400" b="1" spc="-1" dirty="0" smtClean="0">
+                <a:solidFill>
+                  <a:schemeClr val="accent4"/>
+                </a:solidFill>
+                <a:uFill>
+                  <a:solidFill>
+                    <a:srgbClr val="FFFFFF"/>
+                  </a:solidFill>
+                </a:uFill>
+              </a:rPr>
+              <a:t>Related Work</a:t>
+            </a:r>
+            <a:endParaRPr lang="en-US" spc="-1" dirty="0">
+              <a:solidFill>
+                <a:schemeClr val="accent4"/>
+              </a:solidFill>
+              <a:uFill>
+                <a:solidFill>
+                  <a:srgbClr val="FFFFFF"/>
+                </a:solidFill>
+              </a:uFill>
+            </a:endParaRPr>
+          </a:p>
+        </p:txBody>
+      </p:sp>
+      <p:sp>
+        <p:nvSpPr>
+          <p:cNvPr id="84" name="CustomShape 2"/>
           <p:cNvSpPr/>
           <p:nvPr/>
         </p:nvSpPr>
         <p:spPr>
           <a:xfrm>
             <a:off x="504000" y="1769040"/>
-            <a:ext cx="9070920" cy="5472720"/>
+            <a:ext cx="9070920" cy="4383720"/>
           </a:xfrm>
           <a:prstGeom prst="rect">
             <a:avLst/>
@@ -5817,19 +5885,60 @@
           </a:effectRef>
           <a:fontRef idx="minor"/>
         </p:style>
+      </p:sp>
+      <p:sp>
+        <p:nvSpPr>
+          <p:cNvPr id="4" name="CustomShape 2"/>
+          <p:cNvSpPr/>
+          <p:nvPr/>
+        </p:nvSpPr>
+        <p:spPr>
+          <a:xfrm>
+            <a:off x="656400" y="1493837"/>
+            <a:ext cx="9070920" cy="5257800"/>
+          </a:xfrm>
+          <a:prstGeom prst="rect">
+            <a:avLst/>
+          </a:prstGeom>
+          <a:noFill/>
+          <a:ln>
+            <a:noFill/>
+          </a:ln>
+        </p:spPr>
+        <p:style>
+          <a:lnRef idx="0">
+            <a:scrgbClr r="0" g="0" b="0"/>
+          </a:lnRef>
+          <a:fillRef idx="0">
+            <a:scrgbClr r="0" g="0" b="0"/>
+          </a:fillRef>
+          <a:effectRef idx="0">
+            <a:scrgbClr r="0" g="0" b="0"/>
+          </a:effectRef>
+          <a:fontRef idx="minor"/>
+        </p:style>
         <p:txBody>
           <a:bodyPr lIns="0" tIns="0" rIns="0" bIns="0"/>
           <a:lstStyle/>
           <a:p>
-            <a:pPr>
+            <a:pPr marL="432000" indent="-323280">
               <a:lnSpc>
                 <a:spcPct val="100000"/>
               </a:lnSpc>
-            </a:pPr>
-            <a:r>
-              <a:rPr lang="en-US" sz="2400" b="0" strike="noStrike" spc="-1">
-                <a:solidFill>
-                  <a:srgbClr val="595959"/>
+              <a:spcAft>
+                <a:spcPts val="600"/>
+              </a:spcAft>
+              <a:buClr>
+                <a:srgbClr val="000000"/>
+              </a:buClr>
+              <a:buSzPct val="45000"/>
+              <a:buFont typeface="Wingdings" charset="2"/>
+              <a:buChar char=""/>
+            </a:pPr>
+            <a:r>
+              <a:rPr lang="en-US" sz="3200" spc="-1" dirty="0" smtClean="0">
+                <a:solidFill>
+                  <a:schemeClr val="tx2"/>
                 </a:solidFill>
                 <a:uFill>
                   <a:solidFill>
@@ -5837,70 +5946,29 @@
                   </a:solidFill>
                 </a:uFill>
                 <a:latin typeface="Arial"/>
-                <a:ea typeface="DejaVu Sans"/>
-              </a:rPr>
-              <a:t>	</a:t>
-            </a:r>
-            <a:r>
-              <a:rPr lang="en-US" sz="2000" b="0" strike="noStrike" spc="-1">
-                <a:solidFill>
-                  <a:srgbClr val="595959"/>
-                </a:solidFill>
-                <a:uFill>
-                  <a:solidFill>
-                    <a:srgbClr val="FFFFFF"/>
-                  </a:solidFill>
-                </a:uFill>
-                <a:latin typeface="Arial"/>
-                <a:ea typeface="DejaVu Sans"/>
-              </a:rPr>
-              <a:t>The implementation of the Order Processing application offers many benefits to businesses. Most of all, it shortens the time of the order approval process by sending email reminders to the persons in charge of the order approval. Also a person can track the order by him or herself. An automatically updated categorized product list makes searching and selecting products much easier. It is a great time saver – it automatically sends generated orders to the vendors and simultaneously eliminates mistakes in quantities of ordered products. A feature of order status monitoring helps to keep track and control order progress.</a:t>
-            </a:r>
-            <a:endParaRPr lang="en-US" sz="1800" b="0" strike="noStrike" spc="-1">
-              <a:solidFill>
-                <a:srgbClr val="000000"/>
-              </a:solidFill>
-              <a:uFill>
-                <a:solidFill>
-                  <a:srgbClr val="FFFFFF"/>
-                </a:solidFill>
-              </a:uFill>
-              <a:latin typeface="Arial"/>
-            </a:endParaRPr>
-          </a:p>
-          <a:p>
-            <a:pPr>
+              </a:rPr>
+              <a:t>There already exist proprietary software systems for order management sold by a variety of companies</a:t>
+            </a:r>
+          </a:p>
+          <a:p>
+            <a:pPr marL="432000" indent="-323280">
               <a:lnSpc>
                 <a:spcPct val="100000"/>
               </a:lnSpc>
-            </a:pPr>
-            <a:endParaRPr lang="en-US" sz="1800" b="0" strike="noStrike" spc="-1">
-              <a:solidFill>
-                <a:srgbClr val="000000"/>
-              </a:solidFill>
-              <a:uFill>
-                <a:solidFill>
-                  <a:srgbClr val="FFFFFF"/>
-                </a:solidFill>
-              </a:uFill>
-              <a:latin typeface="Arial"/>
-            </a:endParaRPr>
-          </a:p>
-          <a:p>
-            <a:pPr marL="343080" indent="-342360">
-              <a:lnSpc>
-                <a:spcPct val="100000"/>
-              </a:lnSpc>
+              <a:spcAft>
+                <a:spcPts val="600"/>
+              </a:spcAft>
               <a:buClr>
-                <a:srgbClr val="595959"/>
+                <a:srgbClr val="000000"/>
               </a:buClr>
-              <a:buFont typeface="Arial"/>
-              <a:buChar char="•"/>
-            </a:pPr>
-            <a:r>
-              <a:rPr lang="en-US" sz="2400" b="0" strike="noStrike" spc="-1">
-                <a:solidFill>
-                  <a:srgbClr val="595959"/>
+              <a:buSzPct val="45000"/>
+              <a:buFont typeface="Wingdings" charset="2"/>
+              <a:buChar char=""/>
+            </a:pPr>
+            <a:r>
+              <a:rPr lang="en-US" sz="3200" spc="-1" dirty="0" smtClean="0">
+                <a:solidFill>
+                  <a:schemeClr val="tx2"/>
                 </a:solidFill>
                 <a:uFill>
                   <a:solidFill>
@@ -5908,37 +5976,54 @@
                   </a:solidFill>
                 </a:uFill>
                 <a:latin typeface="Arial"/>
-                <a:ea typeface="DejaVu Sans"/>
-              </a:rPr>
-              <a:t>It is easy to calculate cost of expense for each project or department.</a:t>
-            </a:r>
-            <a:endParaRPr lang="en-US" sz="1800" b="0" strike="noStrike" spc="-1">
-              <a:solidFill>
-                <a:srgbClr val="000000"/>
-              </a:solidFill>
-              <a:uFill>
-                <a:solidFill>
-                  <a:srgbClr val="FFFFFF"/>
-                </a:solidFill>
-              </a:uFill>
-              <a:latin typeface="Arial"/>
-            </a:endParaRPr>
-          </a:p>
-          <a:p>
-            <a:pPr marL="343080" indent="-342360">
-              <a:lnSpc>
-                <a:spcPct val="100000"/>
-              </a:lnSpc>
+              </a:rPr>
+              <a:t>The Polish software company Exence</a:t>
+            </a:r>
+            <a:r>
+              <a:rPr lang="en-US" sz="3200" spc="-1" baseline="30000" dirty="0" smtClean="0">
+                <a:solidFill>
+                  <a:schemeClr val="tx2"/>
+                </a:solidFill>
+                <a:uFill>
+                  <a:solidFill>
+                    <a:srgbClr val="FFFFFF"/>
+                  </a:solidFill>
+                </a:uFill>
+                <a:latin typeface="Arial"/>
+              </a:rPr>
+              <a:t>1</a:t>
+            </a:r>
+            <a:r>
+              <a:rPr lang="en-US" sz="3200" spc="-1" dirty="0" smtClean="0">
+                <a:solidFill>
+                  <a:schemeClr val="tx2"/>
+                </a:solidFill>
+                <a:uFill>
+                  <a:solidFill>
+                    <a:srgbClr val="FFFFFF"/>
+                  </a:solidFill>
+                </a:uFill>
+                <a:latin typeface="Arial"/>
+              </a:rPr>
+              <a:t> has a product that happens to be very similar to our idea, but is a desktop app</a:t>
+            </a:r>
+          </a:p>
+          <a:p>
+            <a:pPr marL="1023120" lvl="1" indent="-457200">
+              <a:spcAft>
+                <a:spcPts val="600"/>
+              </a:spcAft>
               <a:buClr>
-                <a:srgbClr val="595959"/>
+                <a:srgbClr val="000000"/>
               </a:buClr>
-              <a:buFont typeface="Arial"/>
-              <a:buChar char="•"/>
-            </a:pPr>
-            <a:r>
-              <a:rPr lang="en-US" sz="2400" b="0" strike="noStrike" spc="-1">
-                <a:solidFill>
-                  <a:srgbClr val="595959"/>
+              <a:buSzPct val="100000"/>
+              <a:buFont typeface="Courier New" panose="02070309020205020404" pitchFamily="49" charset="0"/>
+              <a:buChar char="o"/>
+            </a:pPr>
+            <a:r>
+              <a:rPr lang="en-US" sz="2800" spc="-1" dirty="0" smtClean="0">
+                <a:solidFill>
+                  <a:schemeClr val="tx2"/>
                 </a:solidFill>
                 <a:uFill>
                   <a:solidFill>
@@ -5946,37 +6031,26 @@
                   </a:solidFill>
                 </a:uFill>
                 <a:latin typeface="Arial"/>
-                <a:ea typeface="DejaVu Sans"/>
-              </a:rPr>
-              <a:t>stops unnecessary items order from department</a:t>
-            </a:r>
-            <a:endParaRPr lang="en-US" sz="1800" b="0" strike="noStrike" spc="-1">
-              <a:solidFill>
-                <a:srgbClr val="000000"/>
-              </a:solidFill>
-              <a:uFill>
-                <a:solidFill>
-                  <a:srgbClr val="FFFFFF"/>
-                </a:solidFill>
-              </a:uFill>
-              <a:latin typeface="Arial"/>
-            </a:endParaRPr>
-          </a:p>
-          <a:p>
-            <a:pPr marL="343080" indent="-342360">
-              <a:lnSpc>
-                <a:spcPct val="100000"/>
-              </a:lnSpc>
+              </a:rPr>
+              <a:t>Ours is a web app for ease of access</a:t>
+            </a:r>
+          </a:p>
+          <a:p>
+            <a:pPr marL="1023120" lvl="1" indent="-457200">
+              <a:spcAft>
+                <a:spcPts val="600"/>
+              </a:spcAft>
               <a:buClr>
-                <a:srgbClr val="595959"/>
+                <a:srgbClr val="000000"/>
               </a:buClr>
-              <a:buFont typeface="Arial"/>
-              <a:buChar char="•"/>
-            </a:pPr>
-            <a:r>
-              <a:rPr lang="en-US" sz="2400" b="0" strike="noStrike" spc="-1">
-                <a:solidFill>
-                  <a:srgbClr val="595959"/>
+              <a:buSzPct val="100000"/>
+              <a:buFont typeface="Courier New" panose="02070309020205020404" pitchFamily="49" charset="0"/>
+              <a:buChar char="o"/>
+            </a:pPr>
+            <a:r>
+              <a:rPr lang="en-US" sz="2800" spc="-1" dirty="0" smtClean="0">
+                <a:solidFill>
+                  <a:schemeClr val="tx2"/>
                 </a:solidFill>
                 <a:uFill>
                   <a:solidFill>
@@ -5984,57 +6058,54 @@
                   </a:solidFill>
                 </a:uFill>
                 <a:latin typeface="Arial"/>
-                <a:ea typeface="DejaVu Sans"/>
-              </a:rPr>
-              <a:t>company don't need to provide financial account information to every department. </a:t>
-            </a:r>
-            <a:endParaRPr lang="en-US" sz="1800" b="0" strike="noStrike" spc="-1">
-              <a:solidFill>
-                <a:srgbClr val="000000"/>
-              </a:solidFill>
-              <a:uFill>
-                <a:solidFill>
-                  <a:srgbClr val="FFFFFF"/>
-                </a:solidFill>
-              </a:uFill>
-              <a:latin typeface="Arial"/>
-            </a:endParaRPr>
-          </a:p>
-          <a:p>
-            <a:pPr>
-              <a:lnSpc>
-                <a:spcPct val="100000"/>
-              </a:lnSpc>
-            </a:pPr>
-            <a:endParaRPr lang="en-US" sz="1800" b="0" strike="noStrike" spc="-1">
-              <a:solidFill>
-                <a:srgbClr val="000000"/>
-              </a:solidFill>
-              <a:uFill>
-                <a:solidFill>
-                  <a:srgbClr val="FFFFFF"/>
-                </a:solidFill>
-              </a:uFill>
-              <a:latin typeface="Arial"/>
-            </a:endParaRPr>
-          </a:p>
-          <a:p>
-            <a:pPr>
-              <a:lnSpc>
-                <a:spcPct val="100000"/>
-              </a:lnSpc>
-            </a:pPr>
-            <a:endParaRPr lang="en-US" sz="1800" b="0" strike="noStrike" spc="-1">
-              <a:solidFill>
-                <a:srgbClr val="000000"/>
-              </a:solidFill>
-              <a:uFill>
-                <a:solidFill>
-                  <a:srgbClr val="FFFFFF"/>
-                </a:solidFill>
-              </a:uFill>
-              <a:latin typeface="Arial"/>
-            </a:endParaRPr>
+              </a:rPr>
+              <a:t>Adding a desktop client for our application could be a feature for future extension of the project</a:t>
+            </a:r>
+            <a:endParaRPr lang="en-US" sz="2800" b="0" strike="noStrike" spc="-1" dirty="0">
+              <a:solidFill>
+                <a:schemeClr val="tx2"/>
+              </a:solidFill>
+              <a:uFill>
+                <a:solidFill>
+                  <a:srgbClr val="FFFFFF"/>
+                </a:solidFill>
+              </a:uFill>
+              <a:latin typeface="Arial"/>
+            </a:endParaRPr>
+          </a:p>
+        </p:txBody>
+      </p:sp>
+      <p:sp>
+        <p:nvSpPr>
+          <p:cNvPr id="2" name="TextBox 1"/>
+          <p:cNvSpPr txBox="1"/>
+          <p:nvPr/>
+        </p:nvSpPr>
+        <p:spPr>
+          <a:xfrm>
+            <a:off x="732600" y="6839505"/>
+            <a:ext cx="6898512" cy="369332"/>
+          </a:xfrm>
+          <a:prstGeom prst="rect">
+            <a:avLst/>
+          </a:prstGeom>
+          <a:noFill/>
+        </p:spPr>
+        <p:txBody>
+          <a:bodyPr wrap="square" rtlCol="0">
+            <a:spAutoFit/>
+          </a:bodyPr>
+          <a:lstStyle/>
+          <a:p>
+            <a:r>
+              <a:rPr lang="en-US" baseline="30000" dirty="0" smtClean="0"/>
+              <a:t>1</a:t>
+            </a:r>
+            <a:r>
+              <a:rPr lang="en-US" dirty="0" smtClean="0"/>
+              <a:t>https://www.exence.com/en/offer/internal-order-processing</a:t>
+            </a:r>
+            <a:endParaRPr lang="en-US" baseline="30000" dirty="0"/>
           </a:p>
         </p:txBody>
       </p:sp>
@@ -6092,7 +6163,7 @@
       </p:grpSpPr>
       <p:sp>
         <p:nvSpPr>
-          <p:cNvPr id="83" name="CustomShape 1"/>
+          <p:cNvPr id="85" name="CustomShape 1"/>
           <p:cNvSpPr/>
           <p:nvPr/>
         </p:nvSpPr>
@@ -6125,43 +6196,53 @@
           <a:bodyPr lIns="0" tIns="0" rIns="0" bIns="0" anchor="ctr"/>
           <a:lstStyle/>
           <a:p>
-            <a:pPr algn="ctr">
+            <a:pPr>
               <a:lnSpc>
-                <a:spcPct val="100000"/>
+                <a:spcPct val="90000"/>
               </a:lnSpc>
             </a:pPr>
             <a:r>
-              <a:rPr lang="en-US" sz="4400" b="0" strike="noStrike" spc="-1">
-                <a:solidFill>
-                  <a:srgbClr val="000000"/>
-                </a:solidFill>
-                <a:uFill>
-                  <a:solidFill>
-                    <a:srgbClr val="FFFFFF"/>
-                  </a:solidFill>
-                </a:uFill>
-                <a:latin typeface="Arial"/>
-                <a:ea typeface="DejaVu Sans"/>
-              </a:rPr>
-              <a:t>Related Work</a:t>
-            </a:r>
-            <a:endParaRPr lang="en-US" sz="1800" b="0" strike="noStrike" spc="-1">
-              <a:solidFill>
-                <a:srgbClr val="000000"/>
-              </a:solidFill>
-              <a:uFill>
-                <a:solidFill>
-                  <a:srgbClr val="FFFFFF"/>
-                </a:solidFill>
-              </a:uFill>
-              <a:latin typeface="Arial"/>
-            </a:endParaRPr>
-          </a:p>
-        </p:txBody>
-      </p:sp>
-      <p:sp>
-        <p:nvSpPr>
-          <p:cNvPr id="84" name="CustomShape 2"/>
+              <a:rPr lang="en-US" sz="4400" b="1" spc="-1" dirty="0">
+                <a:solidFill>
+                  <a:schemeClr val="accent4"/>
+                </a:solidFill>
+                <a:uFill>
+                  <a:solidFill>
+                    <a:srgbClr val="FFFFFF"/>
+                  </a:solidFill>
+                </a:uFill>
+              </a:rPr>
+              <a:t>P</a:t>
+            </a:r>
+            <a:r>
+              <a:rPr lang="en-US" sz="4400" b="1" spc="-1" dirty="0" smtClean="0">
+                <a:solidFill>
+                  <a:schemeClr val="accent4"/>
+                </a:solidFill>
+                <a:uFill>
+                  <a:solidFill>
+                    <a:srgbClr val="FFFFFF"/>
+                  </a:solidFill>
+                </a:uFill>
+              </a:rPr>
+              <a:t>roposed Approach</a:t>
+            </a:r>
+            <a:endParaRPr lang="en-US" spc="-1" dirty="0">
+              <a:solidFill>
+                <a:schemeClr val="accent4"/>
+              </a:solidFill>
+              <a:uFill>
+                <a:solidFill>
+                  <a:srgbClr val="FFFFFF"/>
+                </a:solidFill>
+              </a:uFill>
+            </a:endParaRPr>
+          </a:p>
+        </p:txBody>
+      </p:sp>
+      <p:sp>
+        <p:nvSpPr>
+          <p:cNvPr id="86" name="CustomShape 2"/>
           <p:cNvSpPr/>
           <p:nvPr/>
         </p:nvSpPr>
@@ -6193,224 +6274,197 @@
       </p:sp>
       <p:sp>
         <p:nvSpPr>
-          <p:cNvPr id="4" name="CustomShape 2"/>
-          <p:cNvSpPr/>
+          <p:cNvPr id="2" name="TextBox 1"/>
+          <p:cNvSpPr txBox="1"/>
           <p:nvPr/>
         </p:nvSpPr>
         <p:spPr>
           <a:xfrm>
-            <a:off x="656400" y="1493837"/>
-            <a:ext cx="9070920" cy="5257800"/>
+            <a:off x="849312" y="1493837"/>
+            <a:ext cx="8229600" cy="6232475"/>
           </a:xfrm>
           <a:prstGeom prst="rect">
             <a:avLst/>
           </a:prstGeom>
           <a:noFill/>
-          <a:ln>
-            <a:noFill/>
-          </a:ln>
-        </p:spPr>
-        <p:style>
-          <a:lnRef idx="0">
-            <a:scrgbClr r="0" g="0" b="0"/>
-          </a:lnRef>
-          <a:fillRef idx="0">
-            <a:scrgbClr r="0" g="0" b="0"/>
-          </a:fillRef>
-          <a:effectRef idx="0">
-            <a:scrgbClr r="0" g="0" b="0"/>
-          </a:effectRef>
-          <a:fontRef idx="minor"/>
-        </p:style>
-        <p:txBody>
-          <a:bodyPr lIns="0" tIns="0" rIns="0" bIns="0"/>
-          <a:lstStyle/>
-          <a:p>
-            <a:pPr marL="432000" indent="-323280">
-              <a:lnSpc>
-                <a:spcPct val="100000"/>
-              </a:lnSpc>
+        </p:spPr>
+        <p:txBody>
+          <a:bodyPr wrap="square" rtlCol="0">
+            <a:spAutoFit/>
+          </a:bodyPr>
+          <a:lstStyle/>
+          <a:p>
+            <a:pPr marL="285750" indent="-285750">
               <a:spcAft>
                 <a:spcPts val="600"/>
               </a:spcAft>
-              <a:buClr>
-                <a:srgbClr val="000000"/>
-              </a:buClr>
-              <a:buSzPct val="45000"/>
-              <a:buFont typeface="Wingdings" charset="2"/>
-              <a:buChar char=""/>
-            </a:pPr>
-            <a:r>
-              <a:rPr lang="en-US" sz="3200" spc="-1" dirty="0" smtClean="0">
-                <a:solidFill>
-                  <a:srgbClr val="000000"/>
-                </a:solidFill>
-                <a:uFill>
-                  <a:solidFill>
-                    <a:srgbClr val="FFFFFF"/>
-                  </a:solidFill>
-                </a:uFill>
-                <a:latin typeface="Arial"/>
-              </a:rPr>
-              <a:t>There already exist proprietary software systems for order management sold by a variety of companies</a:t>
-            </a:r>
-          </a:p>
-          <a:p>
-            <a:pPr marL="432000" indent="-323280">
-              <a:lnSpc>
-                <a:spcPct val="100000"/>
-              </a:lnSpc>
+              <a:buFont typeface="Arial" panose="020B0604020202020204" pitchFamily="34" charset="0"/>
+              <a:buChar char="•"/>
+            </a:pPr>
+            <a:r>
+              <a:rPr lang="en-US" sz="3200" dirty="0" smtClean="0">
+                <a:solidFill>
+                  <a:schemeClr val="tx2"/>
+                </a:solidFill>
+              </a:rPr>
+              <a:t>Our app will run in a web browser and consist of a user interface and a database</a:t>
+            </a:r>
+          </a:p>
+          <a:p>
+            <a:pPr marL="285750" indent="-285750">
               <a:spcAft>
                 <a:spcPts val="600"/>
               </a:spcAft>
-              <a:buClr>
-                <a:srgbClr val="000000"/>
-              </a:buClr>
-              <a:buSzPct val="45000"/>
-              <a:buFont typeface="Wingdings" charset="2"/>
-              <a:buChar char=""/>
-            </a:pPr>
-            <a:r>
-              <a:rPr lang="en-US" sz="3200" spc="-1" dirty="0" smtClean="0">
-                <a:solidFill>
-                  <a:srgbClr val="000000"/>
-                </a:solidFill>
-                <a:uFill>
-                  <a:solidFill>
-                    <a:srgbClr val="FFFFFF"/>
-                  </a:solidFill>
-                </a:uFill>
-                <a:latin typeface="Arial"/>
-              </a:rPr>
-              <a:t>The Polish software company Exence</a:t>
-            </a:r>
-            <a:r>
-              <a:rPr lang="en-US" sz="3200" spc="-1" baseline="30000" dirty="0" smtClean="0">
-                <a:solidFill>
-                  <a:srgbClr val="000000"/>
-                </a:solidFill>
-                <a:uFill>
-                  <a:solidFill>
-                    <a:srgbClr val="FFFFFF"/>
-                  </a:solidFill>
-                </a:uFill>
-                <a:latin typeface="Arial"/>
-              </a:rPr>
-              <a:t>1</a:t>
-            </a:r>
-            <a:r>
-              <a:rPr lang="en-US" sz="3200" spc="-1" dirty="0" smtClean="0">
-                <a:solidFill>
-                  <a:srgbClr val="000000"/>
-                </a:solidFill>
-                <a:uFill>
-                  <a:solidFill>
-                    <a:srgbClr val="FFFFFF"/>
-                  </a:solidFill>
-                </a:uFill>
-                <a:latin typeface="Arial"/>
-              </a:rPr>
-              <a:t> has a product that happens to be very similar to our idea, but is a desktop app</a:t>
-            </a:r>
-          </a:p>
-          <a:p>
-            <a:pPr marL="1023120" lvl="1" indent="-457200">
+              <a:buFont typeface="Arial" panose="020B0604020202020204" pitchFamily="34" charset="0"/>
+              <a:buChar char="•"/>
+            </a:pPr>
+            <a:r>
+              <a:rPr lang="en-US" sz="3200" dirty="0" smtClean="0">
+                <a:solidFill>
+                  <a:schemeClr val="tx2"/>
+                </a:solidFill>
+              </a:rPr>
+              <a:t>Interface will have listing of all the orders that exist for the company, and will have columns for different </a:t>
+            </a:r>
+            <a:r>
+              <a:rPr lang="en-US" sz="3200" dirty="0" smtClean="0">
+                <a:solidFill>
+                  <a:schemeClr val="tx2"/>
+                </a:solidFill>
+              </a:rPr>
+              <a:t>fields: </a:t>
+            </a:r>
+            <a:r>
+              <a:rPr lang="en-US" sz="3200" i="1" dirty="0" smtClean="0">
+                <a:solidFill>
+                  <a:schemeClr val="tx2"/>
+                </a:solidFill>
+              </a:rPr>
+              <a:t>Department</a:t>
+            </a:r>
+            <a:r>
+              <a:rPr lang="en-US" sz="3200" dirty="0">
+                <a:solidFill>
+                  <a:schemeClr val="tx2"/>
+                </a:solidFill>
+              </a:rPr>
+              <a:t>,</a:t>
+            </a:r>
+            <a:r>
+              <a:rPr lang="en-US" sz="3200" i="1" dirty="0" smtClean="0">
+                <a:solidFill>
+                  <a:schemeClr val="tx2"/>
+                </a:solidFill>
+              </a:rPr>
+              <a:t> Quantity</a:t>
+            </a:r>
+            <a:r>
+              <a:rPr lang="en-US" sz="3200" dirty="0" smtClean="0">
+                <a:solidFill>
+                  <a:schemeClr val="tx2"/>
+                </a:solidFill>
+              </a:rPr>
+              <a:t>,</a:t>
+            </a:r>
+            <a:r>
+              <a:rPr lang="en-US" sz="3200" dirty="0">
+                <a:solidFill>
+                  <a:schemeClr val="tx2"/>
+                </a:solidFill>
+              </a:rPr>
+              <a:t> </a:t>
+            </a:r>
+            <a:r>
+              <a:rPr lang="en-US" sz="3200" i="1" dirty="0" smtClean="0">
+                <a:solidFill>
+                  <a:schemeClr val="tx2"/>
+                </a:solidFill>
+              </a:rPr>
+              <a:t>Cost</a:t>
+            </a:r>
+            <a:r>
+              <a:rPr lang="en-US" sz="3200" dirty="0" smtClean="0">
+                <a:solidFill>
+                  <a:schemeClr val="tx2"/>
+                </a:solidFill>
+              </a:rPr>
+              <a:t>, </a:t>
+            </a:r>
+            <a:r>
+              <a:rPr lang="en-US" sz="3200" i="1" dirty="0" smtClean="0">
+                <a:solidFill>
+                  <a:schemeClr val="tx2"/>
+                </a:solidFill>
+              </a:rPr>
+              <a:t>Status</a:t>
+            </a:r>
+            <a:r>
+              <a:rPr lang="en-US" sz="3200" dirty="0" smtClean="0">
+                <a:solidFill>
+                  <a:schemeClr val="tx2"/>
+                </a:solidFill>
+              </a:rPr>
+              <a:t>,</a:t>
+            </a:r>
+            <a:r>
+              <a:rPr lang="en-US" sz="3200" i="1" dirty="0" smtClean="0">
+                <a:solidFill>
+                  <a:schemeClr val="tx2"/>
+                </a:solidFill>
+              </a:rPr>
+              <a:t> </a:t>
+            </a:r>
+            <a:r>
+              <a:rPr lang="en-US" sz="3200" dirty="0" smtClean="0">
+                <a:solidFill>
+                  <a:schemeClr val="tx2"/>
+                </a:solidFill>
+              </a:rPr>
+              <a:t>etc.</a:t>
+            </a:r>
+            <a:endParaRPr lang="en-US" sz="3200" dirty="0">
+              <a:solidFill>
+                <a:schemeClr val="tx2"/>
+              </a:solidFill>
+            </a:endParaRPr>
+          </a:p>
+          <a:p>
+            <a:pPr marL="285750" indent="-285750">
               <a:spcAft>
                 <a:spcPts val="600"/>
               </a:spcAft>
-              <a:buClr>
-                <a:srgbClr val="000000"/>
-              </a:buClr>
-              <a:buSzPct val="100000"/>
-              <a:buFont typeface="Courier New" panose="02070309020205020404" pitchFamily="49" charset="0"/>
-              <a:buChar char="o"/>
-            </a:pPr>
-            <a:r>
-              <a:rPr lang="en-US" sz="2800" spc="-1" dirty="0" smtClean="0">
-                <a:solidFill>
-                  <a:srgbClr val="000000"/>
-                </a:solidFill>
-                <a:uFill>
-                  <a:solidFill>
-                    <a:srgbClr val="FFFFFF"/>
-                  </a:solidFill>
-                </a:uFill>
-                <a:latin typeface="Arial"/>
-              </a:rPr>
-              <a:t>Ours is a web app for ease of access</a:t>
-            </a:r>
-          </a:p>
-          <a:p>
-            <a:pPr marL="1023120" lvl="1" indent="-457200">
-              <a:spcAft>
-                <a:spcPts val="600"/>
-              </a:spcAft>
-              <a:buClr>
-                <a:srgbClr val="000000"/>
-              </a:buClr>
-              <a:buSzPct val="100000"/>
-              <a:buFont typeface="Courier New" panose="02070309020205020404" pitchFamily="49" charset="0"/>
-              <a:buChar char="o"/>
-            </a:pPr>
-            <a:r>
-              <a:rPr lang="en-US" sz="2800" spc="-1" dirty="0" smtClean="0">
-                <a:solidFill>
-                  <a:srgbClr val="000000"/>
-                </a:solidFill>
-                <a:uFill>
-                  <a:solidFill>
-                    <a:srgbClr val="FFFFFF"/>
-                  </a:solidFill>
-                </a:uFill>
-                <a:latin typeface="Arial"/>
-              </a:rPr>
-              <a:t>Adding a desktop client for our application could be a feature for future extension of the project</a:t>
-            </a:r>
-            <a:endParaRPr lang="en-US" sz="2800" b="0" strike="noStrike" spc="-1" dirty="0">
-              <a:solidFill>
-                <a:srgbClr val="000000"/>
-              </a:solidFill>
-              <a:uFill>
-                <a:solidFill>
-                  <a:srgbClr val="FFFFFF"/>
-                </a:solidFill>
-              </a:uFill>
-              <a:latin typeface="Arial"/>
-            </a:endParaRPr>
-          </a:p>
-        </p:txBody>
-      </p:sp>
-      <p:sp>
-        <p:nvSpPr>
-          <p:cNvPr id="2" name="TextBox 1"/>
-          <p:cNvSpPr txBox="1"/>
-          <p:nvPr/>
-        </p:nvSpPr>
-        <p:spPr>
-          <a:xfrm>
-            <a:off x="732600" y="6839505"/>
-            <a:ext cx="6898512" cy="369332"/>
-          </a:xfrm>
-          <a:prstGeom prst="rect">
-            <a:avLst/>
-          </a:prstGeom>
-          <a:noFill/>
-        </p:spPr>
-        <p:txBody>
-          <a:bodyPr wrap="square" rtlCol="0">
-            <a:spAutoFit/>
-          </a:bodyPr>
-          <a:lstStyle/>
-          <a:p>
-            <a:r>
-              <a:rPr lang="en-US" baseline="30000" dirty="0" smtClean="0"/>
-              <a:t>1</a:t>
-            </a:r>
-            <a:r>
-              <a:rPr lang="en-US" dirty="0" smtClean="0"/>
-              <a:t>https://www.exence.com/en/offer/internal-order-processing</a:t>
-            </a:r>
-            <a:endParaRPr lang="en-US" baseline="30000" dirty="0"/>
+              <a:buFont typeface="Arial" panose="020B0604020202020204" pitchFamily="34" charset="0"/>
+              <a:buChar char="•"/>
+            </a:pPr>
+            <a:r>
+              <a:rPr lang="en-US" sz="3200" dirty="0" smtClean="0">
+                <a:solidFill>
+                  <a:schemeClr val="tx2"/>
+                </a:solidFill>
+              </a:rPr>
+              <a:t>Normal users will be able to add orders to the system, or cancel their existing ones</a:t>
+            </a:r>
+          </a:p>
+          <a:p>
+            <a:pPr marL="285750" indent="-285750">
+              <a:buFont typeface="Arial" panose="020B0604020202020204" pitchFamily="34" charset="0"/>
+              <a:buChar char="•"/>
+            </a:pPr>
+            <a:r>
+              <a:rPr lang="en-US" sz="3200" dirty="0" smtClean="0">
+                <a:solidFill>
+                  <a:schemeClr val="tx2"/>
+                </a:solidFill>
+              </a:rPr>
+              <a:t>Users who log in as a manager can confirm the orders and notify the user who placed the order when it arrives</a:t>
+            </a:r>
+          </a:p>
+          <a:p>
+            <a:pPr marL="285750" indent="-285750">
+              <a:buFont typeface="Arial" panose="020B0604020202020204" pitchFamily="34" charset="0"/>
+              <a:buChar char="•"/>
+            </a:pPr>
+            <a:endParaRPr lang="en-US" sz="3200" dirty="0"/>
           </a:p>
         </p:txBody>
       </p:sp>
@@ -6501,36 +6555,46 @@
           <a:bodyPr lIns="0" tIns="0" rIns="0" bIns="0" anchor="ctr"/>
           <a:lstStyle/>
           <a:p>
-            <a:pPr algn="ctr">
+            <a:pPr>
               <a:lnSpc>
-                <a:spcPct val="100000"/>
+                <a:spcPct val="90000"/>
               </a:lnSpc>
             </a:pPr>
             <a:r>
-              <a:rPr lang="en-US" sz="4400" b="0" strike="noStrike" spc="-1">
-                <a:solidFill>
-                  <a:srgbClr val="000000"/>
-                </a:solidFill>
-                <a:uFill>
-                  <a:solidFill>
-                    <a:srgbClr val="FFFFFF"/>
-                  </a:solidFill>
-                </a:uFill>
-                <a:latin typeface="Arial"/>
-                <a:ea typeface="DejaVu Sans"/>
-              </a:rPr>
-              <a:t>Proposed Approach</a:t>
-            </a:r>
-            <a:endParaRPr lang="en-US" sz="1800" b="0" strike="noStrike" spc="-1">
-              <a:solidFill>
-                <a:srgbClr val="000000"/>
-              </a:solidFill>
-              <a:uFill>
-                <a:solidFill>
-                  <a:srgbClr val="FFFFFF"/>
-                </a:solidFill>
-              </a:uFill>
-              <a:latin typeface="Arial"/>
+              <a:rPr lang="en-US" sz="4400" b="1" spc="-1" dirty="0">
+                <a:solidFill>
+                  <a:schemeClr val="accent4"/>
+                </a:solidFill>
+                <a:uFill>
+                  <a:solidFill>
+                    <a:srgbClr val="FFFFFF"/>
+                  </a:solidFill>
+                </a:uFill>
+              </a:rPr>
+              <a:t>Proposed </a:t>
+            </a:r>
+            <a:r>
+              <a:rPr lang="en-US" sz="4400" b="1" spc="-1" dirty="0" smtClean="0">
+                <a:solidFill>
+                  <a:schemeClr val="accent4"/>
+                </a:solidFill>
+                <a:uFill>
+                  <a:solidFill>
+                    <a:srgbClr val="FFFFFF"/>
+                  </a:solidFill>
+                </a:uFill>
+              </a:rPr>
+              <a:t>Approach (cont.)</a:t>
+            </a:r>
+            <a:endParaRPr lang="en-US" sz="4400" spc="-1" dirty="0">
+              <a:solidFill>
+                <a:schemeClr val="accent4"/>
+              </a:solidFill>
+              <a:uFill>
+                <a:solidFill>
+                  <a:srgbClr val="FFFFFF"/>
+                </a:solidFill>
+              </a:uFill>
             </a:endParaRPr>
           </a:p>
         </p:txBody>
@@ -6576,7 +6640,7 @@
         <p:spPr>
           <a:xfrm>
             <a:off x="849312" y="1493837"/>
-            <a:ext cx="8229600" cy="6001643"/>
+            <a:ext cx="8229600" cy="4708981"/>
           </a:xfrm>
           <a:prstGeom prst="rect">
             <a:avLst/>
@@ -6594,9 +6658,26 @@
               <a:buChar char="•"/>
             </a:pPr>
             <a:r>
-              <a:rPr lang="en-US" sz="3200" dirty="0" smtClean="0"/>
-              <a:t>Our app will run in a web browser and consist of a user interface and a database</a:t>
-            </a:r>
+              <a:rPr lang="en-US" sz="3200" dirty="0" smtClean="0">
+                <a:solidFill>
+                  <a:schemeClr val="tx2"/>
+                </a:solidFill>
+              </a:rPr>
+              <a:t>The front end of the app will be programmed using </a:t>
+            </a:r>
+            <a:r>
+              <a:rPr lang="en-US" sz="3200" dirty="0" err="1" smtClean="0">
+                <a:solidFill>
+                  <a:schemeClr val="tx2"/>
+                </a:solidFill>
+              </a:rPr>
+              <a:t>javascript</a:t>
+            </a:r>
+            <a:endParaRPr lang="en-US" sz="3200" dirty="0" smtClean="0">
+              <a:solidFill>
+                <a:schemeClr val="tx2"/>
+              </a:solidFill>
+            </a:endParaRPr>
           </a:p>
           <a:p>
             <a:pPr marL="285750" indent="-285750">
@@ -6604,41 +6685,57 @@
               <a:buChar char="•"/>
             </a:pPr>
             <a:r>
-              <a:rPr lang="en-US" sz="3200" dirty="0" smtClean="0"/>
-              <a:t>Interface will have listing of all the orders that exist for the company, and will have columns for different fields like “Department” “Quantity” “Status” etc.</a:t>
-            </a:r>
-            <a:endParaRPr lang="en-US" sz="3200" dirty="0"/>
-          </a:p>
-          <a:p>
-            <a:pPr marL="285750" indent="-285750">
-              <a:buFont typeface="Arial" panose="020B0604020202020204" pitchFamily="34" charset="0"/>
-              <a:buChar char="•"/>
-            </a:pPr>
-            <a:r>
-              <a:rPr lang="en-US" sz="3200" dirty="0" smtClean="0"/>
-              <a:t>Normal users will be able to add orders to the system, or cancel their existing ones</a:t>
-            </a:r>
-          </a:p>
-          <a:p>
-            <a:pPr marL="285750" indent="-285750">
-              <a:buFont typeface="Arial" panose="020B0604020202020204" pitchFamily="34" charset="0"/>
-              <a:buChar char="•"/>
-            </a:pPr>
-            <a:r>
-              <a:rPr lang="en-US" sz="3200" dirty="0" smtClean="0"/>
-              <a:t>Users who log in as a manager can confirm the orders and notify the user who placed the order when it arrives</a:t>
-            </a:r>
-          </a:p>
-          <a:p>
-            <a:pPr marL="285750" indent="-285750">
-              <a:buFont typeface="Arial" panose="020B0604020202020204" pitchFamily="34" charset="0"/>
-              <a:buChar char="•"/>
-            </a:pPr>
-            <a:endParaRPr lang="en-US" sz="3200" dirty="0"/>
+              <a:rPr lang="en-US" sz="3200" dirty="0" smtClean="0">
+                <a:solidFill>
+                  <a:schemeClr val="tx2"/>
+                </a:solidFill>
+              </a:rPr>
+              <a:t>The back end will consist of a database that will contain all order objects and their attributes</a:t>
+            </a:r>
+          </a:p>
+          <a:p>
+            <a:pPr marL="914400" lvl="1" indent="-457200">
+              <a:buFont typeface="Courier New" panose="02070309020205020404" pitchFamily="49" charset="0"/>
+              <a:buChar char="o"/>
+            </a:pPr>
+            <a:r>
+              <a:rPr lang="en-US" sz="2800" dirty="0" smtClean="0">
+                <a:solidFill>
+                  <a:schemeClr val="tx2"/>
+                </a:solidFill>
+              </a:rPr>
+              <a:t>Main view in UI will be populated directly from the DB</a:t>
+            </a:r>
+          </a:p>
+          <a:p>
+            <a:pPr marL="914400" lvl="1" indent="-457200">
+              <a:buFont typeface="Courier New" panose="02070309020205020404" pitchFamily="49" charset="0"/>
+              <a:buChar char="o"/>
+            </a:pPr>
+            <a:r>
+              <a:rPr lang="en-US" sz="2800" dirty="0" smtClean="0">
+                <a:solidFill>
+                  <a:schemeClr val="tx2"/>
+                </a:solidFill>
+              </a:rPr>
+              <a:t>Entries will be added, deleted, or modified based on the front end users’ actions</a:t>
+            </a:r>
+          </a:p>
+          <a:p>
+            <a:pPr marL="914400" lvl="1" indent="-457200">
+              <a:buFont typeface="Courier New" panose="02070309020205020404" pitchFamily="49" charset="0"/>
+              <a:buChar char="o"/>
+            </a:pPr>
+            <a:endParaRPr lang="en-US" sz="2800" dirty="0"/>
           </a:p>
         </p:txBody>
       </p:sp>
     </p:spTree>
+    <p:extLst>
+      <p:ext uri="{BB962C8B-B14F-4D97-AF65-F5344CB8AC3E}">
+        <p14:creationId xmlns:p14="http://schemas.microsoft.com/office/powerpoint/2010/main" val="1858391335"/>
+      </p:ext>
+    </p:extLst>
   </p:cSld>
   <p:clrMapOvr>
     <a:masterClrMapping/>
@@ -6692,7 +6789,7 @@
       </p:grpSpPr>
       <p:sp>
         <p:nvSpPr>
-          <p:cNvPr id="85" name="CustomShape 1"/>
+          <p:cNvPr id="87" name="CustomShape 1"/>
           <p:cNvSpPr/>
           <p:nvPr/>
         </p:nvSpPr>
@@ -6725,88 +6822,40 @@
           <a:bodyPr lIns="0" tIns="0" rIns="0" bIns="0" anchor="ctr"/>
           <a:lstStyle/>
           <a:p>
-            <a:pPr algn="ctr">
+            <a:pPr>
               <a:lnSpc>
-                <a:spcPct val="100000"/>
+                <a:spcPct val="90000"/>
               </a:lnSpc>
             </a:pPr>
             <a:r>
-              <a:rPr lang="en-US" sz="4400" b="0" strike="noStrike" spc="-1" dirty="0">
-                <a:solidFill>
-                  <a:srgbClr val="000000"/>
-                </a:solidFill>
-                <a:uFill>
-                  <a:solidFill>
-                    <a:srgbClr val="FFFFFF"/>
-                  </a:solidFill>
-                </a:uFill>
-                <a:latin typeface="Arial"/>
-                <a:ea typeface="DejaVu Sans"/>
-              </a:rPr>
-              <a:t>Proposed </a:t>
-            </a:r>
-            <a:r>
-              <a:rPr lang="en-US" sz="4400" b="0" strike="noStrike" spc="-1" dirty="0" smtClean="0">
-                <a:solidFill>
-                  <a:srgbClr val="000000"/>
-                </a:solidFill>
-                <a:uFill>
-                  <a:solidFill>
-                    <a:srgbClr val="FFFFFF"/>
-                  </a:solidFill>
-                </a:uFill>
-                <a:latin typeface="Arial"/>
-                <a:ea typeface="DejaVu Sans"/>
-              </a:rPr>
-              <a:t>Approach (</a:t>
-            </a:r>
-            <a:r>
-              <a:rPr lang="en-US" sz="4400" b="0" strike="noStrike" spc="-1" dirty="0" err="1" smtClean="0">
-                <a:solidFill>
-                  <a:srgbClr val="000000"/>
-                </a:solidFill>
-                <a:uFill>
-                  <a:solidFill>
-                    <a:srgbClr val="FFFFFF"/>
-                  </a:solidFill>
-                </a:uFill>
-                <a:latin typeface="Arial"/>
-                <a:ea typeface="DejaVu Sans"/>
-              </a:rPr>
-              <a:t>cont</a:t>
-            </a:r>
-            <a:r>
-              <a:rPr lang="en-US" sz="4400" b="0" strike="noStrike" spc="-1" dirty="0" smtClean="0">
-                <a:solidFill>
-                  <a:srgbClr val="000000"/>
-                </a:solidFill>
-                <a:uFill>
-                  <a:solidFill>
-                    <a:srgbClr val="FFFFFF"/>
-                  </a:solidFill>
-                </a:uFill>
-                <a:latin typeface="Arial"/>
-                <a:ea typeface="DejaVu Sans"/>
-              </a:rPr>
-              <a:t>)</a:t>
-            </a:r>
-            <a:endParaRPr lang="en-US" sz="1800" b="0" strike="noStrike" spc="-1" dirty="0">
-              <a:solidFill>
-                <a:srgbClr val="000000"/>
-              </a:solidFill>
-              <a:uFill>
-                <a:solidFill>
-                  <a:srgbClr val="FFFFFF"/>
-                </a:solidFill>
-              </a:uFill>
-              <a:latin typeface="Arial"/>
-            </a:endParaRPr>
-          </a:p>
-        </p:txBody>
-      </p:sp>
-      <p:sp>
-        <p:nvSpPr>
-          <p:cNvPr id="86" name="CustomShape 2"/>
+              <a:rPr lang="en-US" sz="4400" b="1" spc="-1" dirty="0" smtClean="0">
+                <a:solidFill>
+                  <a:schemeClr val="accent4"/>
+                </a:solidFill>
+                <a:uFill>
+                  <a:solidFill>
+                    <a:srgbClr val="FFFFFF"/>
+                  </a:solidFill>
+                </a:uFill>
+              </a:rPr>
+              <a:t>Evaluation (Test Plan)</a:t>
+            </a:r>
+            <a:endParaRPr lang="en-US" sz="4400" spc="-1" dirty="0">
+              <a:solidFill>
+                <a:schemeClr val="accent4"/>
+              </a:solidFill>
+              <a:uFill>
+                <a:solidFill>
+                  <a:srgbClr val="FFFFFF"/>
+                </a:solidFill>
+              </a:uFill>
+            </a:endParaRPr>
+          </a:p>
+        </p:txBody>
+      </p:sp>
+      <p:sp>
+        <p:nvSpPr>
+          <p:cNvPr id="88" name="CustomShape 2"/>
           <p:cNvSpPr/>
           <p:nvPr/>
         </p:nvSpPr>
@@ -6835,88 +6884,363 @@
           </a:effectRef>
           <a:fontRef idx="minor"/>
         </p:style>
-      </p:sp>
-      <p:sp>
-        <p:nvSpPr>
-          <p:cNvPr id="2" name="TextBox 1"/>
-          <p:cNvSpPr txBox="1"/>
-          <p:nvPr/>
-        </p:nvSpPr>
-        <p:spPr>
-          <a:xfrm>
-            <a:off x="849312" y="1493837"/>
-            <a:ext cx="8229600" cy="4708981"/>
-          </a:xfrm>
-          <a:prstGeom prst="rect">
-            <a:avLst/>
-          </a:prstGeom>
-          <a:noFill/>
-        </p:spPr>
-        <p:txBody>
-          <a:bodyPr wrap="square" rtlCol="0">
-            <a:spAutoFit/>
-          </a:bodyPr>
-          <a:lstStyle/>
-          <a:p>
-            <a:pPr marL="285750" indent="-285750">
-              <a:buFont typeface="Arial" panose="020B0604020202020204" pitchFamily="34" charset="0"/>
-              <a:buChar char="•"/>
-            </a:pPr>
-            <a:r>
-              <a:rPr lang="en-US" sz="3200" dirty="0" smtClean="0"/>
-              <a:t>The front end of the app will be programmed using </a:t>
-            </a:r>
-            <a:r>
-              <a:rPr lang="en-US" sz="3200" dirty="0" err="1" smtClean="0"/>
-              <a:t>javascript</a:t>
-            </a:r>
-            <a:endParaRPr lang="en-US" sz="3200" dirty="0" smtClean="0"/>
-          </a:p>
-          <a:p>
-            <a:pPr marL="285750" indent="-285750">
-              <a:buFont typeface="Arial" panose="020B0604020202020204" pitchFamily="34" charset="0"/>
-              <a:buChar char="•"/>
-            </a:pPr>
-            <a:r>
-              <a:rPr lang="en-US" sz="3200" dirty="0" smtClean="0"/>
-              <a:t>The back end will consist of a database that will contain all order objects and their attributes</a:t>
-            </a:r>
-          </a:p>
-          <a:p>
-            <a:pPr marL="914400" lvl="1" indent="-457200">
-              <a:buFont typeface="Courier New" panose="02070309020205020404" pitchFamily="49" charset="0"/>
-              <a:buChar char="o"/>
-            </a:pPr>
-            <a:r>
-              <a:rPr lang="en-US" sz="2800" dirty="0" smtClean="0"/>
-              <a:t>Main view in UI will be populated directly from the DB</a:t>
-            </a:r>
-          </a:p>
-          <a:p>
-            <a:pPr marL="914400" lvl="1" indent="-457200">
-              <a:buFont typeface="Courier New" panose="02070309020205020404" pitchFamily="49" charset="0"/>
-              <a:buChar char="o"/>
-            </a:pPr>
-            <a:r>
-              <a:rPr lang="en-US" sz="2800" dirty="0" smtClean="0"/>
-              <a:t>Entries will be added, deleted, or modified based on the front end users’ actions</a:t>
-            </a:r>
-          </a:p>
-          <a:p>
-            <a:pPr marL="914400" lvl="1" indent="-457200">
-              <a:buFont typeface="Courier New" panose="02070309020205020404" pitchFamily="49" charset="0"/>
-              <a:buChar char="o"/>
-            </a:pPr>
-            <a:endParaRPr lang="en-US" sz="2800" dirty="0"/>
+        <p:txBody>
+          <a:bodyPr lIns="0" tIns="0" rIns="0" bIns="0"/>
+          <a:lstStyle/>
+          <a:p>
+            <a:pPr marL="432000" indent="-323280">
+              <a:lnSpc>
+                <a:spcPct val="100000"/>
+              </a:lnSpc>
+              <a:buClr>
+                <a:srgbClr val="000000"/>
+              </a:buClr>
+              <a:buSzPct val="45000"/>
+              <a:buFont typeface="Wingdings" charset="2"/>
+              <a:buChar char=""/>
+            </a:pPr>
+            <a:r>
+              <a:rPr lang="en-US" sz="3200" b="0" strike="noStrike" spc="-1" dirty="0">
+                <a:solidFill>
+                  <a:schemeClr val="tx2"/>
+                </a:solidFill>
+                <a:uFill>
+                  <a:solidFill>
+                    <a:srgbClr val="FFFFFF"/>
+                  </a:solidFill>
+                </a:uFill>
+                <a:latin typeface="Arial"/>
+                <a:ea typeface="DejaVu Sans"/>
+              </a:rPr>
+              <a:t>System Test</a:t>
+            </a:r>
+            <a:endParaRPr lang="en-US" sz="1800" b="0" strike="noStrike" spc="-1" dirty="0">
+              <a:solidFill>
+                <a:schemeClr val="tx2"/>
+              </a:solidFill>
+              <a:uFill>
+                <a:solidFill>
+                  <a:srgbClr val="FFFFFF"/>
+                </a:solidFill>
+              </a:uFill>
+              <a:latin typeface="Arial"/>
+            </a:endParaRPr>
+          </a:p>
+          <a:p>
+            <a:pPr marL="864000" lvl="1" indent="-323280">
+              <a:lnSpc>
+                <a:spcPct val="100000"/>
+              </a:lnSpc>
+              <a:buClr>
+                <a:srgbClr val="000000"/>
+              </a:buClr>
+              <a:buSzPct val="75000"/>
+              <a:buFont typeface="Symbol"/>
+              <a:buChar char=""/>
+            </a:pPr>
+            <a:r>
+              <a:rPr lang="en-US" sz="3200" b="0" strike="noStrike" spc="-1" dirty="0">
+                <a:solidFill>
+                  <a:schemeClr val="tx2"/>
+                </a:solidFill>
+                <a:uFill>
+                  <a:solidFill>
+                    <a:srgbClr val="FFFFFF"/>
+                  </a:solidFill>
+                </a:uFill>
+                <a:latin typeface="Arial"/>
+                <a:ea typeface="DejaVu Sans"/>
+              </a:rPr>
+              <a:t>Multiple sessions of the webpage</a:t>
+            </a:r>
+            <a:endParaRPr lang="en-US" sz="1800" b="0" strike="noStrike" spc="-1" dirty="0">
+              <a:solidFill>
+                <a:schemeClr val="tx2"/>
+              </a:solidFill>
+              <a:uFill>
+                <a:solidFill>
+                  <a:srgbClr val="FFFFFF"/>
+                </a:solidFill>
+              </a:uFill>
+              <a:latin typeface="Arial"/>
+            </a:endParaRPr>
+          </a:p>
+          <a:p>
+            <a:pPr marL="864000" lvl="1" indent="-323280">
+              <a:lnSpc>
+                <a:spcPct val="100000"/>
+              </a:lnSpc>
+              <a:buClr>
+                <a:srgbClr val="000000"/>
+              </a:buClr>
+              <a:buSzPct val="75000"/>
+              <a:buFont typeface="Symbol"/>
+              <a:buChar char=""/>
+            </a:pPr>
+            <a:r>
+              <a:rPr lang="en-US" sz="3200" b="0" strike="noStrike" spc="-1" dirty="0">
+                <a:solidFill>
+                  <a:schemeClr val="tx2"/>
+                </a:solidFill>
+                <a:uFill>
+                  <a:solidFill>
+                    <a:srgbClr val="FFFFFF"/>
+                  </a:solidFill>
+                </a:uFill>
+                <a:latin typeface="Arial"/>
+                <a:ea typeface="DejaVu Sans"/>
+              </a:rPr>
+              <a:t>Multiple users</a:t>
+            </a:r>
+            <a:endParaRPr lang="en-US" sz="1800" b="0" strike="noStrike" spc="-1" dirty="0">
+              <a:solidFill>
+                <a:schemeClr val="tx2"/>
+              </a:solidFill>
+              <a:uFill>
+                <a:solidFill>
+                  <a:srgbClr val="FFFFFF"/>
+                </a:solidFill>
+              </a:uFill>
+              <a:latin typeface="Arial"/>
+            </a:endParaRPr>
+          </a:p>
+          <a:p>
+            <a:pPr marL="864000" lvl="1" indent="-323280">
+              <a:lnSpc>
+                <a:spcPct val="100000"/>
+              </a:lnSpc>
+              <a:buClr>
+                <a:srgbClr val="000000"/>
+              </a:buClr>
+              <a:buSzPct val="75000"/>
+              <a:buFont typeface="Symbol"/>
+              <a:buChar char=""/>
+            </a:pPr>
+            <a:r>
+              <a:rPr lang="en-US" sz="3200" b="0" strike="noStrike" spc="-1" dirty="0">
+                <a:solidFill>
+                  <a:schemeClr val="tx2"/>
+                </a:solidFill>
+                <a:uFill>
+                  <a:solidFill>
+                    <a:srgbClr val="FFFFFF"/>
+                  </a:solidFill>
+                </a:uFill>
+                <a:latin typeface="Arial"/>
+                <a:ea typeface="DejaVu Sans"/>
+              </a:rPr>
+              <a:t>Have user 1 submit order on the web page</a:t>
+            </a:r>
+            <a:endParaRPr lang="en-US" sz="1800" b="0" strike="noStrike" spc="-1" dirty="0">
+              <a:solidFill>
+                <a:schemeClr val="tx2"/>
+              </a:solidFill>
+              <a:uFill>
+                <a:solidFill>
+                  <a:srgbClr val="FFFFFF"/>
+                </a:solidFill>
+              </a:uFill>
+              <a:latin typeface="Arial"/>
+            </a:endParaRPr>
+          </a:p>
+          <a:p>
+            <a:pPr marL="864000" lvl="1" indent="-323280">
+              <a:lnSpc>
+                <a:spcPct val="100000"/>
+              </a:lnSpc>
+              <a:buClr>
+                <a:srgbClr val="000000"/>
+              </a:buClr>
+              <a:buSzPct val="75000"/>
+              <a:buFont typeface="Symbol"/>
+              <a:buChar char=""/>
+            </a:pPr>
+            <a:r>
+              <a:rPr lang="en-US" sz="3200" b="0" strike="noStrike" spc="-1" dirty="0">
+                <a:solidFill>
+                  <a:schemeClr val="tx2"/>
+                </a:solidFill>
+                <a:uFill>
+                  <a:solidFill>
+                    <a:srgbClr val="FFFFFF"/>
+                  </a:solidFill>
+                </a:uFill>
+                <a:latin typeface="Arial"/>
+                <a:ea typeface="DejaVu Sans"/>
+              </a:rPr>
+              <a:t>Have user 2 see if those updates occur</a:t>
+            </a:r>
+            <a:endParaRPr lang="en-US" sz="1800" b="0" strike="noStrike" spc="-1" dirty="0">
+              <a:solidFill>
+                <a:schemeClr val="tx2"/>
+              </a:solidFill>
+              <a:uFill>
+                <a:solidFill>
+                  <a:srgbClr val="FFFFFF"/>
+                </a:solidFill>
+              </a:uFill>
+              <a:latin typeface="Arial"/>
+            </a:endParaRPr>
+          </a:p>
+          <a:p>
+            <a:pPr marL="864000" lvl="1" indent="-323280">
+              <a:lnSpc>
+                <a:spcPct val="100000"/>
+              </a:lnSpc>
+              <a:buClr>
+                <a:srgbClr val="000000"/>
+              </a:buClr>
+              <a:buSzPct val="75000"/>
+              <a:buFont typeface="Symbol"/>
+              <a:buChar char=""/>
+            </a:pPr>
+            <a:r>
+              <a:rPr lang="en-US" sz="3200" b="0" strike="noStrike" spc="-1" dirty="0">
+                <a:solidFill>
+                  <a:schemeClr val="tx2"/>
+                </a:solidFill>
+                <a:uFill>
+                  <a:solidFill>
+                    <a:srgbClr val="FFFFFF"/>
+                  </a:solidFill>
+                </a:uFill>
+                <a:latin typeface="Arial"/>
+                <a:ea typeface="DejaVu Sans"/>
+              </a:rPr>
+              <a:t>Have a real simulation to see that software works as we want it to.</a:t>
+            </a:r>
+            <a:endParaRPr lang="en-US" sz="1800" b="0" strike="noStrike" spc="-1" dirty="0">
+              <a:solidFill>
+                <a:schemeClr val="tx2"/>
+              </a:solidFill>
+              <a:uFill>
+                <a:solidFill>
+                  <a:srgbClr val="FFFFFF"/>
+                </a:solidFill>
+              </a:uFill>
+              <a:latin typeface="Arial"/>
+            </a:endParaRPr>
+          </a:p>
+          <a:p>
+            <a:pPr marL="432000" indent="-323280">
+              <a:lnSpc>
+                <a:spcPct val="100000"/>
+              </a:lnSpc>
+              <a:buClr>
+                <a:srgbClr val="000000"/>
+              </a:buClr>
+              <a:buSzPct val="45000"/>
+              <a:buFont typeface="Wingdings" charset="2"/>
+              <a:buChar char=""/>
+            </a:pPr>
+            <a:r>
+              <a:rPr lang="en-US" sz="3200" b="0" strike="noStrike" spc="-1" dirty="0">
+                <a:solidFill>
+                  <a:schemeClr val="tx2"/>
+                </a:solidFill>
+                <a:uFill>
+                  <a:solidFill>
+                    <a:srgbClr val="FFFFFF"/>
+                  </a:solidFill>
+                </a:uFill>
+                <a:latin typeface="Arial"/>
+                <a:ea typeface="DejaVu Sans"/>
+              </a:rPr>
+              <a:t>Test Data integrity</a:t>
+            </a:r>
+            <a:endParaRPr lang="en-US" sz="1800" b="0" strike="noStrike" spc="-1" dirty="0">
+              <a:solidFill>
+                <a:schemeClr val="tx2"/>
+              </a:solidFill>
+              <a:uFill>
+                <a:solidFill>
+                  <a:srgbClr val="FFFFFF"/>
+                </a:solidFill>
+              </a:uFill>
+              <a:latin typeface="Arial"/>
+            </a:endParaRPr>
+          </a:p>
+          <a:p>
+            <a:pPr marL="864000" lvl="1" indent="-323280">
+              <a:lnSpc>
+                <a:spcPct val="100000"/>
+              </a:lnSpc>
+              <a:buClr>
+                <a:srgbClr val="000000"/>
+              </a:buClr>
+              <a:buSzPct val="75000"/>
+              <a:buFont typeface="Symbol"/>
+              <a:buChar char=""/>
+            </a:pPr>
+            <a:r>
+              <a:rPr lang="en-US" sz="3200" b="0" strike="noStrike" spc="-1" dirty="0">
+                <a:solidFill>
+                  <a:schemeClr val="tx2"/>
+                </a:solidFill>
+                <a:uFill>
+                  <a:solidFill>
+                    <a:srgbClr val="FFFFFF"/>
+                  </a:solidFill>
+                </a:uFill>
+                <a:latin typeface="Arial"/>
+                <a:ea typeface="DejaVu Sans"/>
+              </a:rPr>
+              <a:t>Database insertion/deletion/modification via UI</a:t>
+            </a:r>
+            <a:endParaRPr lang="en-US" sz="1800" b="0" strike="noStrike" spc="-1" dirty="0">
+              <a:solidFill>
+                <a:schemeClr val="tx2"/>
+              </a:solidFill>
+              <a:uFill>
+                <a:solidFill>
+                  <a:srgbClr val="FFFFFF"/>
+                </a:solidFill>
+              </a:uFill>
+              <a:latin typeface="Arial"/>
+            </a:endParaRPr>
+          </a:p>
+          <a:p>
+            <a:pPr marL="864000" lvl="1" indent="-323280">
+              <a:lnSpc>
+                <a:spcPct val="100000"/>
+              </a:lnSpc>
+              <a:buClr>
+                <a:srgbClr val="000000"/>
+              </a:buClr>
+              <a:buSzPct val="75000"/>
+              <a:buFont typeface="Symbol"/>
+              <a:buChar char=""/>
+            </a:pPr>
+            <a:r>
+              <a:rPr lang="en-US" sz="3200" b="0" strike="noStrike" spc="-1" dirty="0">
+                <a:solidFill>
+                  <a:schemeClr val="tx2"/>
+                </a:solidFill>
+                <a:uFill>
+                  <a:solidFill>
+                    <a:srgbClr val="FFFFFF"/>
+                  </a:solidFill>
+                </a:uFill>
+                <a:latin typeface="Arial"/>
+                <a:ea typeface="DejaVu Sans"/>
+              </a:rPr>
+              <a:t>Database connectivity</a:t>
+            </a:r>
+            <a:endParaRPr lang="en-US" sz="1800" b="0" strike="noStrike" spc="-1" dirty="0">
+              <a:solidFill>
+                <a:schemeClr val="tx2"/>
+              </a:solidFill>
+              <a:uFill>
+                <a:solidFill>
+                  <a:srgbClr val="FFFFFF"/>
+                </a:solidFill>
+              </a:uFill>
+              <a:latin typeface="Arial"/>
+            </a:endParaRPr>
           </a:p>
         </p:txBody>
       </p:sp>
     </p:spTree>
-    <p:extLst>
-      <p:ext uri="{BB962C8B-B14F-4D97-AF65-F5344CB8AC3E}">
-        <p14:creationId xmlns:p14="http://schemas.microsoft.com/office/powerpoint/2010/main" val="1858391335"/>
-      </p:ext>
-    </p:extLst>
   </p:cSld>
   <p:clrMapOvr>
     <a:masterClrMapping/>
@@ -6970,14 +7294,14 @@
       </p:grpSpPr>
       <p:sp>
         <p:nvSpPr>
-          <p:cNvPr id="87" name="CustomShape 1"/>
+          <p:cNvPr id="89" name="CustomShape 1"/>
           <p:cNvSpPr/>
           <p:nvPr/>
         </p:nvSpPr>
         <p:spPr>
           <a:xfrm>
-            <a:off x="504000" y="301320"/>
-            <a:ext cx="9070920" cy="1261440"/>
+            <a:off x="365760" y="1453517"/>
+            <a:ext cx="9070920" cy="4383720"/>
           </a:xfrm>
           <a:prstGeom prst="rect">
             <a:avLst/>
@@ -7000,18 +7324,24 @@
           <a:fontRef idx="minor"/>
         </p:style>
         <p:txBody>
-          <a:bodyPr lIns="0" tIns="0" rIns="0" bIns="0" anchor="ctr"/>
-          <a:lstStyle/>
-          <a:p>
-            <a:pPr algn="ctr">
+          <a:bodyPr lIns="0" tIns="0" rIns="0" bIns="0"/>
+          <a:lstStyle/>
+          <a:p>
+            <a:pPr marL="432000" indent="-323280">
               <a:lnSpc>
                 <a:spcPct val="100000"/>
               </a:lnSpc>
-            </a:pPr>
-            <a:r>
-              <a:rPr lang="en-US" sz="4400" b="0" strike="noStrike" spc="-1">
-                <a:solidFill>
-                  <a:srgbClr val="000000"/>
+              <a:buClr>
+                <a:srgbClr val="000000"/>
+              </a:buClr>
+              <a:buSzPct val="45000"/>
+              <a:buFont typeface="Wingdings" charset="2"/>
+              <a:buChar char=""/>
+            </a:pPr>
+            <a:r>
+              <a:rPr lang="en-US" sz="2200" b="0" strike="noStrike" spc="-1" dirty="0">
+                <a:solidFill>
+                  <a:schemeClr val="tx2"/>
                 </a:solidFill>
                 <a:uFill>
                   <a:solidFill>
@@ -7021,32 +7351,560 @@
                 <a:latin typeface="Arial"/>
                 <a:ea typeface="DejaVu Sans"/>
               </a:rPr>
-              <a:t>Evaluation (Test Plan)</a:t>
-            </a:r>
-            <a:endParaRPr lang="en-US" sz="1800" b="0" strike="noStrike" spc="-1">
-              <a:solidFill>
-                <a:srgbClr val="000000"/>
-              </a:solidFill>
-              <a:uFill>
-                <a:solidFill>
-                  <a:srgbClr val="FFFFFF"/>
-                </a:solidFill>
-              </a:uFill>
-              <a:latin typeface="Arial"/>
-            </a:endParaRPr>
-          </a:p>
-        </p:txBody>
-      </p:sp>
-      <p:sp>
-        <p:nvSpPr>
-          <p:cNvPr id="88" name="CustomShape 2"/>
+              <a:t>Week 1</a:t>
+            </a:r>
+            <a:endParaRPr lang="en-US" sz="1800" b="0" strike="noStrike" spc="-1" dirty="0">
+              <a:solidFill>
+                <a:schemeClr val="tx2"/>
+              </a:solidFill>
+              <a:uFill>
+                <a:solidFill>
+                  <a:srgbClr val="FFFFFF"/>
+                </a:solidFill>
+              </a:uFill>
+              <a:latin typeface="Arial"/>
+            </a:endParaRPr>
+          </a:p>
+          <a:p>
+            <a:pPr marL="864000" lvl="1" indent="-323280">
+              <a:lnSpc>
+                <a:spcPct val="100000"/>
+              </a:lnSpc>
+              <a:buClr>
+                <a:srgbClr val="000000"/>
+              </a:buClr>
+              <a:buSzPct val="75000"/>
+              <a:buFont typeface="Symbol"/>
+              <a:buChar char=""/>
+            </a:pPr>
+            <a:r>
+              <a:rPr lang="en-US" sz="2000" b="0" strike="noStrike" spc="-1" dirty="0">
+                <a:solidFill>
+                  <a:schemeClr val="tx2"/>
+                </a:solidFill>
+                <a:uFill>
+                  <a:solidFill>
+                    <a:srgbClr val="FFFFFF"/>
+                  </a:solidFill>
+                </a:uFill>
+                <a:latin typeface="Arial"/>
+                <a:ea typeface="DejaVu Sans"/>
+              </a:rPr>
+              <a:t>Organize, develop a plan, and converse with the group</a:t>
+            </a:r>
+            <a:endParaRPr lang="en-US" sz="1800" b="0" strike="noStrike" spc="-1" dirty="0">
+              <a:solidFill>
+                <a:schemeClr val="tx2"/>
+              </a:solidFill>
+              <a:uFill>
+                <a:solidFill>
+                  <a:srgbClr val="FFFFFF"/>
+                </a:solidFill>
+              </a:uFill>
+              <a:latin typeface="Arial"/>
+            </a:endParaRPr>
+          </a:p>
+          <a:p>
+            <a:pPr marL="864000" lvl="1" indent="-323280">
+              <a:lnSpc>
+                <a:spcPct val="100000"/>
+              </a:lnSpc>
+              <a:buClr>
+                <a:srgbClr val="000000"/>
+              </a:buClr>
+              <a:buSzPct val="75000"/>
+              <a:buFont typeface="Symbol"/>
+              <a:buChar char=""/>
+            </a:pPr>
+            <a:r>
+              <a:rPr lang="en-US" sz="2000" b="0" strike="noStrike" spc="-1" dirty="0">
+                <a:solidFill>
+                  <a:schemeClr val="tx2"/>
+                </a:solidFill>
+                <a:uFill>
+                  <a:solidFill>
+                    <a:srgbClr val="FFFFFF"/>
+                  </a:solidFill>
+                </a:uFill>
+                <a:latin typeface="Arial"/>
+                <a:ea typeface="DejaVu Sans"/>
+              </a:rPr>
+              <a:t>Prepare </a:t>
+            </a:r>
+            <a:r>
+              <a:rPr lang="en-US" sz="2000" b="0" strike="noStrike" spc="-1" dirty="0" err="1">
+                <a:solidFill>
+                  <a:schemeClr val="tx2"/>
+                </a:solidFill>
+                <a:uFill>
+                  <a:solidFill>
+                    <a:srgbClr val="FFFFFF"/>
+                  </a:solidFill>
+                </a:uFill>
+                <a:latin typeface="Arial"/>
+                <a:ea typeface="DejaVu Sans"/>
+              </a:rPr>
+              <a:t>Github</a:t>
+            </a:r>
+            <a:r>
+              <a:rPr lang="en-US" sz="2000" b="0" strike="noStrike" spc="-1" dirty="0">
+                <a:solidFill>
+                  <a:schemeClr val="tx2"/>
+                </a:solidFill>
+                <a:uFill>
+                  <a:solidFill>
+                    <a:srgbClr val="FFFFFF"/>
+                  </a:solidFill>
+                </a:uFill>
+                <a:latin typeface="Arial"/>
+                <a:ea typeface="DejaVu Sans"/>
+              </a:rPr>
+              <a:t> repository</a:t>
+            </a:r>
+            <a:endParaRPr lang="en-US" sz="1800" b="0" strike="noStrike" spc="-1" dirty="0">
+              <a:solidFill>
+                <a:schemeClr val="tx2"/>
+              </a:solidFill>
+              <a:uFill>
+                <a:solidFill>
+                  <a:srgbClr val="FFFFFF"/>
+                </a:solidFill>
+              </a:uFill>
+              <a:latin typeface="Arial"/>
+            </a:endParaRPr>
+          </a:p>
+          <a:p>
+            <a:pPr marL="432000" indent="-323280">
+              <a:lnSpc>
+                <a:spcPct val="100000"/>
+              </a:lnSpc>
+              <a:buClr>
+                <a:srgbClr val="000000"/>
+              </a:buClr>
+              <a:buSzPct val="45000"/>
+              <a:buFont typeface="Wingdings" charset="2"/>
+              <a:buChar char=""/>
+            </a:pPr>
+            <a:r>
+              <a:rPr lang="en-US" sz="2200" b="0" strike="noStrike" spc="-1" dirty="0">
+                <a:solidFill>
+                  <a:schemeClr val="tx2"/>
+                </a:solidFill>
+                <a:uFill>
+                  <a:solidFill>
+                    <a:srgbClr val="FFFFFF"/>
+                  </a:solidFill>
+                </a:uFill>
+                <a:latin typeface="Arial"/>
+                <a:ea typeface="DejaVu Sans"/>
+              </a:rPr>
+              <a:t>Week 2</a:t>
+            </a:r>
+            <a:endParaRPr lang="en-US" sz="1800" b="0" strike="noStrike" spc="-1" dirty="0">
+              <a:solidFill>
+                <a:schemeClr val="tx2"/>
+              </a:solidFill>
+              <a:uFill>
+                <a:solidFill>
+                  <a:srgbClr val="FFFFFF"/>
+                </a:solidFill>
+              </a:uFill>
+              <a:latin typeface="Arial"/>
+            </a:endParaRPr>
+          </a:p>
+          <a:p>
+            <a:pPr marL="864000" lvl="1" indent="-323280">
+              <a:lnSpc>
+                <a:spcPct val="100000"/>
+              </a:lnSpc>
+              <a:buClr>
+                <a:srgbClr val="000000"/>
+              </a:buClr>
+              <a:buSzPct val="75000"/>
+              <a:buFont typeface="Symbol"/>
+              <a:buChar char=""/>
+            </a:pPr>
+            <a:r>
+              <a:rPr lang="en-US" sz="2000" b="0" strike="noStrike" spc="-1" dirty="0">
+                <a:solidFill>
+                  <a:schemeClr val="tx2"/>
+                </a:solidFill>
+                <a:uFill>
+                  <a:solidFill>
+                    <a:srgbClr val="FFFFFF"/>
+                  </a:solidFill>
+                </a:uFill>
+                <a:latin typeface="Arial"/>
+                <a:ea typeface="DejaVu Sans"/>
+              </a:rPr>
+              <a:t>Research and Develop. Think of things we want to implement within our Web App or Software.</a:t>
+            </a:r>
+            <a:endParaRPr lang="en-US" sz="1800" b="0" strike="noStrike" spc="-1" dirty="0">
+              <a:solidFill>
+                <a:schemeClr val="tx2"/>
+              </a:solidFill>
+              <a:uFill>
+                <a:solidFill>
+                  <a:srgbClr val="FFFFFF"/>
+                </a:solidFill>
+              </a:uFill>
+              <a:latin typeface="Arial"/>
+            </a:endParaRPr>
+          </a:p>
+          <a:p>
+            <a:pPr marL="864000" lvl="1" indent="-323280">
+              <a:lnSpc>
+                <a:spcPct val="100000"/>
+              </a:lnSpc>
+              <a:buClr>
+                <a:srgbClr val="000000"/>
+              </a:buClr>
+              <a:buSzPct val="75000"/>
+              <a:buFont typeface="Symbol"/>
+              <a:buChar char=""/>
+            </a:pPr>
+            <a:r>
+              <a:rPr lang="en-US" sz="2000" b="0" strike="noStrike" spc="-1" dirty="0">
+                <a:solidFill>
+                  <a:schemeClr val="tx2"/>
+                </a:solidFill>
+                <a:uFill>
+                  <a:solidFill>
+                    <a:srgbClr val="FFFFFF"/>
+                  </a:solidFill>
+                </a:uFill>
+                <a:latin typeface="Arial"/>
+                <a:ea typeface="DejaVu Sans"/>
+              </a:rPr>
+              <a:t>Create a facilitate an Agile environment. Create a backlog with a sprint consisting of stories to tackle</a:t>
+            </a:r>
+            <a:endParaRPr lang="en-US" sz="1800" b="0" strike="noStrike" spc="-1" dirty="0">
+              <a:solidFill>
+                <a:schemeClr val="tx2"/>
+              </a:solidFill>
+              <a:uFill>
+                <a:solidFill>
+                  <a:srgbClr val="FFFFFF"/>
+                </a:solidFill>
+              </a:uFill>
+              <a:latin typeface="Arial"/>
+            </a:endParaRPr>
+          </a:p>
+          <a:p>
+            <a:pPr marL="432000" indent="-323280">
+              <a:lnSpc>
+                <a:spcPct val="100000"/>
+              </a:lnSpc>
+              <a:buClr>
+                <a:srgbClr val="000000"/>
+              </a:buClr>
+              <a:buSzPct val="45000"/>
+              <a:buFont typeface="Wingdings" charset="2"/>
+              <a:buChar char=""/>
+            </a:pPr>
+            <a:r>
+              <a:rPr lang="en-US" sz="2200" b="0" strike="noStrike" spc="-1" dirty="0">
+                <a:solidFill>
+                  <a:schemeClr val="tx2"/>
+                </a:solidFill>
+                <a:uFill>
+                  <a:solidFill>
+                    <a:srgbClr val="FFFFFF"/>
+                  </a:solidFill>
+                </a:uFill>
+                <a:latin typeface="Arial"/>
+                <a:ea typeface="DejaVu Sans"/>
+              </a:rPr>
+              <a:t>Week 3</a:t>
+            </a:r>
+            <a:endParaRPr lang="en-US" sz="1800" b="0" strike="noStrike" spc="-1" dirty="0">
+              <a:solidFill>
+                <a:schemeClr val="tx2"/>
+              </a:solidFill>
+              <a:uFill>
+                <a:solidFill>
+                  <a:srgbClr val="FFFFFF"/>
+                </a:solidFill>
+              </a:uFill>
+              <a:latin typeface="Arial"/>
+            </a:endParaRPr>
+          </a:p>
+          <a:p>
+            <a:pPr marL="864000" lvl="1" indent="-323280">
+              <a:lnSpc>
+                <a:spcPct val="100000"/>
+              </a:lnSpc>
+              <a:buClr>
+                <a:srgbClr val="000000"/>
+              </a:buClr>
+              <a:buSzPct val="75000"/>
+              <a:buFont typeface="Symbol"/>
+              <a:buChar char=""/>
+            </a:pPr>
+            <a:r>
+              <a:rPr lang="en-US" sz="2000" b="0" strike="noStrike" spc="-1" dirty="0">
+                <a:solidFill>
+                  <a:schemeClr val="tx2"/>
+                </a:solidFill>
+                <a:uFill>
+                  <a:solidFill>
+                    <a:srgbClr val="FFFFFF"/>
+                  </a:solidFill>
+                </a:uFill>
+                <a:latin typeface="Arial"/>
+                <a:ea typeface="DejaVu Sans"/>
+              </a:rPr>
+              <a:t>Add stories and possible features and enhancements</a:t>
+            </a:r>
+            <a:endParaRPr lang="en-US" sz="1800" b="0" strike="noStrike" spc="-1" dirty="0">
+              <a:solidFill>
+                <a:schemeClr val="tx2"/>
+              </a:solidFill>
+              <a:uFill>
+                <a:solidFill>
+                  <a:srgbClr val="FFFFFF"/>
+                </a:solidFill>
+              </a:uFill>
+              <a:latin typeface="Arial"/>
+            </a:endParaRPr>
+          </a:p>
+          <a:p>
+            <a:pPr marL="864000" lvl="1" indent="-323280">
+              <a:lnSpc>
+                <a:spcPct val="100000"/>
+              </a:lnSpc>
+              <a:buClr>
+                <a:srgbClr val="000000"/>
+              </a:buClr>
+              <a:buSzPct val="75000"/>
+              <a:buFont typeface="Symbol"/>
+              <a:buChar char=""/>
+            </a:pPr>
+            <a:r>
+              <a:rPr lang="en-US" sz="2000" b="0" strike="noStrike" spc="-1" dirty="0">
+                <a:solidFill>
+                  <a:schemeClr val="tx2"/>
+                </a:solidFill>
+                <a:uFill>
+                  <a:solidFill>
+                    <a:srgbClr val="FFFFFF"/>
+                  </a:solidFill>
+                </a:uFill>
+                <a:latin typeface="Arial"/>
+                <a:ea typeface="DejaVu Sans"/>
+              </a:rPr>
+              <a:t>Work</a:t>
+            </a:r>
+            <a:endParaRPr lang="en-US" sz="1800" b="0" strike="noStrike" spc="-1" dirty="0">
+              <a:solidFill>
+                <a:schemeClr val="tx2"/>
+              </a:solidFill>
+              <a:uFill>
+                <a:solidFill>
+                  <a:srgbClr val="FFFFFF"/>
+                </a:solidFill>
+              </a:uFill>
+              <a:latin typeface="Arial"/>
+            </a:endParaRPr>
+          </a:p>
+          <a:p>
+            <a:pPr marL="432000" indent="-323280">
+              <a:lnSpc>
+                <a:spcPct val="100000"/>
+              </a:lnSpc>
+              <a:buClr>
+                <a:srgbClr val="000000"/>
+              </a:buClr>
+              <a:buSzPct val="45000"/>
+              <a:buFont typeface="Wingdings" charset="2"/>
+              <a:buChar char=""/>
+            </a:pPr>
+            <a:r>
+              <a:rPr lang="en-US" sz="2200" b="0" strike="noStrike" spc="-1" dirty="0">
+                <a:solidFill>
+                  <a:schemeClr val="tx2"/>
+                </a:solidFill>
+                <a:uFill>
+                  <a:solidFill>
+                    <a:srgbClr val="FFFFFF"/>
+                  </a:solidFill>
+                </a:uFill>
+                <a:latin typeface="Arial"/>
+                <a:ea typeface="DejaVu Sans"/>
+              </a:rPr>
+              <a:t>Week 4 – Last Week</a:t>
+            </a:r>
+            <a:endParaRPr lang="en-US" sz="1800" b="0" strike="noStrike" spc="-1" dirty="0">
+              <a:solidFill>
+                <a:schemeClr val="tx2"/>
+              </a:solidFill>
+              <a:uFill>
+                <a:solidFill>
+                  <a:srgbClr val="FFFFFF"/>
+                </a:solidFill>
+              </a:uFill>
+              <a:latin typeface="Arial"/>
+            </a:endParaRPr>
+          </a:p>
+          <a:p>
+            <a:pPr marL="864000" lvl="1" indent="-323280">
+              <a:lnSpc>
+                <a:spcPct val="100000"/>
+              </a:lnSpc>
+              <a:buClr>
+                <a:srgbClr val="000000"/>
+              </a:buClr>
+              <a:buSzPct val="75000"/>
+              <a:buFont typeface="Symbol"/>
+              <a:buChar char=""/>
+            </a:pPr>
+            <a:r>
+              <a:rPr lang="en-US" sz="2000" b="0" strike="noStrike" spc="-1" dirty="0">
+                <a:solidFill>
+                  <a:schemeClr val="tx2"/>
+                </a:solidFill>
+                <a:uFill>
+                  <a:solidFill>
+                    <a:srgbClr val="FFFFFF"/>
+                  </a:solidFill>
+                </a:uFill>
+                <a:latin typeface="Arial"/>
+                <a:ea typeface="DejaVu Sans"/>
+              </a:rPr>
+              <a:t>Work on the project. Unit testing and integration testing. Merging our work together. </a:t>
+            </a:r>
+            <a:endParaRPr lang="en-US" sz="1800" b="0" strike="noStrike" spc="-1" dirty="0">
+              <a:solidFill>
+                <a:schemeClr val="tx2"/>
+              </a:solidFill>
+              <a:uFill>
+                <a:solidFill>
+                  <a:srgbClr val="FFFFFF"/>
+                </a:solidFill>
+              </a:uFill>
+              <a:latin typeface="Arial"/>
+            </a:endParaRPr>
+          </a:p>
+          <a:p>
+            <a:pPr marL="864000" lvl="1" indent="-323280">
+              <a:lnSpc>
+                <a:spcPct val="100000"/>
+              </a:lnSpc>
+              <a:buClr>
+                <a:srgbClr val="000000"/>
+              </a:buClr>
+              <a:buSzPct val="75000"/>
+              <a:buFont typeface="Symbol"/>
+              <a:buChar char=""/>
+            </a:pPr>
+            <a:r>
+              <a:rPr lang="en-US" sz="2000" b="0" strike="noStrike" spc="-1" dirty="0">
+                <a:solidFill>
+                  <a:schemeClr val="tx2"/>
+                </a:solidFill>
+                <a:uFill>
+                  <a:solidFill>
+                    <a:srgbClr val="FFFFFF"/>
+                  </a:solidFill>
+                </a:uFill>
+                <a:latin typeface="Arial"/>
+                <a:ea typeface="DejaVu Sans"/>
+              </a:rPr>
+              <a:t>Updating our </a:t>
+            </a:r>
+            <a:r>
+              <a:rPr lang="en-US" sz="2000" b="0" strike="noStrike" spc="-1" dirty="0" err="1">
+                <a:solidFill>
+                  <a:schemeClr val="tx2"/>
+                </a:solidFill>
+                <a:uFill>
+                  <a:solidFill>
+                    <a:srgbClr val="FFFFFF"/>
+                  </a:solidFill>
+                </a:uFill>
+                <a:latin typeface="Arial"/>
+                <a:ea typeface="DejaVu Sans"/>
+              </a:rPr>
+              <a:t>githubs</a:t>
+            </a:r>
+            <a:r>
+              <a:rPr lang="en-US" sz="2000" b="0" strike="noStrike" spc="-1" dirty="0">
+                <a:solidFill>
+                  <a:schemeClr val="tx2"/>
+                </a:solidFill>
+                <a:uFill>
+                  <a:solidFill>
+                    <a:srgbClr val="FFFFFF"/>
+                  </a:solidFill>
+                </a:uFill>
+                <a:latin typeface="Arial"/>
+                <a:ea typeface="DejaVu Sans"/>
+              </a:rPr>
+              <a:t> (constantly). Validate and commit. </a:t>
+            </a:r>
+            <a:endParaRPr lang="en-US" sz="1800" b="0" strike="noStrike" spc="-1" dirty="0">
+              <a:solidFill>
+                <a:schemeClr val="tx2"/>
+              </a:solidFill>
+              <a:uFill>
+                <a:solidFill>
+                  <a:srgbClr val="FFFFFF"/>
+                </a:solidFill>
+              </a:uFill>
+              <a:latin typeface="Arial"/>
+            </a:endParaRPr>
+          </a:p>
+          <a:p>
+            <a:pPr marL="864000" lvl="1" indent="-323280">
+              <a:lnSpc>
+                <a:spcPct val="100000"/>
+              </a:lnSpc>
+              <a:buClr>
+                <a:srgbClr val="000000"/>
+              </a:buClr>
+              <a:buSzPct val="75000"/>
+              <a:buFont typeface="Symbol"/>
+              <a:buChar char=""/>
+            </a:pPr>
+            <a:r>
+              <a:rPr lang="en-US" sz="2000" b="0" strike="noStrike" spc="-1" dirty="0">
+                <a:solidFill>
+                  <a:schemeClr val="tx2"/>
+                </a:solidFill>
+                <a:uFill>
+                  <a:solidFill>
+                    <a:srgbClr val="FFFFFF"/>
+                  </a:solidFill>
+                </a:uFill>
+                <a:latin typeface="Arial"/>
+                <a:ea typeface="DejaVu Sans"/>
+              </a:rPr>
+              <a:t>Testing and validating and improving where need be.</a:t>
+            </a:r>
+            <a:endParaRPr lang="en-US" sz="1800" b="0" strike="noStrike" spc="-1" dirty="0">
+              <a:solidFill>
+                <a:schemeClr val="tx2"/>
+              </a:solidFill>
+              <a:uFill>
+                <a:solidFill>
+                  <a:srgbClr val="FFFFFF"/>
+                </a:solidFill>
+              </a:uFill>
+              <a:latin typeface="Arial"/>
+            </a:endParaRPr>
+          </a:p>
+        </p:txBody>
+      </p:sp>
+      <p:sp>
+        <p:nvSpPr>
+          <p:cNvPr id="90" name="CustomShape 2"/>
           <p:cNvSpPr/>
           <p:nvPr/>
         </p:nvSpPr>
         <p:spPr>
           <a:xfrm>
-            <a:off x="504000" y="1769040"/>
-            <a:ext cx="9070920" cy="4383720"/>
+            <a:off x="504000" y="301320"/>
+            <a:ext cx="9070920" cy="1261440"/>
           </a:xfrm>
           <a:prstGeom prst="rect">
             <a:avLst/>
@@ -7069,1021 +7927,36 @@
           <a:fontRef idx="minor"/>
         </p:style>
         <p:txBody>
-          <a:bodyPr lIns="0" tIns="0" rIns="0" bIns="0"/>
-          <a:lstStyle/>
-          <a:p>
-            <a:pPr marL="432000" indent="-323280">
+          <a:bodyPr lIns="0" tIns="0" rIns="0" bIns="0" anchor="ctr"/>
+          <a:lstStyle/>
+          <a:p>
+            <a:pPr>
               <a:lnSpc>
-                <a:spcPct val="100000"/>
+                <a:spcPct val="90000"/>
               </a:lnSpc>
-              <a:buClr>
-                <a:srgbClr val="000000"/>
-              </a:buClr>
-              <a:buSzPct val="45000"/>
-              <a:buFont typeface="Wingdings" charset="2"/>
-              <a:buChar char=""/>
-            </a:pPr>
-            <a:r>
-              <a:rPr lang="en-US" sz="3200" b="0" strike="noStrike" spc="-1" dirty="0">
-                <a:solidFill>
-                  <a:srgbClr val="000000"/>
-                </a:solidFill>
-                <a:uFill>
-                  <a:solidFill>
-                    <a:srgbClr val="FFFFFF"/>
-                  </a:solidFill>
-                </a:uFill>
-                <a:latin typeface="Arial"/>
-                <a:ea typeface="DejaVu Sans"/>
-              </a:rPr>
-              <a:t>System Test</a:t>
-            </a:r>
-            <a:endParaRPr lang="en-US" sz="1800" b="0" strike="noStrike" spc="-1" dirty="0">
-              <a:solidFill>
-                <a:srgbClr val="000000"/>
-              </a:solidFill>
-              <a:uFill>
-                <a:solidFill>
-                  <a:srgbClr val="FFFFFF"/>
-                </a:solidFill>
-              </a:uFill>
-              <a:latin typeface="Arial"/>
-            </a:endParaRPr>
-          </a:p>
-          <a:p>
-            <a:pPr marL="864000" lvl="1" indent="-323280">
-              <a:lnSpc>
-                <a:spcPct val="100000"/>
-              </a:lnSpc>
-              <a:buClr>
-                <a:srgbClr val="000000"/>
-              </a:buClr>
-              <a:buSzPct val="75000"/>
-              <a:buFont typeface="Symbol"/>
-              <a:buChar char=""/>
-            </a:pPr>
-            <a:r>
-              <a:rPr lang="en-US" sz="3200" b="0" strike="noStrike" spc="-1" dirty="0">
-                <a:solidFill>
-                  <a:srgbClr val="000000"/>
-                </a:solidFill>
-                <a:uFill>
-                  <a:solidFill>
-                    <a:srgbClr val="FFFFFF"/>
-                  </a:solidFill>
-                </a:uFill>
-                <a:latin typeface="Arial"/>
-                <a:ea typeface="DejaVu Sans"/>
-              </a:rPr>
-              <a:t>Multiple sessions of the webpage</a:t>
-            </a:r>
-            <a:endParaRPr lang="en-US" sz="1800" b="0" strike="noStrike" spc="-1" dirty="0">
-              <a:solidFill>
-                <a:srgbClr val="000000"/>
-              </a:solidFill>
-              <a:uFill>
-                <a:solidFill>
-                  <a:srgbClr val="FFFFFF"/>
-                </a:solidFill>
-              </a:uFill>
-              <a:latin typeface="Arial"/>
-            </a:endParaRPr>
-          </a:p>
-          <a:p>
-            <a:pPr marL="864000" lvl="1" indent="-323280">
-              <a:lnSpc>
-                <a:spcPct val="100000"/>
-              </a:lnSpc>
-              <a:buClr>
-                <a:srgbClr val="000000"/>
-              </a:buClr>
-              <a:buSzPct val="75000"/>
-              <a:buFont typeface="Symbol"/>
-              <a:buChar char=""/>
-            </a:pPr>
-            <a:r>
-              <a:rPr lang="en-US" sz="3200" b="0" strike="noStrike" spc="-1" dirty="0">
-                <a:solidFill>
-                  <a:srgbClr val="000000"/>
-                </a:solidFill>
-                <a:uFill>
-                  <a:solidFill>
-                    <a:srgbClr val="FFFFFF"/>
-                  </a:solidFill>
-                </a:uFill>
-                <a:latin typeface="Arial"/>
-                <a:ea typeface="DejaVu Sans"/>
-              </a:rPr>
-              <a:t>Multiple users</a:t>
-            </a:r>
-            <a:endParaRPr lang="en-US" sz="1800" b="0" strike="noStrike" spc="-1" dirty="0">
-              <a:solidFill>
-                <a:srgbClr val="000000"/>
-              </a:solidFill>
-              <a:uFill>
-                <a:solidFill>
-                  <a:srgbClr val="FFFFFF"/>
-                </a:solidFill>
-              </a:uFill>
-              <a:latin typeface="Arial"/>
-            </a:endParaRPr>
-          </a:p>
-          <a:p>
-            <a:pPr marL="864000" lvl="1" indent="-323280">
-              <a:lnSpc>
-                <a:spcPct val="100000"/>
-              </a:lnSpc>
-              <a:buClr>
-                <a:srgbClr val="000000"/>
-              </a:buClr>
-              <a:buSzPct val="75000"/>
-              <a:buFont typeface="Symbol"/>
-              <a:buChar char=""/>
-            </a:pPr>
-            <a:r>
-              <a:rPr lang="en-US" sz="3200" b="0" strike="noStrike" spc="-1" dirty="0">
-                <a:solidFill>
-                  <a:srgbClr val="000000"/>
-                </a:solidFill>
-                <a:uFill>
-                  <a:solidFill>
-                    <a:srgbClr val="FFFFFF"/>
-                  </a:solidFill>
-                </a:uFill>
-                <a:latin typeface="Arial"/>
-                <a:ea typeface="DejaVu Sans"/>
-              </a:rPr>
-              <a:t>Have user 1 submit order on the web page</a:t>
-            </a:r>
-            <a:endParaRPr lang="en-US" sz="1800" b="0" strike="noStrike" spc="-1" dirty="0">
-              <a:solidFill>
-                <a:srgbClr val="000000"/>
-              </a:solidFill>
-              <a:uFill>
-                <a:solidFill>
-                  <a:srgbClr val="FFFFFF"/>
-                </a:solidFill>
-              </a:uFill>
-              <a:latin typeface="Arial"/>
-            </a:endParaRPr>
-          </a:p>
-          <a:p>
-            <a:pPr marL="864000" lvl="1" indent="-323280">
-              <a:lnSpc>
-                <a:spcPct val="100000"/>
-              </a:lnSpc>
-              <a:buClr>
-                <a:srgbClr val="000000"/>
-              </a:buClr>
-              <a:buSzPct val="75000"/>
-              <a:buFont typeface="Symbol"/>
-              <a:buChar char=""/>
-            </a:pPr>
-            <a:r>
-              <a:rPr lang="en-US" sz="3200" b="0" strike="noStrike" spc="-1" dirty="0">
-                <a:solidFill>
-                  <a:srgbClr val="000000"/>
-                </a:solidFill>
-                <a:uFill>
-                  <a:solidFill>
-                    <a:srgbClr val="FFFFFF"/>
-                  </a:solidFill>
-                </a:uFill>
-                <a:latin typeface="Arial"/>
-                <a:ea typeface="DejaVu Sans"/>
-              </a:rPr>
-              <a:t>Have user 2 see if those updates occur</a:t>
-            </a:r>
-            <a:endParaRPr lang="en-US" sz="1800" b="0" strike="noStrike" spc="-1" dirty="0">
-              <a:solidFill>
-                <a:srgbClr val="000000"/>
-              </a:solidFill>
-              <a:uFill>
-                <a:solidFill>
-                  <a:srgbClr val="FFFFFF"/>
-                </a:solidFill>
-              </a:uFill>
-              <a:latin typeface="Arial"/>
-            </a:endParaRPr>
-          </a:p>
-          <a:p>
-            <a:pPr marL="864000" lvl="1" indent="-323280">
-              <a:lnSpc>
-                <a:spcPct val="100000"/>
-              </a:lnSpc>
-              <a:buClr>
-                <a:srgbClr val="000000"/>
-              </a:buClr>
-              <a:buSzPct val="75000"/>
-              <a:buFont typeface="Symbol"/>
-              <a:buChar char=""/>
-            </a:pPr>
-            <a:r>
-              <a:rPr lang="en-US" sz="3200" b="0" strike="noStrike" spc="-1" dirty="0">
-                <a:solidFill>
-                  <a:srgbClr val="000000"/>
-                </a:solidFill>
-                <a:uFill>
-                  <a:solidFill>
-                    <a:srgbClr val="FFFFFF"/>
-                  </a:solidFill>
-                </a:uFill>
-                <a:latin typeface="Arial"/>
-                <a:ea typeface="DejaVu Sans"/>
-              </a:rPr>
-              <a:t>Have a real simulation to see that software works as we want it to.</a:t>
-            </a:r>
-            <a:endParaRPr lang="en-US" sz="1800" b="0" strike="noStrike" spc="-1" dirty="0">
-              <a:solidFill>
-                <a:srgbClr val="000000"/>
-              </a:solidFill>
-              <a:uFill>
-                <a:solidFill>
-                  <a:srgbClr val="FFFFFF"/>
-                </a:solidFill>
-              </a:uFill>
-              <a:latin typeface="Arial"/>
-            </a:endParaRPr>
-          </a:p>
-          <a:p>
-            <a:pPr marL="432000" indent="-323280">
-              <a:lnSpc>
-                <a:spcPct val="100000"/>
-              </a:lnSpc>
-              <a:buClr>
-                <a:srgbClr val="000000"/>
-              </a:buClr>
-              <a:buSzPct val="45000"/>
-              <a:buFont typeface="Wingdings" charset="2"/>
-              <a:buChar char=""/>
-            </a:pPr>
-            <a:r>
-              <a:rPr lang="en-US" sz="3200" b="0" strike="noStrike" spc="-1" dirty="0">
-                <a:solidFill>
-                  <a:srgbClr val="000000"/>
-                </a:solidFill>
-                <a:uFill>
-                  <a:solidFill>
-                    <a:srgbClr val="FFFFFF"/>
-                  </a:solidFill>
-                </a:uFill>
-                <a:latin typeface="Arial"/>
-                <a:ea typeface="DejaVu Sans"/>
-              </a:rPr>
-              <a:t>Test Data integrity</a:t>
-            </a:r>
-            <a:endParaRPr lang="en-US" sz="1800" b="0" strike="noStrike" spc="-1" dirty="0">
-              <a:solidFill>
-                <a:srgbClr val="000000"/>
-              </a:solidFill>
-              <a:uFill>
-                <a:solidFill>
-                  <a:srgbClr val="FFFFFF"/>
-                </a:solidFill>
-              </a:uFill>
-              <a:latin typeface="Arial"/>
-            </a:endParaRPr>
-          </a:p>
-          <a:p>
-            <a:pPr marL="864000" lvl="1" indent="-323280">
-              <a:lnSpc>
-                <a:spcPct val="100000"/>
-              </a:lnSpc>
-              <a:buClr>
-                <a:srgbClr val="000000"/>
-              </a:buClr>
-              <a:buSzPct val="75000"/>
-              <a:buFont typeface="Symbol"/>
-              <a:buChar char=""/>
-            </a:pPr>
-            <a:r>
-              <a:rPr lang="en-US" sz="3200" b="0" strike="noStrike" spc="-1" dirty="0">
-                <a:solidFill>
-                  <a:srgbClr val="000000"/>
-                </a:solidFill>
-                <a:uFill>
-                  <a:solidFill>
-                    <a:srgbClr val="FFFFFF"/>
-                  </a:solidFill>
-                </a:uFill>
-                <a:latin typeface="Arial"/>
-                <a:ea typeface="DejaVu Sans"/>
-              </a:rPr>
-              <a:t>Database insertion/deletion/modification via UI</a:t>
-            </a:r>
-            <a:endParaRPr lang="en-US" sz="1800" b="0" strike="noStrike" spc="-1" dirty="0">
-              <a:solidFill>
-                <a:srgbClr val="000000"/>
-              </a:solidFill>
-              <a:uFill>
-                <a:solidFill>
-                  <a:srgbClr val="FFFFFF"/>
-                </a:solidFill>
-              </a:uFill>
-              <a:latin typeface="Arial"/>
-            </a:endParaRPr>
-          </a:p>
-          <a:p>
-            <a:pPr marL="864000" lvl="1" indent="-323280">
-              <a:lnSpc>
-                <a:spcPct val="100000"/>
-              </a:lnSpc>
-              <a:buClr>
-                <a:srgbClr val="000000"/>
-              </a:buClr>
-              <a:buSzPct val="75000"/>
-              <a:buFont typeface="Symbol"/>
-              <a:buChar char=""/>
-            </a:pPr>
-            <a:r>
-              <a:rPr lang="en-US" sz="3200" b="0" strike="noStrike" spc="-1" dirty="0">
-                <a:solidFill>
-                  <a:srgbClr val="000000"/>
-                </a:solidFill>
-                <a:uFill>
-                  <a:solidFill>
-                    <a:srgbClr val="FFFFFF"/>
-                  </a:solidFill>
-                </a:uFill>
-                <a:latin typeface="Arial"/>
-                <a:ea typeface="DejaVu Sans"/>
-              </a:rPr>
-              <a:t>Database connectivity</a:t>
-            </a:r>
-            <a:endParaRPr lang="en-US" sz="1800" b="0" strike="noStrike" spc="-1" dirty="0">
-              <a:solidFill>
-                <a:srgbClr val="000000"/>
-              </a:solidFill>
-              <a:uFill>
-                <a:solidFill>
-                  <a:srgbClr val="FFFFFF"/>
-                </a:solidFill>
-              </a:uFill>
-              <a:latin typeface="Arial"/>
-            </a:endParaRPr>
-          </a:p>
-        </p:txBody>
-      </p:sp>
-    </p:spTree>
-  </p:cSld>
-  <p:clrMapOvr>
-    <a:masterClrMapping/>
-  </p:clrMapOvr>
-  <p:timing>
-    <p:tnLst>
-      <p:par>
-        <p:cTn id="1" dur="indefinite" restart="never" nodeType="tmRoot">
-          <p:childTnLst>
-            <p:seq>
-              <p:cTn id="2" nodeType="mainSeq"/>
-              <p:prevCondLst>
-                <p:cond evt="onPrev" delay="0">
-                  <p:tgtEl>
-                    <p:sldTgt/>
-                  </p:tgtEl>
-                </p:cond>
-              </p:prevCondLst>
-              <p:nextCondLst>
-                <p:cond evt="onNext" delay="0">
-                  <p:tgtEl>
-                    <p:sldTgt/>
-                  </p:tgtEl>
-                </p:cond>
-              </p:nextCondLst>
-            </p:seq>
-          </p:childTnLst>
-        </p:cTn>
-      </p:par>
-    </p:tnLst>
-  </p:timing>
-</p:sld>
-</file>
-
-<file path=ppt/slides/slide9.xml><?xml version="1.0" encoding="utf-8"?>
-<p:sld xmlns:a="http://schemas.openxmlformats.org/drawingml/2006/main" xmlns:r="http://schemas.openxmlformats.org/officeDocument/2006/relationships" xmlns:p="http://schemas.openxmlformats.org/presentationml/2006/main">
-  <p:cSld>
-    <p:spTree>
-      <p:nvGrpSpPr>
-        <p:cNvPr id="1" name=""/>
-        <p:cNvGrpSpPr/>
-        <p:nvPr/>
-      </p:nvGrpSpPr>
-      <p:grpSpPr>
-        <a:xfrm>
-          <a:off x="0" y="0"/>
-          <a:ext cx="0" cy="0"/>
-          <a:chOff x="0" y="0"/>
-          <a:chExt cx="0" cy="0"/>
-        </a:xfrm>
-      </p:grpSpPr>
-      <p:sp>
-        <p:nvSpPr>
-          <p:cNvPr id="89" name="CustomShape 1"/>
-          <p:cNvSpPr/>
-          <p:nvPr/>
-        </p:nvSpPr>
-        <p:spPr>
-          <a:xfrm>
-            <a:off x="365760" y="1285200"/>
-            <a:ext cx="9070920" cy="4383720"/>
-          </a:xfrm>
-          <a:prstGeom prst="rect">
-            <a:avLst/>
-          </a:prstGeom>
-          <a:noFill/>
-          <a:ln>
-            <a:noFill/>
-          </a:ln>
-        </p:spPr>
-        <p:style>
-          <a:lnRef idx="0">
-            <a:scrgbClr r="0" g="0" b="0"/>
-          </a:lnRef>
-          <a:fillRef idx="0">
-            <a:scrgbClr r="0" g="0" b="0"/>
-          </a:fillRef>
-          <a:effectRef idx="0">
-            <a:scrgbClr r="0" g="0" b="0"/>
-          </a:effectRef>
-          <a:fontRef idx="minor"/>
-        </p:style>
-        <p:txBody>
-          <a:bodyPr lIns="0" tIns="0" rIns="0" bIns="0"/>
-          <a:lstStyle/>
-          <a:p>
-            <a:pPr marL="432000" indent="-323280">
-              <a:lnSpc>
-                <a:spcPct val="100000"/>
-              </a:lnSpc>
-              <a:buClr>
-                <a:srgbClr val="000000"/>
-              </a:buClr>
-              <a:buSzPct val="45000"/>
-              <a:buFont typeface="Wingdings" charset="2"/>
-              <a:buChar char=""/>
-            </a:pPr>
-            <a:r>
-              <a:rPr lang="en-US" sz="2200" b="0" strike="noStrike" spc="-1">
-                <a:solidFill>
-                  <a:srgbClr val="000000"/>
-                </a:solidFill>
-                <a:uFill>
-                  <a:solidFill>
-                    <a:srgbClr val="FFFFFF"/>
-                  </a:solidFill>
-                </a:uFill>
-                <a:latin typeface="Arial"/>
-                <a:ea typeface="DejaVu Sans"/>
-              </a:rPr>
-              <a:t>Week 1</a:t>
-            </a:r>
-            <a:endParaRPr lang="en-US" sz="1800" b="0" strike="noStrike" spc="-1">
-              <a:solidFill>
-                <a:srgbClr val="000000"/>
-              </a:solidFill>
-              <a:uFill>
-                <a:solidFill>
-                  <a:srgbClr val="FFFFFF"/>
-                </a:solidFill>
-              </a:uFill>
-              <a:latin typeface="Arial"/>
-            </a:endParaRPr>
-          </a:p>
-          <a:p>
-            <a:pPr marL="864000" lvl="1" indent="-323280">
-              <a:lnSpc>
-                <a:spcPct val="100000"/>
-              </a:lnSpc>
-              <a:buClr>
-                <a:srgbClr val="000000"/>
-              </a:buClr>
-              <a:buSzPct val="75000"/>
-              <a:buFont typeface="Symbol"/>
-              <a:buChar char=""/>
-            </a:pPr>
-            <a:r>
-              <a:rPr lang="en-US" sz="2000" b="0" strike="noStrike" spc="-1">
-                <a:solidFill>
-                  <a:srgbClr val="000000"/>
-                </a:solidFill>
-                <a:uFill>
-                  <a:solidFill>
-                    <a:srgbClr val="FFFFFF"/>
-                  </a:solidFill>
-                </a:uFill>
-                <a:latin typeface="Arial"/>
-                <a:ea typeface="DejaVu Sans"/>
-              </a:rPr>
-              <a:t>Organize, develop a plan, and converse with the group</a:t>
-            </a:r>
-            <a:endParaRPr lang="en-US" sz="1800" b="0" strike="noStrike" spc="-1">
-              <a:solidFill>
-                <a:srgbClr val="000000"/>
-              </a:solidFill>
-              <a:uFill>
-                <a:solidFill>
-                  <a:srgbClr val="FFFFFF"/>
-                </a:solidFill>
-              </a:uFill>
-              <a:latin typeface="Arial"/>
-            </a:endParaRPr>
-          </a:p>
-          <a:p>
-            <a:pPr marL="864000" lvl="1" indent="-323280">
-              <a:lnSpc>
-                <a:spcPct val="100000"/>
-              </a:lnSpc>
-              <a:buClr>
-                <a:srgbClr val="000000"/>
-              </a:buClr>
-              <a:buSzPct val="75000"/>
-              <a:buFont typeface="Symbol"/>
-              <a:buChar char=""/>
-            </a:pPr>
-            <a:r>
-              <a:rPr lang="en-US" sz="2000" b="0" strike="noStrike" spc="-1">
-                <a:solidFill>
-                  <a:srgbClr val="000000"/>
-                </a:solidFill>
-                <a:uFill>
-                  <a:solidFill>
-                    <a:srgbClr val="FFFFFF"/>
-                  </a:solidFill>
-                </a:uFill>
-                <a:latin typeface="Arial"/>
-                <a:ea typeface="DejaVu Sans"/>
-              </a:rPr>
-              <a:t>Prepare Github repository</a:t>
-            </a:r>
-            <a:endParaRPr lang="en-US" sz="1800" b="0" strike="noStrike" spc="-1">
-              <a:solidFill>
-                <a:srgbClr val="000000"/>
-              </a:solidFill>
-              <a:uFill>
-                <a:solidFill>
-                  <a:srgbClr val="FFFFFF"/>
-                </a:solidFill>
-              </a:uFill>
-              <a:latin typeface="Arial"/>
-            </a:endParaRPr>
-          </a:p>
-          <a:p>
-            <a:pPr marL="432000" indent="-323280">
-              <a:lnSpc>
-                <a:spcPct val="100000"/>
-              </a:lnSpc>
-              <a:buClr>
-                <a:srgbClr val="000000"/>
-              </a:buClr>
-              <a:buSzPct val="45000"/>
-              <a:buFont typeface="Wingdings" charset="2"/>
-              <a:buChar char=""/>
-            </a:pPr>
-            <a:r>
-              <a:rPr lang="en-US" sz="2200" b="0" strike="noStrike" spc="-1">
-                <a:solidFill>
-                  <a:srgbClr val="000000"/>
-                </a:solidFill>
-                <a:uFill>
-                  <a:solidFill>
-                    <a:srgbClr val="FFFFFF"/>
-                  </a:solidFill>
-                </a:uFill>
-                <a:latin typeface="Arial"/>
-                <a:ea typeface="DejaVu Sans"/>
-              </a:rPr>
-              <a:t>Week 2</a:t>
-            </a:r>
-            <a:endParaRPr lang="en-US" sz="1800" b="0" strike="noStrike" spc="-1">
-              <a:solidFill>
-                <a:srgbClr val="000000"/>
-              </a:solidFill>
-              <a:uFill>
-                <a:solidFill>
-                  <a:srgbClr val="FFFFFF"/>
-                </a:solidFill>
-              </a:uFill>
-              <a:latin typeface="Arial"/>
-            </a:endParaRPr>
-          </a:p>
-          <a:p>
-            <a:pPr marL="864000" lvl="1" indent="-323280">
-              <a:lnSpc>
-                <a:spcPct val="100000"/>
-              </a:lnSpc>
-              <a:buClr>
-                <a:srgbClr val="000000"/>
-              </a:buClr>
-              <a:buSzPct val="75000"/>
-              <a:buFont typeface="Symbol"/>
-              <a:buChar char=""/>
-            </a:pPr>
-            <a:r>
-              <a:rPr lang="en-US" sz="2000" b="0" strike="noStrike" spc="-1">
-                <a:solidFill>
-                  <a:srgbClr val="000000"/>
-                </a:solidFill>
-                <a:uFill>
-                  <a:solidFill>
-                    <a:srgbClr val="FFFFFF"/>
-                  </a:solidFill>
-                </a:uFill>
-                <a:latin typeface="Arial"/>
-                <a:ea typeface="DejaVu Sans"/>
-              </a:rPr>
-              <a:t>Research and Develop. Think of things we want to implement within our Web App or Software.</a:t>
-            </a:r>
-            <a:endParaRPr lang="en-US" sz="1800" b="0" strike="noStrike" spc="-1">
-              <a:solidFill>
-                <a:srgbClr val="000000"/>
-              </a:solidFill>
-              <a:uFill>
-                <a:solidFill>
-                  <a:srgbClr val="FFFFFF"/>
-                </a:solidFill>
-              </a:uFill>
-              <a:latin typeface="Arial"/>
-            </a:endParaRPr>
-          </a:p>
-          <a:p>
-            <a:pPr marL="864000" lvl="1" indent="-323280">
-              <a:lnSpc>
-                <a:spcPct val="100000"/>
-              </a:lnSpc>
-              <a:buClr>
-                <a:srgbClr val="000000"/>
-              </a:buClr>
-              <a:buSzPct val="75000"/>
-              <a:buFont typeface="Symbol"/>
-              <a:buChar char=""/>
-            </a:pPr>
-            <a:r>
-              <a:rPr lang="en-US" sz="2000" b="0" strike="noStrike" spc="-1">
-                <a:solidFill>
-                  <a:srgbClr val="000000"/>
-                </a:solidFill>
-                <a:uFill>
-                  <a:solidFill>
-                    <a:srgbClr val="FFFFFF"/>
-                  </a:solidFill>
-                </a:uFill>
-                <a:latin typeface="Arial"/>
-                <a:ea typeface="DejaVu Sans"/>
-              </a:rPr>
-              <a:t>Create a facilitate an Agile environment. Create a backlog with a sprint consisting of stories to tackle</a:t>
-            </a:r>
-            <a:endParaRPr lang="en-US" sz="1800" b="0" strike="noStrike" spc="-1">
-              <a:solidFill>
-                <a:srgbClr val="000000"/>
-              </a:solidFill>
-              <a:uFill>
-                <a:solidFill>
-                  <a:srgbClr val="FFFFFF"/>
-                </a:solidFill>
-              </a:uFill>
-              <a:latin typeface="Arial"/>
-            </a:endParaRPr>
-          </a:p>
-          <a:p>
-            <a:pPr marL="432000" indent="-323280">
-              <a:lnSpc>
-                <a:spcPct val="100000"/>
-              </a:lnSpc>
-              <a:buClr>
-                <a:srgbClr val="000000"/>
-              </a:buClr>
-              <a:buSzPct val="45000"/>
-              <a:buFont typeface="Wingdings" charset="2"/>
-              <a:buChar char=""/>
-            </a:pPr>
-            <a:r>
-              <a:rPr lang="en-US" sz="2200" b="0" strike="noStrike" spc="-1">
-                <a:solidFill>
-                  <a:srgbClr val="000000"/>
-                </a:solidFill>
-                <a:uFill>
-                  <a:solidFill>
-                    <a:srgbClr val="FFFFFF"/>
-                  </a:solidFill>
-                </a:uFill>
-                <a:latin typeface="Arial"/>
-                <a:ea typeface="DejaVu Sans"/>
-              </a:rPr>
-              <a:t>Week 3</a:t>
-            </a:r>
-            <a:endParaRPr lang="en-US" sz="1800" b="0" strike="noStrike" spc="-1">
-              <a:solidFill>
-                <a:srgbClr val="000000"/>
-              </a:solidFill>
-              <a:uFill>
-                <a:solidFill>
-                  <a:srgbClr val="FFFFFF"/>
-                </a:solidFill>
-              </a:uFill>
-              <a:latin typeface="Arial"/>
-            </a:endParaRPr>
-          </a:p>
-          <a:p>
-            <a:pPr marL="864000" lvl="1" indent="-323280">
-              <a:lnSpc>
-                <a:spcPct val="100000"/>
-              </a:lnSpc>
-              <a:buClr>
-                <a:srgbClr val="000000"/>
-              </a:buClr>
-              <a:buSzPct val="75000"/>
-              <a:buFont typeface="Symbol"/>
-              <a:buChar char=""/>
-            </a:pPr>
-            <a:r>
-              <a:rPr lang="en-US" sz="2000" b="0" strike="noStrike" spc="-1">
-                <a:solidFill>
-                  <a:srgbClr val="000000"/>
-                </a:solidFill>
-                <a:uFill>
-                  <a:solidFill>
-                    <a:srgbClr val="FFFFFF"/>
-                  </a:solidFill>
-                </a:uFill>
-                <a:latin typeface="Arial"/>
-                <a:ea typeface="DejaVu Sans"/>
-              </a:rPr>
-              <a:t>Add stories and possible features and enhancements</a:t>
-            </a:r>
-            <a:endParaRPr lang="en-US" sz="1800" b="0" strike="noStrike" spc="-1">
-              <a:solidFill>
-                <a:srgbClr val="000000"/>
-              </a:solidFill>
-              <a:uFill>
-                <a:solidFill>
-                  <a:srgbClr val="FFFFFF"/>
-                </a:solidFill>
-              </a:uFill>
-              <a:latin typeface="Arial"/>
-            </a:endParaRPr>
-          </a:p>
-          <a:p>
-            <a:pPr marL="864000" lvl="1" indent="-323280">
-              <a:lnSpc>
-                <a:spcPct val="100000"/>
-              </a:lnSpc>
-              <a:buClr>
-                <a:srgbClr val="000000"/>
-              </a:buClr>
-              <a:buSzPct val="75000"/>
-              <a:buFont typeface="Symbol"/>
-              <a:buChar char=""/>
-            </a:pPr>
-            <a:r>
-              <a:rPr lang="en-US" sz="2000" b="0" strike="noStrike" spc="-1">
-                <a:solidFill>
-                  <a:srgbClr val="000000"/>
-                </a:solidFill>
-                <a:uFill>
-                  <a:solidFill>
-                    <a:srgbClr val="FFFFFF"/>
-                  </a:solidFill>
-                </a:uFill>
-                <a:latin typeface="Arial"/>
-                <a:ea typeface="DejaVu Sans"/>
-              </a:rPr>
-              <a:t>Work</a:t>
-            </a:r>
-            <a:endParaRPr lang="en-US" sz="1800" b="0" strike="noStrike" spc="-1">
-              <a:solidFill>
-                <a:srgbClr val="000000"/>
-              </a:solidFill>
-              <a:uFill>
-                <a:solidFill>
-                  <a:srgbClr val="FFFFFF"/>
-                </a:solidFill>
-              </a:uFill>
-              <a:latin typeface="Arial"/>
-            </a:endParaRPr>
-          </a:p>
-          <a:p>
-            <a:pPr marL="432000" indent="-323280">
-              <a:lnSpc>
-                <a:spcPct val="100000"/>
-              </a:lnSpc>
-              <a:buClr>
-                <a:srgbClr val="000000"/>
-              </a:buClr>
-              <a:buSzPct val="45000"/>
-              <a:buFont typeface="Wingdings" charset="2"/>
-              <a:buChar char=""/>
-            </a:pPr>
-            <a:r>
-              <a:rPr lang="en-US" sz="2200" b="0" strike="noStrike" spc="-1">
-                <a:solidFill>
-                  <a:srgbClr val="000000"/>
-                </a:solidFill>
-                <a:uFill>
-                  <a:solidFill>
-                    <a:srgbClr val="FFFFFF"/>
-                  </a:solidFill>
-                </a:uFill>
-                <a:latin typeface="Arial"/>
-                <a:ea typeface="DejaVu Sans"/>
-              </a:rPr>
-              <a:t>Week 4 – Last Week</a:t>
-            </a:r>
-            <a:endParaRPr lang="en-US" sz="1800" b="0" strike="noStrike" spc="-1">
-              <a:solidFill>
-                <a:srgbClr val="000000"/>
-              </a:solidFill>
-              <a:uFill>
-                <a:solidFill>
-                  <a:srgbClr val="FFFFFF"/>
-                </a:solidFill>
-              </a:uFill>
-              <a:latin typeface="Arial"/>
-            </a:endParaRPr>
-          </a:p>
-          <a:p>
-            <a:pPr marL="864000" lvl="1" indent="-323280">
-              <a:lnSpc>
-                <a:spcPct val="100000"/>
-              </a:lnSpc>
-              <a:buClr>
-                <a:srgbClr val="000000"/>
-              </a:buClr>
-              <a:buSzPct val="75000"/>
-              <a:buFont typeface="Symbol"/>
-              <a:buChar char=""/>
-            </a:pPr>
-            <a:r>
-              <a:rPr lang="en-US" sz="2000" b="0" strike="noStrike" spc="-1">
-                <a:solidFill>
-                  <a:srgbClr val="000000"/>
-                </a:solidFill>
-                <a:uFill>
-                  <a:solidFill>
-                    <a:srgbClr val="FFFFFF"/>
-                  </a:solidFill>
-                </a:uFill>
-                <a:latin typeface="Arial"/>
-                <a:ea typeface="DejaVu Sans"/>
-              </a:rPr>
-              <a:t>Work on the project. Unit testing and integration testing. Merging our work together. </a:t>
-            </a:r>
-            <a:endParaRPr lang="en-US" sz="1800" b="0" strike="noStrike" spc="-1">
-              <a:solidFill>
-                <a:srgbClr val="000000"/>
-              </a:solidFill>
-              <a:uFill>
-                <a:solidFill>
-                  <a:srgbClr val="FFFFFF"/>
-                </a:solidFill>
-              </a:uFill>
-              <a:latin typeface="Arial"/>
-            </a:endParaRPr>
-          </a:p>
-          <a:p>
-            <a:pPr marL="864000" lvl="1" indent="-323280">
-              <a:lnSpc>
-                <a:spcPct val="100000"/>
-              </a:lnSpc>
-              <a:buClr>
-                <a:srgbClr val="000000"/>
-              </a:buClr>
-              <a:buSzPct val="75000"/>
-              <a:buFont typeface="Symbol"/>
-              <a:buChar char=""/>
-            </a:pPr>
-            <a:r>
-              <a:rPr lang="en-US" sz="2000" b="0" strike="noStrike" spc="-1">
-                <a:solidFill>
-                  <a:srgbClr val="000000"/>
-                </a:solidFill>
-                <a:uFill>
-                  <a:solidFill>
-                    <a:srgbClr val="FFFFFF"/>
-                  </a:solidFill>
-                </a:uFill>
-                <a:latin typeface="Arial"/>
-                <a:ea typeface="DejaVu Sans"/>
-              </a:rPr>
-              <a:t>Updating our githubs (constantly). Validate and commit. </a:t>
-            </a:r>
-            <a:endParaRPr lang="en-US" sz="1800" b="0" strike="noStrike" spc="-1">
-              <a:solidFill>
-                <a:srgbClr val="000000"/>
-              </a:solidFill>
-              <a:uFill>
-                <a:solidFill>
-                  <a:srgbClr val="FFFFFF"/>
-                </a:solidFill>
-              </a:uFill>
-              <a:latin typeface="Arial"/>
-            </a:endParaRPr>
-          </a:p>
-          <a:p>
-            <a:pPr marL="864000" lvl="1" indent="-323280">
-              <a:lnSpc>
-                <a:spcPct val="100000"/>
-              </a:lnSpc>
-              <a:buClr>
-                <a:srgbClr val="000000"/>
-              </a:buClr>
-              <a:buSzPct val="75000"/>
-              <a:buFont typeface="Symbol"/>
-              <a:buChar char=""/>
-            </a:pPr>
-            <a:r>
-              <a:rPr lang="en-US" sz="2000" b="0" strike="noStrike" spc="-1">
-                <a:solidFill>
-                  <a:srgbClr val="000000"/>
-                </a:solidFill>
-                <a:uFill>
-                  <a:solidFill>
-                    <a:srgbClr val="FFFFFF"/>
-                  </a:solidFill>
-                </a:uFill>
-                <a:latin typeface="Arial"/>
-                <a:ea typeface="DejaVu Sans"/>
-              </a:rPr>
-              <a:t>Testing and validating and improving where need be.</a:t>
-            </a:r>
-            <a:endParaRPr lang="en-US" sz="1800" b="0" strike="noStrike" spc="-1">
-              <a:solidFill>
-                <a:srgbClr val="000000"/>
-              </a:solidFill>
-              <a:uFill>
-                <a:solidFill>
-                  <a:srgbClr val="FFFFFF"/>
-                </a:solidFill>
-              </a:uFill>
-              <a:latin typeface="Arial"/>
-            </a:endParaRPr>
-          </a:p>
-        </p:txBody>
-      </p:sp>
-      <p:sp>
-        <p:nvSpPr>
-          <p:cNvPr id="90" name="CustomShape 2"/>
-          <p:cNvSpPr/>
-          <p:nvPr/>
-        </p:nvSpPr>
-        <p:spPr>
-          <a:xfrm>
-            <a:off x="504000" y="301320"/>
-            <a:ext cx="9070920" cy="1261440"/>
-          </a:xfrm>
-          <a:prstGeom prst="rect">
-            <a:avLst/>
-          </a:prstGeom>
-          <a:noFill/>
-          <a:ln>
-            <a:noFill/>
-          </a:ln>
-        </p:spPr>
-        <p:style>
-          <a:lnRef idx="0">
-            <a:scrgbClr r="0" g="0" b="0"/>
-          </a:lnRef>
-          <a:fillRef idx="0">
-            <a:scrgbClr r="0" g="0" b="0"/>
-          </a:fillRef>
-          <a:effectRef idx="0">
-            <a:scrgbClr r="0" g="0" b="0"/>
-          </a:effectRef>
-          <a:fontRef idx="minor"/>
-        </p:style>
-        <p:txBody>
-          <a:bodyPr lIns="0" tIns="0" rIns="0" bIns="0" anchor="ctr"/>
-          <a:lstStyle/>
-          <a:p>
-            <a:pPr algn="ctr">
-              <a:lnSpc>
-                <a:spcPct val="100000"/>
-              </a:lnSpc>
-            </a:pPr>
-            <a:r>
-              <a:rPr lang="en-US" sz="4400" b="0" strike="noStrike" spc="-1">
-                <a:solidFill>
-                  <a:srgbClr val="000000"/>
-                </a:solidFill>
-                <a:uFill>
-                  <a:solidFill>
-                    <a:srgbClr val="FFFFFF"/>
-                  </a:solidFill>
-                </a:uFill>
-                <a:latin typeface="Arial"/>
-                <a:ea typeface="DejaVu Sans"/>
-              </a:rPr>
-              <a:t>Time-line</a:t>
-            </a:r>
-            <a:endParaRPr lang="en-US" sz="1800" b="0" strike="noStrike" spc="-1">
-              <a:solidFill>
-                <a:srgbClr val="000000"/>
-              </a:solidFill>
-              <a:uFill>
-                <a:solidFill>
-                  <a:srgbClr val="FFFFFF"/>
-                </a:solidFill>
-              </a:uFill>
-              <a:latin typeface="Arial"/>
+            </a:pPr>
+            <a:r>
+              <a:rPr lang="en-US" sz="4400" b="1" spc="-1" dirty="0" smtClean="0">
+                <a:solidFill>
+                  <a:schemeClr val="accent4"/>
+                </a:solidFill>
+                <a:uFill>
+                  <a:solidFill>
+                    <a:srgbClr val="FFFFFF"/>
+                  </a:solidFill>
+                </a:uFill>
+              </a:rPr>
+              <a:t>Timeline</a:t>
+            </a:r>
+            <a:endParaRPr lang="en-US" sz="4400" spc="-1" dirty="0">
+              <a:solidFill>
+                <a:schemeClr val="accent4"/>
+              </a:solidFill>
+              <a:uFill>
+                <a:solidFill>
+                  <a:srgbClr val="FFFFFF"/>
+                </a:solidFill>
+              </a:uFill>
             </a:endParaRPr>
           </a:p>
         </p:txBody>

--- a/Project_Proposal.pptx
+++ b/Project_Proposal.pptx
@@ -4171,8 +4171,76 @@
         </p:nvSpPr>
         <p:spPr>
           <a:xfrm>
-            <a:off x="621000" y="18000"/>
+            <a:off x="621000" y="79997"/>
             <a:ext cx="9070920" cy="1261440"/>
+          </a:xfrm>
+          <a:prstGeom prst="rect">
+            <a:avLst/>
+          </a:prstGeom>
+          <a:ln/>
+        </p:spPr>
+        <p:style>
+          <a:lnRef idx="2">
+            <a:schemeClr val="accent4"/>
+          </a:lnRef>
+          <a:fillRef idx="1">
+            <a:schemeClr val="lt1"/>
+          </a:fillRef>
+          <a:effectRef idx="0">
+            <a:schemeClr val="accent4"/>
+          </a:effectRef>
+          <a:fontRef idx="minor">
+            <a:schemeClr val="dk1"/>
+          </a:fontRef>
+        </p:style>
+        <p:txBody>
+          <a:bodyPr lIns="0" tIns="0" rIns="0" bIns="0" anchor="ctr"/>
+          <a:lstStyle/>
+          <a:p>
+            <a:pPr algn="ctr">
+              <a:lnSpc>
+                <a:spcPct val="100000"/>
+              </a:lnSpc>
+            </a:pPr>
+            <a:r>
+              <a:rPr lang="en-US" sz="4400" b="0" strike="noStrike" spc="-1" dirty="0">
+                <a:solidFill>
+                  <a:schemeClr val="accent4"/>
+                </a:solidFill>
+                <a:uFill>
+                  <a:solidFill>
+                    <a:srgbClr val="FFFFFF"/>
+                  </a:solidFill>
+                </a:uFill>
+                <a:latin typeface="Arial"/>
+                <a:ea typeface="DejaVu Sans"/>
+              </a:rPr>
+              <a:t>Order Processing Application</a:t>
+            </a:r>
+            <a:endParaRPr lang="en-US" sz="1800" b="0" strike="noStrike" spc="-1" dirty="0">
+              <a:solidFill>
+                <a:schemeClr val="accent4"/>
+              </a:solidFill>
+              <a:uFill>
+                <a:solidFill>
+                  <a:srgbClr val="FFFFFF"/>
+                </a:solidFill>
+              </a:uFill>
+              <a:latin typeface="Arial"/>
+            </a:endParaRPr>
+          </a:p>
+        </p:txBody>
+      </p:sp>
+      <p:sp>
+        <p:nvSpPr>
+          <p:cNvPr id="75" name="CustomShape 2"/>
+          <p:cNvSpPr/>
+          <p:nvPr/>
+        </p:nvSpPr>
+        <p:spPr>
+          <a:xfrm>
+            <a:off x="504000" y="3262397"/>
+            <a:ext cx="9070920" cy="1736640"/>
           </a:xfrm>
           <a:prstGeom prst="rect">
             <a:avLst/>
@@ -4195,16 +4263,22 @@
           <a:fontRef idx="minor"/>
         </p:style>
         <p:txBody>
-          <a:bodyPr lIns="0" tIns="0" rIns="0" bIns="0" anchor="ctr"/>
-          <a:lstStyle/>
-          <a:p>
-            <a:pPr algn="ctr">
+          <a:bodyPr lIns="0" tIns="0" rIns="0" bIns="0"/>
+          <a:lstStyle/>
+          <a:p>
+            <a:pPr marL="432000" indent="-323280">
               <a:lnSpc>
                 <a:spcPct val="100000"/>
               </a:lnSpc>
-            </a:pPr>
-            <a:r>
-              <a:rPr lang="en-US" sz="4400" b="0" strike="noStrike" spc="-1">
+              <a:buClr>
+                <a:srgbClr val="000000"/>
+              </a:buClr>
+              <a:buSzPct val="45000"/>
+              <a:buFont typeface="Wingdings" charset="2"/>
+              <a:buChar char=""/>
+            </a:pPr>
+            <a:r>
+              <a:rPr lang="en-US" sz="3200" b="0" strike="noStrike" spc="-1" dirty="0">
                 <a:solidFill>
                   <a:srgbClr val="000000"/>
                 </a:solidFill>
@@ -4216,32 +4290,101 @@
                 <a:latin typeface="Arial"/>
                 <a:ea typeface="DejaVu Sans"/>
               </a:rPr>
-              <a:t>Order Processing Application</a:t>
-            </a:r>
-            <a:endParaRPr lang="en-US" sz="1800" b="0" strike="noStrike" spc="-1">
-              <a:solidFill>
-                <a:srgbClr val="000000"/>
-              </a:solidFill>
-              <a:uFill>
-                <a:solidFill>
-                  <a:srgbClr val="FFFFFF"/>
-                </a:solidFill>
-              </a:uFill>
-              <a:latin typeface="Arial"/>
-            </a:endParaRPr>
-          </a:p>
-        </p:txBody>
-      </p:sp>
-      <p:sp>
-        <p:nvSpPr>
-          <p:cNvPr id="75" name="CustomShape 2"/>
+              <a:t>Michael Bertucci (</a:t>
+            </a:r>
+            <a:r>
+              <a:rPr lang="en-US" sz="3200" b="0" strike="noStrike" spc="-1" dirty="0">
+                <a:solidFill>
+                  <a:srgbClr val="0000CC"/>
+                </a:solidFill>
+                <a:uFill>
+                  <a:solidFill>
+                    <a:srgbClr val="FFFFFF"/>
+                  </a:solidFill>
+                </a:uFill>
+                <a:latin typeface="Arial"/>
+                <a:ea typeface="DejaVu Sans"/>
+              </a:rPr>
+              <a:t>@mbertucci1</a:t>
+            </a:r>
+            <a:r>
+              <a:rPr lang="en-US" sz="3200" b="0" strike="noStrike" spc="-1" dirty="0">
+                <a:solidFill>
+                  <a:srgbClr val="000000"/>
+                </a:solidFill>
+                <a:uFill>
+                  <a:solidFill>
+                    <a:srgbClr val="FFFFFF"/>
+                  </a:solidFill>
+                </a:uFill>
+                <a:latin typeface="Arial"/>
+                <a:ea typeface="DejaVu Sans"/>
+              </a:rPr>
+              <a:t>)</a:t>
+            </a:r>
+            <a:endParaRPr lang="en-US" sz="1800" b="0" strike="noStrike" spc="-1" dirty="0">
+              <a:solidFill>
+                <a:srgbClr val="000000"/>
+              </a:solidFill>
+              <a:uFill>
+                <a:solidFill>
+                  <a:srgbClr val="FFFFFF"/>
+                </a:solidFill>
+              </a:uFill>
+              <a:latin typeface="Arial"/>
+            </a:endParaRPr>
+          </a:p>
+          <a:p>
+            <a:pPr marL="432000" indent="-323280">
+              <a:lnSpc>
+                <a:spcPct val="100000"/>
+              </a:lnSpc>
+              <a:buClr>
+                <a:srgbClr val="000000"/>
+              </a:buClr>
+              <a:buSzPct val="45000"/>
+              <a:buFont typeface="Wingdings" charset="2"/>
+              <a:buChar char=""/>
+            </a:pPr>
+            <a:r>
+              <a:rPr lang="en-US" sz="3200" b="0" strike="noStrike" spc="-1" dirty="0">
+                <a:solidFill>
+                  <a:srgbClr val="000000"/>
+                </a:solidFill>
+                <a:uFill>
+                  <a:solidFill>
+                    <a:srgbClr val="FFFFFF"/>
+                  </a:solidFill>
+                </a:uFill>
+                <a:latin typeface="Arial"/>
+                <a:ea typeface="DejaVu Sans"/>
+              </a:rPr>
+              <a:t>Michael_Bertucci@student.uml.edu</a:t>
+            </a:r>
+            <a:endParaRPr lang="en-US" sz="1800" b="0" strike="noStrike" spc="-1" dirty="0">
+              <a:solidFill>
+                <a:srgbClr val="000000"/>
+              </a:solidFill>
+              <a:uFill>
+                <a:solidFill>
+                  <a:srgbClr val="FFFFFF"/>
+                </a:solidFill>
+              </a:uFill>
+              <a:latin typeface="Arial"/>
+            </a:endParaRPr>
+          </a:p>
+        </p:txBody>
+      </p:sp>
+      <p:sp>
+        <p:nvSpPr>
+          <p:cNvPr id="76" name="CustomShape 3"/>
           <p:cNvSpPr/>
           <p:nvPr/>
         </p:nvSpPr>
         <p:spPr>
           <a:xfrm>
-            <a:off x="504000" y="3200400"/>
-            <a:ext cx="9070920" cy="1736640"/>
+            <a:off x="529560" y="1631717"/>
+            <a:ext cx="9070920" cy="1462320"/>
           </a:xfrm>
           <a:prstGeom prst="rect">
             <a:avLst/>
@@ -4279,7 +4422,7 @@
               <a:buChar char=""/>
             </a:pPr>
             <a:r>
-              <a:rPr lang="en-US" sz="3200" b="0" strike="noStrike" spc="-1">
+              <a:rPr lang="en-US" sz="3200" b="0" strike="noStrike" spc="-1" dirty="0">
                 <a:solidFill>
                   <a:srgbClr val="000000"/>
                 </a:solidFill>
@@ -4291,10 +4434,10 @@
                 <a:latin typeface="Arial"/>
                 <a:ea typeface="DejaVu Sans"/>
               </a:rPr>
-              <a:t>Michael Bertucci (</a:t>
-            </a:r>
-            <a:r>
-              <a:rPr lang="en-US" sz="3200" b="0" strike="noStrike" spc="-1">
+              <a:t>Muhammed Khalid (</a:t>
+            </a:r>
+            <a:r>
+              <a:rPr lang="en-US" sz="3200" b="0" strike="noStrike" spc="-1" dirty="0">
                 <a:solidFill>
                   <a:srgbClr val="0000CC"/>
                 </a:solidFill>
@@ -4306,10 +4449,10 @@
                 <a:latin typeface="Arial"/>
                 <a:ea typeface="DejaVu Sans"/>
               </a:rPr>
-              <a:t>@mbertucci1</a:t>
-            </a:r>
-            <a:r>
-              <a:rPr lang="en-US" sz="3200" b="0" strike="noStrike" spc="-1">
+              <a:t>@mkhalid578</a:t>
+            </a:r>
+            <a:r>
+              <a:rPr lang="en-US" sz="3200" b="0" strike="noStrike" spc="-1" dirty="0">
                 <a:solidFill>
                   <a:srgbClr val="000000"/>
                 </a:solidFill>
@@ -4323,7 +4466,7 @@
               </a:rPr>
               <a:t>)</a:t>
             </a:r>
-            <a:endParaRPr lang="en-US" sz="1800" b="0" strike="noStrike" spc="-1">
+            <a:endParaRPr lang="en-US" sz="1800" b="0" strike="noStrike" spc="-1" dirty="0">
               <a:solidFill>
                 <a:srgbClr val="000000"/>
               </a:solidFill>
@@ -4348,7 +4491,7 @@
               <a:buChar char=""/>
             </a:pPr>
             <a:r>
-              <a:rPr lang="en-US" sz="3200" b="0" strike="noStrike" spc="-1">
+              <a:rPr lang="en-US" sz="3200" b="0" strike="noStrike" spc="-1" dirty="0">
                 <a:solidFill>
                   <a:srgbClr val="000000"/>
                 </a:solidFill>
@@ -4360,32 +4503,32 @@
                 <a:latin typeface="Arial"/>
                 <a:ea typeface="DejaVu Sans"/>
               </a:rPr>
-              <a:t>Michael_Bertucci@student.uml.edu</a:t>
-            </a:r>
-            <a:endParaRPr lang="en-US" sz="1800" b="0" strike="noStrike" spc="-1">
-              <a:solidFill>
-                <a:srgbClr val="000000"/>
-              </a:solidFill>
-              <a:uFill>
-                <a:solidFill>
-                  <a:srgbClr val="FFFFFF"/>
-                </a:solidFill>
-              </a:uFill>
-              <a:latin typeface="Arial"/>
-            </a:endParaRPr>
-          </a:p>
-        </p:txBody>
-      </p:sp>
-      <p:sp>
-        <p:nvSpPr>
-          <p:cNvPr id="76" name="CustomShape 3"/>
+              <a:t>Muhammed_Khalid@student.uml.edu</a:t>
+            </a:r>
+            <a:endParaRPr lang="en-US" sz="1800" b="0" strike="noStrike" spc="-1" dirty="0">
+              <a:solidFill>
+                <a:srgbClr val="000000"/>
+              </a:solidFill>
+              <a:uFill>
+                <a:solidFill>
+                  <a:srgbClr val="FFFFFF"/>
+                </a:solidFill>
+              </a:uFill>
+              <a:latin typeface="Arial"/>
+            </a:endParaRPr>
+          </a:p>
+        </p:txBody>
+      </p:sp>
+      <p:sp>
+        <p:nvSpPr>
+          <p:cNvPr id="77" name="CustomShape 4"/>
           <p:cNvSpPr/>
           <p:nvPr/>
         </p:nvSpPr>
         <p:spPr>
           <a:xfrm>
-            <a:off x="529560" y="1371600"/>
-            <a:ext cx="9070920" cy="1462320"/>
+            <a:off x="529560" y="5075237"/>
+            <a:ext cx="9070920" cy="1816200"/>
           </a:xfrm>
           <a:prstGeom prst="rect">
             <a:avLst/>
@@ -4423,7 +4566,7 @@
               <a:buChar char=""/>
             </a:pPr>
             <a:r>
-              <a:rPr lang="en-US" sz="3200" b="0" strike="noStrike" spc="-1">
+              <a:rPr lang="en-US" sz="3200" b="0" strike="noStrike" spc="-1" dirty="0" err="1">
                 <a:solidFill>
                   <a:srgbClr val="000000"/>
                 </a:solidFill>
@@ -4435,12 +4578,12 @@
                 <a:latin typeface="Arial"/>
                 <a:ea typeface="DejaVu Sans"/>
               </a:rPr>
-              <a:t>Muhammed Khalid (</a:t>
-            </a:r>
-            <a:r>
-              <a:rPr lang="en-US" sz="3200" b="0" strike="noStrike" spc="-1">
-                <a:solidFill>
-                  <a:srgbClr val="0000CC"/>
+              <a:t>Vibhuti</a:t>
+            </a:r>
+            <a:r>
+              <a:rPr lang="en-US" sz="3200" b="0" strike="noStrike" spc="-1" dirty="0">
+                <a:solidFill>
+                  <a:srgbClr val="000000"/>
                 </a:solidFill>
                 <a:uFill>
                   <a:solidFill>
@@ -4450,10 +4593,25 @@
                 <a:latin typeface="Arial"/>
                 <a:ea typeface="DejaVu Sans"/>
               </a:rPr>
-              <a:t>@mkhalid578</a:t>
-            </a:r>
-            <a:r>
-              <a:rPr lang="en-US" sz="3200" b="0" strike="noStrike" spc="-1">
+              <a:t> Patel (</a:t>
+            </a:r>
+            <a:r>
+              <a:rPr lang="en-US" sz="3200" b="0" strike="noStrike" spc="-1" dirty="0">
+                <a:solidFill>
+                  <a:srgbClr val="0000FF"/>
+                </a:solidFill>
+                <a:uFill>
+                  <a:solidFill>
+                    <a:srgbClr val="FFFFFF"/>
+                  </a:solidFill>
+                </a:uFill>
+                <a:latin typeface="Arial"/>
+                <a:ea typeface="DejaVu Sans"/>
+              </a:rPr>
+              <a:t>@vibhutipatel18</a:t>
+            </a:r>
+            <a:r>
+              <a:rPr lang="en-US" sz="3200" b="0" strike="noStrike" spc="-1" dirty="0">
                 <a:solidFill>
                   <a:srgbClr val="000000"/>
                 </a:solidFill>
@@ -4467,7 +4625,7 @@
               </a:rPr>
               <a:t>)</a:t>
             </a:r>
-            <a:endParaRPr lang="en-US" sz="1800" b="0" strike="noStrike" spc="-1">
+            <a:endParaRPr lang="en-US" sz="1800" b="0" strike="noStrike" spc="-1" dirty="0">
               <a:solidFill>
                 <a:srgbClr val="000000"/>
               </a:solidFill>
@@ -4492,7 +4650,7 @@
               <a:buChar char=""/>
             </a:pPr>
             <a:r>
-              <a:rPr lang="en-US" sz="3200" b="0" strike="noStrike" spc="-1">
+              <a:rPr lang="en-US" sz="3200" b="0" strike="noStrike" spc="-1" dirty="0">
                 <a:solidFill>
                   <a:srgbClr val="000000"/>
                 </a:solidFill>
@@ -4504,153 +4662,9 @@
                 <a:latin typeface="Arial"/>
                 <a:ea typeface="DejaVu Sans"/>
               </a:rPr>
-              <a:t>Muhammed_Khalid@student.uml.edu</a:t>
-            </a:r>
-            <a:endParaRPr lang="en-US" sz="1800" b="0" strike="noStrike" spc="-1">
-              <a:solidFill>
-                <a:srgbClr val="000000"/>
-              </a:solidFill>
-              <a:uFill>
-                <a:solidFill>
-                  <a:srgbClr val="FFFFFF"/>
-                </a:solidFill>
-              </a:uFill>
-              <a:latin typeface="Arial"/>
-            </a:endParaRPr>
-          </a:p>
-        </p:txBody>
-      </p:sp>
-      <p:sp>
-        <p:nvSpPr>
-          <p:cNvPr id="77" name="CustomShape 4"/>
-          <p:cNvSpPr/>
-          <p:nvPr/>
-        </p:nvSpPr>
-        <p:spPr>
-          <a:xfrm>
-            <a:off x="529560" y="5303520"/>
-            <a:ext cx="9070920" cy="1816200"/>
-          </a:xfrm>
-          <a:prstGeom prst="rect">
-            <a:avLst/>
-          </a:prstGeom>
-          <a:noFill/>
-          <a:ln>
-            <a:noFill/>
-          </a:ln>
-        </p:spPr>
-        <p:style>
-          <a:lnRef idx="0">
-            <a:scrgbClr r="0" g="0" b="0"/>
-          </a:lnRef>
-          <a:fillRef idx="0">
-            <a:scrgbClr r="0" g="0" b="0"/>
-          </a:fillRef>
-          <a:effectRef idx="0">
-            <a:scrgbClr r="0" g="0" b="0"/>
-          </a:effectRef>
-          <a:fontRef idx="minor"/>
-        </p:style>
-        <p:txBody>
-          <a:bodyPr lIns="0" tIns="0" rIns="0" bIns="0"/>
-          <a:lstStyle/>
-          <a:p>
-            <a:pPr marL="432000" indent="-323280">
-              <a:lnSpc>
-                <a:spcPct val="100000"/>
-              </a:lnSpc>
-              <a:buClr>
-                <a:srgbClr val="000000"/>
-              </a:buClr>
-              <a:buSzPct val="45000"/>
-              <a:buFont typeface="Wingdings" charset="2"/>
-              <a:buChar char=""/>
-            </a:pPr>
-            <a:r>
-              <a:rPr lang="en-US" sz="3200" b="0" strike="noStrike" spc="-1">
-                <a:solidFill>
-                  <a:srgbClr val="000000"/>
-                </a:solidFill>
-                <a:uFill>
-                  <a:solidFill>
-                    <a:srgbClr val="FFFFFF"/>
-                  </a:solidFill>
-                </a:uFill>
-                <a:latin typeface="Arial"/>
-                <a:ea typeface="DejaVu Sans"/>
-              </a:rPr>
-              <a:t>Vibhuti Patel (</a:t>
-            </a:r>
-            <a:r>
-              <a:rPr lang="en-US" sz="3200" b="0" strike="noStrike" spc="-1">
-                <a:solidFill>
-                  <a:srgbClr val="0000FF"/>
-                </a:solidFill>
-                <a:uFill>
-                  <a:solidFill>
-                    <a:srgbClr val="FFFFFF"/>
-                  </a:solidFill>
-                </a:uFill>
-                <a:latin typeface="Arial"/>
-                <a:ea typeface="DejaVu Sans"/>
-              </a:rPr>
-              <a:t>@vibhutipatel18</a:t>
-            </a:r>
-            <a:r>
-              <a:rPr lang="en-US" sz="3200" b="0" strike="noStrike" spc="-1">
-                <a:solidFill>
-                  <a:srgbClr val="000000"/>
-                </a:solidFill>
-                <a:uFill>
-                  <a:solidFill>
-                    <a:srgbClr val="FFFFFF"/>
-                  </a:solidFill>
-                </a:uFill>
-                <a:latin typeface="Arial"/>
-                <a:ea typeface="DejaVu Sans"/>
-              </a:rPr>
-              <a:t>)</a:t>
-            </a:r>
-            <a:endParaRPr lang="en-US" sz="1800" b="0" strike="noStrike" spc="-1">
-              <a:solidFill>
-                <a:srgbClr val="000000"/>
-              </a:solidFill>
-              <a:uFill>
-                <a:solidFill>
-                  <a:srgbClr val="FFFFFF"/>
-                </a:solidFill>
-              </a:uFill>
-              <a:latin typeface="Arial"/>
-            </a:endParaRPr>
-          </a:p>
-          <a:p>
-            <a:pPr marL="432000" indent="-323280">
-              <a:lnSpc>
-                <a:spcPct val="100000"/>
-              </a:lnSpc>
-              <a:buClr>
-                <a:srgbClr val="000000"/>
-              </a:buClr>
-              <a:buSzPct val="45000"/>
-              <a:buFont typeface="Wingdings" charset="2"/>
-              <a:buChar char=""/>
-            </a:pPr>
-            <a:r>
-              <a:rPr lang="en-US" sz="3200" b="0" strike="noStrike" spc="-1">
-                <a:solidFill>
-                  <a:srgbClr val="000000"/>
-                </a:solidFill>
-                <a:uFill>
-                  <a:solidFill>
-                    <a:srgbClr val="FFFFFF"/>
-                  </a:solidFill>
-                </a:uFill>
-                <a:latin typeface="Arial"/>
-                <a:ea typeface="DejaVu Sans"/>
-              </a:rPr>
               <a:t>Vibhuti_Patel@student.uml.edu</a:t>
             </a:r>
-            <a:endParaRPr lang="en-US" sz="1800" b="0" strike="noStrike" spc="-1">
+            <a:endParaRPr lang="en-US" sz="1800" b="0" strike="noStrike" spc="-1" dirty="0">
               <a:solidFill>
                 <a:srgbClr val="000000"/>
               </a:solidFill>
@@ -6324,15 +6338,7 @@
                   <a:schemeClr val="tx2"/>
                 </a:solidFill>
               </a:rPr>
-              <a:t>Interface will have listing of all the orders that exist for the company, and will have columns for different </a:t>
-            </a:r>
-            <a:r>
-              <a:rPr lang="en-US" sz="3200" dirty="0" smtClean="0">
-                <a:solidFill>
-                  <a:schemeClr val="tx2"/>
-                </a:solidFill>
-              </a:rPr>
-              <a:t>fields: </a:t>
+              <a:t>Interface will have listing of all the orders that exist for the company, and will have columns for different fields: </a:t>
             </a:r>
             <a:r>
               <a:rPr lang="en-US" sz="3200" i="1" dirty="0" smtClean="0">
@@ -7525,7 +7531,7 @@
               <a:buChar char=""/>
             </a:pPr>
             <a:r>
-              <a:rPr lang="en-US" sz="2000" b="0" strike="noStrike" spc="-1" dirty="0">
+              <a:rPr lang="en-US" sz="2000" spc="-1" dirty="0" smtClean="0">
                 <a:solidFill>
                   <a:schemeClr val="tx2"/>
                 </a:solidFill>
@@ -7537,9 +7543,9 @@
                 <a:latin typeface="Arial"/>
                 <a:ea typeface="DejaVu Sans"/>
               </a:rPr>
-              <a:t>Research and Develop. Think of things we want to implement within our Web App or Software.</a:t>
-            </a:r>
-            <a:endParaRPr lang="en-US" sz="1800" b="0" strike="noStrike" spc="-1" dirty="0">
+              <a:t>Research the tools needed</a:t>
+            </a:r>
+            <a:endParaRPr lang="en-US" sz="2000" b="0" strike="noStrike" spc="-1" dirty="0" smtClean="0">
               <a:solidFill>
                 <a:schemeClr val="tx2"/>
               </a:solidFill>
@@ -7549,6 +7555,7 @@
                 </a:solidFill>
               </a:uFill>
               <a:latin typeface="Arial"/>
+              <a:ea typeface="DejaVu Sans"/>
             </a:endParaRPr>
           </a:p>
           <a:p>
@@ -7564,6 +7571,21 @@
               <a:buChar char=""/>
             </a:pPr>
             <a:r>
+              <a:rPr lang="en-US" sz="2000" b="0" strike="noStrike" spc="-1" dirty="0" smtClean="0">
+                <a:solidFill>
+                  <a:schemeClr val="tx2"/>
+                </a:solidFill>
+                <a:uFill>
+                  <a:solidFill>
+                    <a:srgbClr val="FFFFFF"/>
+                  </a:solidFill>
+                </a:uFill>
+                <a:latin typeface="Arial"/>
+                <a:ea typeface="DejaVu Sans"/>
+              </a:rPr>
+              <a:t>Create </a:t>
+            </a:r>
+            <a:r>
               <a:rPr lang="en-US" sz="2000" b="0" strike="noStrike" spc="-1" dirty="0">
                 <a:solidFill>
                   <a:schemeClr val="tx2"/>
@@ -7576,7 +7598,22 @@
                 <a:latin typeface="Arial"/>
                 <a:ea typeface="DejaVu Sans"/>
               </a:rPr>
-              <a:t>Create a facilitate an Agile environment. Create a backlog with a sprint consisting of stories to tackle</a:t>
+              <a:t>a facilitate an Agile environment. Create a </a:t>
+            </a:r>
+            <a:r>
+              <a:rPr lang="en-US" sz="2000" b="0" strike="noStrike" spc="-1" dirty="0" smtClean="0">
+                <a:solidFill>
+                  <a:schemeClr val="tx2"/>
+                </a:solidFill>
+                <a:uFill>
+                  <a:solidFill>
+                    <a:srgbClr val="FFFFFF"/>
+                  </a:solidFill>
+                </a:uFill>
+                <a:latin typeface="Arial"/>
+                <a:ea typeface="DejaVu Sans"/>
+              </a:rPr>
+              <a:t>backlog of all tasks needed for the project.</a:t>
             </a:r>
             <a:endParaRPr lang="en-US" sz="1800" b="0" strike="noStrike" spc="-1" dirty="0">
               <a:solidFill>
@@ -7642,7 +7679,7 @@
               <a:buChar char=""/>
             </a:pPr>
             <a:r>
-              <a:rPr lang="en-US" sz="2000" b="0" strike="noStrike" spc="-1" dirty="0">
+              <a:rPr lang="en-US" sz="1800" b="0" strike="noStrike" spc="-1" dirty="0" smtClean="0">
                 <a:solidFill>
                   <a:schemeClr val="tx2"/>
                 </a:solidFill>
@@ -7652,9 +7689,8 @@
                   </a:solidFill>
                 </a:uFill>
                 <a:latin typeface="Arial"/>
-                <a:ea typeface="DejaVu Sans"/>
-              </a:rPr>
-              <a:t>Add stories and possible features and enhancements</a:t>
+              </a:rPr>
+              <a:t>Decide on a component of the project to develop</a:t>
             </a:r>
             <a:endParaRPr lang="en-US" sz="1800" b="0" strike="noStrike" spc="-1" dirty="0">
               <a:solidFill>
@@ -7681,7 +7717,7 @@
               <a:buChar char=""/>
             </a:pPr>
             <a:r>
-              <a:rPr lang="en-US" sz="2000" b="0" strike="noStrike" spc="-1" dirty="0">
+              <a:rPr lang="en-US" sz="2000" spc="-1" dirty="0" smtClean="0">
                 <a:solidFill>
                   <a:schemeClr val="tx2"/>
                 </a:solidFill>
@@ -7691,9 +7727,141 @@
                   </a:solidFill>
                 </a:uFill>
                 <a:latin typeface="Arial"/>
-                <a:ea typeface="DejaVu Sans"/>
-              </a:rPr>
-              <a:t>Work</a:t>
+              </a:rPr>
+              <a:t>Form a sprint from the relevant tasks in the backlog</a:t>
+            </a:r>
+          </a:p>
+          <a:p>
+            <a:pPr marL="864000" lvl="1" indent="-323280">
+              <a:lnSpc>
+                <a:spcPct val="100000"/>
+              </a:lnSpc>
+              <a:buClr>
+                <a:srgbClr val="000000"/>
+              </a:buClr>
+              <a:buSzPct val="75000"/>
+              <a:buFont typeface="Symbol"/>
+              <a:buChar char=""/>
+            </a:pPr>
+            <a:r>
+              <a:rPr lang="en-US" sz="2000" spc="-1" dirty="0" smtClean="0">
+                <a:solidFill>
+                  <a:schemeClr val="tx2"/>
+                </a:solidFill>
+                <a:uFill>
+                  <a:solidFill>
+                    <a:srgbClr val="FFFFFF"/>
+                  </a:solidFill>
+                </a:uFill>
+                <a:latin typeface="Arial"/>
+              </a:rPr>
+              <a:t>Each person write their code and unit test</a:t>
+            </a:r>
+          </a:p>
+          <a:p>
+            <a:pPr marL="864000" lvl="1" indent="-323280">
+              <a:lnSpc>
+                <a:spcPct val="100000"/>
+              </a:lnSpc>
+              <a:buClr>
+                <a:srgbClr val="000000"/>
+              </a:buClr>
+              <a:buSzPct val="75000"/>
+              <a:buFont typeface="Symbol"/>
+              <a:buChar char=""/>
+            </a:pPr>
+            <a:r>
+              <a:rPr lang="en-US" spc="-1" dirty="0" smtClean="0">
+                <a:solidFill>
+                  <a:schemeClr val="tx2"/>
+                </a:solidFill>
+                <a:uFill>
+                  <a:solidFill>
+                    <a:srgbClr val="FFFFFF"/>
+                  </a:solidFill>
+                </a:uFill>
+                <a:latin typeface="Arial"/>
+              </a:rPr>
+              <a:t>Integrate our work and test that it works together</a:t>
+            </a:r>
+          </a:p>
+          <a:p>
+            <a:pPr marL="864000" lvl="1" indent="-323280">
+              <a:lnSpc>
+                <a:spcPct val="100000"/>
+              </a:lnSpc>
+              <a:buClr>
+                <a:srgbClr val="000000"/>
+              </a:buClr>
+              <a:buSzPct val="75000"/>
+              <a:buFont typeface="Symbol"/>
+              <a:buChar char=""/>
+            </a:pPr>
+            <a:r>
+              <a:rPr lang="en-US" sz="1800" b="0" strike="noStrike" spc="-1" dirty="0" smtClean="0">
+                <a:solidFill>
+                  <a:schemeClr val="tx2"/>
+                </a:solidFill>
+                <a:uFill>
+                  <a:solidFill>
+                    <a:srgbClr val="FFFFFF"/>
+                  </a:solidFill>
+                </a:uFill>
+                <a:latin typeface="Arial"/>
+              </a:rPr>
+              <a:t>Commit to </a:t>
+            </a:r>
+            <a:r>
+              <a:rPr lang="en-US" sz="1800" b="0" strike="noStrike" spc="-1" dirty="0" err="1" smtClean="0">
+                <a:solidFill>
+                  <a:schemeClr val="tx2"/>
+                </a:solidFill>
+                <a:uFill>
+                  <a:solidFill>
+                    <a:srgbClr val="FFFFFF"/>
+                  </a:solidFill>
+                </a:uFill>
+                <a:latin typeface="Arial"/>
+              </a:rPr>
+              <a:t>Github</a:t>
+            </a:r>
+            <a:endParaRPr lang="en-US" sz="1800" b="0" strike="noStrike" spc="-1" dirty="0" smtClean="0">
+              <a:solidFill>
+                <a:schemeClr val="tx2"/>
+              </a:solidFill>
+              <a:uFill>
+                <a:solidFill>
+                  <a:srgbClr val="FFFFFF"/>
+                </a:solidFill>
+              </a:uFill>
+              <a:latin typeface="Arial"/>
+            </a:endParaRPr>
+          </a:p>
+          <a:p>
+            <a:pPr marL="864000" lvl="1" indent="-323280">
+              <a:lnSpc>
+                <a:spcPct val="100000"/>
+              </a:lnSpc>
+              <a:buClr>
+                <a:srgbClr val="000000"/>
+              </a:buClr>
+              <a:buSzPct val="75000"/>
+              <a:buFont typeface="Symbol"/>
+              <a:buChar char=""/>
+            </a:pPr>
+            <a:r>
+              <a:rPr lang="en-US" spc="-1" dirty="0" smtClean="0">
+                <a:solidFill>
+                  <a:schemeClr val="tx2"/>
+                </a:solidFill>
+                <a:uFill>
+                  <a:solidFill>
+                    <a:srgbClr val="FFFFFF"/>
+                  </a:solidFill>
+                </a:uFill>
+                <a:latin typeface="Arial"/>
+              </a:rPr>
+              <a:t>Update/Add to backlog if needed</a:t>
             </a:r>
             <a:endParaRPr lang="en-US" sz="1800" b="0" strike="noStrike" spc="-1" dirty="0">
               <a:solidFill>
@@ -7732,19 +7900,46 @@
                 <a:latin typeface="Arial"/>
                 <a:ea typeface="DejaVu Sans"/>
               </a:rPr>
-              <a:t>Week 4 – Last Week</a:t>
-            </a:r>
-            <a:endParaRPr lang="en-US" sz="1800" b="0" strike="noStrike" spc="-1" dirty="0">
-              <a:solidFill>
-                <a:schemeClr val="tx2"/>
-              </a:solidFill>
-              <a:uFill>
-                <a:solidFill>
-                  <a:srgbClr val="FFFFFF"/>
-                </a:solidFill>
-              </a:uFill>
-              <a:latin typeface="Arial"/>
-            </a:endParaRPr>
+              <a:t>Week </a:t>
+            </a:r>
+            <a:r>
+              <a:rPr lang="en-US" sz="2200" b="0" strike="noStrike" spc="-1" dirty="0" smtClean="0">
+                <a:solidFill>
+                  <a:schemeClr val="tx2"/>
+                </a:solidFill>
+                <a:uFill>
+                  <a:solidFill>
+                    <a:srgbClr val="FFFFFF"/>
+                  </a:solidFill>
+                </a:uFill>
+                <a:latin typeface="Arial"/>
+                <a:ea typeface="DejaVu Sans"/>
+              </a:rPr>
+              <a:t>4, 5, 6</a:t>
+            </a:r>
+          </a:p>
+          <a:p>
+            <a:pPr marL="864000" lvl="1" indent="-323280">
+              <a:buClr>
+                <a:srgbClr val="000000"/>
+              </a:buClr>
+              <a:buSzPct val="75000"/>
+              <a:buFont typeface="Symbol"/>
+              <a:buChar char=""/>
+            </a:pPr>
+            <a:r>
+              <a:rPr lang="en-US" sz="2000" spc="-1" dirty="0">
+                <a:solidFill>
+                  <a:schemeClr val="tx2"/>
+                </a:solidFill>
+                <a:uFill>
+                  <a:solidFill>
+                    <a:srgbClr val="FFFFFF"/>
+                  </a:solidFill>
+                </a:uFill>
+              </a:rPr>
+              <a:t>Perform new iteration of the steps from week 3</a:t>
+            </a:r>
           </a:p>
           <a:p>
             <a:pPr marL="864000" lvl="1" indent="-323280">
@@ -7759,7 +7954,7 @@
               <a:buChar char=""/>
             </a:pPr>
             <a:r>
-              <a:rPr lang="en-US" sz="2000" b="0" strike="noStrike" spc="-1" dirty="0">
+              <a:rPr lang="en-US" sz="2000" b="0" strike="noStrike" spc="-1" dirty="0" smtClean="0">
                 <a:solidFill>
                   <a:schemeClr val="tx2"/>
                 </a:solidFill>
@@ -7769,117 +7964,8 @@
                   </a:solidFill>
                 </a:uFill>
                 <a:latin typeface="Arial"/>
-                <a:ea typeface="DejaVu Sans"/>
-              </a:rPr>
-              <a:t>Work on the project. Unit testing and integration testing. Merging our work together. </a:t>
-            </a:r>
-            <a:endParaRPr lang="en-US" sz="1800" b="0" strike="noStrike" spc="-1" dirty="0">
-              <a:solidFill>
-                <a:schemeClr val="tx2"/>
-              </a:solidFill>
-              <a:uFill>
-                <a:solidFill>
-                  <a:srgbClr val="FFFFFF"/>
-                </a:solidFill>
-              </a:uFill>
-              <a:latin typeface="Arial"/>
-            </a:endParaRPr>
-          </a:p>
-          <a:p>
-            <a:pPr marL="864000" lvl="1" indent="-323280">
-              <a:lnSpc>
-                <a:spcPct val="100000"/>
-              </a:lnSpc>
-              <a:buClr>
-                <a:srgbClr val="000000"/>
-              </a:buClr>
-              <a:buSzPct val="75000"/>
-              <a:buFont typeface="Symbol"/>
-              <a:buChar char=""/>
-            </a:pPr>
-            <a:r>
-              <a:rPr lang="en-US" sz="2000" b="0" strike="noStrike" spc="-1" dirty="0">
-                <a:solidFill>
-                  <a:schemeClr val="tx2"/>
-                </a:solidFill>
-                <a:uFill>
-                  <a:solidFill>
-                    <a:srgbClr val="FFFFFF"/>
-                  </a:solidFill>
-                </a:uFill>
-                <a:latin typeface="Arial"/>
-                <a:ea typeface="DejaVu Sans"/>
-              </a:rPr>
-              <a:t>Updating our </a:t>
-            </a:r>
-            <a:r>
-              <a:rPr lang="en-US" sz="2000" b="0" strike="noStrike" spc="-1" dirty="0" err="1">
-                <a:solidFill>
-                  <a:schemeClr val="tx2"/>
-                </a:solidFill>
-                <a:uFill>
-                  <a:solidFill>
-                    <a:srgbClr val="FFFFFF"/>
-                  </a:solidFill>
-                </a:uFill>
-                <a:latin typeface="Arial"/>
-                <a:ea typeface="DejaVu Sans"/>
-              </a:rPr>
-              <a:t>githubs</a:t>
-            </a:r>
-            <a:r>
-              <a:rPr lang="en-US" sz="2000" b="0" strike="noStrike" spc="-1" dirty="0">
-                <a:solidFill>
-                  <a:schemeClr val="tx2"/>
-                </a:solidFill>
-                <a:uFill>
-                  <a:solidFill>
-                    <a:srgbClr val="FFFFFF"/>
-                  </a:solidFill>
-                </a:uFill>
-                <a:latin typeface="Arial"/>
-                <a:ea typeface="DejaVu Sans"/>
-              </a:rPr>
-              <a:t> (constantly). Validate and commit. </a:t>
-            </a:r>
-            <a:endParaRPr lang="en-US" sz="1800" b="0" strike="noStrike" spc="-1" dirty="0">
-              <a:solidFill>
-                <a:schemeClr val="tx2"/>
-              </a:solidFill>
-              <a:uFill>
-                <a:solidFill>
-                  <a:srgbClr val="FFFFFF"/>
-                </a:solidFill>
-              </a:uFill>
-              <a:latin typeface="Arial"/>
-            </a:endParaRPr>
-          </a:p>
-          <a:p>
-            <a:pPr marL="864000" lvl="1" indent="-323280">
-              <a:lnSpc>
-                <a:spcPct val="100000"/>
-              </a:lnSpc>
-              <a:buClr>
-                <a:srgbClr val="000000"/>
-              </a:buClr>
-              <a:buSzPct val="75000"/>
-              <a:buFont typeface="Symbol"/>
-              <a:buChar char=""/>
-            </a:pPr>
-            <a:r>
-              <a:rPr lang="en-US" sz="2000" b="0" strike="noStrike" spc="-1" dirty="0">
-                <a:solidFill>
-                  <a:schemeClr val="tx2"/>
-                </a:solidFill>
-                <a:uFill>
-                  <a:solidFill>
-                    <a:srgbClr val="FFFFFF"/>
-                  </a:solidFill>
-                </a:uFill>
-                <a:latin typeface="Arial"/>
-                <a:ea typeface="DejaVu Sans"/>
-              </a:rPr>
-              <a:t>Testing and validating and improving where need be.</a:t>
+              </a:rPr>
+              <a:t>The major components of the project must be assigned such that the project can be completed in at most 6-7 weeks</a:t>
             </a:r>
             <a:endParaRPr lang="en-US" sz="1800" b="0" strike="noStrike" spc="-1" dirty="0">
               <a:solidFill>

--- a/Project_Proposal.pptx
+++ b/Project_Proposal.pptx
@@ -1,122 +1,27 @@
 
 <file path=ppt/presentation.xml><?xml version="1.0" encoding="utf-8"?>
-<p:presentation xmlns:a="http://schemas.openxmlformats.org/drawingml/2006/main" xmlns:r="http://schemas.openxmlformats.org/officeDocument/2006/relationships" xmlns:p="http://schemas.openxmlformats.org/presentationml/2006/main">
+<p:presentation xmlns:a="http://schemas.openxmlformats.org/drawingml/2006/main" xmlns:p="http://schemas.openxmlformats.org/presentationml/2006/main" xmlns:r="http://schemas.openxmlformats.org/officeDocument/2006/relationships" xmlns:p14="http://schemas.microsoft.com/office/powerpoint/2010/main" xmlns:p15="http://schemas.microsoft.com/office/powerpoint/2012/main" xmlns:mc="http://schemas.openxmlformats.org/markup-compatibility/2006">
   <p:sldMasterIdLst>
-    <p:sldMasterId id="2147483648" r:id="rId1"/>
-    <p:sldMasterId id="2147483661" r:id="rId2"/>
+    <p:sldMasterId id="2147483648" r:id="rId2"/>
+    <p:sldMasterId id="2147483661" r:id="rId3"/>
   </p:sldMasterIdLst>
   <p:sldIdLst>
-    <p:sldId id="256" r:id="rId3"/>
-    <p:sldId id="257" r:id="rId4"/>
-    <p:sldId id="259" r:id="rId5"/>
-    <p:sldId id="260" r:id="rId6"/>
-    <p:sldId id="261" r:id="rId7"/>
-    <p:sldId id="264" r:id="rId8"/>
-    <p:sldId id="262" r:id="rId9"/>
-    <p:sldId id="263" r:id="rId10"/>
+    <p:sldId id="256" r:id="rId4"/>
+    <p:sldId id="257" r:id="rId5"/>
+    <p:sldId id="258" r:id="rId6"/>
+    <p:sldId id="259" r:id="rId7"/>
+    <p:sldId id="260" r:id="rId8"/>
+    <p:sldId id="261" r:id="rId9"/>
+    <p:sldId id="262" r:id="rId10"/>
+    <p:sldId id="263" r:id="rId11"/>
   </p:sldIdLst>
   <p:sldSz cx="10080625" cy="7559675"/>
   <p:notesSz cx="7772400" cy="10058400"/>
-  <p:defaultTextStyle>
-    <a:defPPr>
-      <a:defRPr lang="en-US"/>
-    </a:defPPr>
-    <a:lvl1pPr marL="0" algn="l" defTabSz="914400" rtl="0" eaLnBrk="1" latinLnBrk="0" hangingPunct="1">
-      <a:defRPr sz="1800" kern="1200">
-        <a:solidFill>
-          <a:schemeClr val="tx1"/>
-        </a:solidFill>
-        <a:latin typeface="+mn-lt"/>
-        <a:ea typeface="+mn-ea"/>
-        <a:cs typeface="+mn-cs"/>
-      </a:defRPr>
-    </a:lvl1pPr>
-    <a:lvl2pPr marL="457200" algn="l" defTabSz="914400" rtl="0" eaLnBrk="1" latinLnBrk="0" hangingPunct="1">
-      <a:defRPr sz="1800" kern="1200">
-        <a:solidFill>
-          <a:schemeClr val="tx1"/>
-        </a:solidFill>
-        <a:latin typeface="+mn-lt"/>
-        <a:ea typeface="+mn-ea"/>
-        <a:cs typeface="+mn-cs"/>
-      </a:defRPr>
-    </a:lvl2pPr>
-    <a:lvl3pPr marL="914400" algn="l" defTabSz="914400" rtl="0" eaLnBrk="1" latinLnBrk="0" hangingPunct="1">
-      <a:defRPr sz="1800" kern="1200">
-        <a:solidFill>
-          <a:schemeClr val="tx1"/>
-        </a:solidFill>
-        <a:latin typeface="+mn-lt"/>
-        <a:ea typeface="+mn-ea"/>
-        <a:cs typeface="+mn-cs"/>
-      </a:defRPr>
-    </a:lvl3pPr>
-    <a:lvl4pPr marL="1371600" algn="l" defTabSz="914400" rtl="0" eaLnBrk="1" latinLnBrk="0" hangingPunct="1">
-      <a:defRPr sz="1800" kern="1200">
-        <a:solidFill>
-          <a:schemeClr val="tx1"/>
-        </a:solidFill>
-        <a:latin typeface="+mn-lt"/>
-        <a:ea typeface="+mn-ea"/>
-        <a:cs typeface="+mn-cs"/>
-      </a:defRPr>
-    </a:lvl4pPr>
-    <a:lvl5pPr marL="1828800" algn="l" defTabSz="914400" rtl="0" eaLnBrk="1" latinLnBrk="0" hangingPunct="1">
-      <a:defRPr sz="1800" kern="1200">
-        <a:solidFill>
-          <a:schemeClr val="tx1"/>
-        </a:solidFill>
-        <a:latin typeface="+mn-lt"/>
-        <a:ea typeface="+mn-ea"/>
-        <a:cs typeface="+mn-cs"/>
-      </a:defRPr>
-    </a:lvl5pPr>
-    <a:lvl6pPr marL="2286000" algn="l" defTabSz="914400" rtl="0" eaLnBrk="1" latinLnBrk="0" hangingPunct="1">
-      <a:defRPr sz="1800" kern="1200">
-        <a:solidFill>
-          <a:schemeClr val="tx1"/>
-        </a:solidFill>
-        <a:latin typeface="+mn-lt"/>
-        <a:ea typeface="+mn-ea"/>
-        <a:cs typeface="+mn-cs"/>
-      </a:defRPr>
-    </a:lvl6pPr>
-    <a:lvl7pPr marL="2743200" algn="l" defTabSz="914400" rtl="0" eaLnBrk="1" latinLnBrk="0" hangingPunct="1">
-      <a:defRPr sz="1800" kern="1200">
-        <a:solidFill>
-          <a:schemeClr val="tx1"/>
-        </a:solidFill>
-        <a:latin typeface="+mn-lt"/>
-        <a:ea typeface="+mn-ea"/>
-        <a:cs typeface="+mn-cs"/>
-      </a:defRPr>
-    </a:lvl7pPr>
-    <a:lvl8pPr marL="3200400" algn="l" defTabSz="914400" rtl="0" eaLnBrk="1" latinLnBrk="0" hangingPunct="1">
-      <a:defRPr sz="1800" kern="1200">
-        <a:solidFill>
-          <a:schemeClr val="tx1"/>
-        </a:solidFill>
-        <a:latin typeface="+mn-lt"/>
-        <a:ea typeface="+mn-ea"/>
-        <a:cs typeface="+mn-cs"/>
-      </a:defRPr>
-    </a:lvl8pPr>
-    <a:lvl9pPr marL="3657600" algn="l" defTabSz="914400" rtl="0" eaLnBrk="1" latinLnBrk="0" hangingPunct="1">
-      <a:defRPr sz="1800" kern="1200">
-        <a:solidFill>
-          <a:schemeClr val="tx1"/>
-        </a:solidFill>
-        <a:latin typeface="+mn-lt"/>
-        <a:ea typeface="+mn-ea"/>
-        <a:cs typeface="+mn-cs"/>
-      </a:defRPr>
-    </a:lvl9pPr>
-  </p:defaultTextStyle>
 </p:presentation>
 </file>
 
 <file path=ppt/slideLayouts/slideLayout1.xml><?xml version="1.0" encoding="utf-8"?>
-<p:sldLayout xmlns:a="http://schemas.openxmlformats.org/drawingml/2006/main" xmlns:r="http://schemas.openxmlformats.org/officeDocument/2006/relationships" xmlns:p="http://schemas.openxmlformats.org/presentationml/2006/main" type="blank" preserve="1">
+<p:sldLayout xmlns:a="http://schemas.openxmlformats.org/drawingml/2006/main" xmlns:p="http://schemas.openxmlformats.org/presentationml/2006/main" xmlns:r="http://schemas.openxmlformats.org/officeDocument/2006/relationships" xmlns:p14="http://schemas.microsoft.com/office/powerpoint/2010/main" xmlns:p15="http://schemas.microsoft.com/office/powerpoint/2012/main" xmlns:mc="http://schemas.openxmlformats.org/markup-compatibility/2006" type="blank" preserve="1">
   <p:cSld name="Blank Slide">
     <p:spTree>
       <p:nvGrpSpPr>
@@ -134,14 +39,11 @@
       </p:grpSpPr>
     </p:spTree>
   </p:cSld>
-  <p:clrMapOvr>
-    <a:masterClrMapping/>
-  </p:clrMapOvr>
 </p:sldLayout>
 </file>
 
 <file path=ppt/slideLayouts/slideLayout10.xml><?xml version="1.0" encoding="utf-8"?>
-<p:sldLayout xmlns:a="http://schemas.openxmlformats.org/drawingml/2006/main" xmlns:r="http://schemas.openxmlformats.org/officeDocument/2006/relationships" xmlns:p="http://schemas.openxmlformats.org/presentationml/2006/main" type="objOverTx" preserve="1">
+<p:sldLayout xmlns:a="http://schemas.openxmlformats.org/drawingml/2006/main" xmlns:p="http://schemas.openxmlformats.org/presentationml/2006/main" xmlns:r="http://schemas.openxmlformats.org/officeDocument/2006/relationships" xmlns:p14="http://schemas.microsoft.com/office/powerpoint/2010/main" xmlns:p15="http://schemas.microsoft.com/office/powerpoint/2012/main" xmlns:mc="http://schemas.openxmlformats.org/markup-compatibility/2006" type="objOverTx" preserve="1">
   <p:cSld name="Title, Content over Content">
     <p:spTree>
       <p:nvGrpSpPr>
@@ -177,17 +79,15 @@
           </a:prstGeom>
         </p:spPr>
         <p:txBody>
-          <a:bodyPr lIns="0" tIns="0" rIns="0" bIns="0" anchor="ctr"/>
-          <a:lstStyle/>
-          <a:p>
-            <a:pPr algn="ctr"/>
-            <a:endParaRPr lang="en-US" sz="4400" b="0" strike="noStrike" spc="-1">
-              <a:solidFill>
-                <a:srgbClr val="000000"/>
-              </a:solidFill>
-              <a:uFill>
-                <a:solidFill>
-                  <a:srgbClr val="FFFFFF"/>
+          <a:bodyPr lIns="0" rIns="0" tIns="0" bIns="0" anchor="ctr"/>
+          <a:p>
+            <a:endParaRPr b="0" lang="en-US" sz="1800" spc="-1" strike="noStrike">
+              <a:solidFill>
+                <a:srgbClr val="000000"/>
+              </a:solidFill>
+              <a:uFill>
+                <a:solidFill>
+                  <a:srgbClr val="ffffff"/>
                 </a:solidFill>
               </a:uFill>
               <a:latin typeface="Arial"/>
@@ -215,16 +115,15 @@
           </a:prstGeom>
         </p:spPr>
         <p:txBody>
-          <a:bodyPr lIns="0" tIns="0" rIns="0" bIns="0"/>
-          <a:lstStyle/>
-          <a:p>
-            <a:endParaRPr lang="en-US" sz="3200" b="0" strike="noStrike" spc="-1">
-              <a:solidFill>
-                <a:srgbClr val="000000"/>
-              </a:solidFill>
-              <a:uFill>
-                <a:solidFill>
-                  <a:srgbClr val="FFFFFF"/>
+          <a:bodyPr lIns="0" rIns="0" tIns="0" bIns="0"/>
+          <a:p>
+            <a:endParaRPr b="0" lang="en-US" sz="1800" spc="-1" strike="noStrike">
+              <a:solidFill>
+                <a:srgbClr val="000000"/>
+              </a:solidFill>
+              <a:uFill>
+                <a:solidFill>
+                  <a:srgbClr val="ffffff"/>
                 </a:solidFill>
               </a:uFill>
               <a:latin typeface="Arial"/>
@@ -252,16 +151,15 @@
           </a:prstGeom>
         </p:spPr>
         <p:txBody>
-          <a:bodyPr lIns="0" tIns="0" rIns="0" bIns="0"/>
-          <a:lstStyle/>
-          <a:p>
-            <a:endParaRPr lang="en-US" sz="3200" b="0" strike="noStrike" spc="-1">
-              <a:solidFill>
-                <a:srgbClr val="000000"/>
-              </a:solidFill>
-              <a:uFill>
-                <a:solidFill>
-                  <a:srgbClr val="FFFFFF"/>
+          <a:bodyPr lIns="0" rIns="0" tIns="0" bIns="0"/>
+          <a:p>
+            <a:endParaRPr b="0" lang="en-US" sz="1800" spc="-1" strike="noStrike">
+              <a:solidFill>
+                <a:srgbClr val="000000"/>
+              </a:solidFill>
+              <a:uFill>
+                <a:solidFill>
+                  <a:srgbClr val="ffffff"/>
                 </a:solidFill>
               </a:uFill>
               <a:latin typeface="Arial"/>
@@ -271,14 +169,11 @@
       </p:sp>
     </p:spTree>
   </p:cSld>
-  <p:clrMapOvr>
-    <a:masterClrMapping/>
-  </p:clrMapOvr>
 </p:sldLayout>
 </file>
 
 <file path=ppt/slideLayouts/slideLayout11.xml><?xml version="1.0" encoding="utf-8"?>
-<p:sldLayout xmlns:a="http://schemas.openxmlformats.org/drawingml/2006/main" xmlns:r="http://schemas.openxmlformats.org/officeDocument/2006/relationships" xmlns:p="http://schemas.openxmlformats.org/presentationml/2006/main" type="fourObj" preserve="1">
+<p:sldLayout xmlns:a="http://schemas.openxmlformats.org/drawingml/2006/main" xmlns:p="http://schemas.openxmlformats.org/presentationml/2006/main" xmlns:r="http://schemas.openxmlformats.org/officeDocument/2006/relationships" xmlns:p14="http://schemas.microsoft.com/office/powerpoint/2010/main" xmlns:p15="http://schemas.microsoft.com/office/powerpoint/2012/main" xmlns:mc="http://schemas.openxmlformats.org/markup-compatibility/2006" type="fourObj" preserve="1">
   <p:cSld name="Title, 4 Content">
     <p:spTree>
       <p:nvGrpSpPr>
@@ -314,17 +209,15 @@
           </a:prstGeom>
         </p:spPr>
         <p:txBody>
-          <a:bodyPr lIns="0" tIns="0" rIns="0" bIns="0" anchor="ctr"/>
-          <a:lstStyle/>
-          <a:p>
-            <a:pPr algn="ctr"/>
-            <a:endParaRPr lang="en-US" sz="4400" b="0" strike="noStrike" spc="-1">
-              <a:solidFill>
-                <a:srgbClr val="000000"/>
-              </a:solidFill>
-              <a:uFill>
-                <a:solidFill>
-                  <a:srgbClr val="FFFFFF"/>
+          <a:bodyPr lIns="0" rIns="0" tIns="0" bIns="0" anchor="ctr"/>
+          <a:p>
+            <a:endParaRPr b="0" lang="en-US" sz="1800" spc="-1" strike="noStrike">
+              <a:solidFill>
+                <a:srgbClr val="000000"/>
+              </a:solidFill>
+              <a:uFill>
+                <a:solidFill>
+                  <a:srgbClr val="ffffff"/>
                 </a:solidFill>
               </a:uFill>
               <a:latin typeface="Arial"/>
@@ -352,16 +245,15 @@
           </a:prstGeom>
         </p:spPr>
         <p:txBody>
-          <a:bodyPr lIns="0" tIns="0" rIns="0" bIns="0"/>
-          <a:lstStyle/>
-          <a:p>
-            <a:endParaRPr lang="en-US" sz="3200" b="0" strike="noStrike" spc="-1">
-              <a:solidFill>
-                <a:srgbClr val="000000"/>
-              </a:solidFill>
-              <a:uFill>
-                <a:solidFill>
-                  <a:srgbClr val="FFFFFF"/>
+          <a:bodyPr lIns="0" rIns="0" tIns="0" bIns="0"/>
+          <a:p>
+            <a:endParaRPr b="0" lang="en-US" sz="1800" spc="-1" strike="noStrike">
+              <a:solidFill>
+                <a:srgbClr val="000000"/>
+              </a:solidFill>
+              <a:uFill>
+                <a:solidFill>
+                  <a:srgbClr val="ffffff"/>
                 </a:solidFill>
               </a:uFill>
               <a:latin typeface="Arial"/>
@@ -389,16 +281,15 @@
           </a:prstGeom>
         </p:spPr>
         <p:txBody>
-          <a:bodyPr lIns="0" tIns="0" rIns="0" bIns="0"/>
-          <a:lstStyle/>
-          <a:p>
-            <a:endParaRPr lang="en-US" sz="3200" b="0" strike="noStrike" spc="-1">
-              <a:solidFill>
-                <a:srgbClr val="000000"/>
-              </a:solidFill>
-              <a:uFill>
-                <a:solidFill>
-                  <a:srgbClr val="FFFFFF"/>
+          <a:bodyPr lIns="0" rIns="0" tIns="0" bIns="0"/>
+          <a:p>
+            <a:endParaRPr b="0" lang="en-US" sz="1800" spc="-1" strike="noStrike">
+              <a:solidFill>
+                <a:srgbClr val="000000"/>
+              </a:solidFill>
+              <a:uFill>
+                <a:solidFill>
+                  <a:srgbClr val="ffffff"/>
                 </a:solidFill>
               </a:uFill>
               <a:latin typeface="Arial"/>
@@ -426,16 +317,15 @@
           </a:prstGeom>
         </p:spPr>
         <p:txBody>
-          <a:bodyPr lIns="0" tIns="0" rIns="0" bIns="0"/>
-          <a:lstStyle/>
-          <a:p>
-            <a:endParaRPr lang="en-US" sz="3200" b="0" strike="noStrike" spc="-1">
-              <a:solidFill>
-                <a:srgbClr val="000000"/>
-              </a:solidFill>
-              <a:uFill>
-                <a:solidFill>
-                  <a:srgbClr val="FFFFFF"/>
+          <a:bodyPr lIns="0" rIns="0" tIns="0" bIns="0"/>
+          <a:p>
+            <a:endParaRPr b="0" lang="en-US" sz="1800" spc="-1" strike="noStrike">
+              <a:solidFill>
+                <a:srgbClr val="000000"/>
+              </a:solidFill>
+              <a:uFill>
+                <a:solidFill>
+                  <a:srgbClr val="ffffff"/>
                 </a:solidFill>
               </a:uFill>
               <a:latin typeface="Arial"/>
@@ -463,16 +353,15 @@
           </a:prstGeom>
         </p:spPr>
         <p:txBody>
-          <a:bodyPr lIns="0" tIns="0" rIns="0" bIns="0"/>
-          <a:lstStyle/>
-          <a:p>
-            <a:endParaRPr lang="en-US" sz="3200" b="0" strike="noStrike" spc="-1">
-              <a:solidFill>
-                <a:srgbClr val="000000"/>
-              </a:solidFill>
-              <a:uFill>
-                <a:solidFill>
-                  <a:srgbClr val="FFFFFF"/>
+          <a:bodyPr lIns="0" rIns="0" tIns="0" bIns="0"/>
+          <a:p>
+            <a:endParaRPr b="0" lang="en-US" sz="1800" spc="-1" strike="noStrike">
+              <a:solidFill>
+                <a:srgbClr val="000000"/>
+              </a:solidFill>
+              <a:uFill>
+                <a:solidFill>
+                  <a:srgbClr val="ffffff"/>
                 </a:solidFill>
               </a:uFill>
               <a:latin typeface="Arial"/>
@@ -482,14 +371,11 @@
       </p:sp>
     </p:spTree>
   </p:cSld>
-  <p:clrMapOvr>
-    <a:masterClrMapping/>
-  </p:clrMapOvr>
 </p:sldLayout>
 </file>
 
 <file path=ppt/slideLayouts/slideLayout12.xml><?xml version="1.0" encoding="utf-8"?>
-<p:sldLayout xmlns:a="http://schemas.openxmlformats.org/drawingml/2006/main" xmlns:r="http://schemas.openxmlformats.org/officeDocument/2006/relationships" xmlns:p="http://schemas.openxmlformats.org/presentationml/2006/main" type="blank" preserve="1">
+<p:sldLayout xmlns:a="http://schemas.openxmlformats.org/drawingml/2006/main" xmlns:p="http://schemas.openxmlformats.org/presentationml/2006/main" xmlns:r="http://schemas.openxmlformats.org/officeDocument/2006/relationships" xmlns:p14="http://schemas.microsoft.com/office/powerpoint/2010/main" xmlns:p15="http://schemas.microsoft.com/office/powerpoint/2012/main" xmlns:mc="http://schemas.openxmlformats.org/markup-compatibility/2006" type="blank" preserve="1">
   <p:cSld name="Title, 6 Content">
     <p:spTree>
       <p:nvGrpSpPr>
@@ -525,17 +411,15 @@
           </a:prstGeom>
         </p:spPr>
         <p:txBody>
-          <a:bodyPr lIns="0" tIns="0" rIns="0" bIns="0" anchor="ctr"/>
-          <a:lstStyle/>
-          <a:p>
-            <a:pPr algn="ctr"/>
-            <a:endParaRPr lang="en-US" sz="4400" b="0" strike="noStrike" spc="-1">
-              <a:solidFill>
-                <a:srgbClr val="000000"/>
-              </a:solidFill>
-              <a:uFill>
-                <a:solidFill>
-                  <a:srgbClr val="FFFFFF"/>
+          <a:bodyPr lIns="0" rIns="0" tIns="0" bIns="0" anchor="ctr"/>
+          <a:p>
+            <a:endParaRPr b="0" lang="en-US" sz="1800" spc="-1" strike="noStrike">
+              <a:solidFill>
+                <a:srgbClr val="000000"/>
+              </a:solidFill>
+              <a:uFill>
+                <a:solidFill>
+                  <a:srgbClr val="ffffff"/>
                 </a:solidFill>
               </a:uFill>
               <a:latin typeface="Arial"/>
@@ -563,16 +447,15 @@
           </a:prstGeom>
         </p:spPr>
         <p:txBody>
-          <a:bodyPr lIns="0" tIns="0" rIns="0" bIns="0"/>
-          <a:lstStyle/>
-          <a:p>
-            <a:endParaRPr lang="en-US" sz="3200" b="0" strike="noStrike" spc="-1">
-              <a:solidFill>
-                <a:srgbClr val="000000"/>
-              </a:solidFill>
-              <a:uFill>
-                <a:solidFill>
-                  <a:srgbClr val="FFFFFF"/>
+          <a:bodyPr lIns="0" rIns="0" tIns="0" bIns="0"/>
+          <a:p>
+            <a:endParaRPr b="0" lang="en-US" sz="1800" spc="-1" strike="noStrike">
+              <a:solidFill>
+                <a:srgbClr val="000000"/>
+              </a:solidFill>
+              <a:uFill>
+                <a:solidFill>
+                  <a:srgbClr val="ffffff"/>
                 </a:solidFill>
               </a:uFill>
               <a:latin typeface="Arial"/>
@@ -600,16 +483,15 @@
           </a:prstGeom>
         </p:spPr>
         <p:txBody>
-          <a:bodyPr lIns="0" tIns="0" rIns="0" bIns="0"/>
-          <a:lstStyle/>
-          <a:p>
-            <a:endParaRPr lang="en-US" sz="3200" b="0" strike="noStrike" spc="-1">
-              <a:solidFill>
-                <a:srgbClr val="000000"/>
-              </a:solidFill>
-              <a:uFill>
-                <a:solidFill>
-                  <a:srgbClr val="FFFFFF"/>
+          <a:bodyPr lIns="0" rIns="0" tIns="0" bIns="0"/>
+          <a:p>
+            <a:endParaRPr b="0" lang="en-US" sz="1800" spc="-1" strike="noStrike">
+              <a:solidFill>
+                <a:srgbClr val="000000"/>
+              </a:solidFill>
+              <a:uFill>
+                <a:solidFill>
+                  <a:srgbClr val="ffffff"/>
                 </a:solidFill>
               </a:uFill>
               <a:latin typeface="Arial"/>
@@ -619,7 +501,7 @@
       </p:sp>
       <p:pic>
         <p:nvPicPr>
-          <p:cNvPr id="36" name="Picture 35"/>
+          <p:cNvPr id="36" name="" descr=""/>
           <p:cNvPicPr/>
           <p:nvPr/>
         </p:nvPicPr>
@@ -642,12 +524,12 @@
       </p:pic>
       <p:pic>
         <p:nvPicPr>
-          <p:cNvPr id="37" name="Picture 36"/>
+          <p:cNvPr id="37" name="" descr=""/>
           <p:cNvPicPr/>
           <p:nvPr/>
         </p:nvPicPr>
         <p:blipFill>
-          <a:blip r:embed="rId2"/>
+          <a:blip r:embed="rId3"/>
           <a:stretch/>
         </p:blipFill>
         <p:spPr>
@@ -665,14 +547,11 @@
       </p:pic>
     </p:spTree>
   </p:cSld>
-  <p:clrMapOvr>
-    <a:masterClrMapping/>
-  </p:clrMapOvr>
 </p:sldLayout>
 </file>
 
 <file path=ppt/slideLayouts/slideLayout13.xml><?xml version="1.0" encoding="utf-8"?>
-<p:sldLayout xmlns:a="http://schemas.openxmlformats.org/drawingml/2006/main" xmlns:r="http://schemas.openxmlformats.org/officeDocument/2006/relationships" xmlns:p="http://schemas.openxmlformats.org/presentationml/2006/main" type="blank" preserve="1">
+<p:sldLayout xmlns:a="http://schemas.openxmlformats.org/drawingml/2006/main" xmlns:p="http://schemas.openxmlformats.org/presentationml/2006/main" xmlns:r="http://schemas.openxmlformats.org/officeDocument/2006/relationships" xmlns:p14="http://schemas.microsoft.com/office/powerpoint/2010/main" xmlns:p15="http://schemas.microsoft.com/office/powerpoint/2012/main" xmlns:mc="http://schemas.openxmlformats.org/markup-compatibility/2006" type="blank" preserve="1">
   <p:cSld name="Blank Slide">
     <p:spTree>
       <p:nvGrpSpPr>
@@ -690,14 +569,11 @@
       </p:grpSpPr>
     </p:spTree>
   </p:cSld>
-  <p:clrMapOvr>
-    <a:masterClrMapping/>
-  </p:clrMapOvr>
 </p:sldLayout>
 </file>
 
 <file path=ppt/slideLayouts/slideLayout14.xml><?xml version="1.0" encoding="utf-8"?>
-<p:sldLayout xmlns:a="http://schemas.openxmlformats.org/drawingml/2006/main" xmlns:r="http://schemas.openxmlformats.org/officeDocument/2006/relationships" xmlns:p="http://schemas.openxmlformats.org/presentationml/2006/main" type="tx" preserve="1">
+<p:sldLayout xmlns:a="http://schemas.openxmlformats.org/drawingml/2006/main" xmlns:p="http://schemas.openxmlformats.org/presentationml/2006/main" xmlns:r="http://schemas.openxmlformats.org/officeDocument/2006/relationships" xmlns:p14="http://schemas.microsoft.com/office/powerpoint/2010/main" xmlns:p15="http://schemas.microsoft.com/office/powerpoint/2012/main" xmlns:mc="http://schemas.openxmlformats.org/markup-compatibility/2006" type="tx" preserve="1">
   <p:cSld name="Title Slide">
     <p:spTree>
       <p:nvGrpSpPr>
@@ -733,17 +609,15 @@
           </a:prstGeom>
         </p:spPr>
         <p:txBody>
-          <a:bodyPr lIns="0" tIns="0" rIns="0" bIns="0" anchor="ctr"/>
-          <a:lstStyle/>
-          <a:p>
-            <a:pPr algn="ctr"/>
-            <a:endParaRPr lang="en-US" sz="4400" b="0" strike="noStrike" spc="-1">
-              <a:solidFill>
-                <a:srgbClr val="000000"/>
-              </a:solidFill>
-              <a:uFill>
-                <a:solidFill>
-                  <a:srgbClr val="FFFFFF"/>
+          <a:bodyPr lIns="0" rIns="0" tIns="0" bIns="0" anchor="ctr"/>
+          <a:p>
+            <a:endParaRPr b="0" lang="en-US" sz="1800" spc="-1" strike="noStrike">
+              <a:solidFill>
+                <a:srgbClr val="000000"/>
+              </a:solidFill>
+              <a:uFill>
+                <a:solidFill>
+                  <a:srgbClr val="ffffff"/>
                 </a:solidFill>
               </a:uFill>
               <a:latin typeface="Arial"/>
@@ -771,17 +645,16 @@
           </a:prstGeom>
         </p:spPr>
         <p:txBody>
-          <a:bodyPr lIns="0" tIns="0" rIns="0" bIns="0" anchor="ctr"/>
-          <a:lstStyle/>
+          <a:bodyPr lIns="0" rIns="0" tIns="0" bIns="0" anchor="ctr"/>
           <a:p>
             <a:pPr algn="ctr"/>
-            <a:endParaRPr lang="en-US" sz="3200" b="0" strike="noStrike" spc="-1">
-              <a:solidFill>
-                <a:srgbClr val="000000"/>
-              </a:solidFill>
-              <a:uFill>
-                <a:solidFill>
-                  <a:srgbClr val="FFFFFF"/>
+            <a:endParaRPr b="0" lang="en-US" sz="3200" spc="-1" strike="noStrike">
+              <a:solidFill>
+                <a:srgbClr val="000000"/>
+              </a:solidFill>
+              <a:uFill>
+                <a:solidFill>
+                  <a:srgbClr val="ffffff"/>
                 </a:solidFill>
               </a:uFill>
               <a:latin typeface="Arial"/>
@@ -791,14 +664,11 @@
       </p:sp>
     </p:spTree>
   </p:cSld>
-  <p:clrMapOvr>
-    <a:masterClrMapping/>
-  </p:clrMapOvr>
 </p:sldLayout>
 </file>
 
 <file path=ppt/slideLayouts/slideLayout15.xml><?xml version="1.0" encoding="utf-8"?>
-<p:sldLayout xmlns:a="http://schemas.openxmlformats.org/drawingml/2006/main" xmlns:r="http://schemas.openxmlformats.org/officeDocument/2006/relationships" xmlns:p="http://schemas.openxmlformats.org/presentationml/2006/main" type="obj" preserve="1">
+<p:sldLayout xmlns:a="http://schemas.openxmlformats.org/drawingml/2006/main" xmlns:p="http://schemas.openxmlformats.org/presentationml/2006/main" xmlns:r="http://schemas.openxmlformats.org/officeDocument/2006/relationships" xmlns:p14="http://schemas.microsoft.com/office/powerpoint/2010/main" xmlns:p15="http://schemas.microsoft.com/office/powerpoint/2012/main" xmlns:mc="http://schemas.openxmlformats.org/markup-compatibility/2006" type="obj" preserve="1">
   <p:cSld name="Title, Content">
     <p:spTree>
       <p:nvGrpSpPr>
@@ -834,17 +704,15 @@
           </a:prstGeom>
         </p:spPr>
         <p:txBody>
-          <a:bodyPr lIns="0" tIns="0" rIns="0" bIns="0" anchor="ctr"/>
-          <a:lstStyle/>
-          <a:p>
-            <a:pPr algn="ctr"/>
-            <a:endParaRPr lang="en-US" sz="4400" b="0" strike="noStrike" spc="-1">
-              <a:solidFill>
-                <a:srgbClr val="000000"/>
-              </a:solidFill>
-              <a:uFill>
-                <a:solidFill>
-                  <a:srgbClr val="FFFFFF"/>
+          <a:bodyPr lIns="0" rIns="0" tIns="0" bIns="0" anchor="ctr"/>
+          <a:p>
+            <a:endParaRPr b="0" lang="en-US" sz="1800" spc="-1" strike="noStrike">
+              <a:solidFill>
+                <a:srgbClr val="000000"/>
+              </a:solidFill>
+              <a:uFill>
+                <a:solidFill>
+                  <a:srgbClr val="ffffff"/>
                 </a:solidFill>
               </a:uFill>
               <a:latin typeface="Arial"/>
@@ -872,16 +740,15 @@
           </a:prstGeom>
         </p:spPr>
         <p:txBody>
-          <a:bodyPr lIns="0" tIns="0" rIns="0" bIns="0"/>
-          <a:lstStyle/>
-          <a:p>
-            <a:endParaRPr lang="en-US" sz="3200" b="0" strike="noStrike" spc="-1">
-              <a:solidFill>
-                <a:srgbClr val="000000"/>
-              </a:solidFill>
-              <a:uFill>
-                <a:solidFill>
-                  <a:srgbClr val="FFFFFF"/>
+          <a:bodyPr lIns="0" rIns="0" tIns="0" bIns="0"/>
+          <a:p>
+            <a:endParaRPr b="0" lang="en-US" sz="1800" spc="-1" strike="noStrike">
+              <a:solidFill>
+                <a:srgbClr val="000000"/>
+              </a:solidFill>
+              <a:uFill>
+                <a:solidFill>
+                  <a:srgbClr val="ffffff"/>
                 </a:solidFill>
               </a:uFill>
               <a:latin typeface="Arial"/>
@@ -891,14 +758,11 @@
       </p:sp>
     </p:spTree>
   </p:cSld>
-  <p:clrMapOvr>
-    <a:masterClrMapping/>
-  </p:clrMapOvr>
 </p:sldLayout>
 </file>
 
 <file path=ppt/slideLayouts/slideLayout16.xml><?xml version="1.0" encoding="utf-8"?>
-<p:sldLayout xmlns:a="http://schemas.openxmlformats.org/drawingml/2006/main" xmlns:r="http://schemas.openxmlformats.org/officeDocument/2006/relationships" xmlns:p="http://schemas.openxmlformats.org/presentationml/2006/main" type="twoObj" preserve="1">
+<p:sldLayout xmlns:a="http://schemas.openxmlformats.org/drawingml/2006/main" xmlns:p="http://schemas.openxmlformats.org/presentationml/2006/main" xmlns:r="http://schemas.openxmlformats.org/officeDocument/2006/relationships" xmlns:p14="http://schemas.microsoft.com/office/powerpoint/2010/main" xmlns:p15="http://schemas.microsoft.com/office/powerpoint/2012/main" xmlns:mc="http://schemas.openxmlformats.org/markup-compatibility/2006" type="twoObj" preserve="1">
   <p:cSld name="Title, 2 Content">
     <p:spTree>
       <p:nvGrpSpPr>
@@ -934,17 +798,15 @@
           </a:prstGeom>
         </p:spPr>
         <p:txBody>
-          <a:bodyPr lIns="0" tIns="0" rIns="0" bIns="0" anchor="ctr"/>
-          <a:lstStyle/>
-          <a:p>
-            <a:pPr algn="ctr"/>
-            <a:endParaRPr lang="en-US" sz="4400" b="0" strike="noStrike" spc="-1">
-              <a:solidFill>
-                <a:srgbClr val="000000"/>
-              </a:solidFill>
-              <a:uFill>
-                <a:solidFill>
-                  <a:srgbClr val="FFFFFF"/>
+          <a:bodyPr lIns="0" rIns="0" tIns="0" bIns="0" anchor="ctr"/>
+          <a:p>
+            <a:endParaRPr b="0" lang="en-US" sz="1800" spc="-1" strike="noStrike">
+              <a:solidFill>
+                <a:srgbClr val="000000"/>
+              </a:solidFill>
+              <a:uFill>
+                <a:solidFill>
+                  <a:srgbClr val="ffffff"/>
                 </a:solidFill>
               </a:uFill>
               <a:latin typeface="Arial"/>
@@ -972,16 +834,15 @@
           </a:prstGeom>
         </p:spPr>
         <p:txBody>
-          <a:bodyPr lIns="0" tIns="0" rIns="0" bIns="0"/>
-          <a:lstStyle/>
-          <a:p>
-            <a:endParaRPr lang="en-US" sz="3200" b="0" strike="noStrike" spc="-1">
-              <a:solidFill>
-                <a:srgbClr val="000000"/>
-              </a:solidFill>
-              <a:uFill>
-                <a:solidFill>
-                  <a:srgbClr val="FFFFFF"/>
+          <a:bodyPr lIns="0" rIns="0" tIns="0" bIns="0"/>
+          <a:p>
+            <a:endParaRPr b="0" lang="en-US" sz="1800" spc="-1" strike="noStrike">
+              <a:solidFill>
+                <a:srgbClr val="000000"/>
+              </a:solidFill>
+              <a:uFill>
+                <a:solidFill>
+                  <a:srgbClr val="ffffff"/>
                 </a:solidFill>
               </a:uFill>
               <a:latin typeface="Arial"/>
@@ -1009,16 +870,15 @@
           </a:prstGeom>
         </p:spPr>
         <p:txBody>
-          <a:bodyPr lIns="0" tIns="0" rIns="0" bIns="0"/>
-          <a:lstStyle/>
-          <a:p>
-            <a:endParaRPr lang="en-US" sz="3200" b="0" strike="noStrike" spc="-1">
-              <a:solidFill>
-                <a:srgbClr val="000000"/>
-              </a:solidFill>
-              <a:uFill>
-                <a:solidFill>
-                  <a:srgbClr val="FFFFFF"/>
+          <a:bodyPr lIns="0" rIns="0" tIns="0" bIns="0"/>
+          <a:p>
+            <a:endParaRPr b="0" lang="en-US" sz="1800" spc="-1" strike="noStrike">
+              <a:solidFill>
+                <a:srgbClr val="000000"/>
+              </a:solidFill>
+              <a:uFill>
+                <a:solidFill>
+                  <a:srgbClr val="ffffff"/>
                 </a:solidFill>
               </a:uFill>
               <a:latin typeface="Arial"/>
@@ -1028,14 +888,11 @@
       </p:sp>
     </p:spTree>
   </p:cSld>
-  <p:clrMapOvr>
-    <a:masterClrMapping/>
-  </p:clrMapOvr>
 </p:sldLayout>
 </file>
 
 <file path=ppt/slideLayouts/slideLayout17.xml><?xml version="1.0" encoding="utf-8"?>
-<p:sldLayout xmlns:a="http://schemas.openxmlformats.org/drawingml/2006/main" xmlns:r="http://schemas.openxmlformats.org/officeDocument/2006/relationships" xmlns:p="http://schemas.openxmlformats.org/presentationml/2006/main" type="titleOnly" preserve="1">
+<p:sldLayout xmlns:a="http://schemas.openxmlformats.org/drawingml/2006/main" xmlns:p="http://schemas.openxmlformats.org/presentationml/2006/main" xmlns:r="http://schemas.openxmlformats.org/officeDocument/2006/relationships" xmlns:p14="http://schemas.microsoft.com/office/powerpoint/2010/main" xmlns:p15="http://schemas.microsoft.com/office/powerpoint/2012/main" xmlns:mc="http://schemas.openxmlformats.org/markup-compatibility/2006" type="titleOnly" preserve="1">
   <p:cSld name="Title Only">
     <p:spTree>
       <p:nvGrpSpPr>
@@ -1071,17 +928,15 @@
           </a:prstGeom>
         </p:spPr>
         <p:txBody>
-          <a:bodyPr lIns="0" tIns="0" rIns="0" bIns="0" anchor="ctr"/>
-          <a:lstStyle/>
-          <a:p>
-            <a:pPr algn="ctr"/>
-            <a:endParaRPr lang="en-US" sz="4400" b="0" strike="noStrike" spc="-1">
-              <a:solidFill>
-                <a:srgbClr val="000000"/>
-              </a:solidFill>
-              <a:uFill>
-                <a:solidFill>
-                  <a:srgbClr val="FFFFFF"/>
+          <a:bodyPr lIns="0" rIns="0" tIns="0" bIns="0" anchor="ctr"/>
+          <a:p>
+            <a:endParaRPr b="0" lang="en-US" sz="1800" spc="-1" strike="noStrike">
+              <a:solidFill>
+                <a:srgbClr val="000000"/>
+              </a:solidFill>
+              <a:uFill>
+                <a:solidFill>
+                  <a:srgbClr val="ffffff"/>
                 </a:solidFill>
               </a:uFill>
               <a:latin typeface="Arial"/>
@@ -1091,14 +946,11 @@
       </p:sp>
     </p:spTree>
   </p:cSld>
-  <p:clrMapOvr>
-    <a:masterClrMapping/>
-  </p:clrMapOvr>
 </p:sldLayout>
 </file>
 
 <file path=ppt/slideLayouts/slideLayout18.xml><?xml version="1.0" encoding="utf-8"?>
-<p:sldLayout xmlns:a="http://schemas.openxmlformats.org/drawingml/2006/main" xmlns:r="http://schemas.openxmlformats.org/officeDocument/2006/relationships" xmlns:p="http://schemas.openxmlformats.org/presentationml/2006/main" type="objOnly" preserve="1">
+<p:sldLayout xmlns:a="http://schemas.openxmlformats.org/drawingml/2006/main" xmlns:p="http://schemas.openxmlformats.org/presentationml/2006/main" xmlns:r="http://schemas.openxmlformats.org/officeDocument/2006/relationships" xmlns:p14="http://schemas.microsoft.com/office/powerpoint/2010/main" xmlns:p15="http://schemas.microsoft.com/office/powerpoint/2012/main" xmlns:mc="http://schemas.openxmlformats.org/markup-compatibility/2006" type="objOnly" preserve="1">
   <p:cSld name="Centered Text">
     <p:spTree>
       <p:nvGrpSpPr>
@@ -1134,17 +986,16 @@
           </a:prstGeom>
         </p:spPr>
         <p:txBody>
-          <a:bodyPr lIns="0" tIns="0" rIns="0" bIns="0" anchor="ctr"/>
-          <a:lstStyle/>
+          <a:bodyPr lIns="0" rIns="0" tIns="0" bIns="0" anchor="ctr"/>
           <a:p>
             <a:pPr algn="ctr"/>
-            <a:endParaRPr lang="en-US" sz="3200" b="0" strike="noStrike" spc="-1">
-              <a:solidFill>
-                <a:srgbClr val="000000"/>
-              </a:solidFill>
-              <a:uFill>
-                <a:solidFill>
-                  <a:srgbClr val="FFFFFF"/>
+            <a:endParaRPr b="0" lang="en-US" sz="3200" spc="-1" strike="noStrike">
+              <a:solidFill>
+                <a:srgbClr val="000000"/>
+              </a:solidFill>
+              <a:uFill>
+                <a:solidFill>
+                  <a:srgbClr val="ffffff"/>
                 </a:solidFill>
               </a:uFill>
               <a:latin typeface="Arial"/>
@@ -1154,14 +1005,11 @@
       </p:sp>
     </p:spTree>
   </p:cSld>
-  <p:clrMapOvr>
-    <a:masterClrMapping/>
-  </p:clrMapOvr>
 </p:sldLayout>
 </file>
 
 <file path=ppt/slideLayouts/slideLayout19.xml><?xml version="1.0" encoding="utf-8"?>
-<p:sldLayout xmlns:a="http://schemas.openxmlformats.org/drawingml/2006/main" xmlns:r="http://schemas.openxmlformats.org/officeDocument/2006/relationships" xmlns:p="http://schemas.openxmlformats.org/presentationml/2006/main" type="twoObjAndObj" preserve="1">
+<p:sldLayout xmlns:a="http://schemas.openxmlformats.org/drawingml/2006/main" xmlns:p="http://schemas.openxmlformats.org/presentationml/2006/main" xmlns:r="http://schemas.openxmlformats.org/officeDocument/2006/relationships" xmlns:p14="http://schemas.microsoft.com/office/powerpoint/2010/main" xmlns:p15="http://schemas.microsoft.com/office/powerpoint/2012/main" xmlns:mc="http://schemas.openxmlformats.org/markup-compatibility/2006" type="twoObjAndObj" preserve="1">
   <p:cSld name="Title, 2 Content and Content">
     <p:spTree>
       <p:nvGrpSpPr>
@@ -1197,17 +1045,15 @@
           </a:prstGeom>
         </p:spPr>
         <p:txBody>
-          <a:bodyPr lIns="0" tIns="0" rIns="0" bIns="0" anchor="ctr"/>
-          <a:lstStyle/>
-          <a:p>
-            <a:pPr algn="ctr"/>
-            <a:endParaRPr lang="en-US" sz="4400" b="0" strike="noStrike" spc="-1">
-              <a:solidFill>
-                <a:srgbClr val="000000"/>
-              </a:solidFill>
-              <a:uFill>
-                <a:solidFill>
-                  <a:srgbClr val="FFFFFF"/>
+          <a:bodyPr lIns="0" rIns="0" tIns="0" bIns="0" anchor="ctr"/>
+          <a:p>
+            <a:endParaRPr b="0" lang="en-US" sz="1800" spc="-1" strike="noStrike">
+              <a:solidFill>
+                <a:srgbClr val="000000"/>
+              </a:solidFill>
+              <a:uFill>
+                <a:solidFill>
+                  <a:srgbClr val="ffffff"/>
                 </a:solidFill>
               </a:uFill>
               <a:latin typeface="Arial"/>
@@ -1235,16 +1081,15 @@
           </a:prstGeom>
         </p:spPr>
         <p:txBody>
-          <a:bodyPr lIns="0" tIns="0" rIns="0" bIns="0"/>
-          <a:lstStyle/>
-          <a:p>
-            <a:endParaRPr lang="en-US" sz="3200" b="0" strike="noStrike" spc="-1">
-              <a:solidFill>
-                <a:srgbClr val="000000"/>
-              </a:solidFill>
-              <a:uFill>
-                <a:solidFill>
-                  <a:srgbClr val="FFFFFF"/>
+          <a:bodyPr lIns="0" rIns="0" tIns="0" bIns="0"/>
+          <a:p>
+            <a:endParaRPr b="0" lang="en-US" sz="1800" spc="-1" strike="noStrike">
+              <a:solidFill>
+                <a:srgbClr val="000000"/>
+              </a:solidFill>
+              <a:uFill>
+                <a:solidFill>
+                  <a:srgbClr val="ffffff"/>
                 </a:solidFill>
               </a:uFill>
               <a:latin typeface="Arial"/>
@@ -1272,16 +1117,15 @@
           </a:prstGeom>
         </p:spPr>
         <p:txBody>
-          <a:bodyPr lIns="0" tIns="0" rIns="0" bIns="0"/>
-          <a:lstStyle/>
-          <a:p>
-            <a:endParaRPr lang="en-US" sz="3200" b="0" strike="noStrike" spc="-1">
-              <a:solidFill>
-                <a:srgbClr val="000000"/>
-              </a:solidFill>
-              <a:uFill>
-                <a:solidFill>
-                  <a:srgbClr val="FFFFFF"/>
+          <a:bodyPr lIns="0" rIns="0" tIns="0" bIns="0"/>
+          <a:p>
+            <a:endParaRPr b="0" lang="en-US" sz="1800" spc="-1" strike="noStrike">
+              <a:solidFill>
+                <a:srgbClr val="000000"/>
+              </a:solidFill>
+              <a:uFill>
+                <a:solidFill>
+                  <a:srgbClr val="ffffff"/>
                 </a:solidFill>
               </a:uFill>
               <a:latin typeface="Arial"/>
@@ -1309,16 +1153,15 @@
           </a:prstGeom>
         </p:spPr>
         <p:txBody>
-          <a:bodyPr lIns="0" tIns="0" rIns="0" bIns="0"/>
-          <a:lstStyle/>
-          <a:p>
-            <a:endParaRPr lang="en-US" sz="3200" b="0" strike="noStrike" spc="-1">
-              <a:solidFill>
-                <a:srgbClr val="000000"/>
-              </a:solidFill>
-              <a:uFill>
-                <a:solidFill>
-                  <a:srgbClr val="FFFFFF"/>
+          <a:bodyPr lIns="0" rIns="0" tIns="0" bIns="0"/>
+          <a:p>
+            <a:endParaRPr b="0" lang="en-US" sz="1800" spc="-1" strike="noStrike">
+              <a:solidFill>
+                <a:srgbClr val="000000"/>
+              </a:solidFill>
+              <a:uFill>
+                <a:solidFill>
+                  <a:srgbClr val="ffffff"/>
                 </a:solidFill>
               </a:uFill>
               <a:latin typeface="Arial"/>
@@ -1328,14 +1171,11 @@
       </p:sp>
     </p:spTree>
   </p:cSld>
-  <p:clrMapOvr>
-    <a:masterClrMapping/>
-  </p:clrMapOvr>
 </p:sldLayout>
 </file>
 
 <file path=ppt/slideLayouts/slideLayout2.xml><?xml version="1.0" encoding="utf-8"?>
-<p:sldLayout xmlns:a="http://schemas.openxmlformats.org/drawingml/2006/main" xmlns:r="http://schemas.openxmlformats.org/officeDocument/2006/relationships" xmlns:p="http://schemas.openxmlformats.org/presentationml/2006/main" type="tx" preserve="1">
+<p:sldLayout xmlns:a="http://schemas.openxmlformats.org/drawingml/2006/main" xmlns:p="http://schemas.openxmlformats.org/presentationml/2006/main" xmlns:r="http://schemas.openxmlformats.org/officeDocument/2006/relationships" xmlns:p14="http://schemas.microsoft.com/office/powerpoint/2010/main" xmlns:p15="http://schemas.microsoft.com/office/powerpoint/2012/main" xmlns:mc="http://schemas.openxmlformats.org/markup-compatibility/2006" type="tx" preserve="1">
   <p:cSld name="Title Slide">
     <p:spTree>
       <p:nvGrpSpPr>
@@ -1371,17 +1211,15 @@
           </a:prstGeom>
         </p:spPr>
         <p:txBody>
-          <a:bodyPr lIns="0" tIns="0" rIns="0" bIns="0" anchor="ctr"/>
-          <a:lstStyle/>
-          <a:p>
-            <a:pPr algn="ctr"/>
-            <a:endParaRPr lang="en-US" sz="4400" b="0" strike="noStrike" spc="-1">
-              <a:solidFill>
-                <a:srgbClr val="000000"/>
-              </a:solidFill>
-              <a:uFill>
-                <a:solidFill>
-                  <a:srgbClr val="FFFFFF"/>
+          <a:bodyPr lIns="0" rIns="0" tIns="0" bIns="0" anchor="ctr"/>
+          <a:p>
+            <a:endParaRPr b="0" lang="en-US" sz="1800" spc="-1" strike="noStrike">
+              <a:solidFill>
+                <a:srgbClr val="000000"/>
+              </a:solidFill>
+              <a:uFill>
+                <a:solidFill>
+                  <a:srgbClr val="ffffff"/>
                 </a:solidFill>
               </a:uFill>
               <a:latin typeface="Arial"/>
@@ -1409,17 +1247,16 @@
           </a:prstGeom>
         </p:spPr>
         <p:txBody>
-          <a:bodyPr lIns="0" tIns="0" rIns="0" bIns="0" anchor="ctr"/>
-          <a:lstStyle/>
+          <a:bodyPr lIns="0" rIns="0" tIns="0" bIns="0" anchor="ctr"/>
           <a:p>
             <a:pPr algn="ctr"/>
-            <a:endParaRPr lang="en-US" sz="3200" b="0" strike="noStrike" spc="-1">
-              <a:solidFill>
-                <a:srgbClr val="000000"/>
-              </a:solidFill>
-              <a:uFill>
-                <a:solidFill>
-                  <a:srgbClr val="FFFFFF"/>
+            <a:endParaRPr b="0" lang="en-US" sz="3200" spc="-1" strike="noStrike">
+              <a:solidFill>
+                <a:srgbClr val="000000"/>
+              </a:solidFill>
+              <a:uFill>
+                <a:solidFill>
+                  <a:srgbClr val="ffffff"/>
                 </a:solidFill>
               </a:uFill>
               <a:latin typeface="Arial"/>
@@ -1429,14 +1266,11 @@
       </p:sp>
     </p:spTree>
   </p:cSld>
-  <p:clrMapOvr>
-    <a:masterClrMapping/>
-  </p:clrMapOvr>
 </p:sldLayout>
 </file>
 
 <file path=ppt/slideLayouts/slideLayout20.xml><?xml version="1.0" encoding="utf-8"?>
-<p:sldLayout xmlns:a="http://schemas.openxmlformats.org/drawingml/2006/main" xmlns:r="http://schemas.openxmlformats.org/officeDocument/2006/relationships" xmlns:p="http://schemas.openxmlformats.org/presentationml/2006/main" type="objAndTwoObj" preserve="1">
+<p:sldLayout xmlns:a="http://schemas.openxmlformats.org/drawingml/2006/main" xmlns:p="http://schemas.openxmlformats.org/presentationml/2006/main" xmlns:r="http://schemas.openxmlformats.org/officeDocument/2006/relationships" xmlns:p14="http://schemas.microsoft.com/office/powerpoint/2010/main" xmlns:p15="http://schemas.microsoft.com/office/powerpoint/2012/main" xmlns:mc="http://schemas.openxmlformats.org/markup-compatibility/2006" type="objAndTwoObj" preserve="1">
   <p:cSld name="Title Content and 2 Content">
     <p:spTree>
       <p:nvGrpSpPr>
@@ -1472,17 +1306,15 @@
           </a:prstGeom>
         </p:spPr>
         <p:txBody>
-          <a:bodyPr lIns="0" tIns="0" rIns="0" bIns="0" anchor="ctr"/>
-          <a:lstStyle/>
-          <a:p>
-            <a:pPr algn="ctr"/>
-            <a:endParaRPr lang="en-US" sz="4400" b="0" strike="noStrike" spc="-1">
-              <a:solidFill>
-                <a:srgbClr val="000000"/>
-              </a:solidFill>
-              <a:uFill>
-                <a:solidFill>
-                  <a:srgbClr val="FFFFFF"/>
+          <a:bodyPr lIns="0" rIns="0" tIns="0" bIns="0" anchor="ctr"/>
+          <a:p>
+            <a:endParaRPr b="0" lang="en-US" sz="1800" spc="-1" strike="noStrike">
+              <a:solidFill>
+                <a:srgbClr val="000000"/>
+              </a:solidFill>
+              <a:uFill>
+                <a:solidFill>
+                  <a:srgbClr val="ffffff"/>
                 </a:solidFill>
               </a:uFill>
               <a:latin typeface="Arial"/>
@@ -1510,16 +1342,15 @@
           </a:prstGeom>
         </p:spPr>
         <p:txBody>
-          <a:bodyPr lIns="0" tIns="0" rIns="0" bIns="0"/>
-          <a:lstStyle/>
-          <a:p>
-            <a:endParaRPr lang="en-US" sz="3200" b="0" strike="noStrike" spc="-1">
-              <a:solidFill>
-                <a:srgbClr val="000000"/>
-              </a:solidFill>
-              <a:uFill>
-                <a:solidFill>
-                  <a:srgbClr val="FFFFFF"/>
+          <a:bodyPr lIns="0" rIns="0" tIns="0" bIns="0"/>
+          <a:p>
+            <a:endParaRPr b="0" lang="en-US" sz="1800" spc="-1" strike="noStrike">
+              <a:solidFill>
+                <a:srgbClr val="000000"/>
+              </a:solidFill>
+              <a:uFill>
+                <a:solidFill>
+                  <a:srgbClr val="ffffff"/>
                 </a:solidFill>
               </a:uFill>
               <a:latin typeface="Arial"/>
@@ -1547,16 +1378,15 @@
           </a:prstGeom>
         </p:spPr>
         <p:txBody>
-          <a:bodyPr lIns="0" tIns="0" rIns="0" bIns="0"/>
-          <a:lstStyle/>
-          <a:p>
-            <a:endParaRPr lang="en-US" sz="3200" b="0" strike="noStrike" spc="-1">
-              <a:solidFill>
-                <a:srgbClr val="000000"/>
-              </a:solidFill>
-              <a:uFill>
-                <a:solidFill>
-                  <a:srgbClr val="FFFFFF"/>
+          <a:bodyPr lIns="0" rIns="0" tIns="0" bIns="0"/>
+          <a:p>
+            <a:endParaRPr b="0" lang="en-US" sz="1800" spc="-1" strike="noStrike">
+              <a:solidFill>
+                <a:srgbClr val="000000"/>
+              </a:solidFill>
+              <a:uFill>
+                <a:solidFill>
+                  <a:srgbClr val="ffffff"/>
                 </a:solidFill>
               </a:uFill>
               <a:latin typeface="Arial"/>
@@ -1584,16 +1414,15 @@
           </a:prstGeom>
         </p:spPr>
         <p:txBody>
-          <a:bodyPr lIns="0" tIns="0" rIns="0" bIns="0"/>
-          <a:lstStyle/>
-          <a:p>
-            <a:endParaRPr lang="en-US" sz="3200" b="0" strike="noStrike" spc="-1">
-              <a:solidFill>
-                <a:srgbClr val="000000"/>
-              </a:solidFill>
-              <a:uFill>
-                <a:solidFill>
-                  <a:srgbClr val="FFFFFF"/>
+          <a:bodyPr lIns="0" rIns="0" tIns="0" bIns="0"/>
+          <a:p>
+            <a:endParaRPr b="0" lang="en-US" sz="1800" spc="-1" strike="noStrike">
+              <a:solidFill>
+                <a:srgbClr val="000000"/>
+              </a:solidFill>
+              <a:uFill>
+                <a:solidFill>
+                  <a:srgbClr val="ffffff"/>
                 </a:solidFill>
               </a:uFill>
               <a:latin typeface="Arial"/>
@@ -1603,14 +1432,11 @@
       </p:sp>
     </p:spTree>
   </p:cSld>
-  <p:clrMapOvr>
-    <a:masterClrMapping/>
-  </p:clrMapOvr>
 </p:sldLayout>
 </file>
 
 <file path=ppt/slideLayouts/slideLayout21.xml><?xml version="1.0" encoding="utf-8"?>
-<p:sldLayout xmlns:a="http://schemas.openxmlformats.org/drawingml/2006/main" xmlns:r="http://schemas.openxmlformats.org/officeDocument/2006/relationships" xmlns:p="http://schemas.openxmlformats.org/presentationml/2006/main" type="twoObjOverTx" preserve="1">
+<p:sldLayout xmlns:a="http://schemas.openxmlformats.org/drawingml/2006/main" xmlns:p="http://schemas.openxmlformats.org/presentationml/2006/main" xmlns:r="http://schemas.openxmlformats.org/officeDocument/2006/relationships" xmlns:p14="http://schemas.microsoft.com/office/powerpoint/2010/main" xmlns:p15="http://schemas.microsoft.com/office/powerpoint/2012/main" xmlns:mc="http://schemas.openxmlformats.org/markup-compatibility/2006" type="twoObjOverTx" preserve="1">
   <p:cSld name="Title, 2 Content over Content">
     <p:spTree>
       <p:nvGrpSpPr>
@@ -1646,17 +1472,15 @@
           </a:prstGeom>
         </p:spPr>
         <p:txBody>
-          <a:bodyPr lIns="0" tIns="0" rIns="0" bIns="0" anchor="ctr"/>
-          <a:lstStyle/>
-          <a:p>
-            <a:pPr algn="ctr"/>
-            <a:endParaRPr lang="en-US" sz="4400" b="0" strike="noStrike" spc="-1">
-              <a:solidFill>
-                <a:srgbClr val="000000"/>
-              </a:solidFill>
-              <a:uFill>
-                <a:solidFill>
-                  <a:srgbClr val="FFFFFF"/>
+          <a:bodyPr lIns="0" rIns="0" tIns="0" bIns="0" anchor="ctr"/>
+          <a:p>
+            <a:endParaRPr b="0" lang="en-US" sz="1800" spc="-1" strike="noStrike">
+              <a:solidFill>
+                <a:srgbClr val="000000"/>
+              </a:solidFill>
+              <a:uFill>
+                <a:solidFill>
+                  <a:srgbClr val="ffffff"/>
                 </a:solidFill>
               </a:uFill>
               <a:latin typeface="Arial"/>
@@ -1684,16 +1508,15 @@
           </a:prstGeom>
         </p:spPr>
         <p:txBody>
-          <a:bodyPr lIns="0" tIns="0" rIns="0" bIns="0"/>
-          <a:lstStyle/>
-          <a:p>
-            <a:endParaRPr lang="en-US" sz="3200" b="0" strike="noStrike" spc="-1">
-              <a:solidFill>
-                <a:srgbClr val="000000"/>
-              </a:solidFill>
-              <a:uFill>
-                <a:solidFill>
-                  <a:srgbClr val="FFFFFF"/>
+          <a:bodyPr lIns="0" rIns="0" tIns="0" bIns="0"/>
+          <a:p>
+            <a:endParaRPr b="0" lang="en-US" sz="1800" spc="-1" strike="noStrike">
+              <a:solidFill>
+                <a:srgbClr val="000000"/>
+              </a:solidFill>
+              <a:uFill>
+                <a:solidFill>
+                  <a:srgbClr val="ffffff"/>
                 </a:solidFill>
               </a:uFill>
               <a:latin typeface="Arial"/>
@@ -1721,16 +1544,15 @@
           </a:prstGeom>
         </p:spPr>
         <p:txBody>
-          <a:bodyPr lIns="0" tIns="0" rIns="0" bIns="0"/>
-          <a:lstStyle/>
-          <a:p>
-            <a:endParaRPr lang="en-US" sz="3200" b="0" strike="noStrike" spc="-1">
-              <a:solidFill>
-                <a:srgbClr val="000000"/>
-              </a:solidFill>
-              <a:uFill>
-                <a:solidFill>
-                  <a:srgbClr val="FFFFFF"/>
+          <a:bodyPr lIns="0" rIns="0" tIns="0" bIns="0"/>
+          <a:p>
+            <a:endParaRPr b="0" lang="en-US" sz="1800" spc="-1" strike="noStrike">
+              <a:solidFill>
+                <a:srgbClr val="000000"/>
+              </a:solidFill>
+              <a:uFill>
+                <a:solidFill>
+                  <a:srgbClr val="ffffff"/>
                 </a:solidFill>
               </a:uFill>
               <a:latin typeface="Arial"/>
@@ -1758,16 +1580,15 @@
           </a:prstGeom>
         </p:spPr>
         <p:txBody>
-          <a:bodyPr lIns="0" tIns="0" rIns="0" bIns="0"/>
-          <a:lstStyle/>
-          <a:p>
-            <a:endParaRPr lang="en-US" sz="3200" b="0" strike="noStrike" spc="-1">
-              <a:solidFill>
-                <a:srgbClr val="000000"/>
-              </a:solidFill>
-              <a:uFill>
-                <a:solidFill>
-                  <a:srgbClr val="FFFFFF"/>
+          <a:bodyPr lIns="0" rIns="0" tIns="0" bIns="0"/>
+          <a:p>
+            <a:endParaRPr b="0" lang="en-US" sz="1800" spc="-1" strike="noStrike">
+              <a:solidFill>
+                <a:srgbClr val="000000"/>
+              </a:solidFill>
+              <a:uFill>
+                <a:solidFill>
+                  <a:srgbClr val="ffffff"/>
                 </a:solidFill>
               </a:uFill>
               <a:latin typeface="Arial"/>
@@ -1777,14 +1598,11 @@
       </p:sp>
     </p:spTree>
   </p:cSld>
-  <p:clrMapOvr>
-    <a:masterClrMapping/>
-  </p:clrMapOvr>
 </p:sldLayout>
 </file>
 
 <file path=ppt/slideLayouts/slideLayout22.xml><?xml version="1.0" encoding="utf-8"?>
-<p:sldLayout xmlns:a="http://schemas.openxmlformats.org/drawingml/2006/main" xmlns:r="http://schemas.openxmlformats.org/officeDocument/2006/relationships" xmlns:p="http://schemas.openxmlformats.org/presentationml/2006/main" type="objOverTx" preserve="1">
+<p:sldLayout xmlns:a="http://schemas.openxmlformats.org/drawingml/2006/main" xmlns:p="http://schemas.openxmlformats.org/presentationml/2006/main" xmlns:r="http://schemas.openxmlformats.org/officeDocument/2006/relationships" xmlns:p14="http://schemas.microsoft.com/office/powerpoint/2010/main" xmlns:p15="http://schemas.microsoft.com/office/powerpoint/2012/main" xmlns:mc="http://schemas.openxmlformats.org/markup-compatibility/2006" type="objOverTx" preserve="1">
   <p:cSld name="Title, Content over Content">
     <p:spTree>
       <p:nvGrpSpPr>
@@ -1820,17 +1638,15 @@
           </a:prstGeom>
         </p:spPr>
         <p:txBody>
-          <a:bodyPr lIns="0" tIns="0" rIns="0" bIns="0" anchor="ctr"/>
-          <a:lstStyle/>
-          <a:p>
-            <a:pPr algn="ctr"/>
-            <a:endParaRPr lang="en-US" sz="4400" b="0" strike="noStrike" spc="-1">
-              <a:solidFill>
-                <a:srgbClr val="000000"/>
-              </a:solidFill>
-              <a:uFill>
-                <a:solidFill>
-                  <a:srgbClr val="FFFFFF"/>
+          <a:bodyPr lIns="0" rIns="0" tIns="0" bIns="0" anchor="ctr"/>
+          <a:p>
+            <a:endParaRPr b="0" lang="en-US" sz="1800" spc="-1" strike="noStrike">
+              <a:solidFill>
+                <a:srgbClr val="000000"/>
+              </a:solidFill>
+              <a:uFill>
+                <a:solidFill>
+                  <a:srgbClr val="ffffff"/>
                 </a:solidFill>
               </a:uFill>
               <a:latin typeface="Arial"/>
@@ -1858,16 +1674,15 @@
           </a:prstGeom>
         </p:spPr>
         <p:txBody>
-          <a:bodyPr lIns="0" tIns="0" rIns="0" bIns="0"/>
-          <a:lstStyle/>
-          <a:p>
-            <a:endParaRPr lang="en-US" sz="3200" b="0" strike="noStrike" spc="-1">
-              <a:solidFill>
-                <a:srgbClr val="000000"/>
-              </a:solidFill>
-              <a:uFill>
-                <a:solidFill>
-                  <a:srgbClr val="FFFFFF"/>
+          <a:bodyPr lIns="0" rIns="0" tIns="0" bIns="0"/>
+          <a:p>
+            <a:endParaRPr b="0" lang="en-US" sz="1800" spc="-1" strike="noStrike">
+              <a:solidFill>
+                <a:srgbClr val="000000"/>
+              </a:solidFill>
+              <a:uFill>
+                <a:solidFill>
+                  <a:srgbClr val="ffffff"/>
                 </a:solidFill>
               </a:uFill>
               <a:latin typeface="Arial"/>
@@ -1895,16 +1710,15 @@
           </a:prstGeom>
         </p:spPr>
         <p:txBody>
-          <a:bodyPr lIns="0" tIns="0" rIns="0" bIns="0"/>
-          <a:lstStyle/>
-          <a:p>
-            <a:endParaRPr lang="en-US" sz="3200" b="0" strike="noStrike" spc="-1">
-              <a:solidFill>
-                <a:srgbClr val="000000"/>
-              </a:solidFill>
-              <a:uFill>
-                <a:solidFill>
-                  <a:srgbClr val="FFFFFF"/>
+          <a:bodyPr lIns="0" rIns="0" tIns="0" bIns="0"/>
+          <a:p>
+            <a:endParaRPr b="0" lang="en-US" sz="1800" spc="-1" strike="noStrike">
+              <a:solidFill>
+                <a:srgbClr val="000000"/>
+              </a:solidFill>
+              <a:uFill>
+                <a:solidFill>
+                  <a:srgbClr val="ffffff"/>
                 </a:solidFill>
               </a:uFill>
               <a:latin typeface="Arial"/>
@@ -1914,14 +1728,11 @@
       </p:sp>
     </p:spTree>
   </p:cSld>
-  <p:clrMapOvr>
-    <a:masterClrMapping/>
-  </p:clrMapOvr>
 </p:sldLayout>
 </file>
 
 <file path=ppt/slideLayouts/slideLayout23.xml><?xml version="1.0" encoding="utf-8"?>
-<p:sldLayout xmlns:a="http://schemas.openxmlformats.org/drawingml/2006/main" xmlns:r="http://schemas.openxmlformats.org/officeDocument/2006/relationships" xmlns:p="http://schemas.openxmlformats.org/presentationml/2006/main" type="fourObj" preserve="1">
+<p:sldLayout xmlns:a="http://schemas.openxmlformats.org/drawingml/2006/main" xmlns:p="http://schemas.openxmlformats.org/presentationml/2006/main" xmlns:r="http://schemas.openxmlformats.org/officeDocument/2006/relationships" xmlns:p14="http://schemas.microsoft.com/office/powerpoint/2010/main" xmlns:p15="http://schemas.microsoft.com/office/powerpoint/2012/main" xmlns:mc="http://schemas.openxmlformats.org/markup-compatibility/2006" type="fourObj" preserve="1">
   <p:cSld name="Title, 4 Content">
     <p:spTree>
       <p:nvGrpSpPr>
@@ -1957,17 +1768,15 @@
           </a:prstGeom>
         </p:spPr>
         <p:txBody>
-          <a:bodyPr lIns="0" tIns="0" rIns="0" bIns="0" anchor="ctr"/>
-          <a:lstStyle/>
-          <a:p>
-            <a:pPr algn="ctr"/>
-            <a:endParaRPr lang="en-US" sz="4400" b="0" strike="noStrike" spc="-1">
-              <a:solidFill>
-                <a:srgbClr val="000000"/>
-              </a:solidFill>
-              <a:uFill>
-                <a:solidFill>
-                  <a:srgbClr val="FFFFFF"/>
+          <a:bodyPr lIns="0" rIns="0" tIns="0" bIns="0" anchor="ctr"/>
+          <a:p>
+            <a:endParaRPr b="0" lang="en-US" sz="1800" spc="-1" strike="noStrike">
+              <a:solidFill>
+                <a:srgbClr val="000000"/>
+              </a:solidFill>
+              <a:uFill>
+                <a:solidFill>
+                  <a:srgbClr val="ffffff"/>
                 </a:solidFill>
               </a:uFill>
               <a:latin typeface="Arial"/>
@@ -1995,16 +1804,15 @@
           </a:prstGeom>
         </p:spPr>
         <p:txBody>
-          <a:bodyPr lIns="0" tIns="0" rIns="0" bIns="0"/>
-          <a:lstStyle/>
-          <a:p>
-            <a:endParaRPr lang="en-US" sz="3200" b="0" strike="noStrike" spc="-1">
-              <a:solidFill>
-                <a:srgbClr val="000000"/>
-              </a:solidFill>
-              <a:uFill>
-                <a:solidFill>
-                  <a:srgbClr val="FFFFFF"/>
+          <a:bodyPr lIns="0" rIns="0" tIns="0" bIns="0"/>
+          <a:p>
+            <a:endParaRPr b="0" lang="en-US" sz="1800" spc="-1" strike="noStrike">
+              <a:solidFill>
+                <a:srgbClr val="000000"/>
+              </a:solidFill>
+              <a:uFill>
+                <a:solidFill>
+                  <a:srgbClr val="ffffff"/>
                 </a:solidFill>
               </a:uFill>
               <a:latin typeface="Arial"/>
@@ -2032,16 +1840,15 @@
           </a:prstGeom>
         </p:spPr>
         <p:txBody>
-          <a:bodyPr lIns="0" tIns="0" rIns="0" bIns="0"/>
-          <a:lstStyle/>
-          <a:p>
-            <a:endParaRPr lang="en-US" sz="3200" b="0" strike="noStrike" spc="-1">
-              <a:solidFill>
-                <a:srgbClr val="000000"/>
-              </a:solidFill>
-              <a:uFill>
-                <a:solidFill>
-                  <a:srgbClr val="FFFFFF"/>
+          <a:bodyPr lIns="0" rIns="0" tIns="0" bIns="0"/>
+          <a:p>
+            <a:endParaRPr b="0" lang="en-US" sz="1800" spc="-1" strike="noStrike">
+              <a:solidFill>
+                <a:srgbClr val="000000"/>
+              </a:solidFill>
+              <a:uFill>
+                <a:solidFill>
+                  <a:srgbClr val="ffffff"/>
                 </a:solidFill>
               </a:uFill>
               <a:latin typeface="Arial"/>
@@ -2069,16 +1876,15 @@
           </a:prstGeom>
         </p:spPr>
         <p:txBody>
-          <a:bodyPr lIns="0" tIns="0" rIns="0" bIns="0"/>
-          <a:lstStyle/>
-          <a:p>
-            <a:endParaRPr lang="en-US" sz="3200" b="0" strike="noStrike" spc="-1">
-              <a:solidFill>
-                <a:srgbClr val="000000"/>
-              </a:solidFill>
-              <a:uFill>
-                <a:solidFill>
-                  <a:srgbClr val="FFFFFF"/>
+          <a:bodyPr lIns="0" rIns="0" tIns="0" bIns="0"/>
+          <a:p>
+            <a:endParaRPr b="0" lang="en-US" sz="1800" spc="-1" strike="noStrike">
+              <a:solidFill>
+                <a:srgbClr val="000000"/>
+              </a:solidFill>
+              <a:uFill>
+                <a:solidFill>
+                  <a:srgbClr val="ffffff"/>
                 </a:solidFill>
               </a:uFill>
               <a:latin typeface="Arial"/>
@@ -2106,16 +1912,15 @@
           </a:prstGeom>
         </p:spPr>
         <p:txBody>
-          <a:bodyPr lIns="0" tIns="0" rIns="0" bIns="0"/>
-          <a:lstStyle/>
-          <a:p>
-            <a:endParaRPr lang="en-US" sz="3200" b="0" strike="noStrike" spc="-1">
-              <a:solidFill>
-                <a:srgbClr val="000000"/>
-              </a:solidFill>
-              <a:uFill>
-                <a:solidFill>
-                  <a:srgbClr val="FFFFFF"/>
+          <a:bodyPr lIns="0" rIns="0" tIns="0" bIns="0"/>
+          <a:p>
+            <a:endParaRPr b="0" lang="en-US" sz="1800" spc="-1" strike="noStrike">
+              <a:solidFill>
+                <a:srgbClr val="000000"/>
+              </a:solidFill>
+              <a:uFill>
+                <a:solidFill>
+                  <a:srgbClr val="ffffff"/>
                 </a:solidFill>
               </a:uFill>
               <a:latin typeface="Arial"/>
@@ -2125,14 +1930,11 @@
       </p:sp>
     </p:spTree>
   </p:cSld>
-  <p:clrMapOvr>
-    <a:masterClrMapping/>
-  </p:clrMapOvr>
 </p:sldLayout>
 </file>
 
 <file path=ppt/slideLayouts/slideLayout24.xml><?xml version="1.0" encoding="utf-8"?>
-<p:sldLayout xmlns:a="http://schemas.openxmlformats.org/drawingml/2006/main" xmlns:r="http://schemas.openxmlformats.org/officeDocument/2006/relationships" xmlns:p="http://schemas.openxmlformats.org/presentationml/2006/main" type="blank" preserve="1">
+<p:sldLayout xmlns:a="http://schemas.openxmlformats.org/drawingml/2006/main" xmlns:p="http://schemas.openxmlformats.org/presentationml/2006/main" xmlns:r="http://schemas.openxmlformats.org/officeDocument/2006/relationships" xmlns:p14="http://schemas.microsoft.com/office/powerpoint/2010/main" xmlns:p15="http://schemas.microsoft.com/office/powerpoint/2012/main" xmlns:mc="http://schemas.openxmlformats.org/markup-compatibility/2006" type="blank" preserve="1">
   <p:cSld name="Title, 6 Content">
     <p:spTree>
       <p:nvGrpSpPr>
@@ -2168,17 +1970,15 @@
           </a:prstGeom>
         </p:spPr>
         <p:txBody>
-          <a:bodyPr lIns="0" tIns="0" rIns="0" bIns="0" anchor="ctr"/>
-          <a:lstStyle/>
-          <a:p>
-            <a:pPr algn="ctr"/>
-            <a:endParaRPr lang="en-US" sz="4400" b="0" strike="noStrike" spc="-1">
-              <a:solidFill>
-                <a:srgbClr val="000000"/>
-              </a:solidFill>
-              <a:uFill>
-                <a:solidFill>
-                  <a:srgbClr val="FFFFFF"/>
+          <a:bodyPr lIns="0" rIns="0" tIns="0" bIns="0" anchor="ctr"/>
+          <a:p>
+            <a:endParaRPr b="0" lang="en-US" sz="1800" spc="-1" strike="noStrike">
+              <a:solidFill>
+                <a:srgbClr val="000000"/>
+              </a:solidFill>
+              <a:uFill>
+                <a:solidFill>
+                  <a:srgbClr val="ffffff"/>
                 </a:solidFill>
               </a:uFill>
               <a:latin typeface="Arial"/>
@@ -2206,16 +2006,15 @@
           </a:prstGeom>
         </p:spPr>
         <p:txBody>
-          <a:bodyPr lIns="0" tIns="0" rIns="0" bIns="0"/>
-          <a:lstStyle/>
-          <a:p>
-            <a:endParaRPr lang="en-US" sz="3200" b="0" strike="noStrike" spc="-1">
-              <a:solidFill>
-                <a:srgbClr val="000000"/>
-              </a:solidFill>
-              <a:uFill>
-                <a:solidFill>
-                  <a:srgbClr val="FFFFFF"/>
+          <a:bodyPr lIns="0" rIns="0" tIns="0" bIns="0"/>
+          <a:p>
+            <a:endParaRPr b="0" lang="en-US" sz="1800" spc="-1" strike="noStrike">
+              <a:solidFill>
+                <a:srgbClr val="000000"/>
+              </a:solidFill>
+              <a:uFill>
+                <a:solidFill>
+                  <a:srgbClr val="ffffff"/>
                 </a:solidFill>
               </a:uFill>
               <a:latin typeface="Arial"/>
@@ -2243,16 +2042,15 @@
           </a:prstGeom>
         </p:spPr>
         <p:txBody>
-          <a:bodyPr lIns="0" tIns="0" rIns="0" bIns="0"/>
-          <a:lstStyle/>
-          <a:p>
-            <a:endParaRPr lang="en-US" sz="3200" b="0" strike="noStrike" spc="-1">
-              <a:solidFill>
-                <a:srgbClr val="000000"/>
-              </a:solidFill>
-              <a:uFill>
-                <a:solidFill>
-                  <a:srgbClr val="FFFFFF"/>
+          <a:bodyPr lIns="0" rIns="0" tIns="0" bIns="0"/>
+          <a:p>
+            <a:endParaRPr b="0" lang="en-US" sz="1800" spc="-1" strike="noStrike">
+              <a:solidFill>
+                <a:srgbClr val="000000"/>
+              </a:solidFill>
+              <a:uFill>
+                <a:solidFill>
+                  <a:srgbClr val="ffffff"/>
                 </a:solidFill>
               </a:uFill>
               <a:latin typeface="Arial"/>
@@ -2262,7 +2060,7 @@
       </p:sp>
       <p:pic>
         <p:nvPicPr>
-          <p:cNvPr id="72" name="Picture 71"/>
+          <p:cNvPr id="72" name="" descr=""/>
           <p:cNvPicPr/>
           <p:nvPr/>
         </p:nvPicPr>
@@ -2285,12 +2083,12 @@
       </p:pic>
       <p:pic>
         <p:nvPicPr>
-          <p:cNvPr id="73" name="Picture 72"/>
+          <p:cNvPr id="73" name="" descr=""/>
           <p:cNvPicPr/>
           <p:nvPr/>
         </p:nvPicPr>
         <p:blipFill>
-          <a:blip r:embed="rId2"/>
+          <a:blip r:embed="rId3"/>
           <a:stretch/>
         </p:blipFill>
         <p:spPr>
@@ -2308,14 +2106,11 @@
       </p:pic>
     </p:spTree>
   </p:cSld>
-  <p:clrMapOvr>
-    <a:masterClrMapping/>
-  </p:clrMapOvr>
 </p:sldLayout>
 </file>
 
 <file path=ppt/slideLayouts/slideLayout3.xml><?xml version="1.0" encoding="utf-8"?>
-<p:sldLayout xmlns:a="http://schemas.openxmlformats.org/drawingml/2006/main" xmlns:r="http://schemas.openxmlformats.org/officeDocument/2006/relationships" xmlns:p="http://schemas.openxmlformats.org/presentationml/2006/main" type="obj" preserve="1">
+<p:sldLayout xmlns:a="http://schemas.openxmlformats.org/drawingml/2006/main" xmlns:p="http://schemas.openxmlformats.org/presentationml/2006/main" xmlns:r="http://schemas.openxmlformats.org/officeDocument/2006/relationships" xmlns:p14="http://schemas.microsoft.com/office/powerpoint/2010/main" xmlns:p15="http://schemas.microsoft.com/office/powerpoint/2012/main" xmlns:mc="http://schemas.openxmlformats.org/markup-compatibility/2006" type="obj" preserve="1">
   <p:cSld name="Title, Content">
     <p:spTree>
       <p:nvGrpSpPr>
@@ -2351,17 +2146,15 @@
           </a:prstGeom>
         </p:spPr>
         <p:txBody>
-          <a:bodyPr lIns="0" tIns="0" rIns="0" bIns="0" anchor="ctr"/>
-          <a:lstStyle/>
-          <a:p>
-            <a:pPr algn="ctr"/>
-            <a:endParaRPr lang="en-US" sz="4400" b="0" strike="noStrike" spc="-1">
-              <a:solidFill>
-                <a:srgbClr val="000000"/>
-              </a:solidFill>
-              <a:uFill>
-                <a:solidFill>
-                  <a:srgbClr val="FFFFFF"/>
+          <a:bodyPr lIns="0" rIns="0" tIns="0" bIns="0" anchor="ctr"/>
+          <a:p>
+            <a:endParaRPr b="0" lang="en-US" sz="1800" spc="-1" strike="noStrike">
+              <a:solidFill>
+                <a:srgbClr val="000000"/>
+              </a:solidFill>
+              <a:uFill>
+                <a:solidFill>
+                  <a:srgbClr val="ffffff"/>
                 </a:solidFill>
               </a:uFill>
               <a:latin typeface="Arial"/>
@@ -2389,16 +2182,15 @@
           </a:prstGeom>
         </p:spPr>
         <p:txBody>
-          <a:bodyPr lIns="0" tIns="0" rIns="0" bIns="0"/>
-          <a:lstStyle/>
-          <a:p>
-            <a:endParaRPr lang="en-US" sz="3200" b="0" strike="noStrike" spc="-1">
-              <a:solidFill>
-                <a:srgbClr val="000000"/>
-              </a:solidFill>
-              <a:uFill>
-                <a:solidFill>
-                  <a:srgbClr val="FFFFFF"/>
+          <a:bodyPr lIns="0" rIns="0" tIns="0" bIns="0"/>
+          <a:p>
+            <a:endParaRPr b="0" lang="en-US" sz="1800" spc="-1" strike="noStrike">
+              <a:solidFill>
+                <a:srgbClr val="000000"/>
+              </a:solidFill>
+              <a:uFill>
+                <a:solidFill>
+                  <a:srgbClr val="ffffff"/>
                 </a:solidFill>
               </a:uFill>
               <a:latin typeface="Arial"/>
@@ -2408,14 +2200,11 @@
       </p:sp>
     </p:spTree>
   </p:cSld>
-  <p:clrMapOvr>
-    <a:masterClrMapping/>
-  </p:clrMapOvr>
 </p:sldLayout>
 </file>
 
 <file path=ppt/slideLayouts/slideLayout4.xml><?xml version="1.0" encoding="utf-8"?>
-<p:sldLayout xmlns:a="http://schemas.openxmlformats.org/drawingml/2006/main" xmlns:r="http://schemas.openxmlformats.org/officeDocument/2006/relationships" xmlns:p="http://schemas.openxmlformats.org/presentationml/2006/main" type="twoObj" preserve="1">
+<p:sldLayout xmlns:a="http://schemas.openxmlformats.org/drawingml/2006/main" xmlns:p="http://schemas.openxmlformats.org/presentationml/2006/main" xmlns:r="http://schemas.openxmlformats.org/officeDocument/2006/relationships" xmlns:p14="http://schemas.microsoft.com/office/powerpoint/2010/main" xmlns:p15="http://schemas.microsoft.com/office/powerpoint/2012/main" xmlns:mc="http://schemas.openxmlformats.org/markup-compatibility/2006" type="twoObj" preserve="1">
   <p:cSld name="Title, 2 Content">
     <p:spTree>
       <p:nvGrpSpPr>
@@ -2451,17 +2240,15 @@
           </a:prstGeom>
         </p:spPr>
         <p:txBody>
-          <a:bodyPr lIns="0" tIns="0" rIns="0" bIns="0" anchor="ctr"/>
-          <a:lstStyle/>
-          <a:p>
-            <a:pPr algn="ctr"/>
-            <a:endParaRPr lang="en-US" sz="4400" b="0" strike="noStrike" spc="-1">
-              <a:solidFill>
-                <a:srgbClr val="000000"/>
-              </a:solidFill>
-              <a:uFill>
-                <a:solidFill>
-                  <a:srgbClr val="FFFFFF"/>
+          <a:bodyPr lIns="0" rIns="0" tIns="0" bIns="0" anchor="ctr"/>
+          <a:p>
+            <a:endParaRPr b="0" lang="en-US" sz="1800" spc="-1" strike="noStrike">
+              <a:solidFill>
+                <a:srgbClr val="000000"/>
+              </a:solidFill>
+              <a:uFill>
+                <a:solidFill>
+                  <a:srgbClr val="ffffff"/>
                 </a:solidFill>
               </a:uFill>
               <a:latin typeface="Arial"/>
@@ -2489,16 +2276,15 @@
           </a:prstGeom>
         </p:spPr>
         <p:txBody>
-          <a:bodyPr lIns="0" tIns="0" rIns="0" bIns="0"/>
-          <a:lstStyle/>
-          <a:p>
-            <a:endParaRPr lang="en-US" sz="3200" b="0" strike="noStrike" spc="-1">
-              <a:solidFill>
-                <a:srgbClr val="000000"/>
-              </a:solidFill>
-              <a:uFill>
-                <a:solidFill>
-                  <a:srgbClr val="FFFFFF"/>
+          <a:bodyPr lIns="0" rIns="0" tIns="0" bIns="0"/>
+          <a:p>
+            <a:endParaRPr b="0" lang="en-US" sz="1800" spc="-1" strike="noStrike">
+              <a:solidFill>
+                <a:srgbClr val="000000"/>
+              </a:solidFill>
+              <a:uFill>
+                <a:solidFill>
+                  <a:srgbClr val="ffffff"/>
                 </a:solidFill>
               </a:uFill>
               <a:latin typeface="Arial"/>
@@ -2526,16 +2312,15 @@
           </a:prstGeom>
         </p:spPr>
         <p:txBody>
-          <a:bodyPr lIns="0" tIns="0" rIns="0" bIns="0"/>
-          <a:lstStyle/>
-          <a:p>
-            <a:endParaRPr lang="en-US" sz="3200" b="0" strike="noStrike" spc="-1">
-              <a:solidFill>
-                <a:srgbClr val="000000"/>
-              </a:solidFill>
-              <a:uFill>
-                <a:solidFill>
-                  <a:srgbClr val="FFFFFF"/>
+          <a:bodyPr lIns="0" rIns="0" tIns="0" bIns="0"/>
+          <a:p>
+            <a:endParaRPr b="0" lang="en-US" sz="1800" spc="-1" strike="noStrike">
+              <a:solidFill>
+                <a:srgbClr val="000000"/>
+              </a:solidFill>
+              <a:uFill>
+                <a:solidFill>
+                  <a:srgbClr val="ffffff"/>
                 </a:solidFill>
               </a:uFill>
               <a:latin typeface="Arial"/>
@@ -2545,14 +2330,11 @@
       </p:sp>
     </p:spTree>
   </p:cSld>
-  <p:clrMapOvr>
-    <a:masterClrMapping/>
-  </p:clrMapOvr>
 </p:sldLayout>
 </file>
 
 <file path=ppt/slideLayouts/slideLayout5.xml><?xml version="1.0" encoding="utf-8"?>
-<p:sldLayout xmlns:a="http://schemas.openxmlformats.org/drawingml/2006/main" xmlns:r="http://schemas.openxmlformats.org/officeDocument/2006/relationships" xmlns:p="http://schemas.openxmlformats.org/presentationml/2006/main" type="titleOnly" preserve="1">
+<p:sldLayout xmlns:a="http://schemas.openxmlformats.org/drawingml/2006/main" xmlns:p="http://schemas.openxmlformats.org/presentationml/2006/main" xmlns:r="http://schemas.openxmlformats.org/officeDocument/2006/relationships" xmlns:p14="http://schemas.microsoft.com/office/powerpoint/2010/main" xmlns:p15="http://schemas.microsoft.com/office/powerpoint/2012/main" xmlns:mc="http://schemas.openxmlformats.org/markup-compatibility/2006" type="titleOnly" preserve="1">
   <p:cSld name="Title Only">
     <p:spTree>
       <p:nvGrpSpPr>
@@ -2588,17 +2370,15 @@
           </a:prstGeom>
         </p:spPr>
         <p:txBody>
-          <a:bodyPr lIns="0" tIns="0" rIns="0" bIns="0" anchor="ctr"/>
-          <a:lstStyle/>
-          <a:p>
-            <a:pPr algn="ctr"/>
-            <a:endParaRPr lang="en-US" sz="4400" b="0" strike="noStrike" spc="-1">
-              <a:solidFill>
-                <a:srgbClr val="000000"/>
-              </a:solidFill>
-              <a:uFill>
-                <a:solidFill>
-                  <a:srgbClr val="FFFFFF"/>
+          <a:bodyPr lIns="0" rIns="0" tIns="0" bIns="0" anchor="ctr"/>
+          <a:p>
+            <a:endParaRPr b="0" lang="en-US" sz="1800" spc="-1" strike="noStrike">
+              <a:solidFill>
+                <a:srgbClr val="000000"/>
+              </a:solidFill>
+              <a:uFill>
+                <a:solidFill>
+                  <a:srgbClr val="ffffff"/>
                 </a:solidFill>
               </a:uFill>
               <a:latin typeface="Arial"/>
@@ -2608,14 +2388,11 @@
       </p:sp>
     </p:spTree>
   </p:cSld>
-  <p:clrMapOvr>
-    <a:masterClrMapping/>
-  </p:clrMapOvr>
 </p:sldLayout>
 </file>
 
 <file path=ppt/slideLayouts/slideLayout6.xml><?xml version="1.0" encoding="utf-8"?>
-<p:sldLayout xmlns:a="http://schemas.openxmlformats.org/drawingml/2006/main" xmlns:r="http://schemas.openxmlformats.org/officeDocument/2006/relationships" xmlns:p="http://schemas.openxmlformats.org/presentationml/2006/main" type="objOnly" preserve="1">
+<p:sldLayout xmlns:a="http://schemas.openxmlformats.org/drawingml/2006/main" xmlns:p="http://schemas.openxmlformats.org/presentationml/2006/main" xmlns:r="http://schemas.openxmlformats.org/officeDocument/2006/relationships" xmlns:p14="http://schemas.microsoft.com/office/powerpoint/2010/main" xmlns:p15="http://schemas.microsoft.com/office/powerpoint/2012/main" xmlns:mc="http://schemas.openxmlformats.org/markup-compatibility/2006" type="objOnly" preserve="1">
   <p:cSld name="Centered Text">
     <p:spTree>
       <p:nvGrpSpPr>
@@ -2651,17 +2428,16 @@
           </a:prstGeom>
         </p:spPr>
         <p:txBody>
-          <a:bodyPr lIns="0" tIns="0" rIns="0" bIns="0" anchor="ctr"/>
-          <a:lstStyle/>
+          <a:bodyPr lIns="0" rIns="0" tIns="0" bIns="0" anchor="ctr"/>
           <a:p>
             <a:pPr algn="ctr"/>
-            <a:endParaRPr lang="en-US" sz="3200" b="0" strike="noStrike" spc="-1">
-              <a:solidFill>
-                <a:srgbClr val="000000"/>
-              </a:solidFill>
-              <a:uFill>
-                <a:solidFill>
-                  <a:srgbClr val="FFFFFF"/>
+            <a:endParaRPr b="0" lang="en-US" sz="3200" spc="-1" strike="noStrike">
+              <a:solidFill>
+                <a:srgbClr val="000000"/>
+              </a:solidFill>
+              <a:uFill>
+                <a:solidFill>
+                  <a:srgbClr val="ffffff"/>
                 </a:solidFill>
               </a:uFill>
               <a:latin typeface="Arial"/>
@@ -2671,14 +2447,11 @@
       </p:sp>
     </p:spTree>
   </p:cSld>
-  <p:clrMapOvr>
-    <a:masterClrMapping/>
-  </p:clrMapOvr>
 </p:sldLayout>
 </file>
 
 <file path=ppt/slideLayouts/slideLayout7.xml><?xml version="1.0" encoding="utf-8"?>
-<p:sldLayout xmlns:a="http://schemas.openxmlformats.org/drawingml/2006/main" xmlns:r="http://schemas.openxmlformats.org/officeDocument/2006/relationships" xmlns:p="http://schemas.openxmlformats.org/presentationml/2006/main" type="twoObjAndObj" preserve="1">
+<p:sldLayout xmlns:a="http://schemas.openxmlformats.org/drawingml/2006/main" xmlns:p="http://schemas.openxmlformats.org/presentationml/2006/main" xmlns:r="http://schemas.openxmlformats.org/officeDocument/2006/relationships" xmlns:p14="http://schemas.microsoft.com/office/powerpoint/2010/main" xmlns:p15="http://schemas.microsoft.com/office/powerpoint/2012/main" xmlns:mc="http://schemas.openxmlformats.org/markup-compatibility/2006" type="twoObjAndObj" preserve="1">
   <p:cSld name="Title, 2 Content and Content">
     <p:spTree>
       <p:nvGrpSpPr>
@@ -2714,17 +2487,15 @@
           </a:prstGeom>
         </p:spPr>
         <p:txBody>
-          <a:bodyPr lIns="0" tIns="0" rIns="0" bIns="0" anchor="ctr"/>
-          <a:lstStyle/>
-          <a:p>
-            <a:pPr algn="ctr"/>
-            <a:endParaRPr lang="en-US" sz="4400" b="0" strike="noStrike" spc="-1">
-              <a:solidFill>
-                <a:srgbClr val="000000"/>
-              </a:solidFill>
-              <a:uFill>
-                <a:solidFill>
-                  <a:srgbClr val="FFFFFF"/>
+          <a:bodyPr lIns="0" rIns="0" tIns="0" bIns="0" anchor="ctr"/>
+          <a:p>
+            <a:endParaRPr b="0" lang="en-US" sz="1800" spc="-1" strike="noStrike">
+              <a:solidFill>
+                <a:srgbClr val="000000"/>
+              </a:solidFill>
+              <a:uFill>
+                <a:solidFill>
+                  <a:srgbClr val="ffffff"/>
                 </a:solidFill>
               </a:uFill>
               <a:latin typeface="Arial"/>
@@ -2752,16 +2523,15 @@
           </a:prstGeom>
         </p:spPr>
         <p:txBody>
-          <a:bodyPr lIns="0" tIns="0" rIns="0" bIns="0"/>
-          <a:lstStyle/>
-          <a:p>
-            <a:endParaRPr lang="en-US" sz="3200" b="0" strike="noStrike" spc="-1">
-              <a:solidFill>
-                <a:srgbClr val="000000"/>
-              </a:solidFill>
-              <a:uFill>
-                <a:solidFill>
-                  <a:srgbClr val="FFFFFF"/>
+          <a:bodyPr lIns="0" rIns="0" tIns="0" bIns="0"/>
+          <a:p>
+            <a:endParaRPr b="0" lang="en-US" sz="1800" spc="-1" strike="noStrike">
+              <a:solidFill>
+                <a:srgbClr val="000000"/>
+              </a:solidFill>
+              <a:uFill>
+                <a:solidFill>
+                  <a:srgbClr val="ffffff"/>
                 </a:solidFill>
               </a:uFill>
               <a:latin typeface="Arial"/>
@@ -2789,16 +2559,15 @@
           </a:prstGeom>
         </p:spPr>
         <p:txBody>
-          <a:bodyPr lIns="0" tIns="0" rIns="0" bIns="0"/>
-          <a:lstStyle/>
-          <a:p>
-            <a:endParaRPr lang="en-US" sz="3200" b="0" strike="noStrike" spc="-1">
-              <a:solidFill>
-                <a:srgbClr val="000000"/>
-              </a:solidFill>
-              <a:uFill>
-                <a:solidFill>
-                  <a:srgbClr val="FFFFFF"/>
+          <a:bodyPr lIns="0" rIns="0" tIns="0" bIns="0"/>
+          <a:p>
+            <a:endParaRPr b="0" lang="en-US" sz="1800" spc="-1" strike="noStrike">
+              <a:solidFill>
+                <a:srgbClr val="000000"/>
+              </a:solidFill>
+              <a:uFill>
+                <a:solidFill>
+                  <a:srgbClr val="ffffff"/>
                 </a:solidFill>
               </a:uFill>
               <a:latin typeface="Arial"/>
@@ -2826,16 +2595,15 @@
           </a:prstGeom>
         </p:spPr>
         <p:txBody>
-          <a:bodyPr lIns="0" tIns="0" rIns="0" bIns="0"/>
-          <a:lstStyle/>
-          <a:p>
-            <a:endParaRPr lang="en-US" sz="3200" b="0" strike="noStrike" spc="-1">
-              <a:solidFill>
-                <a:srgbClr val="000000"/>
-              </a:solidFill>
-              <a:uFill>
-                <a:solidFill>
-                  <a:srgbClr val="FFFFFF"/>
+          <a:bodyPr lIns="0" rIns="0" tIns="0" bIns="0"/>
+          <a:p>
+            <a:endParaRPr b="0" lang="en-US" sz="1800" spc="-1" strike="noStrike">
+              <a:solidFill>
+                <a:srgbClr val="000000"/>
+              </a:solidFill>
+              <a:uFill>
+                <a:solidFill>
+                  <a:srgbClr val="ffffff"/>
                 </a:solidFill>
               </a:uFill>
               <a:latin typeface="Arial"/>
@@ -2845,14 +2613,11 @@
       </p:sp>
     </p:spTree>
   </p:cSld>
-  <p:clrMapOvr>
-    <a:masterClrMapping/>
-  </p:clrMapOvr>
 </p:sldLayout>
 </file>
 
 <file path=ppt/slideLayouts/slideLayout8.xml><?xml version="1.0" encoding="utf-8"?>
-<p:sldLayout xmlns:a="http://schemas.openxmlformats.org/drawingml/2006/main" xmlns:r="http://schemas.openxmlformats.org/officeDocument/2006/relationships" xmlns:p="http://schemas.openxmlformats.org/presentationml/2006/main" type="objAndTwoObj" preserve="1">
+<p:sldLayout xmlns:a="http://schemas.openxmlformats.org/drawingml/2006/main" xmlns:p="http://schemas.openxmlformats.org/presentationml/2006/main" xmlns:r="http://schemas.openxmlformats.org/officeDocument/2006/relationships" xmlns:p14="http://schemas.microsoft.com/office/powerpoint/2010/main" xmlns:p15="http://schemas.microsoft.com/office/powerpoint/2012/main" xmlns:mc="http://schemas.openxmlformats.org/markup-compatibility/2006" type="objAndTwoObj" preserve="1">
   <p:cSld name="Title Content and 2 Content">
     <p:spTree>
       <p:nvGrpSpPr>
@@ -2888,17 +2653,15 @@
           </a:prstGeom>
         </p:spPr>
         <p:txBody>
-          <a:bodyPr lIns="0" tIns="0" rIns="0" bIns="0" anchor="ctr"/>
-          <a:lstStyle/>
-          <a:p>
-            <a:pPr algn="ctr"/>
-            <a:endParaRPr lang="en-US" sz="4400" b="0" strike="noStrike" spc="-1">
-              <a:solidFill>
-                <a:srgbClr val="000000"/>
-              </a:solidFill>
-              <a:uFill>
-                <a:solidFill>
-                  <a:srgbClr val="FFFFFF"/>
+          <a:bodyPr lIns="0" rIns="0" tIns="0" bIns="0" anchor="ctr"/>
+          <a:p>
+            <a:endParaRPr b="0" lang="en-US" sz="1800" spc="-1" strike="noStrike">
+              <a:solidFill>
+                <a:srgbClr val="000000"/>
+              </a:solidFill>
+              <a:uFill>
+                <a:solidFill>
+                  <a:srgbClr val="ffffff"/>
                 </a:solidFill>
               </a:uFill>
               <a:latin typeface="Arial"/>
@@ -2926,16 +2689,15 @@
           </a:prstGeom>
         </p:spPr>
         <p:txBody>
-          <a:bodyPr lIns="0" tIns="0" rIns="0" bIns="0"/>
-          <a:lstStyle/>
-          <a:p>
-            <a:endParaRPr lang="en-US" sz="3200" b="0" strike="noStrike" spc="-1">
-              <a:solidFill>
-                <a:srgbClr val="000000"/>
-              </a:solidFill>
-              <a:uFill>
-                <a:solidFill>
-                  <a:srgbClr val="FFFFFF"/>
+          <a:bodyPr lIns="0" rIns="0" tIns="0" bIns="0"/>
+          <a:p>
+            <a:endParaRPr b="0" lang="en-US" sz="1800" spc="-1" strike="noStrike">
+              <a:solidFill>
+                <a:srgbClr val="000000"/>
+              </a:solidFill>
+              <a:uFill>
+                <a:solidFill>
+                  <a:srgbClr val="ffffff"/>
                 </a:solidFill>
               </a:uFill>
               <a:latin typeface="Arial"/>
@@ -2963,16 +2725,15 @@
           </a:prstGeom>
         </p:spPr>
         <p:txBody>
-          <a:bodyPr lIns="0" tIns="0" rIns="0" bIns="0"/>
-          <a:lstStyle/>
-          <a:p>
-            <a:endParaRPr lang="en-US" sz="3200" b="0" strike="noStrike" spc="-1">
-              <a:solidFill>
-                <a:srgbClr val="000000"/>
-              </a:solidFill>
-              <a:uFill>
-                <a:solidFill>
-                  <a:srgbClr val="FFFFFF"/>
+          <a:bodyPr lIns="0" rIns="0" tIns="0" bIns="0"/>
+          <a:p>
+            <a:endParaRPr b="0" lang="en-US" sz="1800" spc="-1" strike="noStrike">
+              <a:solidFill>
+                <a:srgbClr val="000000"/>
+              </a:solidFill>
+              <a:uFill>
+                <a:solidFill>
+                  <a:srgbClr val="ffffff"/>
                 </a:solidFill>
               </a:uFill>
               <a:latin typeface="Arial"/>
@@ -3000,16 +2761,15 @@
           </a:prstGeom>
         </p:spPr>
         <p:txBody>
-          <a:bodyPr lIns="0" tIns="0" rIns="0" bIns="0"/>
-          <a:lstStyle/>
-          <a:p>
-            <a:endParaRPr lang="en-US" sz="3200" b="0" strike="noStrike" spc="-1">
-              <a:solidFill>
-                <a:srgbClr val="000000"/>
-              </a:solidFill>
-              <a:uFill>
-                <a:solidFill>
-                  <a:srgbClr val="FFFFFF"/>
+          <a:bodyPr lIns="0" rIns="0" tIns="0" bIns="0"/>
+          <a:p>
+            <a:endParaRPr b="0" lang="en-US" sz="1800" spc="-1" strike="noStrike">
+              <a:solidFill>
+                <a:srgbClr val="000000"/>
+              </a:solidFill>
+              <a:uFill>
+                <a:solidFill>
+                  <a:srgbClr val="ffffff"/>
                 </a:solidFill>
               </a:uFill>
               <a:latin typeface="Arial"/>
@@ -3019,14 +2779,11 @@
       </p:sp>
     </p:spTree>
   </p:cSld>
-  <p:clrMapOvr>
-    <a:masterClrMapping/>
-  </p:clrMapOvr>
 </p:sldLayout>
 </file>
 
 <file path=ppt/slideLayouts/slideLayout9.xml><?xml version="1.0" encoding="utf-8"?>
-<p:sldLayout xmlns:a="http://schemas.openxmlformats.org/drawingml/2006/main" xmlns:r="http://schemas.openxmlformats.org/officeDocument/2006/relationships" xmlns:p="http://schemas.openxmlformats.org/presentationml/2006/main" type="twoObjOverTx" preserve="1">
+<p:sldLayout xmlns:a="http://schemas.openxmlformats.org/drawingml/2006/main" xmlns:p="http://schemas.openxmlformats.org/presentationml/2006/main" xmlns:r="http://schemas.openxmlformats.org/officeDocument/2006/relationships" xmlns:p14="http://schemas.microsoft.com/office/powerpoint/2010/main" xmlns:p15="http://schemas.microsoft.com/office/powerpoint/2012/main" xmlns:mc="http://schemas.openxmlformats.org/markup-compatibility/2006" type="twoObjOverTx" preserve="1">
   <p:cSld name="Title, 2 Content over Content">
     <p:spTree>
       <p:nvGrpSpPr>
@@ -3062,17 +2819,15 @@
           </a:prstGeom>
         </p:spPr>
         <p:txBody>
-          <a:bodyPr lIns="0" tIns="0" rIns="0" bIns="0" anchor="ctr"/>
-          <a:lstStyle/>
-          <a:p>
-            <a:pPr algn="ctr"/>
-            <a:endParaRPr lang="en-US" sz="4400" b="0" strike="noStrike" spc="-1">
-              <a:solidFill>
-                <a:srgbClr val="000000"/>
-              </a:solidFill>
-              <a:uFill>
-                <a:solidFill>
-                  <a:srgbClr val="FFFFFF"/>
+          <a:bodyPr lIns="0" rIns="0" tIns="0" bIns="0" anchor="ctr"/>
+          <a:p>
+            <a:endParaRPr b="0" lang="en-US" sz="1800" spc="-1" strike="noStrike">
+              <a:solidFill>
+                <a:srgbClr val="000000"/>
+              </a:solidFill>
+              <a:uFill>
+                <a:solidFill>
+                  <a:srgbClr val="ffffff"/>
                 </a:solidFill>
               </a:uFill>
               <a:latin typeface="Arial"/>
@@ -3100,16 +2855,15 @@
           </a:prstGeom>
         </p:spPr>
         <p:txBody>
-          <a:bodyPr lIns="0" tIns="0" rIns="0" bIns="0"/>
-          <a:lstStyle/>
-          <a:p>
-            <a:endParaRPr lang="en-US" sz="3200" b="0" strike="noStrike" spc="-1">
-              <a:solidFill>
-                <a:srgbClr val="000000"/>
-              </a:solidFill>
-              <a:uFill>
-                <a:solidFill>
-                  <a:srgbClr val="FFFFFF"/>
+          <a:bodyPr lIns="0" rIns="0" tIns="0" bIns="0"/>
+          <a:p>
+            <a:endParaRPr b="0" lang="en-US" sz="1800" spc="-1" strike="noStrike">
+              <a:solidFill>
+                <a:srgbClr val="000000"/>
+              </a:solidFill>
+              <a:uFill>
+                <a:solidFill>
+                  <a:srgbClr val="ffffff"/>
                 </a:solidFill>
               </a:uFill>
               <a:latin typeface="Arial"/>
@@ -3137,16 +2891,15 @@
           </a:prstGeom>
         </p:spPr>
         <p:txBody>
-          <a:bodyPr lIns="0" tIns="0" rIns="0" bIns="0"/>
-          <a:lstStyle/>
-          <a:p>
-            <a:endParaRPr lang="en-US" sz="3200" b="0" strike="noStrike" spc="-1">
-              <a:solidFill>
-                <a:srgbClr val="000000"/>
-              </a:solidFill>
-              <a:uFill>
-                <a:solidFill>
-                  <a:srgbClr val="FFFFFF"/>
+          <a:bodyPr lIns="0" rIns="0" tIns="0" bIns="0"/>
+          <a:p>
+            <a:endParaRPr b="0" lang="en-US" sz="1800" spc="-1" strike="noStrike">
+              <a:solidFill>
+                <a:srgbClr val="000000"/>
+              </a:solidFill>
+              <a:uFill>
+                <a:solidFill>
+                  <a:srgbClr val="ffffff"/>
                 </a:solidFill>
               </a:uFill>
               <a:latin typeface="Arial"/>
@@ -3174,16 +2927,15 @@
           </a:prstGeom>
         </p:spPr>
         <p:txBody>
-          <a:bodyPr lIns="0" tIns="0" rIns="0" bIns="0"/>
-          <a:lstStyle/>
-          <a:p>
-            <a:endParaRPr lang="en-US" sz="3200" b="0" strike="noStrike" spc="-1">
-              <a:solidFill>
-                <a:srgbClr val="000000"/>
-              </a:solidFill>
-              <a:uFill>
-                <a:solidFill>
-                  <a:srgbClr val="FFFFFF"/>
+          <a:bodyPr lIns="0" rIns="0" tIns="0" bIns="0"/>
+          <a:p>
+            <a:endParaRPr b="0" lang="en-US" sz="1800" spc="-1" strike="noStrike">
+              <a:solidFill>
+                <a:srgbClr val="000000"/>
+              </a:solidFill>
+              <a:uFill>
+                <a:solidFill>
+                  <a:srgbClr val="ffffff"/>
                 </a:solidFill>
               </a:uFill>
               <a:latin typeface="Arial"/>
@@ -3193,21 +2945,17 @@
       </p:sp>
     </p:spTree>
   </p:cSld>
-  <p:clrMapOvr>
-    <a:masterClrMapping/>
-  </p:clrMapOvr>
 </p:sldLayout>
 </file>
 
 <file path=ppt/slideMasters/slideMaster1.xml><?xml version="1.0" encoding="utf-8"?>
-<p:sldMaster xmlns:a="http://schemas.openxmlformats.org/drawingml/2006/main" xmlns:r="http://schemas.openxmlformats.org/officeDocument/2006/relationships" xmlns:p="http://schemas.openxmlformats.org/presentationml/2006/main">
+<p:sldMaster xmlns:a="http://schemas.openxmlformats.org/drawingml/2006/main" xmlns:p="http://schemas.openxmlformats.org/presentationml/2006/main" xmlns:r="http://schemas.openxmlformats.org/officeDocument/2006/relationships" xmlns:p14="http://schemas.microsoft.com/office/powerpoint/2010/main" xmlns:p15="http://schemas.microsoft.com/office/powerpoint/2012/main" xmlns:mc="http://schemas.openxmlformats.org/markup-compatibility/2006">
   <p:cSld>
     <p:bg>
       <p:bgPr>
         <a:solidFill>
-          <a:srgbClr val="FFFFFF"/>
+          <a:srgbClr val="ffffff"/>
         </a:solidFill>
-        <a:effectLst/>
       </p:bgPr>
     </p:bg>
     <p:spTree>
@@ -3226,7 +2974,7 @@
       </p:grpSpPr>
       <p:sp>
         <p:nvSpPr>
-          <p:cNvPr id="4" name="PlaceHolder 1"/>
+          <p:cNvPr id="0" name="PlaceHolder 1"/>
           <p:cNvSpPr>
             <a:spLocks noGrp="1"/>
           </p:cNvSpPr>
@@ -3237,34 +2985,32 @@
         <p:spPr>
           <a:xfrm>
             <a:off x="504000" y="301320"/>
-            <a:ext cx="9070920" cy="1261440"/>
-          </a:xfrm>
-          <a:prstGeom prst="rect">
-            <a:avLst/>
-          </a:prstGeom>
-        </p:spPr>
-        <p:txBody>
-          <a:bodyPr lIns="0" tIns="0" rIns="0" bIns="0" anchor="ctr"/>
-          <a:lstStyle/>
-          <a:p>
-            <a:pPr algn="ctr"/>
-            <a:endParaRPr lang="en-US" sz="4400" b="0" strike="noStrike" spc="-1">
-              <a:solidFill>
-                <a:srgbClr val="000000"/>
-              </a:solidFill>
-              <a:uFill>
-                <a:solidFill>
-                  <a:srgbClr val="FFFFFF"/>
-                </a:solidFill>
-              </a:uFill>
-              <a:latin typeface="Arial"/>
-            </a:endParaRPr>
-          </a:p>
-        </p:txBody>
-      </p:sp>
-      <p:sp>
-        <p:nvSpPr>
-          <p:cNvPr id="5" name="PlaceHolder 2"/>
+            <a:ext cx="9071640" cy="1261440"/>
+          </a:xfrm>
+          <a:prstGeom prst="rect">
+            <a:avLst/>
+          </a:prstGeom>
+        </p:spPr>
+        <p:txBody>
+          <a:bodyPr lIns="0" rIns="0" tIns="0" bIns="0" anchor="ctr"/>
+          <a:p>
+            <a:endParaRPr b="0" lang="en-US" sz="1800" spc="-1" strike="noStrike">
+              <a:solidFill>
+                <a:srgbClr val="000000"/>
+              </a:solidFill>
+              <a:uFill>
+                <a:solidFill>
+                  <a:srgbClr val="ffffff"/>
+                </a:solidFill>
+              </a:uFill>
+              <a:latin typeface="Arial"/>
+            </a:endParaRPr>
+          </a:p>
+        </p:txBody>
+      </p:sp>
+      <p:sp>
+        <p:nvSpPr>
+          <p:cNvPr id="1" name="PlaceHolder 2"/>
           <p:cNvSpPr>
             <a:spLocks noGrp="1"/>
           </p:cNvSpPr>
@@ -3274,16 +3020,15 @@
         </p:nvSpPr>
         <p:spPr>
           <a:xfrm>
-            <a:off x="504000" y="1769040"/>
-            <a:ext cx="4426200" cy="2090520"/>
-          </a:xfrm>
-          <a:prstGeom prst="rect">
-            <a:avLst/>
-          </a:prstGeom>
-        </p:spPr>
-        <p:txBody>
-          <a:bodyPr lIns="0" tIns="0" rIns="0" bIns="0"/>
-          <a:lstStyle/>
+            <a:off x="504000" y="1768680"/>
+            <a:ext cx="4426560" cy="2090520"/>
+          </a:xfrm>
+          <a:prstGeom prst="rect">
+            <a:avLst/>
+          </a:prstGeom>
+        </p:spPr>
+        <p:txBody>
+          <a:bodyPr lIns="0" rIns="0" tIns="0" bIns="0"/>
           <a:p>
             <a:pPr marL="432000" indent="-324000">
               <a:buClr>
@@ -3294,22 +3039,33 @@
               <a:buChar char=""/>
             </a:pPr>
             <a:r>
-              <a:rPr lang="en-US" sz="1800" b="0" strike="noStrike" spc="-1">
+              <a:rPr b="0" lang="en-US" sz="1800" spc="-1" strike="noStrike">
                 <a:solidFill>
                   <a:srgbClr val="000000"/>
                 </a:solidFill>
                 <a:uFill>
                   <a:solidFill>
-                    <a:srgbClr val="FFFFFF"/>
+                    <a:srgbClr val="ffffff"/>
                   </a:solidFill>
                 </a:uFill>
                 <a:latin typeface="Arial"/>
               </a:rPr>
               <a:t>Click to edit the outline text format</a:t>
             </a:r>
-          </a:p>
-          <a:p>
-            <a:pPr marL="864000" lvl="1" indent="-324000">
+            <a:endParaRPr b="0" lang="en-US" sz="1800" spc="-1" strike="noStrike">
+              <a:solidFill>
+                <a:srgbClr val="000000"/>
+              </a:solidFill>
+              <a:uFill>
+                <a:solidFill>
+                  <a:srgbClr val="ffffff"/>
+                </a:solidFill>
+              </a:uFill>
+              <a:latin typeface="Arial"/>
+            </a:endParaRPr>
+          </a:p>
+          <a:p>
+            <a:pPr lvl="1" marL="864000" indent="-324000">
               <a:buClr>
                 <a:srgbClr val="000000"/>
               </a:buClr>
@@ -3318,22 +3074,33 @@
               <a:buChar char=""/>
             </a:pPr>
             <a:r>
-              <a:rPr lang="en-US" sz="1800" b="0" strike="noStrike" spc="-1">
+              <a:rPr b="0" lang="en-US" sz="1800" spc="-1" strike="noStrike">
                 <a:solidFill>
                   <a:srgbClr val="000000"/>
                 </a:solidFill>
                 <a:uFill>
                   <a:solidFill>
-                    <a:srgbClr val="FFFFFF"/>
+                    <a:srgbClr val="ffffff"/>
                   </a:solidFill>
                 </a:uFill>
                 <a:latin typeface="Arial"/>
               </a:rPr>
               <a:t>Second Outline Level</a:t>
             </a:r>
-          </a:p>
-          <a:p>
-            <a:pPr marL="1296000" lvl="2" indent="-288000">
+            <a:endParaRPr b="0" lang="en-US" sz="1800" spc="-1" strike="noStrike">
+              <a:solidFill>
+                <a:srgbClr val="000000"/>
+              </a:solidFill>
+              <a:uFill>
+                <a:solidFill>
+                  <a:srgbClr val="ffffff"/>
+                </a:solidFill>
+              </a:uFill>
+              <a:latin typeface="Arial"/>
+            </a:endParaRPr>
+          </a:p>
+          <a:p>
+            <a:pPr lvl="2" marL="1296000" indent="-288000">
               <a:buClr>
                 <a:srgbClr val="000000"/>
               </a:buClr>
@@ -3342,22 +3109,33 @@
               <a:buChar char=""/>
             </a:pPr>
             <a:r>
-              <a:rPr lang="en-US" sz="1800" b="0" strike="noStrike" spc="-1">
+              <a:rPr b="0" lang="en-US" sz="1800" spc="-1" strike="noStrike">
                 <a:solidFill>
                   <a:srgbClr val="000000"/>
                 </a:solidFill>
                 <a:uFill>
                   <a:solidFill>
-                    <a:srgbClr val="FFFFFF"/>
+                    <a:srgbClr val="ffffff"/>
                   </a:solidFill>
                 </a:uFill>
                 <a:latin typeface="Arial"/>
               </a:rPr>
               <a:t>Third Outline Level</a:t>
             </a:r>
-          </a:p>
-          <a:p>
-            <a:pPr marL="1728000" lvl="3" indent="-216000">
+            <a:endParaRPr b="0" lang="en-US" sz="1800" spc="-1" strike="noStrike">
+              <a:solidFill>
+                <a:srgbClr val="000000"/>
+              </a:solidFill>
+              <a:uFill>
+                <a:solidFill>
+                  <a:srgbClr val="ffffff"/>
+                </a:solidFill>
+              </a:uFill>
+              <a:latin typeface="Arial"/>
+            </a:endParaRPr>
+          </a:p>
+          <a:p>
+            <a:pPr lvl="3" marL="1728000" indent="-216000">
               <a:buClr>
                 <a:srgbClr val="000000"/>
               </a:buClr>
@@ -3366,22 +3144,33 @@
               <a:buChar char=""/>
             </a:pPr>
             <a:r>
-              <a:rPr lang="en-US" sz="1800" b="0" strike="noStrike" spc="-1">
+              <a:rPr b="0" lang="en-US" sz="1800" spc="-1" strike="noStrike">
                 <a:solidFill>
                   <a:srgbClr val="000000"/>
                 </a:solidFill>
                 <a:uFill>
                   <a:solidFill>
-                    <a:srgbClr val="FFFFFF"/>
+                    <a:srgbClr val="ffffff"/>
                   </a:solidFill>
                 </a:uFill>
                 <a:latin typeface="Arial"/>
               </a:rPr>
               <a:t>Fourth Outline Level</a:t>
             </a:r>
-          </a:p>
-          <a:p>
-            <a:pPr marL="2160000" lvl="4" indent="-216000">
+            <a:endParaRPr b="0" lang="en-US" sz="1800" spc="-1" strike="noStrike">
+              <a:solidFill>
+                <a:srgbClr val="000000"/>
+              </a:solidFill>
+              <a:uFill>
+                <a:solidFill>
+                  <a:srgbClr val="ffffff"/>
+                </a:solidFill>
+              </a:uFill>
+              <a:latin typeface="Arial"/>
+            </a:endParaRPr>
+          </a:p>
+          <a:p>
+            <a:pPr lvl="4" marL="2160000" indent="-216000">
               <a:buClr>
                 <a:srgbClr val="000000"/>
               </a:buClr>
@@ -3390,22 +3179,33 @@
               <a:buChar char=""/>
             </a:pPr>
             <a:r>
-              <a:rPr lang="en-US" sz="1800" b="0" strike="noStrike" spc="-1">
+              <a:rPr b="0" lang="en-US" sz="1800" spc="-1" strike="noStrike">
                 <a:solidFill>
                   <a:srgbClr val="000000"/>
                 </a:solidFill>
                 <a:uFill>
                   <a:solidFill>
-                    <a:srgbClr val="FFFFFF"/>
+                    <a:srgbClr val="ffffff"/>
                   </a:solidFill>
                 </a:uFill>
                 <a:latin typeface="Arial"/>
               </a:rPr>
               <a:t>Fifth Outline Level</a:t>
             </a:r>
-          </a:p>
-          <a:p>
-            <a:pPr marL="2592000" lvl="5" indent="-216000">
+            <a:endParaRPr b="0" lang="en-US" sz="1800" spc="-1" strike="noStrike">
+              <a:solidFill>
+                <a:srgbClr val="000000"/>
+              </a:solidFill>
+              <a:uFill>
+                <a:solidFill>
+                  <a:srgbClr val="ffffff"/>
+                </a:solidFill>
+              </a:uFill>
+              <a:latin typeface="Arial"/>
+            </a:endParaRPr>
+          </a:p>
+          <a:p>
+            <a:pPr lvl="5" marL="2592000" indent="-216000">
               <a:buClr>
                 <a:srgbClr val="000000"/>
               </a:buClr>
@@ -3414,22 +3214,33 @@
               <a:buChar char=""/>
             </a:pPr>
             <a:r>
-              <a:rPr lang="en-US" sz="1800" b="0" strike="noStrike" spc="-1">
+              <a:rPr b="0" lang="en-US" sz="1800" spc="-1" strike="noStrike">
                 <a:solidFill>
                   <a:srgbClr val="000000"/>
                 </a:solidFill>
                 <a:uFill>
                   <a:solidFill>
-                    <a:srgbClr val="FFFFFF"/>
+                    <a:srgbClr val="ffffff"/>
                   </a:solidFill>
                 </a:uFill>
                 <a:latin typeface="Arial"/>
               </a:rPr>
               <a:t>Sixth Outline Level</a:t>
             </a:r>
-          </a:p>
-          <a:p>
-            <a:pPr marL="3024000" lvl="6" indent="-216000">
+            <a:endParaRPr b="0" lang="en-US" sz="1800" spc="-1" strike="noStrike">
+              <a:solidFill>
+                <a:srgbClr val="000000"/>
+              </a:solidFill>
+              <a:uFill>
+                <a:solidFill>
+                  <a:srgbClr val="ffffff"/>
+                </a:solidFill>
+              </a:uFill>
+              <a:latin typeface="Arial"/>
+            </a:endParaRPr>
+          </a:p>
+          <a:p>
+            <a:pPr lvl="6" marL="3024000" indent="-216000">
               <a:buClr>
                 <a:srgbClr val="000000"/>
               </a:buClr>
@@ -3438,19 +3249,30 @@
               <a:buChar char=""/>
             </a:pPr>
             <a:r>
-              <a:rPr lang="en-US" sz="1800" b="0" strike="noStrike" spc="-1">
+              <a:rPr b="0" lang="en-US" sz="1800" spc="-1" strike="noStrike">
                 <a:solidFill>
                   <a:srgbClr val="000000"/>
                 </a:solidFill>
                 <a:uFill>
                   <a:solidFill>
-                    <a:srgbClr val="FFFFFF"/>
+                    <a:srgbClr val="ffffff"/>
                   </a:solidFill>
                 </a:uFill>
                 <a:latin typeface="Arial"/>
               </a:rPr>
               <a:t>Seventh Outline Level</a:t>
             </a:r>
+            <a:endParaRPr b="0" lang="en-US" sz="1800" spc="-1" strike="noStrike">
+              <a:solidFill>
+                <a:srgbClr val="000000"/>
+              </a:solidFill>
+              <a:uFill>
+                <a:solidFill>
+                  <a:srgbClr val="ffffff"/>
+                </a:solidFill>
+              </a:uFill>
+              <a:latin typeface="Arial"/>
+            </a:endParaRPr>
           </a:p>
         </p:txBody>
       </p:sp>
@@ -3466,16 +3288,15 @@
         </p:nvSpPr>
         <p:spPr>
           <a:xfrm>
-            <a:off x="5152320" y="1769040"/>
-            <a:ext cx="4426200" cy="2090520"/>
-          </a:xfrm>
-          <a:prstGeom prst="rect">
-            <a:avLst/>
-          </a:prstGeom>
-        </p:spPr>
-        <p:txBody>
-          <a:bodyPr lIns="0" tIns="0" rIns="0" bIns="0"/>
-          <a:lstStyle/>
+            <a:off x="5152680" y="1768680"/>
+            <a:ext cx="4426560" cy="2090520"/>
+          </a:xfrm>
+          <a:prstGeom prst="rect">
+            <a:avLst/>
+          </a:prstGeom>
+        </p:spPr>
+        <p:txBody>
+          <a:bodyPr lIns="0" rIns="0" tIns="0" bIns="0"/>
           <a:p>
             <a:pPr marL="432000" indent="-324000">
               <a:buClr>
@@ -3486,22 +3307,33 @@
               <a:buChar char=""/>
             </a:pPr>
             <a:r>
-              <a:rPr lang="en-US" sz="1800" b="0" strike="noStrike" spc="-1">
+              <a:rPr b="0" lang="en-US" sz="1800" spc="-1" strike="noStrike">
                 <a:solidFill>
                   <a:srgbClr val="000000"/>
                 </a:solidFill>
                 <a:uFill>
                   <a:solidFill>
-                    <a:srgbClr val="FFFFFF"/>
+                    <a:srgbClr val="ffffff"/>
                   </a:solidFill>
                 </a:uFill>
                 <a:latin typeface="Arial"/>
               </a:rPr>
               <a:t>Click to edit the outline text format</a:t>
             </a:r>
-          </a:p>
-          <a:p>
-            <a:pPr marL="864000" lvl="1" indent="-324000">
+            <a:endParaRPr b="0" lang="en-US" sz="1800" spc="-1" strike="noStrike">
+              <a:solidFill>
+                <a:srgbClr val="000000"/>
+              </a:solidFill>
+              <a:uFill>
+                <a:solidFill>
+                  <a:srgbClr val="ffffff"/>
+                </a:solidFill>
+              </a:uFill>
+              <a:latin typeface="Arial"/>
+            </a:endParaRPr>
+          </a:p>
+          <a:p>
+            <a:pPr lvl="1" marL="864000" indent="-324000">
               <a:buClr>
                 <a:srgbClr val="000000"/>
               </a:buClr>
@@ -3510,22 +3342,33 @@
               <a:buChar char=""/>
             </a:pPr>
             <a:r>
-              <a:rPr lang="en-US" sz="1800" b="0" strike="noStrike" spc="-1">
+              <a:rPr b="0" lang="en-US" sz="1800" spc="-1" strike="noStrike">
                 <a:solidFill>
                   <a:srgbClr val="000000"/>
                 </a:solidFill>
                 <a:uFill>
                   <a:solidFill>
-                    <a:srgbClr val="FFFFFF"/>
+                    <a:srgbClr val="ffffff"/>
                   </a:solidFill>
                 </a:uFill>
                 <a:latin typeface="Arial"/>
               </a:rPr>
               <a:t>Second Outline Level</a:t>
             </a:r>
-          </a:p>
-          <a:p>
-            <a:pPr marL="1296000" lvl="2" indent="-288000">
+            <a:endParaRPr b="0" lang="en-US" sz="1800" spc="-1" strike="noStrike">
+              <a:solidFill>
+                <a:srgbClr val="000000"/>
+              </a:solidFill>
+              <a:uFill>
+                <a:solidFill>
+                  <a:srgbClr val="ffffff"/>
+                </a:solidFill>
+              </a:uFill>
+              <a:latin typeface="Arial"/>
+            </a:endParaRPr>
+          </a:p>
+          <a:p>
+            <a:pPr lvl="2" marL="1296000" indent="-288000">
               <a:buClr>
                 <a:srgbClr val="000000"/>
               </a:buClr>
@@ -3534,22 +3377,33 @@
               <a:buChar char=""/>
             </a:pPr>
             <a:r>
-              <a:rPr lang="en-US" sz="1800" b="0" strike="noStrike" spc="-1">
+              <a:rPr b="0" lang="en-US" sz="1800" spc="-1" strike="noStrike">
                 <a:solidFill>
                   <a:srgbClr val="000000"/>
                 </a:solidFill>
                 <a:uFill>
                   <a:solidFill>
-                    <a:srgbClr val="FFFFFF"/>
+                    <a:srgbClr val="ffffff"/>
                   </a:solidFill>
                 </a:uFill>
                 <a:latin typeface="Arial"/>
               </a:rPr>
               <a:t>Third Outline Level</a:t>
             </a:r>
-          </a:p>
-          <a:p>
-            <a:pPr marL="1728000" lvl="3" indent="-216000">
+            <a:endParaRPr b="0" lang="en-US" sz="1800" spc="-1" strike="noStrike">
+              <a:solidFill>
+                <a:srgbClr val="000000"/>
+              </a:solidFill>
+              <a:uFill>
+                <a:solidFill>
+                  <a:srgbClr val="ffffff"/>
+                </a:solidFill>
+              </a:uFill>
+              <a:latin typeface="Arial"/>
+            </a:endParaRPr>
+          </a:p>
+          <a:p>
+            <a:pPr lvl="3" marL="1728000" indent="-216000">
               <a:buClr>
                 <a:srgbClr val="000000"/>
               </a:buClr>
@@ -3558,22 +3412,33 @@
               <a:buChar char=""/>
             </a:pPr>
             <a:r>
-              <a:rPr lang="en-US" sz="1800" b="0" strike="noStrike" spc="-1">
+              <a:rPr b="0" lang="en-US" sz="1800" spc="-1" strike="noStrike">
                 <a:solidFill>
                   <a:srgbClr val="000000"/>
                 </a:solidFill>
                 <a:uFill>
                   <a:solidFill>
-                    <a:srgbClr val="FFFFFF"/>
+                    <a:srgbClr val="ffffff"/>
                   </a:solidFill>
                 </a:uFill>
                 <a:latin typeface="Arial"/>
               </a:rPr>
               <a:t>Fourth Outline Level</a:t>
             </a:r>
-          </a:p>
-          <a:p>
-            <a:pPr marL="2160000" lvl="4" indent="-216000">
+            <a:endParaRPr b="0" lang="en-US" sz="1800" spc="-1" strike="noStrike">
+              <a:solidFill>
+                <a:srgbClr val="000000"/>
+              </a:solidFill>
+              <a:uFill>
+                <a:solidFill>
+                  <a:srgbClr val="ffffff"/>
+                </a:solidFill>
+              </a:uFill>
+              <a:latin typeface="Arial"/>
+            </a:endParaRPr>
+          </a:p>
+          <a:p>
+            <a:pPr lvl="4" marL="2160000" indent="-216000">
               <a:buClr>
                 <a:srgbClr val="000000"/>
               </a:buClr>
@@ -3582,22 +3447,33 @@
               <a:buChar char=""/>
             </a:pPr>
             <a:r>
-              <a:rPr lang="en-US" sz="1800" b="0" strike="noStrike" spc="-1">
+              <a:rPr b="0" lang="en-US" sz="1800" spc="-1" strike="noStrike">
                 <a:solidFill>
                   <a:srgbClr val="000000"/>
                 </a:solidFill>
                 <a:uFill>
                   <a:solidFill>
-                    <a:srgbClr val="FFFFFF"/>
+                    <a:srgbClr val="ffffff"/>
                   </a:solidFill>
                 </a:uFill>
                 <a:latin typeface="Arial"/>
               </a:rPr>
               <a:t>Fifth Outline Level</a:t>
             </a:r>
-          </a:p>
-          <a:p>
-            <a:pPr marL="2592000" lvl="5" indent="-216000">
+            <a:endParaRPr b="0" lang="en-US" sz="1800" spc="-1" strike="noStrike">
+              <a:solidFill>
+                <a:srgbClr val="000000"/>
+              </a:solidFill>
+              <a:uFill>
+                <a:solidFill>
+                  <a:srgbClr val="ffffff"/>
+                </a:solidFill>
+              </a:uFill>
+              <a:latin typeface="Arial"/>
+            </a:endParaRPr>
+          </a:p>
+          <a:p>
+            <a:pPr lvl="5" marL="2592000" indent="-216000">
               <a:buClr>
                 <a:srgbClr val="000000"/>
               </a:buClr>
@@ -3606,22 +3482,33 @@
               <a:buChar char=""/>
             </a:pPr>
             <a:r>
-              <a:rPr lang="en-US" sz="1800" b="0" strike="noStrike" spc="-1">
+              <a:rPr b="0" lang="en-US" sz="1800" spc="-1" strike="noStrike">
                 <a:solidFill>
                   <a:srgbClr val="000000"/>
                 </a:solidFill>
                 <a:uFill>
                   <a:solidFill>
-                    <a:srgbClr val="FFFFFF"/>
+                    <a:srgbClr val="ffffff"/>
                   </a:solidFill>
                 </a:uFill>
                 <a:latin typeface="Arial"/>
               </a:rPr>
               <a:t>Sixth Outline Level</a:t>
             </a:r>
-          </a:p>
-          <a:p>
-            <a:pPr marL="3024000" lvl="6" indent="-216000">
+            <a:endParaRPr b="0" lang="en-US" sz="1800" spc="-1" strike="noStrike">
+              <a:solidFill>
+                <a:srgbClr val="000000"/>
+              </a:solidFill>
+              <a:uFill>
+                <a:solidFill>
+                  <a:srgbClr val="ffffff"/>
+                </a:solidFill>
+              </a:uFill>
+              <a:latin typeface="Arial"/>
+            </a:endParaRPr>
+          </a:p>
+          <a:p>
+            <a:pPr lvl="6" marL="3024000" indent="-216000">
               <a:buClr>
                 <a:srgbClr val="000000"/>
               </a:buClr>
@@ -3630,19 +3517,30 @@
               <a:buChar char=""/>
             </a:pPr>
             <a:r>
-              <a:rPr lang="en-US" sz="1800" b="0" strike="noStrike" spc="-1">
+              <a:rPr b="0" lang="en-US" sz="1800" spc="-1" strike="noStrike">
                 <a:solidFill>
                   <a:srgbClr val="000000"/>
                 </a:solidFill>
                 <a:uFill>
                   <a:solidFill>
-                    <a:srgbClr val="FFFFFF"/>
+                    <a:srgbClr val="ffffff"/>
                   </a:solidFill>
                 </a:uFill>
                 <a:latin typeface="Arial"/>
               </a:rPr>
               <a:t>Seventh Outline Level</a:t>
             </a:r>
+            <a:endParaRPr b="0" lang="en-US" sz="1800" spc="-1" strike="noStrike">
+              <a:solidFill>
+                <a:srgbClr val="000000"/>
+              </a:solidFill>
+              <a:uFill>
+                <a:solidFill>
+                  <a:srgbClr val="ffffff"/>
+                </a:solidFill>
+              </a:uFill>
+              <a:latin typeface="Arial"/>
+            </a:endParaRPr>
           </a:p>
         </p:txBody>
       </p:sp>
@@ -3658,16 +3556,15 @@
         </p:nvSpPr>
         <p:spPr>
           <a:xfrm>
-            <a:off x="504000" y="4059000"/>
-            <a:ext cx="9070920" cy="2090520"/>
-          </a:xfrm>
-          <a:prstGeom prst="rect">
-            <a:avLst/>
-          </a:prstGeom>
-        </p:spPr>
-        <p:txBody>
-          <a:bodyPr lIns="0" tIns="0" rIns="0" bIns="0"/>
-          <a:lstStyle/>
+            <a:off x="504000" y="4058640"/>
+            <a:ext cx="9071640" cy="2090520"/>
+          </a:xfrm>
+          <a:prstGeom prst="rect">
+            <a:avLst/>
+          </a:prstGeom>
+        </p:spPr>
+        <p:txBody>
+          <a:bodyPr lIns="0" rIns="0" tIns="0" bIns="0"/>
           <a:p>
             <a:pPr marL="432000" indent="-324000">
               <a:buClr>
@@ -3678,22 +3575,33 @@
               <a:buChar char=""/>
             </a:pPr>
             <a:r>
-              <a:rPr lang="en-US" sz="1800" b="0" strike="noStrike" spc="-1">
+              <a:rPr b="0" lang="en-US" sz="1800" spc="-1" strike="noStrike">
                 <a:solidFill>
                   <a:srgbClr val="000000"/>
                 </a:solidFill>
                 <a:uFill>
                   <a:solidFill>
-                    <a:srgbClr val="FFFFFF"/>
+                    <a:srgbClr val="ffffff"/>
                   </a:solidFill>
                 </a:uFill>
                 <a:latin typeface="Arial"/>
               </a:rPr>
               <a:t>Click to edit the outline text format</a:t>
             </a:r>
-          </a:p>
-          <a:p>
-            <a:pPr marL="864000" lvl="1" indent="-324000">
+            <a:endParaRPr b="0" lang="en-US" sz="1800" spc="-1" strike="noStrike">
+              <a:solidFill>
+                <a:srgbClr val="000000"/>
+              </a:solidFill>
+              <a:uFill>
+                <a:solidFill>
+                  <a:srgbClr val="ffffff"/>
+                </a:solidFill>
+              </a:uFill>
+              <a:latin typeface="Arial"/>
+            </a:endParaRPr>
+          </a:p>
+          <a:p>
+            <a:pPr lvl="1" marL="864000" indent="-324000">
               <a:buClr>
                 <a:srgbClr val="000000"/>
               </a:buClr>
@@ -3702,22 +3610,33 @@
               <a:buChar char=""/>
             </a:pPr>
             <a:r>
-              <a:rPr lang="en-US" sz="1800" b="0" strike="noStrike" spc="-1">
+              <a:rPr b="0" lang="en-US" sz="1800" spc="-1" strike="noStrike">
                 <a:solidFill>
                   <a:srgbClr val="000000"/>
                 </a:solidFill>
                 <a:uFill>
                   <a:solidFill>
-                    <a:srgbClr val="FFFFFF"/>
+                    <a:srgbClr val="ffffff"/>
                   </a:solidFill>
                 </a:uFill>
                 <a:latin typeface="Arial"/>
               </a:rPr>
               <a:t>Second Outline Level</a:t>
             </a:r>
-          </a:p>
-          <a:p>
-            <a:pPr marL="1296000" lvl="2" indent="-288000">
+            <a:endParaRPr b="0" lang="en-US" sz="1800" spc="-1" strike="noStrike">
+              <a:solidFill>
+                <a:srgbClr val="000000"/>
+              </a:solidFill>
+              <a:uFill>
+                <a:solidFill>
+                  <a:srgbClr val="ffffff"/>
+                </a:solidFill>
+              </a:uFill>
+              <a:latin typeface="Arial"/>
+            </a:endParaRPr>
+          </a:p>
+          <a:p>
+            <a:pPr lvl="2" marL="1296000" indent="-288000">
               <a:buClr>
                 <a:srgbClr val="000000"/>
               </a:buClr>
@@ -3726,22 +3645,33 @@
               <a:buChar char=""/>
             </a:pPr>
             <a:r>
-              <a:rPr lang="en-US" sz="1800" b="0" strike="noStrike" spc="-1">
+              <a:rPr b="0" lang="en-US" sz="1800" spc="-1" strike="noStrike">
                 <a:solidFill>
                   <a:srgbClr val="000000"/>
                 </a:solidFill>
                 <a:uFill>
                   <a:solidFill>
-                    <a:srgbClr val="FFFFFF"/>
+                    <a:srgbClr val="ffffff"/>
                   </a:solidFill>
                 </a:uFill>
                 <a:latin typeface="Arial"/>
               </a:rPr>
               <a:t>Third Outline Level</a:t>
             </a:r>
-          </a:p>
-          <a:p>
-            <a:pPr marL="1728000" lvl="3" indent="-216000">
+            <a:endParaRPr b="0" lang="en-US" sz="1800" spc="-1" strike="noStrike">
+              <a:solidFill>
+                <a:srgbClr val="000000"/>
+              </a:solidFill>
+              <a:uFill>
+                <a:solidFill>
+                  <a:srgbClr val="ffffff"/>
+                </a:solidFill>
+              </a:uFill>
+              <a:latin typeface="Arial"/>
+            </a:endParaRPr>
+          </a:p>
+          <a:p>
+            <a:pPr lvl="3" marL="1728000" indent="-216000">
               <a:buClr>
                 <a:srgbClr val="000000"/>
               </a:buClr>
@@ -3750,22 +3680,33 @@
               <a:buChar char=""/>
             </a:pPr>
             <a:r>
-              <a:rPr lang="en-US" sz="1800" b="0" strike="noStrike" spc="-1">
+              <a:rPr b="0" lang="en-US" sz="1800" spc="-1" strike="noStrike">
                 <a:solidFill>
                   <a:srgbClr val="000000"/>
                 </a:solidFill>
                 <a:uFill>
                   <a:solidFill>
-                    <a:srgbClr val="FFFFFF"/>
+                    <a:srgbClr val="ffffff"/>
                   </a:solidFill>
                 </a:uFill>
                 <a:latin typeface="Arial"/>
               </a:rPr>
               <a:t>Fourth Outline Level</a:t>
             </a:r>
-          </a:p>
-          <a:p>
-            <a:pPr marL="2160000" lvl="4" indent="-216000">
+            <a:endParaRPr b="0" lang="en-US" sz="1800" spc="-1" strike="noStrike">
+              <a:solidFill>
+                <a:srgbClr val="000000"/>
+              </a:solidFill>
+              <a:uFill>
+                <a:solidFill>
+                  <a:srgbClr val="ffffff"/>
+                </a:solidFill>
+              </a:uFill>
+              <a:latin typeface="Arial"/>
+            </a:endParaRPr>
+          </a:p>
+          <a:p>
+            <a:pPr lvl="4" marL="2160000" indent="-216000">
               <a:buClr>
                 <a:srgbClr val="000000"/>
               </a:buClr>
@@ -3774,22 +3715,33 @@
               <a:buChar char=""/>
             </a:pPr>
             <a:r>
-              <a:rPr lang="en-US" sz="1800" b="0" strike="noStrike" spc="-1">
+              <a:rPr b="0" lang="en-US" sz="1800" spc="-1" strike="noStrike">
                 <a:solidFill>
                   <a:srgbClr val="000000"/>
                 </a:solidFill>
                 <a:uFill>
                   <a:solidFill>
-                    <a:srgbClr val="FFFFFF"/>
+                    <a:srgbClr val="ffffff"/>
                   </a:solidFill>
                 </a:uFill>
                 <a:latin typeface="Arial"/>
               </a:rPr>
               <a:t>Fifth Outline Level</a:t>
             </a:r>
-          </a:p>
-          <a:p>
-            <a:pPr marL="2592000" lvl="5" indent="-216000">
+            <a:endParaRPr b="0" lang="en-US" sz="1800" spc="-1" strike="noStrike">
+              <a:solidFill>
+                <a:srgbClr val="000000"/>
+              </a:solidFill>
+              <a:uFill>
+                <a:solidFill>
+                  <a:srgbClr val="ffffff"/>
+                </a:solidFill>
+              </a:uFill>
+              <a:latin typeface="Arial"/>
+            </a:endParaRPr>
+          </a:p>
+          <a:p>
+            <a:pPr lvl="5" marL="2592000" indent="-216000">
               <a:buClr>
                 <a:srgbClr val="000000"/>
               </a:buClr>
@@ -3798,22 +3750,33 @@
               <a:buChar char=""/>
             </a:pPr>
             <a:r>
-              <a:rPr lang="en-US" sz="1800" b="0" strike="noStrike" spc="-1">
+              <a:rPr b="0" lang="en-US" sz="1800" spc="-1" strike="noStrike">
                 <a:solidFill>
                   <a:srgbClr val="000000"/>
                 </a:solidFill>
                 <a:uFill>
                   <a:solidFill>
-                    <a:srgbClr val="FFFFFF"/>
+                    <a:srgbClr val="ffffff"/>
                   </a:solidFill>
                 </a:uFill>
                 <a:latin typeface="Arial"/>
               </a:rPr>
               <a:t>Sixth Outline Level</a:t>
             </a:r>
-          </a:p>
-          <a:p>
-            <a:pPr marL="3024000" lvl="6" indent="-216000">
+            <a:endParaRPr b="0" lang="en-US" sz="1800" spc="-1" strike="noStrike">
+              <a:solidFill>
+                <a:srgbClr val="000000"/>
+              </a:solidFill>
+              <a:uFill>
+                <a:solidFill>
+                  <a:srgbClr val="ffffff"/>
+                </a:solidFill>
+              </a:uFill>
+              <a:latin typeface="Arial"/>
+            </a:endParaRPr>
+          </a:p>
+          <a:p>
+            <a:pPr lvl="6" marL="3024000" indent="-216000">
               <a:buClr>
                 <a:srgbClr val="000000"/>
               </a:buClr>
@@ -3822,56 +3785,61 @@
               <a:buChar char=""/>
             </a:pPr>
             <a:r>
-              <a:rPr lang="en-US" sz="1800" b="0" strike="noStrike" spc="-1">
+              <a:rPr b="0" lang="en-US" sz="1800" spc="-1" strike="noStrike">
                 <a:solidFill>
                   <a:srgbClr val="000000"/>
                 </a:solidFill>
                 <a:uFill>
                   <a:solidFill>
-                    <a:srgbClr val="FFFFFF"/>
+                    <a:srgbClr val="ffffff"/>
                   </a:solidFill>
                 </a:uFill>
                 <a:latin typeface="Arial"/>
               </a:rPr>
               <a:t>Seventh Outline Level</a:t>
             </a:r>
+            <a:endParaRPr b="0" lang="en-US" sz="1800" spc="-1" strike="noStrike">
+              <a:solidFill>
+                <a:srgbClr val="000000"/>
+              </a:solidFill>
+              <a:uFill>
+                <a:solidFill>
+                  <a:srgbClr val="ffffff"/>
+                </a:solidFill>
+              </a:uFill>
+              <a:latin typeface="Arial"/>
+            </a:endParaRPr>
           </a:p>
         </p:txBody>
       </p:sp>
     </p:spTree>
   </p:cSld>
-  <p:clrMap bg1="lt1" tx1="dk1" bg2="lt2" tx2="dk2" accent1="accent1" accent2="accent2" accent3="accent3" accent4="accent4" accent5="accent5" accent6="accent6" hlink="hlink" folHlink="folHlink"/>
+  <p:clrMap bg1="lt1" bg2="lt2" tx1="dk1" tx2="dk2" accent1="accent1" accent2="accent2" accent3="accent3" accent4="accent4" accent5="accent5" accent6="accent6" hlink="hlink" folHlink="folHlink"/>
   <p:sldLayoutIdLst>
-    <p:sldLayoutId id="2147483649" r:id="rId1"/>
-    <p:sldLayoutId id="2147483650" r:id="rId2"/>
-    <p:sldLayoutId id="2147483651" r:id="rId3"/>
-    <p:sldLayoutId id="2147483652" r:id="rId4"/>
-    <p:sldLayoutId id="2147483653" r:id="rId5"/>
-    <p:sldLayoutId id="2147483654" r:id="rId6"/>
-    <p:sldLayoutId id="2147483655" r:id="rId7"/>
-    <p:sldLayoutId id="2147483656" r:id="rId8"/>
-    <p:sldLayoutId id="2147483657" r:id="rId9"/>
-    <p:sldLayoutId id="2147483658" r:id="rId10"/>
-    <p:sldLayoutId id="2147483659" r:id="rId11"/>
-    <p:sldLayoutId id="2147483660" r:id="rId12"/>
+    <p:sldLayoutId id="2147483649" r:id="rId2"/>
+    <p:sldLayoutId id="2147483650" r:id="rId3"/>
+    <p:sldLayoutId id="2147483651" r:id="rId4"/>
+    <p:sldLayoutId id="2147483652" r:id="rId5"/>
+    <p:sldLayoutId id="2147483653" r:id="rId6"/>
+    <p:sldLayoutId id="2147483654" r:id="rId7"/>
+    <p:sldLayoutId id="2147483655" r:id="rId8"/>
+    <p:sldLayoutId id="2147483656" r:id="rId9"/>
+    <p:sldLayoutId id="2147483657" r:id="rId10"/>
+    <p:sldLayoutId id="2147483658" r:id="rId11"/>
+    <p:sldLayoutId id="2147483659" r:id="rId12"/>
+    <p:sldLayoutId id="2147483660" r:id="rId13"/>
   </p:sldLayoutIdLst>
-  <p:txStyles>
-    <p:titleStyle/>
-    <p:bodyStyle/>
-    <p:otherStyle/>
-  </p:txStyles>
 </p:sldMaster>
 </file>
 
 <file path=ppt/slideMasters/slideMaster2.xml><?xml version="1.0" encoding="utf-8"?>
-<p:sldMaster xmlns:a="http://schemas.openxmlformats.org/drawingml/2006/main" xmlns:r="http://schemas.openxmlformats.org/officeDocument/2006/relationships" xmlns:p="http://schemas.openxmlformats.org/presentationml/2006/main">
+<p:sldMaster xmlns:a="http://schemas.openxmlformats.org/drawingml/2006/main" xmlns:p="http://schemas.openxmlformats.org/presentationml/2006/main" xmlns:r="http://schemas.openxmlformats.org/officeDocument/2006/relationships" xmlns:p14="http://schemas.microsoft.com/office/powerpoint/2010/main" xmlns:p15="http://schemas.microsoft.com/office/powerpoint/2012/main" xmlns:mc="http://schemas.openxmlformats.org/markup-compatibility/2006">
   <p:cSld>
     <p:bg>
       <p:bgPr>
         <a:solidFill>
-          <a:srgbClr val="FFFFFF"/>
+          <a:srgbClr val="ffffff"/>
         </a:solidFill>
-        <a:effectLst/>
       </p:bgPr>
     </p:bg>
     <p:spTree>
@@ -3908,24 +3876,33 @@
           </a:prstGeom>
         </p:spPr>
         <p:txBody>
-          <a:bodyPr lIns="0" tIns="0" rIns="0" bIns="0" anchor="ctr"/>
-          <a:lstStyle/>
-          <a:p>
-            <a:pPr algn="ctr"/>
-            <a:r>
-              <a:rPr lang="en-US" sz="4400" b="0" strike="noStrike" spc="-1">
+          <a:bodyPr lIns="0" rIns="0" tIns="0" bIns="0" anchor="ctr"/>
+          <a:p>
+            <a:r>
+              <a:rPr b="0" lang="en-US" sz="1800" spc="-1" strike="noStrike">
                 <a:solidFill>
                   <a:srgbClr val="000000"/>
                 </a:solidFill>
                 <a:uFill>
                   <a:solidFill>
-                    <a:srgbClr val="FFFFFF"/>
+                    <a:srgbClr val="ffffff"/>
                   </a:solidFill>
                 </a:uFill>
                 <a:latin typeface="Arial"/>
               </a:rPr>
               <a:t>Click to edit the title text format</a:t>
             </a:r>
+            <a:endParaRPr b="0" lang="en-US" sz="1800" spc="-1" strike="noStrike">
+              <a:solidFill>
+                <a:srgbClr val="000000"/>
+              </a:solidFill>
+              <a:uFill>
+                <a:solidFill>
+                  <a:srgbClr val="ffffff"/>
+                </a:solidFill>
+              </a:uFill>
+              <a:latin typeface="Arial"/>
+            </a:endParaRPr>
           </a:p>
         </p:txBody>
       </p:sp>
@@ -3949,8 +3926,7 @@
           </a:prstGeom>
         </p:spPr>
         <p:txBody>
-          <a:bodyPr lIns="0" tIns="0" rIns="0" bIns="0"/>
-          <a:lstStyle/>
+          <a:bodyPr lIns="0" rIns="0" tIns="0" bIns="0"/>
           <a:p>
             <a:pPr marL="432000" indent="-324000">
               <a:buClr>
@@ -3961,22 +3937,33 @@
               <a:buChar char=""/>
             </a:pPr>
             <a:r>
-              <a:rPr lang="en-US" sz="3200" b="0" strike="noStrike" spc="-1">
+              <a:rPr b="0" lang="en-US" sz="1800" spc="-1" strike="noStrike">
                 <a:solidFill>
                   <a:srgbClr val="000000"/>
                 </a:solidFill>
                 <a:uFill>
                   <a:solidFill>
-                    <a:srgbClr val="FFFFFF"/>
+                    <a:srgbClr val="ffffff"/>
                   </a:solidFill>
                 </a:uFill>
                 <a:latin typeface="Arial"/>
               </a:rPr>
               <a:t>Click to edit the outline text format</a:t>
             </a:r>
-          </a:p>
-          <a:p>
-            <a:pPr marL="864000" lvl="1" indent="-324000">
+            <a:endParaRPr b="0" lang="en-US" sz="1800" spc="-1" strike="noStrike">
+              <a:solidFill>
+                <a:srgbClr val="000000"/>
+              </a:solidFill>
+              <a:uFill>
+                <a:solidFill>
+                  <a:srgbClr val="ffffff"/>
+                </a:solidFill>
+              </a:uFill>
+              <a:latin typeface="Arial"/>
+            </a:endParaRPr>
+          </a:p>
+          <a:p>
+            <a:pPr lvl="1" marL="864000" indent="-324000">
               <a:buClr>
                 <a:srgbClr val="000000"/>
               </a:buClr>
@@ -3985,22 +3972,33 @@
               <a:buChar char=""/>
             </a:pPr>
             <a:r>
-              <a:rPr lang="en-US" sz="2800" b="0" strike="noStrike" spc="-1">
+              <a:rPr b="0" lang="en-US" sz="1800" spc="-1" strike="noStrike">
                 <a:solidFill>
                   <a:srgbClr val="000000"/>
                 </a:solidFill>
                 <a:uFill>
                   <a:solidFill>
-                    <a:srgbClr val="FFFFFF"/>
+                    <a:srgbClr val="ffffff"/>
                   </a:solidFill>
                 </a:uFill>
                 <a:latin typeface="Arial"/>
               </a:rPr>
               <a:t>Second Outline Level</a:t>
             </a:r>
-          </a:p>
-          <a:p>
-            <a:pPr marL="1296000" lvl="2" indent="-288000">
+            <a:endParaRPr b="0" lang="en-US" sz="1800" spc="-1" strike="noStrike">
+              <a:solidFill>
+                <a:srgbClr val="000000"/>
+              </a:solidFill>
+              <a:uFill>
+                <a:solidFill>
+                  <a:srgbClr val="ffffff"/>
+                </a:solidFill>
+              </a:uFill>
+              <a:latin typeface="Arial"/>
+            </a:endParaRPr>
+          </a:p>
+          <a:p>
+            <a:pPr lvl="2" marL="1296000" indent="-288000">
               <a:buClr>
                 <a:srgbClr val="000000"/>
               </a:buClr>
@@ -4009,22 +4007,33 @@
               <a:buChar char=""/>
             </a:pPr>
             <a:r>
-              <a:rPr lang="en-US" sz="2400" b="0" strike="noStrike" spc="-1">
+              <a:rPr b="0" lang="en-US" sz="1800" spc="-1" strike="noStrike">
                 <a:solidFill>
                   <a:srgbClr val="000000"/>
                 </a:solidFill>
                 <a:uFill>
                   <a:solidFill>
-                    <a:srgbClr val="FFFFFF"/>
+                    <a:srgbClr val="ffffff"/>
                   </a:solidFill>
                 </a:uFill>
                 <a:latin typeface="Arial"/>
               </a:rPr>
               <a:t>Third Outline Level</a:t>
             </a:r>
-          </a:p>
-          <a:p>
-            <a:pPr marL="1728000" lvl="3" indent="-216000">
+            <a:endParaRPr b="0" lang="en-US" sz="1800" spc="-1" strike="noStrike">
+              <a:solidFill>
+                <a:srgbClr val="000000"/>
+              </a:solidFill>
+              <a:uFill>
+                <a:solidFill>
+                  <a:srgbClr val="ffffff"/>
+                </a:solidFill>
+              </a:uFill>
+              <a:latin typeface="Arial"/>
+            </a:endParaRPr>
+          </a:p>
+          <a:p>
+            <a:pPr lvl="3" marL="1728000" indent="-216000">
               <a:buClr>
                 <a:srgbClr val="000000"/>
               </a:buClr>
@@ -4033,22 +4042,33 @@
               <a:buChar char=""/>
             </a:pPr>
             <a:r>
-              <a:rPr lang="en-US" sz="2000" b="0" strike="noStrike" spc="-1">
+              <a:rPr b="0" lang="en-US" sz="1800" spc="-1" strike="noStrike">
                 <a:solidFill>
                   <a:srgbClr val="000000"/>
                 </a:solidFill>
                 <a:uFill>
                   <a:solidFill>
-                    <a:srgbClr val="FFFFFF"/>
+                    <a:srgbClr val="ffffff"/>
                   </a:solidFill>
                 </a:uFill>
                 <a:latin typeface="Arial"/>
               </a:rPr>
               <a:t>Fourth Outline Level</a:t>
             </a:r>
-          </a:p>
-          <a:p>
-            <a:pPr marL="2160000" lvl="4" indent="-216000">
+            <a:endParaRPr b="0" lang="en-US" sz="1800" spc="-1" strike="noStrike">
+              <a:solidFill>
+                <a:srgbClr val="000000"/>
+              </a:solidFill>
+              <a:uFill>
+                <a:solidFill>
+                  <a:srgbClr val="ffffff"/>
+                </a:solidFill>
+              </a:uFill>
+              <a:latin typeface="Arial"/>
+            </a:endParaRPr>
+          </a:p>
+          <a:p>
+            <a:pPr lvl="4" marL="2160000" indent="-216000">
               <a:buClr>
                 <a:srgbClr val="000000"/>
               </a:buClr>
@@ -4057,22 +4077,33 @@
               <a:buChar char=""/>
             </a:pPr>
             <a:r>
-              <a:rPr lang="en-US" sz="2000" b="0" strike="noStrike" spc="-1">
+              <a:rPr b="0" lang="en-US" sz="2000" spc="-1" strike="noStrike">
                 <a:solidFill>
                   <a:srgbClr val="000000"/>
                 </a:solidFill>
                 <a:uFill>
                   <a:solidFill>
-                    <a:srgbClr val="FFFFFF"/>
+                    <a:srgbClr val="ffffff"/>
                   </a:solidFill>
                 </a:uFill>
                 <a:latin typeface="Arial"/>
               </a:rPr>
               <a:t>Fifth Outline Level</a:t>
             </a:r>
-          </a:p>
-          <a:p>
-            <a:pPr marL="2592000" lvl="5" indent="-216000">
+            <a:endParaRPr b="0" lang="en-US" sz="2000" spc="-1" strike="noStrike">
+              <a:solidFill>
+                <a:srgbClr val="000000"/>
+              </a:solidFill>
+              <a:uFill>
+                <a:solidFill>
+                  <a:srgbClr val="ffffff"/>
+                </a:solidFill>
+              </a:uFill>
+              <a:latin typeface="Arial"/>
+            </a:endParaRPr>
+          </a:p>
+          <a:p>
+            <a:pPr lvl="5" marL="2592000" indent="-216000">
               <a:buClr>
                 <a:srgbClr val="000000"/>
               </a:buClr>
@@ -4081,22 +4112,33 @@
               <a:buChar char=""/>
             </a:pPr>
             <a:r>
-              <a:rPr lang="en-US" sz="2000" b="0" strike="noStrike" spc="-1">
+              <a:rPr b="0" lang="en-US" sz="2000" spc="-1" strike="noStrike">
                 <a:solidFill>
                   <a:srgbClr val="000000"/>
                 </a:solidFill>
                 <a:uFill>
                   <a:solidFill>
-                    <a:srgbClr val="FFFFFF"/>
+                    <a:srgbClr val="ffffff"/>
                   </a:solidFill>
                 </a:uFill>
                 <a:latin typeface="Arial"/>
               </a:rPr>
               <a:t>Sixth Outline Level</a:t>
             </a:r>
-          </a:p>
-          <a:p>
-            <a:pPr marL="3024000" lvl="6" indent="-216000">
+            <a:endParaRPr b="0" lang="en-US" sz="2000" spc="-1" strike="noStrike">
+              <a:solidFill>
+                <a:srgbClr val="000000"/>
+              </a:solidFill>
+              <a:uFill>
+                <a:solidFill>
+                  <a:srgbClr val="ffffff"/>
+                </a:solidFill>
+              </a:uFill>
+              <a:latin typeface="Arial"/>
+            </a:endParaRPr>
+          </a:p>
+          <a:p>
+            <a:pPr lvl="6" marL="3024000" indent="-216000">
               <a:buClr>
                 <a:srgbClr val="000000"/>
               </a:buClr>
@@ -4105,49 +4147,55 @@
               <a:buChar char=""/>
             </a:pPr>
             <a:r>
-              <a:rPr lang="en-US" sz="2000" b="0" strike="noStrike" spc="-1">
+              <a:rPr b="0" lang="en-US" sz="2000" spc="-1" strike="noStrike">
                 <a:solidFill>
                   <a:srgbClr val="000000"/>
                 </a:solidFill>
                 <a:uFill>
                   <a:solidFill>
-                    <a:srgbClr val="FFFFFF"/>
+                    <a:srgbClr val="ffffff"/>
                   </a:solidFill>
                 </a:uFill>
                 <a:latin typeface="Arial"/>
               </a:rPr>
               <a:t>Seventh Outline Level</a:t>
             </a:r>
+            <a:endParaRPr b="0" lang="en-US" sz="2000" spc="-1" strike="noStrike">
+              <a:solidFill>
+                <a:srgbClr val="000000"/>
+              </a:solidFill>
+              <a:uFill>
+                <a:solidFill>
+                  <a:srgbClr val="ffffff"/>
+                </a:solidFill>
+              </a:uFill>
+              <a:latin typeface="Arial"/>
+            </a:endParaRPr>
           </a:p>
         </p:txBody>
       </p:sp>
     </p:spTree>
   </p:cSld>
-  <p:clrMap bg1="lt1" tx1="dk1" bg2="lt2" tx2="dk2" accent1="accent1" accent2="accent2" accent3="accent3" accent4="accent4" accent5="accent5" accent6="accent6" hlink="hlink" folHlink="folHlink"/>
+  <p:clrMap bg1="lt1" bg2="lt2" tx1="dk1" tx2="dk2" accent1="accent1" accent2="accent2" accent3="accent3" accent4="accent4" accent5="accent5" accent6="accent6" hlink="hlink" folHlink="folHlink"/>
   <p:sldLayoutIdLst>
-    <p:sldLayoutId id="2147483662" r:id="rId1"/>
-    <p:sldLayoutId id="2147483663" r:id="rId2"/>
-    <p:sldLayoutId id="2147483664" r:id="rId3"/>
-    <p:sldLayoutId id="2147483665" r:id="rId4"/>
-    <p:sldLayoutId id="2147483666" r:id="rId5"/>
-    <p:sldLayoutId id="2147483667" r:id="rId6"/>
-    <p:sldLayoutId id="2147483668" r:id="rId7"/>
-    <p:sldLayoutId id="2147483669" r:id="rId8"/>
-    <p:sldLayoutId id="2147483670" r:id="rId9"/>
-    <p:sldLayoutId id="2147483671" r:id="rId10"/>
-    <p:sldLayoutId id="2147483672" r:id="rId11"/>
-    <p:sldLayoutId id="2147483673" r:id="rId12"/>
+    <p:sldLayoutId id="2147483662" r:id="rId2"/>
+    <p:sldLayoutId id="2147483663" r:id="rId3"/>
+    <p:sldLayoutId id="2147483664" r:id="rId4"/>
+    <p:sldLayoutId id="2147483665" r:id="rId5"/>
+    <p:sldLayoutId id="2147483666" r:id="rId6"/>
+    <p:sldLayoutId id="2147483667" r:id="rId7"/>
+    <p:sldLayoutId id="2147483668" r:id="rId8"/>
+    <p:sldLayoutId id="2147483669" r:id="rId9"/>
+    <p:sldLayoutId id="2147483670" r:id="rId10"/>
+    <p:sldLayoutId id="2147483671" r:id="rId11"/>
+    <p:sldLayoutId id="2147483672" r:id="rId12"/>
+    <p:sldLayoutId id="2147483673" r:id="rId13"/>
   </p:sldLayoutIdLst>
-  <p:txStyles>
-    <p:titleStyle/>
-    <p:bodyStyle/>
-    <p:otherStyle/>
-  </p:txStyles>
 </p:sldMaster>
 </file>
 
 <file path=ppt/slides/slide1.xml><?xml version="1.0" encoding="utf-8"?>
-<p:sld xmlns:a="http://schemas.openxmlformats.org/drawingml/2006/main" xmlns:r="http://schemas.openxmlformats.org/officeDocument/2006/relationships" xmlns:p="http://schemas.openxmlformats.org/presentationml/2006/main">
+<p:sld xmlns:a="http://schemas.openxmlformats.org/drawingml/2006/main" xmlns:p="http://schemas.openxmlformats.org/presentationml/2006/main" xmlns:r="http://schemas.openxmlformats.org/officeDocument/2006/relationships" xmlns:p14="http://schemas.microsoft.com/office/powerpoint/2010/main" xmlns:p15="http://schemas.microsoft.com/office/powerpoint/2012/main" xmlns:mc="http://schemas.openxmlformats.org/markup-compatibility/2006">
   <p:cSld>
     <p:spTree>
       <p:nvGrpSpPr>
@@ -4171,13 +4219,15 @@
         </p:nvSpPr>
         <p:spPr>
           <a:xfrm>
-            <a:off x="621000" y="79997"/>
-            <a:ext cx="9070920" cy="1261440"/>
-          </a:xfrm>
-          <a:prstGeom prst="rect">
-            <a:avLst/>
-          </a:prstGeom>
-          <a:ln/>
+            <a:off x="621000" y="79920"/>
+            <a:ext cx="9070560" cy="1261080"/>
+          </a:xfrm>
+          <a:prstGeom prst="rect">
+            <a:avLst/>
+          </a:prstGeom>
+          <a:ln>
+            <a:round/>
+          </a:ln>
         </p:spPr>
         <p:style>
           <a:lnRef idx="2">
@@ -4189,13 +4239,10 @@
           <a:effectRef idx="0">
             <a:schemeClr val="accent4"/>
           </a:effectRef>
-          <a:fontRef idx="minor">
-            <a:schemeClr val="dk1"/>
-          </a:fontRef>
+          <a:fontRef idx="minor"/>
         </p:style>
         <p:txBody>
-          <a:bodyPr lIns="0" tIns="0" rIns="0" bIns="0" anchor="ctr"/>
-          <a:lstStyle/>
+          <a:bodyPr lIns="0" rIns="0" tIns="0" bIns="0" anchor="ctr"/>
           <a:p>
             <a:pPr algn="ctr">
               <a:lnSpc>
@@ -4203,13 +4250,13 @@
               </a:lnSpc>
             </a:pPr>
             <a:r>
-              <a:rPr lang="en-US" sz="4400" b="0" strike="noStrike" spc="-1" dirty="0">
-                <a:solidFill>
-                  <a:schemeClr val="accent4"/>
-                </a:solidFill>
-                <a:uFill>
-                  <a:solidFill>
-                    <a:srgbClr val="FFFFFF"/>
+              <a:rPr b="0" lang="en-US" sz="4400" spc="-1" strike="noStrike">
+                <a:solidFill>
+                  <a:srgbClr val="8064a2"/>
+                </a:solidFill>
+                <a:uFill>
+                  <a:solidFill>
+                    <a:srgbClr val="ffffff"/>
                   </a:solidFill>
                 </a:uFill>
                 <a:latin typeface="Arial"/>
@@ -4217,13 +4264,13 @@
               </a:rPr>
               <a:t>Order Processing Application</a:t>
             </a:r>
-            <a:endParaRPr lang="en-US" sz="1800" b="0" strike="noStrike" spc="-1" dirty="0">
-              <a:solidFill>
-                <a:schemeClr val="accent4"/>
-              </a:solidFill>
-              <a:uFill>
-                <a:solidFill>
-                  <a:srgbClr val="FFFFFF"/>
+            <a:endParaRPr b="0" lang="en-US" sz="1800" spc="-1" strike="noStrike">
+              <a:solidFill>
+                <a:srgbClr val="000000"/>
+              </a:solidFill>
+              <a:uFill>
+                <a:solidFill>
+                  <a:srgbClr val="ffffff"/>
                 </a:solidFill>
               </a:uFill>
               <a:latin typeface="Arial"/>
@@ -4239,8 +4286,8 @@
         </p:nvSpPr>
         <p:spPr>
           <a:xfrm>
-            <a:off x="504000" y="3262397"/>
-            <a:ext cx="9070920" cy="1736640"/>
+            <a:off x="504000" y="3262320"/>
+            <a:ext cx="9070560" cy="1736280"/>
           </a:xfrm>
           <a:prstGeom prst="rect">
             <a:avLst/>
@@ -4251,22 +4298,15 @@
           </a:ln>
         </p:spPr>
         <p:style>
-          <a:lnRef idx="0">
-            <a:scrgbClr r="0" g="0" b="0"/>
-          </a:lnRef>
-          <a:fillRef idx="0">
-            <a:scrgbClr r="0" g="0" b="0"/>
-          </a:fillRef>
-          <a:effectRef idx="0">
-            <a:scrgbClr r="0" g="0" b="0"/>
-          </a:effectRef>
+          <a:lnRef idx="0"/>
+          <a:fillRef idx="0"/>
+          <a:effectRef idx="0"/>
           <a:fontRef idx="minor"/>
         </p:style>
         <p:txBody>
-          <a:bodyPr lIns="0" tIns="0" rIns="0" bIns="0"/>
-          <a:lstStyle/>
-          <a:p>
-            <a:pPr marL="432000" indent="-323280">
+          <a:bodyPr lIns="0" rIns="0" tIns="0" bIns="0"/>
+          <a:p>
+            <a:pPr marL="432000" indent="-322920">
               <a:lnSpc>
                 <a:spcPct val="100000"/>
               </a:lnSpc>
@@ -4278,13 +4318,13 @@
               <a:buChar char=""/>
             </a:pPr>
             <a:r>
-              <a:rPr lang="en-US" sz="3200" b="0" strike="noStrike" spc="-1" dirty="0">
+              <a:rPr b="0" lang="en-US" sz="3200" spc="-1" strike="noStrike">
                 <a:solidFill>
                   <a:srgbClr val="000000"/>
                 </a:solidFill>
                 <a:uFill>
                   <a:solidFill>
-                    <a:srgbClr val="FFFFFF"/>
+                    <a:srgbClr val="ffffff"/>
                   </a:solidFill>
                 </a:uFill>
                 <a:latin typeface="Arial"/>
@@ -4293,13 +4333,13 @@
               <a:t>Michael Bertucci (</a:t>
             </a:r>
             <a:r>
-              <a:rPr lang="en-US" sz="3200" b="0" strike="noStrike" spc="-1" dirty="0">
-                <a:solidFill>
-                  <a:srgbClr val="0000CC"/>
-                </a:solidFill>
-                <a:uFill>
-                  <a:solidFill>
-                    <a:srgbClr val="FFFFFF"/>
+              <a:rPr b="0" lang="en-US" sz="3200" spc="-1" strike="noStrike">
+                <a:solidFill>
+                  <a:srgbClr val="0000cc"/>
+                </a:solidFill>
+                <a:uFill>
+                  <a:solidFill>
+                    <a:srgbClr val="ffffff"/>
                   </a:solidFill>
                 </a:uFill>
                 <a:latin typeface="Arial"/>
@@ -4308,13 +4348,13 @@
               <a:t>@mbertucci1</a:t>
             </a:r>
             <a:r>
-              <a:rPr lang="en-US" sz="3200" b="0" strike="noStrike" spc="-1" dirty="0">
+              <a:rPr b="0" lang="en-US" sz="3200" spc="-1" strike="noStrike">
                 <a:solidFill>
                   <a:srgbClr val="000000"/>
                 </a:solidFill>
                 <a:uFill>
                   <a:solidFill>
-                    <a:srgbClr val="FFFFFF"/>
+                    <a:srgbClr val="ffffff"/>
                   </a:solidFill>
                 </a:uFill>
                 <a:latin typeface="Arial"/>
@@ -4322,20 +4362,20 @@
               </a:rPr>
               <a:t>)</a:t>
             </a:r>
-            <a:endParaRPr lang="en-US" sz="1800" b="0" strike="noStrike" spc="-1" dirty="0">
-              <a:solidFill>
-                <a:srgbClr val="000000"/>
-              </a:solidFill>
-              <a:uFill>
-                <a:solidFill>
-                  <a:srgbClr val="FFFFFF"/>
-                </a:solidFill>
-              </a:uFill>
-              <a:latin typeface="Arial"/>
-            </a:endParaRPr>
-          </a:p>
-          <a:p>
-            <a:pPr marL="432000" indent="-323280">
+            <a:endParaRPr b="0" lang="en-US" sz="1800" spc="-1" strike="noStrike">
+              <a:solidFill>
+                <a:srgbClr val="000000"/>
+              </a:solidFill>
+              <a:uFill>
+                <a:solidFill>
+                  <a:srgbClr val="ffffff"/>
+                </a:solidFill>
+              </a:uFill>
+              <a:latin typeface="Arial"/>
+            </a:endParaRPr>
+          </a:p>
+          <a:p>
+            <a:pPr marL="432000" indent="-322920">
               <a:lnSpc>
                 <a:spcPct val="100000"/>
               </a:lnSpc>
@@ -4347,13 +4387,13 @@
               <a:buChar char=""/>
             </a:pPr>
             <a:r>
-              <a:rPr lang="en-US" sz="3200" b="0" strike="noStrike" spc="-1" dirty="0">
+              <a:rPr b="0" lang="en-US" sz="3200" spc="-1" strike="noStrike">
                 <a:solidFill>
                   <a:srgbClr val="000000"/>
                 </a:solidFill>
                 <a:uFill>
                   <a:solidFill>
-                    <a:srgbClr val="FFFFFF"/>
+                    <a:srgbClr val="ffffff"/>
                   </a:solidFill>
                 </a:uFill>
                 <a:latin typeface="Arial"/>
@@ -4361,13 +4401,13 @@
               </a:rPr>
               <a:t>Michael_Bertucci@student.uml.edu</a:t>
             </a:r>
-            <a:endParaRPr lang="en-US" sz="1800" b="0" strike="noStrike" spc="-1" dirty="0">
-              <a:solidFill>
-                <a:srgbClr val="000000"/>
-              </a:solidFill>
-              <a:uFill>
-                <a:solidFill>
-                  <a:srgbClr val="FFFFFF"/>
+            <a:endParaRPr b="0" lang="en-US" sz="1800" spc="-1" strike="noStrike">
+              <a:solidFill>
+                <a:srgbClr val="000000"/>
+              </a:solidFill>
+              <a:uFill>
+                <a:solidFill>
+                  <a:srgbClr val="ffffff"/>
                 </a:solidFill>
               </a:uFill>
               <a:latin typeface="Arial"/>
@@ -4383,8 +4423,8 @@
         </p:nvSpPr>
         <p:spPr>
           <a:xfrm>
-            <a:off x="529560" y="1631717"/>
-            <a:ext cx="9070920" cy="1462320"/>
+            <a:off x="529560" y="1631880"/>
+            <a:ext cx="9070560" cy="1461960"/>
           </a:xfrm>
           <a:prstGeom prst="rect">
             <a:avLst/>
@@ -4395,22 +4435,15 @@
           </a:ln>
         </p:spPr>
         <p:style>
-          <a:lnRef idx="0">
-            <a:scrgbClr r="0" g="0" b="0"/>
-          </a:lnRef>
-          <a:fillRef idx="0">
-            <a:scrgbClr r="0" g="0" b="0"/>
-          </a:fillRef>
-          <a:effectRef idx="0">
-            <a:scrgbClr r="0" g="0" b="0"/>
-          </a:effectRef>
+          <a:lnRef idx="0"/>
+          <a:fillRef idx="0"/>
+          <a:effectRef idx="0"/>
           <a:fontRef idx="minor"/>
         </p:style>
         <p:txBody>
-          <a:bodyPr lIns="0" tIns="0" rIns="0" bIns="0"/>
-          <a:lstStyle/>
-          <a:p>
-            <a:pPr marL="432000" indent="-323280">
+          <a:bodyPr lIns="0" rIns="0" tIns="0" bIns="0"/>
+          <a:p>
+            <a:pPr marL="432000" indent="-322920">
               <a:lnSpc>
                 <a:spcPct val="100000"/>
               </a:lnSpc>
@@ -4422,13 +4455,13 @@
               <a:buChar char=""/>
             </a:pPr>
             <a:r>
-              <a:rPr lang="en-US" sz="3200" b="0" strike="noStrike" spc="-1" dirty="0">
+              <a:rPr b="0" lang="en-US" sz="3200" spc="-1" strike="noStrike">
                 <a:solidFill>
                   <a:srgbClr val="000000"/>
                 </a:solidFill>
                 <a:uFill>
                   <a:solidFill>
-                    <a:srgbClr val="FFFFFF"/>
+                    <a:srgbClr val="ffffff"/>
                   </a:solidFill>
                 </a:uFill>
                 <a:latin typeface="Arial"/>
@@ -4437,13 +4470,13 @@
               <a:t>Muhammed Khalid (</a:t>
             </a:r>
             <a:r>
-              <a:rPr lang="en-US" sz="3200" b="0" strike="noStrike" spc="-1" dirty="0">
-                <a:solidFill>
-                  <a:srgbClr val="0000CC"/>
-                </a:solidFill>
-                <a:uFill>
-                  <a:solidFill>
-                    <a:srgbClr val="FFFFFF"/>
+              <a:rPr b="0" lang="en-US" sz="3200" spc="-1" strike="noStrike">
+                <a:solidFill>
+                  <a:srgbClr val="0000cc"/>
+                </a:solidFill>
+                <a:uFill>
+                  <a:solidFill>
+                    <a:srgbClr val="ffffff"/>
                   </a:solidFill>
                 </a:uFill>
                 <a:latin typeface="Arial"/>
@@ -4452,13 +4485,13 @@
               <a:t>@mkhalid578</a:t>
             </a:r>
             <a:r>
-              <a:rPr lang="en-US" sz="3200" b="0" strike="noStrike" spc="-1" dirty="0">
+              <a:rPr b="0" lang="en-US" sz="3200" spc="-1" strike="noStrike">
                 <a:solidFill>
                   <a:srgbClr val="000000"/>
                 </a:solidFill>
                 <a:uFill>
                   <a:solidFill>
-                    <a:srgbClr val="FFFFFF"/>
+                    <a:srgbClr val="ffffff"/>
                   </a:solidFill>
                 </a:uFill>
                 <a:latin typeface="Arial"/>
@@ -4466,20 +4499,20 @@
               </a:rPr>
               <a:t>)</a:t>
             </a:r>
-            <a:endParaRPr lang="en-US" sz="1800" b="0" strike="noStrike" spc="-1" dirty="0">
-              <a:solidFill>
-                <a:srgbClr val="000000"/>
-              </a:solidFill>
-              <a:uFill>
-                <a:solidFill>
-                  <a:srgbClr val="FFFFFF"/>
-                </a:solidFill>
-              </a:uFill>
-              <a:latin typeface="Arial"/>
-            </a:endParaRPr>
-          </a:p>
-          <a:p>
-            <a:pPr marL="432000" indent="-323280">
+            <a:endParaRPr b="0" lang="en-US" sz="1800" spc="-1" strike="noStrike">
+              <a:solidFill>
+                <a:srgbClr val="000000"/>
+              </a:solidFill>
+              <a:uFill>
+                <a:solidFill>
+                  <a:srgbClr val="ffffff"/>
+                </a:solidFill>
+              </a:uFill>
+              <a:latin typeface="Arial"/>
+            </a:endParaRPr>
+          </a:p>
+          <a:p>
+            <a:pPr marL="432000" indent="-322920">
               <a:lnSpc>
                 <a:spcPct val="100000"/>
               </a:lnSpc>
@@ -4491,13 +4524,13 @@
               <a:buChar char=""/>
             </a:pPr>
             <a:r>
-              <a:rPr lang="en-US" sz="3200" b="0" strike="noStrike" spc="-1" dirty="0">
+              <a:rPr b="0" lang="en-US" sz="3200" spc="-1" strike="noStrike">
                 <a:solidFill>
                   <a:srgbClr val="000000"/>
                 </a:solidFill>
                 <a:uFill>
                   <a:solidFill>
-                    <a:srgbClr val="FFFFFF"/>
+                    <a:srgbClr val="ffffff"/>
                   </a:solidFill>
                 </a:uFill>
                 <a:latin typeface="Arial"/>
@@ -4505,13 +4538,13 @@
               </a:rPr>
               <a:t>Muhammed_Khalid@student.uml.edu</a:t>
             </a:r>
-            <a:endParaRPr lang="en-US" sz="1800" b="0" strike="noStrike" spc="-1" dirty="0">
-              <a:solidFill>
-                <a:srgbClr val="000000"/>
-              </a:solidFill>
-              <a:uFill>
-                <a:solidFill>
-                  <a:srgbClr val="FFFFFF"/>
+            <a:endParaRPr b="0" lang="en-US" sz="1800" spc="-1" strike="noStrike">
+              <a:solidFill>
+                <a:srgbClr val="000000"/>
+              </a:solidFill>
+              <a:uFill>
+                <a:solidFill>
+                  <a:srgbClr val="ffffff"/>
                 </a:solidFill>
               </a:uFill>
               <a:latin typeface="Arial"/>
@@ -4527,8 +4560,8 @@
         </p:nvSpPr>
         <p:spPr>
           <a:xfrm>
-            <a:off x="529560" y="5075237"/>
-            <a:ext cx="9070920" cy="1816200"/>
+            <a:off x="529560" y="5075280"/>
+            <a:ext cx="9070560" cy="1815840"/>
           </a:xfrm>
           <a:prstGeom prst="rect">
             <a:avLst/>
@@ -4539,22 +4572,15 @@
           </a:ln>
         </p:spPr>
         <p:style>
-          <a:lnRef idx="0">
-            <a:scrgbClr r="0" g="0" b="0"/>
-          </a:lnRef>
-          <a:fillRef idx="0">
-            <a:scrgbClr r="0" g="0" b="0"/>
-          </a:fillRef>
-          <a:effectRef idx="0">
-            <a:scrgbClr r="0" g="0" b="0"/>
-          </a:effectRef>
+          <a:lnRef idx="0"/>
+          <a:fillRef idx="0"/>
+          <a:effectRef idx="0"/>
           <a:fontRef idx="minor"/>
         </p:style>
         <p:txBody>
-          <a:bodyPr lIns="0" tIns="0" rIns="0" bIns="0"/>
-          <a:lstStyle/>
-          <a:p>
-            <a:pPr marL="432000" indent="-323280">
+          <a:bodyPr lIns="0" rIns="0" tIns="0" bIns="0"/>
+          <a:p>
+            <a:pPr marL="432000" indent="-322920">
               <a:lnSpc>
                 <a:spcPct val="100000"/>
               </a:lnSpc>
@@ -4566,58 +4592,43 @@
               <a:buChar char=""/>
             </a:pPr>
             <a:r>
-              <a:rPr lang="en-US" sz="3200" b="0" strike="noStrike" spc="-1" dirty="0" err="1">
+              <a:rPr b="0" lang="en-US" sz="3200" spc="-1" strike="noStrike">
                 <a:solidFill>
                   <a:srgbClr val="000000"/>
                 </a:solidFill>
                 <a:uFill>
                   <a:solidFill>
-                    <a:srgbClr val="FFFFFF"/>
-                  </a:solidFill>
-                </a:uFill>
-                <a:latin typeface="Arial"/>
-                <a:ea typeface="DejaVu Sans"/>
-              </a:rPr>
-              <a:t>Vibhuti</a:t>
-            </a:r>
-            <a:r>
-              <a:rPr lang="en-US" sz="3200" b="0" strike="noStrike" spc="-1" dirty="0">
+                    <a:srgbClr val="ffffff"/>
+                  </a:solidFill>
+                </a:uFill>
+                <a:latin typeface="Arial"/>
+                <a:ea typeface="DejaVu Sans"/>
+              </a:rPr>
+              <a:t>Vibhuti Patel (</a:t>
+            </a:r>
+            <a:r>
+              <a:rPr b="0" lang="en-US" sz="3200" spc="-1" strike="noStrike">
+                <a:solidFill>
+                  <a:srgbClr val="0000ff"/>
+                </a:solidFill>
+                <a:uFill>
+                  <a:solidFill>
+                    <a:srgbClr val="ffffff"/>
+                  </a:solidFill>
+                </a:uFill>
+                <a:latin typeface="Arial"/>
+                <a:ea typeface="DejaVu Sans"/>
+              </a:rPr>
+              <a:t>@vibhutipatel18</a:t>
+            </a:r>
+            <a:r>
+              <a:rPr b="0" lang="en-US" sz="3200" spc="-1" strike="noStrike">
                 <a:solidFill>
                   <a:srgbClr val="000000"/>
                 </a:solidFill>
                 <a:uFill>
                   <a:solidFill>
-                    <a:srgbClr val="FFFFFF"/>
-                  </a:solidFill>
-                </a:uFill>
-                <a:latin typeface="Arial"/>
-                <a:ea typeface="DejaVu Sans"/>
-              </a:rPr>
-              <a:t> Patel (</a:t>
-            </a:r>
-            <a:r>
-              <a:rPr lang="en-US" sz="3200" b="0" strike="noStrike" spc="-1" dirty="0">
-                <a:solidFill>
-                  <a:srgbClr val="0000FF"/>
-                </a:solidFill>
-                <a:uFill>
-                  <a:solidFill>
-                    <a:srgbClr val="FFFFFF"/>
-                  </a:solidFill>
-                </a:uFill>
-                <a:latin typeface="Arial"/>
-                <a:ea typeface="DejaVu Sans"/>
-              </a:rPr>
-              <a:t>@vibhutipatel18</a:t>
-            </a:r>
-            <a:r>
-              <a:rPr lang="en-US" sz="3200" b="0" strike="noStrike" spc="-1" dirty="0">
-                <a:solidFill>
-                  <a:srgbClr val="000000"/>
-                </a:solidFill>
-                <a:uFill>
-                  <a:solidFill>
-                    <a:srgbClr val="FFFFFF"/>
+                    <a:srgbClr val="ffffff"/>
                   </a:solidFill>
                 </a:uFill>
                 <a:latin typeface="Arial"/>
@@ -4625,20 +4636,20 @@
               </a:rPr>
               <a:t>)</a:t>
             </a:r>
-            <a:endParaRPr lang="en-US" sz="1800" b="0" strike="noStrike" spc="-1" dirty="0">
-              <a:solidFill>
-                <a:srgbClr val="000000"/>
-              </a:solidFill>
-              <a:uFill>
-                <a:solidFill>
-                  <a:srgbClr val="FFFFFF"/>
-                </a:solidFill>
-              </a:uFill>
-              <a:latin typeface="Arial"/>
-            </a:endParaRPr>
-          </a:p>
-          <a:p>
-            <a:pPr marL="432000" indent="-323280">
+            <a:endParaRPr b="0" lang="en-US" sz="1800" spc="-1" strike="noStrike">
+              <a:solidFill>
+                <a:srgbClr val="000000"/>
+              </a:solidFill>
+              <a:uFill>
+                <a:solidFill>
+                  <a:srgbClr val="ffffff"/>
+                </a:solidFill>
+              </a:uFill>
+              <a:latin typeface="Arial"/>
+            </a:endParaRPr>
+          </a:p>
+          <a:p>
+            <a:pPr marL="432000" indent="-322920">
               <a:lnSpc>
                 <a:spcPct val="100000"/>
               </a:lnSpc>
@@ -4650,27 +4661,27 @@
               <a:buChar char=""/>
             </a:pPr>
             <a:r>
-              <a:rPr lang="en-US" sz="3200" b="0" strike="noStrike" spc="-1" dirty="0">
+              <a:rPr b="0" lang="en-US" sz="3200" spc="-1" strike="noStrike">
                 <a:solidFill>
                   <a:srgbClr val="000000"/>
                 </a:solidFill>
                 <a:uFill>
                   <a:solidFill>
-                    <a:srgbClr val="FFFFFF"/>
-                  </a:solidFill>
-                </a:uFill>
-                <a:latin typeface="Arial"/>
-                <a:ea typeface="DejaVu Sans"/>
-              </a:rPr>
-              <a:t>Vibhuti_Patel@student.uml.edu</a:t>
-            </a:r>
-            <a:endParaRPr lang="en-US" sz="1800" b="0" strike="noStrike" spc="-1" dirty="0">
-              <a:solidFill>
-                <a:srgbClr val="000000"/>
-              </a:solidFill>
-              <a:uFill>
-                <a:solidFill>
-                  <a:srgbClr val="FFFFFF"/>
+                    <a:srgbClr val="ffffff"/>
+                  </a:solidFill>
+                </a:uFill>
+                <a:latin typeface="Arial"/>
+                <a:ea typeface="DejaVu Sans"/>
+              </a:rPr>
+              <a:t>Vibhuti_Patel1@student.uml.edu</a:t>
+            </a:r>
+            <a:endParaRPr b="0" lang="en-US" sz="1800" spc="-1" strike="noStrike">
+              <a:solidFill>
+                <a:srgbClr val="000000"/>
+              </a:solidFill>
+              <a:uFill>
+                <a:solidFill>
+                  <a:srgbClr val="ffffff"/>
                 </a:solidFill>
               </a:uFill>
               <a:latin typeface="Arial"/>
@@ -4680,9 +4691,6 @@
       </p:sp>
     </p:spTree>
   </p:cSld>
-  <p:clrMapOvr>
-    <a:masterClrMapping/>
-  </p:clrMapOvr>
   <p:timing>
     <p:tnLst>
       <p:par>
@@ -4691,14 +4699,14 @@
             <p:seq>
               <p:cTn id="2" nodeType="mainSeq"/>
               <p:prevCondLst>
-                <p:cond evt="onPrev" delay="0">
+                <p:cond delay="0" evt="onPrev">
                   <p:tgtEl>
                     <p:sldTgt/>
                   </p:tgtEl>
                 </p:cond>
               </p:prevCondLst>
               <p:nextCondLst>
-                <p:cond evt="onNext" delay="0">
+                <p:cond delay="0" evt="onNext">
                   <p:tgtEl>
                     <p:sldTgt/>
                   </p:tgtEl>
@@ -4714,7 +4722,7 @@
 </file>
 
 <file path=ppt/slides/slide2.xml><?xml version="1.0" encoding="utf-8"?>
-<p:sld xmlns:a="http://schemas.openxmlformats.org/drawingml/2006/main" xmlns:r="http://schemas.openxmlformats.org/officeDocument/2006/relationships" xmlns:p="http://schemas.openxmlformats.org/presentationml/2006/main">
+<p:sld xmlns:a="http://schemas.openxmlformats.org/drawingml/2006/main" xmlns:p="http://schemas.openxmlformats.org/presentationml/2006/main" xmlns:r="http://schemas.openxmlformats.org/officeDocument/2006/relationships" xmlns:p14="http://schemas.microsoft.com/office/powerpoint/2010/main" xmlns:p15="http://schemas.microsoft.com/office/powerpoint/2012/main" xmlns:mc="http://schemas.openxmlformats.org/markup-compatibility/2006">
   <p:cSld>
     <p:spTree>
       <p:nvGrpSpPr>
@@ -4739,7 +4747,7 @@
         <p:spPr>
           <a:xfrm>
             <a:off x="504000" y="301320"/>
-            <a:ext cx="9070920" cy="1134720"/>
+            <a:ext cx="9070560" cy="1134360"/>
           </a:xfrm>
           <a:prstGeom prst="rect">
             <a:avLst/>
@@ -4750,20 +4758,13 @@
           </a:ln>
         </p:spPr>
         <p:style>
-          <a:lnRef idx="0">
-            <a:scrgbClr r="0" g="0" b="0"/>
-          </a:lnRef>
-          <a:fillRef idx="0">
-            <a:scrgbClr r="0" g="0" b="0"/>
-          </a:fillRef>
-          <a:effectRef idx="0">
-            <a:scrgbClr r="0" g="0" b="0"/>
-          </a:effectRef>
+          <a:lnRef idx="0"/>
+          <a:fillRef idx="0"/>
+          <a:effectRef idx="0"/>
           <a:fontRef idx="minor"/>
         </p:style>
         <p:txBody>
-          <a:bodyPr lIns="0" tIns="0" rIns="0" bIns="0" anchor="ctr"/>
-          <a:lstStyle/>
+          <a:bodyPr lIns="0" rIns="0" tIns="0" bIns="0" anchor="ctr"/>
           <a:p>
             <a:pPr>
               <a:lnSpc>
@@ -4771,13 +4772,13 @@
               </a:lnSpc>
             </a:pPr>
             <a:r>
-              <a:rPr lang="en-US" sz="4400" b="1" strike="noStrike" spc="-1" dirty="0">
-                <a:solidFill>
-                  <a:schemeClr val="accent4"/>
-                </a:solidFill>
-                <a:uFill>
-                  <a:solidFill>
-                    <a:srgbClr val="FFFFFF"/>
+              <a:rPr b="1" lang="en-US" sz="4400" spc="-1" strike="noStrike">
+                <a:solidFill>
+                  <a:srgbClr val="8064a2"/>
+                </a:solidFill>
+                <a:uFill>
+                  <a:solidFill>
+                    <a:srgbClr val="ffffff"/>
                   </a:solidFill>
                 </a:uFill>
                 <a:latin typeface="Arial"/>
@@ -4785,13 +4786,13 @@
               </a:rPr>
               <a:t>Introduction</a:t>
             </a:r>
-            <a:endParaRPr lang="en-US" sz="1800" b="0" strike="noStrike" spc="-1" dirty="0">
-              <a:solidFill>
-                <a:schemeClr val="accent4"/>
-              </a:solidFill>
-              <a:uFill>
-                <a:solidFill>
-                  <a:srgbClr val="FFFFFF"/>
+            <a:endParaRPr b="0" lang="en-US" sz="1800" spc="-1" strike="noStrike">
+              <a:solidFill>
+                <a:srgbClr val="000000"/>
+              </a:solidFill>
+              <a:uFill>
+                <a:solidFill>
+                  <a:srgbClr val="ffffff"/>
                 </a:solidFill>
               </a:uFill>
               <a:latin typeface="Arial"/>
@@ -4807,8 +4808,8 @@
         </p:nvSpPr>
         <p:spPr>
           <a:xfrm>
-            <a:off x="504000" y="1189037"/>
-            <a:ext cx="9070920" cy="5529240"/>
+            <a:off x="504000" y="1189080"/>
+            <a:ext cx="9070560" cy="5528880"/>
           </a:xfrm>
           <a:prstGeom prst="rect">
             <a:avLst/>
@@ -4819,421 +4820,425 @@
           </a:ln>
         </p:spPr>
         <p:style>
-          <a:lnRef idx="0">
-            <a:scrgbClr r="0" g="0" b="0"/>
-          </a:lnRef>
-          <a:fillRef idx="0">
-            <a:scrgbClr r="0" g="0" b="0"/>
-          </a:fillRef>
-          <a:effectRef idx="0">
-            <a:scrgbClr r="0" g="0" b="0"/>
-          </a:effectRef>
+          <a:lnRef idx="0"/>
+          <a:fillRef idx="0"/>
+          <a:effectRef idx="0"/>
           <a:fontRef idx="minor"/>
         </p:style>
         <p:txBody>
-          <a:bodyPr lIns="0" tIns="0" rIns="0" bIns="0"/>
-          <a:lstStyle/>
+          <a:bodyPr lIns="0" rIns="0" tIns="0" bIns="0"/>
           <a:p>
             <a:pPr>
               <a:lnSpc>
                 <a:spcPct val="100000"/>
               </a:lnSpc>
             </a:pPr>
-            <a:endParaRPr lang="en-US" sz="1800" b="0" strike="noStrike" spc="-1" dirty="0">
-              <a:solidFill>
-                <a:srgbClr val="000000"/>
-              </a:solidFill>
-              <a:uFill>
-                <a:solidFill>
-                  <a:srgbClr val="FFFFFF"/>
-                </a:solidFill>
-              </a:uFill>
-              <a:latin typeface="Arial"/>
-            </a:endParaRPr>
-          </a:p>
-          <a:p>
-            <a:pPr marL="457200" indent="-457200">
+            <a:endParaRPr b="0" lang="en-US" sz="1800" spc="-1" strike="noStrike">
+              <a:solidFill>
+                <a:srgbClr val="000000"/>
+              </a:solidFill>
+              <a:uFill>
+                <a:solidFill>
+                  <a:srgbClr val="ffffff"/>
+                </a:solidFill>
+              </a:uFill>
+              <a:latin typeface="Arial"/>
+            </a:endParaRPr>
+          </a:p>
+          <a:p>
+            <a:pPr marL="457200" indent="-456840">
               <a:lnSpc>
                 <a:spcPct val="100000"/>
               </a:lnSpc>
-              <a:buFont typeface="Arial" panose="020B0604020202020204" pitchFamily="34" charset="0"/>
+              <a:buClr>
+                <a:srgbClr val="1f497d"/>
+              </a:buClr>
+              <a:buFont typeface="Arial"/>
               <a:buChar char="•"/>
             </a:pPr>
             <a:r>
-              <a:rPr lang="en-US" sz="2800" b="1" spc="-1" dirty="0" smtClean="0">
-                <a:solidFill>
-                  <a:schemeClr val="tx2"/>
-                </a:solidFill>
-                <a:uFill>
-                  <a:solidFill>
-                    <a:srgbClr val="FFFFFF"/>
-                  </a:solidFill>
-                </a:uFill>
-                <a:latin typeface="Arial"/>
-                <a:ea typeface="DejaVu Sans"/>
-              </a:rPr>
-              <a:t>Proposing the creation of an</a:t>
-            </a:r>
-            <a:r>
-              <a:rPr lang="en-US" sz="2800" b="1" strike="noStrike" spc="-1" dirty="0">
-                <a:solidFill>
-                  <a:schemeClr val="tx2"/>
-                </a:solidFill>
-                <a:uFill>
-                  <a:solidFill>
-                    <a:srgbClr val="FFFFFF"/>
-                  </a:solidFill>
-                </a:uFill>
-                <a:latin typeface="Arial"/>
-                <a:ea typeface="DejaVu Sans"/>
-              </a:rPr>
-              <a:t> </a:t>
-            </a:r>
-            <a:r>
-              <a:rPr lang="en-US" sz="2800" b="1" u="sng" strike="noStrike" spc="-1" dirty="0">
-                <a:solidFill>
-                  <a:schemeClr val="tx2"/>
-                </a:solidFill>
-                <a:uFill>
-                  <a:solidFill>
-                    <a:schemeClr val="tx2"/>
-                  </a:solidFill>
-                </a:uFill>
-                <a:latin typeface="Arial"/>
-                <a:ea typeface="DejaVu Sans"/>
-              </a:rPr>
-              <a:t>Order Processing </a:t>
-            </a:r>
-            <a:r>
-              <a:rPr lang="en-US" sz="2800" b="1" u="sng" strike="noStrike" spc="-1" dirty="0" smtClean="0">
-                <a:solidFill>
-                  <a:schemeClr val="tx2"/>
-                </a:solidFill>
-                <a:uFill>
-                  <a:solidFill>
-                    <a:schemeClr val="tx2"/>
-                  </a:solidFill>
-                </a:uFill>
-                <a:latin typeface="Arial"/>
-                <a:ea typeface="DejaVu Sans"/>
-              </a:rPr>
-              <a:t>application</a:t>
-            </a:r>
-            <a:endParaRPr lang="en-US" sz="2800" b="1" spc="-1" dirty="0" smtClean="0">
-              <a:solidFill>
-                <a:schemeClr val="tx2"/>
-              </a:solidFill>
-              <a:uFill>
-                <a:solidFill>
-                  <a:srgbClr val="FFFFFF"/>
-                </a:solidFill>
-              </a:uFill>
-              <a:latin typeface="Arial"/>
-              <a:ea typeface="DejaVu Sans"/>
-            </a:endParaRPr>
-          </a:p>
-          <a:p>
-            <a:pPr marL="457200" indent="-457200">
+              <a:rPr b="1" lang="en-US" sz="2800" spc="-1" strike="noStrike">
+                <a:solidFill>
+                  <a:srgbClr val="1f497d"/>
+                </a:solidFill>
+                <a:uFill>
+                  <a:solidFill>
+                    <a:srgbClr val="ffffff"/>
+                  </a:solidFill>
+                </a:uFill>
+                <a:latin typeface="Arial"/>
+                <a:ea typeface="DejaVu Sans"/>
+              </a:rPr>
+              <a:t>Proposing the creation of an </a:t>
+            </a:r>
+            <a:r>
+              <a:rPr b="1" lang="en-US" sz="2800" spc="-1" strike="noStrike" u="sng">
+                <a:solidFill>
+                  <a:srgbClr val="1f497d"/>
+                </a:solidFill>
+                <a:uFill>
+                  <a:solidFill>
+                    <a:srgbClr val="1f497d"/>
+                  </a:solidFill>
+                </a:uFill>
+                <a:latin typeface="Arial"/>
+                <a:ea typeface="DejaVu Sans"/>
+              </a:rPr>
+              <a:t>Order Processing application</a:t>
+            </a:r>
+            <a:endParaRPr b="0" lang="en-US" sz="1800" spc="-1" strike="noStrike">
+              <a:solidFill>
+                <a:srgbClr val="000000"/>
+              </a:solidFill>
+              <a:uFill>
+                <a:solidFill>
+                  <a:srgbClr val="ffffff"/>
+                </a:solidFill>
+              </a:uFill>
+              <a:latin typeface="Arial"/>
+            </a:endParaRPr>
+          </a:p>
+          <a:p>
+            <a:pPr marL="457200" indent="-456840">
               <a:lnSpc>
                 <a:spcPct val="100000"/>
               </a:lnSpc>
-              <a:buFont typeface="Arial" panose="020B0604020202020204" pitchFamily="34" charset="0"/>
+              <a:buClr>
+                <a:srgbClr val="1f497d"/>
+              </a:buClr>
+              <a:buFont typeface="Arial"/>
               <a:buChar char="•"/>
             </a:pPr>
             <a:r>
-              <a:rPr lang="en-US" sz="2800" b="1" spc="-1" dirty="0" smtClean="0">
-                <a:solidFill>
-                  <a:schemeClr val="tx2"/>
-                </a:solidFill>
-                <a:uFill>
-                  <a:solidFill>
-                    <a:srgbClr val="FFFFFF"/>
-                  </a:solidFill>
-                </a:uFill>
-                <a:latin typeface="Arial"/>
+              <a:rPr b="1" lang="en-US" sz="2800" spc="-1" strike="noStrike">
+                <a:solidFill>
+                  <a:srgbClr val="1f497d"/>
+                </a:solidFill>
+                <a:uFill>
+                  <a:solidFill>
+                    <a:srgbClr val="1f497d"/>
+                  </a:solidFill>
+                </a:uFill>
+                <a:latin typeface="Arial"/>
+                <a:ea typeface="DejaVu Sans"/>
               </a:rPr>
               <a:t>A business often needs to purchase items from external vendors</a:t>
             </a:r>
-          </a:p>
-          <a:p>
-            <a:pPr marL="457200" indent="-457200">
+            <a:endParaRPr b="0" lang="en-US" sz="1800" spc="-1" strike="noStrike">
+              <a:solidFill>
+                <a:srgbClr val="000000"/>
+              </a:solidFill>
+              <a:uFill>
+                <a:solidFill>
+                  <a:srgbClr val="ffffff"/>
+                </a:solidFill>
+              </a:uFill>
+              <a:latin typeface="Arial"/>
+            </a:endParaRPr>
+          </a:p>
+          <a:p>
+            <a:pPr marL="457200" indent="-456840">
               <a:lnSpc>
                 <a:spcPct val="100000"/>
               </a:lnSpc>
-              <a:buFont typeface="Arial" panose="020B0604020202020204" pitchFamily="34" charset="0"/>
+              <a:buClr>
+                <a:srgbClr val="1f497d"/>
+              </a:buClr>
+              <a:buFont typeface="Arial"/>
               <a:buChar char="•"/>
             </a:pPr>
             <a:r>
-              <a:rPr lang="en-US" sz="2800" b="1" spc="-1" dirty="0" smtClean="0">
-                <a:solidFill>
-                  <a:schemeClr val="tx2"/>
-                </a:solidFill>
-                <a:uFill>
-                  <a:solidFill>
-                    <a:srgbClr val="FFFFFF"/>
-                  </a:solidFill>
-                </a:uFill>
-                <a:latin typeface="Arial"/>
+              <a:rPr b="1" lang="en-US" sz="2800" spc="-1" strike="noStrike">
+                <a:solidFill>
+                  <a:srgbClr val="1f497d"/>
+                </a:solidFill>
+                <a:uFill>
+                  <a:solidFill>
+                    <a:srgbClr val="1f497d"/>
+                  </a:solidFill>
+                </a:uFill>
+                <a:latin typeface="Arial"/>
+                <a:ea typeface="DejaVu Sans"/>
               </a:rPr>
               <a:t>With this application, employees from across the company can see:</a:t>
             </a:r>
-          </a:p>
-          <a:p>
-            <a:pPr marL="914400" lvl="1" indent="-457200">
-              <a:buFont typeface="Arial" panose="020B0604020202020204" pitchFamily="34" charset="0"/>
+            <a:endParaRPr b="0" lang="en-US" sz="1800" spc="-1" strike="noStrike">
+              <a:solidFill>
+                <a:srgbClr val="000000"/>
+              </a:solidFill>
+              <a:uFill>
+                <a:solidFill>
+                  <a:srgbClr val="ffffff"/>
+                </a:solidFill>
+              </a:uFill>
+              <a:latin typeface="Arial"/>
+            </a:endParaRPr>
+          </a:p>
+          <a:p>
+            <a:pPr lvl="1" marL="914400" indent="-456840">
+              <a:lnSpc>
+                <a:spcPct val="100000"/>
+              </a:lnSpc>
+              <a:buClr>
+                <a:srgbClr val="c0504d"/>
+              </a:buClr>
+              <a:buFont typeface="Arial"/>
               <a:buChar char="•"/>
             </a:pPr>
             <a:r>
-              <a:rPr lang="en-US" sz="2800" spc="-1" dirty="0" smtClean="0">
-                <a:solidFill>
-                  <a:schemeClr val="accent2"/>
-                </a:solidFill>
-                <a:uFill>
-                  <a:solidFill>
-                    <a:srgbClr val="FFFFFF"/>
-                  </a:solidFill>
-                </a:uFill>
-              </a:rPr>
-              <a:t>What has </a:t>
-            </a:r>
-            <a:r>
-              <a:rPr lang="en-US" sz="2800" spc="-1" dirty="0">
-                <a:solidFill>
-                  <a:schemeClr val="accent2"/>
-                </a:solidFill>
-                <a:uFill>
-                  <a:solidFill>
-                    <a:srgbClr val="FFFFFF"/>
-                  </a:solidFill>
-                </a:uFill>
-              </a:rPr>
-              <a:t>been ordered?</a:t>
-            </a:r>
-          </a:p>
-          <a:p>
-            <a:pPr marL="914400" lvl="1" indent="-457200">
-              <a:buFont typeface="Arial" panose="020B0604020202020204" pitchFamily="34" charset="0"/>
+              <a:rPr b="0" lang="en-US" sz="2800" spc="-1" strike="noStrike">
+                <a:solidFill>
+                  <a:srgbClr val="c0504d"/>
+                </a:solidFill>
+                <a:uFill>
+                  <a:solidFill>
+                    <a:srgbClr val="1f497d"/>
+                  </a:solidFill>
+                </a:uFill>
+                <a:latin typeface="Arial"/>
+                <a:ea typeface="DejaVu Sans"/>
+              </a:rPr>
+              <a:t>What has been ordered?</a:t>
+            </a:r>
+            <a:endParaRPr b="0" lang="en-US" sz="1800" spc="-1" strike="noStrike">
+              <a:solidFill>
+                <a:srgbClr val="000000"/>
+              </a:solidFill>
+              <a:uFill>
+                <a:solidFill>
+                  <a:srgbClr val="ffffff"/>
+                </a:solidFill>
+              </a:uFill>
+              <a:latin typeface="Arial"/>
+            </a:endParaRPr>
+          </a:p>
+          <a:p>
+            <a:pPr lvl="1" marL="914400" indent="-456840">
+              <a:lnSpc>
+                <a:spcPct val="100000"/>
+              </a:lnSpc>
+              <a:buClr>
+                <a:srgbClr val="c0504d"/>
+              </a:buClr>
+              <a:buFont typeface="Arial"/>
               <a:buChar char="•"/>
             </a:pPr>
             <a:r>
-              <a:rPr lang="en-US" sz="2800" spc="-1" dirty="0" smtClean="0">
-                <a:solidFill>
-                  <a:schemeClr val="accent2"/>
-                </a:solidFill>
-                <a:uFill>
-                  <a:solidFill>
-                    <a:srgbClr val="FFFFFF"/>
-                  </a:solidFill>
-                </a:uFill>
+              <a:rPr b="0" lang="en-US" sz="2800" spc="-1" strike="noStrike">
+                <a:solidFill>
+                  <a:srgbClr val="c0504d"/>
+                </a:solidFill>
+                <a:uFill>
+                  <a:solidFill>
+                    <a:srgbClr val="1f497d"/>
+                  </a:solidFill>
+                </a:uFill>
+                <a:latin typeface="Arial"/>
+                <a:ea typeface="DejaVu Sans"/>
               </a:rPr>
               <a:t>Who ordered it?</a:t>
             </a:r>
-            <a:endParaRPr lang="en-US" sz="2800" spc="-1" dirty="0">
-              <a:solidFill>
-                <a:schemeClr val="accent2"/>
-              </a:solidFill>
-              <a:uFill>
-                <a:solidFill>
-                  <a:srgbClr val="FFFFFF"/>
-                </a:solidFill>
-              </a:uFill>
-            </a:endParaRPr>
-          </a:p>
-          <a:p>
-            <a:pPr marL="914400" lvl="1" indent="-457200">
-              <a:buFont typeface="Arial" panose="020B0604020202020204" pitchFamily="34" charset="0"/>
+            <a:endParaRPr b="0" lang="en-US" sz="1800" spc="-1" strike="noStrike">
+              <a:solidFill>
+                <a:srgbClr val="000000"/>
+              </a:solidFill>
+              <a:uFill>
+                <a:solidFill>
+                  <a:srgbClr val="ffffff"/>
+                </a:solidFill>
+              </a:uFill>
+              <a:latin typeface="Arial"/>
+            </a:endParaRPr>
+          </a:p>
+          <a:p>
+            <a:pPr lvl="1" marL="914400" indent="-456840">
+              <a:lnSpc>
+                <a:spcPct val="100000"/>
+              </a:lnSpc>
+              <a:buClr>
+                <a:srgbClr val="c0504d"/>
+              </a:buClr>
+              <a:buFont typeface="Arial"/>
               <a:buChar char="•"/>
             </a:pPr>
             <a:r>
-              <a:rPr lang="en-US" sz="2800" spc="-1" dirty="0" smtClean="0">
-                <a:solidFill>
-                  <a:schemeClr val="accent2"/>
-                </a:solidFill>
-                <a:uFill>
-                  <a:solidFill>
-                    <a:srgbClr val="FFFFFF"/>
-                  </a:solidFill>
-                </a:uFill>
-              </a:rPr>
-              <a:t>For </a:t>
-            </a:r>
-            <a:r>
-              <a:rPr lang="en-US" sz="2800" spc="-1" dirty="0">
-                <a:solidFill>
-                  <a:schemeClr val="accent2"/>
-                </a:solidFill>
-                <a:uFill>
-                  <a:solidFill>
-                    <a:srgbClr val="FFFFFF"/>
-                  </a:solidFill>
-                </a:uFill>
-              </a:rPr>
-              <a:t>which </a:t>
-            </a:r>
-            <a:r>
-              <a:rPr lang="en-US" sz="2800" spc="-1" dirty="0" smtClean="0">
-                <a:solidFill>
-                  <a:schemeClr val="accent2"/>
-                </a:solidFill>
-                <a:uFill>
-                  <a:solidFill>
-                    <a:srgbClr val="FFFFFF"/>
-                  </a:solidFill>
-                </a:uFill>
-              </a:rPr>
-              <a:t>project/department?</a:t>
-            </a:r>
-            <a:endParaRPr lang="en-US" sz="2800" spc="-1" dirty="0">
-              <a:solidFill>
-                <a:schemeClr val="accent2"/>
-              </a:solidFill>
-              <a:uFill>
-                <a:solidFill>
-                  <a:srgbClr val="FFFFFF"/>
-                </a:solidFill>
-              </a:uFill>
-            </a:endParaRPr>
-          </a:p>
-          <a:p>
-            <a:pPr marL="914400" lvl="1" indent="-457200">
-              <a:buFont typeface="Arial" panose="020B0604020202020204" pitchFamily="34" charset="0"/>
+              <a:rPr b="0" lang="en-US" sz="2800" spc="-1" strike="noStrike">
+                <a:solidFill>
+                  <a:srgbClr val="c0504d"/>
+                </a:solidFill>
+                <a:uFill>
+                  <a:solidFill>
+                    <a:srgbClr val="1f497d"/>
+                  </a:solidFill>
+                </a:uFill>
+                <a:latin typeface="Arial"/>
+                <a:ea typeface="DejaVu Sans"/>
+              </a:rPr>
+              <a:t>For which project/department?</a:t>
+            </a:r>
+            <a:endParaRPr b="0" lang="en-US" sz="1800" spc="-1" strike="noStrike">
+              <a:solidFill>
+                <a:srgbClr val="000000"/>
+              </a:solidFill>
+              <a:uFill>
+                <a:solidFill>
+                  <a:srgbClr val="ffffff"/>
+                </a:solidFill>
+              </a:uFill>
+              <a:latin typeface="Arial"/>
+            </a:endParaRPr>
+          </a:p>
+          <a:p>
+            <a:pPr lvl="1" marL="914400" indent="-456840">
+              <a:lnSpc>
+                <a:spcPct val="100000"/>
+              </a:lnSpc>
+              <a:buClr>
+                <a:srgbClr val="c0504d"/>
+              </a:buClr>
+              <a:buFont typeface="Arial"/>
               <a:buChar char="•"/>
             </a:pPr>
             <a:r>
-              <a:rPr lang="en-US" sz="2800" spc="-1" dirty="0" smtClean="0">
-                <a:solidFill>
-                  <a:schemeClr val="accent2"/>
-                </a:solidFill>
-                <a:uFill>
-                  <a:solidFill>
-                    <a:srgbClr val="FFFFFF"/>
-                  </a:solidFill>
-                </a:uFill>
-              </a:rPr>
-              <a:t>How </a:t>
-            </a:r>
-            <a:r>
-              <a:rPr lang="en-US" sz="2800" spc="-1" dirty="0">
-                <a:solidFill>
-                  <a:schemeClr val="accent2"/>
-                </a:solidFill>
-                <a:uFill>
-                  <a:solidFill>
-                    <a:srgbClr val="FFFFFF"/>
-                  </a:solidFill>
-                </a:uFill>
-              </a:rPr>
-              <a:t>many? From where? Why?</a:t>
-            </a:r>
-          </a:p>
-          <a:p>
-            <a:pPr marL="914400" lvl="1" indent="-457200">
-              <a:buFont typeface="Arial" panose="020B0604020202020204" pitchFamily="34" charset="0"/>
+              <a:rPr b="0" lang="en-US" sz="2800" spc="-1" strike="noStrike">
+                <a:solidFill>
+                  <a:srgbClr val="c0504d"/>
+                </a:solidFill>
+                <a:uFill>
+                  <a:solidFill>
+                    <a:srgbClr val="1f497d"/>
+                  </a:solidFill>
+                </a:uFill>
+                <a:latin typeface="Arial"/>
+                <a:ea typeface="DejaVu Sans"/>
+              </a:rPr>
+              <a:t>How many? From where? Why?</a:t>
+            </a:r>
+            <a:endParaRPr b="0" lang="en-US" sz="1800" spc="-1" strike="noStrike">
+              <a:solidFill>
+                <a:srgbClr val="000000"/>
+              </a:solidFill>
+              <a:uFill>
+                <a:solidFill>
+                  <a:srgbClr val="ffffff"/>
+                </a:solidFill>
+              </a:uFill>
+              <a:latin typeface="Arial"/>
+            </a:endParaRPr>
+          </a:p>
+          <a:p>
+            <a:pPr lvl="1" marL="914400" indent="-456840">
+              <a:lnSpc>
+                <a:spcPct val="100000"/>
+              </a:lnSpc>
+              <a:buClr>
+                <a:srgbClr val="c0504d"/>
+              </a:buClr>
+              <a:buFont typeface="Arial"/>
               <a:buChar char="•"/>
             </a:pPr>
             <a:r>
-              <a:rPr lang="en-US" sz="2800" spc="-1" dirty="0" smtClean="0">
-                <a:solidFill>
-                  <a:schemeClr val="accent2"/>
-                </a:solidFill>
-                <a:uFill>
-                  <a:solidFill>
-                    <a:srgbClr val="FFFFFF"/>
-                  </a:solidFill>
-                </a:uFill>
-              </a:rPr>
-              <a:t>What </a:t>
-            </a:r>
-            <a:r>
-              <a:rPr lang="en-US" sz="2800" spc="-1" dirty="0">
-                <a:solidFill>
-                  <a:schemeClr val="accent2"/>
-                </a:solidFill>
-                <a:uFill>
-                  <a:solidFill>
-                    <a:srgbClr val="FFFFFF"/>
-                  </a:solidFill>
-                </a:uFill>
-              </a:rPr>
-              <a:t>is the cost?</a:t>
-            </a:r>
-          </a:p>
-          <a:p>
-            <a:pPr marL="914400" lvl="1" indent="-457200">
-              <a:buFont typeface="Arial" panose="020B0604020202020204" pitchFamily="34" charset="0"/>
+              <a:rPr b="0" lang="en-US" sz="2800" spc="-1" strike="noStrike">
+                <a:solidFill>
+                  <a:srgbClr val="c0504d"/>
+                </a:solidFill>
+                <a:uFill>
+                  <a:solidFill>
+                    <a:srgbClr val="1f497d"/>
+                  </a:solidFill>
+                </a:uFill>
+                <a:latin typeface="Arial"/>
+                <a:ea typeface="DejaVu Sans"/>
+              </a:rPr>
+              <a:t>What is the cost?</a:t>
+            </a:r>
+            <a:endParaRPr b="0" lang="en-US" sz="1800" spc="-1" strike="noStrike">
+              <a:solidFill>
+                <a:srgbClr val="000000"/>
+              </a:solidFill>
+              <a:uFill>
+                <a:solidFill>
+                  <a:srgbClr val="ffffff"/>
+                </a:solidFill>
+              </a:uFill>
+              <a:latin typeface="Arial"/>
+            </a:endParaRPr>
+          </a:p>
+          <a:p>
+            <a:pPr lvl="1" marL="914400" indent="-456840">
+              <a:lnSpc>
+                <a:spcPct val="100000"/>
+              </a:lnSpc>
+              <a:buClr>
+                <a:srgbClr val="c0504d"/>
+              </a:buClr>
+              <a:buFont typeface="Arial"/>
               <a:buChar char="•"/>
             </a:pPr>
             <a:r>
-              <a:rPr lang="en-US" sz="2800" spc="-1" dirty="0" smtClean="0">
-                <a:solidFill>
-                  <a:schemeClr val="accent2"/>
-                </a:solidFill>
-                <a:uFill>
-                  <a:solidFill>
-                    <a:srgbClr val="FFFFFF"/>
-                  </a:solidFill>
-                </a:uFill>
-              </a:rPr>
-              <a:t>How </a:t>
-            </a:r>
-            <a:r>
-              <a:rPr lang="en-US" sz="2800" spc="-1" dirty="0">
-                <a:solidFill>
-                  <a:schemeClr val="accent2"/>
-                </a:solidFill>
-                <a:uFill>
-                  <a:solidFill>
-                    <a:srgbClr val="FFFFFF"/>
-                  </a:solidFill>
-                </a:uFill>
-              </a:rPr>
-              <a:t>long will it take to </a:t>
-            </a:r>
-            <a:r>
-              <a:rPr lang="en-US" sz="2800" spc="-1" dirty="0" smtClean="0">
-                <a:solidFill>
-                  <a:schemeClr val="accent2"/>
-                </a:solidFill>
-                <a:uFill>
-                  <a:solidFill>
-                    <a:srgbClr val="FFFFFF"/>
-                  </a:solidFill>
-                </a:uFill>
-              </a:rPr>
-              <a:t>arrive?</a:t>
-            </a:r>
-          </a:p>
-          <a:p>
-            <a:pPr marL="914400" lvl="1" indent="-457200">
-              <a:buFont typeface="Arial" panose="020B0604020202020204" pitchFamily="34" charset="0"/>
+              <a:rPr b="0" lang="en-US" sz="2800" spc="-1" strike="noStrike">
+                <a:solidFill>
+                  <a:srgbClr val="c0504d"/>
+                </a:solidFill>
+                <a:uFill>
+                  <a:solidFill>
+                    <a:srgbClr val="1f497d"/>
+                  </a:solidFill>
+                </a:uFill>
+                <a:latin typeface="Arial"/>
+                <a:ea typeface="DejaVu Sans"/>
+              </a:rPr>
+              <a:t>How long will it take to arrive?</a:t>
+            </a:r>
+            <a:endParaRPr b="0" lang="en-US" sz="1800" spc="-1" strike="noStrike">
+              <a:solidFill>
+                <a:srgbClr val="000000"/>
+              </a:solidFill>
+              <a:uFill>
+                <a:solidFill>
+                  <a:srgbClr val="ffffff"/>
+                </a:solidFill>
+              </a:uFill>
+              <a:latin typeface="Arial"/>
+            </a:endParaRPr>
+          </a:p>
+          <a:p>
+            <a:pPr lvl="1" marL="914400" indent="-456840">
+              <a:lnSpc>
+                <a:spcPct val="100000"/>
+              </a:lnSpc>
+              <a:buClr>
+                <a:srgbClr val="c0504d"/>
+              </a:buClr>
+              <a:buFont typeface="Arial"/>
               <a:buChar char="•"/>
             </a:pPr>
             <a:r>
-              <a:rPr lang="en-US" sz="2800" spc="-1" dirty="0" err="1" smtClean="0">
-                <a:solidFill>
-                  <a:schemeClr val="accent2"/>
-                </a:solidFill>
-                <a:uFill>
-                  <a:solidFill>
-                    <a:srgbClr val="FFFFFF"/>
-                  </a:solidFill>
-                </a:uFill>
-              </a:rPr>
-              <a:t>Etc</a:t>
-            </a:r>
-            <a:r>
-              <a:rPr lang="en-US" sz="2800" spc="-1" dirty="0">
-                <a:solidFill>
-                  <a:schemeClr val="accent2"/>
-                </a:solidFill>
-                <a:uFill>
-                  <a:solidFill>
-                    <a:srgbClr val="FFFFFF"/>
-                  </a:solidFill>
-                </a:uFill>
-              </a:rPr>
-              <a:t>…</a:t>
-            </a:r>
+              <a:rPr b="0" lang="en-US" sz="2800" spc="-1" strike="noStrike">
+                <a:solidFill>
+                  <a:srgbClr val="c0504d"/>
+                </a:solidFill>
+                <a:uFill>
+                  <a:solidFill>
+                    <a:srgbClr val="1f497d"/>
+                  </a:solidFill>
+                </a:uFill>
+                <a:latin typeface="Arial"/>
+                <a:ea typeface="DejaVu Sans"/>
+              </a:rPr>
+              <a:t>Etc…</a:t>
+            </a:r>
+            <a:endParaRPr b="0" lang="en-US" sz="1800" spc="-1" strike="noStrike">
+              <a:solidFill>
+                <a:srgbClr val="000000"/>
+              </a:solidFill>
+              <a:uFill>
+                <a:solidFill>
+                  <a:srgbClr val="ffffff"/>
+                </a:solidFill>
+              </a:uFill>
+              <a:latin typeface="Arial"/>
+            </a:endParaRPr>
           </a:p>
           <a:p>
             <a:pPr>
@@ -5241,13 +5246,13 @@
                 <a:spcPct val="100000"/>
               </a:lnSpc>
             </a:pPr>
-            <a:endParaRPr lang="en-US" sz="1800" b="0" strike="noStrike" spc="-1" dirty="0">
-              <a:solidFill>
-                <a:srgbClr val="000000"/>
-              </a:solidFill>
-              <a:uFill>
-                <a:solidFill>
-                  <a:srgbClr val="FFFFFF"/>
+            <a:endParaRPr b="0" lang="en-US" sz="1800" spc="-1" strike="noStrike">
+              <a:solidFill>
+                <a:srgbClr val="000000"/>
+              </a:solidFill>
+              <a:uFill>
+                <a:solidFill>
+                  <a:srgbClr val="ffffff"/>
                 </a:solidFill>
               </a:uFill>
               <a:latin typeface="Arial"/>
@@ -5257,25 +5262,22 @@
       </p:sp>
     </p:spTree>
   </p:cSld>
-  <p:clrMapOvr>
-    <a:masterClrMapping/>
-  </p:clrMapOvr>
   <p:timing>
     <p:tnLst>
       <p:par>
-        <p:cTn id="1" dur="indefinite" restart="never" nodeType="tmRoot">
+        <p:cTn id="3" dur="indefinite" restart="never" nodeType="tmRoot">
           <p:childTnLst>
             <p:seq>
-              <p:cTn id="2" nodeType="mainSeq"/>
+              <p:cTn id="4" nodeType="mainSeq"/>
               <p:prevCondLst>
-                <p:cond evt="onPrev" delay="0">
+                <p:cond delay="0" evt="onPrev">
                   <p:tgtEl>
                     <p:sldTgt/>
                   </p:tgtEl>
                 </p:cond>
               </p:prevCondLst>
               <p:nextCondLst>
-                <p:cond evt="onNext" delay="0">
+                <p:cond delay="0" evt="onNext">
                   <p:tgtEl>
                     <p:sldTgt/>
                   </p:tgtEl>
@@ -5291,7 +5293,7 @@
 </file>
 
 <file path=ppt/slides/slide3.xml><?xml version="1.0" encoding="utf-8"?>
-<p:sld xmlns:a="http://schemas.openxmlformats.org/drawingml/2006/main" xmlns:r="http://schemas.openxmlformats.org/officeDocument/2006/relationships" xmlns:p="http://schemas.openxmlformats.org/presentationml/2006/main">
+<p:sld xmlns:a="http://schemas.openxmlformats.org/drawingml/2006/main" xmlns:p="http://schemas.openxmlformats.org/presentationml/2006/main" xmlns:r="http://schemas.openxmlformats.org/officeDocument/2006/relationships" xmlns:p14="http://schemas.microsoft.com/office/powerpoint/2010/main" xmlns:p15="http://schemas.microsoft.com/office/powerpoint/2012/main" xmlns:mc="http://schemas.openxmlformats.org/markup-compatibility/2006">
   <p:cSld>
     <p:spTree>
       <p:nvGrpSpPr>
@@ -5309,14 +5311,14 @@
       </p:grpSpPr>
       <p:sp>
         <p:nvSpPr>
-          <p:cNvPr id="81" name="CustomShape 1"/>
+          <p:cNvPr id="80" name="CustomShape 1"/>
           <p:cNvSpPr/>
           <p:nvPr/>
         </p:nvSpPr>
         <p:spPr>
           <a:xfrm>
             <a:off x="591120" y="301320"/>
-            <a:ext cx="9070920" cy="1261440"/>
+            <a:ext cx="9070560" cy="1261080"/>
           </a:xfrm>
           <a:prstGeom prst="rect">
             <a:avLst/>
@@ -5327,20 +5329,13 @@
           </a:ln>
         </p:spPr>
         <p:style>
-          <a:lnRef idx="0">
-            <a:scrgbClr r="0" g="0" b="0"/>
-          </a:lnRef>
-          <a:fillRef idx="0">
-            <a:scrgbClr r="0" g="0" b="0"/>
-          </a:fillRef>
-          <a:effectRef idx="0">
-            <a:scrgbClr r="0" g="0" b="0"/>
-          </a:effectRef>
+          <a:lnRef idx="0"/>
+          <a:fillRef idx="0"/>
+          <a:effectRef idx="0"/>
           <a:fontRef idx="minor"/>
         </p:style>
         <p:txBody>
-          <a:bodyPr lIns="0" tIns="0" rIns="0" bIns="0" anchor="ctr"/>
-          <a:lstStyle/>
+          <a:bodyPr lIns="0" rIns="0" tIns="0" bIns="0" anchor="ctr"/>
           <a:p>
             <a:pPr>
               <a:lnSpc>
@@ -5348,13 +5343,13 @@
               </a:lnSpc>
             </a:pPr>
             <a:r>
-              <a:rPr lang="en-US" sz="3200" b="1" strike="noStrike" spc="-1" dirty="0">
-                <a:solidFill>
-                  <a:schemeClr val="accent2"/>
-                </a:solidFill>
-                <a:uFill>
-                  <a:solidFill>
-                    <a:srgbClr val="FFFFFF"/>
+              <a:rPr b="1" lang="en-US" sz="3200" spc="-1" strike="noStrike">
+                <a:solidFill>
+                  <a:srgbClr val="c0504d"/>
+                </a:solidFill>
+                <a:uFill>
+                  <a:solidFill>
+                    <a:srgbClr val="ffffff"/>
                   </a:solidFill>
                 </a:uFill>
                 <a:latin typeface="Arial"/>
@@ -5362,30 +5357,30 @@
               </a:rPr>
               <a:t>Why it is important to develop a system to solve this question?</a:t>
             </a:r>
-            <a:endParaRPr lang="en-US" sz="1800" b="0" strike="noStrike" spc="-1" dirty="0">
-              <a:solidFill>
-                <a:schemeClr val="accent2"/>
-              </a:solidFill>
-              <a:uFill>
-                <a:solidFill>
-                  <a:srgbClr val="FFFFFF"/>
-                </a:solidFill>
-              </a:uFill>
-              <a:latin typeface="Arial"/>
-            </a:endParaRPr>
-          </a:p>
-        </p:txBody>
-      </p:sp>
-      <p:sp>
-        <p:nvSpPr>
-          <p:cNvPr id="82" name="CustomShape 2"/>
+            <a:endParaRPr b="0" lang="en-US" sz="1800" spc="-1" strike="noStrike">
+              <a:solidFill>
+                <a:srgbClr val="000000"/>
+              </a:solidFill>
+              <a:uFill>
+                <a:solidFill>
+                  <a:srgbClr val="ffffff"/>
+                </a:solidFill>
+              </a:uFill>
+              <a:latin typeface="Arial"/>
+            </a:endParaRPr>
+          </a:p>
+        </p:txBody>
+      </p:sp>
+      <p:sp>
+        <p:nvSpPr>
+          <p:cNvPr id="81" name="CustomShape 2"/>
           <p:cNvSpPr/>
           <p:nvPr/>
         </p:nvSpPr>
         <p:spPr>
           <a:xfrm>
             <a:off x="504000" y="1769040"/>
-            <a:ext cx="9070920" cy="5472720"/>
+            <a:ext cx="9070560" cy="5472360"/>
           </a:xfrm>
           <a:prstGeom prst="rect">
             <a:avLst/>
@@ -5396,103 +5391,44 @@
           </a:ln>
         </p:spPr>
         <p:style>
-          <a:lnRef idx="0">
-            <a:scrgbClr r="0" g="0" b="0"/>
-          </a:lnRef>
-          <a:fillRef idx="0">
-            <a:scrgbClr r="0" g="0" b="0"/>
-          </a:fillRef>
-          <a:effectRef idx="0">
-            <a:scrgbClr r="0" g="0" b="0"/>
-          </a:effectRef>
+          <a:lnRef idx="0"/>
+          <a:fillRef idx="0"/>
+          <a:effectRef idx="0"/>
           <a:fontRef idx="minor"/>
         </p:style>
         <p:txBody>
-          <a:bodyPr lIns="0" tIns="0" rIns="0" bIns="0"/>
-          <a:lstStyle/>
+          <a:bodyPr lIns="0" rIns="0" tIns="0" bIns="0"/>
           <a:p>
             <a:pPr>
               <a:lnSpc>
                 <a:spcPct val="100000"/>
               </a:lnSpc>
-              <a:spcAft>
-                <a:spcPts val="600"/>
-              </a:spcAft>
-            </a:pPr>
-            <a:r>
-              <a:rPr lang="en-US" sz="2800" b="1" spc="-1" dirty="0" smtClean="0">
-                <a:solidFill>
-                  <a:schemeClr val="tx2"/>
-                </a:solidFill>
-                <a:uFill>
-                  <a:solidFill>
-                    <a:srgbClr val="FFFFFF"/>
-                  </a:solidFill>
-                </a:uFill>
-              </a:rPr>
-              <a:t>Large </a:t>
-            </a:r>
-            <a:r>
-              <a:rPr lang="en-US" sz="2800" b="1" spc="-1" dirty="0">
-                <a:solidFill>
-                  <a:schemeClr val="tx2"/>
-                </a:solidFill>
-                <a:uFill>
-                  <a:solidFill>
-                    <a:srgbClr val="FFFFFF"/>
-                  </a:solidFill>
-                </a:uFill>
-              </a:rPr>
-              <a:t>companies can lose time and money </a:t>
-            </a:r>
-            <a:r>
-              <a:rPr lang="en-US" sz="2800" b="1" spc="-1" dirty="0" smtClean="0">
-                <a:solidFill>
-                  <a:schemeClr val="tx2"/>
-                </a:solidFill>
-                <a:uFill>
-                  <a:solidFill>
-                    <a:srgbClr val="FFFFFF"/>
-                  </a:solidFill>
-                </a:uFill>
-              </a:rPr>
-              <a:t>from </a:t>
-            </a:r>
-            <a:r>
-              <a:rPr lang="en-US" sz="2800" b="1" spc="-1" dirty="0">
-                <a:solidFill>
-                  <a:schemeClr val="tx2"/>
-                </a:solidFill>
-                <a:uFill>
-                  <a:solidFill>
-                    <a:srgbClr val="FFFFFF"/>
-                  </a:solidFill>
-                </a:uFill>
-              </a:rPr>
-              <a:t>inefficiency and </a:t>
-            </a:r>
-            <a:r>
-              <a:rPr lang="en-US" sz="2800" b="1" spc="-1" dirty="0" smtClean="0">
-                <a:solidFill>
-                  <a:schemeClr val="tx2"/>
-                </a:solidFill>
-                <a:uFill>
-                  <a:solidFill>
-                    <a:srgbClr val="FFFFFF"/>
-                  </a:solidFill>
-                </a:uFill>
-              </a:rPr>
-              <a:t>overspending</a:t>
-            </a:r>
-            <a:endParaRPr lang="en-US" sz="2800" b="1" spc="-1" dirty="0">
-              <a:solidFill>
-                <a:schemeClr val="tx2"/>
-              </a:solidFill>
-              <a:uFill>
-                <a:solidFill>
-                  <a:srgbClr val="FFFFFF"/>
-                </a:solidFill>
-              </a:uFill>
+            </a:pPr>
+            <a:r>
+              <a:rPr b="1" lang="en-US" sz="2800" spc="-1" strike="noStrike">
+                <a:solidFill>
+                  <a:srgbClr val="1f497d"/>
+                </a:solidFill>
+                <a:uFill>
+                  <a:solidFill>
+                    <a:srgbClr val="ffffff"/>
+                  </a:solidFill>
+                </a:uFill>
+                <a:latin typeface="Arial"/>
+                <a:ea typeface="DejaVu Sans"/>
+              </a:rPr>
+              <a:t>Large companies can lose time and money from inefficiency and overspending</a:t>
+            </a:r>
+            <a:endParaRPr b="0" lang="en-US" sz="1800" spc="-1" strike="noStrike">
+              <a:solidFill>
+                <a:srgbClr val="000000"/>
+              </a:solidFill>
+              <a:uFill>
+                <a:solidFill>
+                  <a:srgbClr val="ffffff"/>
+                </a:solidFill>
+              </a:uFill>
+              <a:latin typeface="Arial"/>
             </a:endParaRPr>
           </a:p>
           <a:p>
@@ -5502,247 +5438,197 @@
               </a:lnSpc>
             </a:pPr>
             <a:r>
-              <a:rPr lang="en-US" sz="2800" spc="-1" dirty="0" smtClean="0">
-                <a:solidFill>
-                  <a:schemeClr val="tx2"/>
-                </a:solidFill>
-                <a:uFill>
-                  <a:solidFill>
-                    <a:srgbClr val="FFFFFF"/>
-                  </a:solidFill>
-                </a:uFill>
-              </a:rPr>
-              <a:t>The Order </a:t>
-            </a:r>
-            <a:r>
-              <a:rPr lang="en-US" sz="2800" spc="-1" dirty="0">
-                <a:solidFill>
-                  <a:schemeClr val="tx2"/>
-                </a:solidFill>
-                <a:uFill>
-                  <a:solidFill>
-                    <a:srgbClr val="FFFFFF"/>
-                  </a:solidFill>
-                </a:uFill>
-              </a:rPr>
-              <a:t>Processing </a:t>
-            </a:r>
-            <a:r>
-              <a:rPr lang="en-US" sz="2800" spc="-1" dirty="0" smtClean="0">
-                <a:solidFill>
-                  <a:schemeClr val="tx2"/>
-                </a:solidFill>
-                <a:uFill>
-                  <a:solidFill>
-                    <a:srgbClr val="FFFFFF"/>
-                  </a:solidFill>
-                </a:uFill>
-              </a:rPr>
-              <a:t>app would:</a:t>
-            </a:r>
-            <a:endParaRPr lang="en-US" sz="2800" spc="-1" dirty="0">
-              <a:solidFill>
-                <a:schemeClr val="tx2"/>
-              </a:solidFill>
-              <a:uFill>
-                <a:solidFill>
-                  <a:srgbClr val="FFFFFF"/>
-                </a:solidFill>
-              </a:uFill>
-            </a:endParaRPr>
-          </a:p>
-          <a:p>
-            <a:pPr marL="457200" indent="-457200">
+              <a:rPr b="0" lang="en-US" sz="2800" spc="-1" strike="noStrike">
+                <a:solidFill>
+                  <a:srgbClr val="1f497d"/>
+                </a:solidFill>
+                <a:uFill>
+                  <a:solidFill>
+                    <a:srgbClr val="ffffff"/>
+                  </a:solidFill>
+                </a:uFill>
+                <a:latin typeface="Arial"/>
+                <a:ea typeface="DejaVu Sans"/>
+              </a:rPr>
+              <a:t>The Order Processing app would:</a:t>
+            </a:r>
+            <a:endParaRPr b="0" lang="en-US" sz="1800" spc="-1" strike="noStrike">
+              <a:solidFill>
+                <a:srgbClr val="000000"/>
+              </a:solidFill>
+              <a:uFill>
+                <a:solidFill>
+                  <a:srgbClr val="ffffff"/>
+                </a:solidFill>
+              </a:uFill>
+              <a:latin typeface="Arial"/>
+            </a:endParaRPr>
+          </a:p>
+          <a:p>
+            <a:pPr marL="457200" indent="-456840">
               <a:lnSpc>
                 <a:spcPct val="100000"/>
               </a:lnSpc>
-              <a:buFont typeface="Arial" panose="020B0604020202020204" pitchFamily="34" charset="0"/>
+              <a:buClr>
+                <a:srgbClr val="1f497d"/>
+              </a:buClr>
+              <a:buFont typeface="Arial"/>
               <a:buChar char="•"/>
             </a:pPr>
             <a:r>
-              <a:rPr lang="en-US" sz="2800" spc="-1" dirty="0" smtClean="0">
-                <a:solidFill>
-                  <a:schemeClr val="tx2"/>
-                </a:solidFill>
-                <a:uFill>
-                  <a:solidFill>
-                    <a:srgbClr val="FFFFFF"/>
-                  </a:solidFill>
-                </a:uFill>
-              </a:rPr>
-              <a:t>Give </a:t>
-            </a:r>
-            <a:r>
-              <a:rPr lang="en-US" sz="2800" spc="-1" dirty="0">
-                <a:solidFill>
-                  <a:schemeClr val="tx2"/>
-                </a:solidFill>
-                <a:uFill>
-                  <a:solidFill>
-                    <a:srgbClr val="FFFFFF"/>
-                  </a:solidFill>
-                </a:uFill>
-              </a:rPr>
-              <a:t>coordination between departments so company does not order more items than necessary</a:t>
-            </a:r>
-          </a:p>
-          <a:p>
-            <a:pPr marL="457200" indent="-457200">
+              <a:rPr b="0" lang="en-US" sz="2800" spc="-1" strike="noStrike">
+                <a:solidFill>
+                  <a:srgbClr val="1f497d"/>
+                </a:solidFill>
+                <a:uFill>
+                  <a:solidFill>
+                    <a:srgbClr val="ffffff"/>
+                  </a:solidFill>
+                </a:uFill>
+                <a:latin typeface="Arial"/>
+                <a:ea typeface="DejaVu Sans"/>
+              </a:rPr>
+              <a:t>Give coordination between departments so company does not order more items than necessary</a:t>
+            </a:r>
+            <a:endParaRPr b="0" lang="en-US" sz="1800" spc="-1" strike="noStrike">
+              <a:solidFill>
+                <a:srgbClr val="000000"/>
+              </a:solidFill>
+              <a:uFill>
+                <a:solidFill>
+                  <a:srgbClr val="ffffff"/>
+                </a:solidFill>
+              </a:uFill>
+              <a:latin typeface="Arial"/>
+            </a:endParaRPr>
+          </a:p>
+          <a:p>
+            <a:pPr marL="457200" indent="-456840">
               <a:lnSpc>
                 <a:spcPct val="100000"/>
               </a:lnSpc>
-              <a:buFont typeface="Arial" panose="020B0604020202020204" pitchFamily="34" charset="0"/>
+              <a:buClr>
+                <a:srgbClr val="1f497d"/>
+              </a:buClr>
+              <a:buFont typeface="Arial"/>
               <a:buChar char="•"/>
             </a:pPr>
             <a:r>
-              <a:rPr lang="en-US" sz="2800" spc="-1" dirty="0" smtClean="0">
-                <a:solidFill>
-                  <a:schemeClr val="tx2"/>
-                </a:solidFill>
-                <a:uFill>
-                  <a:solidFill>
-                    <a:srgbClr val="FFFFFF"/>
-                  </a:solidFill>
-                </a:uFill>
-              </a:rPr>
-              <a:t>Make </a:t>
-            </a:r>
-            <a:r>
-              <a:rPr lang="en-US" sz="2800" spc="-1" dirty="0">
-                <a:solidFill>
-                  <a:schemeClr val="tx2"/>
-                </a:solidFill>
-                <a:uFill>
-                  <a:solidFill>
-                    <a:srgbClr val="FFFFFF"/>
-                  </a:solidFill>
-                </a:uFill>
-              </a:rPr>
-              <a:t>it easy to calculate the expenses of each project or department</a:t>
-            </a:r>
-          </a:p>
-          <a:p>
-            <a:pPr marL="457200" indent="-457200">
+              <a:rPr b="0" lang="en-US" sz="2800" spc="-1" strike="noStrike">
+                <a:solidFill>
+                  <a:srgbClr val="1f497d"/>
+                </a:solidFill>
+                <a:uFill>
+                  <a:solidFill>
+                    <a:srgbClr val="ffffff"/>
+                  </a:solidFill>
+                </a:uFill>
+                <a:latin typeface="Arial"/>
+                <a:ea typeface="DejaVu Sans"/>
+              </a:rPr>
+              <a:t>Make it easy to calculate the expenses of each project or department</a:t>
+            </a:r>
+            <a:endParaRPr b="0" lang="en-US" sz="1800" spc="-1" strike="noStrike">
+              <a:solidFill>
+                <a:srgbClr val="000000"/>
+              </a:solidFill>
+              <a:uFill>
+                <a:solidFill>
+                  <a:srgbClr val="ffffff"/>
+                </a:solidFill>
+              </a:uFill>
+              <a:latin typeface="Arial"/>
+            </a:endParaRPr>
+          </a:p>
+          <a:p>
+            <a:pPr marL="457200" indent="-456840">
               <a:lnSpc>
                 <a:spcPct val="100000"/>
               </a:lnSpc>
-              <a:buFont typeface="Arial" panose="020B0604020202020204" pitchFamily="34" charset="0"/>
+              <a:buClr>
+                <a:srgbClr val="1f497d"/>
+              </a:buClr>
+              <a:buFont typeface="Arial"/>
               <a:buChar char="•"/>
             </a:pPr>
             <a:r>
-              <a:rPr lang="en-US" sz="2800" spc="-1" dirty="0" smtClean="0">
-                <a:solidFill>
-                  <a:schemeClr val="tx2"/>
-                </a:solidFill>
-                <a:uFill>
-                  <a:solidFill>
-                    <a:srgbClr val="FFFFFF"/>
-                  </a:solidFill>
-                </a:uFill>
-              </a:rPr>
-              <a:t>Save </a:t>
-            </a:r>
-            <a:r>
-              <a:rPr lang="en-US" sz="2800" spc="-1" dirty="0">
-                <a:solidFill>
-                  <a:schemeClr val="tx2"/>
-                </a:solidFill>
-                <a:uFill>
-                  <a:solidFill>
-                    <a:srgbClr val="FFFFFF"/>
-                  </a:solidFill>
-                </a:uFill>
-              </a:rPr>
-              <a:t>time by automatically notifying manager when new order needs </a:t>
-            </a:r>
-            <a:r>
-              <a:rPr lang="en-US" sz="2800" spc="-1" dirty="0" smtClean="0">
-                <a:solidFill>
-                  <a:schemeClr val="tx2"/>
-                </a:solidFill>
-                <a:uFill>
-                  <a:solidFill>
-                    <a:srgbClr val="FFFFFF"/>
-                  </a:solidFill>
-                </a:uFill>
-              </a:rPr>
-              <a:t>approval or </a:t>
-            </a:r>
-            <a:r>
-              <a:rPr lang="en-US" sz="2800" spc="-1" dirty="0">
-                <a:solidFill>
-                  <a:schemeClr val="tx2"/>
-                </a:solidFill>
-                <a:uFill>
-                  <a:solidFill>
-                    <a:srgbClr val="FFFFFF"/>
-                  </a:solidFill>
-                </a:uFill>
-              </a:rPr>
-              <a:t>notifying department when order has arrived</a:t>
-            </a:r>
-          </a:p>
-          <a:p>
-            <a:pPr marL="457200" indent="-457200">
+              <a:rPr b="0" lang="en-US" sz="2800" spc="-1" strike="noStrike">
+                <a:solidFill>
+                  <a:srgbClr val="1f497d"/>
+                </a:solidFill>
+                <a:uFill>
+                  <a:solidFill>
+                    <a:srgbClr val="ffffff"/>
+                  </a:solidFill>
+                </a:uFill>
+                <a:latin typeface="Arial"/>
+                <a:ea typeface="DejaVu Sans"/>
+              </a:rPr>
+              <a:t>Save time by automatically notifying manager when new order needs approval or notifying department when order has arrived</a:t>
+            </a:r>
+            <a:endParaRPr b="0" lang="en-US" sz="1800" spc="-1" strike="noStrike">
+              <a:solidFill>
+                <a:srgbClr val="000000"/>
+              </a:solidFill>
+              <a:uFill>
+                <a:solidFill>
+                  <a:srgbClr val="ffffff"/>
+                </a:solidFill>
+              </a:uFill>
+              <a:latin typeface="Arial"/>
+            </a:endParaRPr>
+          </a:p>
+          <a:p>
+            <a:pPr marL="457200" indent="-456840">
               <a:lnSpc>
                 <a:spcPct val="100000"/>
               </a:lnSpc>
-              <a:buFont typeface="Arial" panose="020B0604020202020204" pitchFamily="34" charset="0"/>
+              <a:buClr>
+                <a:srgbClr val="1f497d"/>
+              </a:buClr>
+              <a:buFont typeface="Arial"/>
               <a:buChar char="•"/>
             </a:pPr>
             <a:r>
-              <a:rPr lang="en-US" sz="2800" spc="-1" dirty="0" smtClean="0">
-                <a:solidFill>
-                  <a:schemeClr val="tx2"/>
-                </a:solidFill>
-                <a:uFill>
-                  <a:solidFill>
-                    <a:srgbClr val="FFFFFF"/>
-                  </a:solidFill>
-                </a:uFill>
-              </a:rPr>
-              <a:t>Centralize </a:t>
-            </a:r>
-            <a:r>
-              <a:rPr lang="en-US" sz="2800" spc="-1" dirty="0">
-                <a:solidFill>
-                  <a:schemeClr val="tx2"/>
-                </a:solidFill>
-                <a:uFill>
-                  <a:solidFill>
-                    <a:srgbClr val="FFFFFF"/>
-                  </a:solidFill>
-                </a:uFill>
-              </a:rPr>
-              <a:t>ordering so company doesn't need to provide financial account info to every department</a:t>
-            </a:r>
-            <a:endParaRPr lang="en-US" sz="2800" b="0" strike="noStrike" spc="-1" dirty="0">
-              <a:solidFill>
-                <a:schemeClr val="tx2"/>
-              </a:solidFill>
-              <a:uFill>
-                <a:solidFill>
-                  <a:srgbClr val="FFFFFF"/>
-                </a:solidFill>
-              </a:uFill>
-              <a:latin typeface="Arial"/>
-            </a:endParaRPr>
-          </a:p>
-          <a:p>
-            <a:pPr marL="285750" indent="-285750">
+              <a:rPr b="0" lang="en-US" sz="2800" spc="-1" strike="noStrike">
+                <a:solidFill>
+                  <a:srgbClr val="1f497d"/>
+                </a:solidFill>
+                <a:uFill>
+                  <a:solidFill>
+                    <a:srgbClr val="ffffff"/>
+                  </a:solidFill>
+                </a:uFill>
+                <a:latin typeface="Arial"/>
+                <a:ea typeface="DejaVu Sans"/>
+              </a:rPr>
+              <a:t>Centralize ordering so company doesn't need to provide financial account info to every department</a:t>
+            </a:r>
+            <a:endParaRPr b="0" lang="en-US" sz="1800" spc="-1" strike="noStrike">
+              <a:solidFill>
+                <a:srgbClr val="000000"/>
+              </a:solidFill>
+              <a:uFill>
+                <a:solidFill>
+                  <a:srgbClr val="ffffff"/>
+                </a:solidFill>
+              </a:uFill>
+              <a:latin typeface="Arial"/>
+            </a:endParaRPr>
+          </a:p>
+          <a:p>
+            <a:pPr>
               <a:lnSpc>
                 <a:spcPct val="100000"/>
               </a:lnSpc>
-              <a:buFont typeface="Arial" panose="020B0604020202020204" pitchFamily="34" charset="0"/>
-              <a:buChar char="•"/>
-            </a:pPr>
-            <a:endParaRPr lang="en-US" sz="1800" b="0" strike="noStrike" spc="-1" dirty="0">
-              <a:solidFill>
-                <a:srgbClr val="000000"/>
-              </a:solidFill>
-              <a:uFill>
-                <a:solidFill>
-                  <a:srgbClr val="FFFFFF"/>
+            </a:pPr>
+            <a:endParaRPr b="0" lang="en-US" sz="1800" spc="-1" strike="noStrike">
+              <a:solidFill>
+                <a:srgbClr val="000000"/>
+              </a:solidFill>
+              <a:uFill>
+                <a:solidFill>
+                  <a:srgbClr val="ffffff"/>
                 </a:solidFill>
               </a:uFill>
               <a:latin typeface="Arial"/>
@@ -5752,25 +5638,22 @@
       </p:sp>
     </p:spTree>
   </p:cSld>
-  <p:clrMapOvr>
-    <a:masterClrMapping/>
-  </p:clrMapOvr>
   <p:timing>
     <p:tnLst>
       <p:par>
-        <p:cTn id="1" dur="indefinite" restart="never" nodeType="tmRoot">
+        <p:cTn id="5" dur="indefinite" restart="never" nodeType="tmRoot">
           <p:childTnLst>
             <p:seq>
-              <p:cTn id="2" nodeType="mainSeq"/>
+              <p:cTn id="6" nodeType="mainSeq"/>
               <p:prevCondLst>
-                <p:cond evt="onPrev" delay="0">
+                <p:cond delay="0" evt="onPrev">
                   <p:tgtEl>
                     <p:sldTgt/>
                   </p:tgtEl>
                 </p:cond>
               </p:prevCondLst>
               <p:nextCondLst>
-                <p:cond evt="onNext" delay="0">
+                <p:cond delay="0" evt="onNext">
                   <p:tgtEl>
                     <p:sldTgt/>
                   </p:tgtEl>
@@ -5786,7 +5669,7 @@
 </file>
 
 <file path=ppt/slides/slide4.xml><?xml version="1.0" encoding="utf-8"?>
-<p:sld xmlns:a="http://schemas.openxmlformats.org/drawingml/2006/main" xmlns:r="http://schemas.openxmlformats.org/officeDocument/2006/relationships" xmlns:p="http://schemas.openxmlformats.org/presentationml/2006/main">
+<p:sld xmlns:a="http://schemas.openxmlformats.org/drawingml/2006/main" xmlns:p="http://schemas.openxmlformats.org/presentationml/2006/main" xmlns:r="http://schemas.openxmlformats.org/officeDocument/2006/relationships" xmlns:p14="http://schemas.microsoft.com/office/powerpoint/2010/main" xmlns:p15="http://schemas.microsoft.com/office/powerpoint/2012/main" xmlns:mc="http://schemas.openxmlformats.org/markup-compatibility/2006">
   <p:cSld>
     <p:spTree>
       <p:nvGrpSpPr>
@@ -5804,14 +5687,14 @@
       </p:grpSpPr>
       <p:sp>
         <p:nvSpPr>
-          <p:cNvPr id="83" name="CustomShape 1"/>
+          <p:cNvPr id="82" name="CustomShape 1"/>
           <p:cNvSpPr/>
           <p:nvPr/>
         </p:nvSpPr>
         <p:spPr>
           <a:xfrm>
             <a:off x="504000" y="301320"/>
-            <a:ext cx="9070920" cy="1261440"/>
+            <a:ext cx="9070560" cy="1261080"/>
           </a:xfrm>
           <a:prstGeom prst="rect">
             <a:avLst/>
@@ -5822,20 +5705,13 @@
           </a:ln>
         </p:spPr>
         <p:style>
-          <a:lnRef idx="0">
-            <a:scrgbClr r="0" g="0" b="0"/>
-          </a:lnRef>
-          <a:fillRef idx="0">
-            <a:scrgbClr r="0" g="0" b="0"/>
-          </a:fillRef>
-          <a:effectRef idx="0">
-            <a:scrgbClr r="0" g="0" b="0"/>
-          </a:effectRef>
+          <a:lnRef idx="0"/>
+          <a:fillRef idx="0"/>
+          <a:effectRef idx="0"/>
           <a:fontRef idx="minor"/>
         </p:style>
         <p:txBody>
-          <a:bodyPr lIns="0" tIns="0" rIns="0" bIns="0" anchor="ctr"/>
-          <a:lstStyle/>
+          <a:bodyPr lIns="0" rIns="0" tIns="0" bIns="0" anchor="ctr"/>
           <a:p>
             <a:pPr>
               <a:lnSpc>
@@ -5843,41 +5719,44 @@
               </a:lnSpc>
             </a:pPr>
             <a:r>
-              <a:rPr lang="en-US" sz="4400" b="1" spc="-1" dirty="0" smtClean="0">
-                <a:solidFill>
-                  <a:schemeClr val="accent4"/>
-                </a:solidFill>
-                <a:uFill>
-                  <a:solidFill>
-                    <a:srgbClr val="FFFFFF"/>
-                  </a:solidFill>
-                </a:uFill>
+              <a:rPr b="1" lang="en-US" sz="4400" spc="-1" strike="noStrike">
+                <a:solidFill>
+                  <a:srgbClr val="8064a2"/>
+                </a:solidFill>
+                <a:uFill>
+                  <a:solidFill>
+                    <a:srgbClr val="ffffff"/>
+                  </a:solidFill>
+                </a:uFill>
+                <a:latin typeface="Arial"/>
+                <a:ea typeface="DejaVu Sans"/>
               </a:rPr>
               <a:t>Related Work</a:t>
             </a:r>
-            <a:endParaRPr lang="en-US" spc="-1" dirty="0">
-              <a:solidFill>
-                <a:schemeClr val="accent4"/>
-              </a:solidFill>
-              <a:uFill>
-                <a:solidFill>
-                  <a:srgbClr val="FFFFFF"/>
-                </a:solidFill>
-              </a:uFill>
-            </a:endParaRPr>
-          </a:p>
-        </p:txBody>
-      </p:sp>
-      <p:sp>
-        <p:nvSpPr>
-          <p:cNvPr id="84" name="CustomShape 2"/>
+            <a:endParaRPr b="0" lang="en-US" sz="1800" spc="-1" strike="noStrike">
+              <a:solidFill>
+                <a:srgbClr val="000000"/>
+              </a:solidFill>
+              <a:uFill>
+                <a:solidFill>
+                  <a:srgbClr val="ffffff"/>
+                </a:solidFill>
+              </a:uFill>
+              <a:latin typeface="Arial"/>
+            </a:endParaRPr>
+          </a:p>
+        </p:txBody>
+      </p:sp>
+      <p:sp>
+        <p:nvSpPr>
+          <p:cNvPr id="83" name="CustomShape 2"/>
           <p:cNvSpPr/>
           <p:nvPr/>
         </p:nvSpPr>
         <p:spPr>
           <a:xfrm>
             <a:off x="504000" y="1769040"/>
-            <a:ext cx="9070920" cy="4383720"/>
+            <a:ext cx="9070560" cy="4383360"/>
           </a:xfrm>
           <a:prstGeom prst="rect">
             <a:avLst/>
@@ -5888,28 +5767,22 @@
           </a:ln>
         </p:spPr>
         <p:style>
-          <a:lnRef idx="0">
-            <a:scrgbClr r="0" g="0" b="0"/>
-          </a:lnRef>
-          <a:fillRef idx="0">
-            <a:scrgbClr r="0" g="0" b="0"/>
-          </a:fillRef>
-          <a:effectRef idx="0">
-            <a:scrgbClr r="0" g="0" b="0"/>
-          </a:effectRef>
+          <a:lnRef idx="0"/>
+          <a:fillRef idx="0"/>
+          <a:effectRef idx="0"/>
           <a:fontRef idx="minor"/>
         </p:style>
       </p:sp>
       <p:sp>
         <p:nvSpPr>
-          <p:cNvPr id="4" name="CustomShape 2"/>
+          <p:cNvPr id="84" name="CustomShape 3"/>
           <p:cNvSpPr/>
           <p:nvPr/>
         </p:nvSpPr>
         <p:spPr>
           <a:xfrm>
-            <a:off x="656400" y="1493837"/>
-            <a:ext cx="9070920" cy="5257800"/>
+            <a:off x="656280" y="1494000"/>
+            <a:ext cx="9070560" cy="5257440"/>
           </a:xfrm>
           <a:prstGeom prst="rect">
             <a:avLst/>
@@ -5920,28 +5793,18 @@
           </a:ln>
         </p:spPr>
         <p:style>
-          <a:lnRef idx="0">
-            <a:scrgbClr r="0" g="0" b="0"/>
-          </a:lnRef>
-          <a:fillRef idx="0">
-            <a:scrgbClr r="0" g="0" b="0"/>
-          </a:fillRef>
-          <a:effectRef idx="0">
-            <a:scrgbClr r="0" g="0" b="0"/>
-          </a:effectRef>
+          <a:lnRef idx="0"/>
+          <a:fillRef idx="0"/>
+          <a:effectRef idx="0"/>
           <a:fontRef idx="minor"/>
         </p:style>
         <p:txBody>
-          <a:bodyPr lIns="0" tIns="0" rIns="0" bIns="0"/>
-          <a:lstStyle/>
-          <a:p>
-            <a:pPr marL="432000" indent="-323280">
+          <a:bodyPr lIns="0" rIns="0" tIns="0" bIns="0"/>
+          <a:p>
+            <a:pPr marL="432000" indent="-322920">
               <a:lnSpc>
                 <a:spcPct val="100000"/>
               </a:lnSpc>
-              <a:spcAft>
-                <a:spcPts val="600"/>
-              </a:spcAft>
               <a:buClr>
                 <a:srgbClr val="000000"/>
               </a:buClr>
@@ -5950,28 +5813,37 @@
               <a:buChar char=""/>
             </a:pPr>
             <a:r>
-              <a:rPr lang="en-US" sz="3200" spc="-1" dirty="0" smtClean="0">
-                <a:solidFill>
-                  <a:schemeClr val="tx2"/>
-                </a:solidFill>
-                <a:uFill>
-                  <a:solidFill>
-                    <a:srgbClr val="FFFFFF"/>
-                  </a:solidFill>
-                </a:uFill>
-                <a:latin typeface="Arial"/>
+              <a:rPr b="0" lang="en-US" sz="3200" spc="-1" strike="noStrike">
+                <a:solidFill>
+                  <a:srgbClr val="1f497d"/>
+                </a:solidFill>
+                <a:uFill>
+                  <a:solidFill>
+                    <a:srgbClr val="ffffff"/>
+                  </a:solidFill>
+                </a:uFill>
+                <a:latin typeface="Arial"/>
+                <a:ea typeface="DejaVu Sans"/>
               </a:rPr>
               <a:t>There already exist proprietary software systems for order management sold by a variety of companies</a:t>
             </a:r>
-          </a:p>
-          <a:p>
-            <a:pPr marL="432000" indent="-323280">
+            <a:endParaRPr b="0" lang="en-US" sz="1800" spc="-1" strike="noStrike">
+              <a:solidFill>
+                <a:srgbClr val="000000"/>
+              </a:solidFill>
+              <a:uFill>
+                <a:solidFill>
+                  <a:srgbClr val="ffffff"/>
+                </a:solidFill>
+              </a:uFill>
+              <a:latin typeface="Arial"/>
+            </a:endParaRPr>
+          </a:p>
+          <a:p>
+            <a:pPr marL="432000" indent="-322920">
               <a:lnSpc>
                 <a:spcPct val="100000"/>
               </a:lnSpc>
-              <a:spcAft>
-                <a:spcPts val="600"/>
-              </a:spcAft>
               <a:buClr>
                 <a:srgbClr val="000000"/>
               </a:buClr>
@@ -5980,170 +5852,235 @@
               <a:buChar char=""/>
             </a:pPr>
             <a:r>
-              <a:rPr lang="en-US" sz="3200" spc="-1" dirty="0" smtClean="0">
-                <a:solidFill>
-                  <a:schemeClr val="tx2"/>
-                </a:solidFill>
-                <a:uFill>
-                  <a:solidFill>
-                    <a:srgbClr val="FFFFFF"/>
-                  </a:solidFill>
-                </a:uFill>
-                <a:latin typeface="Arial"/>
+              <a:rPr b="0" lang="en-US" sz="3200" spc="-1" strike="noStrike">
+                <a:solidFill>
+                  <a:srgbClr val="1f497d"/>
+                </a:solidFill>
+                <a:uFill>
+                  <a:solidFill>
+                    <a:srgbClr val="ffffff"/>
+                  </a:solidFill>
+                </a:uFill>
+                <a:latin typeface="Arial"/>
+                <a:ea typeface="DejaVu Sans"/>
               </a:rPr>
               <a:t>The Polish software company Exence</a:t>
             </a:r>
             <a:r>
-              <a:rPr lang="en-US" sz="3200" spc="-1" baseline="30000" dirty="0" smtClean="0">
-                <a:solidFill>
-                  <a:schemeClr val="tx2"/>
-                </a:solidFill>
-                <a:uFill>
-                  <a:solidFill>
-                    <a:srgbClr val="FFFFFF"/>
-                  </a:solidFill>
-                </a:uFill>
-                <a:latin typeface="Arial"/>
+              <a:rPr b="0" lang="en-US" sz="3200" spc="-1" strike="noStrike" baseline="30000">
+                <a:solidFill>
+                  <a:srgbClr val="1f497d"/>
+                </a:solidFill>
+                <a:uFill>
+                  <a:solidFill>
+                    <a:srgbClr val="ffffff"/>
+                  </a:solidFill>
+                </a:uFill>
+                <a:latin typeface="Arial"/>
+                <a:ea typeface="DejaVu Sans"/>
               </a:rPr>
               <a:t>1</a:t>
             </a:r>
             <a:r>
-              <a:rPr lang="en-US" sz="3200" spc="-1" dirty="0" smtClean="0">
-                <a:solidFill>
-                  <a:schemeClr val="tx2"/>
-                </a:solidFill>
-                <a:uFill>
-                  <a:solidFill>
-                    <a:srgbClr val="FFFFFF"/>
-                  </a:solidFill>
-                </a:uFill>
-                <a:latin typeface="Arial"/>
+              <a:rPr b="0" lang="en-US" sz="3200" spc="-1" strike="noStrike">
+                <a:solidFill>
+                  <a:srgbClr val="1f497d"/>
+                </a:solidFill>
+                <a:uFill>
+                  <a:solidFill>
+                    <a:srgbClr val="ffffff"/>
+                  </a:solidFill>
+                </a:uFill>
+                <a:latin typeface="Arial"/>
+                <a:ea typeface="DejaVu Sans"/>
               </a:rPr>
               <a:t> has a product that happens to be very similar to our idea, but is a desktop app</a:t>
             </a:r>
-          </a:p>
-          <a:p>
-            <a:pPr marL="1023120" lvl="1" indent="-457200">
-              <a:spcAft>
-                <a:spcPts val="600"/>
-              </a:spcAft>
+            <a:endParaRPr b="0" lang="en-US" sz="1800" spc="-1" strike="noStrike">
+              <a:solidFill>
+                <a:srgbClr val="000000"/>
+              </a:solidFill>
+              <a:uFill>
+                <a:solidFill>
+                  <a:srgbClr val="ffffff"/>
+                </a:solidFill>
+              </a:uFill>
+              <a:latin typeface="Arial"/>
+            </a:endParaRPr>
+          </a:p>
+          <a:p>
+            <a:pPr lvl="1" marL="1023120" indent="-456840">
+              <a:lnSpc>
+                <a:spcPct val="100000"/>
+              </a:lnSpc>
               <a:buClr>
                 <a:srgbClr val="000000"/>
               </a:buClr>
-              <a:buSzPct val="100000"/>
-              <a:buFont typeface="Courier New" panose="02070309020205020404" pitchFamily="49" charset="0"/>
+              <a:buFont typeface="Courier New"/>
               <a:buChar char="o"/>
             </a:pPr>
             <a:r>
-              <a:rPr lang="en-US" sz="2800" spc="-1" dirty="0" smtClean="0">
-                <a:solidFill>
-                  <a:schemeClr val="tx2"/>
-                </a:solidFill>
-                <a:uFill>
-                  <a:solidFill>
-                    <a:srgbClr val="FFFFFF"/>
-                  </a:solidFill>
-                </a:uFill>
-                <a:latin typeface="Arial"/>
+              <a:rPr b="0" lang="en-US" sz="2800" spc="-1" strike="noStrike">
+                <a:solidFill>
+                  <a:srgbClr val="1f497d"/>
+                </a:solidFill>
+                <a:uFill>
+                  <a:solidFill>
+                    <a:srgbClr val="ffffff"/>
+                  </a:solidFill>
+                </a:uFill>
+                <a:latin typeface="Arial"/>
+                <a:ea typeface="DejaVu Sans"/>
               </a:rPr>
               <a:t>Ours is a web app for ease of access</a:t>
             </a:r>
-          </a:p>
-          <a:p>
-            <a:pPr marL="1023120" lvl="1" indent="-457200">
-              <a:spcAft>
-                <a:spcPts val="600"/>
-              </a:spcAft>
+            <a:endParaRPr b="0" lang="en-US" sz="1800" spc="-1" strike="noStrike">
+              <a:solidFill>
+                <a:srgbClr val="000000"/>
+              </a:solidFill>
+              <a:uFill>
+                <a:solidFill>
+                  <a:srgbClr val="ffffff"/>
+                </a:solidFill>
+              </a:uFill>
+              <a:latin typeface="Arial"/>
+            </a:endParaRPr>
+          </a:p>
+          <a:p>
+            <a:pPr lvl="1" marL="1023120" indent="-456840">
+              <a:lnSpc>
+                <a:spcPct val="100000"/>
+              </a:lnSpc>
               <a:buClr>
                 <a:srgbClr val="000000"/>
               </a:buClr>
-              <a:buSzPct val="100000"/>
-              <a:buFont typeface="Courier New" panose="02070309020205020404" pitchFamily="49" charset="0"/>
+              <a:buFont typeface="Courier New"/>
               <a:buChar char="o"/>
             </a:pPr>
             <a:r>
-              <a:rPr lang="en-US" sz="2800" spc="-1" dirty="0" smtClean="0">
-                <a:solidFill>
-                  <a:schemeClr val="tx2"/>
-                </a:solidFill>
-                <a:uFill>
-                  <a:solidFill>
-                    <a:srgbClr val="FFFFFF"/>
-                  </a:solidFill>
-                </a:uFill>
-                <a:latin typeface="Arial"/>
+              <a:rPr b="0" lang="en-US" sz="2800" spc="-1" strike="noStrike">
+                <a:solidFill>
+                  <a:srgbClr val="1f497d"/>
+                </a:solidFill>
+                <a:uFill>
+                  <a:solidFill>
+                    <a:srgbClr val="ffffff"/>
+                  </a:solidFill>
+                </a:uFill>
+                <a:latin typeface="Arial"/>
+                <a:ea typeface="DejaVu Sans"/>
               </a:rPr>
               <a:t>Adding a desktop client for our application could be a feature for future extension of the project</a:t>
             </a:r>
-            <a:endParaRPr lang="en-US" sz="2800" b="0" strike="noStrike" spc="-1" dirty="0">
-              <a:solidFill>
-                <a:schemeClr val="tx2"/>
-              </a:solidFill>
-              <a:uFill>
-                <a:solidFill>
-                  <a:srgbClr val="FFFFFF"/>
-                </a:solidFill>
-              </a:uFill>
-              <a:latin typeface="Arial"/>
-            </a:endParaRPr>
-          </a:p>
-        </p:txBody>
-      </p:sp>
-      <p:sp>
-        <p:nvSpPr>
-          <p:cNvPr id="2" name="TextBox 1"/>
-          <p:cNvSpPr txBox="1"/>
+            <a:endParaRPr b="0" lang="en-US" sz="1800" spc="-1" strike="noStrike">
+              <a:solidFill>
+                <a:srgbClr val="000000"/>
+              </a:solidFill>
+              <a:uFill>
+                <a:solidFill>
+                  <a:srgbClr val="ffffff"/>
+                </a:solidFill>
+              </a:uFill>
+              <a:latin typeface="Arial"/>
+            </a:endParaRPr>
+          </a:p>
+        </p:txBody>
+      </p:sp>
+      <p:sp>
+        <p:nvSpPr>
+          <p:cNvPr id="85" name="CustomShape 4"/>
+          <p:cNvSpPr/>
           <p:nvPr/>
         </p:nvSpPr>
         <p:spPr>
           <a:xfrm>
-            <a:off x="732600" y="6839505"/>
-            <a:ext cx="6898512" cy="369332"/>
+            <a:off x="732600" y="6839640"/>
+            <a:ext cx="6898320" cy="364680"/>
           </a:xfrm>
           <a:prstGeom prst="rect">
             <a:avLst/>
           </a:prstGeom>
           <a:noFill/>
-        </p:spPr>
-        <p:txBody>
-          <a:bodyPr wrap="square" rtlCol="0">
-            <a:spAutoFit/>
-          </a:bodyPr>
-          <a:lstStyle/>
-          <a:p>
-            <a:r>
-              <a:rPr lang="en-US" baseline="30000" dirty="0" smtClean="0"/>
+          <a:ln>
+            <a:noFill/>
+          </a:ln>
+        </p:spPr>
+        <p:style>
+          <a:lnRef idx="0"/>
+          <a:fillRef idx="0"/>
+          <a:effectRef idx="0"/>
+          <a:fontRef idx="minor"/>
+        </p:style>
+        <p:txBody>
+          <a:bodyPr lIns="90000" rIns="90000" tIns="45000" bIns="45000"/>
+          <a:p>
+            <a:pPr>
+              <a:lnSpc>
+                <a:spcPct val="100000"/>
+              </a:lnSpc>
+            </a:pPr>
+            <a:r>
+              <a:rPr b="0" lang="en-US" sz="1800" spc="-1" strike="noStrike" baseline="30000">
+                <a:solidFill>
+                  <a:srgbClr val="000000"/>
+                </a:solidFill>
+                <a:uFill>
+                  <a:solidFill>
+                    <a:srgbClr val="ffffff"/>
+                  </a:solidFill>
+                </a:uFill>
+                <a:latin typeface="Arial"/>
+                <a:ea typeface="DejaVu Sans"/>
+              </a:rPr>
               <a:t>1</a:t>
             </a:r>
             <a:r>
-              <a:rPr lang="en-US" dirty="0" smtClean="0"/>
+              <a:rPr b="0" lang="en-US" sz="1800" spc="-1" strike="noStrike">
+                <a:solidFill>
+                  <a:srgbClr val="000000"/>
+                </a:solidFill>
+                <a:uFill>
+                  <a:solidFill>
+                    <a:srgbClr val="ffffff"/>
+                  </a:solidFill>
+                </a:uFill>
+                <a:latin typeface="Arial"/>
+                <a:ea typeface="DejaVu Sans"/>
+              </a:rPr>
               <a:t>https://www.exence.com/en/offer/internal-order-processing</a:t>
             </a:r>
-            <a:endParaRPr lang="en-US" baseline="30000" dirty="0"/>
+            <a:endParaRPr b="0" lang="en-US" sz="1800" spc="-1" strike="noStrike">
+              <a:solidFill>
+                <a:srgbClr val="000000"/>
+              </a:solidFill>
+              <a:uFill>
+                <a:solidFill>
+                  <a:srgbClr val="ffffff"/>
+                </a:solidFill>
+              </a:uFill>
+              <a:latin typeface="Arial"/>
+            </a:endParaRPr>
           </a:p>
         </p:txBody>
       </p:sp>
     </p:spTree>
   </p:cSld>
-  <p:clrMapOvr>
-    <a:masterClrMapping/>
-  </p:clrMapOvr>
   <p:timing>
     <p:tnLst>
       <p:par>
-        <p:cTn id="1" dur="indefinite" restart="never" nodeType="tmRoot">
+        <p:cTn id="7" dur="indefinite" restart="never" nodeType="tmRoot">
           <p:childTnLst>
             <p:seq>
-              <p:cTn id="2" nodeType="mainSeq"/>
+              <p:cTn id="8" nodeType="mainSeq"/>
               <p:prevCondLst>
-                <p:cond evt="onPrev" delay="0">
+                <p:cond delay="0" evt="onPrev">
                   <p:tgtEl>
                     <p:sldTgt/>
                   </p:tgtEl>
                 </p:cond>
               </p:prevCondLst>
               <p:nextCondLst>
-                <p:cond evt="onNext" delay="0">
+                <p:cond delay="0" evt="onNext">
                   <p:tgtEl>
                     <p:sldTgt/>
                   </p:tgtEl>
@@ -6159,7 +6096,7 @@
 </file>
 
 <file path=ppt/slides/slide5.xml><?xml version="1.0" encoding="utf-8"?>
-<p:sld xmlns:a="http://schemas.openxmlformats.org/drawingml/2006/main" xmlns:r="http://schemas.openxmlformats.org/officeDocument/2006/relationships" xmlns:p="http://schemas.openxmlformats.org/presentationml/2006/main">
+<p:sld xmlns:a="http://schemas.openxmlformats.org/drawingml/2006/main" xmlns:p="http://schemas.openxmlformats.org/presentationml/2006/main" xmlns:r="http://schemas.openxmlformats.org/officeDocument/2006/relationships" xmlns:p14="http://schemas.microsoft.com/office/powerpoint/2010/main" xmlns:p15="http://schemas.microsoft.com/office/powerpoint/2012/main" xmlns:mc="http://schemas.openxmlformats.org/markup-compatibility/2006">
   <p:cSld>
     <p:spTree>
       <p:nvGrpSpPr>
@@ -6177,14 +6114,14 @@
       </p:grpSpPr>
       <p:sp>
         <p:nvSpPr>
-          <p:cNvPr id="85" name="CustomShape 1"/>
+          <p:cNvPr id="86" name="CustomShape 1"/>
           <p:cNvSpPr/>
           <p:nvPr/>
         </p:nvSpPr>
         <p:spPr>
           <a:xfrm>
             <a:off x="504000" y="301320"/>
-            <a:ext cx="9070920" cy="1261440"/>
+            <a:ext cx="9070560" cy="1261080"/>
           </a:xfrm>
           <a:prstGeom prst="rect">
             <a:avLst/>
@@ -6195,20 +6132,13 @@
           </a:ln>
         </p:spPr>
         <p:style>
-          <a:lnRef idx="0">
-            <a:scrgbClr r="0" g="0" b="0"/>
-          </a:lnRef>
-          <a:fillRef idx="0">
-            <a:scrgbClr r="0" g="0" b="0"/>
-          </a:fillRef>
-          <a:effectRef idx="0">
-            <a:scrgbClr r="0" g="0" b="0"/>
-          </a:effectRef>
+          <a:lnRef idx="0"/>
+          <a:fillRef idx="0"/>
+          <a:effectRef idx="0"/>
           <a:fontRef idx="minor"/>
         </p:style>
         <p:txBody>
-          <a:bodyPr lIns="0" tIns="0" rIns="0" bIns="0" anchor="ctr"/>
-          <a:lstStyle/>
+          <a:bodyPr lIns="0" rIns="0" tIns="0" bIns="0" anchor="ctr"/>
           <a:p>
             <a:pPr>
               <a:lnSpc>
@@ -6216,54 +6146,44 @@
               </a:lnSpc>
             </a:pPr>
             <a:r>
-              <a:rPr lang="en-US" sz="4400" b="1" spc="-1" dirty="0">
-                <a:solidFill>
-                  <a:schemeClr val="accent4"/>
-                </a:solidFill>
-                <a:uFill>
-                  <a:solidFill>
-                    <a:srgbClr val="FFFFFF"/>
-                  </a:solidFill>
-                </a:uFill>
-              </a:rPr>
-              <a:t>P</a:t>
-            </a:r>
-            <a:r>
-              <a:rPr lang="en-US" sz="4400" b="1" spc="-1" dirty="0" smtClean="0">
-                <a:solidFill>
-                  <a:schemeClr val="accent4"/>
-                </a:solidFill>
-                <a:uFill>
-                  <a:solidFill>
-                    <a:srgbClr val="FFFFFF"/>
-                  </a:solidFill>
-                </a:uFill>
-              </a:rPr>
-              <a:t>roposed Approach</a:t>
-            </a:r>
-            <a:endParaRPr lang="en-US" spc="-1" dirty="0">
-              <a:solidFill>
-                <a:schemeClr val="accent4"/>
-              </a:solidFill>
-              <a:uFill>
-                <a:solidFill>
-                  <a:srgbClr val="FFFFFF"/>
-                </a:solidFill>
-              </a:uFill>
-            </a:endParaRPr>
-          </a:p>
-        </p:txBody>
-      </p:sp>
-      <p:sp>
-        <p:nvSpPr>
-          <p:cNvPr id="86" name="CustomShape 2"/>
+              <a:rPr b="1" lang="en-US" sz="4400" spc="-1" strike="noStrike">
+                <a:solidFill>
+                  <a:srgbClr val="8064a2"/>
+                </a:solidFill>
+                <a:uFill>
+                  <a:solidFill>
+                    <a:srgbClr val="ffffff"/>
+                  </a:solidFill>
+                </a:uFill>
+                <a:latin typeface="Arial"/>
+                <a:ea typeface="DejaVu Sans"/>
+              </a:rPr>
+              <a:t>Proposed Approach</a:t>
+            </a:r>
+            <a:endParaRPr b="0" lang="en-US" sz="1800" spc="-1" strike="noStrike">
+              <a:solidFill>
+                <a:srgbClr val="000000"/>
+              </a:solidFill>
+              <a:uFill>
+                <a:solidFill>
+                  <a:srgbClr val="ffffff"/>
+                </a:solidFill>
+              </a:uFill>
+              <a:latin typeface="Arial"/>
+            </a:endParaRPr>
+          </a:p>
+        </p:txBody>
+      </p:sp>
+      <p:sp>
+        <p:nvSpPr>
+          <p:cNvPr id="87" name="CustomShape 2"/>
           <p:cNvSpPr/>
           <p:nvPr/>
         </p:nvSpPr>
         <p:spPr>
           <a:xfrm>
             <a:off x="504000" y="1769040"/>
-            <a:ext cx="9070920" cy="4383720"/>
+            <a:ext cx="9070560" cy="4383360"/>
           </a:xfrm>
           <a:prstGeom prst="rect">
             <a:avLst/>
@@ -6274,227 +6194,379 @@
           </a:ln>
         </p:spPr>
         <p:style>
-          <a:lnRef idx="0">
-            <a:scrgbClr r="0" g="0" b="0"/>
-          </a:lnRef>
-          <a:fillRef idx="0">
-            <a:scrgbClr r="0" g="0" b="0"/>
-          </a:fillRef>
-          <a:effectRef idx="0">
-            <a:scrgbClr r="0" g="0" b="0"/>
-          </a:effectRef>
+          <a:lnRef idx="0"/>
+          <a:fillRef idx="0"/>
+          <a:effectRef idx="0"/>
           <a:fontRef idx="minor"/>
         </p:style>
       </p:sp>
       <p:sp>
         <p:nvSpPr>
-          <p:cNvPr id="2" name="TextBox 1"/>
-          <p:cNvSpPr txBox="1"/>
+          <p:cNvPr id="88" name="CustomShape 3"/>
+          <p:cNvSpPr/>
           <p:nvPr/>
         </p:nvSpPr>
         <p:spPr>
           <a:xfrm>
-            <a:off x="849312" y="1493837"/>
-            <a:ext cx="8229600" cy="6232475"/>
+            <a:off x="849240" y="1494000"/>
+            <a:ext cx="8229240" cy="6168600"/>
           </a:xfrm>
           <a:prstGeom prst="rect">
             <a:avLst/>
           </a:prstGeom>
           <a:noFill/>
-        </p:spPr>
-        <p:txBody>
-          <a:bodyPr wrap="square" rtlCol="0">
-            <a:spAutoFit/>
-          </a:bodyPr>
-          <a:lstStyle/>
-          <a:p>
-            <a:pPr marL="285750" indent="-285750">
-              <a:spcAft>
-                <a:spcPts val="600"/>
-              </a:spcAft>
-              <a:buFont typeface="Arial" panose="020B0604020202020204" pitchFamily="34" charset="0"/>
+          <a:ln>
+            <a:noFill/>
+          </a:ln>
+        </p:spPr>
+        <p:style>
+          <a:lnRef idx="0"/>
+          <a:fillRef idx="0"/>
+          <a:effectRef idx="0"/>
+          <a:fontRef idx="minor"/>
+        </p:style>
+        <p:txBody>
+          <a:bodyPr lIns="90000" rIns="90000" tIns="45000" bIns="45000"/>
+          <a:p>
+            <a:pPr marL="285840" indent="-285480">
+              <a:lnSpc>
+                <a:spcPct val="100000"/>
+              </a:lnSpc>
+              <a:buClr>
+                <a:srgbClr val="1f497d"/>
+              </a:buClr>
+              <a:buFont typeface="Arial"/>
               <a:buChar char="•"/>
             </a:pPr>
             <a:r>
-              <a:rPr lang="en-US" sz="3200" dirty="0" smtClean="0">
-                <a:solidFill>
-                  <a:schemeClr val="tx2"/>
-                </a:solidFill>
+              <a:rPr b="0" lang="en-US" sz="3200" spc="-1" strike="noStrike">
+                <a:solidFill>
+                  <a:srgbClr val="1f497d"/>
+                </a:solidFill>
+                <a:uFill>
+                  <a:solidFill>
+                    <a:srgbClr val="ffffff"/>
+                  </a:solidFill>
+                </a:uFill>
+                <a:latin typeface="Arial"/>
+                <a:ea typeface="DejaVu Sans"/>
               </a:rPr>
               <a:t>Our app will run in a web browser and consist of a user interface and a database</a:t>
             </a:r>
-          </a:p>
-          <a:p>
-            <a:pPr marL="285750" indent="-285750">
-              <a:spcAft>
-                <a:spcPts val="600"/>
-              </a:spcAft>
-              <a:buFont typeface="Arial" panose="020B0604020202020204" pitchFamily="34" charset="0"/>
+            <a:endParaRPr b="0" lang="en-US" sz="1800" spc="-1" strike="noStrike">
+              <a:solidFill>
+                <a:srgbClr val="000000"/>
+              </a:solidFill>
+              <a:uFill>
+                <a:solidFill>
+                  <a:srgbClr val="ffffff"/>
+                </a:solidFill>
+              </a:uFill>
+              <a:latin typeface="Arial"/>
+            </a:endParaRPr>
+          </a:p>
+          <a:p>
+            <a:pPr marL="285840" indent="-285480">
+              <a:lnSpc>
+                <a:spcPct val="100000"/>
+              </a:lnSpc>
+              <a:buClr>
+                <a:srgbClr val="1f497d"/>
+              </a:buClr>
+              <a:buFont typeface="Arial"/>
               <a:buChar char="•"/>
             </a:pPr>
             <a:r>
-              <a:rPr lang="en-US" sz="3200" dirty="0" smtClean="0">
-                <a:solidFill>
-                  <a:schemeClr val="tx2"/>
-                </a:solidFill>
+              <a:rPr b="0" lang="en-US" sz="3200" spc="-1" strike="noStrike">
+                <a:solidFill>
+                  <a:srgbClr val="1f497d"/>
+                </a:solidFill>
+                <a:uFill>
+                  <a:solidFill>
+                    <a:srgbClr val="ffffff"/>
+                  </a:solidFill>
+                </a:uFill>
+                <a:latin typeface="Arial"/>
+                <a:ea typeface="DejaVu Sans"/>
               </a:rPr>
               <a:t>Interface will have listing of all the orders that exist for the company, and will have columns for different fields: </a:t>
             </a:r>
             <a:r>
-              <a:rPr lang="en-US" sz="3200" i="1" dirty="0" smtClean="0">
-                <a:solidFill>
-                  <a:schemeClr val="tx2"/>
-                </a:solidFill>
+              <a:rPr b="0" i="1" lang="en-US" sz="3200" spc="-1" strike="noStrike">
+                <a:solidFill>
+                  <a:srgbClr val="1f497d"/>
+                </a:solidFill>
+                <a:uFill>
+                  <a:solidFill>
+                    <a:srgbClr val="ffffff"/>
+                  </a:solidFill>
+                </a:uFill>
+                <a:latin typeface="Arial"/>
+                <a:ea typeface="DejaVu Sans"/>
               </a:rPr>
               <a:t>Department</a:t>
             </a:r>
             <a:r>
-              <a:rPr lang="en-US" sz="3200" dirty="0">
-                <a:solidFill>
-                  <a:schemeClr val="tx2"/>
-                </a:solidFill>
+              <a:rPr b="0" lang="en-US" sz="3200" spc="-1" strike="noStrike">
+                <a:solidFill>
+                  <a:srgbClr val="1f497d"/>
+                </a:solidFill>
+                <a:uFill>
+                  <a:solidFill>
+                    <a:srgbClr val="ffffff"/>
+                  </a:solidFill>
+                </a:uFill>
+                <a:latin typeface="Arial"/>
+                <a:ea typeface="DejaVu Sans"/>
               </a:rPr>
               <a:t>,</a:t>
             </a:r>
             <a:r>
-              <a:rPr lang="en-US" sz="3200" i="1" dirty="0" smtClean="0">
-                <a:solidFill>
-                  <a:schemeClr val="tx2"/>
-                </a:solidFill>
+              <a:rPr b="0" i="1" lang="en-US" sz="3200" spc="-1" strike="noStrike">
+                <a:solidFill>
+                  <a:srgbClr val="1f497d"/>
+                </a:solidFill>
+                <a:uFill>
+                  <a:solidFill>
+                    <a:srgbClr val="ffffff"/>
+                  </a:solidFill>
+                </a:uFill>
+                <a:latin typeface="Arial"/>
+                <a:ea typeface="DejaVu Sans"/>
               </a:rPr>
               <a:t> Quantity</a:t>
             </a:r>
             <a:r>
-              <a:rPr lang="en-US" sz="3200" dirty="0" smtClean="0">
-                <a:solidFill>
-                  <a:schemeClr val="tx2"/>
-                </a:solidFill>
+              <a:rPr b="0" lang="en-US" sz="3200" spc="-1" strike="noStrike">
+                <a:solidFill>
+                  <a:srgbClr val="1f497d"/>
+                </a:solidFill>
+                <a:uFill>
+                  <a:solidFill>
+                    <a:srgbClr val="ffffff"/>
+                  </a:solidFill>
+                </a:uFill>
+                <a:latin typeface="Arial"/>
+                <a:ea typeface="DejaVu Sans"/>
+              </a:rPr>
+              <a:t>, </a:t>
+            </a:r>
+            <a:r>
+              <a:rPr b="0" i="1" lang="en-US" sz="3200" spc="-1" strike="noStrike">
+                <a:solidFill>
+                  <a:srgbClr val="1f497d"/>
+                </a:solidFill>
+                <a:uFill>
+                  <a:solidFill>
+                    <a:srgbClr val="ffffff"/>
+                  </a:solidFill>
+                </a:uFill>
+                <a:latin typeface="Arial"/>
+                <a:ea typeface="DejaVu Sans"/>
+              </a:rPr>
+              <a:t>Cost</a:t>
+            </a:r>
+            <a:r>
+              <a:rPr b="0" lang="en-US" sz="3200" spc="-1" strike="noStrike">
+                <a:solidFill>
+                  <a:srgbClr val="1f497d"/>
+                </a:solidFill>
+                <a:uFill>
+                  <a:solidFill>
+                    <a:srgbClr val="ffffff"/>
+                  </a:solidFill>
+                </a:uFill>
+                <a:latin typeface="Arial"/>
+                <a:ea typeface="DejaVu Sans"/>
+              </a:rPr>
+              <a:t>, </a:t>
+            </a:r>
+            <a:r>
+              <a:rPr b="0" i="1" lang="en-US" sz="3200" spc="-1" strike="noStrike">
+                <a:solidFill>
+                  <a:srgbClr val="1f497d"/>
+                </a:solidFill>
+                <a:uFill>
+                  <a:solidFill>
+                    <a:srgbClr val="ffffff"/>
+                  </a:solidFill>
+                </a:uFill>
+                <a:latin typeface="Arial"/>
+                <a:ea typeface="DejaVu Sans"/>
+              </a:rPr>
+              <a:t>Status</a:t>
+            </a:r>
+            <a:r>
+              <a:rPr b="0" lang="en-US" sz="3200" spc="-1" strike="noStrike">
+                <a:solidFill>
+                  <a:srgbClr val="1f497d"/>
+                </a:solidFill>
+                <a:uFill>
+                  <a:solidFill>
+                    <a:srgbClr val="ffffff"/>
+                  </a:solidFill>
+                </a:uFill>
+                <a:latin typeface="Arial"/>
+                <a:ea typeface="DejaVu Sans"/>
               </a:rPr>
               <a:t>,</a:t>
             </a:r>
             <a:r>
-              <a:rPr lang="en-US" sz="3200" dirty="0">
-                <a:solidFill>
-                  <a:schemeClr val="tx2"/>
-                </a:solidFill>
+              <a:rPr b="0" i="1" lang="en-US" sz="3200" spc="-1" strike="noStrike">
+                <a:solidFill>
+                  <a:srgbClr val="1f497d"/>
+                </a:solidFill>
+                <a:uFill>
+                  <a:solidFill>
+                    <a:srgbClr val="ffffff"/>
+                  </a:solidFill>
+                </a:uFill>
+                <a:latin typeface="Arial"/>
+                <a:ea typeface="DejaVu Sans"/>
               </a:rPr>
               <a:t> </a:t>
             </a:r>
             <a:r>
-              <a:rPr lang="en-US" sz="3200" i="1" dirty="0" smtClean="0">
-                <a:solidFill>
-                  <a:schemeClr val="tx2"/>
-                </a:solidFill>
-              </a:rPr>
-              <a:t>Cost</a:t>
-            </a:r>
-            <a:r>
-              <a:rPr lang="en-US" sz="3200" dirty="0" smtClean="0">
-                <a:solidFill>
-                  <a:schemeClr val="tx2"/>
-                </a:solidFill>
-              </a:rPr>
-              <a:t>, </a:t>
-            </a:r>
-            <a:r>
-              <a:rPr lang="en-US" sz="3200" i="1" dirty="0" smtClean="0">
-                <a:solidFill>
-                  <a:schemeClr val="tx2"/>
-                </a:solidFill>
-              </a:rPr>
-              <a:t>Status</a:t>
-            </a:r>
-            <a:r>
-              <a:rPr lang="en-US" sz="3200" dirty="0" smtClean="0">
-                <a:solidFill>
-                  <a:schemeClr val="tx2"/>
-                </a:solidFill>
-              </a:rPr>
-              <a:t>,</a:t>
-            </a:r>
-            <a:r>
-              <a:rPr lang="en-US" sz="3200" i="1" dirty="0" smtClean="0">
-                <a:solidFill>
-                  <a:schemeClr val="tx2"/>
-                </a:solidFill>
-              </a:rPr>
-              <a:t> </a:t>
-            </a:r>
-            <a:r>
-              <a:rPr lang="en-US" sz="3200" dirty="0" smtClean="0">
-                <a:solidFill>
-                  <a:schemeClr val="tx2"/>
-                </a:solidFill>
+              <a:rPr b="0" lang="en-US" sz="3200" spc="-1" strike="noStrike">
+                <a:solidFill>
+                  <a:srgbClr val="1f497d"/>
+                </a:solidFill>
+                <a:uFill>
+                  <a:solidFill>
+                    <a:srgbClr val="ffffff"/>
+                  </a:solidFill>
+                </a:uFill>
+                <a:latin typeface="Arial"/>
+                <a:ea typeface="DejaVu Sans"/>
               </a:rPr>
               <a:t>etc.</a:t>
             </a:r>
-            <a:endParaRPr lang="en-US" sz="3200" dirty="0">
-              <a:solidFill>
-                <a:schemeClr val="tx2"/>
-              </a:solidFill>
-            </a:endParaRPr>
-          </a:p>
-          <a:p>
-            <a:pPr marL="285750" indent="-285750">
-              <a:spcAft>
-                <a:spcPts val="600"/>
-              </a:spcAft>
-              <a:buFont typeface="Arial" panose="020B0604020202020204" pitchFamily="34" charset="0"/>
+            <a:endParaRPr b="0" lang="en-US" sz="1800" spc="-1" strike="noStrike">
+              <a:solidFill>
+                <a:srgbClr val="000000"/>
+              </a:solidFill>
+              <a:uFill>
+                <a:solidFill>
+                  <a:srgbClr val="ffffff"/>
+                </a:solidFill>
+              </a:uFill>
+              <a:latin typeface="Arial"/>
+            </a:endParaRPr>
+          </a:p>
+          <a:p>
+            <a:pPr marL="285840" indent="-285480">
+              <a:lnSpc>
+                <a:spcPct val="100000"/>
+              </a:lnSpc>
+              <a:buClr>
+                <a:srgbClr val="1f497d"/>
+              </a:buClr>
+              <a:buFont typeface="Arial"/>
               <a:buChar char="•"/>
             </a:pPr>
             <a:r>
-              <a:rPr lang="en-US" sz="3200" dirty="0" smtClean="0">
-                <a:solidFill>
-                  <a:schemeClr val="tx2"/>
-                </a:solidFill>
+              <a:rPr b="0" lang="en-US" sz="3200" spc="-1" strike="noStrike">
+                <a:solidFill>
+                  <a:srgbClr val="1f497d"/>
+                </a:solidFill>
+                <a:uFill>
+                  <a:solidFill>
+                    <a:srgbClr val="ffffff"/>
+                  </a:solidFill>
+                </a:uFill>
+                <a:latin typeface="Arial"/>
+                <a:ea typeface="DejaVu Sans"/>
               </a:rPr>
               <a:t>Normal users will be able to add orders to the system, or cancel their existing ones</a:t>
             </a:r>
-          </a:p>
-          <a:p>
-            <a:pPr marL="285750" indent="-285750">
-              <a:buFont typeface="Arial" panose="020B0604020202020204" pitchFamily="34" charset="0"/>
+            <a:endParaRPr b="0" lang="en-US" sz="1800" spc="-1" strike="noStrike">
+              <a:solidFill>
+                <a:srgbClr val="000000"/>
+              </a:solidFill>
+              <a:uFill>
+                <a:solidFill>
+                  <a:srgbClr val="ffffff"/>
+                </a:solidFill>
+              </a:uFill>
+              <a:latin typeface="Arial"/>
+            </a:endParaRPr>
+          </a:p>
+          <a:p>
+            <a:pPr marL="285840" indent="-285480">
+              <a:lnSpc>
+                <a:spcPct val="100000"/>
+              </a:lnSpc>
+              <a:buClr>
+                <a:srgbClr val="1f497d"/>
+              </a:buClr>
+              <a:buFont typeface="Arial"/>
               <a:buChar char="•"/>
             </a:pPr>
             <a:r>
-              <a:rPr lang="en-US" sz="3200" dirty="0" smtClean="0">
-                <a:solidFill>
-                  <a:schemeClr val="tx2"/>
-                </a:solidFill>
+              <a:rPr b="0" lang="en-US" sz="3200" spc="-1" strike="noStrike">
+                <a:solidFill>
+                  <a:srgbClr val="1f497d"/>
+                </a:solidFill>
+                <a:uFill>
+                  <a:solidFill>
+                    <a:srgbClr val="ffffff"/>
+                  </a:solidFill>
+                </a:uFill>
+                <a:latin typeface="Arial"/>
+                <a:ea typeface="DejaVu Sans"/>
               </a:rPr>
               <a:t>Users who log in as a manager can confirm the orders and notify the user who placed the order when it arrives</a:t>
             </a:r>
-          </a:p>
-          <a:p>
-            <a:pPr marL="285750" indent="-285750">
-              <a:buFont typeface="Arial" panose="020B0604020202020204" pitchFamily="34" charset="0"/>
-              <a:buChar char="•"/>
-            </a:pPr>
-            <a:endParaRPr lang="en-US" sz="3200" dirty="0"/>
+            <a:endParaRPr b="0" lang="en-US" sz="1800" spc="-1" strike="noStrike">
+              <a:solidFill>
+                <a:srgbClr val="000000"/>
+              </a:solidFill>
+              <a:uFill>
+                <a:solidFill>
+                  <a:srgbClr val="ffffff"/>
+                </a:solidFill>
+              </a:uFill>
+              <a:latin typeface="Arial"/>
+            </a:endParaRPr>
+          </a:p>
+          <a:p>
+            <a:pPr>
+              <a:lnSpc>
+                <a:spcPct val="100000"/>
+              </a:lnSpc>
+            </a:pPr>
+            <a:endParaRPr b="0" lang="en-US" sz="1800" spc="-1" strike="noStrike">
+              <a:solidFill>
+                <a:srgbClr val="000000"/>
+              </a:solidFill>
+              <a:uFill>
+                <a:solidFill>
+                  <a:srgbClr val="ffffff"/>
+                </a:solidFill>
+              </a:uFill>
+              <a:latin typeface="Arial"/>
+            </a:endParaRPr>
           </a:p>
         </p:txBody>
       </p:sp>
     </p:spTree>
   </p:cSld>
-  <p:clrMapOvr>
-    <a:masterClrMapping/>
-  </p:clrMapOvr>
   <p:timing>
     <p:tnLst>
       <p:par>
-        <p:cTn id="1" dur="indefinite" restart="never" nodeType="tmRoot">
+        <p:cTn id="9" dur="indefinite" restart="never" nodeType="tmRoot">
           <p:childTnLst>
             <p:seq>
-              <p:cTn id="2" nodeType="mainSeq"/>
+              <p:cTn id="10" nodeType="mainSeq"/>
               <p:prevCondLst>
-                <p:cond evt="onPrev" delay="0">
+                <p:cond delay="0" evt="onPrev">
                   <p:tgtEl>
                     <p:sldTgt/>
                   </p:tgtEl>
                 </p:cond>
               </p:prevCondLst>
               <p:nextCondLst>
-                <p:cond evt="onNext" delay="0">
+                <p:cond delay="0" evt="onNext">
                   <p:tgtEl>
                     <p:sldTgt/>
                   </p:tgtEl>
@@ -6510,7 +6582,7 @@
 </file>
 
 <file path=ppt/slides/slide6.xml><?xml version="1.0" encoding="utf-8"?>
-<p:sld xmlns:a="http://schemas.openxmlformats.org/drawingml/2006/main" xmlns:r="http://schemas.openxmlformats.org/officeDocument/2006/relationships" xmlns:p="http://schemas.openxmlformats.org/presentationml/2006/main">
+<p:sld xmlns:a="http://schemas.openxmlformats.org/drawingml/2006/main" xmlns:p="http://schemas.openxmlformats.org/presentationml/2006/main" xmlns:r="http://schemas.openxmlformats.org/officeDocument/2006/relationships" xmlns:p14="http://schemas.microsoft.com/office/powerpoint/2010/main" xmlns:p15="http://schemas.microsoft.com/office/powerpoint/2012/main" xmlns:mc="http://schemas.openxmlformats.org/markup-compatibility/2006">
   <p:cSld>
     <p:spTree>
       <p:nvGrpSpPr>
@@ -6528,14 +6600,14 @@
       </p:grpSpPr>
       <p:sp>
         <p:nvSpPr>
-          <p:cNvPr id="85" name="CustomShape 1"/>
+          <p:cNvPr id="89" name="CustomShape 1"/>
           <p:cNvSpPr/>
           <p:nvPr/>
         </p:nvSpPr>
         <p:spPr>
           <a:xfrm>
             <a:off x="504000" y="301320"/>
-            <a:ext cx="9070920" cy="1261440"/>
+            <a:ext cx="9070560" cy="1261080"/>
           </a:xfrm>
           <a:prstGeom prst="rect">
             <a:avLst/>
@@ -6546,20 +6618,13 @@
           </a:ln>
         </p:spPr>
         <p:style>
-          <a:lnRef idx="0">
-            <a:scrgbClr r="0" g="0" b="0"/>
-          </a:lnRef>
-          <a:fillRef idx="0">
-            <a:scrgbClr r="0" g="0" b="0"/>
-          </a:fillRef>
-          <a:effectRef idx="0">
-            <a:scrgbClr r="0" g="0" b="0"/>
-          </a:effectRef>
+          <a:lnRef idx="0"/>
+          <a:fillRef idx="0"/>
+          <a:effectRef idx="0"/>
           <a:fontRef idx="minor"/>
         </p:style>
         <p:txBody>
-          <a:bodyPr lIns="0" tIns="0" rIns="0" bIns="0" anchor="ctr"/>
-          <a:lstStyle/>
+          <a:bodyPr lIns="0" rIns="0" tIns="0" bIns="0" anchor="ctr"/>
           <a:p>
             <a:pPr>
               <a:lnSpc>
@@ -6567,54 +6632,44 @@
               </a:lnSpc>
             </a:pPr>
             <a:r>
-              <a:rPr lang="en-US" sz="4400" b="1" spc="-1" dirty="0">
-                <a:solidFill>
-                  <a:schemeClr val="accent4"/>
-                </a:solidFill>
-                <a:uFill>
-                  <a:solidFill>
-                    <a:srgbClr val="FFFFFF"/>
-                  </a:solidFill>
-                </a:uFill>
-              </a:rPr>
-              <a:t>Proposed </a:t>
-            </a:r>
-            <a:r>
-              <a:rPr lang="en-US" sz="4400" b="1" spc="-1" dirty="0" smtClean="0">
-                <a:solidFill>
-                  <a:schemeClr val="accent4"/>
-                </a:solidFill>
-                <a:uFill>
-                  <a:solidFill>
-                    <a:srgbClr val="FFFFFF"/>
-                  </a:solidFill>
-                </a:uFill>
-              </a:rPr>
-              <a:t>Approach (cont.)</a:t>
-            </a:r>
-            <a:endParaRPr lang="en-US" sz="4400" spc="-1" dirty="0">
-              <a:solidFill>
-                <a:schemeClr val="accent4"/>
-              </a:solidFill>
-              <a:uFill>
-                <a:solidFill>
-                  <a:srgbClr val="FFFFFF"/>
-                </a:solidFill>
-              </a:uFill>
-            </a:endParaRPr>
-          </a:p>
-        </p:txBody>
-      </p:sp>
-      <p:sp>
-        <p:nvSpPr>
-          <p:cNvPr id="86" name="CustomShape 2"/>
+              <a:rPr b="1" lang="en-US" sz="4400" spc="-1" strike="noStrike">
+                <a:solidFill>
+                  <a:srgbClr val="8064a2"/>
+                </a:solidFill>
+                <a:uFill>
+                  <a:solidFill>
+                    <a:srgbClr val="ffffff"/>
+                  </a:solidFill>
+                </a:uFill>
+                <a:latin typeface="Arial"/>
+                <a:ea typeface="DejaVu Sans"/>
+              </a:rPr>
+              <a:t>Proposed Approach (cont.)</a:t>
+            </a:r>
+            <a:endParaRPr b="0" lang="en-US" sz="1800" spc="-1" strike="noStrike">
+              <a:solidFill>
+                <a:srgbClr val="000000"/>
+              </a:solidFill>
+              <a:uFill>
+                <a:solidFill>
+                  <a:srgbClr val="ffffff"/>
+                </a:solidFill>
+              </a:uFill>
+              <a:latin typeface="Arial"/>
+            </a:endParaRPr>
+          </a:p>
+        </p:txBody>
+      </p:sp>
+      <p:sp>
+        <p:nvSpPr>
+          <p:cNvPr id="90" name="CustomShape 2"/>
           <p:cNvSpPr/>
           <p:nvPr/>
         </p:nvSpPr>
         <p:spPr>
           <a:xfrm>
             <a:off x="504000" y="1769040"/>
-            <a:ext cx="9070920" cy="4383720"/>
+            <a:ext cx="9070560" cy="4383360"/>
           </a:xfrm>
           <a:prstGeom prst="rect">
             <a:avLst/>
@@ -6625,143 +6680,229 @@
           </a:ln>
         </p:spPr>
         <p:style>
-          <a:lnRef idx="0">
-            <a:scrgbClr r="0" g="0" b="0"/>
-          </a:lnRef>
-          <a:fillRef idx="0">
-            <a:scrgbClr r="0" g="0" b="0"/>
-          </a:fillRef>
-          <a:effectRef idx="0">
-            <a:scrgbClr r="0" g="0" b="0"/>
-          </a:effectRef>
+          <a:lnRef idx="0"/>
+          <a:fillRef idx="0"/>
+          <a:effectRef idx="0"/>
           <a:fontRef idx="minor"/>
         </p:style>
       </p:sp>
       <p:sp>
         <p:nvSpPr>
-          <p:cNvPr id="2" name="TextBox 1"/>
-          <p:cNvSpPr txBox="1"/>
+          <p:cNvPr id="91" name="CustomShape 3"/>
+          <p:cNvSpPr/>
           <p:nvPr/>
         </p:nvSpPr>
         <p:spPr>
           <a:xfrm>
-            <a:off x="849312" y="1493837"/>
-            <a:ext cx="8229600" cy="4708981"/>
+            <a:off x="849240" y="1494000"/>
+            <a:ext cx="8229240" cy="4660560"/>
           </a:xfrm>
           <a:prstGeom prst="rect">
             <a:avLst/>
           </a:prstGeom>
           <a:noFill/>
-        </p:spPr>
-        <p:txBody>
-          <a:bodyPr wrap="square" rtlCol="0">
-            <a:spAutoFit/>
-          </a:bodyPr>
-          <a:lstStyle/>
-          <a:p>
-            <a:pPr marL="285750" indent="-285750">
-              <a:buFont typeface="Arial" panose="020B0604020202020204" pitchFamily="34" charset="0"/>
+          <a:ln>
+            <a:noFill/>
+          </a:ln>
+        </p:spPr>
+        <p:style>
+          <a:lnRef idx="0"/>
+          <a:fillRef idx="0"/>
+          <a:effectRef idx="0"/>
+          <a:fontRef idx="minor"/>
+        </p:style>
+        <p:txBody>
+          <a:bodyPr lIns="90000" rIns="90000" tIns="45000" bIns="45000"/>
+          <a:p>
+            <a:pPr marL="285840" indent="-285480">
+              <a:lnSpc>
+                <a:spcPct val="100000"/>
+              </a:lnSpc>
+              <a:buClr>
+                <a:srgbClr val="1f497d"/>
+              </a:buClr>
+              <a:buFont typeface="Arial"/>
               <a:buChar char="•"/>
             </a:pPr>
             <a:r>
-              <a:rPr lang="en-US" sz="3200" dirty="0" smtClean="0">
-                <a:solidFill>
-                  <a:schemeClr val="tx2"/>
-                </a:solidFill>
-              </a:rPr>
-              <a:t>The front end of the app will be programmed using </a:t>
-            </a:r>
-            <a:r>
-              <a:rPr lang="en-US" sz="3200" dirty="0" err="1" smtClean="0">
-                <a:solidFill>
-                  <a:schemeClr val="tx2"/>
-                </a:solidFill>
-              </a:rPr>
-              <a:t>javascript</a:t>
-            </a:r>
-            <a:endParaRPr lang="en-US" sz="3200" dirty="0" smtClean="0">
-              <a:solidFill>
-                <a:schemeClr val="tx2"/>
-              </a:solidFill>
-            </a:endParaRPr>
-          </a:p>
-          <a:p>
-            <a:pPr marL="285750" indent="-285750">
-              <a:buFont typeface="Arial" panose="020B0604020202020204" pitchFamily="34" charset="0"/>
+              <a:rPr b="0" lang="en-US" sz="3200" spc="-1" strike="noStrike">
+                <a:solidFill>
+                  <a:srgbClr val="1f497d"/>
+                </a:solidFill>
+                <a:uFill>
+                  <a:solidFill>
+                    <a:srgbClr val="ffffff"/>
+                  </a:solidFill>
+                </a:uFill>
+                <a:latin typeface="Arial"/>
+                <a:ea typeface="DejaVu Sans"/>
+              </a:rPr>
+              <a:t>The front end of the app will be programmed using javascript</a:t>
+            </a:r>
+            <a:endParaRPr b="0" lang="en-US" sz="1800" spc="-1" strike="noStrike">
+              <a:solidFill>
+                <a:srgbClr val="000000"/>
+              </a:solidFill>
+              <a:uFill>
+                <a:solidFill>
+                  <a:srgbClr val="ffffff"/>
+                </a:solidFill>
+              </a:uFill>
+              <a:latin typeface="Arial"/>
+            </a:endParaRPr>
+          </a:p>
+          <a:p>
+            <a:pPr marL="285840" indent="-285480">
+              <a:lnSpc>
+                <a:spcPct val="100000"/>
+              </a:lnSpc>
+              <a:buClr>
+                <a:srgbClr val="1f497d"/>
+              </a:buClr>
+              <a:buFont typeface="Arial"/>
               <a:buChar char="•"/>
             </a:pPr>
             <a:r>
-              <a:rPr lang="en-US" sz="3200" dirty="0" smtClean="0">
-                <a:solidFill>
-                  <a:schemeClr val="tx2"/>
-                </a:solidFill>
+              <a:rPr b="0" lang="en-US" sz="3200" spc="-1" strike="noStrike">
+                <a:solidFill>
+                  <a:srgbClr val="1f497d"/>
+                </a:solidFill>
+                <a:uFill>
+                  <a:solidFill>
+                    <a:srgbClr val="ffffff"/>
+                  </a:solidFill>
+                </a:uFill>
+                <a:latin typeface="Arial"/>
+                <a:ea typeface="DejaVu Sans"/>
               </a:rPr>
               <a:t>The back end will consist of a database that will contain all order objects and their attributes</a:t>
             </a:r>
-          </a:p>
-          <a:p>
-            <a:pPr marL="914400" lvl="1" indent="-457200">
-              <a:buFont typeface="Courier New" panose="02070309020205020404" pitchFamily="49" charset="0"/>
+            <a:endParaRPr b="0" lang="en-US" sz="1800" spc="-1" strike="noStrike">
+              <a:solidFill>
+                <a:srgbClr val="000000"/>
+              </a:solidFill>
+              <a:uFill>
+                <a:solidFill>
+                  <a:srgbClr val="ffffff"/>
+                </a:solidFill>
+              </a:uFill>
+              <a:latin typeface="Arial"/>
+            </a:endParaRPr>
+          </a:p>
+          <a:p>
+            <a:pPr lvl="1" marL="914400" indent="-456840">
+              <a:lnSpc>
+                <a:spcPct val="100000"/>
+              </a:lnSpc>
+              <a:buClr>
+                <a:srgbClr val="1f497d"/>
+              </a:buClr>
+              <a:buFont typeface="Courier New"/>
               <a:buChar char="o"/>
             </a:pPr>
             <a:r>
-              <a:rPr lang="en-US" sz="2800" dirty="0" smtClean="0">
-                <a:solidFill>
-                  <a:schemeClr val="tx2"/>
-                </a:solidFill>
+              <a:rPr b="0" lang="en-US" sz="2800" spc="-1" strike="noStrike">
+                <a:solidFill>
+                  <a:srgbClr val="1f497d"/>
+                </a:solidFill>
+                <a:uFill>
+                  <a:solidFill>
+                    <a:srgbClr val="ffffff"/>
+                  </a:solidFill>
+                </a:uFill>
+                <a:latin typeface="Arial"/>
+                <a:ea typeface="DejaVu Sans"/>
               </a:rPr>
               <a:t>Main view in UI will be populated directly from the DB</a:t>
             </a:r>
-          </a:p>
-          <a:p>
-            <a:pPr marL="914400" lvl="1" indent="-457200">
-              <a:buFont typeface="Courier New" panose="02070309020205020404" pitchFamily="49" charset="0"/>
+            <a:endParaRPr b="0" lang="en-US" sz="1800" spc="-1" strike="noStrike">
+              <a:solidFill>
+                <a:srgbClr val="000000"/>
+              </a:solidFill>
+              <a:uFill>
+                <a:solidFill>
+                  <a:srgbClr val="ffffff"/>
+                </a:solidFill>
+              </a:uFill>
+              <a:latin typeface="Arial"/>
+            </a:endParaRPr>
+          </a:p>
+          <a:p>
+            <a:pPr lvl="1" marL="914400" indent="-456840">
+              <a:lnSpc>
+                <a:spcPct val="100000"/>
+              </a:lnSpc>
+              <a:buClr>
+                <a:srgbClr val="1f497d"/>
+              </a:buClr>
+              <a:buFont typeface="Courier New"/>
               <a:buChar char="o"/>
             </a:pPr>
             <a:r>
-              <a:rPr lang="en-US" sz="2800" dirty="0" smtClean="0">
-                <a:solidFill>
-                  <a:schemeClr val="tx2"/>
-                </a:solidFill>
+              <a:rPr b="0" lang="en-US" sz="2800" spc="-1" strike="noStrike">
+                <a:solidFill>
+                  <a:srgbClr val="1f497d"/>
+                </a:solidFill>
+                <a:uFill>
+                  <a:solidFill>
+                    <a:srgbClr val="ffffff"/>
+                  </a:solidFill>
+                </a:uFill>
+                <a:latin typeface="Arial"/>
+                <a:ea typeface="DejaVu Sans"/>
               </a:rPr>
               <a:t>Entries will be added, deleted, or modified based on the front end users’ actions</a:t>
             </a:r>
-          </a:p>
-          <a:p>
-            <a:pPr marL="914400" lvl="1" indent="-457200">
-              <a:buFont typeface="Courier New" panose="02070309020205020404" pitchFamily="49" charset="0"/>
-              <a:buChar char="o"/>
-            </a:pPr>
-            <a:endParaRPr lang="en-US" sz="2800" dirty="0"/>
+            <a:endParaRPr b="0" lang="en-US" sz="1800" spc="-1" strike="noStrike">
+              <a:solidFill>
+                <a:srgbClr val="000000"/>
+              </a:solidFill>
+              <a:uFill>
+                <a:solidFill>
+                  <a:srgbClr val="ffffff"/>
+                </a:solidFill>
+              </a:uFill>
+              <a:latin typeface="Arial"/>
+            </a:endParaRPr>
+          </a:p>
+          <a:p>
+            <a:pPr>
+              <a:lnSpc>
+                <a:spcPct val="100000"/>
+              </a:lnSpc>
+            </a:pPr>
+            <a:endParaRPr b="0" lang="en-US" sz="1800" spc="-1" strike="noStrike">
+              <a:solidFill>
+                <a:srgbClr val="000000"/>
+              </a:solidFill>
+              <a:uFill>
+                <a:solidFill>
+                  <a:srgbClr val="ffffff"/>
+                </a:solidFill>
+              </a:uFill>
+              <a:latin typeface="Arial"/>
+            </a:endParaRPr>
           </a:p>
         </p:txBody>
       </p:sp>
     </p:spTree>
-    <p:extLst>
-      <p:ext uri="{BB962C8B-B14F-4D97-AF65-F5344CB8AC3E}">
-        <p14:creationId xmlns:p14="http://schemas.microsoft.com/office/powerpoint/2010/main" val="1858391335"/>
-      </p:ext>
-    </p:extLst>
   </p:cSld>
-  <p:clrMapOvr>
-    <a:masterClrMapping/>
-  </p:clrMapOvr>
   <p:timing>
     <p:tnLst>
       <p:par>
-        <p:cTn id="1" dur="indefinite" restart="never" nodeType="tmRoot">
+        <p:cTn id="11" dur="indefinite" restart="never" nodeType="tmRoot">
           <p:childTnLst>
             <p:seq>
-              <p:cTn id="2" nodeType="mainSeq"/>
+              <p:cTn id="12" nodeType="mainSeq"/>
               <p:prevCondLst>
-                <p:cond evt="onPrev" delay="0">
+                <p:cond delay="0" evt="onPrev">
                   <p:tgtEl>
                     <p:sldTgt/>
                   </p:tgtEl>
                 </p:cond>
               </p:prevCondLst>
               <p:nextCondLst>
-                <p:cond evt="onNext" delay="0">
+                <p:cond delay="0" evt="onNext">
                   <p:tgtEl>
                     <p:sldTgt/>
                   </p:tgtEl>
@@ -6777,7 +6918,7 @@
 </file>
 
 <file path=ppt/slides/slide7.xml><?xml version="1.0" encoding="utf-8"?>
-<p:sld xmlns:a="http://schemas.openxmlformats.org/drawingml/2006/main" xmlns:r="http://schemas.openxmlformats.org/officeDocument/2006/relationships" xmlns:p="http://schemas.openxmlformats.org/presentationml/2006/main">
+<p:sld xmlns:a="http://schemas.openxmlformats.org/drawingml/2006/main" xmlns:p="http://schemas.openxmlformats.org/presentationml/2006/main" xmlns:r="http://schemas.openxmlformats.org/officeDocument/2006/relationships" xmlns:p14="http://schemas.microsoft.com/office/powerpoint/2010/main" xmlns:p15="http://schemas.microsoft.com/office/powerpoint/2012/main" xmlns:mc="http://schemas.openxmlformats.org/markup-compatibility/2006">
   <p:cSld>
     <p:spTree>
       <p:nvGrpSpPr>
@@ -6795,14 +6936,14 @@
       </p:grpSpPr>
       <p:sp>
         <p:nvSpPr>
-          <p:cNvPr id="87" name="CustomShape 1"/>
+          <p:cNvPr id="92" name="CustomShape 1"/>
           <p:cNvSpPr/>
           <p:nvPr/>
         </p:nvSpPr>
         <p:spPr>
           <a:xfrm>
             <a:off x="504000" y="301320"/>
-            <a:ext cx="9070920" cy="1261440"/>
+            <a:ext cx="9070560" cy="1261080"/>
           </a:xfrm>
           <a:prstGeom prst="rect">
             <a:avLst/>
@@ -6813,20 +6954,13 @@
           </a:ln>
         </p:spPr>
         <p:style>
-          <a:lnRef idx="0">
-            <a:scrgbClr r="0" g="0" b="0"/>
-          </a:lnRef>
-          <a:fillRef idx="0">
-            <a:scrgbClr r="0" g="0" b="0"/>
-          </a:fillRef>
-          <a:effectRef idx="0">
-            <a:scrgbClr r="0" g="0" b="0"/>
-          </a:effectRef>
+          <a:lnRef idx="0"/>
+          <a:fillRef idx="0"/>
+          <a:effectRef idx="0"/>
           <a:fontRef idx="minor"/>
         </p:style>
         <p:txBody>
-          <a:bodyPr lIns="0" tIns="0" rIns="0" bIns="0" anchor="ctr"/>
-          <a:lstStyle/>
+          <a:bodyPr lIns="0" rIns="0" tIns="0" bIns="0" anchor="ctr"/>
           <a:p>
             <a:pPr>
               <a:lnSpc>
@@ -6834,41 +6968,44 @@
               </a:lnSpc>
             </a:pPr>
             <a:r>
-              <a:rPr lang="en-US" sz="4400" b="1" spc="-1" dirty="0" smtClean="0">
-                <a:solidFill>
-                  <a:schemeClr val="accent4"/>
-                </a:solidFill>
-                <a:uFill>
-                  <a:solidFill>
-                    <a:srgbClr val="FFFFFF"/>
-                  </a:solidFill>
-                </a:uFill>
+              <a:rPr b="1" lang="en-US" sz="4400" spc="-1" strike="noStrike">
+                <a:solidFill>
+                  <a:srgbClr val="8064a2"/>
+                </a:solidFill>
+                <a:uFill>
+                  <a:solidFill>
+                    <a:srgbClr val="ffffff"/>
+                  </a:solidFill>
+                </a:uFill>
+                <a:latin typeface="Arial"/>
+                <a:ea typeface="DejaVu Sans"/>
               </a:rPr>
               <a:t>Evaluation (Test Plan)</a:t>
             </a:r>
-            <a:endParaRPr lang="en-US" sz="4400" spc="-1" dirty="0">
-              <a:solidFill>
-                <a:schemeClr val="accent4"/>
-              </a:solidFill>
-              <a:uFill>
-                <a:solidFill>
-                  <a:srgbClr val="FFFFFF"/>
-                </a:solidFill>
-              </a:uFill>
-            </a:endParaRPr>
-          </a:p>
-        </p:txBody>
-      </p:sp>
-      <p:sp>
-        <p:nvSpPr>
-          <p:cNvPr id="88" name="CustomShape 2"/>
+            <a:endParaRPr b="0" lang="en-US" sz="1800" spc="-1" strike="noStrike">
+              <a:solidFill>
+                <a:srgbClr val="000000"/>
+              </a:solidFill>
+              <a:uFill>
+                <a:solidFill>
+                  <a:srgbClr val="ffffff"/>
+                </a:solidFill>
+              </a:uFill>
+              <a:latin typeface="Arial"/>
+            </a:endParaRPr>
+          </a:p>
+        </p:txBody>
+      </p:sp>
+      <p:sp>
+        <p:nvSpPr>
+          <p:cNvPr id="93" name="CustomShape 2"/>
           <p:cNvSpPr/>
           <p:nvPr/>
         </p:nvSpPr>
         <p:spPr>
           <a:xfrm>
             <a:off x="504000" y="1769040"/>
-            <a:ext cx="9070920" cy="4383720"/>
+            <a:ext cx="9070560" cy="4383360"/>
           </a:xfrm>
           <a:prstGeom prst="rect">
             <a:avLst/>
@@ -6879,22 +7016,15 @@
           </a:ln>
         </p:spPr>
         <p:style>
-          <a:lnRef idx="0">
-            <a:scrgbClr r="0" g="0" b="0"/>
-          </a:lnRef>
-          <a:fillRef idx="0">
-            <a:scrgbClr r="0" g="0" b="0"/>
-          </a:fillRef>
-          <a:effectRef idx="0">
-            <a:scrgbClr r="0" g="0" b="0"/>
-          </a:effectRef>
+          <a:lnRef idx="0"/>
+          <a:fillRef idx="0"/>
+          <a:effectRef idx="0"/>
           <a:fontRef idx="minor"/>
         </p:style>
         <p:txBody>
-          <a:bodyPr lIns="0" tIns="0" rIns="0" bIns="0"/>
-          <a:lstStyle/>
-          <a:p>
-            <a:pPr marL="432000" indent="-323280">
+          <a:bodyPr lIns="0" rIns="0" tIns="0" bIns="0"/>
+          <a:p>
+            <a:pPr marL="432000" indent="-322920">
               <a:lnSpc>
                 <a:spcPct val="100000"/>
               </a:lnSpc>
@@ -6906,13 +7036,13 @@
               <a:buChar char=""/>
             </a:pPr>
             <a:r>
-              <a:rPr lang="en-US" sz="3200" b="0" strike="noStrike" spc="-1" dirty="0">
-                <a:solidFill>
-                  <a:schemeClr val="tx2"/>
-                </a:solidFill>
-                <a:uFill>
-                  <a:solidFill>
-                    <a:srgbClr val="FFFFFF"/>
+              <a:rPr b="0" lang="en-US" sz="3200" spc="-1" strike="noStrike">
+                <a:solidFill>
+                  <a:srgbClr val="1f497d"/>
+                </a:solidFill>
+                <a:uFill>
+                  <a:solidFill>
+                    <a:srgbClr val="ffffff"/>
                   </a:solidFill>
                 </a:uFill>
                 <a:latin typeface="Arial"/>
@@ -6920,20 +7050,20 @@
               </a:rPr>
               <a:t>System Test</a:t>
             </a:r>
-            <a:endParaRPr lang="en-US" sz="1800" b="0" strike="noStrike" spc="-1" dirty="0">
-              <a:solidFill>
-                <a:schemeClr val="tx2"/>
-              </a:solidFill>
-              <a:uFill>
-                <a:solidFill>
-                  <a:srgbClr val="FFFFFF"/>
-                </a:solidFill>
-              </a:uFill>
-              <a:latin typeface="Arial"/>
-            </a:endParaRPr>
-          </a:p>
-          <a:p>
-            <a:pPr marL="864000" lvl="1" indent="-323280">
+            <a:endParaRPr b="0" lang="en-US" sz="1800" spc="-1" strike="noStrike">
+              <a:solidFill>
+                <a:srgbClr val="000000"/>
+              </a:solidFill>
+              <a:uFill>
+                <a:solidFill>
+                  <a:srgbClr val="ffffff"/>
+                </a:solidFill>
+              </a:uFill>
+              <a:latin typeface="Arial"/>
+            </a:endParaRPr>
+          </a:p>
+          <a:p>
+            <a:pPr lvl="1" marL="864000" indent="-322920">
               <a:lnSpc>
                 <a:spcPct val="100000"/>
               </a:lnSpc>
@@ -6945,13 +7075,13 @@
               <a:buChar char=""/>
             </a:pPr>
             <a:r>
-              <a:rPr lang="en-US" sz="3200" b="0" strike="noStrike" spc="-1" dirty="0">
-                <a:solidFill>
-                  <a:schemeClr val="tx2"/>
-                </a:solidFill>
-                <a:uFill>
-                  <a:solidFill>
-                    <a:srgbClr val="FFFFFF"/>
+              <a:rPr b="0" lang="en-US" sz="3200" spc="-1" strike="noStrike">
+                <a:solidFill>
+                  <a:srgbClr val="1f497d"/>
+                </a:solidFill>
+                <a:uFill>
+                  <a:solidFill>
+                    <a:srgbClr val="ffffff"/>
                   </a:solidFill>
                 </a:uFill>
                 <a:latin typeface="Arial"/>
@@ -6959,20 +7089,20 @@
               </a:rPr>
               <a:t>Multiple sessions of the webpage</a:t>
             </a:r>
-            <a:endParaRPr lang="en-US" sz="1800" b="0" strike="noStrike" spc="-1" dirty="0">
-              <a:solidFill>
-                <a:schemeClr val="tx2"/>
-              </a:solidFill>
-              <a:uFill>
-                <a:solidFill>
-                  <a:srgbClr val="FFFFFF"/>
-                </a:solidFill>
-              </a:uFill>
-              <a:latin typeface="Arial"/>
-            </a:endParaRPr>
-          </a:p>
-          <a:p>
-            <a:pPr marL="864000" lvl="1" indent="-323280">
+            <a:endParaRPr b="0" lang="en-US" sz="1800" spc="-1" strike="noStrike">
+              <a:solidFill>
+                <a:srgbClr val="000000"/>
+              </a:solidFill>
+              <a:uFill>
+                <a:solidFill>
+                  <a:srgbClr val="ffffff"/>
+                </a:solidFill>
+              </a:uFill>
+              <a:latin typeface="Arial"/>
+            </a:endParaRPr>
+          </a:p>
+          <a:p>
+            <a:pPr lvl="1" marL="864000" indent="-322920">
               <a:lnSpc>
                 <a:spcPct val="100000"/>
               </a:lnSpc>
@@ -6984,13 +7114,13 @@
               <a:buChar char=""/>
             </a:pPr>
             <a:r>
-              <a:rPr lang="en-US" sz="3200" b="0" strike="noStrike" spc="-1" dirty="0">
-                <a:solidFill>
-                  <a:schemeClr val="tx2"/>
-                </a:solidFill>
-                <a:uFill>
-                  <a:solidFill>
-                    <a:srgbClr val="FFFFFF"/>
+              <a:rPr b="0" lang="en-US" sz="3200" spc="-1" strike="noStrike">
+                <a:solidFill>
+                  <a:srgbClr val="1f497d"/>
+                </a:solidFill>
+                <a:uFill>
+                  <a:solidFill>
+                    <a:srgbClr val="ffffff"/>
                   </a:solidFill>
                 </a:uFill>
                 <a:latin typeface="Arial"/>
@@ -6998,20 +7128,20 @@
               </a:rPr>
               <a:t>Multiple users</a:t>
             </a:r>
-            <a:endParaRPr lang="en-US" sz="1800" b="0" strike="noStrike" spc="-1" dirty="0">
-              <a:solidFill>
-                <a:schemeClr val="tx2"/>
-              </a:solidFill>
-              <a:uFill>
-                <a:solidFill>
-                  <a:srgbClr val="FFFFFF"/>
-                </a:solidFill>
-              </a:uFill>
-              <a:latin typeface="Arial"/>
-            </a:endParaRPr>
-          </a:p>
-          <a:p>
-            <a:pPr marL="864000" lvl="1" indent="-323280">
+            <a:endParaRPr b="0" lang="en-US" sz="1800" spc="-1" strike="noStrike">
+              <a:solidFill>
+                <a:srgbClr val="000000"/>
+              </a:solidFill>
+              <a:uFill>
+                <a:solidFill>
+                  <a:srgbClr val="ffffff"/>
+                </a:solidFill>
+              </a:uFill>
+              <a:latin typeface="Arial"/>
+            </a:endParaRPr>
+          </a:p>
+          <a:p>
+            <a:pPr lvl="1" marL="864000" indent="-322920">
               <a:lnSpc>
                 <a:spcPct val="100000"/>
               </a:lnSpc>
@@ -7023,13 +7153,13 @@
               <a:buChar char=""/>
             </a:pPr>
             <a:r>
-              <a:rPr lang="en-US" sz="3200" b="0" strike="noStrike" spc="-1" dirty="0">
-                <a:solidFill>
-                  <a:schemeClr val="tx2"/>
-                </a:solidFill>
-                <a:uFill>
-                  <a:solidFill>
-                    <a:srgbClr val="FFFFFF"/>
+              <a:rPr b="0" lang="en-US" sz="3200" spc="-1" strike="noStrike">
+                <a:solidFill>
+                  <a:srgbClr val="1f497d"/>
+                </a:solidFill>
+                <a:uFill>
+                  <a:solidFill>
+                    <a:srgbClr val="ffffff"/>
                   </a:solidFill>
                 </a:uFill>
                 <a:latin typeface="Arial"/>
@@ -7037,20 +7167,20 @@
               </a:rPr>
               <a:t>Have user 1 submit order on the web page</a:t>
             </a:r>
-            <a:endParaRPr lang="en-US" sz="1800" b="0" strike="noStrike" spc="-1" dirty="0">
-              <a:solidFill>
-                <a:schemeClr val="tx2"/>
-              </a:solidFill>
-              <a:uFill>
-                <a:solidFill>
-                  <a:srgbClr val="FFFFFF"/>
-                </a:solidFill>
-              </a:uFill>
-              <a:latin typeface="Arial"/>
-            </a:endParaRPr>
-          </a:p>
-          <a:p>
-            <a:pPr marL="864000" lvl="1" indent="-323280">
+            <a:endParaRPr b="0" lang="en-US" sz="1800" spc="-1" strike="noStrike">
+              <a:solidFill>
+                <a:srgbClr val="000000"/>
+              </a:solidFill>
+              <a:uFill>
+                <a:solidFill>
+                  <a:srgbClr val="ffffff"/>
+                </a:solidFill>
+              </a:uFill>
+              <a:latin typeface="Arial"/>
+            </a:endParaRPr>
+          </a:p>
+          <a:p>
+            <a:pPr lvl="1" marL="864000" indent="-322920">
               <a:lnSpc>
                 <a:spcPct val="100000"/>
               </a:lnSpc>
@@ -7062,13 +7192,13 @@
               <a:buChar char=""/>
             </a:pPr>
             <a:r>
-              <a:rPr lang="en-US" sz="3200" b="0" strike="noStrike" spc="-1" dirty="0">
-                <a:solidFill>
-                  <a:schemeClr val="tx2"/>
-                </a:solidFill>
-                <a:uFill>
-                  <a:solidFill>
-                    <a:srgbClr val="FFFFFF"/>
+              <a:rPr b="0" lang="en-US" sz="3200" spc="-1" strike="noStrike">
+                <a:solidFill>
+                  <a:srgbClr val="1f497d"/>
+                </a:solidFill>
+                <a:uFill>
+                  <a:solidFill>
+                    <a:srgbClr val="ffffff"/>
                   </a:solidFill>
                 </a:uFill>
                 <a:latin typeface="Arial"/>
@@ -7076,20 +7206,20 @@
               </a:rPr>
               <a:t>Have user 2 see if those updates occur</a:t>
             </a:r>
-            <a:endParaRPr lang="en-US" sz="1800" b="0" strike="noStrike" spc="-1" dirty="0">
-              <a:solidFill>
-                <a:schemeClr val="tx2"/>
-              </a:solidFill>
-              <a:uFill>
-                <a:solidFill>
-                  <a:srgbClr val="FFFFFF"/>
-                </a:solidFill>
-              </a:uFill>
-              <a:latin typeface="Arial"/>
-            </a:endParaRPr>
-          </a:p>
-          <a:p>
-            <a:pPr marL="864000" lvl="1" indent="-323280">
+            <a:endParaRPr b="0" lang="en-US" sz="1800" spc="-1" strike="noStrike">
+              <a:solidFill>
+                <a:srgbClr val="000000"/>
+              </a:solidFill>
+              <a:uFill>
+                <a:solidFill>
+                  <a:srgbClr val="ffffff"/>
+                </a:solidFill>
+              </a:uFill>
+              <a:latin typeface="Arial"/>
+            </a:endParaRPr>
+          </a:p>
+          <a:p>
+            <a:pPr lvl="1" marL="864000" indent="-322920">
               <a:lnSpc>
                 <a:spcPct val="100000"/>
               </a:lnSpc>
@@ -7101,13 +7231,13 @@
               <a:buChar char=""/>
             </a:pPr>
             <a:r>
-              <a:rPr lang="en-US" sz="3200" b="0" strike="noStrike" spc="-1" dirty="0">
-                <a:solidFill>
-                  <a:schemeClr val="tx2"/>
-                </a:solidFill>
-                <a:uFill>
-                  <a:solidFill>
-                    <a:srgbClr val="FFFFFF"/>
+              <a:rPr b="0" lang="en-US" sz="3200" spc="-1" strike="noStrike">
+                <a:solidFill>
+                  <a:srgbClr val="1f497d"/>
+                </a:solidFill>
+                <a:uFill>
+                  <a:solidFill>
+                    <a:srgbClr val="ffffff"/>
                   </a:solidFill>
                 </a:uFill>
                 <a:latin typeface="Arial"/>
@@ -7115,20 +7245,20 @@
               </a:rPr>
               <a:t>Have a real simulation to see that software works as we want it to.</a:t>
             </a:r>
-            <a:endParaRPr lang="en-US" sz="1800" b="0" strike="noStrike" spc="-1" dirty="0">
-              <a:solidFill>
-                <a:schemeClr val="tx2"/>
-              </a:solidFill>
-              <a:uFill>
-                <a:solidFill>
-                  <a:srgbClr val="FFFFFF"/>
-                </a:solidFill>
-              </a:uFill>
-              <a:latin typeface="Arial"/>
-            </a:endParaRPr>
-          </a:p>
-          <a:p>
-            <a:pPr marL="432000" indent="-323280">
+            <a:endParaRPr b="0" lang="en-US" sz="1800" spc="-1" strike="noStrike">
+              <a:solidFill>
+                <a:srgbClr val="000000"/>
+              </a:solidFill>
+              <a:uFill>
+                <a:solidFill>
+                  <a:srgbClr val="ffffff"/>
+                </a:solidFill>
+              </a:uFill>
+              <a:latin typeface="Arial"/>
+            </a:endParaRPr>
+          </a:p>
+          <a:p>
+            <a:pPr marL="432000" indent="-322920">
               <a:lnSpc>
                 <a:spcPct val="100000"/>
               </a:lnSpc>
@@ -7140,13 +7270,13 @@
               <a:buChar char=""/>
             </a:pPr>
             <a:r>
-              <a:rPr lang="en-US" sz="3200" b="0" strike="noStrike" spc="-1" dirty="0">
-                <a:solidFill>
-                  <a:schemeClr val="tx2"/>
-                </a:solidFill>
-                <a:uFill>
-                  <a:solidFill>
-                    <a:srgbClr val="FFFFFF"/>
+              <a:rPr b="0" lang="en-US" sz="3200" spc="-1" strike="noStrike">
+                <a:solidFill>
+                  <a:srgbClr val="1f497d"/>
+                </a:solidFill>
+                <a:uFill>
+                  <a:solidFill>
+                    <a:srgbClr val="ffffff"/>
                   </a:solidFill>
                 </a:uFill>
                 <a:latin typeface="Arial"/>
@@ -7154,20 +7284,20 @@
               </a:rPr>
               <a:t>Test Data integrity</a:t>
             </a:r>
-            <a:endParaRPr lang="en-US" sz="1800" b="0" strike="noStrike" spc="-1" dirty="0">
-              <a:solidFill>
-                <a:schemeClr val="tx2"/>
-              </a:solidFill>
-              <a:uFill>
-                <a:solidFill>
-                  <a:srgbClr val="FFFFFF"/>
-                </a:solidFill>
-              </a:uFill>
-              <a:latin typeface="Arial"/>
-            </a:endParaRPr>
-          </a:p>
-          <a:p>
-            <a:pPr marL="864000" lvl="1" indent="-323280">
+            <a:endParaRPr b="0" lang="en-US" sz="1800" spc="-1" strike="noStrike">
+              <a:solidFill>
+                <a:srgbClr val="000000"/>
+              </a:solidFill>
+              <a:uFill>
+                <a:solidFill>
+                  <a:srgbClr val="ffffff"/>
+                </a:solidFill>
+              </a:uFill>
+              <a:latin typeface="Arial"/>
+            </a:endParaRPr>
+          </a:p>
+          <a:p>
+            <a:pPr lvl="1" marL="864000" indent="-322920">
               <a:lnSpc>
                 <a:spcPct val="100000"/>
               </a:lnSpc>
@@ -7179,13 +7309,13 @@
               <a:buChar char=""/>
             </a:pPr>
             <a:r>
-              <a:rPr lang="en-US" sz="3200" b="0" strike="noStrike" spc="-1" dirty="0">
-                <a:solidFill>
-                  <a:schemeClr val="tx2"/>
-                </a:solidFill>
-                <a:uFill>
-                  <a:solidFill>
-                    <a:srgbClr val="FFFFFF"/>
+              <a:rPr b="0" lang="en-US" sz="3200" spc="-1" strike="noStrike">
+                <a:solidFill>
+                  <a:srgbClr val="1f497d"/>
+                </a:solidFill>
+                <a:uFill>
+                  <a:solidFill>
+                    <a:srgbClr val="ffffff"/>
                   </a:solidFill>
                 </a:uFill>
                 <a:latin typeface="Arial"/>
@@ -7193,20 +7323,20 @@
               </a:rPr>
               <a:t>Database insertion/deletion/modification via UI</a:t>
             </a:r>
-            <a:endParaRPr lang="en-US" sz="1800" b="0" strike="noStrike" spc="-1" dirty="0">
-              <a:solidFill>
-                <a:schemeClr val="tx2"/>
-              </a:solidFill>
-              <a:uFill>
-                <a:solidFill>
-                  <a:srgbClr val="FFFFFF"/>
-                </a:solidFill>
-              </a:uFill>
-              <a:latin typeface="Arial"/>
-            </a:endParaRPr>
-          </a:p>
-          <a:p>
-            <a:pPr marL="864000" lvl="1" indent="-323280">
+            <a:endParaRPr b="0" lang="en-US" sz="1800" spc="-1" strike="noStrike">
+              <a:solidFill>
+                <a:srgbClr val="000000"/>
+              </a:solidFill>
+              <a:uFill>
+                <a:solidFill>
+                  <a:srgbClr val="ffffff"/>
+                </a:solidFill>
+              </a:uFill>
+              <a:latin typeface="Arial"/>
+            </a:endParaRPr>
+          </a:p>
+          <a:p>
+            <a:pPr lvl="1" marL="864000" indent="-322920">
               <a:lnSpc>
                 <a:spcPct val="100000"/>
               </a:lnSpc>
@@ -7218,13 +7348,13 @@
               <a:buChar char=""/>
             </a:pPr>
             <a:r>
-              <a:rPr lang="en-US" sz="3200" b="0" strike="noStrike" spc="-1" dirty="0">
-                <a:solidFill>
-                  <a:schemeClr val="tx2"/>
-                </a:solidFill>
-                <a:uFill>
-                  <a:solidFill>
-                    <a:srgbClr val="FFFFFF"/>
+              <a:rPr b="0" lang="en-US" sz="3200" spc="-1" strike="noStrike">
+                <a:solidFill>
+                  <a:srgbClr val="1f497d"/>
+                </a:solidFill>
+                <a:uFill>
+                  <a:solidFill>
+                    <a:srgbClr val="ffffff"/>
                   </a:solidFill>
                 </a:uFill>
                 <a:latin typeface="Arial"/>
@@ -7232,13 +7362,13 @@
               </a:rPr>
               <a:t>Database connectivity</a:t>
             </a:r>
-            <a:endParaRPr lang="en-US" sz="1800" b="0" strike="noStrike" spc="-1" dirty="0">
-              <a:solidFill>
-                <a:schemeClr val="tx2"/>
-              </a:solidFill>
-              <a:uFill>
-                <a:solidFill>
-                  <a:srgbClr val="FFFFFF"/>
+            <a:endParaRPr b="0" lang="en-US" sz="1800" spc="-1" strike="noStrike">
+              <a:solidFill>
+                <a:srgbClr val="000000"/>
+              </a:solidFill>
+              <a:uFill>
+                <a:solidFill>
+                  <a:srgbClr val="ffffff"/>
                 </a:solidFill>
               </a:uFill>
               <a:latin typeface="Arial"/>
@@ -7248,25 +7378,22 @@
       </p:sp>
     </p:spTree>
   </p:cSld>
-  <p:clrMapOvr>
-    <a:masterClrMapping/>
-  </p:clrMapOvr>
   <p:timing>
     <p:tnLst>
       <p:par>
-        <p:cTn id="1" dur="indefinite" restart="never" nodeType="tmRoot">
+        <p:cTn id="13" dur="indefinite" restart="never" nodeType="tmRoot">
           <p:childTnLst>
             <p:seq>
-              <p:cTn id="2" nodeType="mainSeq"/>
+              <p:cTn id="14" nodeType="mainSeq"/>
               <p:prevCondLst>
-                <p:cond evt="onPrev" delay="0">
+                <p:cond delay="0" evt="onPrev">
                   <p:tgtEl>
                     <p:sldTgt/>
                   </p:tgtEl>
                 </p:cond>
               </p:prevCondLst>
               <p:nextCondLst>
-                <p:cond evt="onNext" delay="0">
+                <p:cond delay="0" evt="onNext">
                   <p:tgtEl>
                     <p:sldTgt/>
                   </p:tgtEl>
@@ -7282,7 +7409,7 @@
 </file>
 
 <file path=ppt/slides/slide8.xml><?xml version="1.0" encoding="utf-8"?>
-<p:sld xmlns:a="http://schemas.openxmlformats.org/drawingml/2006/main" xmlns:r="http://schemas.openxmlformats.org/officeDocument/2006/relationships" xmlns:p="http://schemas.openxmlformats.org/presentationml/2006/main">
+<p:sld xmlns:a="http://schemas.openxmlformats.org/drawingml/2006/main" xmlns:p="http://schemas.openxmlformats.org/presentationml/2006/main" xmlns:r="http://schemas.openxmlformats.org/officeDocument/2006/relationships" xmlns:p14="http://schemas.microsoft.com/office/powerpoint/2010/main" xmlns:p15="http://schemas.microsoft.com/office/powerpoint/2012/main" xmlns:mc="http://schemas.openxmlformats.org/markup-compatibility/2006">
   <p:cSld>
     <p:spTree>
       <p:nvGrpSpPr>
@@ -7300,14 +7427,14 @@
       </p:grpSpPr>
       <p:sp>
         <p:nvSpPr>
-          <p:cNvPr id="89" name="CustomShape 1"/>
+          <p:cNvPr id="94" name="CustomShape 1"/>
           <p:cNvSpPr/>
           <p:nvPr/>
         </p:nvSpPr>
         <p:spPr>
           <a:xfrm>
-            <a:off x="365760" y="1453517"/>
-            <a:ext cx="9070920" cy="4383720"/>
+            <a:off x="365760" y="1453680"/>
+            <a:ext cx="9070560" cy="4383360"/>
           </a:xfrm>
           <a:prstGeom prst="rect">
             <a:avLst/>
@@ -7318,22 +7445,15 @@
           </a:ln>
         </p:spPr>
         <p:style>
-          <a:lnRef idx="0">
-            <a:scrgbClr r="0" g="0" b="0"/>
-          </a:lnRef>
-          <a:fillRef idx="0">
-            <a:scrgbClr r="0" g="0" b="0"/>
-          </a:fillRef>
-          <a:effectRef idx="0">
-            <a:scrgbClr r="0" g="0" b="0"/>
-          </a:effectRef>
+          <a:lnRef idx="0"/>
+          <a:fillRef idx="0"/>
+          <a:effectRef idx="0"/>
           <a:fontRef idx="minor"/>
         </p:style>
         <p:txBody>
-          <a:bodyPr lIns="0" tIns="0" rIns="0" bIns="0"/>
-          <a:lstStyle/>
-          <a:p>
-            <a:pPr marL="432000" indent="-323280">
+          <a:bodyPr lIns="0" rIns="0" tIns="0" bIns="0"/>
+          <a:p>
+            <a:pPr marL="432000" indent="-322920">
               <a:lnSpc>
                 <a:spcPct val="100000"/>
               </a:lnSpc>
@@ -7345,13 +7465,13 @@
               <a:buChar char=""/>
             </a:pPr>
             <a:r>
-              <a:rPr lang="en-US" sz="2200" b="0" strike="noStrike" spc="-1" dirty="0">
-                <a:solidFill>
-                  <a:schemeClr val="tx2"/>
-                </a:solidFill>
-                <a:uFill>
-                  <a:solidFill>
-                    <a:srgbClr val="FFFFFF"/>
+              <a:rPr b="0" lang="en-US" sz="2200" spc="-1" strike="noStrike">
+                <a:solidFill>
+                  <a:srgbClr val="1f497d"/>
+                </a:solidFill>
+                <a:uFill>
+                  <a:solidFill>
+                    <a:srgbClr val="ffffff"/>
                   </a:solidFill>
                 </a:uFill>
                 <a:latin typeface="Arial"/>
@@ -7359,20 +7479,20 @@
               </a:rPr>
               <a:t>Week 1</a:t>
             </a:r>
-            <a:endParaRPr lang="en-US" sz="1800" b="0" strike="noStrike" spc="-1" dirty="0">
-              <a:solidFill>
-                <a:schemeClr val="tx2"/>
-              </a:solidFill>
-              <a:uFill>
-                <a:solidFill>
-                  <a:srgbClr val="FFFFFF"/>
-                </a:solidFill>
-              </a:uFill>
-              <a:latin typeface="Arial"/>
-            </a:endParaRPr>
-          </a:p>
-          <a:p>
-            <a:pPr marL="864000" lvl="1" indent="-323280">
+            <a:endParaRPr b="0" lang="en-US" sz="1800" spc="-1" strike="noStrike">
+              <a:solidFill>
+                <a:srgbClr val="000000"/>
+              </a:solidFill>
+              <a:uFill>
+                <a:solidFill>
+                  <a:srgbClr val="ffffff"/>
+                </a:solidFill>
+              </a:uFill>
+              <a:latin typeface="Arial"/>
+            </a:endParaRPr>
+          </a:p>
+          <a:p>
+            <a:pPr lvl="1" marL="864000" indent="-322920">
               <a:lnSpc>
                 <a:spcPct val="100000"/>
               </a:lnSpc>
@@ -7384,13 +7504,13 @@
               <a:buChar char=""/>
             </a:pPr>
             <a:r>
-              <a:rPr lang="en-US" sz="2000" b="0" strike="noStrike" spc="-1" dirty="0">
-                <a:solidFill>
-                  <a:schemeClr val="tx2"/>
-                </a:solidFill>
-                <a:uFill>
-                  <a:solidFill>
-                    <a:srgbClr val="FFFFFF"/>
+              <a:rPr b="0" lang="en-US" sz="2000" spc="-1" strike="noStrike">
+                <a:solidFill>
+                  <a:srgbClr val="1f497d"/>
+                </a:solidFill>
+                <a:uFill>
+                  <a:solidFill>
+                    <a:srgbClr val="ffffff"/>
                   </a:solidFill>
                 </a:uFill>
                 <a:latin typeface="Arial"/>
@@ -7398,20 +7518,20 @@
               </a:rPr>
               <a:t>Organize, develop a plan, and converse with the group</a:t>
             </a:r>
-            <a:endParaRPr lang="en-US" sz="1800" b="0" strike="noStrike" spc="-1" dirty="0">
-              <a:solidFill>
-                <a:schemeClr val="tx2"/>
-              </a:solidFill>
-              <a:uFill>
-                <a:solidFill>
-                  <a:srgbClr val="FFFFFF"/>
-                </a:solidFill>
-              </a:uFill>
-              <a:latin typeface="Arial"/>
-            </a:endParaRPr>
-          </a:p>
-          <a:p>
-            <a:pPr marL="864000" lvl="1" indent="-323280">
+            <a:endParaRPr b="0" lang="en-US" sz="1800" spc="-1" strike="noStrike">
+              <a:solidFill>
+                <a:srgbClr val="000000"/>
+              </a:solidFill>
+              <a:uFill>
+                <a:solidFill>
+                  <a:srgbClr val="ffffff"/>
+                </a:solidFill>
+              </a:uFill>
+              <a:latin typeface="Arial"/>
+            </a:endParaRPr>
+          </a:p>
+          <a:p>
+            <a:pPr lvl="1" marL="864000" indent="-322920">
               <a:lnSpc>
                 <a:spcPct val="100000"/>
               </a:lnSpc>
@@ -7423,64 +7543,34 @@
               <a:buChar char=""/>
             </a:pPr>
             <a:r>
-              <a:rPr lang="en-US" sz="2000" b="0" strike="noStrike" spc="-1" dirty="0">
-                <a:solidFill>
-                  <a:schemeClr val="tx2"/>
-                </a:solidFill>
-                <a:uFill>
-                  <a:solidFill>
-                    <a:srgbClr val="FFFFFF"/>
-                  </a:solidFill>
-                </a:uFill>
-                <a:latin typeface="Arial"/>
-                <a:ea typeface="DejaVu Sans"/>
-              </a:rPr>
-              <a:t>Prepare </a:t>
-            </a:r>
-            <a:r>
-              <a:rPr lang="en-US" sz="2000" b="0" strike="noStrike" spc="-1" dirty="0" err="1">
-                <a:solidFill>
-                  <a:schemeClr val="tx2"/>
-                </a:solidFill>
-                <a:uFill>
-                  <a:solidFill>
-                    <a:srgbClr val="FFFFFF"/>
-                  </a:solidFill>
-                </a:uFill>
-                <a:latin typeface="Arial"/>
-                <a:ea typeface="DejaVu Sans"/>
-              </a:rPr>
-              <a:t>Github</a:t>
-            </a:r>
-            <a:r>
-              <a:rPr lang="en-US" sz="2000" b="0" strike="noStrike" spc="-1" dirty="0">
-                <a:solidFill>
-                  <a:schemeClr val="tx2"/>
-                </a:solidFill>
-                <a:uFill>
-                  <a:solidFill>
-                    <a:srgbClr val="FFFFFF"/>
-                  </a:solidFill>
-                </a:uFill>
-                <a:latin typeface="Arial"/>
-                <a:ea typeface="DejaVu Sans"/>
-              </a:rPr>
-              <a:t> repository</a:t>
-            </a:r>
-            <a:endParaRPr lang="en-US" sz="1800" b="0" strike="noStrike" spc="-1" dirty="0">
-              <a:solidFill>
-                <a:schemeClr val="tx2"/>
-              </a:solidFill>
-              <a:uFill>
-                <a:solidFill>
-                  <a:srgbClr val="FFFFFF"/>
-                </a:solidFill>
-              </a:uFill>
-              <a:latin typeface="Arial"/>
-            </a:endParaRPr>
-          </a:p>
-          <a:p>
-            <a:pPr marL="432000" indent="-323280">
+              <a:rPr b="0" lang="en-US" sz="2000" spc="-1" strike="noStrike">
+                <a:solidFill>
+                  <a:srgbClr val="1f497d"/>
+                </a:solidFill>
+                <a:uFill>
+                  <a:solidFill>
+                    <a:srgbClr val="ffffff"/>
+                  </a:solidFill>
+                </a:uFill>
+                <a:latin typeface="Arial"/>
+                <a:ea typeface="DejaVu Sans"/>
+              </a:rPr>
+              <a:t>Prepare Github repository</a:t>
+            </a:r>
+            <a:endParaRPr b="0" lang="en-US" sz="1800" spc="-1" strike="noStrike">
+              <a:solidFill>
+                <a:srgbClr val="000000"/>
+              </a:solidFill>
+              <a:uFill>
+                <a:solidFill>
+                  <a:srgbClr val="ffffff"/>
+                </a:solidFill>
+              </a:uFill>
+              <a:latin typeface="Arial"/>
+            </a:endParaRPr>
+          </a:p>
+          <a:p>
+            <a:pPr marL="432000" indent="-322920">
               <a:lnSpc>
                 <a:spcPct val="100000"/>
               </a:lnSpc>
@@ -7492,13 +7582,13 @@
               <a:buChar char=""/>
             </a:pPr>
             <a:r>
-              <a:rPr lang="en-US" sz="2200" b="0" strike="noStrike" spc="-1" dirty="0">
-                <a:solidFill>
-                  <a:schemeClr val="tx2"/>
-                </a:solidFill>
-                <a:uFill>
-                  <a:solidFill>
-                    <a:srgbClr val="FFFFFF"/>
+              <a:rPr b="0" lang="en-US" sz="2200" spc="-1" strike="noStrike">
+                <a:solidFill>
+                  <a:srgbClr val="1f497d"/>
+                </a:solidFill>
+                <a:uFill>
+                  <a:solidFill>
+                    <a:srgbClr val="ffffff"/>
                   </a:solidFill>
                 </a:uFill>
                 <a:latin typeface="Arial"/>
@@ -7506,20 +7596,20 @@
               </a:rPr>
               <a:t>Week 2</a:t>
             </a:r>
-            <a:endParaRPr lang="en-US" sz="1800" b="0" strike="noStrike" spc="-1" dirty="0">
-              <a:solidFill>
-                <a:schemeClr val="tx2"/>
-              </a:solidFill>
-              <a:uFill>
-                <a:solidFill>
-                  <a:srgbClr val="FFFFFF"/>
-                </a:solidFill>
-              </a:uFill>
-              <a:latin typeface="Arial"/>
-            </a:endParaRPr>
-          </a:p>
-          <a:p>
-            <a:pPr marL="864000" lvl="1" indent="-323280">
+            <a:endParaRPr b="0" lang="en-US" sz="1800" spc="-1" strike="noStrike">
+              <a:solidFill>
+                <a:srgbClr val="000000"/>
+              </a:solidFill>
+              <a:uFill>
+                <a:solidFill>
+                  <a:srgbClr val="ffffff"/>
+                </a:solidFill>
+              </a:uFill>
+              <a:latin typeface="Arial"/>
+            </a:endParaRPr>
+          </a:p>
+          <a:p>
+            <a:pPr lvl="1" marL="864000" indent="-322920">
               <a:lnSpc>
                 <a:spcPct val="100000"/>
               </a:lnSpc>
@@ -7531,13 +7621,13 @@
               <a:buChar char=""/>
             </a:pPr>
             <a:r>
-              <a:rPr lang="en-US" sz="2000" spc="-1" dirty="0" smtClean="0">
-                <a:solidFill>
-                  <a:schemeClr val="tx2"/>
-                </a:solidFill>
-                <a:uFill>
-                  <a:solidFill>
-                    <a:srgbClr val="FFFFFF"/>
+              <a:rPr b="0" lang="en-US" sz="2000" spc="-1" strike="noStrike">
+                <a:solidFill>
+                  <a:srgbClr val="1f497d"/>
+                </a:solidFill>
+                <a:uFill>
+                  <a:solidFill>
+                    <a:srgbClr val="ffffff"/>
                   </a:solidFill>
                 </a:uFill>
                 <a:latin typeface="Arial"/>
@@ -7545,21 +7635,20 @@
               </a:rPr>
               <a:t>Research the tools needed</a:t>
             </a:r>
-            <a:endParaRPr lang="en-US" sz="2000" b="0" strike="noStrike" spc="-1" dirty="0" smtClean="0">
-              <a:solidFill>
-                <a:schemeClr val="tx2"/>
-              </a:solidFill>
-              <a:uFill>
-                <a:solidFill>
-                  <a:srgbClr val="FFFFFF"/>
-                </a:solidFill>
-              </a:uFill>
-              <a:latin typeface="Arial"/>
-              <a:ea typeface="DejaVu Sans"/>
-            </a:endParaRPr>
-          </a:p>
-          <a:p>
-            <a:pPr marL="864000" lvl="1" indent="-323280">
+            <a:endParaRPr b="0" lang="en-US" sz="1800" spc="-1" strike="noStrike">
+              <a:solidFill>
+                <a:srgbClr val="000000"/>
+              </a:solidFill>
+              <a:uFill>
+                <a:solidFill>
+                  <a:srgbClr val="ffffff"/>
+                </a:solidFill>
+              </a:uFill>
+              <a:latin typeface="Arial"/>
+            </a:endParaRPr>
+          </a:p>
+          <a:p>
+            <a:pPr lvl="1" marL="864000" indent="-322920">
               <a:lnSpc>
                 <a:spcPct val="100000"/>
               </a:lnSpc>
@@ -7571,64 +7660,34 @@
               <a:buChar char=""/>
             </a:pPr>
             <a:r>
-              <a:rPr lang="en-US" sz="2000" b="0" strike="noStrike" spc="-1" dirty="0" smtClean="0">
-                <a:solidFill>
-                  <a:schemeClr val="tx2"/>
-                </a:solidFill>
-                <a:uFill>
-                  <a:solidFill>
-                    <a:srgbClr val="FFFFFF"/>
-                  </a:solidFill>
-                </a:uFill>
-                <a:latin typeface="Arial"/>
-                <a:ea typeface="DejaVu Sans"/>
-              </a:rPr>
-              <a:t>Create </a:t>
-            </a:r>
-            <a:r>
-              <a:rPr lang="en-US" sz="2000" b="0" strike="noStrike" spc="-1" dirty="0">
-                <a:solidFill>
-                  <a:schemeClr val="tx2"/>
-                </a:solidFill>
-                <a:uFill>
-                  <a:solidFill>
-                    <a:srgbClr val="FFFFFF"/>
-                  </a:solidFill>
-                </a:uFill>
-                <a:latin typeface="Arial"/>
-                <a:ea typeface="DejaVu Sans"/>
-              </a:rPr>
-              <a:t>a facilitate an Agile environment. Create a </a:t>
-            </a:r>
-            <a:r>
-              <a:rPr lang="en-US" sz="2000" b="0" strike="noStrike" spc="-1" dirty="0" smtClean="0">
-                <a:solidFill>
-                  <a:schemeClr val="tx2"/>
-                </a:solidFill>
-                <a:uFill>
-                  <a:solidFill>
-                    <a:srgbClr val="FFFFFF"/>
-                  </a:solidFill>
-                </a:uFill>
-                <a:latin typeface="Arial"/>
-                <a:ea typeface="DejaVu Sans"/>
-              </a:rPr>
-              <a:t>backlog of all tasks needed for the project.</a:t>
-            </a:r>
-            <a:endParaRPr lang="en-US" sz="1800" b="0" strike="noStrike" spc="-1" dirty="0">
-              <a:solidFill>
-                <a:schemeClr val="tx2"/>
-              </a:solidFill>
-              <a:uFill>
-                <a:solidFill>
-                  <a:srgbClr val="FFFFFF"/>
-                </a:solidFill>
-              </a:uFill>
-              <a:latin typeface="Arial"/>
-            </a:endParaRPr>
-          </a:p>
-          <a:p>
-            <a:pPr marL="432000" indent="-323280">
+              <a:rPr b="0" lang="en-US" sz="2000" spc="-1" strike="noStrike">
+                <a:solidFill>
+                  <a:srgbClr val="1f497d"/>
+                </a:solidFill>
+                <a:uFill>
+                  <a:solidFill>
+                    <a:srgbClr val="ffffff"/>
+                  </a:solidFill>
+                </a:uFill>
+                <a:latin typeface="Arial"/>
+                <a:ea typeface="DejaVu Sans"/>
+              </a:rPr>
+              <a:t>Create a facilitate an Agile environment. Create a backlog of all tasks needed for the project.</a:t>
+            </a:r>
+            <a:endParaRPr b="0" lang="en-US" sz="1800" spc="-1" strike="noStrike">
+              <a:solidFill>
+                <a:srgbClr val="000000"/>
+              </a:solidFill>
+              <a:uFill>
+                <a:solidFill>
+                  <a:srgbClr val="ffffff"/>
+                </a:solidFill>
+              </a:uFill>
+              <a:latin typeface="Arial"/>
+            </a:endParaRPr>
+          </a:p>
+          <a:p>
+            <a:pPr marL="432000" indent="-322920">
               <a:lnSpc>
                 <a:spcPct val="100000"/>
               </a:lnSpc>
@@ -7640,13 +7699,13 @@
               <a:buChar char=""/>
             </a:pPr>
             <a:r>
-              <a:rPr lang="en-US" sz="2200" b="0" strike="noStrike" spc="-1" dirty="0">
-                <a:solidFill>
-                  <a:schemeClr val="tx2"/>
-                </a:solidFill>
-                <a:uFill>
-                  <a:solidFill>
-                    <a:srgbClr val="FFFFFF"/>
+              <a:rPr b="0" lang="en-US" sz="2200" spc="-1" strike="noStrike">
+                <a:solidFill>
+                  <a:srgbClr val="1f497d"/>
+                </a:solidFill>
+                <a:uFill>
+                  <a:solidFill>
+                    <a:srgbClr val="ffffff"/>
                   </a:solidFill>
                 </a:uFill>
                 <a:latin typeface="Arial"/>
@@ -7654,20 +7713,20 @@
               </a:rPr>
               <a:t>Week 3</a:t>
             </a:r>
-            <a:endParaRPr lang="en-US" sz="1800" b="0" strike="noStrike" spc="-1" dirty="0">
-              <a:solidFill>
-                <a:schemeClr val="tx2"/>
-              </a:solidFill>
-              <a:uFill>
-                <a:solidFill>
-                  <a:srgbClr val="FFFFFF"/>
-                </a:solidFill>
-              </a:uFill>
-              <a:latin typeface="Arial"/>
-            </a:endParaRPr>
-          </a:p>
-          <a:p>
-            <a:pPr marL="864000" lvl="1" indent="-323280">
+            <a:endParaRPr b="0" lang="en-US" sz="1800" spc="-1" strike="noStrike">
+              <a:solidFill>
+                <a:srgbClr val="000000"/>
+              </a:solidFill>
+              <a:uFill>
+                <a:solidFill>
+                  <a:srgbClr val="ffffff"/>
+                </a:solidFill>
+              </a:uFill>
+              <a:latin typeface="Arial"/>
+            </a:endParaRPr>
+          </a:p>
+          <a:p>
+            <a:pPr lvl="1" marL="864000" indent="-322920">
               <a:lnSpc>
                 <a:spcPct val="100000"/>
               </a:lnSpc>
@@ -7679,33 +7738,34 @@
               <a:buChar char=""/>
             </a:pPr>
             <a:r>
-              <a:rPr lang="en-US" sz="1800" b="0" strike="noStrike" spc="-1" dirty="0" smtClean="0">
-                <a:solidFill>
-                  <a:schemeClr val="tx2"/>
-                </a:solidFill>
-                <a:uFill>
-                  <a:solidFill>
-                    <a:srgbClr val="FFFFFF"/>
-                  </a:solidFill>
-                </a:uFill>
-                <a:latin typeface="Arial"/>
+              <a:rPr b="0" lang="en-US" sz="1800" spc="-1" strike="noStrike">
+                <a:solidFill>
+                  <a:srgbClr val="1f497d"/>
+                </a:solidFill>
+                <a:uFill>
+                  <a:solidFill>
+                    <a:srgbClr val="ffffff"/>
+                  </a:solidFill>
+                </a:uFill>
+                <a:latin typeface="Arial"/>
+                <a:ea typeface="DejaVu Sans"/>
               </a:rPr>
               <a:t>Decide on a component of the project to develop</a:t>
             </a:r>
-            <a:endParaRPr lang="en-US" sz="1800" b="0" strike="noStrike" spc="-1" dirty="0">
-              <a:solidFill>
-                <a:schemeClr val="tx2"/>
-              </a:solidFill>
-              <a:uFill>
-                <a:solidFill>
-                  <a:srgbClr val="FFFFFF"/>
-                </a:solidFill>
-              </a:uFill>
-              <a:latin typeface="Arial"/>
-            </a:endParaRPr>
-          </a:p>
-          <a:p>
-            <a:pPr marL="864000" lvl="1" indent="-323280">
+            <a:endParaRPr b="0" lang="en-US" sz="1800" spc="-1" strike="noStrike">
+              <a:solidFill>
+                <a:srgbClr val="000000"/>
+              </a:solidFill>
+              <a:uFill>
+                <a:solidFill>
+                  <a:srgbClr val="ffffff"/>
+                </a:solidFill>
+              </a:uFill>
+              <a:latin typeface="Arial"/>
+            </a:endParaRPr>
+          </a:p>
+          <a:p>
+            <a:pPr lvl="1" marL="864000" indent="-322920">
               <a:lnSpc>
                 <a:spcPct val="100000"/>
               </a:lnSpc>
@@ -7717,22 +7777,34 @@
               <a:buChar char=""/>
             </a:pPr>
             <a:r>
-              <a:rPr lang="en-US" sz="2000" spc="-1" dirty="0" smtClean="0">
-                <a:solidFill>
-                  <a:schemeClr val="tx2"/>
-                </a:solidFill>
-                <a:uFill>
-                  <a:solidFill>
-                    <a:srgbClr val="FFFFFF"/>
-                  </a:solidFill>
-                </a:uFill>
-                <a:latin typeface="Arial"/>
+              <a:rPr b="0" lang="en-US" sz="2000" spc="-1" strike="noStrike">
+                <a:solidFill>
+                  <a:srgbClr val="1f497d"/>
+                </a:solidFill>
+                <a:uFill>
+                  <a:solidFill>
+                    <a:srgbClr val="ffffff"/>
+                  </a:solidFill>
+                </a:uFill>
+                <a:latin typeface="Arial"/>
+                <a:ea typeface="DejaVu Sans"/>
               </a:rPr>
               <a:t>Form a sprint from the relevant tasks in the backlog</a:t>
             </a:r>
-          </a:p>
-          <a:p>
-            <a:pPr marL="864000" lvl="1" indent="-323280">
+            <a:endParaRPr b="0" lang="en-US" sz="1800" spc="-1" strike="noStrike">
+              <a:solidFill>
+                <a:srgbClr val="000000"/>
+              </a:solidFill>
+              <a:uFill>
+                <a:solidFill>
+                  <a:srgbClr val="ffffff"/>
+                </a:solidFill>
+              </a:uFill>
+              <a:latin typeface="Arial"/>
+            </a:endParaRPr>
+          </a:p>
+          <a:p>
+            <a:pPr lvl="1" marL="864000" indent="-322920">
               <a:lnSpc>
                 <a:spcPct val="100000"/>
               </a:lnSpc>
@@ -7744,22 +7816,34 @@
               <a:buChar char=""/>
             </a:pPr>
             <a:r>
-              <a:rPr lang="en-US" sz="2000" spc="-1" dirty="0" smtClean="0">
-                <a:solidFill>
-                  <a:schemeClr val="tx2"/>
-                </a:solidFill>
-                <a:uFill>
-                  <a:solidFill>
-                    <a:srgbClr val="FFFFFF"/>
-                  </a:solidFill>
-                </a:uFill>
-                <a:latin typeface="Arial"/>
+              <a:rPr b="0" lang="en-US" sz="2000" spc="-1" strike="noStrike">
+                <a:solidFill>
+                  <a:srgbClr val="1f497d"/>
+                </a:solidFill>
+                <a:uFill>
+                  <a:solidFill>
+                    <a:srgbClr val="ffffff"/>
+                  </a:solidFill>
+                </a:uFill>
+                <a:latin typeface="Arial"/>
+                <a:ea typeface="DejaVu Sans"/>
               </a:rPr>
               <a:t>Each person write their code and unit test</a:t>
             </a:r>
-          </a:p>
-          <a:p>
-            <a:pPr marL="864000" lvl="1" indent="-323280">
+            <a:endParaRPr b="0" lang="en-US" sz="1800" spc="-1" strike="noStrike">
+              <a:solidFill>
+                <a:srgbClr val="000000"/>
+              </a:solidFill>
+              <a:uFill>
+                <a:solidFill>
+                  <a:srgbClr val="ffffff"/>
+                </a:solidFill>
+              </a:uFill>
+              <a:latin typeface="Arial"/>
+            </a:endParaRPr>
+          </a:p>
+          <a:p>
+            <a:pPr lvl="1" marL="864000" indent="-322920">
               <a:lnSpc>
                 <a:spcPct val="100000"/>
               </a:lnSpc>
@@ -7771,22 +7855,34 @@
               <a:buChar char=""/>
             </a:pPr>
             <a:r>
-              <a:rPr lang="en-US" spc="-1" dirty="0" smtClean="0">
-                <a:solidFill>
-                  <a:schemeClr val="tx2"/>
-                </a:solidFill>
-                <a:uFill>
-                  <a:solidFill>
-                    <a:srgbClr val="FFFFFF"/>
-                  </a:solidFill>
-                </a:uFill>
-                <a:latin typeface="Arial"/>
+              <a:rPr b="0" lang="en-US" sz="1800" spc="-1" strike="noStrike">
+                <a:solidFill>
+                  <a:srgbClr val="1f497d"/>
+                </a:solidFill>
+                <a:uFill>
+                  <a:solidFill>
+                    <a:srgbClr val="ffffff"/>
+                  </a:solidFill>
+                </a:uFill>
+                <a:latin typeface="Arial"/>
+                <a:ea typeface="DejaVu Sans"/>
               </a:rPr>
               <a:t>Integrate our work and test that it works together</a:t>
             </a:r>
-          </a:p>
-          <a:p>
-            <a:pPr marL="864000" lvl="1" indent="-323280">
+            <a:endParaRPr b="0" lang="en-US" sz="1800" spc="-1" strike="noStrike">
+              <a:solidFill>
+                <a:srgbClr val="000000"/>
+              </a:solidFill>
+              <a:uFill>
+                <a:solidFill>
+                  <a:srgbClr val="ffffff"/>
+                </a:solidFill>
+              </a:uFill>
+              <a:latin typeface="Arial"/>
+            </a:endParaRPr>
+          </a:p>
+          <a:p>
+            <a:pPr lvl="1" marL="864000" indent="-322920">
               <a:lnSpc>
                 <a:spcPct val="100000"/>
               </a:lnSpc>
@@ -7798,47 +7894,34 @@
               <a:buChar char=""/>
             </a:pPr>
             <a:r>
-              <a:rPr lang="en-US" sz="1800" b="0" strike="noStrike" spc="-1" dirty="0" smtClean="0">
-                <a:solidFill>
-                  <a:schemeClr val="tx2"/>
-                </a:solidFill>
-                <a:uFill>
-                  <a:solidFill>
-                    <a:srgbClr val="FFFFFF"/>
-                  </a:solidFill>
-                </a:uFill>
-                <a:latin typeface="Arial"/>
-              </a:rPr>
-              <a:t>Commit to </a:t>
-            </a:r>
-            <a:r>
-              <a:rPr lang="en-US" sz="1800" b="0" strike="noStrike" spc="-1" dirty="0" err="1" smtClean="0">
-                <a:solidFill>
-                  <a:schemeClr val="tx2"/>
-                </a:solidFill>
-                <a:uFill>
-                  <a:solidFill>
-                    <a:srgbClr val="FFFFFF"/>
-                  </a:solidFill>
-                </a:uFill>
-                <a:latin typeface="Arial"/>
-              </a:rPr>
-              <a:t>Github</a:t>
-            </a:r>
-            <a:endParaRPr lang="en-US" sz="1800" b="0" strike="noStrike" spc="-1" dirty="0" smtClean="0">
-              <a:solidFill>
-                <a:schemeClr val="tx2"/>
-              </a:solidFill>
-              <a:uFill>
-                <a:solidFill>
-                  <a:srgbClr val="FFFFFF"/>
-                </a:solidFill>
-              </a:uFill>
-              <a:latin typeface="Arial"/>
-            </a:endParaRPr>
-          </a:p>
-          <a:p>
-            <a:pPr marL="864000" lvl="1" indent="-323280">
+              <a:rPr b="0" lang="en-US" sz="1800" spc="-1" strike="noStrike">
+                <a:solidFill>
+                  <a:srgbClr val="1f497d"/>
+                </a:solidFill>
+                <a:uFill>
+                  <a:solidFill>
+                    <a:srgbClr val="ffffff"/>
+                  </a:solidFill>
+                </a:uFill>
+                <a:latin typeface="Arial"/>
+                <a:ea typeface="DejaVu Sans"/>
+              </a:rPr>
+              <a:t>Commit to Github</a:t>
+            </a:r>
+            <a:endParaRPr b="0" lang="en-US" sz="1800" spc="-1" strike="noStrike">
+              <a:solidFill>
+                <a:srgbClr val="000000"/>
+              </a:solidFill>
+              <a:uFill>
+                <a:solidFill>
+                  <a:srgbClr val="ffffff"/>
+                </a:solidFill>
+              </a:uFill>
+              <a:latin typeface="Arial"/>
+            </a:endParaRPr>
+          </a:p>
+          <a:p>
+            <a:pPr lvl="1" marL="864000" indent="-322920">
               <a:lnSpc>
                 <a:spcPct val="100000"/>
               </a:lnSpc>
@@ -7850,33 +7933,34 @@
               <a:buChar char=""/>
             </a:pPr>
             <a:r>
-              <a:rPr lang="en-US" spc="-1" dirty="0" smtClean="0">
-                <a:solidFill>
-                  <a:schemeClr val="tx2"/>
-                </a:solidFill>
-                <a:uFill>
-                  <a:solidFill>
-                    <a:srgbClr val="FFFFFF"/>
-                  </a:solidFill>
-                </a:uFill>
-                <a:latin typeface="Arial"/>
+              <a:rPr b="0" lang="en-US" sz="1800" spc="-1" strike="noStrike">
+                <a:solidFill>
+                  <a:srgbClr val="1f497d"/>
+                </a:solidFill>
+                <a:uFill>
+                  <a:solidFill>
+                    <a:srgbClr val="ffffff"/>
+                  </a:solidFill>
+                </a:uFill>
+                <a:latin typeface="Arial"/>
+                <a:ea typeface="DejaVu Sans"/>
               </a:rPr>
               <a:t>Update/Add to backlog if needed</a:t>
             </a:r>
-            <a:endParaRPr lang="en-US" sz="1800" b="0" strike="noStrike" spc="-1" dirty="0">
-              <a:solidFill>
-                <a:schemeClr val="tx2"/>
-              </a:solidFill>
-              <a:uFill>
-                <a:solidFill>
-                  <a:srgbClr val="FFFFFF"/>
-                </a:solidFill>
-              </a:uFill>
-              <a:latin typeface="Arial"/>
-            </a:endParaRPr>
-          </a:p>
-          <a:p>
-            <a:pPr marL="432000" indent="-323280">
+            <a:endParaRPr b="0" lang="en-US" sz="1800" spc="-1" strike="noStrike">
+              <a:solidFill>
+                <a:srgbClr val="000000"/>
+              </a:solidFill>
+              <a:uFill>
+                <a:solidFill>
+                  <a:srgbClr val="ffffff"/>
+                </a:solidFill>
+              </a:uFill>
+              <a:latin typeface="Arial"/>
+            </a:endParaRPr>
+          </a:p>
+          <a:p>
+            <a:pPr marL="432000" indent="-322920">
               <a:lnSpc>
                 <a:spcPct val="100000"/>
               </a:lnSpc>
@@ -7888,38 +7972,37 @@
               <a:buChar char=""/>
             </a:pPr>
             <a:r>
-              <a:rPr lang="en-US" sz="2200" b="0" strike="noStrike" spc="-1" dirty="0">
-                <a:solidFill>
-                  <a:schemeClr val="tx2"/>
-                </a:solidFill>
-                <a:uFill>
-                  <a:solidFill>
-                    <a:srgbClr val="FFFFFF"/>
-                  </a:solidFill>
-                </a:uFill>
-                <a:latin typeface="Arial"/>
-                <a:ea typeface="DejaVu Sans"/>
-              </a:rPr>
-              <a:t>Week </a:t>
-            </a:r>
-            <a:r>
-              <a:rPr lang="en-US" sz="2200" b="0" strike="noStrike" spc="-1" dirty="0" smtClean="0">
-                <a:solidFill>
-                  <a:schemeClr val="tx2"/>
-                </a:solidFill>
-                <a:uFill>
-                  <a:solidFill>
-                    <a:srgbClr val="FFFFFF"/>
-                  </a:solidFill>
-                </a:uFill>
-                <a:latin typeface="Arial"/>
-                <a:ea typeface="DejaVu Sans"/>
-              </a:rPr>
-              <a:t>4, 5, 6</a:t>
-            </a:r>
-          </a:p>
-          <a:p>
-            <a:pPr marL="864000" lvl="1" indent="-323280">
+              <a:rPr b="0" lang="en-US" sz="2200" spc="-1" strike="noStrike">
+                <a:solidFill>
+                  <a:srgbClr val="1f497d"/>
+                </a:solidFill>
+                <a:uFill>
+                  <a:solidFill>
+                    <a:srgbClr val="ffffff"/>
+                  </a:solidFill>
+                </a:uFill>
+                <a:latin typeface="Arial"/>
+                <a:ea typeface="DejaVu Sans"/>
+              </a:rPr>
+              <a:t>Week 4, 5, 6</a:t>
+            </a:r>
+            <a:endParaRPr b="0" lang="en-US" sz="1800" spc="-1" strike="noStrike">
+              <a:solidFill>
+                <a:srgbClr val="000000"/>
+              </a:solidFill>
+              <a:uFill>
+                <a:solidFill>
+                  <a:srgbClr val="ffffff"/>
+                </a:solidFill>
+              </a:uFill>
+              <a:latin typeface="Arial"/>
+            </a:endParaRPr>
+          </a:p>
+          <a:p>
+            <a:pPr lvl="1" marL="864000" indent="-322920">
+              <a:lnSpc>
+                <a:spcPct val="100000"/>
+              </a:lnSpc>
               <a:buClr>
                 <a:srgbClr val="000000"/>
               </a:buClr>
@@ -7928,21 +8011,34 @@
               <a:buChar char=""/>
             </a:pPr>
             <a:r>
-              <a:rPr lang="en-US" sz="2000" spc="-1" dirty="0">
-                <a:solidFill>
-                  <a:schemeClr val="tx2"/>
-                </a:solidFill>
-                <a:uFill>
-                  <a:solidFill>
-                    <a:srgbClr val="FFFFFF"/>
-                  </a:solidFill>
-                </a:uFill>
+              <a:rPr b="0" lang="en-US" sz="2000" spc="-1" strike="noStrike">
+                <a:solidFill>
+                  <a:srgbClr val="1f497d"/>
+                </a:solidFill>
+                <a:uFill>
+                  <a:solidFill>
+                    <a:srgbClr val="ffffff"/>
+                  </a:solidFill>
+                </a:uFill>
+                <a:latin typeface="Arial"/>
+                <a:ea typeface="DejaVu Sans"/>
               </a:rPr>
               <a:t>Perform new iteration of the steps from week 3</a:t>
             </a:r>
-          </a:p>
-          <a:p>
-            <a:pPr marL="864000" lvl="1" indent="-323280">
+            <a:endParaRPr b="0" lang="en-US" sz="1800" spc="-1" strike="noStrike">
+              <a:solidFill>
+                <a:srgbClr val="000000"/>
+              </a:solidFill>
+              <a:uFill>
+                <a:solidFill>
+                  <a:srgbClr val="ffffff"/>
+                </a:solidFill>
+              </a:uFill>
+              <a:latin typeface="Arial"/>
+            </a:endParaRPr>
+          </a:p>
+          <a:p>
+            <a:pPr lvl="1" marL="864000" indent="-322920">
               <a:lnSpc>
                 <a:spcPct val="100000"/>
               </a:lnSpc>
@@ -7954,43 +8050,44 @@
               <a:buChar char=""/>
             </a:pPr>
             <a:r>
-              <a:rPr lang="en-US" sz="2000" b="0" strike="noStrike" spc="-1" dirty="0" smtClean="0">
-                <a:solidFill>
-                  <a:schemeClr val="tx2"/>
-                </a:solidFill>
-                <a:uFill>
-                  <a:solidFill>
-                    <a:srgbClr val="FFFFFF"/>
-                  </a:solidFill>
-                </a:uFill>
-                <a:latin typeface="Arial"/>
+              <a:rPr b="0" lang="en-US" sz="2000" spc="-1" strike="noStrike">
+                <a:solidFill>
+                  <a:srgbClr val="1f497d"/>
+                </a:solidFill>
+                <a:uFill>
+                  <a:solidFill>
+                    <a:srgbClr val="ffffff"/>
+                  </a:solidFill>
+                </a:uFill>
+                <a:latin typeface="Arial"/>
+                <a:ea typeface="DejaVu Sans"/>
               </a:rPr>
               <a:t>The major components of the project must be assigned such that the project can be completed in at most 6-7 weeks</a:t>
             </a:r>
-            <a:endParaRPr lang="en-US" sz="1800" b="0" strike="noStrike" spc="-1" dirty="0">
-              <a:solidFill>
-                <a:schemeClr val="tx2"/>
-              </a:solidFill>
-              <a:uFill>
-                <a:solidFill>
-                  <a:srgbClr val="FFFFFF"/>
-                </a:solidFill>
-              </a:uFill>
-              <a:latin typeface="Arial"/>
-            </a:endParaRPr>
-          </a:p>
-        </p:txBody>
-      </p:sp>
-      <p:sp>
-        <p:nvSpPr>
-          <p:cNvPr id="90" name="CustomShape 2"/>
+            <a:endParaRPr b="0" lang="en-US" sz="1800" spc="-1" strike="noStrike">
+              <a:solidFill>
+                <a:srgbClr val="000000"/>
+              </a:solidFill>
+              <a:uFill>
+                <a:solidFill>
+                  <a:srgbClr val="ffffff"/>
+                </a:solidFill>
+              </a:uFill>
+              <a:latin typeface="Arial"/>
+            </a:endParaRPr>
+          </a:p>
+        </p:txBody>
+      </p:sp>
+      <p:sp>
+        <p:nvSpPr>
+          <p:cNvPr id="95" name="CustomShape 2"/>
           <p:cNvSpPr/>
           <p:nvPr/>
         </p:nvSpPr>
         <p:spPr>
           <a:xfrm>
             <a:off x="504000" y="301320"/>
-            <a:ext cx="9070920" cy="1261440"/>
+            <a:ext cx="9070560" cy="1261080"/>
           </a:xfrm>
           <a:prstGeom prst="rect">
             <a:avLst/>
@@ -8001,20 +8098,13 @@
           </a:ln>
         </p:spPr>
         <p:style>
-          <a:lnRef idx="0">
-            <a:scrgbClr r="0" g="0" b="0"/>
-          </a:lnRef>
-          <a:fillRef idx="0">
-            <a:scrgbClr r="0" g="0" b="0"/>
-          </a:fillRef>
-          <a:effectRef idx="0">
-            <a:scrgbClr r="0" g="0" b="0"/>
-          </a:effectRef>
+          <a:lnRef idx="0"/>
+          <a:fillRef idx="0"/>
+          <a:effectRef idx="0"/>
           <a:fontRef idx="minor"/>
         </p:style>
         <p:txBody>
-          <a:bodyPr lIns="0" tIns="0" rIns="0" bIns="0" anchor="ctr"/>
-          <a:lstStyle/>
+          <a:bodyPr lIns="0" rIns="0" tIns="0" bIns="0" anchor="ctr"/>
           <a:p>
             <a:pPr>
               <a:lnSpc>
@@ -8022,52 +8112,52 @@
               </a:lnSpc>
             </a:pPr>
             <a:r>
-              <a:rPr lang="en-US" sz="4400" b="1" spc="-1" dirty="0" smtClean="0">
-                <a:solidFill>
-                  <a:schemeClr val="accent4"/>
-                </a:solidFill>
-                <a:uFill>
-                  <a:solidFill>
-                    <a:srgbClr val="FFFFFF"/>
-                  </a:solidFill>
-                </a:uFill>
+              <a:rPr b="1" lang="en-US" sz="4400" spc="-1" strike="noStrike">
+                <a:solidFill>
+                  <a:srgbClr val="8064a2"/>
+                </a:solidFill>
+                <a:uFill>
+                  <a:solidFill>
+                    <a:srgbClr val="ffffff"/>
+                  </a:solidFill>
+                </a:uFill>
+                <a:latin typeface="Arial"/>
+                <a:ea typeface="DejaVu Sans"/>
               </a:rPr>
               <a:t>Timeline</a:t>
             </a:r>
-            <a:endParaRPr lang="en-US" sz="4400" spc="-1" dirty="0">
-              <a:solidFill>
-                <a:schemeClr val="accent4"/>
-              </a:solidFill>
-              <a:uFill>
-                <a:solidFill>
-                  <a:srgbClr val="FFFFFF"/>
-                </a:solidFill>
-              </a:uFill>
+            <a:endParaRPr b="0" lang="en-US" sz="1800" spc="-1" strike="noStrike">
+              <a:solidFill>
+                <a:srgbClr val="000000"/>
+              </a:solidFill>
+              <a:uFill>
+                <a:solidFill>
+                  <a:srgbClr val="ffffff"/>
+                </a:solidFill>
+              </a:uFill>
+              <a:latin typeface="Arial"/>
             </a:endParaRPr>
           </a:p>
         </p:txBody>
       </p:sp>
     </p:spTree>
   </p:cSld>
-  <p:clrMapOvr>
-    <a:masterClrMapping/>
-  </p:clrMapOvr>
   <p:timing>
     <p:tnLst>
       <p:par>
-        <p:cTn id="1" dur="indefinite" restart="never" nodeType="tmRoot">
+        <p:cTn id="15" dur="indefinite" restart="never" nodeType="tmRoot">
           <p:childTnLst>
             <p:seq>
-              <p:cTn id="2" nodeType="mainSeq"/>
+              <p:cTn id="16" nodeType="mainSeq"/>
               <p:prevCondLst>
-                <p:cond evt="onPrev" delay="0">
+                <p:cond delay="0" evt="onPrev">
                   <p:tgtEl>
                     <p:sldTgt/>
                   </p:tgtEl>
                 </p:cond>
               </p:prevCondLst>
               <p:nextCondLst>
-                <p:cond evt="onNext" delay="0">
+                <p:cond delay="0" evt="onNext">
                   <p:tgtEl>
                     <p:sldTgt/>
                   </p:tgtEl>
@@ -8302,8 +8392,6 @@
       </a:bgFillStyleLst>
     </a:fmtScheme>
   </a:themeElements>
-  <a:objectDefaults/>
-  <a:extraClrSchemeLst/>
 </a:theme>
 </file>
 
@@ -8527,7 +8615,5 @@
       </a:bgFillStyleLst>
     </a:fmtScheme>
   </a:themeElements>
-  <a:objectDefaults/>
-  <a:extraClrSchemeLst/>
 </a:theme>
 </file>